--- a/Docker - 03 - Build a Custom Images Through Docker.pptx
+++ b/Docker - 03 - Build a Custom Images Through Docker.pptx
@@ -20,45 +20,59 @@
     <p:sldId id="481" r:id="rId13"/>
     <p:sldId id="482" r:id="rId14"/>
     <p:sldId id="483" r:id="rId15"/>
-    <p:sldId id="446" r:id="rId16"/>
-    <p:sldId id="258" r:id="rId17"/>
-    <p:sldId id="349" r:id="rId18"/>
-    <p:sldId id="348" r:id="rId19"/>
-    <p:sldId id="350" r:id="rId20"/>
-    <p:sldId id="351" r:id="rId21"/>
-    <p:sldId id="352" r:id="rId22"/>
-    <p:sldId id="377" r:id="rId23"/>
-    <p:sldId id="378" r:id="rId24"/>
-    <p:sldId id="379" r:id="rId25"/>
-    <p:sldId id="380" r:id="rId26"/>
-    <p:sldId id="381" r:id="rId27"/>
-    <p:sldId id="405" r:id="rId28"/>
-    <p:sldId id="406" r:id="rId29"/>
-    <p:sldId id="407" r:id="rId30"/>
-    <p:sldId id="408" r:id="rId31"/>
-    <p:sldId id="409" r:id="rId32"/>
-    <p:sldId id="410" r:id="rId33"/>
-    <p:sldId id="434" r:id="rId34"/>
-    <p:sldId id="435" r:id="rId35"/>
-    <p:sldId id="436" r:id="rId36"/>
-    <p:sldId id="437" r:id="rId37"/>
-    <p:sldId id="440" r:id="rId38"/>
-    <p:sldId id="438" r:id="rId39"/>
-    <p:sldId id="439" r:id="rId40"/>
-    <p:sldId id="441" r:id="rId41"/>
-    <p:sldId id="442" r:id="rId42"/>
-    <p:sldId id="304" r:id="rId43"/>
+    <p:sldId id="513" r:id="rId16"/>
+    <p:sldId id="514" r:id="rId17"/>
+    <p:sldId id="512" r:id="rId18"/>
+    <p:sldId id="515" r:id="rId19"/>
+    <p:sldId id="516" r:id="rId20"/>
+    <p:sldId id="517" r:id="rId21"/>
+    <p:sldId id="518" r:id="rId22"/>
+    <p:sldId id="519" r:id="rId23"/>
+    <p:sldId id="521" r:id="rId24"/>
+    <p:sldId id="520" r:id="rId25"/>
+    <p:sldId id="522" r:id="rId26"/>
+    <p:sldId id="523" r:id="rId27"/>
+    <p:sldId id="524" r:id="rId28"/>
+    <p:sldId id="525" r:id="rId29"/>
+    <p:sldId id="446" r:id="rId30"/>
+    <p:sldId id="258" r:id="rId31"/>
+    <p:sldId id="349" r:id="rId32"/>
+    <p:sldId id="348" r:id="rId33"/>
+    <p:sldId id="350" r:id="rId34"/>
+    <p:sldId id="351" r:id="rId35"/>
+    <p:sldId id="352" r:id="rId36"/>
+    <p:sldId id="377" r:id="rId37"/>
+    <p:sldId id="378" r:id="rId38"/>
+    <p:sldId id="379" r:id="rId39"/>
+    <p:sldId id="380" r:id="rId40"/>
+    <p:sldId id="381" r:id="rId41"/>
+    <p:sldId id="405" r:id="rId42"/>
+    <p:sldId id="406" r:id="rId43"/>
+    <p:sldId id="407" r:id="rId44"/>
+    <p:sldId id="408" r:id="rId45"/>
+    <p:sldId id="409" r:id="rId46"/>
+    <p:sldId id="410" r:id="rId47"/>
+    <p:sldId id="434" r:id="rId48"/>
+    <p:sldId id="435" r:id="rId49"/>
+    <p:sldId id="436" r:id="rId50"/>
+    <p:sldId id="437" r:id="rId51"/>
+    <p:sldId id="440" r:id="rId52"/>
+    <p:sldId id="438" r:id="rId53"/>
+    <p:sldId id="439" r:id="rId54"/>
+    <p:sldId id="441" r:id="rId55"/>
+    <p:sldId id="442" r:id="rId56"/>
+    <p:sldId id="304" r:id="rId57"/>
   </p:sldIdLst>
   <p:sldSz cx="9144000" cy="5143500"/>
   <p:notesSz cx="6858000" cy="9144000"/>
   <p:embeddedFontLst>
     <p:embeddedFont>
       <p:font typeface="PT Sans Narrow" panose="020B0506020203020204"/>
-      <p:regular r:id="rId47"/>
+      <p:regular r:id="rId61"/>
     </p:embeddedFont>
     <p:embeddedFont>
       <p:font typeface="Open Sans" panose="020B0306030504020204"/>
-      <p:regular r:id="rId48"/>
+      <p:regular r:id="rId62"/>
     </p:embeddedFont>
   </p:embeddedFontLst>
   <p:defaultTextStyle>
@@ -1215,6 +1229,7 @@
               </a:spcAft>
               <a:buNone/>
             </a:pPr>
+            <a:endParaRPr lang="en-US"/>
           </a:p>
         </p:txBody>
       </p:sp>
@@ -1314,26 +1329,6 @@
               </a:spcAft>
               <a:buNone/>
             </a:pPr>
-            <a:r>
-              <a:rPr lang="en-US"/>
-              <a:t>we choose busybox becuase it has echo or ls command in its container.</a:t>
-            </a:r>
-            <a:endParaRPr lang="en-US"/>
-          </a:p>
-          <a:p>
-            <a:pPr marL="0" lvl="0" indent="0" algn="l" rtl="0">
-              <a:spcBef>
-                <a:spcPts val="0"/>
-              </a:spcBef>
-              <a:spcAft>
-                <a:spcPts val="0"/>
-              </a:spcAft>
-              <a:buNone/>
-            </a:pPr>
-            <a:r>
-              <a:rPr lang="en-US"/>
-              <a:t>hello-world is a single file container.</a:t>
-            </a:r>
             <a:endParaRPr lang="en-US"/>
           </a:p>
         </p:txBody>
@@ -1434,6 +1429,7 @@
               </a:spcAft>
               <a:buNone/>
             </a:pPr>
+            <a:endParaRPr lang="en-US"/>
           </a:p>
         </p:txBody>
       </p:sp>
@@ -1533,6 +1529,7 @@
               </a:spcAft>
               <a:buNone/>
             </a:pPr>
+            <a:endParaRPr lang="en-US"/>
           </a:p>
         </p:txBody>
       </p:sp>
@@ -1632,6 +1629,7 @@
               </a:spcAft>
               <a:buNone/>
             </a:pPr>
+            <a:endParaRPr lang="en-US"/>
           </a:p>
         </p:txBody>
       </p:sp>
@@ -1731,6 +1729,7 @@
               </a:spcAft>
               <a:buNone/>
             </a:pPr>
+            <a:endParaRPr lang="en-US"/>
           </a:p>
         </p:txBody>
       </p:sp>
@@ -1830,6 +1829,7 @@
               </a:spcAft>
               <a:buNone/>
             </a:pPr>
+            <a:endParaRPr lang="en-US"/>
           </a:p>
         </p:txBody>
       </p:sp>
@@ -2028,70 +2028,6 @@
               </a:spcAft>
               <a:buNone/>
             </a:pPr>
-            <a:r>
-              <a:rPr lang="en-US"/>
-              <a:t>docker start -a hello-world</a:t>
-            </a:r>
-            <a:endParaRPr lang="en-US"/>
-          </a:p>
-          <a:p>
-            <a:pPr marL="0" lvl="0" indent="0" algn="l" rtl="0">
-              <a:spcBef>
-                <a:spcPts val="0"/>
-              </a:spcBef>
-              <a:spcAft>
-                <a:spcPts val="0"/>
-              </a:spcAft>
-              <a:buNone/>
-            </a:pPr>
-            <a:r>
-              <a:rPr lang="en-US"/>
-              <a:t>-a is a option, let the docker show the output coming from it and print it out at the terminal</a:t>
-            </a:r>
-            <a:endParaRPr lang="en-US"/>
-          </a:p>
-          <a:p>
-            <a:pPr marL="0" lvl="0" indent="0" algn="l" rtl="0">
-              <a:spcBef>
-                <a:spcPts val="0"/>
-              </a:spcBef>
-              <a:spcAft>
-                <a:spcPts val="0"/>
-              </a:spcAft>
-              <a:buNone/>
-            </a:pPr>
-            <a:endParaRPr lang="en-US"/>
-          </a:p>
-          <a:p>
-            <a:pPr marL="0" lvl="0" indent="0" algn="l" rtl="0">
-              <a:spcBef>
-                <a:spcPts val="0"/>
-              </a:spcBef>
-              <a:spcAft>
-                <a:spcPts val="0"/>
-              </a:spcAft>
-              <a:buNone/>
-            </a:pPr>
-            <a:r>
-              <a:rPr lang="en-US"/>
-              <a:t>docker run</a:t>
-            </a:r>
-            <a:endParaRPr lang="en-US"/>
-          </a:p>
-          <a:p>
-            <a:pPr marL="0" lvl="0" indent="0" algn="l" rtl="0">
-              <a:spcBef>
-                <a:spcPts val="0"/>
-              </a:spcBef>
-              <a:spcAft>
-                <a:spcPts val="0"/>
-              </a:spcAft>
-              <a:buNone/>
-            </a:pPr>
-            <a:r>
-              <a:rPr lang="en-US"/>
-              <a:t>=&gt; is going to show you all the logs or all the information coming out of the container by default</a:t>
-            </a:r>
             <a:endParaRPr lang="en-US"/>
           </a:p>
         </p:txBody>
@@ -2192,178 +2128,6 @@
               </a:spcAft>
               <a:buNone/>
             </a:pPr>
-            <a:r>
-              <a:rPr lang="en-US"/>
-              <a:t>check all container are running</a:t>
-            </a:r>
-            <a:endParaRPr lang="en-US"/>
-          </a:p>
-          <a:p>
-            <a:pPr marL="0" lvl="0" indent="0" algn="l" rtl="0">
-              <a:spcBef>
-                <a:spcPts val="0"/>
-              </a:spcBef>
-              <a:spcAft>
-                <a:spcPts val="0"/>
-              </a:spcAft>
-              <a:buNone/>
-            </a:pPr>
-            <a:r>
-              <a:rPr lang="en-US"/>
-              <a:t>&gt;&gt; docker ps --all</a:t>
-            </a:r>
-            <a:endParaRPr lang="en-US"/>
-          </a:p>
-          <a:p>
-            <a:pPr marL="0" lvl="0" indent="0" algn="l" rtl="0">
-              <a:spcBef>
-                <a:spcPts val="0"/>
-              </a:spcBef>
-              <a:spcAft>
-                <a:spcPts val="0"/>
-              </a:spcAft>
-              <a:buNone/>
-            </a:pPr>
-            <a:r>
-              <a:rPr lang="en-US"/>
-              <a:t>run busybox container</a:t>
-            </a:r>
-            <a:endParaRPr lang="en-US"/>
-          </a:p>
-          <a:p>
-            <a:pPr marL="0" lvl="0" indent="0" algn="l" rtl="0">
-              <a:spcBef>
-                <a:spcPts val="0"/>
-              </a:spcBef>
-              <a:spcAft>
-                <a:spcPts val="0"/>
-              </a:spcAft>
-              <a:buNone/>
-            </a:pPr>
-            <a:r>
-              <a:rPr lang="en-US"/>
-              <a:t>&gt;&gt; docker run busybox echo hi there</a:t>
-            </a:r>
-            <a:endParaRPr lang="en-US"/>
-          </a:p>
-          <a:p>
-            <a:pPr marL="0" lvl="0" indent="0" algn="l" rtl="0">
-              <a:spcBef>
-                <a:spcPts val="0"/>
-              </a:spcBef>
-              <a:spcAft>
-                <a:spcPts val="0"/>
-              </a:spcAft>
-              <a:buNone/>
-            </a:pPr>
-            <a:r>
-              <a:rPr lang="en-US"/>
-              <a:t>check all containers are running</a:t>
-            </a:r>
-            <a:endParaRPr lang="en-US"/>
-          </a:p>
-          <a:p>
-            <a:pPr marL="0" lvl="0" indent="0" algn="l" rtl="0">
-              <a:spcBef>
-                <a:spcPts val="0"/>
-              </a:spcBef>
-              <a:spcAft>
-                <a:spcPts val="0"/>
-              </a:spcAft>
-              <a:buNone/>
-            </a:pPr>
-            <a:r>
-              <a:rPr lang="en-US"/>
-              <a:t>&gt;&gt; docker ps --all</a:t>
-            </a:r>
-            <a:endParaRPr lang="en-US"/>
-          </a:p>
-          <a:p>
-            <a:pPr marL="0" lvl="0" indent="0" algn="l" rtl="0">
-              <a:spcBef>
-                <a:spcPts val="0"/>
-              </a:spcBef>
-              <a:spcAft>
-                <a:spcPts val="0"/>
-              </a:spcAft>
-              <a:buNone/>
-            </a:pPr>
-            <a:r>
-              <a:rPr lang="en-US"/>
-              <a:t>Restart a stopped container by using its ID</a:t>
-            </a:r>
-            <a:endParaRPr lang="en-US"/>
-          </a:p>
-          <a:p>
-            <a:pPr marL="0" lvl="0" indent="0" algn="l" rtl="0">
-              <a:spcBef>
-                <a:spcPts val="0"/>
-              </a:spcBef>
-              <a:spcAft>
-                <a:spcPts val="0"/>
-              </a:spcAft>
-              <a:buNone/>
-            </a:pPr>
-            <a:r>
-              <a:rPr lang="en-US"/>
-              <a:t>&gt;&gt; docker start -a ID</a:t>
-            </a:r>
-            <a:endParaRPr lang="en-US"/>
-          </a:p>
-          <a:p>
-            <a:pPr marL="0" lvl="0" indent="0" algn="l" rtl="0">
-              <a:spcBef>
-                <a:spcPts val="0"/>
-              </a:spcBef>
-              <a:spcAft>
-                <a:spcPts val="0"/>
-              </a:spcAft>
-              <a:buNone/>
-            </a:pPr>
-            <a:r>
-              <a:rPr lang="en-US"/>
-              <a:t>If you try to change the default command, it still show error</a:t>
-            </a:r>
-            <a:endParaRPr lang="en-US"/>
-          </a:p>
-          <a:p>
-            <a:pPr marL="0" lvl="0" indent="0" algn="l" rtl="0">
-              <a:spcBef>
-                <a:spcPts val="0"/>
-              </a:spcBef>
-              <a:spcAft>
-                <a:spcPts val="0"/>
-              </a:spcAft>
-              <a:buNone/>
-            </a:pPr>
-            <a:r>
-              <a:rPr lang="en-US"/>
-              <a:t>&gt;&gt; docker start -a ID echo hello</a:t>
-            </a:r>
-            <a:endParaRPr lang="en-US"/>
-          </a:p>
-          <a:p>
-            <a:pPr marL="0" lvl="0" indent="0" algn="l" rtl="0">
-              <a:spcBef>
-                <a:spcPts val="0"/>
-              </a:spcBef>
-              <a:spcAft>
-                <a:spcPts val="0"/>
-              </a:spcAft>
-              <a:buNone/>
-            </a:pPr>
-            <a:endParaRPr lang="en-US"/>
-          </a:p>
-          <a:p>
-            <a:pPr marL="0" lvl="0" indent="0" algn="l" rtl="0">
-              <a:spcBef>
-                <a:spcPts val="0"/>
-              </a:spcBef>
-              <a:spcAft>
-                <a:spcPts val="0"/>
-              </a:spcAft>
-              <a:buNone/>
-            </a:pPr>
             <a:endParaRPr lang="en-US"/>
           </a:p>
         </p:txBody>
@@ -2464,198 +2228,6 @@
               </a:spcAft>
               <a:buNone/>
             </a:pPr>
-            <a:r>
-              <a:rPr lang="en-US"/>
-              <a:t>check all container are running</a:t>
-            </a:r>
-            <a:endParaRPr lang="en-US"/>
-          </a:p>
-          <a:p>
-            <a:pPr marL="0" lvl="0" indent="0" algn="l" rtl="0">
-              <a:spcBef>
-                <a:spcPts val="0"/>
-              </a:spcBef>
-              <a:spcAft>
-                <a:spcPts val="0"/>
-              </a:spcAft>
-              <a:buNone/>
-            </a:pPr>
-            <a:r>
-              <a:rPr lang="en-US"/>
-              <a:t>&gt;&gt; docker ps --all</a:t>
-            </a:r>
-            <a:endParaRPr lang="en-US"/>
-          </a:p>
-          <a:p>
-            <a:pPr marL="0" lvl="0" indent="0" algn="l" rtl="0">
-              <a:spcBef>
-                <a:spcPts val="0"/>
-              </a:spcBef>
-              <a:spcAft>
-                <a:spcPts val="0"/>
-              </a:spcAft>
-              <a:buNone/>
-            </a:pPr>
-            <a:r>
-              <a:rPr lang="en-US"/>
-              <a:t>run busybox container</a:t>
-            </a:r>
-            <a:endParaRPr lang="en-US"/>
-          </a:p>
-          <a:p>
-            <a:pPr marL="0" lvl="0" indent="0" algn="l" rtl="0">
-              <a:spcBef>
-                <a:spcPts val="0"/>
-              </a:spcBef>
-              <a:spcAft>
-                <a:spcPts val="0"/>
-              </a:spcAft>
-              <a:buNone/>
-            </a:pPr>
-            <a:r>
-              <a:rPr lang="en-US"/>
-              <a:t>&gt;&gt; docker run busybox echo hi there</a:t>
-            </a:r>
-            <a:endParaRPr lang="en-US"/>
-          </a:p>
-          <a:p>
-            <a:pPr marL="0" lvl="0" indent="0" algn="l" rtl="0">
-              <a:spcBef>
-                <a:spcPts val="0"/>
-              </a:spcBef>
-              <a:spcAft>
-                <a:spcPts val="0"/>
-              </a:spcAft>
-              <a:buNone/>
-            </a:pPr>
-            <a:r>
-              <a:rPr lang="en-US"/>
-              <a:t>check all containers are running</a:t>
-            </a:r>
-            <a:endParaRPr lang="en-US"/>
-          </a:p>
-          <a:p>
-            <a:pPr marL="0" lvl="0" indent="0" algn="l" rtl="0">
-              <a:spcBef>
-                <a:spcPts val="0"/>
-              </a:spcBef>
-              <a:spcAft>
-                <a:spcPts val="0"/>
-              </a:spcAft>
-              <a:buNone/>
-            </a:pPr>
-            <a:r>
-              <a:rPr lang="en-US"/>
-              <a:t>&gt;&gt; docker ps --all</a:t>
-            </a:r>
-            <a:endParaRPr lang="en-US"/>
-          </a:p>
-          <a:p>
-            <a:pPr marL="0" lvl="0" indent="0" algn="l" rtl="0">
-              <a:spcBef>
-                <a:spcPts val="0"/>
-              </a:spcBef>
-              <a:spcAft>
-                <a:spcPts val="0"/>
-              </a:spcAft>
-              <a:buNone/>
-            </a:pPr>
-            <a:r>
-              <a:rPr lang="en-US"/>
-              <a:t>Restart a stopped container by using its ID</a:t>
-            </a:r>
-            <a:endParaRPr lang="en-US"/>
-          </a:p>
-          <a:p>
-            <a:pPr marL="0" lvl="0" indent="0" algn="l" rtl="0">
-              <a:spcBef>
-                <a:spcPts val="0"/>
-              </a:spcBef>
-              <a:spcAft>
-                <a:spcPts val="0"/>
-              </a:spcAft>
-              <a:buNone/>
-            </a:pPr>
-            <a:r>
-              <a:rPr lang="en-US"/>
-              <a:t>&gt;&gt; docker start -a ID</a:t>
-            </a:r>
-            <a:endParaRPr lang="en-US"/>
-          </a:p>
-          <a:p>
-            <a:pPr marL="0" lvl="0" indent="0" algn="l" rtl="0">
-              <a:spcBef>
-                <a:spcPts val="0"/>
-              </a:spcBef>
-              <a:spcAft>
-                <a:spcPts val="0"/>
-              </a:spcAft>
-              <a:buNone/>
-            </a:pPr>
-            <a:r>
-              <a:rPr lang="en-US"/>
-              <a:t>=&gt; When run the container second time, The primary command will start automatically</a:t>
-            </a:r>
-            <a:endParaRPr lang="en-US"/>
-          </a:p>
-          <a:p>
-            <a:pPr marL="0" lvl="0" indent="0" algn="l" rtl="0">
-              <a:spcBef>
-                <a:spcPts val="0"/>
-              </a:spcBef>
-              <a:spcAft>
-                <a:spcPts val="0"/>
-              </a:spcAft>
-              <a:buNone/>
-            </a:pPr>
-            <a:r>
-              <a:rPr lang="en-US"/>
-              <a:t>If you try to change the default command, it still show error</a:t>
-            </a:r>
-            <a:endParaRPr lang="en-US"/>
-          </a:p>
-          <a:p>
-            <a:pPr marL="0" lvl="0" indent="0" algn="l" rtl="0">
-              <a:spcBef>
-                <a:spcPts val="0"/>
-              </a:spcBef>
-              <a:spcAft>
-                <a:spcPts val="0"/>
-              </a:spcAft>
-              <a:buNone/>
-            </a:pPr>
-            <a:r>
-              <a:rPr lang="en-US"/>
-              <a:t>&gt;&gt; docker start -a ID echo hello</a:t>
-            </a:r>
-            <a:endParaRPr lang="en-US"/>
-          </a:p>
-          <a:p>
-            <a:pPr marL="0" lvl="0" indent="0" algn="l" rtl="0">
-              <a:spcBef>
-                <a:spcPts val="0"/>
-              </a:spcBef>
-              <a:spcAft>
-                <a:spcPts val="0"/>
-              </a:spcAft>
-              <a:buNone/>
-            </a:pPr>
-            <a:r>
-              <a:rPr lang="en-US"/>
-              <a:t>=&gt; It will show the error because the current primary command here cannot override</a:t>
-            </a:r>
-            <a:endParaRPr lang="en-US"/>
-          </a:p>
-          <a:p>
-            <a:pPr marL="0" lvl="0" indent="0" algn="l" rtl="0">
-              <a:spcBef>
-                <a:spcPts val="0"/>
-              </a:spcBef>
-              <a:spcAft>
-                <a:spcPts val="0"/>
-              </a:spcAft>
-              <a:buNone/>
-            </a:pPr>
             <a:endParaRPr lang="en-US"/>
           </a:p>
         </p:txBody>
@@ -3156,71 +2728,6 @@
               </a:spcAft>
               <a:buNone/>
             </a:pPr>
-            <a:r>
-              <a:rPr lang="en-US"/>
-              <a:t>stop and kill are used to stop and kill a container. But it has a different</a:t>
-            </a:r>
-            <a:endParaRPr lang="en-US"/>
-          </a:p>
-          <a:p>
-            <a:pPr marL="0" lvl="0" indent="0" algn="l" rtl="0">
-              <a:spcBef>
-                <a:spcPts val="0"/>
-              </a:spcBef>
-              <a:spcAft>
-                <a:spcPts val="0"/>
-              </a:spcAft>
-              <a:buNone/>
-            </a:pPr>
-            <a:r>
-              <a:rPr lang="en-US"/>
-              <a:t>when use stop command, a hardware signal sent  to the primary process inside the container (SIGTERM mean terminate signal) to let the container know to shutdown now with a little bit time to clean up the conainer (save files, or emit some messages,...)</a:t>
-            </a:r>
-            <a:endParaRPr lang="en-US"/>
-          </a:p>
-          <a:p>
-            <a:pPr marL="0" lvl="0" indent="0" algn="l" rtl="0">
-              <a:spcBef>
-                <a:spcPts val="0"/>
-              </a:spcBef>
-              <a:spcAft>
-                <a:spcPts val="0"/>
-              </a:spcAft>
-              <a:buNone/>
-            </a:pPr>
-            <a:r>
-              <a:rPr lang="en-US"/>
-              <a:t>- if the container does not stop in 10 seconds, it wil call kill command.</a:t>
-            </a:r>
-            <a:endParaRPr lang="en-US"/>
-          </a:p>
-          <a:p>
-            <a:pPr marL="0" lvl="0" indent="0" algn="l" rtl="0">
-              <a:spcBef>
-                <a:spcPts val="0"/>
-              </a:spcBef>
-              <a:spcAft>
-                <a:spcPts val="0"/>
-              </a:spcAft>
-              <a:buNone/>
-            </a:pPr>
-            <a:endParaRPr lang="en-US"/>
-          </a:p>
-          <a:p>
-            <a:pPr marL="0" lvl="0" indent="0" algn="l" rtl="0">
-              <a:spcBef>
-                <a:spcPts val="0"/>
-              </a:spcBef>
-              <a:spcAft>
-                <a:spcPts val="0"/>
-              </a:spcAft>
-              <a:buNone/>
-            </a:pPr>
-            <a:r>
-              <a:rPr lang="en-US"/>
-              <a:t>kill command: to sent a signal to the primary container to kill the container immediatelly.</a:t>
-            </a:r>
-            <a:endParaRPr lang="en-US"/>
           </a:p>
         </p:txBody>
       </p:sp>
@@ -3320,6 +2827,26 @@
               </a:spcAft>
               <a:buNone/>
             </a:pPr>
+            <a:r>
+              <a:rPr lang="en-US"/>
+              <a:t>we choose busybox becuase it has echo or ls command in its container.</a:t>
+            </a:r>
+            <a:endParaRPr lang="en-US"/>
+          </a:p>
+          <a:p>
+            <a:pPr marL="0" lvl="0" indent="0" algn="l" rtl="0">
+              <a:spcBef>
+                <a:spcPts val="0"/>
+              </a:spcBef>
+              <a:spcAft>
+                <a:spcPts val="0"/>
+              </a:spcAft>
+              <a:buNone/>
+            </a:pPr>
+            <a:r>
+              <a:rPr lang="en-US"/>
+              <a:t>hello-world is a single file container.</a:t>
+            </a:r>
             <a:endParaRPr lang="en-US"/>
           </a:p>
         </p:txBody>
@@ -3420,7 +2947,6 @@
               </a:spcAft>
               <a:buNone/>
             </a:pPr>
-            <a:endParaRPr lang="en-US"/>
           </a:p>
         </p:txBody>
       </p:sp>
@@ -3672,7 +3198,6 @@
               </a:spcAft>
               <a:buNone/>
             </a:pPr>
-            <a:endParaRPr lang="en-US"/>
           </a:p>
         </p:txBody>
       </p:sp>
@@ -3772,7 +3297,6 @@
               </a:spcAft>
               <a:buNone/>
             </a:pPr>
-            <a:endParaRPr lang="en-US"/>
           </a:p>
         </p:txBody>
       </p:sp>
@@ -3872,7 +3396,6 @@
               </a:spcAft>
               <a:buNone/>
             </a:pPr>
-            <a:endParaRPr lang="en-US"/>
           </a:p>
         </p:txBody>
       </p:sp>
@@ -3972,27 +3495,6 @@
               </a:spcAft>
               <a:buNone/>
             </a:pPr>
-            <a:r>
-              <a:rPr lang="en-US"/>
-              <a:t>When you run a docker in your local machine, every single container that you are running is running inside of a virtual machine running Linux</a:t>
-            </a:r>
-            <a:endParaRPr lang="en-US"/>
-          </a:p>
-          <a:p>
-            <a:pPr marL="0" lvl="0" indent="0" algn="l" rtl="0">
-              <a:spcBef>
-                <a:spcPts val="0"/>
-              </a:spcBef>
-              <a:spcAft>
-                <a:spcPts val="0"/>
-              </a:spcAft>
-              <a:buNone/>
-            </a:pPr>
-            <a:r>
-              <a:rPr lang="en-US"/>
-              <a:t>So these process are really being executed inside of a Linux world, even if you are on Mac or Windows</a:t>
-            </a:r>
-            <a:endParaRPr lang="en-US"/>
           </a:p>
         </p:txBody>
       </p:sp>
@@ -4094,7 +3596,67 @@
             </a:pPr>
             <a:r>
               <a:rPr lang="en-US"/>
-              <a:t>STDERR: communicate to other outside invironment and return the data and show on the terminal</a:t>
+              <a:t>docker start -a hello-world</a:t>
+            </a:r>
+            <a:endParaRPr lang="en-US"/>
+          </a:p>
+          <a:p>
+            <a:pPr marL="0" lvl="0" indent="0" algn="l" rtl="0">
+              <a:spcBef>
+                <a:spcPts val="0"/>
+              </a:spcBef>
+              <a:spcAft>
+                <a:spcPts val="0"/>
+              </a:spcAft>
+              <a:buNone/>
+            </a:pPr>
+            <a:r>
+              <a:rPr lang="en-US"/>
+              <a:t>-a is a option, let the docker show the output coming from it and print it out at the terminal</a:t>
+            </a:r>
+            <a:endParaRPr lang="en-US"/>
+          </a:p>
+          <a:p>
+            <a:pPr marL="0" lvl="0" indent="0" algn="l" rtl="0">
+              <a:spcBef>
+                <a:spcPts val="0"/>
+              </a:spcBef>
+              <a:spcAft>
+                <a:spcPts val="0"/>
+              </a:spcAft>
+              <a:buNone/>
+            </a:pPr>
+            <a:endParaRPr lang="en-US"/>
+          </a:p>
+          <a:p>
+            <a:pPr marL="0" lvl="0" indent="0" algn="l" rtl="0">
+              <a:spcBef>
+                <a:spcPts val="0"/>
+              </a:spcBef>
+              <a:spcAft>
+                <a:spcPts val="0"/>
+              </a:spcAft>
+              <a:buNone/>
+            </a:pPr>
+            <a:r>
+              <a:rPr lang="en-US"/>
+              <a:t>docker run</a:t>
+            </a:r>
+            <a:endParaRPr lang="en-US"/>
+          </a:p>
+          <a:p>
+            <a:pPr marL="0" lvl="0" indent="0" algn="l" rtl="0">
+              <a:spcBef>
+                <a:spcPts val="0"/>
+              </a:spcBef>
+              <a:spcAft>
+                <a:spcPts val="0"/>
+              </a:spcAft>
+              <a:buNone/>
+            </a:pPr>
+            <a:r>
+              <a:rPr lang="en-US"/>
+              <a:t>=&gt; is going to show you all the logs or all the information coming out of the container by default</a:t>
             </a:r>
             <a:endParaRPr lang="en-US"/>
           </a:p>
@@ -4196,6 +3758,178 @@
               </a:spcAft>
               <a:buNone/>
             </a:pPr>
+            <a:r>
+              <a:rPr lang="en-US"/>
+              <a:t>check all container are running</a:t>
+            </a:r>
+            <a:endParaRPr lang="en-US"/>
+          </a:p>
+          <a:p>
+            <a:pPr marL="0" lvl="0" indent="0" algn="l" rtl="0">
+              <a:spcBef>
+                <a:spcPts val="0"/>
+              </a:spcBef>
+              <a:spcAft>
+                <a:spcPts val="0"/>
+              </a:spcAft>
+              <a:buNone/>
+            </a:pPr>
+            <a:r>
+              <a:rPr lang="en-US"/>
+              <a:t>&gt;&gt; docker ps --all</a:t>
+            </a:r>
+            <a:endParaRPr lang="en-US"/>
+          </a:p>
+          <a:p>
+            <a:pPr marL="0" lvl="0" indent="0" algn="l" rtl="0">
+              <a:spcBef>
+                <a:spcPts val="0"/>
+              </a:spcBef>
+              <a:spcAft>
+                <a:spcPts val="0"/>
+              </a:spcAft>
+              <a:buNone/>
+            </a:pPr>
+            <a:r>
+              <a:rPr lang="en-US"/>
+              <a:t>run busybox container</a:t>
+            </a:r>
+            <a:endParaRPr lang="en-US"/>
+          </a:p>
+          <a:p>
+            <a:pPr marL="0" lvl="0" indent="0" algn="l" rtl="0">
+              <a:spcBef>
+                <a:spcPts val="0"/>
+              </a:spcBef>
+              <a:spcAft>
+                <a:spcPts val="0"/>
+              </a:spcAft>
+              <a:buNone/>
+            </a:pPr>
+            <a:r>
+              <a:rPr lang="en-US"/>
+              <a:t>&gt;&gt; docker run busybox echo hi there</a:t>
+            </a:r>
+            <a:endParaRPr lang="en-US"/>
+          </a:p>
+          <a:p>
+            <a:pPr marL="0" lvl="0" indent="0" algn="l" rtl="0">
+              <a:spcBef>
+                <a:spcPts val="0"/>
+              </a:spcBef>
+              <a:spcAft>
+                <a:spcPts val="0"/>
+              </a:spcAft>
+              <a:buNone/>
+            </a:pPr>
+            <a:r>
+              <a:rPr lang="en-US"/>
+              <a:t>check all containers are running</a:t>
+            </a:r>
+            <a:endParaRPr lang="en-US"/>
+          </a:p>
+          <a:p>
+            <a:pPr marL="0" lvl="0" indent="0" algn="l" rtl="0">
+              <a:spcBef>
+                <a:spcPts val="0"/>
+              </a:spcBef>
+              <a:spcAft>
+                <a:spcPts val="0"/>
+              </a:spcAft>
+              <a:buNone/>
+            </a:pPr>
+            <a:r>
+              <a:rPr lang="en-US"/>
+              <a:t>&gt;&gt; docker ps --all</a:t>
+            </a:r>
+            <a:endParaRPr lang="en-US"/>
+          </a:p>
+          <a:p>
+            <a:pPr marL="0" lvl="0" indent="0" algn="l" rtl="0">
+              <a:spcBef>
+                <a:spcPts val="0"/>
+              </a:spcBef>
+              <a:spcAft>
+                <a:spcPts val="0"/>
+              </a:spcAft>
+              <a:buNone/>
+            </a:pPr>
+            <a:r>
+              <a:rPr lang="en-US"/>
+              <a:t>Restart a stopped container by using its ID</a:t>
+            </a:r>
+            <a:endParaRPr lang="en-US"/>
+          </a:p>
+          <a:p>
+            <a:pPr marL="0" lvl="0" indent="0" algn="l" rtl="0">
+              <a:spcBef>
+                <a:spcPts val="0"/>
+              </a:spcBef>
+              <a:spcAft>
+                <a:spcPts val="0"/>
+              </a:spcAft>
+              <a:buNone/>
+            </a:pPr>
+            <a:r>
+              <a:rPr lang="en-US"/>
+              <a:t>&gt;&gt; docker start -a ID</a:t>
+            </a:r>
+            <a:endParaRPr lang="en-US"/>
+          </a:p>
+          <a:p>
+            <a:pPr marL="0" lvl="0" indent="0" algn="l" rtl="0">
+              <a:spcBef>
+                <a:spcPts val="0"/>
+              </a:spcBef>
+              <a:spcAft>
+                <a:spcPts val="0"/>
+              </a:spcAft>
+              <a:buNone/>
+            </a:pPr>
+            <a:r>
+              <a:rPr lang="en-US"/>
+              <a:t>If you try to change the default command, it still show error</a:t>
+            </a:r>
+            <a:endParaRPr lang="en-US"/>
+          </a:p>
+          <a:p>
+            <a:pPr marL="0" lvl="0" indent="0" algn="l" rtl="0">
+              <a:spcBef>
+                <a:spcPts val="0"/>
+              </a:spcBef>
+              <a:spcAft>
+                <a:spcPts val="0"/>
+              </a:spcAft>
+              <a:buNone/>
+            </a:pPr>
+            <a:r>
+              <a:rPr lang="en-US"/>
+              <a:t>&gt;&gt; docker start -a ID echo hello</a:t>
+            </a:r>
+            <a:endParaRPr lang="en-US"/>
+          </a:p>
+          <a:p>
+            <a:pPr marL="0" lvl="0" indent="0" algn="l" rtl="0">
+              <a:spcBef>
+                <a:spcPts val="0"/>
+              </a:spcBef>
+              <a:spcAft>
+                <a:spcPts val="0"/>
+              </a:spcAft>
+              <a:buNone/>
+            </a:pPr>
+            <a:endParaRPr lang="en-US"/>
+          </a:p>
+          <a:p>
+            <a:pPr marL="0" lvl="0" indent="0" algn="l" rtl="0">
+              <a:spcBef>
+                <a:spcPts val="0"/>
+              </a:spcBef>
+              <a:spcAft>
+                <a:spcPts val="0"/>
+              </a:spcAft>
+              <a:buNone/>
+            </a:pPr>
             <a:endParaRPr lang="en-US"/>
           </a:p>
         </p:txBody>
@@ -4296,6 +4030,198 @@
               </a:spcAft>
               <a:buNone/>
             </a:pPr>
+            <a:r>
+              <a:rPr lang="en-US"/>
+              <a:t>check all container are running</a:t>
+            </a:r>
+            <a:endParaRPr lang="en-US"/>
+          </a:p>
+          <a:p>
+            <a:pPr marL="0" lvl="0" indent="0" algn="l" rtl="0">
+              <a:spcBef>
+                <a:spcPts val="0"/>
+              </a:spcBef>
+              <a:spcAft>
+                <a:spcPts val="0"/>
+              </a:spcAft>
+              <a:buNone/>
+            </a:pPr>
+            <a:r>
+              <a:rPr lang="en-US"/>
+              <a:t>&gt;&gt; docker ps --all</a:t>
+            </a:r>
+            <a:endParaRPr lang="en-US"/>
+          </a:p>
+          <a:p>
+            <a:pPr marL="0" lvl="0" indent="0" algn="l" rtl="0">
+              <a:spcBef>
+                <a:spcPts val="0"/>
+              </a:spcBef>
+              <a:spcAft>
+                <a:spcPts val="0"/>
+              </a:spcAft>
+              <a:buNone/>
+            </a:pPr>
+            <a:r>
+              <a:rPr lang="en-US"/>
+              <a:t>run busybox container</a:t>
+            </a:r>
+            <a:endParaRPr lang="en-US"/>
+          </a:p>
+          <a:p>
+            <a:pPr marL="0" lvl="0" indent="0" algn="l" rtl="0">
+              <a:spcBef>
+                <a:spcPts val="0"/>
+              </a:spcBef>
+              <a:spcAft>
+                <a:spcPts val="0"/>
+              </a:spcAft>
+              <a:buNone/>
+            </a:pPr>
+            <a:r>
+              <a:rPr lang="en-US"/>
+              <a:t>&gt;&gt; docker run busybox echo hi there</a:t>
+            </a:r>
+            <a:endParaRPr lang="en-US"/>
+          </a:p>
+          <a:p>
+            <a:pPr marL="0" lvl="0" indent="0" algn="l" rtl="0">
+              <a:spcBef>
+                <a:spcPts val="0"/>
+              </a:spcBef>
+              <a:spcAft>
+                <a:spcPts val="0"/>
+              </a:spcAft>
+              <a:buNone/>
+            </a:pPr>
+            <a:r>
+              <a:rPr lang="en-US"/>
+              <a:t>check all containers are running</a:t>
+            </a:r>
+            <a:endParaRPr lang="en-US"/>
+          </a:p>
+          <a:p>
+            <a:pPr marL="0" lvl="0" indent="0" algn="l" rtl="0">
+              <a:spcBef>
+                <a:spcPts val="0"/>
+              </a:spcBef>
+              <a:spcAft>
+                <a:spcPts val="0"/>
+              </a:spcAft>
+              <a:buNone/>
+            </a:pPr>
+            <a:r>
+              <a:rPr lang="en-US"/>
+              <a:t>&gt;&gt; docker ps --all</a:t>
+            </a:r>
+            <a:endParaRPr lang="en-US"/>
+          </a:p>
+          <a:p>
+            <a:pPr marL="0" lvl="0" indent="0" algn="l" rtl="0">
+              <a:spcBef>
+                <a:spcPts val="0"/>
+              </a:spcBef>
+              <a:spcAft>
+                <a:spcPts val="0"/>
+              </a:spcAft>
+              <a:buNone/>
+            </a:pPr>
+            <a:r>
+              <a:rPr lang="en-US"/>
+              <a:t>Restart a stopped container by using its ID</a:t>
+            </a:r>
+            <a:endParaRPr lang="en-US"/>
+          </a:p>
+          <a:p>
+            <a:pPr marL="0" lvl="0" indent="0" algn="l" rtl="0">
+              <a:spcBef>
+                <a:spcPts val="0"/>
+              </a:spcBef>
+              <a:spcAft>
+                <a:spcPts val="0"/>
+              </a:spcAft>
+              <a:buNone/>
+            </a:pPr>
+            <a:r>
+              <a:rPr lang="en-US"/>
+              <a:t>&gt;&gt; docker start -a ID</a:t>
+            </a:r>
+            <a:endParaRPr lang="en-US"/>
+          </a:p>
+          <a:p>
+            <a:pPr marL="0" lvl="0" indent="0" algn="l" rtl="0">
+              <a:spcBef>
+                <a:spcPts val="0"/>
+              </a:spcBef>
+              <a:spcAft>
+                <a:spcPts val="0"/>
+              </a:spcAft>
+              <a:buNone/>
+            </a:pPr>
+            <a:r>
+              <a:rPr lang="en-US"/>
+              <a:t>=&gt; When run the container second time, The primary command will start automatically</a:t>
+            </a:r>
+            <a:endParaRPr lang="en-US"/>
+          </a:p>
+          <a:p>
+            <a:pPr marL="0" lvl="0" indent="0" algn="l" rtl="0">
+              <a:spcBef>
+                <a:spcPts val="0"/>
+              </a:spcBef>
+              <a:spcAft>
+                <a:spcPts val="0"/>
+              </a:spcAft>
+              <a:buNone/>
+            </a:pPr>
+            <a:r>
+              <a:rPr lang="en-US"/>
+              <a:t>If you try to change the default command, it still show error</a:t>
+            </a:r>
+            <a:endParaRPr lang="en-US"/>
+          </a:p>
+          <a:p>
+            <a:pPr marL="0" lvl="0" indent="0" algn="l" rtl="0">
+              <a:spcBef>
+                <a:spcPts val="0"/>
+              </a:spcBef>
+              <a:spcAft>
+                <a:spcPts val="0"/>
+              </a:spcAft>
+              <a:buNone/>
+            </a:pPr>
+            <a:r>
+              <a:rPr lang="en-US"/>
+              <a:t>&gt;&gt; docker start -a ID echo hello</a:t>
+            </a:r>
+            <a:endParaRPr lang="en-US"/>
+          </a:p>
+          <a:p>
+            <a:pPr marL="0" lvl="0" indent="0" algn="l" rtl="0">
+              <a:spcBef>
+                <a:spcPts val="0"/>
+              </a:spcBef>
+              <a:spcAft>
+                <a:spcPts val="0"/>
+              </a:spcAft>
+              <a:buNone/>
+            </a:pPr>
+            <a:r>
+              <a:rPr lang="en-US"/>
+              <a:t>=&gt; It will show the error because the current primary command here cannot override</a:t>
+            </a:r>
+            <a:endParaRPr lang="en-US"/>
+          </a:p>
+          <a:p>
+            <a:pPr marL="0" lvl="0" indent="0" algn="l" rtl="0">
+              <a:spcBef>
+                <a:spcPts val="0"/>
+              </a:spcBef>
+              <a:spcAft>
+                <a:spcPts val="0"/>
+              </a:spcAft>
+              <a:buNone/>
+            </a:pPr>
             <a:endParaRPr lang="en-US"/>
           </a:p>
         </p:txBody>
@@ -4496,10 +4422,6 @@
               </a:spcAft>
               <a:buNone/>
             </a:pPr>
-            <a:r>
-              <a:rPr lang="en-US"/>
-              <a:t>run two commands are the same to check its container are shared folder or not</a:t>
-            </a:r>
             <a:endParaRPr lang="en-US"/>
           </a:p>
         </p:txBody>
@@ -4517,7 +4439,7 @@
   <p:cSld>
     <p:spTree>
       <p:nvGrpSpPr>
-        <p:cNvPr id="447" name="Shape 447"/>
+        <p:cNvPr id="74" name="Shape 74"/>
         <p:cNvGrpSpPr/>
         <p:nvPr/>
       </p:nvGrpSpPr>
@@ -4531,7 +4453,7 @@
       </p:grpSpPr>
       <p:sp>
         <p:nvSpPr>
-          <p:cNvPr id="448" name="Google Shape;448;gcb89376c82_0_37:notes"/>
+          <p:cNvPr id="75" name="Google Shape;75;gcad7496ea3_0_0:notes"/>
           <p:cNvSpPr/>
           <p:nvPr>
             <p:ph type="sldImg" idx="2"/>
@@ -4570,7 +4492,7 @@
       </p:sp>
       <p:sp>
         <p:nvSpPr>
-          <p:cNvPr id="449" name="Google Shape;449;gcb89376c82_0_37:notes"/>
+          <p:cNvPr id="76" name="Google Shape;76;gcad7496ea3_0_0:notes"/>
           <p:cNvSpPr txBox="1"/>
           <p:nvPr>
             <p:ph type="body" idx="1"/>
@@ -4600,6 +4522,7 @@
               </a:spcAft>
               <a:buNone/>
             </a:pPr>
+            <a:endParaRPr lang="en-US"/>
           </a:p>
         </p:txBody>
       </p:sp>
@@ -4711,7 +4634,7 @@
 </p:notes>
 </file>
 
-<file path=ppt/notesSlides/notesSlide5.xml><?xml version="1.0" encoding="utf-8"?>
+<file path=ppt/notesSlides/notesSlide40.xml><?xml version="1.0" encoding="utf-8"?>
 <p:notes xmlns:a="http://schemas.openxmlformats.org/drawingml/2006/main" xmlns:r="http://schemas.openxmlformats.org/officeDocument/2006/relationships" xmlns:p="http://schemas.openxmlformats.org/presentationml/2006/main" showMasterPhAnim="0" showMasterSp="0">
   <p:cSld>
     <p:spTree>
@@ -4799,6 +4722,1094 @@
               </a:spcAft>
               <a:buNone/>
             </a:pPr>
+            <a:endParaRPr lang="en-US"/>
+          </a:p>
+        </p:txBody>
+      </p:sp>
+    </p:spTree>
+  </p:cSld>
+  <p:clrMapOvr>
+    <a:masterClrMapping/>
+  </p:clrMapOvr>
+</p:notes>
+</file>
+
+<file path=ppt/notesSlides/notesSlide41.xml><?xml version="1.0" encoding="utf-8"?>
+<p:notes xmlns:a="http://schemas.openxmlformats.org/drawingml/2006/main" xmlns:r="http://schemas.openxmlformats.org/officeDocument/2006/relationships" xmlns:p="http://schemas.openxmlformats.org/presentationml/2006/main" showMasterPhAnim="0" showMasterSp="0">
+  <p:cSld>
+    <p:spTree>
+      <p:nvGrpSpPr>
+        <p:cNvPr id="74" name="Shape 74"/>
+        <p:cNvGrpSpPr/>
+        <p:nvPr/>
+      </p:nvGrpSpPr>
+      <p:grpSpPr>
+        <a:xfrm>
+          <a:off x="0" y="0"/>
+          <a:ext cx="0" cy="0"/>
+          <a:chOff x="0" y="0"/>
+          <a:chExt cx="0" cy="0"/>
+        </a:xfrm>
+      </p:grpSpPr>
+      <p:sp>
+        <p:nvSpPr>
+          <p:cNvPr id="75" name="Google Shape;75;gcad7496ea3_0_0:notes"/>
+          <p:cNvSpPr/>
+          <p:nvPr>
+            <p:ph type="sldImg" idx="2"/>
+          </p:nvPr>
+        </p:nvSpPr>
+        <p:spPr>
+          <a:xfrm>
+            <a:off x="381300" y="685800"/>
+            <a:ext cx="6096000" cy="3429000"/>
+          </a:xfrm>
+          <a:custGeom>
+            <a:avLst/>
+            <a:gdLst/>
+            <a:ahLst/>
+            <a:cxnLst/>
+            <a:rect l="l" t="t" r="r" b="b"/>
+            <a:pathLst>
+              <a:path w="120000" h="120000" extrusionOk="0">
+                <a:moveTo>
+                  <a:pt x="0" y="0"/>
+                </a:moveTo>
+                <a:lnTo>
+                  <a:pt x="120000" y="0"/>
+                </a:lnTo>
+                <a:lnTo>
+                  <a:pt x="120000" y="120000"/>
+                </a:lnTo>
+                <a:lnTo>
+                  <a:pt x="0" y="120000"/>
+                </a:lnTo>
+                <a:close/>
+              </a:path>
+            </a:pathLst>
+          </a:custGeom>
+        </p:spPr>
+      </p:sp>
+      <p:sp>
+        <p:nvSpPr>
+          <p:cNvPr id="76" name="Google Shape;76;gcad7496ea3_0_0:notes"/>
+          <p:cNvSpPr txBox="1"/>
+          <p:nvPr>
+            <p:ph type="body" idx="1"/>
+          </p:nvPr>
+        </p:nvSpPr>
+        <p:spPr>
+          <a:xfrm>
+            <a:off x="685800" y="4343400"/>
+            <a:ext cx="5486400" cy="4114800"/>
+          </a:xfrm>
+          <a:prstGeom prst="rect">
+            <a:avLst/>
+          </a:prstGeom>
+        </p:spPr>
+        <p:txBody>
+          <a:bodyPr spcFirstLastPara="1" wrap="square" lIns="91425" tIns="91425" rIns="91425" bIns="91425" anchor="t" anchorCtr="0">
+            <a:noAutofit/>
+          </a:bodyPr>
+          <a:lstStyle/>
+          <a:p>
+            <a:pPr marL="0" lvl="0" indent="0" algn="l" rtl="0">
+              <a:spcBef>
+                <a:spcPts val="0"/>
+              </a:spcBef>
+              <a:spcAft>
+                <a:spcPts val="0"/>
+              </a:spcAft>
+              <a:buNone/>
+            </a:pPr>
+            <a:r>
+              <a:rPr lang="en-US"/>
+              <a:t>stop and kill are used to stop and kill a container. But it has a different</a:t>
+            </a:r>
+            <a:endParaRPr lang="en-US"/>
+          </a:p>
+          <a:p>
+            <a:pPr marL="0" lvl="0" indent="0" algn="l" rtl="0">
+              <a:spcBef>
+                <a:spcPts val="0"/>
+              </a:spcBef>
+              <a:spcAft>
+                <a:spcPts val="0"/>
+              </a:spcAft>
+              <a:buNone/>
+            </a:pPr>
+            <a:r>
+              <a:rPr lang="en-US"/>
+              <a:t>when use stop command, a hardware signal sent  to the primary process inside the container (SIGTERM mean terminate signal) to let the container know to shutdown now with a little bit time to clean up the conainer (save files, or emit some messages,...)</a:t>
+            </a:r>
+            <a:endParaRPr lang="en-US"/>
+          </a:p>
+          <a:p>
+            <a:pPr marL="0" lvl="0" indent="0" algn="l" rtl="0">
+              <a:spcBef>
+                <a:spcPts val="0"/>
+              </a:spcBef>
+              <a:spcAft>
+                <a:spcPts val="0"/>
+              </a:spcAft>
+              <a:buNone/>
+            </a:pPr>
+            <a:r>
+              <a:rPr lang="en-US"/>
+              <a:t>- if the container does not stop in 10 seconds, it wil call kill command.</a:t>
+            </a:r>
+            <a:endParaRPr lang="en-US"/>
+          </a:p>
+          <a:p>
+            <a:pPr marL="0" lvl="0" indent="0" algn="l" rtl="0">
+              <a:spcBef>
+                <a:spcPts val="0"/>
+              </a:spcBef>
+              <a:spcAft>
+                <a:spcPts val="0"/>
+              </a:spcAft>
+              <a:buNone/>
+            </a:pPr>
+            <a:endParaRPr lang="en-US"/>
+          </a:p>
+          <a:p>
+            <a:pPr marL="0" lvl="0" indent="0" algn="l" rtl="0">
+              <a:spcBef>
+                <a:spcPts val="0"/>
+              </a:spcBef>
+              <a:spcAft>
+                <a:spcPts val="0"/>
+              </a:spcAft>
+              <a:buNone/>
+            </a:pPr>
+            <a:r>
+              <a:rPr lang="en-US"/>
+              <a:t>kill command: to sent a signal to the primary container to kill the container immediatelly.</a:t>
+            </a:r>
+            <a:endParaRPr lang="en-US"/>
+          </a:p>
+        </p:txBody>
+      </p:sp>
+    </p:spTree>
+  </p:cSld>
+  <p:clrMapOvr>
+    <a:masterClrMapping/>
+  </p:clrMapOvr>
+</p:notes>
+</file>
+
+<file path=ppt/notesSlides/notesSlide42.xml><?xml version="1.0" encoding="utf-8"?>
+<p:notes xmlns:a="http://schemas.openxmlformats.org/drawingml/2006/main" xmlns:r="http://schemas.openxmlformats.org/officeDocument/2006/relationships" xmlns:p="http://schemas.openxmlformats.org/presentationml/2006/main" showMasterPhAnim="0" showMasterSp="0">
+  <p:cSld>
+    <p:spTree>
+      <p:nvGrpSpPr>
+        <p:cNvPr id="74" name="Shape 74"/>
+        <p:cNvGrpSpPr/>
+        <p:nvPr/>
+      </p:nvGrpSpPr>
+      <p:grpSpPr>
+        <a:xfrm>
+          <a:off x="0" y="0"/>
+          <a:ext cx="0" cy="0"/>
+          <a:chOff x="0" y="0"/>
+          <a:chExt cx="0" cy="0"/>
+        </a:xfrm>
+      </p:grpSpPr>
+      <p:sp>
+        <p:nvSpPr>
+          <p:cNvPr id="75" name="Google Shape;75;gcad7496ea3_0_0:notes"/>
+          <p:cNvSpPr/>
+          <p:nvPr>
+            <p:ph type="sldImg" idx="2"/>
+          </p:nvPr>
+        </p:nvSpPr>
+        <p:spPr>
+          <a:xfrm>
+            <a:off x="381300" y="685800"/>
+            <a:ext cx="6096000" cy="3429000"/>
+          </a:xfrm>
+          <a:custGeom>
+            <a:avLst/>
+            <a:gdLst/>
+            <a:ahLst/>
+            <a:cxnLst/>
+            <a:rect l="l" t="t" r="r" b="b"/>
+            <a:pathLst>
+              <a:path w="120000" h="120000" extrusionOk="0">
+                <a:moveTo>
+                  <a:pt x="0" y="0"/>
+                </a:moveTo>
+                <a:lnTo>
+                  <a:pt x="120000" y="0"/>
+                </a:lnTo>
+                <a:lnTo>
+                  <a:pt x="120000" y="120000"/>
+                </a:lnTo>
+                <a:lnTo>
+                  <a:pt x="0" y="120000"/>
+                </a:lnTo>
+                <a:close/>
+              </a:path>
+            </a:pathLst>
+          </a:custGeom>
+        </p:spPr>
+      </p:sp>
+      <p:sp>
+        <p:nvSpPr>
+          <p:cNvPr id="76" name="Google Shape;76;gcad7496ea3_0_0:notes"/>
+          <p:cNvSpPr txBox="1"/>
+          <p:nvPr>
+            <p:ph type="body" idx="1"/>
+          </p:nvPr>
+        </p:nvSpPr>
+        <p:spPr>
+          <a:xfrm>
+            <a:off x="685800" y="4343400"/>
+            <a:ext cx="5486400" cy="4114800"/>
+          </a:xfrm>
+          <a:prstGeom prst="rect">
+            <a:avLst/>
+          </a:prstGeom>
+        </p:spPr>
+        <p:txBody>
+          <a:bodyPr spcFirstLastPara="1" wrap="square" lIns="91425" tIns="91425" rIns="91425" bIns="91425" anchor="t" anchorCtr="0">
+            <a:noAutofit/>
+          </a:bodyPr>
+          <a:lstStyle/>
+          <a:p>
+            <a:pPr marL="0" lvl="0" indent="0" algn="l" rtl="0">
+              <a:spcBef>
+                <a:spcPts val="0"/>
+              </a:spcBef>
+              <a:spcAft>
+                <a:spcPts val="0"/>
+              </a:spcAft>
+              <a:buNone/>
+            </a:pPr>
+            <a:endParaRPr lang="en-US"/>
+          </a:p>
+        </p:txBody>
+      </p:sp>
+    </p:spTree>
+  </p:cSld>
+  <p:clrMapOvr>
+    <a:masterClrMapping/>
+  </p:clrMapOvr>
+</p:notes>
+</file>
+
+<file path=ppt/notesSlides/notesSlide43.xml><?xml version="1.0" encoding="utf-8"?>
+<p:notes xmlns:a="http://schemas.openxmlformats.org/drawingml/2006/main" xmlns:r="http://schemas.openxmlformats.org/officeDocument/2006/relationships" xmlns:p="http://schemas.openxmlformats.org/presentationml/2006/main" showMasterPhAnim="0" showMasterSp="0">
+  <p:cSld>
+    <p:spTree>
+      <p:nvGrpSpPr>
+        <p:cNvPr id="74" name="Shape 74"/>
+        <p:cNvGrpSpPr/>
+        <p:nvPr/>
+      </p:nvGrpSpPr>
+      <p:grpSpPr>
+        <a:xfrm>
+          <a:off x="0" y="0"/>
+          <a:ext cx="0" cy="0"/>
+          <a:chOff x="0" y="0"/>
+          <a:chExt cx="0" cy="0"/>
+        </a:xfrm>
+      </p:grpSpPr>
+      <p:sp>
+        <p:nvSpPr>
+          <p:cNvPr id="75" name="Google Shape;75;gcad7496ea3_0_0:notes"/>
+          <p:cNvSpPr/>
+          <p:nvPr>
+            <p:ph type="sldImg" idx="2"/>
+          </p:nvPr>
+        </p:nvSpPr>
+        <p:spPr>
+          <a:xfrm>
+            <a:off x="381300" y="685800"/>
+            <a:ext cx="6096000" cy="3429000"/>
+          </a:xfrm>
+          <a:custGeom>
+            <a:avLst/>
+            <a:gdLst/>
+            <a:ahLst/>
+            <a:cxnLst/>
+            <a:rect l="l" t="t" r="r" b="b"/>
+            <a:pathLst>
+              <a:path w="120000" h="120000" extrusionOk="0">
+                <a:moveTo>
+                  <a:pt x="0" y="0"/>
+                </a:moveTo>
+                <a:lnTo>
+                  <a:pt x="120000" y="0"/>
+                </a:lnTo>
+                <a:lnTo>
+                  <a:pt x="120000" y="120000"/>
+                </a:lnTo>
+                <a:lnTo>
+                  <a:pt x="0" y="120000"/>
+                </a:lnTo>
+                <a:close/>
+              </a:path>
+            </a:pathLst>
+          </a:custGeom>
+        </p:spPr>
+      </p:sp>
+      <p:sp>
+        <p:nvSpPr>
+          <p:cNvPr id="76" name="Google Shape;76;gcad7496ea3_0_0:notes"/>
+          <p:cNvSpPr txBox="1"/>
+          <p:nvPr>
+            <p:ph type="body" idx="1"/>
+          </p:nvPr>
+        </p:nvSpPr>
+        <p:spPr>
+          <a:xfrm>
+            <a:off x="685800" y="4343400"/>
+            <a:ext cx="5486400" cy="4114800"/>
+          </a:xfrm>
+          <a:prstGeom prst="rect">
+            <a:avLst/>
+          </a:prstGeom>
+        </p:spPr>
+        <p:txBody>
+          <a:bodyPr spcFirstLastPara="1" wrap="square" lIns="91425" tIns="91425" rIns="91425" bIns="91425" anchor="t" anchorCtr="0">
+            <a:noAutofit/>
+          </a:bodyPr>
+          <a:lstStyle/>
+          <a:p>
+            <a:pPr marL="0" lvl="0" indent="0" algn="l" rtl="0">
+              <a:spcBef>
+                <a:spcPts val="0"/>
+              </a:spcBef>
+              <a:spcAft>
+                <a:spcPts val="0"/>
+              </a:spcAft>
+              <a:buNone/>
+            </a:pPr>
+            <a:endParaRPr lang="en-US"/>
+          </a:p>
+        </p:txBody>
+      </p:sp>
+    </p:spTree>
+  </p:cSld>
+  <p:clrMapOvr>
+    <a:masterClrMapping/>
+  </p:clrMapOvr>
+</p:notes>
+</file>
+
+<file path=ppt/notesSlides/notesSlide44.xml><?xml version="1.0" encoding="utf-8"?>
+<p:notes xmlns:a="http://schemas.openxmlformats.org/drawingml/2006/main" xmlns:r="http://schemas.openxmlformats.org/officeDocument/2006/relationships" xmlns:p="http://schemas.openxmlformats.org/presentationml/2006/main" showMasterPhAnim="0" showMasterSp="0">
+  <p:cSld>
+    <p:spTree>
+      <p:nvGrpSpPr>
+        <p:cNvPr id="74" name="Shape 74"/>
+        <p:cNvGrpSpPr/>
+        <p:nvPr/>
+      </p:nvGrpSpPr>
+      <p:grpSpPr>
+        <a:xfrm>
+          <a:off x="0" y="0"/>
+          <a:ext cx="0" cy="0"/>
+          <a:chOff x="0" y="0"/>
+          <a:chExt cx="0" cy="0"/>
+        </a:xfrm>
+      </p:grpSpPr>
+      <p:sp>
+        <p:nvSpPr>
+          <p:cNvPr id="75" name="Google Shape;75;gcad7496ea3_0_0:notes"/>
+          <p:cNvSpPr/>
+          <p:nvPr>
+            <p:ph type="sldImg" idx="2"/>
+          </p:nvPr>
+        </p:nvSpPr>
+        <p:spPr>
+          <a:xfrm>
+            <a:off x="381300" y="685800"/>
+            <a:ext cx="6096000" cy="3429000"/>
+          </a:xfrm>
+          <a:custGeom>
+            <a:avLst/>
+            <a:gdLst/>
+            <a:ahLst/>
+            <a:cxnLst/>
+            <a:rect l="l" t="t" r="r" b="b"/>
+            <a:pathLst>
+              <a:path w="120000" h="120000" extrusionOk="0">
+                <a:moveTo>
+                  <a:pt x="0" y="0"/>
+                </a:moveTo>
+                <a:lnTo>
+                  <a:pt x="120000" y="0"/>
+                </a:lnTo>
+                <a:lnTo>
+                  <a:pt x="120000" y="120000"/>
+                </a:lnTo>
+                <a:lnTo>
+                  <a:pt x="0" y="120000"/>
+                </a:lnTo>
+                <a:close/>
+              </a:path>
+            </a:pathLst>
+          </a:custGeom>
+        </p:spPr>
+      </p:sp>
+      <p:sp>
+        <p:nvSpPr>
+          <p:cNvPr id="76" name="Google Shape;76;gcad7496ea3_0_0:notes"/>
+          <p:cNvSpPr txBox="1"/>
+          <p:nvPr>
+            <p:ph type="body" idx="1"/>
+          </p:nvPr>
+        </p:nvSpPr>
+        <p:spPr>
+          <a:xfrm>
+            <a:off x="685800" y="4343400"/>
+            <a:ext cx="5486400" cy="4114800"/>
+          </a:xfrm>
+          <a:prstGeom prst="rect">
+            <a:avLst/>
+          </a:prstGeom>
+        </p:spPr>
+        <p:txBody>
+          <a:bodyPr spcFirstLastPara="1" wrap="square" lIns="91425" tIns="91425" rIns="91425" bIns="91425" anchor="t" anchorCtr="0">
+            <a:noAutofit/>
+          </a:bodyPr>
+          <a:lstStyle/>
+          <a:p>
+            <a:pPr marL="0" lvl="0" indent="0" algn="l" rtl="0">
+              <a:spcBef>
+                <a:spcPts val="0"/>
+              </a:spcBef>
+              <a:spcAft>
+                <a:spcPts val="0"/>
+              </a:spcAft>
+              <a:buNone/>
+            </a:pPr>
+            <a:endParaRPr lang="en-US"/>
+          </a:p>
+        </p:txBody>
+      </p:sp>
+    </p:spTree>
+  </p:cSld>
+  <p:clrMapOvr>
+    <a:masterClrMapping/>
+  </p:clrMapOvr>
+</p:notes>
+</file>
+
+<file path=ppt/notesSlides/notesSlide45.xml><?xml version="1.0" encoding="utf-8"?>
+<p:notes xmlns:a="http://schemas.openxmlformats.org/drawingml/2006/main" xmlns:r="http://schemas.openxmlformats.org/officeDocument/2006/relationships" xmlns:p="http://schemas.openxmlformats.org/presentationml/2006/main" showMasterPhAnim="0" showMasterSp="0">
+  <p:cSld>
+    <p:spTree>
+      <p:nvGrpSpPr>
+        <p:cNvPr id="74" name="Shape 74"/>
+        <p:cNvGrpSpPr/>
+        <p:nvPr/>
+      </p:nvGrpSpPr>
+      <p:grpSpPr>
+        <a:xfrm>
+          <a:off x="0" y="0"/>
+          <a:ext cx="0" cy="0"/>
+          <a:chOff x="0" y="0"/>
+          <a:chExt cx="0" cy="0"/>
+        </a:xfrm>
+      </p:grpSpPr>
+      <p:sp>
+        <p:nvSpPr>
+          <p:cNvPr id="75" name="Google Shape;75;gcad7496ea3_0_0:notes"/>
+          <p:cNvSpPr/>
+          <p:nvPr>
+            <p:ph type="sldImg" idx="2"/>
+          </p:nvPr>
+        </p:nvSpPr>
+        <p:spPr>
+          <a:xfrm>
+            <a:off x="381300" y="685800"/>
+            <a:ext cx="6096000" cy="3429000"/>
+          </a:xfrm>
+          <a:custGeom>
+            <a:avLst/>
+            <a:gdLst/>
+            <a:ahLst/>
+            <a:cxnLst/>
+            <a:rect l="l" t="t" r="r" b="b"/>
+            <a:pathLst>
+              <a:path w="120000" h="120000" extrusionOk="0">
+                <a:moveTo>
+                  <a:pt x="0" y="0"/>
+                </a:moveTo>
+                <a:lnTo>
+                  <a:pt x="120000" y="0"/>
+                </a:lnTo>
+                <a:lnTo>
+                  <a:pt x="120000" y="120000"/>
+                </a:lnTo>
+                <a:lnTo>
+                  <a:pt x="0" y="120000"/>
+                </a:lnTo>
+                <a:close/>
+              </a:path>
+            </a:pathLst>
+          </a:custGeom>
+        </p:spPr>
+      </p:sp>
+      <p:sp>
+        <p:nvSpPr>
+          <p:cNvPr id="76" name="Google Shape;76;gcad7496ea3_0_0:notes"/>
+          <p:cNvSpPr txBox="1"/>
+          <p:nvPr>
+            <p:ph type="body" idx="1"/>
+          </p:nvPr>
+        </p:nvSpPr>
+        <p:spPr>
+          <a:xfrm>
+            <a:off x="685800" y="4343400"/>
+            <a:ext cx="5486400" cy="4114800"/>
+          </a:xfrm>
+          <a:prstGeom prst="rect">
+            <a:avLst/>
+          </a:prstGeom>
+        </p:spPr>
+        <p:txBody>
+          <a:bodyPr spcFirstLastPara="1" wrap="square" lIns="91425" tIns="91425" rIns="91425" bIns="91425" anchor="t" anchorCtr="0">
+            <a:noAutofit/>
+          </a:bodyPr>
+          <a:lstStyle/>
+          <a:p>
+            <a:pPr marL="0" lvl="0" indent="0" algn="l" rtl="0">
+              <a:spcBef>
+                <a:spcPts val="0"/>
+              </a:spcBef>
+              <a:spcAft>
+                <a:spcPts val="0"/>
+              </a:spcAft>
+              <a:buNone/>
+            </a:pPr>
+            <a:endParaRPr lang="en-US"/>
+          </a:p>
+        </p:txBody>
+      </p:sp>
+    </p:spTree>
+  </p:cSld>
+  <p:clrMapOvr>
+    <a:masterClrMapping/>
+  </p:clrMapOvr>
+</p:notes>
+</file>
+
+<file path=ppt/notesSlides/notesSlide46.xml><?xml version="1.0" encoding="utf-8"?>
+<p:notes xmlns:a="http://schemas.openxmlformats.org/drawingml/2006/main" xmlns:r="http://schemas.openxmlformats.org/officeDocument/2006/relationships" xmlns:p="http://schemas.openxmlformats.org/presentationml/2006/main" showMasterPhAnim="0" showMasterSp="0">
+  <p:cSld>
+    <p:spTree>
+      <p:nvGrpSpPr>
+        <p:cNvPr id="74" name="Shape 74"/>
+        <p:cNvGrpSpPr/>
+        <p:nvPr/>
+      </p:nvGrpSpPr>
+      <p:grpSpPr>
+        <a:xfrm>
+          <a:off x="0" y="0"/>
+          <a:ext cx="0" cy="0"/>
+          <a:chOff x="0" y="0"/>
+          <a:chExt cx="0" cy="0"/>
+        </a:xfrm>
+      </p:grpSpPr>
+      <p:sp>
+        <p:nvSpPr>
+          <p:cNvPr id="75" name="Google Shape;75;gcad7496ea3_0_0:notes"/>
+          <p:cNvSpPr/>
+          <p:nvPr>
+            <p:ph type="sldImg" idx="2"/>
+          </p:nvPr>
+        </p:nvSpPr>
+        <p:spPr>
+          <a:xfrm>
+            <a:off x="381300" y="685800"/>
+            <a:ext cx="6096000" cy="3429000"/>
+          </a:xfrm>
+          <a:custGeom>
+            <a:avLst/>
+            <a:gdLst/>
+            <a:ahLst/>
+            <a:cxnLst/>
+            <a:rect l="l" t="t" r="r" b="b"/>
+            <a:pathLst>
+              <a:path w="120000" h="120000" extrusionOk="0">
+                <a:moveTo>
+                  <a:pt x="0" y="0"/>
+                </a:moveTo>
+                <a:lnTo>
+                  <a:pt x="120000" y="0"/>
+                </a:lnTo>
+                <a:lnTo>
+                  <a:pt x="120000" y="120000"/>
+                </a:lnTo>
+                <a:lnTo>
+                  <a:pt x="0" y="120000"/>
+                </a:lnTo>
+                <a:close/>
+              </a:path>
+            </a:pathLst>
+          </a:custGeom>
+        </p:spPr>
+      </p:sp>
+      <p:sp>
+        <p:nvSpPr>
+          <p:cNvPr id="76" name="Google Shape;76;gcad7496ea3_0_0:notes"/>
+          <p:cNvSpPr txBox="1"/>
+          <p:nvPr>
+            <p:ph type="body" idx="1"/>
+          </p:nvPr>
+        </p:nvSpPr>
+        <p:spPr>
+          <a:xfrm>
+            <a:off x="685800" y="4343400"/>
+            <a:ext cx="5486400" cy="4114800"/>
+          </a:xfrm>
+          <a:prstGeom prst="rect">
+            <a:avLst/>
+          </a:prstGeom>
+        </p:spPr>
+        <p:txBody>
+          <a:bodyPr spcFirstLastPara="1" wrap="square" lIns="91425" tIns="91425" rIns="91425" bIns="91425" anchor="t" anchorCtr="0">
+            <a:noAutofit/>
+          </a:bodyPr>
+          <a:lstStyle/>
+          <a:p>
+            <a:pPr marL="0" lvl="0" indent="0" algn="l" rtl="0">
+              <a:spcBef>
+                <a:spcPts val="0"/>
+              </a:spcBef>
+              <a:spcAft>
+                <a:spcPts val="0"/>
+              </a:spcAft>
+              <a:buNone/>
+            </a:pPr>
+            <a:endParaRPr lang="en-US"/>
+          </a:p>
+        </p:txBody>
+      </p:sp>
+    </p:spTree>
+  </p:cSld>
+  <p:clrMapOvr>
+    <a:masterClrMapping/>
+  </p:clrMapOvr>
+</p:notes>
+</file>
+
+<file path=ppt/notesSlides/notesSlide47.xml><?xml version="1.0" encoding="utf-8"?>
+<p:notes xmlns:a="http://schemas.openxmlformats.org/drawingml/2006/main" xmlns:r="http://schemas.openxmlformats.org/officeDocument/2006/relationships" xmlns:p="http://schemas.openxmlformats.org/presentationml/2006/main" showMasterPhAnim="0" showMasterSp="0">
+  <p:cSld>
+    <p:spTree>
+      <p:nvGrpSpPr>
+        <p:cNvPr id="74" name="Shape 74"/>
+        <p:cNvGrpSpPr/>
+        <p:nvPr/>
+      </p:nvGrpSpPr>
+      <p:grpSpPr>
+        <a:xfrm>
+          <a:off x="0" y="0"/>
+          <a:ext cx="0" cy="0"/>
+          <a:chOff x="0" y="0"/>
+          <a:chExt cx="0" cy="0"/>
+        </a:xfrm>
+      </p:grpSpPr>
+      <p:sp>
+        <p:nvSpPr>
+          <p:cNvPr id="75" name="Google Shape;75;gcad7496ea3_0_0:notes"/>
+          <p:cNvSpPr/>
+          <p:nvPr>
+            <p:ph type="sldImg" idx="2"/>
+          </p:nvPr>
+        </p:nvSpPr>
+        <p:spPr>
+          <a:xfrm>
+            <a:off x="381300" y="685800"/>
+            <a:ext cx="6096000" cy="3429000"/>
+          </a:xfrm>
+          <a:custGeom>
+            <a:avLst/>
+            <a:gdLst/>
+            <a:ahLst/>
+            <a:cxnLst/>
+            <a:rect l="l" t="t" r="r" b="b"/>
+            <a:pathLst>
+              <a:path w="120000" h="120000" extrusionOk="0">
+                <a:moveTo>
+                  <a:pt x="0" y="0"/>
+                </a:moveTo>
+                <a:lnTo>
+                  <a:pt x="120000" y="0"/>
+                </a:lnTo>
+                <a:lnTo>
+                  <a:pt x="120000" y="120000"/>
+                </a:lnTo>
+                <a:lnTo>
+                  <a:pt x="0" y="120000"/>
+                </a:lnTo>
+                <a:close/>
+              </a:path>
+            </a:pathLst>
+          </a:custGeom>
+        </p:spPr>
+      </p:sp>
+      <p:sp>
+        <p:nvSpPr>
+          <p:cNvPr id="76" name="Google Shape;76;gcad7496ea3_0_0:notes"/>
+          <p:cNvSpPr txBox="1"/>
+          <p:nvPr>
+            <p:ph type="body" idx="1"/>
+          </p:nvPr>
+        </p:nvSpPr>
+        <p:spPr>
+          <a:xfrm>
+            <a:off x="685800" y="4343400"/>
+            <a:ext cx="5486400" cy="4114800"/>
+          </a:xfrm>
+          <a:prstGeom prst="rect">
+            <a:avLst/>
+          </a:prstGeom>
+        </p:spPr>
+        <p:txBody>
+          <a:bodyPr spcFirstLastPara="1" wrap="square" lIns="91425" tIns="91425" rIns="91425" bIns="91425" anchor="t" anchorCtr="0">
+            <a:noAutofit/>
+          </a:bodyPr>
+          <a:lstStyle/>
+          <a:p>
+            <a:pPr marL="0" lvl="0" indent="0" algn="l" rtl="0">
+              <a:spcBef>
+                <a:spcPts val="0"/>
+              </a:spcBef>
+              <a:spcAft>
+                <a:spcPts val="0"/>
+              </a:spcAft>
+              <a:buNone/>
+            </a:pPr>
+            <a:r>
+              <a:rPr lang="en-US"/>
+              <a:t>When you run a docker in your local machine, every single container that you are running is running inside of a virtual machine running Linux</a:t>
+            </a:r>
+            <a:endParaRPr lang="en-US"/>
+          </a:p>
+          <a:p>
+            <a:pPr marL="0" lvl="0" indent="0" algn="l" rtl="0">
+              <a:spcBef>
+                <a:spcPts val="0"/>
+              </a:spcBef>
+              <a:spcAft>
+                <a:spcPts val="0"/>
+              </a:spcAft>
+              <a:buNone/>
+            </a:pPr>
+            <a:r>
+              <a:rPr lang="en-US"/>
+              <a:t>So these process are really being executed inside of a Linux world, even if you are on Mac or Windows</a:t>
+            </a:r>
+            <a:endParaRPr lang="en-US"/>
+          </a:p>
+        </p:txBody>
+      </p:sp>
+    </p:spTree>
+  </p:cSld>
+  <p:clrMapOvr>
+    <a:masterClrMapping/>
+  </p:clrMapOvr>
+</p:notes>
+</file>
+
+<file path=ppt/notesSlides/notesSlide48.xml><?xml version="1.0" encoding="utf-8"?>
+<p:notes xmlns:a="http://schemas.openxmlformats.org/drawingml/2006/main" xmlns:r="http://schemas.openxmlformats.org/officeDocument/2006/relationships" xmlns:p="http://schemas.openxmlformats.org/presentationml/2006/main" showMasterPhAnim="0" showMasterSp="0">
+  <p:cSld>
+    <p:spTree>
+      <p:nvGrpSpPr>
+        <p:cNvPr id="74" name="Shape 74"/>
+        <p:cNvGrpSpPr/>
+        <p:nvPr/>
+      </p:nvGrpSpPr>
+      <p:grpSpPr>
+        <a:xfrm>
+          <a:off x="0" y="0"/>
+          <a:ext cx="0" cy="0"/>
+          <a:chOff x="0" y="0"/>
+          <a:chExt cx="0" cy="0"/>
+        </a:xfrm>
+      </p:grpSpPr>
+      <p:sp>
+        <p:nvSpPr>
+          <p:cNvPr id="75" name="Google Shape;75;gcad7496ea3_0_0:notes"/>
+          <p:cNvSpPr/>
+          <p:nvPr>
+            <p:ph type="sldImg" idx="2"/>
+          </p:nvPr>
+        </p:nvSpPr>
+        <p:spPr>
+          <a:xfrm>
+            <a:off x="381300" y="685800"/>
+            <a:ext cx="6096000" cy="3429000"/>
+          </a:xfrm>
+          <a:custGeom>
+            <a:avLst/>
+            <a:gdLst/>
+            <a:ahLst/>
+            <a:cxnLst/>
+            <a:rect l="l" t="t" r="r" b="b"/>
+            <a:pathLst>
+              <a:path w="120000" h="120000" extrusionOk="0">
+                <a:moveTo>
+                  <a:pt x="0" y="0"/>
+                </a:moveTo>
+                <a:lnTo>
+                  <a:pt x="120000" y="0"/>
+                </a:lnTo>
+                <a:lnTo>
+                  <a:pt x="120000" y="120000"/>
+                </a:lnTo>
+                <a:lnTo>
+                  <a:pt x="0" y="120000"/>
+                </a:lnTo>
+                <a:close/>
+              </a:path>
+            </a:pathLst>
+          </a:custGeom>
+        </p:spPr>
+      </p:sp>
+      <p:sp>
+        <p:nvSpPr>
+          <p:cNvPr id="76" name="Google Shape;76;gcad7496ea3_0_0:notes"/>
+          <p:cNvSpPr txBox="1"/>
+          <p:nvPr>
+            <p:ph type="body" idx="1"/>
+          </p:nvPr>
+        </p:nvSpPr>
+        <p:spPr>
+          <a:xfrm>
+            <a:off x="685800" y="4343400"/>
+            <a:ext cx="5486400" cy="4114800"/>
+          </a:xfrm>
+          <a:prstGeom prst="rect">
+            <a:avLst/>
+          </a:prstGeom>
+        </p:spPr>
+        <p:txBody>
+          <a:bodyPr spcFirstLastPara="1" wrap="square" lIns="91425" tIns="91425" rIns="91425" bIns="91425" anchor="t" anchorCtr="0">
+            <a:noAutofit/>
+          </a:bodyPr>
+          <a:lstStyle/>
+          <a:p>
+            <a:pPr marL="0" lvl="0" indent="0" algn="l" rtl="0">
+              <a:spcBef>
+                <a:spcPts val="0"/>
+              </a:spcBef>
+              <a:spcAft>
+                <a:spcPts val="0"/>
+              </a:spcAft>
+              <a:buNone/>
+            </a:pPr>
+            <a:r>
+              <a:rPr lang="en-US"/>
+              <a:t>STDERR: communicate to other outside invironment and return the data and show on the terminal</a:t>
+            </a:r>
+            <a:endParaRPr lang="en-US"/>
+          </a:p>
+        </p:txBody>
+      </p:sp>
+    </p:spTree>
+  </p:cSld>
+  <p:clrMapOvr>
+    <a:masterClrMapping/>
+  </p:clrMapOvr>
+</p:notes>
+</file>
+
+<file path=ppt/notesSlides/notesSlide49.xml><?xml version="1.0" encoding="utf-8"?>
+<p:notes xmlns:a="http://schemas.openxmlformats.org/drawingml/2006/main" xmlns:r="http://schemas.openxmlformats.org/officeDocument/2006/relationships" xmlns:p="http://schemas.openxmlformats.org/presentationml/2006/main" showMasterPhAnim="0" showMasterSp="0">
+  <p:cSld>
+    <p:spTree>
+      <p:nvGrpSpPr>
+        <p:cNvPr id="74" name="Shape 74"/>
+        <p:cNvGrpSpPr/>
+        <p:nvPr/>
+      </p:nvGrpSpPr>
+      <p:grpSpPr>
+        <a:xfrm>
+          <a:off x="0" y="0"/>
+          <a:ext cx="0" cy="0"/>
+          <a:chOff x="0" y="0"/>
+          <a:chExt cx="0" cy="0"/>
+        </a:xfrm>
+      </p:grpSpPr>
+      <p:sp>
+        <p:nvSpPr>
+          <p:cNvPr id="75" name="Google Shape;75;gcad7496ea3_0_0:notes"/>
+          <p:cNvSpPr/>
+          <p:nvPr>
+            <p:ph type="sldImg" idx="2"/>
+          </p:nvPr>
+        </p:nvSpPr>
+        <p:spPr>
+          <a:xfrm>
+            <a:off x="381300" y="685800"/>
+            <a:ext cx="6096000" cy="3429000"/>
+          </a:xfrm>
+          <a:custGeom>
+            <a:avLst/>
+            <a:gdLst/>
+            <a:ahLst/>
+            <a:cxnLst/>
+            <a:rect l="l" t="t" r="r" b="b"/>
+            <a:pathLst>
+              <a:path w="120000" h="120000" extrusionOk="0">
+                <a:moveTo>
+                  <a:pt x="0" y="0"/>
+                </a:moveTo>
+                <a:lnTo>
+                  <a:pt x="120000" y="0"/>
+                </a:lnTo>
+                <a:lnTo>
+                  <a:pt x="120000" y="120000"/>
+                </a:lnTo>
+                <a:lnTo>
+                  <a:pt x="0" y="120000"/>
+                </a:lnTo>
+                <a:close/>
+              </a:path>
+            </a:pathLst>
+          </a:custGeom>
+        </p:spPr>
+      </p:sp>
+      <p:sp>
+        <p:nvSpPr>
+          <p:cNvPr id="76" name="Google Shape;76;gcad7496ea3_0_0:notes"/>
+          <p:cNvSpPr txBox="1"/>
+          <p:nvPr>
+            <p:ph type="body" idx="1"/>
+          </p:nvPr>
+        </p:nvSpPr>
+        <p:spPr>
+          <a:xfrm>
+            <a:off x="685800" y="4343400"/>
+            <a:ext cx="5486400" cy="4114800"/>
+          </a:xfrm>
+          <a:prstGeom prst="rect">
+            <a:avLst/>
+          </a:prstGeom>
+        </p:spPr>
+        <p:txBody>
+          <a:bodyPr spcFirstLastPara="1" wrap="square" lIns="91425" tIns="91425" rIns="91425" bIns="91425" anchor="t" anchorCtr="0">
+            <a:noAutofit/>
+          </a:bodyPr>
+          <a:lstStyle/>
+          <a:p>
+            <a:pPr marL="0" lvl="0" indent="0" algn="l" rtl="0">
+              <a:spcBef>
+                <a:spcPts val="0"/>
+              </a:spcBef>
+              <a:spcAft>
+                <a:spcPts val="0"/>
+              </a:spcAft>
+              <a:buNone/>
+            </a:pPr>
+            <a:endParaRPr lang="en-US"/>
+          </a:p>
+        </p:txBody>
+      </p:sp>
+    </p:spTree>
+  </p:cSld>
+  <p:clrMapOvr>
+    <a:masterClrMapping/>
+  </p:clrMapOvr>
+</p:notes>
+</file>
+
+<file path=ppt/notesSlides/notesSlide5.xml><?xml version="1.0" encoding="utf-8"?>
+<p:notes xmlns:a="http://schemas.openxmlformats.org/drawingml/2006/main" xmlns:r="http://schemas.openxmlformats.org/officeDocument/2006/relationships" xmlns:p="http://schemas.openxmlformats.org/presentationml/2006/main" showMasterPhAnim="0" showMasterSp="0">
+  <p:cSld>
+    <p:spTree>
+      <p:nvGrpSpPr>
+        <p:cNvPr id="74" name="Shape 74"/>
+        <p:cNvGrpSpPr/>
+        <p:nvPr/>
+      </p:nvGrpSpPr>
+      <p:grpSpPr>
+        <a:xfrm>
+          <a:off x="0" y="0"/>
+          <a:ext cx="0" cy="0"/>
+          <a:chOff x="0" y="0"/>
+          <a:chExt cx="0" cy="0"/>
+        </a:xfrm>
+      </p:grpSpPr>
+      <p:sp>
+        <p:nvSpPr>
+          <p:cNvPr id="75" name="Google Shape;75;gcad7496ea3_0_0:notes"/>
+          <p:cNvSpPr/>
+          <p:nvPr>
+            <p:ph type="sldImg" idx="2"/>
+          </p:nvPr>
+        </p:nvSpPr>
+        <p:spPr>
+          <a:xfrm>
+            <a:off x="381300" y="685800"/>
+            <a:ext cx="6096000" cy="3429000"/>
+          </a:xfrm>
+          <a:custGeom>
+            <a:avLst/>
+            <a:gdLst/>
+            <a:ahLst/>
+            <a:cxnLst/>
+            <a:rect l="l" t="t" r="r" b="b"/>
+            <a:pathLst>
+              <a:path w="120000" h="120000" extrusionOk="0">
+                <a:moveTo>
+                  <a:pt x="0" y="0"/>
+                </a:moveTo>
+                <a:lnTo>
+                  <a:pt x="120000" y="0"/>
+                </a:lnTo>
+                <a:lnTo>
+                  <a:pt x="120000" y="120000"/>
+                </a:lnTo>
+                <a:lnTo>
+                  <a:pt x="0" y="120000"/>
+                </a:lnTo>
+                <a:close/>
+              </a:path>
+            </a:pathLst>
+          </a:custGeom>
+        </p:spPr>
+      </p:sp>
+      <p:sp>
+        <p:nvSpPr>
+          <p:cNvPr id="76" name="Google Shape;76;gcad7496ea3_0_0:notes"/>
+          <p:cNvSpPr txBox="1"/>
+          <p:nvPr>
+            <p:ph type="body" idx="1"/>
+          </p:nvPr>
+        </p:nvSpPr>
+        <p:spPr>
+          <a:xfrm>
+            <a:off x="685800" y="4343400"/>
+            <a:ext cx="5486400" cy="4114800"/>
+          </a:xfrm>
+          <a:prstGeom prst="rect">
+            <a:avLst/>
+          </a:prstGeom>
+        </p:spPr>
+        <p:txBody>
+          <a:bodyPr spcFirstLastPara="1" wrap="square" lIns="91425" tIns="91425" rIns="91425" bIns="91425" anchor="t" anchorCtr="0">
+            <a:noAutofit/>
+          </a:bodyPr>
+          <a:lstStyle/>
+          <a:p>
+            <a:pPr marL="0" lvl="0" indent="0" algn="l" rtl="0">
+              <a:spcBef>
+                <a:spcPts val="0"/>
+              </a:spcBef>
+              <a:spcAft>
+                <a:spcPts val="0"/>
+              </a:spcAft>
+              <a:buNone/>
+            </a:pPr>
             <a:r>
               <a:rPr lang="en-US"/>
               <a:t>Create a folder to store docker file</a:t>
@@ -4820,6 +5831,409 @@
               <a:t>run vs code and create Dockerfile and add some commands into it.</a:t>
             </a:r>
             <a:endParaRPr lang="en-US"/>
+          </a:p>
+        </p:txBody>
+      </p:sp>
+    </p:spTree>
+  </p:cSld>
+  <p:clrMapOvr>
+    <a:masterClrMapping/>
+  </p:clrMapOvr>
+</p:notes>
+</file>
+
+<file path=ppt/notesSlides/notesSlide50.xml><?xml version="1.0" encoding="utf-8"?>
+<p:notes xmlns:a="http://schemas.openxmlformats.org/drawingml/2006/main" xmlns:r="http://schemas.openxmlformats.org/officeDocument/2006/relationships" xmlns:p="http://schemas.openxmlformats.org/presentationml/2006/main" showMasterPhAnim="0" showMasterSp="0">
+  <p:cSld>
+    <p:spTree>
+      <p:nvGrpSpPr>
+        <p:cNvPr id="74" name="Shape 74"/>
+        <p:cNvGrpSpPr/>
+        <p:nvPr/>
+      </p:nvGrpSpPr>
+      <p:grpSpPr>
+        <a:xfrm>
+          <a:off x="0" y="0"/>
+          <a:ext cx="0" cy="0"/>
+          <a:chOff x="0" y="0"/>
+          <a:chExt cx="0" cy="0"/>
+        </a:xfrm>
+      </p:grpSpPr>
+      <p:sp>
+        <p:nvSpPr>
+          <p:cNvPr id="75" name="Google Shape;75;gcad7496ea3_0_0:notes"/>
+          <p:cNvSpPr/>
+          <p:nvPr>
+            <p:ph type="sldImg" idx="2"/>
+          </p:nvPr>
+        </p:nvSpPr>
+        <p:spPr>
+          <a:xfrm>
+            <a:off x="381300" y="685800"/>
+            <a:ext cx="6096000" cy="3429000"/>
+          </a:xfrm>
+          <a:custGeom>
+            <a:avLst/>
+            <a:gdLst/>
+            <a:ahLst/>
+            <a:cxnLst/>
+            <a:rect l="l" t="t" r="r" b="b"/>
+            <a:pathLst>
+              <a:path w="120000" h="120000" extrusionOk="0">
+                <a:moveTo>
+                  <a:pt x="0" y="0"/>
+                </a:moveTo>
+                <a:lnTo>
+                  <a:pt x="120000" y="0"/>
+                </a:lnTo>
+                <a:lnTo>
+                  <a:pt x="120000" y="120000"/>
+                </a:lnTo>
+                <a:lnTo>
+                  <a:pt x="0" y="120000"/>
+                </a:lnTo>
+                <a:close/>
+              </a:path>
+            </a:pathLst>
+          </a:custGeom>
+        </p:spPr>
+      </p:sp>
+      <p:sp>
+        <p:nvSpPr>
+          <p:cNvPr id="76" name="Google Shape;76;gcad7496ea3_0_0:notes"/>
+          <p:cNvSpPr txBox="1"/>
+          <p:nvPr>
+            <p:ph type="body" idx="1"/>
+          </p:nvPr>
+        </p:nvSpPr>
+        <p:spPr>
+          <a:xfrm>
+            <a:off x="685800" y="4343400"/>
+            <a:ext cx="5486400" cy="4114800"/>
+          </a:xfrm>
+          <a:prstGeom prst="rect">
+            <a:avLst/>
+          </a:prstGeom>
+        </p:spPr>
+        <p:txBody>
+          <a:bodyPr spcFirstLastPara="1" wrap="square" lIns="91425" tIns="91425" rIns="91425" bIns="91425" anchor="t" anchorCtr="0">
+            <a:noAutofit/>
+          </a:bodyPr>
+          <a:lstStyle/>
+          <a:p>
+            <a:pPr marL="0" lvl="0" indent="0" algn="l" rtl="0">
+              <a:spcBef>
+                <a:spcPts val="0"/>
+              </a:spcBef>
+              <a:spcAft>
+                <a:spcPts val="0"/>
+              </a:spcAft>
+              <a:buNone/>
+            </a:pPr>
+            <a:endParaRPr lang="en-US"/>
+          </a:p>
+        </p:txBody>
+      </p:sp>
+    </p:spTree>
+  </p:cSld>
+  <p:clrMapOvr>
+    <a:masterClrMapping/>
+  </p:clrMapOvr>
+</p:notes>
+</file>
+
+<file path=ppt/notesSlides/notesSlide51.xml><?xml version="1.0" encoding="utf-8"?>
+<p:notes xmlns:a="http://schemas.openxmlformats.org/drawingml/2006/main" xmlns:r="http://schemas.openxmlformats.org/officeDocument/2006/relationships" xmlns:p="http://schemas.openxmlformats.org/presentationml/2006/main" showMasterPhAnim="0" showMasterSp="0">
+  <p:cSld>
+    <p:spTree>
+      <p:nvGrpSpPr>
+        <p:cNvPr id="74" name="Shape 74"/>
+        <p:cNvGrpSpPr/>
+        <p:nvPr/>
+      </p:nvGrpSpPr>
+      <p:grpSpPr>
+        <a:xfrm>
+          <a:off x="0" y="0"/>
+          <a:ext cx="0" cy="0"/>
+          <a:chOff x="0" y="0"/>
+          <a:chExt cx="0" cy="0"/>
+        </a:xfrm>
+      </p:grpSpPr>
+      <p:sp>
+        <p:nvSpPr>
+          <p:cNvPr id="75" name="Google Shape;75;gcad7496ea3_0_0:notes"/>
+          <p:cNvSpPr/>
+          <p:nvPr>
+            <p:ph type="sldImg" idx="2"/>
+          </p:nvPr>
+        </p:nvSpPr>
+        <p:spPr>
+          <a:xfrm>
+            <a:off x="381300" y="685800"/>
+            <a:ext cx="6096000" cy="3429000"/>
+          </a:xfrm>
+          <a:custGeom>
+            <a:avLst/>
+            <a:gdLst/>
+            <a:ahLst/>
+            <a:cxnLst/>
+            <a:rect l="l" t="t" r="r" b="b"/>
+            <a:pathLst>
+              <a:path w="120000" h="120000" extrusionOk="0">
+                <a:moveTo>
+                  <a:pt x="0" y="0"/>
+                </a:moveTo>
+                <a:lnTo>
+                  <a:pt x="120000" y="0"/>
+                </a:lnTo>
+                <a:lnTo>
+                  <a:pt x="120000" y="120000"/>
+                </a:lnTo>
+                <a:lnTo>
+                  <a:pt x="0" y="120000"/>
+                </a:lnTo>
+                <a:close/>
+              </a:path>
+            </a:pathLst>
+          </a:custGeom>
+        </p:spPr>
+      </p:sp>
+      <p:sp>
+        <p:nvSpPr>
+          <p:cNvPr id="76" name="Google Shape;76;gcad7496ea3_0_0:notes"/>
+          <p:cNvSpPr txBox="1"/>
+          <p:nvPr>
+            <p:ph type="body" idx="1"/>
+          </p:nvPr>
+        </p:nvSpPr>
+        <p:spPr>
+          <a:xfrm>
+            <a:off x="685800" y="4343400"/>
+            <a:ext cx="5486400" cy="4114800"/>
+          </a:xfrm>
+          <a:prstGeom prst="rect">
+            <a:avLst/>
+          </a:prstGeom>
+        </p:spPr>
+        <p:txBody>
+          <a:bodyPr spcFirstLastPara="1" wrap="square" lIns="91425" tIns="91425" rIns="91425" bIns="91425" anchor="t" anchorCtr="0">
+            <a:noAutofit/>
+          </a:bodyPr>
+          <a:lstStyle/>
+          <a:p>
+            <a:pPr marL="0" lvl="0" indent="0" algn="l" rtl="0">
+              <a:spcBef>
+                <a:spcPts val="0"/>
+              </a:spcBef>
+              <a:spcAft>
+                <a:spcPts val="0"/>
+              </a:spcAft>
+              <a:buNone/>
+            </a:pPr>
+            <a:endParaRPr lang="en-US"/>
+          </a:p>
+        </p:txBody>
+      </p:sp>
+    </p:spTree>
+  </p:cSld>
+  <p:clrMapOvr>
+    <a:masterClrMapping/>
+  </p:clrMapOvr>
+</p:notes>
+</file>
+
+<file path=ppt/notesSlides/notesSlide52.xml><?xml version="1.0" encoding="utf-8"?>
+<p:notes xmlns:a="http://schemas.openxmlformats.org/drawingml/2006/main" xmlns:r="http://schemas.openxmlformats.org/officeDocument/2006/relationships" xmlns:p="http://schemas.openxmlformats.org/presentationml/2006/main" showMasterPhAnim="0" showMasterSp="0">
+  <p:cSld>
+    <p:spTree>
+      <p:nvGrpSpPr>
+        <p:cNvPr id="74" name="Shape 74"/>
+        <p:cNvGrpSpPr/>
+        <p:nvPr/>
+      </p:nvGrpSpPr>
+      <p:grpSpPr>
+        <a:xfrm>
+          <a:off x="0" y="0"/>
+          <a:ext cx="0" cy="0"/>
+          <a:chOff x="0" y="0"/>
+          <a:chExt cx="0" cy="0"/>
+        </a:xfrm>
+      </p:grpSpPr>
+      <p:sp>
+        <p:nvSpPr>
+          <p:cNvPr id="75" name="Google Shape;75;gcad7496ea3_0_0:notes"/>
+          <p:cNvSpPr/>
+          <p:nvPr>
+            <p:ph type="sldImg" idx="2"/>
+          </p:nvPr>
+        </p:nvSpPr>
+        <p:spPr>
+          <a:xfrm>
+            <a:off x="381300" y="685800"/>
+            <a:ext cx="6096000" cy="3429000"/>
+          </a:xfrm>
+          <a:custGeom>
+            <a:avLst/>
+            <a:gdLst/>
+            <a:ahLst/>
+            <a:cxnLst/>
+            <a:rect l="l" t="t" r="r" b="b"/>
+            <a:pathLst>
+              <a:path w="120000" h="120000" extrusionOk="0">
+                <a:moveTo>
+                  <a:pt x="0" y="0"/>
+                </a:moveTo>
+                <a:lnTo>
+                  <a:pt x="120000" y="0"/>
+                </a:lnTo>
+                <a:lnTo>
+                  <a:pt x="120000" y="120000"/>
+                </a:lnTo>
+                <a:lnTo>
+                  <a:pt x="0" y="120000"/>
+                </a:lnTo>
+                <a:close/>
+              </a:path>
+            </a:pathLst>
+          </a:custGeom>
+        </p:spPr>
+      </p:sp>
+      <p:sp>
+        <p:nvSpPr>
+          <p:cNvPr id="76" name="Google Shape;76;gcad7496ea3_0_0:notes"/>
+          <p:cNvSpPr txBox="1"/>
+          <p:nvPr>
+            <p:ph type="body" idx="1"/>
+          </p:nvPr>
+        </p:nvSpPr>
+        <p:spPr>
+          <a:xfrm>
+            <a:off x="685800" y="4343400"/>
+            <a:ext cx="5486400" cy="4114800"/>
+          </a:xfrm>
+          <a:prstGeom prst="rect">
+            <a:avLst/>
+          </a:prstGeom>
+        </p:spPr>
+        <p:txBody>
+          <a:bodyPr spcFirstLastPara="1" wrap="square" lIns="91425" tIns="91425" rIns="91425" bIns="91425" anchor="t" anchorCtr="0">
+            <a:noAutofit/>
+          </a:bodyPr>
+          <a:lstStyle/>
+          <a:p>
+            <a:pPr marL="0" lvl="0" indent="0" algn="l" rtl="0">
+              <a:spcBef>
+                <a:spcPts val="0"/>
+              </a:spcBef>
+              <a:spcAft>
+                <a:spcPts val="0"/>
+              </a:spcAft>
+              <a:buNone/>
+            </a:pPr>
+            <a:r>
+              <a:rPr lang="en-US"/>
+              <a:t>run two commands are the same to check its container are shared folder or not</a:t>
+            </a:r>
+            <a:endParaRPr lang="en-US"/>
+          </a:p>
+        </p:txBody>
+      </p:sp>
+    </p:spTree>
+  </p:cSld>
+  <p:clrMapOvr>
+    <a:masterClrMapping/>
+  </p:clrMapOvr>
+</p:notes>
+</file>
+
+<file path=ppt/notesSlides/notesSlide53.xml><?xml version="1.0" encoding="utf-8"?>
+<p:notes xmlns:a="http://schemas.openxmlformats.org/drawingml/2006/main" xmlns:r="http://schemas.openxmlformats.org/officeDocument/2006/relationships" xmlns:p="http://schemas.openxmlformats.org/presentationml/2006/main" showMasterPhAnim="0" showMasterSp="0">
+  <p:cSld>
+    <p:spTree>
+      <p:nvGrpSpPr>
+        <p:cNvPr id="447" name="Shape 447"/>
+        <p:cNvGrpSpPr/>
+        <p:nvPr/>
+      </p:nvGrpSpPr>
+      <p:grpSpPr>
+        <a:xfrm>
+          <a:off x="0" y="0"/>
+          <a:ext cx="0" cy="0"/>
+          <a:chOff x="0" y="0"/>
+          <a:chExt cx="0" cy="0"/>
+        </a:xfrm>
+      </p:grpSpPr>
+      <p:sp>
+        <p:nvSpPr>
+          <p:cNvPr id="448" name="Google Shape;448;gcb89376c82_0_37:notes"/>
+          <p:cNvSpPr/>
+          <p:nvPr>
+            <p:ph type="sldImg" idx="2"/>
+          </p:nvPr>
+        </p:nvSpPr>
+        <p:spPr>
+          <a:xfrm>
+            <a:off x="381300" y="685800"/>
+            <a:ext cx="6096000" cy="3429000"/>
+          </a:xfrm>
+          <a:custGeom>
+            <a:avLst/>
+            <a:gdLst/>
+            <a:ahLst/>
+            <a:cxnLst/>
+            <a:rect l="l" t="t" r="r" b="b"/>
+            <a:pathLst>
+              <a:path w="120000" h="120000" extrusionOk="0">
+                <a:moveTo>
+                  <a:pt x="0" y="0"/>
+                </a:moveTo>
+                <a:lnTo>
+                  <a:pt x="120000" y="0"/>
+                </a:lnTo>
+                <a:lnTo>
+                  <a:pt x="120000" y="120000"/>
+                </a:lnTo>
+                <a:lnTo>
+                  <a:pt x="0" y="120000"/>
+                </a:lnTo>
+                <a:close/>
+              </a:path>
+            </a:pathLst>
+          </a:custGeom>
+        </p:spPr>
+      </p:sp>
+      <p:sp>
+        <p:nvSpPr>
+          <p:cNvPr id="449" name="Google Shape;449;gcb89376c82_0_37:notes"/>
+          <p:cNvSpPr txBox="1"/>
+          <p:nvPr>
+            <p:ph type="body" idx="1"/>
+          </p:nvPr>
+        </p:nvSpPr>
+        <p:spPr>
+          <a:xfrm>
+            <a:off x="685800" y="4343400"/>
+            <a:ext cx="5486400" cy="4114800"/>
+          </a:xfrm>
+          <a:prstGeom prst="rect">
+            <a:avLst/>
+          </a:prstGeom>
+        </p:spPr>
+        <p:txBody>
+          <a:bodyPr spcFirstLastPara="1" wrap="square" lIns="91425" tIns="91425" rIns="91425" bIns="91425" anchor="t" anchorCtr="0">
+            <a:noAutofit/>
+          </a:bodyPr>
+          <a:lstStyle/>
+          <a:p>
+            <a:pPr marL="0" lvl="0" indent="0" algn="l" rtl="0">
+              <a:spcBef>
+                <a:spcPts val="0"/>
+              </a:spcBef>
+              <a:spcAft>
+                <a:spcPts val="0"/>
+              </a:spcAft>
+              <a:buNone/>
+            </a:pPr>
           </a:p>
         </p:txBody>
       </p:sp>
@@ -10859,7 +12273,7 @@
       </p:sp>
       <p:pic>
         <p:nvPicPr>
-          <p:cNvPr id="1" name="Picture 0"/>
+          <p:cNvPr id="2" name="Picture 1"/>
           <p:cNvPicPr>
             <a:picLocks noChangeAspect="1"/>
           </p:cNvPicPr>
@@ -11237,7 +12651,7 @@
       </p:sp>
       <p:pic>
         <p:nvPicPr>
-          <p:cNvPr id="1" name="Picture 0"/>
+          <p:cNvPr id="2" name="Picture 1"/>
           <p:cNvPicPr>
             <a:picLocks noChangeAspect="1"/>
           </p:cNvPicPr>
@@ -11272,43 +12686,134 @@
   <p:cSld>
     <p:spTree>
       <p:nvGrpSpPr>
-        <p:cNvPr id="1" name=""/>
+        <p:cNvPr id="77" name="Shape 77"/>
         <p:cNvGrpSpPr/>
         <p:nvPr/>
       </p:nvGrpSpPr>
-      <p:grpSpPr/>
-      <p:sp>
-        <p:nvSpPr>
-          <p:cNvPr id="2" name="Title 1"/>
-          <p:cNvSpPr/>
+      <p:grpSpPr>
+        <a:xfrm>
+          <a:off x="0" y="0"/>
+          <a:ext cx="0" cy="0"/>
+          <a:chOff x="0" y="0"/>
+          <a:chExt cx="0" cy="0"/>
+        </a:xfrm>
+      </p:grpSpPr>
+      <p:sp>
+        <p:nvSpPr>
+          <p:cNvPr id="78" name="Google Shape;78;p15"/>
+          <p:cNvSpPr txBox="1"/>
           <p:nvPr>
             <p:ph type="title"/>
           </p:nvPr>
         </p:nvSpPr>
-        <p:spPr/>
+        <p:spPr>
+          <a:xfrm>
+            <a:off x="311700" y="123715"/>
+            <a:ext cx="8520600" cy="707400"/>
+          </a:xfrm>
+          <a:prstGeom prst="rect">
+            <a:avLst/>
+          </a:prstGeom>
+        </p:spPr>
         <p:txBody>
-          <a:bodyPr/>
-          <a:p>
-            <a:endParaRPr lang="en-US"/>
+          <a:bodyPr spcFirstLastPara="1" wrap="square" lIns="91425" tIns="91425" rIns="91425" bIns="91425" anchor="t" anchorCtr="0">
+            <a:normAutofit/>
+          </a:bodyPr>
+          <a:lstStyle/>
+          <a:p>
+            <a:pPr marL="0" lvl="0" indent="0" algn="l" rtl="0">
+              <a:spcBef>
+                <a:spcPts val="0"/>
+              </a:spcBef>
+              <a:spcAft>
+                <a:spcPts val="0"/>
+              </a:spcAft>
+              <a:buSzPts val="990"/>
+              <a:buNone/>
+            </a:pPr>
+            <a:r>
+              <a:rPr lang="en-US" sz="2940"/>
+              <a:t>Build docker example (nodejs application)</a:t>
+            </a:r>
+            <a:endParaRPr lang="en-US" sz="2940" b="0">
+              <a:solidFill>
+                <a:srgbClr val="3D85C6"/>
+              </a:solidFill>
+            </a:endParaRPr>
           </a:p>
         </p:txBody>
       </p:sp>
       <p:sp>
         <p:nvSpPr>
-          <p:cNvPr id="3" name="Text Placeholder 2"/>
-          <p:cNvSpPr/>
+          <p:cNvPr id="79" name="Google Shape;79;p15"/>
+          <p:cNvSpPr txBox="1"/>
           <p:nvPr>
             <p:ph type="body" idx="1"/>
           </p:nvPr>
         </p:nvSpPr>
-        <p:spPr/>
+        <p:spPr>
+          <a:xfrm>
+            <a:off x="311785" y="3729355"/>
+            <a:ext cx="8519795" cy="839470"/>
+          </a:xfrm>
+          <a:prstGeom prst="rect">
+            <a:avLst/>
+          </a:prstGeom>
+        </p:spPr>
         <p:txBody>
-          <a:bodyPr/>
-          <a:p>
-            <a:endParaRPr lang="en-US"/>
+          <a:bodyPr spcFirstLastPara="1" wrap="square" lIns="91425" tIns="91425" rIns="91425" bIns="91425" anchor="t" anchorCtr="0">
+            <a:normAutofit/>
+          </a:bodyPr>
+          <a:lstStyle/>
+          <a:p>
+            <a:pPr marL="457200" lvl="0" indent="-342900" algn="l" rtl="0">
+              <a:spcBef>
+                <a:spcPts val="0"/>
+              </a:spcBef>
+              <a:spcAft>
+                <a:spcPts val="0"/>
+              </a:spcAft>
+              <a:buSzPts val="1800"/>
+              <a:buChar char="+"/>
+            </a:pPr>
+            <a:r>
+              <a:rPr lang="en-US" altLang="en-GB" b="1">
+                <a:sym typeface="+mn-ea"/>
+              </a:rPr>
+              <a:t>Adding package.json file</a:t>
+            </a:r>
+            <a:endParaRPr lang="en-US" b="1">
+              <a:solidFill>
+                <a:srgbClr val="B45F06"/>
+              </a:solidFill>
+            </a:endParaRPr>
           </a:p>
         </p:txBody>
       </p:sp>
+      <p:pic>
+        <p:nvPicPr>
+          <p:cNvPr id="2" name="Picture 1"/>
+          <p:cNvPicPr>
+            <a:picLocks noChangeAspect="1"/>
+          </p:cNvPicPr>
+          <p:nvPr/>
+        </p:nvPicPr>
+        <p:blipFill>
+          <a:blip r:embed="rId1"/>
+          <a:stretch>
+            <a:fillRect/>
+          </a:stretch>
+        </p:blipFill>
+        <p:spPr>
+          <a:xfrm>
+            <a:off x="1609725" y="831215"/>
+            <a:ext cx="5923915" cy="2591435"/>
+          </a:xfrm>
+          <a:prstGeom prst="rect">
+            <a:avLst/>
+          </a:prstGeom>
+        </p:spPr>
+      </p:pic>
     </p:spTree>
   </p:cSld>
   <p:clrMapOvr>
@@ -11369,7 +12874,7 @@
             </a:pPr>
             <a:r>
               <a:rPr lang="en-US" sz="2940"/>
-              <a:t>Docker run in detail</a:t>
+              <a:t>Build docker example (nodejs application)</a:t>
             </a:r>
             <a:endParaRPr lang="en-US" sz="2940" b="0">
               <a:solidFill>
@@ -11389,8 +12894,8 @@
         </p:nvSpPr>
         <p:spPr>
           <a:xfrm>
-            <a:off x="311785" y="831215"/>
-            <a:ext cx="8520430" cy="3737610"/>
+            <a:off x="311785" y="3729355"/>
+            <a:ext cx="8519795" cy="839470"/>
           </a:xfrm>
           <a:prstGeom prst="rect">
             <a:avLst/>
@@ -11412,6 +12917,12 @@
               <a:buSzPts val="1800"/>
               <a:buChar char="+"/>
             </a:pPr>
+            <a:r>
+              <a:rPr lang="en-US" altLang="en-GB" b="1">
+                <a:sym typeface="+mn-ea"/>
+              </a:rPr>
+              <a:t>Adding index.js file</a:t>
+            </a:r>
             <a:endParaRPr lang="en-US" b="1">
               <a:solidFill>
                 <a:srgbClr val="B45F06"/>
@@ -11422,7 +12933,7 @@
       </p:sp>
       <p:pic>
         <p:nvPicPr>
-          <p:cNvPr id="2" name="Picture 1"/>
+          <p:cNvPr id="1" name="Picture 0"/>
           <p:cNvPicPr>
             <a:picLocks noChangeAspect="1"/>
           </p:cNvPicPr>
@@ -11436,8 +12947,8 @@
         </p:blipFill>
         <p:spPr>
           <a:xfrm>
-            <a:off x="861060" y="831850"/>
-            <a:ext cx="7198360" cy="3736340"/>
+            <a:off x="1593850" y="831215"/>
+            <a:ext cx="5955030" cy="2641600"/>
           </a:xfrm>
           <a:prstGeom prst="rect">
             <a:avLst/>
@@ -11504,7 +13015,7 @@
             </a:pPr>
             <a:r>
               <a:rPr lang="en-US" sz="2940"/>
-              <a:t>Overriding default commands</a:t>
+              <a:t>Build docker example (nodejs application)</a:t>
             </a:r>
             <a:endParaRPr lang="en-US" sz="2940" b="0">
               <a:solidFill>
@@ -11514,77 +13025,9 @@
           </a:p>
         </p:txBody>
       </p:sp>
-      <p:sp>
-        <p:nvSpPr>
-          <p:cNvPr id="79" name="Google Shape;79;p15"/>
-          <p:cNvSpPr txBox="1"/>
-          <p:nvPr>
-            <p:ph type="body" idx="1"/>
-          </p:nvPr>
-        </p:nvSpPr>
-        <p:spPr>
-          <a:xfrm>
-            <a:off x="311785" y="831215"/>
-            <a:ext cx="8520430" cy="3737610"/>
-          </a:xfrm>
-          <a:prstGeom prst="rect">
-            <a:avLst/>
-          </a:prstGeom>
-        </p:spPr>
-        <p:txBody>
-          <a:bodyPr spcFirstLastPara="1" wrap="square" lIns="91425" tIns="91425" rIns="91425" bIns="91425" anchor="t" anchorCtr="0">
-            <a:normAutofit/>
-          </a:bodyPr>
-          <a:lstStyle/>
-          <a:p>
-            <a:pPr marL="457200" lvl="0" indent="-342900" algn="l" rtl="0">
-              <a:spcBef>
-                <a:spcPts val="0"/>
-              </a:spcBef>
-              <a:spcAft>
-                <a:spcPts val="0"/>
-              </a:spcAft>
-              <a:buSzPts val="1800"/>
-              <a:buChar char="+"/>
-            </a:pPr>
-            <a:r>
-              <a:rPr lang="en-US" altLang="en-GB" b="1">
-                <a:sym typeface="+mn-ea"/>
-              </a:rPr>
-              <a:t>Run a command and show message</a:t>
-            </a:r>
-            <a:endParaRPr lang="en-US" altLang="en-GB" b="1">
-              <a:sym typeface="+mn-ea"/>
-            </a:endParaRPr>
-          </a:p>
-          <a:p>
-            <a:pPr marL="457200" lvl="0" indent="-342900" algn="l" rtl="0">
-              <a:spcBef>
-                <a:spcPts val="0"/>
-              </a:spcBef>
-              <a:spcAft>
-                <a:spcPts val="0"/>
-              </a:spcAft>
-              <a:buSzPts val="1800"/>
-              <a:buChar char="+"/>
-            </a:pPr>
-            <a:r>
-              <a:rPr lang="en-US" altLang="en-GB" b="1">
-                <a:sym typeface="+mn-ea"/>
-              </a:rPr>
-              <a:t>&gt;&gt; docker run busybox echo hi there</a:t>
-            </a:r>
-            <a:endParaRPr lang="en-US" b="1">
-              <a:solidFill>
-                <a:srgbClr val="B45F06"/>
-              </a:solidFill>
-            </a:endParaRPr>
-          </a:p>
-        </p:txBody>
-      </p:sp>
       <p:pic>
         <p:nvPicPr>
-          <p:cNvPr id="2" name="Picture 1"/>
+          <p:cNvPr id="1" name="Picture 0"/>
           <p:cNvPicPr>
             <a:picLocks noChangeAspect="1"/>
           </p:cNvPicPr>
@@ -11598,14 +13041,54 @@
         </p:blipFill>
         <p:spPr>
           <a:xfrm>
-            <a:off x="1897380" y="1804035"/>
-            <a:ext cx="5348605" cy="2246630"/>
+            <a:off x="2115185" y="2397760"/>
+            <a:ext cx="5118100" cy="1821180"/>
           </a:xfrm>
           <a:prstGeom prst="rect">
             <a:avLst/>
           </a:prstGeom>
         </p:spPr>
       </p:pic>
+      <p:pic>
+        <p:nvPicPr>
+          <p:cNvPr id="3" name="Picture 2"/>
+          <p:cNvPicPr>
+            <a:picLocks noChangeAspect="1"/>
+          </p:cNvPicPr>
+          <p:nvPr/>
+        </p:nvPicPr>
+        <p:blipFill>
+          <a:blip r:embed="rId2"/>
+          <a:stretch>
+            <a:fillRect/>
+          </a:stretch>
+        </p:blipFill>
+        <p:spPr>
+          <a:xfrm>
+            <a:off x="1363980" y="831215"/>
+            <a:ext cx="6416040" cy="1683385"/>
+          </a:xfrm>
+          <a:prstGeom prst="rect">
+            <a:avLst/>
+          </a:prstGeom>
+        </p:spPr>
+      </p:pic>
+      <p:sp>
+        <p:nvSpPr>
+          <p:cNvPr id="4" name="Text Placeholder 3"/>
+          <p:cNvSpPr/>
+          <p:nvPr>
+            <p:ph type="body" idx="1"/>
+          </p:nvPr>
+        </p:nvSpPr>
+        <p:spPr/>
+        <p:txBody>
+          <a:bodyPr/>
+          <a:p>
+            <a:endParaRPr lang="en-US"/>
+          </a:p>
+        </p:txBody>
+      </p:sp>
     </p:spTree>
   </p:cSld>
   <p:clrMapOvr>
@@ -11666,7 +13149,7 @@
             </a:pPr>
             <a:r>
               <a:rPr lang="en-US" sz="2940"/>
-              <a:t>Overriding default commands</a:t>
+              <a:t>Build docker example (nodejs application)</a:t>
             </a:r>
             <a:endParaRPr lang="en-US" sz="2940" b="0">
               <a:solidFill>
@@ -11676,77 +13159,9 @@
           </a:p>
         </p:txBody>
       </p:sp>
-      <p:sp>
-        <p:nvSpPr>
-          <p:cNvPr id="79" name="Google Shape;79;p15"/>
-          <p:cNvSpPr txBox="1"/>
-          <p:nvPr>
-            <p:ph type="body" idx="1"/>
-          </p:nvPr>
-        </p:nvSpPr>
-        <p:spPr>
-          <a:xfrm>
-            <a:off x="311785" y="831215"/>
-            <a:ext cx="3696335" cy="3737610"/>
-          </a:xfrm>
-          <a:prstGeom prst="rect">
-            <a:avLst/>
-          </a:prstGeom>
-        </p:spPr>
-        <p:txBody>
-          <a:bodyPr spcFirstLastPara="1" wrap="square" lIns="91425" tIns="91425" rIns="91425" bIns="91425" anchor="t" anchorCtr="0">
-            <a:normAutofit/>
-          </a:bodyPr>
-          <a:lstStyle/>
-          <a:p>
-            <a:pPr marL="457200" lvl="0" indent="-342900" algn="l" rtl="0">
-              <a:spcBef>
-                <a:spcPts val="0"/>
-              </a:spcBef>
-              <a:spcAft>
-                <a:spcPts val="0"/>
-              </a:spcAft>
-              <a:buSzPts val="1800"/>
-              <a:buChar char="+"/>
-            </a:pPr>
-            <a:r>
-              <a:rPr lang="en-US" altLang="en-GB" b="1">
-                <a:sym typeface="+mn-ea"/>
-              </a:rPr>
-              <a:t>Show list of foder of the container </a:t>
-            </a:r>
-            <a:endParaRPr lang="en-US" altLang="en-GB" b="1">
-              <a:sym typeface="+mn-ea"/>
-            </a:endParaRPr>
-          </a:p>
-          <a:p>
-            <a:pPr marL="457200" lvl="0" indent="-342900" algn="l" rtl="0">
-              <a:spcBef>
-                <a:spcPts val="0"/>
-              </a:spcBef>
-              <a:spcAft>
-                <a:spcPts val="0"/>
-              </a:spcAft>
-              <a:buSzPts val="1800"/>
-              <a:buChar char="+"/>
-            </a:pPr>
-            <a:r>
-              <a:rPr lang="en-US" altLang="en-GB" b="1">
-                <a:sym typeface="+mn-ea"/>
-              </a:rPr>
-              <a:t>&gt;&gt; docker run busybox ls</a:t>
-            </a:r>
-            <a:endParaRPr lang="en-US" b="1">
-              <a:solidFill>
-                <a:srgbClr val="B45F06"/>
-              </a:solidFill>
-            </a:endParaRPr>
-          </a:p>
-        </p:txBody>
-      </p:sp>
       <p:pic>
         <p:nvPicPr>
-          <p:cNvPr id="3" name="Picture 2"/>
+          <p:cNvPr id="2" name="Picture 1"/>
           <p:cNvPicPr>
             <a:picLocks noChangeAspect="1"/>
           </p:cNvPicPr>
@@ -11760,8 +13175,8 @@
         </p:blipFill>
         <p:spPr>
           <a:xfrm>
-            <a:off x="4256405" y="990600"/>
-            <a:ext cx="4438650" cy="3419475"/>
+            <a:off x="1534160" y="1035685"/>
+            <a:ext cx="6076315" cy="2416175"/>
           </a:xfrm>
           <a:prstGeom prst="rect">
             <a:avLst/>
@@ -11828,7 +13243,7 @@
             </a:pPr>
             <a:r>
               <a:rPr lang="en-US" sz="2940"/>
-              <a:t>Overriding default commands</a:t>
+              <a:t>Build docker example (nodejs application)</a:t>
             </a:r>
             <a:endParaRPr lang="en-US" sz="2940" b="0">
               <a:solidFill>
@@ -11838,77 +13253,9 @@
           </a:p>
         </p:txBody>
       </p:sp>
-      <p:sp>
-        <p:nvSpPr>
-          <p:cNvPr id="79" name="Google Shape;79;p15"/>
-          <p:cNvSpPr txBox="1"/>
-          <p:nvPr>
-            <p:ph type="body" idx="1"/>
-          </p:nvPr>
-        </p:nvSpPr>
-        <p:spPr>
-          <a:xfrm>
-            <a:off x="311785" y="831215"/>
-            <a:ext cx="8037195" cy="3737610"/>
-          </a:xfrm>
-          <a:prstGeom prst="rect">
-            <a:avLst/>
-          </a:prstGeom>
-        </p:spPr>
-        <p:txBody>
-          <a:bodyPr spcFirstLastPara="1" wrap="square" lIns="91425" tIns="91425" rIns="91425" bIns="91425" anchor="t" anchorCtr="0">
-            <a:normAutofit/>
-          </a:bodyPr>
-          <a:lstStyle/>
-          <a:p>
-            <a:pPr marL="457200" lvl="0" indent="-342900" algn="l" rtl="0">
-              <a:spcBef>
-                <a:spcPts val="0"/>
-              </a:spcBef>
-              <a:spcAft>
-                <a:spcPts val="0"/>
-              </a:spcAft>
-              <a:buSzPts val="1800"/>
-              <a:buChar char="+"/>
-            </a:pPr>
-            <a:r>
-              <a:rPr lang="en-US" altLang="en-GB" b="1">
-                <a:sym typeface="+mn-ea"/>
-              </a:rPr>
-              <a:t>Show list of foder of the container </a:t>
-            </a:r>
-            <a:endParaRPr lang="en-US" altLang="en-GB" b="1">
-              <a:sym typeface="+mn-ea"/>
-            </a:endParaRPr>
-          </a:p>
-          <a:p>
-            <a:pPr marL="457200" lvl="0" indent="-342900" algn="l" rtl="0">
-              <a:spcBef>
-                <a:spcPts val="0"/>
-              </a:spcBef>
-              <a:spcAft>
-                <a:spcPts val="0"/>
-              </a:spcAft>
-              <a:buSzPts val="1800"/>
-              <a:buChar char="+"/>
-            </a:pPr>
-            <a:r>
-              <a:rPr lang="en-US" altLang="en-GB" b="1">
-                <a:sym typeface="+mn-ea"/>
-              </a:rPr>
-              <a:t>&gt;&gt; docker run busybox ls</a:t>
-            </a:r>
-            <a:endParaRPr lang="en-US" b="1">
-              <a:solidFill>
-                <a:srgbClr val="B45F06"/>
-              </a:solidFill>
-            </a:endParaRPr>
-          </a:p>
-        </p:txBody>
-      </p:sp>
       <p:pic>
         <p:nvPicPr>
-          <p:cNvPr id="3" name="Picture 2"/>
+          <p:cNvPr id="2" name="Picture 1"/>
           <p:cNvPicPr>
             <a:picLocks noChangeAspect="1"/>
           </p:cNvPicPr>
@@ -11922,32 +13269,8 @@
         </p:blipFill>
         <p:spPr>
           <a:xfrm>
-            <a:off x="577215" y="2004695"/>
-            <a:ext cx="4172585" cy="2363470"/>
-          </a:xfrm>
-          <a:prstGeom prst="rect">
-            <a:avLst/>
-          </a:prstGeom>
-        </p:spPr>
-      </p:pic>
-      <p:pic>
-        <p:nvPicPr>
-          <p:cNvPr id="2" name="Picture 1"/>
-          <p:cNvPicPr>
-            <a:picLocks noChangeAspect="1"/>
-          </p:cNvPicPr>
-          <p:nvPr/>
-        </p:nvPicPr>
-        <p:blipFill>
-          <a:blip r:embed="rId2"/>
-          <a:stretch>
-            <a:fillRect/>
-          </a:stretch>
-        </p:blipFill>
-        <p:spPr>
-          <a:xfrm>
-            <a:off x="5003800" y="2132330"/>
-            <a:ext cx="3641090" cy="2108200"/>
+            <a:off x="523875" y="962025"/>
+            <a:ext cx="8096250" cy="3219450"/>
           </a:xfrm>
           <a:prstGeom prst="rect">
             <a:avLst/>
@@ -12014,7 +13337,7 @@
             </a:pPr>
             <a:r>
               <a:rPr lang="en-US" sz="2940"/>
-              <a:t>List of running container</a:t>
+              <a:t>Build docker example (nodejs application)</a:t>
             </a:r>
             <a:endParaRPr lang="en-US" sz="2940" b="0">
               <a:solidFill>
@@ -12034,8 +13357,8 @@
         </p:nvSpPr>
         <p:spPr>
           <a:xfrm>
-            <a:off x="311785" y="831215"/>
-            <a:ext cx="8213725" cy="3737610"/>
+            <a:off x="311785" y="3195955"/>
+            <a:ext cx="8519795" cy="1372870"/>
           </a:xfrm>
           <a:prstGeom prst="rect">
             <a:avLst/>
@@ -12059,9 +13382,18 @@
             </a:pPr>
             <a:r>
               <a:rPr lang="en-US" altLang="en-GB" b="1">
+                <a:solidFill>
+                  <a:srgbClr val="FF0000"/>
+                </a:solidFill>
                 <a:sym typeface="+mn-ea"/>
               </a:rPr>
-              <a:t>Show list of running container</a:t>
+              <a:t>RUN npm install</a:t>
+            </a:r>
+            <a:r>
+              <a:rPr lang="en-US" altLang="en-GB" b="1">
+                <a:sym typeface="+mn-ea"/>
+              </a:rPr>
+              <a:t> not found</a:t>
             </a:r>
             <a:endParaRPr lang="en-US" altLang="en-GB" b="1">
               <a:sym typeface="+mn-ea"/>
@@ -12082,8 +13414,44 @@
               <a:rPr lang="en-US" altLang="en-GB" b="1">
                 <a:sym typeface="+mn-ea"/>
               </a:rPr>
-              <a:t>&gt;&gt; docker ps</a:t>
+              <a:t>Solution 1: Find another image on Docker Hub including npm</a:t>
             </a:r>
+            <a:endParaRPr lang="en-US" altLang="en-GB" b="1">
+              <a:sym typeface="+mn-ea"/>
+            </a:endParaRPr>
+          </a:p>
+          <a:p>
+            <a:pPr marL="457200" lvl="0" indent="-342900" algn="l" rtl="0">
+              <a:spcBef>
+                <a:spcPts val="0"/>
+              </a:spcBef>
+              <a:spcAft>
+                <a:spcPts val="0"/>
+              </a:spcAft>
+              <a:buSzPts val="1800"/>
+              <a:buChar char="+"/>
+            </a:pPr>
+            <a:r>
+              <a:rPr lang="en-US" altLang="en-GB" b="1">
+                <a:sym typeface="+mn-ea"/>
+              </a:rPr>
+              <a:t>Solution 2: Install more command to install npm</a:t>
+            </a:r>
+            <a:endParaRPr lang="en-US" altLang="en-GB" b="1">
+              <a:sym typeface="+mn-ea"/>
+            </a:endParaRPr>
+          </a:p>
+          <a:p>
+            <a:pPr marL="457200" lvl="0" indent="-342900" algn="l" rtl="0">
+              <a:spcBef>
+                <a:spcPts val="0"/>
+              </a:spcBef>
+              <a:spcAft>
+                <a:spcPts val="0"/>
+              </a:spcAft>
+              <a:buSzPts val="1800"/>
+              <a:buChar char="+"/>
+            </a:pPr>
             <a:endParaRPr lang="en-US" b="1">
               <a:solidFill>
                 <a:srgbClr val="B45F06"/>
@@ -12094,7 +13462,7 @@
       </p:sp>
       <p:pic>
         <p:nvPicPr>
-          <p:cNvPr id="2" name="Picture 1"/>
+          <p:cNvPr id="1" name="Picture 0"/>
           <p:cNvPicPr>
             <a:picLocks noChangeAspect="1"/>
           </p:cNvPicPr>
@@ -12108,8 +13476,8 @@
         </p:blipFill>
         <p:spPr>
           <a:xfrm>
-            <a:off x="546100" y="2914650"/>
-            <a:ext cx="6776085" cy="1609725"/>
+            <a:off x="428625" y="831215"/>
+            <a:ext cx="3870325" cy="2028190"/>
           </a:xfrm>
           <a:prstGeom prst="rect">
             <a:avLst/>
@@ -12118,7 +13486,7 @@
       </p:pic>
       <p:pic>
         <p:nvPicPr>
-          <p:cNvPr id="4" name="Picture 3"/>
+          <p:cNvPr id="3" name="Picture 2"/>
           <p:cNvPicPr>
             <a:picLocks noChangeAspect="1"/>
           </p:cNvPicPr>
@@ -12132,8 +13500,8 @@
         </p:blipFill>
         <p:spPr>
           <a:xfrm>
-            <a:off x="546100" y="1844040"/>
-            <a:ext cx="6162675" cy="723900"/>
+            <a:off x="5340350" y="831215"/>
+            <a:ext cx="3418840" cy="2028190"/>
           </a:xfrm>
           <a:prstGeom prst="rect">
             <a:avLst/>
@@ -12200,7 +13568,7 @@
             </a:pPr>
             <a:r>
               <a:rPr lang="en-US" sz="2940"/>
-              <a:t>List of running container</a:t>
+              <a:t>Build docker example (nodejs application)</a:t>
             </a:r>
             <a:endParaRPr lang="en-US" sz="2940" b="0">
               <a:solidFill>
@@ -12220,8 +13588,8 @@
         </p:nvSpPr>
         <p:spPr>
           <a:xfrm>
-            <a:off x="311785" y="831215"/>
-            <a:ext cx="8213725" cy="3737610"/>
+            <a:off x="311785" y="3195955"/>
+            <a:ext cx="8519795" cy="1372870"/>
           </a:xfrm>
           <a:prstGeom prst="rect">
             <a:avLst/>
@@ -12229,9 +13597,33 @@
         </p:spPr>
         <p:txBody>
           <a:bodyPr spcFirstLastPara="1" wrap="square" lIns="91425" tIns="91425" rIns="91425" bIns="91425" anchor="t" anchorCtr="0">
-            <a:normAutofit/>
+            <a:normAutofit fontScale="70000"/>
           </a:bodyPr>
           <a:lstStyle/>
+          <a:p>
+            <a:pPr marL="457200" lvl="0" indent="-342900" algn="l" rtl="0">
+              <a:spcBef>
+                <a:spcPts val="0"/>
+              </a:spcBef>
+              <a:spcAft>
+                <a:spcPts val="0"/>
+              </a:spcAft>
+              <a:buSzPts val="1800"/>
+              <a:buChar char="+"/>
+            </a:pPr>
+            <a:r>
+              <a:rPr lang="en-US" altLang="en-GB" b="1">
+                <a:solidFill>
+                  <a:srgbClr val="FF0000"/>
+                </a:solidFill>
+                <a:sym typeface="+mn-ea"/>
+              </a:rPr>
+              <a:t>npm ERR! Tracker "idealTree" already exists</a:t>
+            </a:r>
+            <a:endParaRPr lang="en-US" altLang="en-GB" b="1">
+              <a:sym typeface="+mn-ea"/>
+            </a:endParaRPr>
+          </a:p>
           <a:p>
             <a:pPr marL="457200" lvl="0" indent="-342900" algn="l" rtl="0">
               <a:spcBef>
@@ -12247,7 +13639,7 @@
               <a:rPr lang="en-US" altLang="en-GB" b="1">
                 <a:sym typeface="+mn-ea"/>
               </a:rPr>
-              <a:t>Show list of running container</a:t>
+              <a:t>This issue is happening due to changes in nodejs starting version 15. When no WORKDIR is specified, npm install is executed in the root directory of the container, which is resulting in this error. </a:t>
             </a:r>
             <a:endParaRPr lang="en-US" altLang="en-GB" b="1">
               <a:sym typeface="+mn-ea"/>
@@ -12268,65 +13660,8 @@
               <a:rPr lang="en-US" altLang="en-GB" b="1">
                 <a:sym typeface="+mn-ea"/>
               </a:rPr>
-              <a:t>&gt;&gt; docker ps </a:t>
+              <a:t>Executing the npm install in a project directory of the container specified by WORKDIR resolves the issue </a:t>
             </a:r>
-            <a:endParaRPr lang="en-US" altLang="en-GB" b="1">
-              <a:sym typeface="+mn-ea"/>
-            </a:endParaRPr>
-          </a:p>
-          <a:p>
-            <a:pPr marL="457200" lvl="0" indent="-342900" algn="l" rtl="0">
-              <a:spcBef>
-                <a:spcPts val="0"/>
-              </a:spcBef>
-              <a:spcAft>
-                <a:spcPts val="0"/>
-              </a:spcAft>
-              <a:buSzPts val="1800"/>
-              <a:buChar char="+"/>
-            </a:pPr>
-            <a:r>
-              <a:rPr lang="en-US" altLang="en-GB" b="1">
-                <a:sym typeface="+mn-ea"/>
-              </a:rPr>
-              <a:t>Show all containers that have ever been created on our machine</a:t>
-            </a:r>
-            <a:endParaRPr lang="en-US" altLang="en-GB" b="1">
-              <a:sym typeface="+mn-ea"/>
-            </a:endParaRPr>
-          </a:p>
-          <a:p>
-            <a:pPr marL="457200" lvl="0" indent="-342900" algn="l" rtl="0">
-              <a:spcBef>
-                <a:spcPts val="0"/>
-              </a:spcBef>
-              <a:spcAft>
-                <a:spcPts val="0"/>
-              </a:spcAft>
-              <a:buSzPts val="1800"/>
-              <a:buChar char="+"/>
-            </a:pPr>
-            <a:r>
-              <a:rPr lang="en-US" altLang="en-GB" b="1">
-                <a:sym typeface="+mn-ea"/>
-              </a:rPr>
-              <a:t>&gt;&gt; docker ps --all</a:t>
-            </a:r>
-            <a:endParaRPr lang="en-US" altLang="en-GB" b="1">
-              <a:sym typeface="+mn-ea"/>
-            </a:endParaRPr>
-          </a:p>
-          <a:p>
-            <a:pPr marL="457200" lvl="0" indent="-342900" algn="l" rtl="0">
-              <a:spcBef>
-                <a:spcPts val="0"/>
-              </a:spcBef>
-              <a:spcAft>
-                <a:spcPts val="0"/>
-              </a:spcAft>
-              <a:buSzPts val="1800"/>
-              <a:buChar char="+"/>
-            </a:pPr>
             <a:endParaRPr lang="en-US" b="1">
               <a:solidFill>
                 <a:srgbClr val="B45F06"/>
@@ -12337,7 +13672,7 @@
       </p:sp>
       <p:pic>
         <p:nvPicPr>
-          <p:cNvPr id="3" name="Picture 2"/>
+          <p:cNvPr id="2" name="Picture 1"/>
           <p:cNvPicPr>
             <a:picLocks noChangeAspect="1"/>
           </p:cNvPicPr>
@@ -12351,8 +13686,56 @@
         </p:blipFill>
         <p:spPr>
           <a:xfrm>
-            <a:off x="634365" y="2456180"/>
-            <a:ext cx="7875270" cy="2037080"/>
+            <a:off x="421640" y="831215"/>
+            <a:ext cx="2588895" cy="1355725"/>
+          </a:xfrm>
+          <a:prstGeom prst="rect">
+            <a:avLst/>
+          </a:prstGeom>
+        </p:spPr>
+      </p:pic>
+      <p:pic>
+        <p:nvPicPr>
+          <p:cNvPr id="4" name="Picture 3"/>
+          <p:cNvPicPr>
+            <a:picLocks noChangeAspect="1"/>
+          </p:cNvPicPr>
+          <p:nvPr/>
+        </p:nvPicPr>
+        <p:blipFill>
+          <a:blip r:embed="rId2"/>
+          <a:stretch>
+            <a:fillRect/>
+          </a:stretch>
+        </p:blipFill>
+        <p:spPr>
+          <a:xfrm>
+            <a:off x="5653405" y="831215"/>
+            <a:ext cx="2786380" cy="1356360"/>
+          </a:xfrm>
+          <a:prstGeom prst="rect">
+            <a:avLst/>
+          </a:prstGeom>
+        </p:spPr>
+      </p:pic>
+      <p:pic>
+        <p:nvPicPr>
+          <p:cNvPr id="5" name="Picture 4"/>
+          <p:cNvPicPr>
+            <a:picLocks noChangeAspect="1"/>
+          </p:cNvPicPr>
+          <p:nvPr/>
+        </p:nvPicPr>
+        <p:blipFill>
+          <a:blip r:embed="rId3"/>
+          <a:stretch>
+            <a:fillRect/>
+          </a:stretch>
+        </p:blipFill>
+        <p:spPr>
+          <a:xfrm>
+            <a:off x="3088640" y="828675"/>
+            <a:ext cx="2486660" cy="1358265"/>
           </a:xfrm>
           <a:prstGeom prst="rect">
             <a:avLst/>
@@ -12459,9 +13842,9 @@
             </a:pPr>
             <a:r>
               <a:rPr lang="en-US" altLang="en-GB"/>
-              <a:t>Docker run in detail</a:t>
+              <a:t>Create docker image</a:t>
             </a:r>
-            <a:endParaRPr lang="en-GB"/>
+            <a:endParaRPr lang="en-US" altLang="en-GB"/>
           </a:p>
           <a:p>
             <a:pPr marL="457200" lvl="0" indent="-342900" algn="l" rtl="0">
@@ -12476,7 +13859,7 @@
             </a:pPr>
             <a:r>
               <a:rPr lang="en-US" altLang="en-GB"/>
-              <a:t>Overriding default commands</a:t>
+              <a:t>Dockerfile teadown</a:t>
             </a:r>
             <a:endParaRPr lang="en-US" altLang="en-GB"/>
           </a:p>
@@ -12495,13 +13878,28 @@
               <a:rPr lang="en-US">
                 <a:sym typeface="+mn-ea"/>
               </a:rPr>
-              <a:t>List of running </a:t>
+              <a:t>What is a image base</a:t>
             </a:r>
+            <a:endParaRPr lang="en-US">
+              <a:sym typeface="+mn-ea"/>
+            </a:endParaRPr>
+          </a:p>
+          <a:p>
+            <a:pPr marL="457200" lvl="0" indent="-342900" algn="l" rtl="0">
+              <a:spcBef>
+                <a:spcPts val="0"/>
+              </a:spcBef>
+              <a:spcAft>
+                <a:spcPts val="0"/>
+              </a:spcAft>
+              <a:buSzPts val="1800"/>
+              <a:buAutoNum type="arabicPeriod"/>
+            </a:pPr>
             <a:r>
               <a:rPr lang="en-US">
                 <a:sym typeface="+mn-ea"/>
               </a:rPr>
-              <a:t>containers</a:t>
+              <a:t>Build process in detail</a:t>
             </a:r>
             <a:endParaRPr lang="en-US">
               <a:sym typeface="+mn-ea"/>
@@ -12522,112 +13920,7 @@
               <a:rPr lang="en-US">
                 <a:sym typeface="+mn-ea"/>
               </a:rPr>
-              <a:t>Docker lifecycle</a:t>
-            </a:r>
-            <a:endParaRPr lang="en-US">
-              <a:sym typeface="+mn-ea"/>
-            </a:endParaRPr>
-          </a:p>
-          <a:p>
-            <a:pPr marL="457200" lvl="0" indent="-342900" algn="l" rtl="0">
-              <a:spcBef>
-                <a:spcPts val="0"/>
-              </a:spcBef>
-              <a:spcAft>
-                <a:spcPts val="0"/>
-              </a:spcAft>
-              <a:buSzPts val="1800"/>
-              <a:buAutoNum type="arabicPeriod"/>
-            </a:pPr>
-            <a:r>
-              <a:rPr lang="en-US">
-                <a:sym typeface="+mn-ea"/>
-              </a:rPr>
-              <a:t>Restarting stopped containers</a:t>
-            </a:r>
-            <a:endParaRPr lang="en-US">
-              <a:sym typeface="+mn-ea"/>
-            </a:endParaRPr>
-          </a:p>
-          <a:p>
-            <a:pPr marL="457200" lvl="0" indent="-342900" algn="l" rtl="0">
-              <a:spcBef>
-                <a:spcPts val="0"/>
-              </a:spcBef>
-              <a:spcAft>
-                <a:spcPts val="0"/>
-              </a:spcAft>
-              <a:buSzPts val="1800"/>
-              <a:buAutoNum type="arabicPeriod"/>
-            </a:pPr>
-            <a:r>
-              <a:rPr lang="en-US">
-                <a:sym typeface="+mn-ea"/>
-              </a:rPr>
-              <a:t>Removing stopped containers</a:t>
-            </a:r>
-            <a:endParaRPr lang="en-US">
-              <a:sym typeface="+mn-ea"/>
-            </a:endParaRPr>
-          </a:p>
-          <a:p>
-            <a:pPr marL="457200" lvl="0" indent="-342900" algn="l" rtl="0">
-              <a:spcBef>
-                <a:spcPts val="0"/>
-              </a:spcBef>
-              <a:spcAft>
-                <a:spcPts val="0"/>
-              </a:spcAft>
-              <a:buSzPts val="1800"/>
-              <a:buAutoNum type="arabicPeriod"/>
-            </a:pPr>
-            <a:r>
-              <a:rPr lang="en-US">
-                <a:sym typeface="+mn-ea"/>
-              </a:rPr>
-              <a:t>Using Docker Client</a:t>
-            </a:r>
-            <a:endParaRPr lang="en-US">
-              <a:sym typeface="+mn-ea"/>
-            </a:endParaRPr>
-          </a:p>
-          <a:p>
-            <a:pPr marL="457200" lvl="0" indent="-342900" algn="l" rtl="0">
-              <a:spcBef>
-                <a:spcPts val="0"/>
-              </a:spcBef>
-              <a:spcAft>
-                <a:spcPts val="0"/>
-              </a:spcAft>
-              <a:buSzPts val="1800"/>
-              <a:buAutoNum type="arabicPeriod"/>
-            </a:pPr>
-            <a:r>
-              <a:rPr lang="en-US">
-                <a:sym typeface="+mn-ea"/>
-              </a:rPr>
-              <a:t>What is Docker Container</a:t>
-            </a:r>
-            <a:endParaRPr lang="en-US">
-              <a:sym typeface="+mn-ea"/>
-            </a:endParaRPr>
-          </a:p>
-          <a:p>
-            <a:pPr marL="457200" lvl="0" indent="-342900" algn="l" rtl="0">
-              <a:spcBef>
-                <a:spcPts val="0"/>
-              </a:spcBef>
-              <a:spcAft>
-                <a:spcPts val="0"/>
-              </a:spcAft>
-              <a:buSzPts val="1800"/>
-              <a:buAutoNum type="arabicPeriod"/>
-            </a:pPr>
-            <a:r>
-              <a:rPr lang="en-US">
-                <a:sym typeface="+mn-ea"/>
-              </a:rPr>
-              <a:t>How’s docker running on your computer</a:t>
+              <a:t>Run an example (nodejs application)</a:t>
             </a:r>
             <a:endParaRPr lang="en-GB"/>
           </a:p>
@@ -12693,7 +13986,7 @@
             </a:pPr>
             <a:r>
               <a:rPr lang="en-US" sz="2940"/>
-              <a:t>Docker lifecycle</a:t>
+              <a:t>Build docker example (nodejs application)</a:t>
             </a:r>
             <a:endParaRPr lang="en-US" sz="2940" b="0">
               <a:solidFill>
@@ -12713,8 +14006,8 @@
         </p:nvSpPr>
         <p:spPr>
           <a:xfrm>
-            <a:off x="311785" y="831215"/>
-            <a:ext cx="8520430" cy="3737610"/>
+            <a:off x="311785" y="3195955"/>
+            <a:ext cx="3749040" cy="1372870"/>
           </a:xfrm>
           <a:prstGeom prst="rect">
             <a:avLst/>
@@ -12740,8 +14033,23 @@
               <a:rPr lang="en-US" altLang="en-GB" b="1">
                 <a:sym typeface="+mn-ea"/>
               </a:rPr>
-              <a:t>docker run hello-world</a:t>
+              <a:t>Copy all files in the current build context folder to the folder inthe container</a:t>
             </a:r>
+            <a:endParaRPr lang="en-US" altLang="en-GB" b="1">
+              <a:sym typeface="+mn-ea"/>
+            </a:endParaRPr>
+          </a:p>
+          <a:p>
+            <a:pPr marL="457200" lvl="0" indent="-342900" algn="l" rtl="0">
+              <a:spcBef>
+                <a:spcPts val="0"/>
+              </a:spcBef>
+              <a:spcAft>
+                <a:spcPts val="0"/>
+              </a:spcAft>
+              <a:buSzPts val="1800"/>
+              <a:buChar char="+"/>
+            </a:pPr>
             <a:endParaRPr lang="en-US" b="1">
               <a:solidFill>
                 <a:srgbClr val="B45F06"/>
@@ -12752,7 +14060,7 @@
       </p:sp>
       <p:pic>
         <p:nvPicPr>
-          <p:cNvPr id="2" name="Picture 1"/>
+          <p:cNvPr id="1" name="Picture 0"/>
           <p:cNvPicPr>
             <a:picLocks noChangeAspect="1"/>
           </p:cNvPicPr>
@@ -12766,8 +14074,8 @@
         </p:blipFill>
         <p:spPr>
           <a:xfrm>
-            <a:off x="569595" y="1735455"/>
-            <a:ext cx="3766820" cy="1986915"/>
+            <a:off x="380365" y="831215"/>
+            <a:ext cx="3484245" cy="1903095"/>
           </a:xfrm>
           <a:prstGeom prst="rect">
             <a:avLst/>
@@ -12776,7 +14084,7 @@
       </p:pic>
       <p:pic>
         <p:nvPicPr>
-          <p:cNvPr id="4" name="Picture 3"/>
+          <p:cNvPr id="3" name="Picture 2"/>
           <p:cNvPicPr>
             <a:picLocks noChangeAspect="1"/>
           </p:cNvPicPr>
@@ -12790,8 +14098,32 @@
         </p:blipFill>
         <p:spPr>
           <a:xfrm>
-            <a:off x="4762500" y="1609725"/>
-            <a:ext cx="3735070" cy="2054225"/>
+            <a:off x="4060825" y="780415"/>
+            <a:ext cx="4608195" cy="1891030"/>
+          </a:xfrm>
+          <a:prstGeom prst="rect">
+            <a:avLst/>
+          </a:prstGeom>
+        </p:spPr>
+      </p:pic>
+      <p:pic>
+        <p:nvPicPr>
+          <p:cNvPr id="7" name="Picture 6"/>
+          <p:cNvPicPr>
+            <a:picLocks noChangeAspect="1"/>
+          </p:cNvPicPr>
+          <p:nvPr/>
+        </p:nvPicPr>
+        <p:blipFill>
+          <a:blip r:embed="rId3"/>
+          <a:stretch>
+            <a:fillRect/>
+          </a:stretch>
+        </p:blipFill>
+        <p:spPr>
+          <a:xfrm>
+            <a:off x="3997325" y="2734310"/>
+            <a:ext cx="2971800" cy="1790700"/>
           </a:xfrm>
           <a:prstGeom prst="rect">
             <a:avLst/>
@@ -12858,7 +14190,7 @@
             </a:pPr>
             <a:r>
               <a:rPr lang="en-US" sz="2940"/>
-              <a:t>Docker lifecycle</a:t>
+              <a:t>Build docker example (nodejs application)</a:t>
             </a:r>
             <a:endParaRPr lang="en-US" sz="2940" b="0">
               <a:solidFill>
@@ -12878,8 +14210,8 @@
         </p:nvSpPr>
         <p:spPr>
           <a:xfrm>
-            <a:off x="311785" y="831215"/>
-            <a:ext cx="8520430" cy="3737610"/>
+            <a:off x="311785" y="3604895"/>
+            <a:ext cx="4905375" cy="963930"/>
           </a:xfrm>
           <a:prstGeom prst="rect">
             <a:avLst/>
@@ -12887,7 +14219,7 @@
         </p:spPr>
         <p:txBody>
           <a:bodyPr spcFirstLastPara="1" wrap="square" lIns="91425" tIns="91425" rIns="91425" bIns="91425" anchor="t" anchorCtr="0">
-            <a:normAutofit/>
+            <a:normAutofit fontScale="60000"/>
           </a:bodyPr>
           <a:lstStyle/>
           <a:p>
@@ -12905,8 +14237,44 @@
               <a:rPr lang="en-US" altLang="en-GB" b="1">
                 <a:sym typeface="+mn-ea"/>
               </a:rPr>
-              <a:t>docker run hello-world</a:t>
+              <a:t>Copy all files in the current build context folder to the folder inthe container</a:t>
             </a:r>
+            <a:endParaRPr lang="en-US" altLang="en-GB" b="1">
+              <a:sym typeface="+mn-ea"/>
+            </a:endParaRPr>
+          </a:p>
+          <a:p>
+            <a:pPr marL="457200" lvl="0" indent="-342900" algn="l" rtl="0">
+              <a:spcBef>
+                <a:spcPts val="0"/>
+              </a:spcBef>
+              <a:spcAft>
+                <a:spcPts val="0"/>
+              </a:spcAft>
+              <a:buSzPts val="1800"/>
+              <a:buChar char="+"/>
+            </a:pPr>
+            <a:r>
+              <a:rPr lang="en-US" altLang="en-GB" b="1">
+                <a:sym typeface="+mn-ea"/>
+              </a:rPr>
+              <a:t>When run the container, the cursor point direct to the /usr/app directory</a:t>
+            </a:r>
+            <a:endParaRPr lang="en-US" altLang="en-GB" b="1">
+              <a:sym typeface="+mn-ea"/>
+            </a:endParaRPr>
+          </a:p>
+          <a:p>
+            <a:pPr marL="457200" lvl="0" indent="-342900" algn="l" rtl="0">
+              <a:spcBef>
+                <a:spcPts val="0"/>
+              </a:spcBef>
+              <a:spcAft>
+                <a:spcPts val="0"/>
+              </a:spcAft>
+              <a:buSzPts val="1800"/>
+              <a:buChar char="+"/>
+            </a:pPr>
             <a:endParaRPr lang="en-US" b="1">
               <a:solidFill>
                 <a:srgbClr val="B45F06"/>
@@ -12917,7 +14285,7 @@
       </p:sp>
       <p:pic>
         <p:nvPicPr>
-          <p:cNvPr id="2" name="Picture 1"/>
+          <p:cNvPr id="3" name="Picture 2"/>
           <p:cNvPicPr>
             <a:picLocks noChangeAspect="1"/>
           </p:cNvPicPr>
@@ -12931,8 +14299,8 @@
         </p:blipFill>
         <p:spPr>
           <a:xfrm>
-            <a:off x="542290" y="1350645"/>
-            <a:ext cx="3642995" cy="2865120"/>
+            <a:off x="5329555" y="787400"/>
+            <a:ext cx="3413125" cy="1400810"/>
           </a:xfrm>
           <a:prstGeom prst="rect">
             <a:avLst/>
@@ -12941,7 +14309,7 @@
       </p:pic>
       <p:pic>
         <p:nvPicPr>
-          <p:cNvPr id="5" name="Picture 4"/>
+          <p:cNvPr id="7" name="Picture 6"/>
           <p:cNvPicPr>
             <a:picLocks noChangeAspect="1"/>
           </p:cNvPicPr>
@@ -12955,8 +14323,32 @@
         </p:blipFill>
         <p:spPr>
           <a:xfrm>
-            <a:off x="4262120" y="1351280"/>
-            <a:ext cx="4683125" cy="2865120"/>
+            <a:off x="5329555" y="2188210"/>
+            <a:ext cx="3432810" cy="2068830"/>
+          </a:xfrm>
+          <a:prstGeom prst="rect">
+            <a:avLst/>
+          </a:prstGeom>
+        </p:spPr>
+      </p:pic>
+      <p:pic>
+        <p:nvPicPr>
+          <p:cNvPr id="2" name="Picture 1"/>
+          <p:cNvPicPr>
+            <a:picLocks noChangeAspect="1"/>
+          </p:cNvPicPr>
+          <p:nvPr/>
+        </p:nvPicPr>
+        <p:blipFill>
+          <a:blip r:embed="rId3"/>
+          <a:stretch>
+            <a:fillRect/>
+          </a:stretch>
+        </p:blipFill>
+        <p:spPr>
+          <a:xfrm>
+            <a:off x="364490" y="831215"/>
+            <a:ext cx="4923155" cy="2577465"/>
           </a:xfrm>
           <a:prstGeom prst="rect">
             <a:avLst/>
@@ -13023,7 +14415,7 @@
             </a:pPr>
             <a:r>
               <a:rPr lang="en-US" sz="2940"/>
-              <a:t>Starting stopped container</a:t>
+              <a:t>Build docker example (nodejs application)</a:t>
             </a:r>
             <a:endParaRPr lang="en-US" sz="2940" b="0">
               <a:solidFill>
@@ -13043,8 +14435,8 @@
         </p:nvSpPr>
         <p:spPr>
           <a:xfrm>
-            <a:off x="311785" y="3627120"/>
-            <a:ext cx="8520430" cy="941705"/>
+            <a:off x="311785" y="3188970"/>
+            <a:ext cx="3717290" cy="1372870"/>
           </a:xfrm>
           <a:prstGeom prst="rect">
             <a:avLst/>
@@ -13070,7 +14462,28 @@
               <a:rPr lang="en-US" altLang="en-GB" b="1">
                 <a:sym typeface="+mn-ea"/>
               </a:rPr>
-              <a:t>Status = exited, mean it’s instance till exist in the cache, so we can recall it by using its ID</a:t>
+              <a:t>Container port mapping and run in browser</a:t>
+            </a:r>
+            <a:endParaRPr lang="en-US" altLang="en-GB" b="1">
+              <a:sym typeface="+mn-ea"/>
+            </a:endParaRPr>
+          </a:p>
+          <a:p>
+            <a:pPr marL="457200" lvl="0" indent="-342900" algn="l" rtl="0">
+              <a:spcBef>
+                <a:spcPts val="0"/>
+              </a:spcBef>
+              <a:spcAft>
+                <a:spcPts val="0"/>
+              </a:spcAft>
+              <a:buSzPts val="1800"/>
+              <a:buChar char="+"/>
+            </a:pPr>
+            <a:r>
+              <a:rPr lang="en-US" altLang="en-GB" b="1">
+                <a:sym typeface="+mn-ea"/>
+              </a:rPr>
+              <a:t>Image’s Id or Image’s name</a:t>
             </a:r>
             <a:endParaRPr lang="en-US" b="1">
               <a:solidFill>
@@ -13096,8 +14509,56 @@
         </p:blipFill>
         <p:spPr>
           <a:xfrm>
-            <a:off x="429260" y="890905"/>
-            <a:ext cx="8286115" cy="2677160"/>
+            <a:off x="4418965" y="2243455"/>
+            <a:ext cx="4193540" cy="2409825"/>
+          </a:xfrm>
+          <a:prstGeom prst="rect">
+            <a:avLst/>
+          </a:prstGeom>
+        </p:spPr>
+      </p:pic>
+      <p:pic>
+        <p:nvPicPr>
+          <p:cNvPr id="4" name="Picture 3"/>
+          <p:cNvPicPr>
+            <a:picLocks noChangeAspect="1"/>
+          </p:cNvPicPr>
+          <p:nvPr/>
+        </p:nvPicPr>
+        <p:blipFill>
+          <a:blip r:embed="rId2"/>
+          <a:stretch>
+            <a:fillRect/>
+          </a:stretch>
+        </p:blipFill>
+        <p:spPr>
+          <a:xfrm>
+            <a:off x="311785" y="713740"/>
+            <a:ext cx="4667885" cy="1360805"/>
+          </a:xfrm>
+          <a:prstGeom prst="rect">
+            <a:avLst/>
+          </a:prstGeom>
+        </p:spPr>
+      </p:pic>
+      <p:pic>
+        <p:nvPicPr>
+          <p:cNvPr id="5" name="Picture 4"/>
+          <p:cNvPicPr>
+            <a:picLocks noChangeAspect="1"/>
+          </p:cNvPicPr>
+          <p:nvPr/>
+        </p:nvPicPr>
+        <p:blipFill>
+          <a:blip r:embed="rId3"/>
+          <a:stretch>
+            <a:fillRect/>
+          </a:stretch>
+        </p:blipFill>
+        <p:spPr>
+          <a:xfrm>
+            <a:off x="311785" y="2153285"/>
+            <a:ext cx="4083685" cy="1035685"/>
           </a:xfrm>
           <a:prstGeom prst="rect">
             <a:avLst/>
@@ -13164,7 +14625,7 @@
             </a:pPr>
             <a:r>
               <a:rPr lang="en-US" sz="2940"/>
-              <a:t>Starting stopped container</a:t>
+              <a:t>Build docker example (nodejs application)</a:t>
             </a:r>
             <a:endParaRPr lang="en-US" sz="2940" b="0">
               <a:solidFill>
@@ -13174,9 +14635,77 @@
           </a:p>
         </p:txBody>
       </p:sp>
+      <p:sp>
+        <p:nvSpPr>
+          <p:cNvPr id="79" name="Google Shape;79;p15"/>
+          <p:cNvSpPr txBox="1"/>
+          <p:nvPr>
+            <p:ph type="body" idx="1"/>
+          </p:nvPr>
+        </p:nvSpPr>
+        <p:spPr>
+          <a:xfrm>
+            <a:off x="311785" y="3188970"/>
+            <a:ext cx="7508875" cy="1372870"/>
+          </a:xfrm>
+          <a:prstGeom prst="rect">
+            <a:avLst/>
+          </a:prstGeom>
+        </p:spPr>
+        <p:txBody>
+          <a:bodyPr spcFirstLastPara="1" wrap="square" lIns="91425" tIns="91425" rIns="91425" bIns="91425" anchor="t" anchorCtr="0">
+            <a:normAutofit fontScale="80000"/>
+          </a:bodyPr>
+          <a:lstStyle/>
+          <a:p>
+            <a:pPr marL="457200" lvl="0" indent="-342900" algn="l" rtl="0">
+              <a:spcBef>
+                <a:spcPts val="0"/>
+              </a:spcBef>
+              <a:spcAft>
+                <a:spcPts val="0"/>
+              </a:spcAft>
+              <a:buSzPts val="1800"/>
+              <a:buChar char="+"/>
+            </a:pPr>
+            <a:r>
+              <a:rPr lang="en-US" altLang="en-GB" b="1">
+                <a:sym typeface="+mn-ea"/>
+              </a:rPr>
+              <a:t>When you update the file such as index.js. It doesn’t reflect to the container because it doesn’t copy snapshot to the container. We must rebuild manually.</a:t>
+            </a:r>
+            <a:endParaRPr lang="en-US" altLang="en-GB" b="1">
+              <a:sym typeface="+mn-ea"/>
+            </a:endParaRPr>
+          </a:p>
+          <a:p>
+            <a:pPr marL="457200" lvl="0" indent="-342900" algn="l" rtl="0">
+              <a:spcBef>
+                <a:spcPts val="0"/>
+              </a:spcBef>
+              <a:spcAft>
+                <a:spcPts val="0"/>
+              </a:spcAft>
+              <a:buSzPts val="1800"/>
+              <a:buChar char="+"/>
+            </a:pPr>
+            <a:r>
+              <a:rPr lang="en-US" altLang="en-GB" b="1">
+                <a:sym typeface="+mn-ea"/>
+              </a:rPr>
+              <a:t>While rebuild processing, Only the copy files are executed, other are execute from Cache</a:t>
+            </a:r>
+            <a:endParaRPr lang="en-US" b="1">
+              <a:solidFill>
+                <a:srgbClr val="B45F06"/>
+              </a:solidFill>
+            </a:endParaRPr>
+          </a:p>
+        </p:txBody>
+      </p:sp>
       <p:pic>
         <p:nvPicPr>
-          <p:cNvPr id="2" name="Picture 1"/>
+          <p:cNvPr id="1" name="Picture 0"/>
           <p:cNvPicPr>
             <a:picLocks noChangeAspect="1"/>
           </p:cNvPicPr>
@@ -13190,30 +14719,38 @@
         </p:blipFill>
         <p:spPr>
           <a:xfrm>
-            <a:off x="1435735" y="831215"/>
-            <a:ext cx="6272530" cy="3705860"/>
+            <a:off x="412750" y="831215"/>
+            <a:ext cx="3326130" cy="1878330"/>
           </a:xfrm>
           <a:prstGeom prst="rect">
             <a:avLst/>
           </a:prstGeom>
         </p:spPr>
       </p:pic>
-      <p:sp>
-        <p:nvSpPr>
-          <p:cNvPr id="3" name="Text Placeholder 2"/>
-          <p:cNvSpPr/>
-          <p:nvPr>
-            <p:ph type="body" idx="1"/>
-          </p:nvPr>
-        </p:nvSpPr>
-        <p:spPr/>
-        <p:txBody>
-          <a:bodyPr/>
-          <a:p>
-            <a:endParaRPr lang="en-US"/>
-          </a:p>
-        </p:txBody>
-      </p:sp>
+      <p:pic>
+        <p:nvPicPr>
+          <p:cNvPr id="3" name="Picture 2"/>
+          <p:cNvPicPr>
+            <a:picLocks noChangeAspect="1"/>
+          </p:cNvPicPr>
+          <p:nvPr/>
+        </p:nvPicPr>
+        <p:blipFill>
+          <a:blip r:embed="rId2"/>
+          <a:stretch>
+            <a:fillRect/>
+          </a:stretch>
+        </p:blipFill>
+        <p:spPr>
+          <a:xfrm>
+            <a:off x="3803015" y="831215"/>
+            <a:ext cx="4958715" cy="1765935"/>
+          </a:xfrm>
+          <a:prstGeom prst="rect">
+            <a:avLst/>
+          </a:prstGeom>
+        </p:spPr>
+      </p:pic>
     </p:spTree>
   </p:cSld>
   <p:clrMapOvr>
@@ -13274,7 +14811,7 @@
             </a:pPr>
             <a:r>
               <a:rPr lang="en-US" sz="2940"/>
-              <a:t>Removing stopped container</a:t>
+              <a:t>Build docker example (nodejs application)</a:t>
             </a:r>
             <a:endParaRPr lang="en-US" sz="2940" b="0">
               <a:solidFill>
@@ -13294,8 +14831,8 @@
         </p:nvSpPr>
         <p:spPr>
           <a:xfrm>
-            <a:off x="311785" y="3975735"/>
-            <a:ext cx="8213725" cy="840105"/>
+            <a:off x="311785" y="3188970"/>
+            <a:ext cx="7508875" cy="1372870"/>
           </a:xfrm>
           <a:prstGeom prst="rect">
             <a:avLst/>
@@ -13303,10 +14840,11 @@
         </p:spPr>
         <p:txBody>
           <a:bodyPr spcFirstLastPara="1" wrap="square" lIns="91425" tIns="91425" rIns="91425" bIns="91425" anchor="t" anchorCtr="0">
-            <a:normAutofit fontScale="90000"/>
+            <a:normAutofit/>
           </a:bodyPr>
-          <a:p>
-            <a:pPr marL="114300" lvl="0" indent="0" algn="l" rtl="0">
+          <a:lstStyle/>
+          <a:p>
+            <a:pPr marL="457200" lvl="0" indent="-342900" algn="l" rtl="0">
               <a:spcBef>
                 <a:spcPts val="0"/>
               </a:spcBef>
@@ -13314,34 +14852,13 @@
                 <a:spcPts val="0"/>
               </a:spcAft>
               <a:buSzPts val="1800"/>
-              <a:buNone/>
+              <a:buChar char="+"/>
             </a:pPr>
             <a:r>
               <a:rPr lang="en-US" altLang="en-GB" b="1">
                 <a:sym typeface="+mn-ea"/>
               </a:rPr>
-              <a:t>docker system prune</a:t>
-            </a:r>
-            <a:endParaRPr lang="en-US" altLang="en-GB" b="1">
-              <a:sym typeface="+mn-ea"/>
-            </a:endParaRPr>
-          </a:p>
-          <a:p>
-            <a:pPr marL="114300" lvl="0" indent="0" algn="l" rtl="0">
-              <a:spcBef>
-                <a:spcPts val="0"/>
-              </a:spcBef>
-              <a:spcAft>
-                <a:spcPts val="0"/>
-              </a:spcAft>
-              <a:buSzPts val="1800"/>
-              <a:buNone/>
-            </a:pPr>
-            <a:r>
-              <a:rPr lang="en-US" altLang="en-GB" b="1">
-                <a:sym typeface="+mn-ea"/>
-              </a:rPr>
-              <a:t>=&gt; remove all stopped containers, cache and redownload images from docker hub</a:t>
+              <a:t>The solution is copy the package.json before run npm install. It will cache this step and run from cache another time if don’t have any changes when rebuild the container</a:t>
             </a:r>
             <a:endParaRPr lang="en-US" b="1">
               <a:solidFill>
@@ -13353,7 +14870,7 @@
       </p:sp>
       <p:pic>
         <p:nvPicPr>
-          <p:cNvPr id="5" name="Picture 4"/>
+          <p:cNvPr id="2" name="Picture 1"/>
           <p:cNvPicPr>
             <a:picLocks noChangeAspect="1"/>
           </p:cNvPicPr>
@@ -13367,8 +14884,32 @@
         </p:blipFill>
         <p:spPr>
           <a:xfrm>
-            <a:off x="1257935" y="812800"/>
-            <a:ext cx="6320790" cy="3105150"/>
+            <a:off x="421640" y="831215"/>
+            <a:ext cx="3160395" cy="2069465"/>
+          </a:xfrm>
+          <a:prstGeom prst="rect">
+            <a:avLst/>
+          </a:prstGeom>
+        </p:spPr>
+      </p:pic>
+      <p:pic>
+        <p:nvPicPr>
+          <p:cNvPr id="4" name="Picture 3"/>
+          <p:cNvPicPr>
+            <a:picLocks noChangeAspect="1"/>
+          </p:cNvPicPr>
+          <p:nvPr/>
+        </p:nvPicPr>
+        <p:blipFill>
+          <a:blip r:embed="rId2"/>
+          <a:stretch>
+            <a:fillRect/>
+          </a:stretch>
+        </p:blipFill>
+        <p:spPr>
+          <a:xfrm>
+            <a:off x="3693160" y="831215"/>
+            <a:ext cx="4975225" cy="2076450"/>
           </a:xfrm>
           <a:prstGeom prst="rect">
             <a:avLst/>
@@ -13435,7 +14976,7 @@
             </a:pPr>
             <a:r>
               <a:rPr lang="en-US" sz="2940"/>
-              <a:t>Retrieving log Outputs</a:t>
+              <a:t>Build docker example (nodejs application)</a:t>
             </a:r>
             <a:endParaRPr lang="en-US" sz="2940" b="0">
               <a:solidFill>
@@ -13455,8 +14996,8 @@
         </p:nvSpPr>
         <p:spPr>
           <a:xfrm>
-            <a:off x="311785" y="3763645"/>
-            <a:ext cx="8213725" cy="1052195"/>
+            <a:off x="311785" y="3188970"/>
+            <a:ext cx="2684780" cy="1372870"/>
           </a:xfrm>
           <a:prstGeom prst="rect">
             <a:avLst/>
@@ -13464,10 +15005,11 @@
         </p:spPr>
         <p:txBody>
           <a:bodyPr spcFirstLastPara="1" wrap="square" lIns="91425" tIns="91425" rIns="91425" bIns="91425" anchor="t" anchorCtr="0">
-            <a:normAutofit fontScale="90000"/>
+            <a:normAutofit fontScale="70000"/>
           </a:bodyPr>
-          <a:p>
-            <a:pPr marL="114300" lvl="0" indent="0" algn="l" rtl="0">
+          <a:lstStyle/>
+          <a:p>
+            <a:pPr marL="457200" lvl="0" indent="-342900" algn="l" rtl="0">
               <a:spcBef>
                 <a:spcPts val="0"/>
               </a:spcBef>
@@ -13475,34 +15017,13 @@
                 <a:spcPts val="0"/>
               </a:spcAft>
               <a:buSzPts val="1800"/>
-              <a:buNone/>
+              <a:buChar char="+"/>
             </a:pPr>
             <a:r>
               <a:rPr lang="en-US" altLang="en-GB" b="1">
                 <a:sym typeface="+mn-ea"/>
               </a:rPr>
-              <a:t>docker logs &lt;&lt;container_id&gt;&gt;</a:t>
-            </a:r>
-            <a:endParaRPr lang="en-US" altLang="en-GB" b="1">
-              <a:sym typeface="+mn-ea"/>
-            </a:endParaRPr>
-          </a:p>
-          <a:p>
-            <a:pPr marL="114300" lvl="0" indent="0" algn="l" rtl="0">
-              <a:spcBef>
-                <a:spcPts val="0"/>
-              </a:spcBef>
-              <a:spcAft>
-                <a:spcPts val="0"/>
-              </a:spcAft>
-              <a:buSzPts val="1800"/>
-              <a:buNone/>
-            </a:pPr>
-            <a:r>
-              <a:rPr lang="en-US" altLang="en-GB" b="1">
-                <a:sym typeface="+mn-ea"/>
-              </a:rPr>
-              <a:t>=&gt; With this command, we don’t re-run the container again. It only emitted what it works</a:t>
+              <a:t>The second time will execute from Cache. It help build faster in reality we have complicated process</a:t>
             </a:r>
             <a:endParaRPr lang="en-US" b="1">
               <a:solidFill>
@@ -13528,8 +15049,32 @@
         </p:blipFill>
         <p:spPr>
           <a:xfrm>
-            <a:off x="723900" y="907415"/>
-            <a:ext cx="7696200" cy="2390775"/>
+            <a:off x="421640" y="831215"/>
+            <a:ext cx="3160395" cy="2069465"/>
+          </a:xfrm>
+          <a:prstGeom prst="rect">
+            <a:avLst/>
+          </a:prstGeom>
+        </p:spPr>
+      </p:pic>
+      <p:pic>
+        <p:nvPicPr>
+          <p:cNvPr id="1" name="Picture 0"/>
+          <p:cNvPicPr>
+            <a:picLocks noChangeAspect="1"/>
+          </p:cNvPicPr>
+          <p:nvPr/>
+        </p:nvPicPr>
+        <p:blipFill>
+          <a:blip r:embed="rId2"/>
+          <a:stretch>
+            <a:fillRect/>
+          </a:stretch>
+        </p:blipFill>
+        <p:spPr>
+          <a:xfrm>
+            <a:off x="3793490" y="873125"/>
+            <a:ext cx="4692015" cy="3397250"/>
           </a:xfrm>
           <a:prstGeom prst="rect">
             <a:avLst/>
@@ -13596,7 +15141,7 @@
             </a:pPr>
             <a:r>
               <a:rPr lang="en-US" sz="2940"/>
-              <a:t>Retrieving log Outputs</a:t>
+              <a:t>Build docker example (nodejs application)</a:t>
             </a:r>
             <a:endParaRPr lang="en-US" sz="2940" b="0">
               <a:solidFill>
@@ -13616,8 +15161,8 @@
         </p:nvSpPr>
         <p:spPr>
           <a:xfrm>
-            <a:off x="311785" y="3763645"/>
-            <a:ext cx="8213725" cy="1052195"/>
+            <a:off x="311785" y="4030980"/>
+            <a:ext cx="6491605" cy="530860"/>
           </a:xfrm>
           <a:prstGeom prst="rect">
             <a:avLst/>
@@ -13625,10 +15170,11 @@
         </p:spPr>
         <p:txBody>
           <a:bodyPr spcFirstLastPara="1" wrap="square" lIns="91425" tIns="91425" rIns="91425" bIns="91425" anchor="t" anchorCtr="0">
-            <a:normAutofit fontScale="90000"/>
+            <a:normAutofit/>
           </a:bodyPr>
-          <a:p>
-            <a:pPr marL="114300" lvl="0" indent="0" algn="l" rtl="0">
+          <a:lstStyle/>
+          <a:p>
+            <a:pPr marL="457200" lvl="0" indent="-342900" algn="l" rtl="0">
               <a:spcBef>
                 <a:spcPts val="0"/>
               </a:spcBef>
@@ -13636,34 +15182,13 @@
                 <a:spcPts val="0"/>
               </a:spcAft>
               <a:buSzPts val="1800"/>
-              <a:buNone/>
+              <a:buChar char="+"/>
             </a:pPr>
             <a:r>
               <a:rPr lang="en-US" altLang="en-GB" b="1">
                 <a:sym typeface="+mn-ea"/>
               </a:rPr>
-              <a:t>docker logs &lt;&lt;container_id&gt;&gt;</a:t>
-            </a:r>
-            <a:endParaRPr lang="en-US" altLang="en-GB" b="1">
-              <a:sym typeface="+mn-ea"/>
-            </a:endParaRPr>
-          </a:p>
-          <a:p>
-            <a:pPr marL="114300" lvl="0" indent="0" algn="l" rtl="0">
-              <a:spcBef>
-                <a:spcPts val="0"/>
-              </a:spcBef>
-              <a:spcAft>
-                <a:spcPts val="0"/>
-              </a:spcAft>
-              <a:buSzPts val="1800"/>
-              <a:buNone/>
-            </a:pPr>
-            <a:r>
-              <a:rPr lang="en-US" altLang="en-GB" b="1">
-                <a:sym typeface="+mn-ea"/>
-              </a:rPr>
-              <a:t>=&gt; With this command, we don’t re-run the container again. It only emitted what it works</a:t>
+              <a:t>We try to update index.js and rebuild again</a:t>
             </a:r>
             <a:endParaRPr lang="en-US" b="1">
               <a:solidFill>
@@ -13675,7 +15200,7 @@
       </p:sp>
       <p:pic>
         <p:nvPicPr>
-          <p:cNvPr id="2" name="Picture 1"/>
+          <p:cNvPr id="3" name="Picture 2"/>
           <p:cNvPicPr>
             <a:picLocks noChangeAspect="1"/>
           </p:cNvPicPr>
@@ -13689,8 +15214,32 @@
         </p:blipFill>
         <p:spPr>
           <a:xfrm>
-            <a:off x="723900" y="907415"/>
-            <a:ext cx="7696200" cy="2390775"/>
+            <a:off x="311785" y="873125"/>
+            <a:ext cx="3244215" cy="2120900"/>
+          </a:xfrm>
+          <a:prstGeom prst="rect">
+            <a:avLst/>
+          </a:prstGeom>
+        </p:spPr>
+      </p:pic>
+      <p:pic>
+        <p:nvPicPr>
+          <p:cNvPr id="4" name="Picture 3"/>
+          <p:cNvPicPr>
+            <a:picLocks noChangeAspect="1"/>
+          </p:cNvPicPr>
+          <p:nvPr/>
+        </p:nvPicPr>
+        <p:blipFill>
+          <a:blip r:embed="rId2"/>
+          <a:stretch>
+            <a:fillRect/>
+          </a:stretch>
+        </p:blipFill>
+        <p:spPr>
+          <a:xfrm>
+            <a:off x="3626485" y="873125"/>
+            <a:ext cx="4935855" cy="2288540"/>
           </a:xfrm>
           <a:prstGeom prst="rect">
             <a:avLst/>
@@ -13710,133 +15259,43 @@
   <p:cSld>
     <p:spTree>
       <p:nvGrpSpPr>
-        <p:cNvPr id="77" name="Shape 77"/>
+        <p:cNvPr id="1" name=""/>
         <p:cNvGrpSpPr/>
         <p:nvPr/>
       </p:nvGrpSpPr>
-      <p:grpSpPr>
-        <a:xfrm>
-          <a:off x="0" y="0"/>
-          <a:ext cx="0" cy="0"/>
-          <a:chOff x="0" y="0"/>
-          <a:chExt cx="0" cy="0"/>
-        </a:xfrm>
-      </p:grpSpPr>
-      <p:sp>
-        <p:nvSpPr>
-          <p:cNvPr id="78" name="Google Shape;78;p15"/>
-          <p:cNvSpPr txBox="1"/>
+      <p:grpSpPr/>
+      <p:sp>
+        <p:nvSpPr>
+          <p:cNvPr id="2" name="Title 1"/>
+          <p:cNvSpPr/>
           <p:nvPr>
             <p:ph type="title"/>
           </p:nvPr>
         </p:nvSpPr>
-        <p:spPr>
-          <a:xfrm>
-            <a:off x="311700" y="123715"/>
-            <a:ext cx="8520600" cy="707400"/>
-          </a:xfrm>
-          <a:prstGeom prst="rect">
-            <a:avLst/>
-          </a:prstGeom>
-        </p:spPr>
+        <p:spPr/>
         <p:txBody>
-          <a:bodyPr spcFirstLastPara="1" wrap="square" lIns="91425" tIns="91425" rIns="91425" bIns="91425" anchor="t" anchorCtr="0">
-            <a:normAutofit/>
-          </a:bodyPr>
-          <a:lstStyle/>
-          <a:p>
-            <a:pPr marL="0" lvl="0" indent="0" algn="l" rtl="0">
-              <a:spcBef>
-                <a:spcPts val="0"/>
-              </a:spcBef>
-              <a:spcAft>
-                <a:spcPts val="0"/>
-              </a:spcAft>
-              <a:buSzPts val="990"/>
-              <a:buNone/>
-            </a:pPr>
-            <a:r>
-              <a:rPr lang="en-US" sz="2940"/>
-              <a:t>Stopping container</a:t>
-            </a:r>
-            <a:endParaRPr lang="en-US" sz="2940" b="0">
-              <a:solidFill>
-                <a:srgbClr val="3D85C6"/>
-              </a:solidFill>
-            </a:endParaRPr>
+          <a:bodyPr/>
+          <a:p>
+            <a:endParaRPr lang="en-US"/>
           </a:p>
         </p:txBody>
       </p:sp>
       <p:sp>
         <p:nvSpPr>
-          <p:cNvPr id="79" name="Google Shape;79;p15"/>
-          <p:cNvSpPr txBox="1"/>
+          <p:cNvPr id="3" name="Text Placeholder 2"/>
+          <p:cNvSpPr/>
           <p:nvPr>
             <p:ph type="body" idx="1"/>
           </p:nvPr>
         </p:nvSpPr>
-        <p:spPr>
-          <a:xfrm>
-            <a:off x="311785" y="831215"/>
-            <a:ext cx="8243570" cy="3984625"/>
-          </a:xfrm>
-          <a:prstGeom prst="rect">
-            <a:avLst/>
-          </a:prstGeom>
-        </p:spPr>
+        <p:spPr/>
         <p:txBody>
-          <a:bodyPr spcFirstLastPara="1" wrap="square" lIns="91425" tIns="91425" rIns="91425" bIns="91425" anchor="t" anchorCtr="0">
-            <a:normAutofit/>
-          </a:bodyPr>
-          <a:p>
-            <a:pPr marL="114300" lvl="0" indent="0" algn="l" rtl="0">
-              <a:spcBef>
-                <a:spcPts val="0"/>
-              </a:spcBef>
-              <a:spcAft>
-                <a:spcPts val="0"/>
-              </a:spcAft>
-              <a:buSzPts val="1800"/>
-              <a:buNone/>
-            </a:pPr>
-            <a:r>
-              <a:rPr lang="en-US" altLang="en-GB" b="1">
-                <a:sym typeface="+mn-ea"/>
-              </a:rPr>
-              <a:t>First, create, run and view log of the container </a:t>
-            </a:r>
-            <a:endParaRPr lang="en-US" b="1">
-              <a:solidFill>
-                <a:srgbClr val="B45F06"/>
-              </a:solidFill>
-            </a:endParaRPr>
+          <a:bodyPr/>
+          <a:p>
+            <a:endParaRPr lang="en-US"/>
           </a:p>
         </p:txBody>
       </p:sp>
-      <p:pic>
-        <p:nvPicPr>
-          <p:cNvPr id="4" name="Picture 3"/>
-          <p:cNvPicPr>
-            <a:picLocks noChangeAspect="1"/>
-          </p:cNvPicPr>
-          <p:nvPr/>
-        </p:nvPicPr>
-        <p:blipFill>
-          <a:blip r:embed="rId1"/>
-          <a:stretch>
-            <a:fillRect/>
-          </a:stretch>
-        </p:blipFill>
-        <p:spPr>
-          <a:xfrm>
-            <a:off x="1485900" y="1371600"/>
-            <a:ext cx="6172835" cy="3233420"/>
-          </a:xfrm>
-          <a:prstGeom prst="rect">
-            <a:avLst/>
-          </a:prstGeom>
-        </p:spPr>
-      </p:pic>
     </p:spTree>
   </p:cSld>
   <p:clrMapOvr>
@@ -13897,11 +15356,52 @@
             </a:pPr>
             <a:r>
               <a:rPr lang="en-US" sz="2940"/>
-              <a:t>Stopping container</a:t>
+              <a:t>Docker run in detail</a:t>
             </a:r>
             <a:endParaRPr lang="en-US" sz="2940" b="0">
               <a:solidFill>
                 <a:srgbClr val="3D85C6"/>
+              </a:solidFill>
+            </a:endParaRPr>
+          </a:p>
+        </p:txBody>
+      </p:sp>
+      <p:sp>
+        <p:nvSpPr>
+          <p:cNvPr id="79" name="Google Shape;79;p15"/>
+          <p:cNvSpPr txBox="1"/>
+          <p:nvPr>
+            <p:ph type="body" idx="1"/>
+          </p:nvPr>
+        </p:nvSpPr>
+        <p:spPr>
+          <a:xfrm>
+            <a:off x="311785" y="831215"/>
+            <a:ext cx="8520430" cy="3737610"/>
+          </a:xfrm>
+          <a:prstGeom prst="rect">
+            <a:avLst/>
+          </a:prstGeom>
+        </p:spPr>
+        <p:txBody>
+          <a:bodyPr spcFirstLastPara="1" wrap="square" lIns="91425" tIns="91425" rIns="91425" bIns="91425" anchor="t" anchorCtr="0">
+            <a:normAutofit/>
+          </a:bodyPr>
+          <a:lstStyle/>
+          <a:p>
+            <a:pPr marL="457200" lvl="0" indent="-342900" algn="l" rtl="0">
+              <a:spcBef>
+                <a:spcPts val="0"/>
+              </a:spcBef>
+              <a:spcAft>
+                <a:spcPts val="0"/>
+              </a:spcAft>
+              <a:buSzPts val="1800"/>
+              <a:buChar char="+"/>
+            </a:pPr>
+            <a:endParaRPr lang="en-US" b="1">
+              <a:solidFill>
+                <a:srgbClr val="B45F06"/>
               </a:solidFill>
             </a:endParaRPr>
           </a:p>
@@ -13923,32 +15423,8 @@
         </p:blipFill>
         <p:spPr>
           <a:xfrm>
-            <a:off x="2097405" y="858520"/>
-            <a:ext cx="4250690" cy="1116965"/>
-          </a:xfrm>
-          <a:prstGeom prst="rect">
-            <a:avLst/>
-          </a:prstGeom>
-        </p:spPr>
-      </p:pic>
-      <p:pic>
-        <p:nvPicPr>
-          <p:cNvPr id="4" name="Picture 3"/>
-          <p:cNvPicPr>
-            <a:picLocks noChangeAspect="1"/>
-          </p:cNvPicPr>
-          <p:nvPr/>
-        </p:nvPicPr>
-        <p:blipFill>
-          <a:blip r:embed="rId2"/>
-          <a:stretch>
-            <a:fillRect/>
-          </a:stretch>
-        </p:blipFill>
-        <p:spPr>
-          <a:xfrm>
-            <a:off x="721360" y="1877695"/>
-            <a:ext cx="7002780" cy="2905760"/>
+            <a:off x="861060" y="831850"/>
+            <a:ext cx="7198360" cy="3736340"/>
           </a:xfrm>
           <a:prstGeom prst="rect">
             <a:avLst/>
@@ -14015,11 +15491,79 @@
             </a:pPr>
             <a:r>
               <a:rPr lang="en-US" sz="2940"/>
-              <a:t>Stopping container</a:t>
+              <a:t>Overriding default commands</a:t>
             </a:r>
             <a:endParaRPr lang="en-US" sz="2940" b="0">
               <a:solidFill>
                 <a:srgbClr val="3D85C6"/>
+              </a:solidFill>
+            </a:endParaRPr>
+          </a:p>
+        </p:txBody>
+      </p:sp>
+      <p:sp>
+        <p:nvSpPr>
+          <p:cNvPr id="79" name="Google Shape;79;p15"/>
+          <p:cNvSpPr txBox="1"/>
+          <p:nvPr>
+            <p:ph type="body" idx="1"/>
+          </p:nvPr>
+        </p:nvSpPr>
+        <p:spPr>
+          <a:xfrm>
+            <a:off x="311785" y="831215"/>
+            <a:ext cx="8520430" cy="3737610"/>
+          </a:xfrm>
+          <a:prstGeom prst="rect">
+            <a:avLst/>
+          </a:prstGeom>
+        </p:spPr>
+        <p:txBody>
+          <a:bodyPr spcFirstLastPara="1" wrap="square" lIns="91425" tIns="91425" rIns="91425" bIns="91425" anchor="t" anchorCtr="0">
+            <a:normAutofit/>
+          </a:bodyPr>
+          <a:lstStyle/>
+          <a:p>
+            <a:pPr marL="457200" lvl="0" indent="-342900" algn="l" rtl="0">
+              <a:spcBef>
+                <a:spcPts val="0"/>
+              </a:spcBef>
+              <a:spcAft>
+                <a:spcPts val="0"/>
+              </a:spcAft>
+              <a:buSzPts val="1800"/>
+              <a:buChar char="+"/>
+            </a:pPr>
+            <a:r>
+              <a:rPr lang="en-US" altLang="en-GB" b="1">
+                <a:sym typeface="+mn-ea"/>
+              </a:rPr>
+              <a:t>Run a command and show message</a:t>
+            </a:r>
+            <a:endParaRPr lang="en-US" altLang="en-GB" b="1">
+              <a:sym typeface="+mn-ea"/>
+            </a:endParaRPr>
+          </a:p>
+          <a:p>
+            <a:pPr marL="457200" lvl="0" indent="-342900" algn="l" rtl="0">
+              <a:spcBef>
+                <a:spcPts val="0"/>
+              </a:spcBef>
+              <a:spcAft>
+                <a:spcPts val="0"/>
+              </a:spcAft>
+              <a:buSzPts val="1800"/>
+              <a:buChar char="+"/>
+            </a:pPr>
+            <a:r>
+              <a:rPr lang="en-US" altLang="en-GB" b="1">
+                <a:sym typeface="+mn-ea"/>
+              </a:rPr>
+              <a:t>&gt;&gt; docker run busybox echo hi there</a:t>
+            </a:r>
+            <a:endParaRPr lang="en-US" b="1">
+              <a:solidFill>
+                <a:srgbClr val="B45F06"/>
               </a:solidFill>
             </a:endParaRPr>
           </a:p>
@@ -14041,81 +15585,14 @@
         </p:blipFill>
         <p:spPr>
           <a:xfrm>
-            <a:off x="311785" y="1607820"/>
-            <a:ext cx="8582025" cy="2362200"/>
+            <a:off x="1897380" y="1804035"/>
+            <a:ext cx="5348605" cy="2246630"/>
           </a:xfrm>
           <a:prstGeom prst="rect">
             <a:avLst/>
           </a:prstGeom>
         </p:spPr>
       </p:pic>
-      <p:sp>
-        <p:nvSpPr>
-          <p:cNvPr id="79" name="Google Shape;79;p15"/>
-          <p:cNvSpPr txBox="1"/>
-          <p:nvPr>
-            <p:ph type="body" idx="1"/>
-          </p:nvPr>
-        </p:nvSpPr>
-        <p:spPr>
-          <a:xfrm>
-            <a:off x="311785" y="831850"/>
-            <a:ext cx="8520430" cy="3736975"/>
-          </a:xfrm>
-          <a:prstGeom prst="rect">
-            <a:avLst/>
-          </a:prstGeom>
-        </p:spPr>
-        <p:txBody>
-          <a:bodyPr spcFirstLastPara="1" wrap="square" lIns="91425" tIns="91425" rIns="91425" bIns="91425" anchor="t" anchorCtr="0">
-            <a:normAutofit lnSpcReduction="10000"/>
-          </a:bodyPr>
-          <a:p>
-            <a:pPr marL="114300" lvl="0" indent="0" algn="l" rtl="0">
-              <a:spcBef>
-                <a:spcPts val="0"/>
-              </a:spcBef>
-              <a:spcAft>
-                <a:spcPts val="0"/>
-              </a:spcAft>
-              <a:buSzPts val="1800"/>
-              <a:buNone/>
-            </a:pPr>
-            <a:r>
-              <a:rPr lang="en-US" altLang="en-GB" b="1">
-                <a:sym typeface="+mn-ea"/>
-              </a:rPr>
-              <a:t>&gt;&gt; docker stop &lt;container_id&gt;</a:t>
-            </a:r>
-            <a:endParaRPr lang="en-US" altLang="en-GB" b="1">
-              <a:sym typeface="+mn-ea"/>
-            </a:endParaRPr>
-          </a:p>
-          <a:p>
-            <a:pPr marL="457200" lvl="0" indent="-342900" algn="l" rtl="0">
-              <a:spcBef>
-                <a:spcPts val="0"/>
-              </a:spcBef>
-              <a:spcAft>
-                <a:spcPts val="0"/>
-              </a:spcAft>
-              <a:buSzPts val="1800"/>
-              <a:buChar char="+"/>
-            </a:pPr>
-            <a:r>
-              <a:rPr lang="en-US" altLang="en-GB" b="1">
-                <a:sym typeface="+mn-ea"/>
-              </a:rPr>
-              <a:t>Waiting for over 10 seconds to stop the container</a:t>
-            </a:r>
-            <a:endParaRPr lang="en-US" b="1">
-              <a:solidFill>
-                <a:srgbClr val="B45F06"/>
-              </a:solidFill>
-            </a:endParaRPr>
-          </a:p>
-        </p:txBody>
-      </p:sp>
     </p:spTree>
   </p:cSld>
   <p:clrMapOvr>
@@ -14313,7 +15790,7 @@
             </a:pPr>
             <a:r>
               <a:rPr lang="en-US" sz="2940"/>
-              <a:t>Stopping container</a:t>
+              <a:t>Overriding default commands</a:t>
             </a:r>
             <a:endParaRPr lang="en-US" sz="2940" b="0">
               <a:solidFill>
@@ -14333,8 +15810,8 @@
         </p:nvSpPr>
         <p:spPr>
           <a:xfrm>
-            <a:off x="311785" y="831850"/>
-            <a:ext cx="8268970" cy="3736975"/>
+            <a:off x="311785" y="831215"/>
+            <a:ext cx="3696335" cy="3737610"/>
           </a:xfrm>
           <a:prstGeom prst="rect">
             <a:avLst/>
@@ -14342,8 +15819,9 @@
         </p:spPr>
         <p:txBody>
           <a:bodyPr spcFirstLastPara="1" wrap="square" lIns="91425" tIns="91425" rIns="91425" bIns="91425" anchor="t" anchorCtr="0">
-            <a:normAutofit lnSpcReduction="10000"/>
+            <a:normAutofit/>
           </a:bodyPr>
+          <a:lstStyle/>
           <a:p>
             <a:pPr marL="457200" lvl="0" indent="-342900" algn="l" rtl="0">
               <a:spcBef>
@@ -14359,14 +15837,14 @@
               <a:rPr lang="en-US" altLang="en-GB" b="1">
                 <a:sym typeface="+mn-ea"/>
               </a:rPr>
-              <a:t>Start container again and use kill command</a:t>
+              <a:t>Show list of foder of the container </a:t>
             </a:r>
             <a:endParaRPr lang="en-US" altLang="en-GB" b="1">
               <a:sym typeface="+mn-ea"/>
             </a:endParaRPr>
           </a:p>
           <a:p>
-            <a:pPr marL="114300" lvl="0" indent="0" algn="l" rtl="0">
+            <a:pPr marL="457200" lvl="0" indent="-342900" algn="l" rtl="0">
               <a:spcBef>
                 <a:spcPts val="0"/>
               </a:spcBef>
@@ -14374,34 +15852,13 @@
                 <a:spcPts val="0"/>
               </a:spcAft>
               <a:buSzPts val="1800"/>
-              <a:buNone/>
+              <a:buChar char="+"/>
             </a:pPr>
             <a:r>
               <a:rPr lang="en-US" altLang="en-GB" b="1">
                 <a:sym typeface="+mn-ea"/>
               </a:rPr>
-              <a:t>&gt;&gt; docker kill &lt;container_id&gt;</a:t>
-            </a:r>
-            <a:endParaRPr lang="en-US" altLang="en-GB" b="1">
-              <a:sym typeface="+mn-ea"/>
-            </a:endParaRPr>
-          </a:p>
-          <a:p>
-            <a:pPr marL="457200" lvl="0" indent="-342900" algn="l" rtl="0">
-              <a:spcBef>
-                <a:spcPts val="0"/>
-              </a:spcBef>
-              <a:spcAft>
-                <a:spcPts val="0"/>
-              </a:spcAft>
-              <a:buSzPts val="1800"/>
-              <a:buChar char="+"/>
-            </a:pPr>
-            <a:r>
-              <a:rPr lang="en-US" altLang="en-GB" b="1">
-                <a:sym typeface="+mn-ea"/>
-              </a:rPr>
-              <a:t>Stop the container immediately</a:t>
+              <a:t>&gt;&gt; docker run busybox ls</a:t>
             </a:r>
             <a:endParaRPr lang="en-US" b="1">
               <a:solidFill>
@@ -14413,7 +15870,7 @@
       </p:sp>
       <p:pic>
         <p:nvPicPr>
-          <p:cNvPr id="2" name="Picture 1"/>
+          <p:cNvPr id="3" name="Picture 2"/>
           <p:cNvPicPr>
             <a:picLocks noChangeAspect="1"/>
           </p:cNvPicPr>
@@ -14427,8 +15884,8 @@
         </p:blipFill>
         <p:spPr>
           <a:xfrm>
-            <a:off x="570230" y="1825625"/>
-            <a:ext cx="8010525" cy="2743200"/>
+            <a:off x="4256405" y="990600"/>
+            <a:ext cx="4438650" cy="3419475"/>
           </a:xfrm>
           <a:prstGeom prst="rect">
             <a:avLst/>
@@ -14495,7 +15952,7 @@
             </a:pPr>
             <a:r>
               <a:rPr lang="en-US" sz="2940"/>
-              <a:t>Multi-Command container</a:t>
+              <a:t>Overriding default commands</a:t>
             </a:r>
             <a:endParaRPr lang="en-US" sz="2940" b="0">
               <a:solidFill>
@@ -14515,8 +15972,8 @@
         </p:nvSpPr>
         <p:spPr>
           <a:xfrm>
-            <a:off x="311785" y="831850"/>
-            <a:ext cx="8268970" cy="3736975"/>
+            <a:off x="311785" y="831215"/>
+            <a:ext cx="8037195" cy="3737610"/>
           </a:xfrm>
           <a:prstGeom prst="rect">
             <a:avLst/>
@@ -14524,8 +15981,9 @@
         </p:spPr>
         <p:txBody>
           <a:bodyPr spcFirstLastPara="1" wrap="square" lIns="91425" tIns="91425" rIns="91425" bIns="91425" anchor="t" anchorCtr="0">
-            <a:normAutofit lnSpcReduction="10000"/>
+            <a:normAutofit/>
           </a:bodyPr>
+          <a:lstStyle/>
           <a:p>
             <a:pPr marL="457200" lvl="0" indent="-342900" algn="l" rtl="0">
               <a:spcBef>
@@ -14541,14 +15999,14 @@
               <a:rPr lang="en-US" altLang="en-GB" b="1">
                 <a:sym typeface="+mn-ea"/>
               </a:rPr>
-              <a:t>First, Settup redis on docker</a:t>
+              <a:t>Show list of foder of the container </a:t>
             </a:r>
             <a:endParaRPr lang="en-US" altLang="en-GB" b="1">
               <a:sym typeface="+mn-ea"/>
             </a:endParaRPr>
           </a:p>
           <a:p>
-            <a:pPr marL="114300" lvl="0" indent="0" algn="l" rtl="0">
+            <a:pPr marL="457200" lvl="0" indent="-342900" algn="l" rtl="0">
               <a:spcBef>
                 <a:spcPts val="0"/>
               </a:spcBef>
@@ -14556,13 +16014,13 @@
                 <a:spcPts val="0"/>
               </a:spcAft>
               <a:buSzPts val="1800"/>
-              <a:buNone/>
+              <a:buChar char="+"/>
             </a:pPr>
             <a:r>
               <a:rPr lang="en-US" altLang="en-GB" b="1">
                 <a:sym typeface="+mn-ea"/>
               </a:rPr>
-              <a:t>&gt;&gt; docker run redis</a:t>
+              <a:t>&gt;&gt; docker run busybox ls</a:t>
             </a:r>
             <a:endParaRPr lang="en-US" b="1">
               <a:solidFill>
@@ -14574,7 +16032,7 @@
       </p:sp>
       <p:pic>
         <p:nvPicPr>
-          <p:cNvPr id="2" name="Picture 1"/>
+          <p:cNvPr id="3" name="Picture 2"/>
           <p:cNvPicPr>
             <a:picLocks noChangeAspect="1"/>
           </p:cNvPicPr>
@@ -14588,8 +16046,32 @@
         </p:blipFill>
         <p:spPr>
           <a:xfrm>
-            <a:off x="976630" y="1978660"/>
-            <a:ext cx="6939280" cy="2514600"/>
+            <a:off x="577215" y="2004695"/>
+            <a:ext cx="4172585" cy="2363470"/>
+          </a:xfrm>
+          <a:prstGeom prst="rect">
+            <a:avLst/>
+          </a:prstGeom>
+        </p:spPr>
+      </p:pic>
+      <p:pic>
+        <p:nvPicPr>
+          <p:cNvPr id="2" name="Picture 1"/>
+          <p:cNvPicPr>
+            <a:picLocks noChangeAspect="1"/>
+          </p:cNvPicPr>
+          <p:nvPr/>
+        </p:nvPicPr>
+        <p:blipFill>
+          <a:blip r:embed="rId2"/>
+          <a:stretch>
+            <a:fillRect/>
+          </a:stretch>
+        </p:blipFill>
+        <p:spPr>
+          <a:xfrm>
+            <a:off x="5003800" y="2132330"/>
+            <a:ext cx="3641090" cy="2108200"/>
           </a:xfrm>
           <a:prstGeom prst="rect">
             <a:avLst/>
@@ -14656,7 +16138,7 @@
             </a:pPr>
             <a:r>
               <a:rPr lang="en-US" sz="2940"/>
-              <a:t>Multi-Command Container</a:t>
+              <a:t>List of running container</a:t>
             </a:r>
             <a:endParaRPr lang="en-US" sz="2940" b="0">
               <a:solidFill>
@@ -14676,8 +16158,8 @@
         </p:nvSpPr>
         <p:spPr>
           <a:xfrm>
-            <a:off x="311785" y="831850"/>
-            <a:ext cx="4762500" cy="2052955"/>
+            <a:off x="311785" y="831215"/>
+            <a:ext cx="8213725" cy="3737610"/>
           </a:xfrm>
           <a:prstGeom prst="rect">
             <a:avLst/>
@@ -14685,8 +16167,9 @@
         </p:spPr>
         <p:txBody>
           <a:bodyPr spcFirstLastPara="1" wrap="square" lIns="91425" tIns="91425" rIns="91425" bIns="91425" anchor="t" anchorCtr="0">
-            <a:normAutofit lnSpcReduction="10000"/>
+            <a:normAutofit/>
           </a:bodyPr>
+          <a:lstStyle/>
           <a:p>
             <a:pPr marL="457200" lvl="0" indent="-342900" algn="l" rtl="0">
               <a:spcBef>
@@ -14702,14 +16185,14 @@
               <a:rPr lang="en-US" altLang="en-GB" b="1">
                 <a:sym typeface="+mn-ea"/>
               </a:rPr>
-              <a:t>try to run redis-cli but it’s not working because the command run outside the container</a:t>
+              <a:t>Show list of running container</a:t>
             </a:r>
             <a:endParaRPr lang="en-US" altLang="en-GB" b="1">
               <a:sym typeface="+mn-ea"/>
             </a:endParaRPr>
           </a:p>
           <a:p>
-            <a:pPr marL="114300" lvl="0" indent="0" algn="l" rtl="0">
+            <a:pPr marL="457200" lvl="0" indent="-342900" algn="l" rtl="0">
               <a:spcBef>
                 <a:spcPts val="0"/>
               </a:spcBef>
@@ -14717,8 +16200,14 @@
                 <a:spcPts val="0"/>
               </a:spcAft>
               <a:buSzPts val="1800"/>
-              <a:buNone/>
-            </a:pPr>
+              <a:buChar char="+"/>
+            </a:pPr>
+            <a:r>
+              <a:rPr lang="en-US" altLang="en-GB" b="1">
+                <a:sym typeface="+mn-ea"/>
+              </a:rPr>
+              <a:t>&gt;&gt; docker ps</a:t>
+            </a:r>
             <a:endParaRPr lang="en-US" b="1">
               <a:solidFill>
                 <a:srgbClr val="B45F06"/>
@@ -14743,8 +16232,8 @@
         </p:blipFill>
         <p:spPr>
           <a:xfrm>
-            <a:off x="375920" y="2404110"/>
-            <a:ext cx="4502150" cy="891540"/>
+            <a:off x="546100" y="2914650"/>
+            <a:ext cx="6776085" cy="1609725"/>
           </a:xfrm>
           <a:prstGeom prst="rect">
             <a:avLst/>
@@ -14753,7 +16242,7 @@
       </p:pic>
       <p:pic>
         <p:nvPicPr>
-          <p:cNvPr id="3" name="Picture 2"/>
+          <p:cNvPr id="4" name="Picture 3"/>
           <p:cNvPicPr>
             <a:picLocks noChangeAspect="1"/>
           </p:cNvPicPr>
@@ -14767,8 +16256,8 @@
         </p:blipFill>
         <p:spPr>
           <a:xfrm>
-            <a:off x="5126355" y="831215"/>
-            <a:ext cx="3705860" cy="3350260"/>
+            <a:off x="546100" y="1844040"/>
+            <a:ext cx="6162675" cy="723900"/>
           </a:xfrm>
           <a:prstGeom prst="rect">
             <a:avLst/>
@@ -14835,7 +16324,7 @@
             </a:pPr>
             <a:r>
               <a:rPr lang="en-US" sz="2940"/>
-              <a:t>Multi-Command Container</a:t>
+              <a:t>List of running container</a:t>
             </a:r>
             <a:endParaRPr lang="en-US" sz="2940" b="0">
               <a:solidFill>
@@ -14855,8 +16344,8 @@
         </p:nvSpPr>
         <p:spPr>
           <a:xfrm>
-            <a:off x="311785" y="831850"/>
-            <a:ext cx="4762500" cy="2052955"/>
+            <a:off x="311785" y="831215"/>
+            <a:ext cx="8213725" cy="3737610"/>
           </a:xfrm>
           <a:prstGeom prst="rect">
             <a:avLst/>
@@ -14864,10 +16353,11 @@
         </p:spPr>
         <p:txBody>
           <a:bodyPr spcFirstLastPara="1" wrap="square" lIns="91425" tIns="91425" rIns="91425" bIns="91425" anchor="t" anchorCtr="0">
-            <a:normAutofit lnSpcReduction="10000"/>
+            <a:normAutofit/>
           </a:bodyPr>
-          <a:p>
-            <a:pPr marL="114300" lvl="0" indent="0" algn="l" rtl="0">
+          <a:lstStyle/>
+          <a:p>
+            <a:pPr marL="457200" lvl="0" indent="-342900" algn="l" rtl="0">
               <a:spcBef>
                 <a:spcPts val="0"/>
               </a:spcBef>
@@ -14875,7 +16365,91 @@
                 <a:spcPts val="0"/>
               </a:spcAft>
               <a:buSzPts val="1800"/>
-              <a:buNone/>
+              <a:buChar char="+"/>
+            </a:pPr>
+            <a:r>
+              <a:rPr lang="en-US" altLang="en-GB" b="1">
+                <a:sym typeface="+mn-ea"/>
+              </a:rPr>
+              <a:t>Show list of running container</a:t>
+            </a:r>
+            <a:endParaRPr lang="en-US" altLang="en-GB" b="1">
+              <a:sym typeface="+mn-ea"/>
+            </a:endParaRPr>
+          </a:p>
+          <a:p>
+            <a:pPr marL="457200" lvl="0" indent="-342900" algn="l" rtl="0">
+              <a:spcBef>
+                <a:spcPts val="0"/>
+              </a:spcBef>
+              <a:spcAft>
+                <a:spcPts val="0"/>
+              </a:spcAft>
+              <a:buSzPts val="1800"/>
+              <a:buChar char="+"/>
+            </a:pPr>
+            <a:r>
+              <a:rPr lang="en-US" altLang="en-GB" b="1">
+                <a:sym typeface="+mn-ea"/>
+              </a:rPr>
+              <a:t>&gt;&gt; docker ps </a:t>
+            </a:r>
+            <a:endParaRPr lang="en-US" altLang="en-GB" b="1">
+              <a:sym typeface="+mn-ea"/>
+            </a:endParaRPr>
+          </a:p>
+          <a:p>
+            <a:pPr marL="457200" lvl="0" indent="-342900" algn="l" rtl="0">
+              <a:spcBef>
+                <a:spcPts val="0"/>
+              </a:spcBef>
+              <a:spcAft>
+                <a:spcPts val="0"/>
+              </a:spcAft>
+              <a:buSzPts val="1800"/>
+              <a:buChar char="+"/>
+            </a:pPr>
+            <a:r>
+              <a:rPr lang="en-US" altLang="en-GB" b="1">
+                <a:sym typeface="+mn-ea"/>
+              </a:rPr>
+              <a:t>Show all containers that have ever been created on our machine</a:t>
+            </a:r>
+            <a:endParaRPr lang="en-US" altLang="en-GB" b="1">
+              <a:sym typeface="+mn-ea"/>
+            </a:endParaRPr>
+          </a:p>
+          <a:p>
+            <a:pPr marL="457200" lvl="0" indent="-342900" algn="l" rtl="0">
+              <a:spcBef>
+                <a:spcPts val="0"/>
+              </a:spcBef>
+              <a:spcAft>
+                <a:spcPts val="0"/>
+              </a:spcAft>
+              <a:buSzPts val="1800"/>
+              <a:buChar char="+"/>
+            </a:pPr>
+            <a:r>
+              <a:rPr lang="en-US" altLang="en-GB" b="1">
+                <a:sym typeface="+mn-ea"/>
+              </a:rPr>
+              <a:t>&gt;&gt; docker ps --all</a:t>
+            </a:r>
+            <a:endParaRPr lang="en-US" altLang="en-GB" b="1">
+              <a:sym typeface="+mn-ea"/>
+            </a:endParaRPr>
+          </a:p>
+          <a:p>
+            <a:pPr marL="457200" lvl="0" indent="-342900" algn="l" rtl="0">
+              <a:spcBef>
+                <a:spcPts val="0"/>
+              </a:spcBef>
+              <a:spcAft>
+                <a:spcPts val="0"/>
+              </a:spcAft>
+              <a:buSzPts val="1800"/>
+              <a:buChar char="+"/>
             </a:pPr>
             <a:endParaRPr lang="en-US" b="1">
               <a:solidFill>
@@ -14887,7 +16461,7 @@
       </p:sp>
       <p:pic>
         <p:nvPicPr>
-          <p:cNvPr id="2" name="Picture 1"/>
+          <p:cNvPr id="3" name="Picture 2"/>
           <p:cNvPicPr>
             <a:picLocks noChangeAspect="1"/>
           </p:cNvPicPr>
@@ -14901,56 +16475,8 @@
         </p:blipFill>
         <p:spPr>
           <a:xfrm>
-            <a:off x="5549265" y="751205"/>
-            <a:ext cx="3282950" cy="3458845"/>
-          </a:xfrm>
-          <a:prstGeom prst="rect">
-            <a:avLst/>
-          </a:prstGeom>
-        </p:spPr>
-      </p:pic>
-      <p:pic>
-        <p:nvPicPr>
-          <p:cNvPr id="4" name="Picture 3"/>
-          <p:cNvPicPr>
-            <a:picLocks noChangeAspect="1"/>
-          </p:cNvPicPr>
-          <p:nvPr/>
-        </p:nvPicPr>
-        <p:blipFill>
-          <a:blip r:embed="rId2"/>
-          <a:stretch>
-            <a:fillRect/>
-          </a:stretch>
-        </p:blipFill>
-        <p:spPr>
-          <a:xfrm>
-            <a:off x="495935" y="899795"/>
-            <a:ext cx="4972685" cy="1285875"/>
-          </a:xfrm>
-          <a:prstGeom prst="rect">
-            <a:avLst/>
-          </a:prstGeom>
-        </p:spPr>
-      </p:pic>
-      <p:pic>
-        <p:nvPicPr>
-          <p:cNvPr id="6" name="Picture 5"/>
-          <p:cNvPicPr>
-            <a:picLocks noChangeAspect="1"/>
-          </p:cNvPicPr>
-          <p:nvPr/>
-        </p:nvPicPr>
-        <p:blipFill>
-          <a:blip r:embed="rId3"/>
-          <a:stretch>
-            <a:fillRect/>
-          </a:stretch>
-        </p:blipFill>
-        <p:spPr>
-          <a:xfrm>
-            <a:off x="486410" y="2447925"/>
-            <a:ext cx="4982210" cy="1578610"/>
+            <a:off x="634365" y="2456180"/>
+            <a:ext cx="7875270" cy="2037080"/>
           </a:xfrm>
           <a:prstGeom prst="rect">
             <a:avLst/>
@@ -15017,7 +16543,7 @@
             </a:pPr>
             <a:r>
               <a:rPr lang="en-US" sz="2940"/>
-              <a:t>The purpose of the “IT” flag</a:t>
+              <a:t>Docker lifecycle</a:t>
             </a:r>
             <a:endParaRPr lang="en-US" sz="2940" b="0">
               <a:solidFill>
@@ -15037,8 +16563,8 @@
         </p:nvSpPr>
         <p:spPr>
           <a:xfrm>
-            <a:off x="311785" y="831850"/>
-            <a:ext cx="4762500" cy="2052955"/>
+            <a:off x="311785" y="831215"/>
+            <a:ext cx="8520430" cy="3737610"/>
           </a:xfrm>
           <a:prstGeom prst="rect">
             <a:avLst/>
@@ -15046,8 +16572,9 @@
         </p:spPr>
         <p:txBody>
           <a:bodyPr spcFirstLastPara="1" wrap="square" lIns="91425" tIns="91425" rIns="91425" bIns="91425" anchor="t" anchorCtr="0">
-            <a:normAutofit lnSpcReduction="10000"/>
+            <a:normAutofit/>
           </a:bodyPr>
+          <a:lstStyle/>
           <a:p>
             <a:pPr marL="457200" lvl="0" indent="-342900" algn="l" rtl="0">
               <a:spcBef>
@@ -15063,23 +16590,8 @@
               <a:rPr lang="en-US" altLang="en-GB" b="1">
                 <a:sym typeface="+mn-ea"/>
               </a:rPr>
-              <a:t>try to run redis-cli but it’s not working because the command run outside the container</a:t>
+              <a:t>docker run hello-world</a:t>
             </a:r>
-            <a:endParaRPr lang="en-US" altLang="en-GB" b="1">
-              <a:sym typeface="+mn-ea"/>
-            </a:endParaRPr>
-          </a:p>
-          <a:p>
-            <a:pPr marL="114300" lvl="0" indent="0" algn="l" rtl="0">
-              <a:spcBef>
-                <a:spcPts val="0"/>
-              </a:spcBef>
-              <a:spcAft>
-                <a:spcPts val="0"/>
-              </a:spcAft>
-              <a:buSzPts val="1800"/>
-              <a:buNone/>
-            </a:pPr>
             <a:endParaRPr lang="en-US" b="1">
               <a:solidFill>
                 <a:srgbClr val="B45F06"/>
@@ -15104,8 +16616,8 @@
         </p:blipFill>
         <p:spPr>
           <a:xfrm>
-            <a:off x="375920" y="2404110"/>
-            <a:ext cx="4502150" cy="891540"/>
+            <a:off x="569595" y="1735455"/>
+            <a:ext cx="3766820" cy="1986915"/>
           </a:xfrm>
           <a:prstGeom prst="rect">
             <a:avLst/>
@@ -15114,7 +16626,7 @@
       </p:pic>
       <p:pic>
         <p:nvPicPr>
-          <p:cNvPr id="3" name="Picture 2"/>
+          <p:cNvPr id="4" name="Picture 3"/>
           <p:cNvPicPr>
             <a:picLocks noChangeAspect="1"/>
           </p:cNvPicPr>
@@ -15128,8 +16640,8 @@
         </p:blipFill>
         <p:spPr>
           <a:xfrm>
-            <a:off x="5126355" y="831215"/>
-            <a:ext cx="3705860" cy="3350260"/>
+            <a:off x="4762500" y="1609725"/>
+            <a:ext cx="3735070" cy="2054225"/>
           </a:xfrm>
           <a:prstGeom prst="rect">
             <a:avLst/>
@@ -15196,7 +16708,7 @@
             </a:pPr>
             <a:r>
               <a:rPr lang="en-US" sz="2940"/>
-              <a:t>The purpose of the “IT” flag</a:t>
+              <a:t>Docker lifecycle</a:t>
             </a:r>
             <a:endParaRPr lang="en-US" sz="2940" b="0">
               <a:solidFill>
@@ -15216,8 +16728,8 @@
         </p:nvSpPr>
         <p:spPr>
           <a:xfrm>
-            <a:off x="311785" y="831850"/>
-            <a:ext cx="5139055" cy="1371600"/>
+            <a:off x="311785" y="831215"/>
+            <a:ext cx="8520430" cy="3737610"/>
           </a:xfrm>
           <a:prstGeom prst="rect">
             <a:avLst/>
@@ -15225,8 +16737,9 @@
         </p:spPr>
         <p:txBody>
           <a:bodyPr spcFirstLastPara="1" wrap="square" lIns="91425" tIns="91425" rIns="91425" bIns="91425" anchor="t" anchorCtr="0">
-            <a:normAutofit lnSpcReduction="10000"/>
+            <a:normAutofit/>
           </a:bodyPr>
+          <a:lstStyle/>
           <a:p>
             <a:pPr marL="457200" lvl="0" indent="-342900" algn="l" rtl="0">
               <a:spcBef>
@@ -15242,28 +16755,7 @@
               <a:rPr lang="en-US" altLang="en-GB" b="1">
                 <a:sym typeface="+mn-ea"/>
               </a:rPr>
-              <a:t>-i: make sure that any stuff that you type gets direct to STDIN</a:t>
-            </a:r>
-            <a:endParaRPr lang="en-US" altLang="en-GB" b="1">
-              <a:sym typeface="+mn-ea"/>
-            </a:endParaRPr>
-          </a:p>
-          <a:p>
-            <a:pPr marL="457200" lvl="0" indent="-342900" algn="l" rtl="0">
-              <a:spcBef>
-                <a:spcPts val="0"/>
-              </a:spcBef>
-              <a:spcAft>
-                <a:spcPts val="0"/>
-              </a:spcAft>
-              <a:buSzPts val="1800"/>
-              <a:buChar char="+"/>
-            </a:pPr>
-            <a:r>
-              <a:rPr lang="en-US" altLang="en-GB" b="1">
-                <a:sym typeface="+mn-ea"/>
-              </a:rPr>
-              <a:t>-t: help to show up the result pretty </a:t>
+              <a:t>docker run hello-world</a:t>
             </a:r>
             <a:endParaRPr lang="en-US" b="1">
               <a:solidFill>
@@ -15289,8 +16781,8 @@
         </p:blipFill>
         <p:spPr>
           <a:xfrm>
-            <a:off x="5523230" y="1506855"/>
-            <a:ext cx="3381375" cy="2924175"/>
+            <a:off x="542290" y="1350645"/>
+            <a:ext cx="3642995" cy="2865120"/>
           </a:xfrm>
           <a:prstGeom prst="rect">
             <a:avLst/>
@@ -15299,7 +16791,7 @@
       </p:pic>
       <p:pic>
         <p:nvPicPr>
-          <p:cNvPr id="4" name="Picture 3"/>
+          <p:cNvPr id="5" name="Picture 4"/>
           <p:cNvPicPr>
             <a:picLocks noChangeAspect="1"/>
           </p:cNvPicPr>
@@ -15313,8 +16805,8 @@
         </p:blipFill>
         <p:spPr>
           <a:xfrm>
-            <a:off x="409575" y="2204085"/>
-            <a:ext cx="5113655" cy="2226945"/>
+            <a:off x="4262120" y="1351280"/>
+            <a:ext cx="4683125" cy="2865120"/>
           </a:xfrm>
           <a:prstGeom prst="rect">
             <a:avLst/>
@@ -15381,7 +16873,7 @@
             </a:pPr>
             <a:r>
               <a:rPr lang="en-US" sz="2940"/>
-              <a:t>Getting a Command Prompt in a Container</a:t>
+              <a:t>Starting stopped container</a:t>
             </a:r>
             <a:endParaRPr lang="en-US" sz="2940" b="0">
               <a:solidFill>
@@ -15401,8 +16893,8 @@
         </p:nvSpPr>
         <p:spPr>
           <a:xfrm>
-            <a:off x="311785" y="831850"/>
-            <a:ext cx="8520430" cy="2052955"/>
+            <a:off x="311785" y="3627120"/>
+            <a:ext cx="8520430" cy="941705"/>
           </a:xfrm>
           <a:prstGeom prst="rect">
             <a:avLst/>
@@ -15410,10 +16902,11 @@
         </p:spPr>
         <p:txBody>
           <a:bodyPr spcFirstLastPara="1" wrap="square" lIns="91425" tIns="91425" rIns="91425" bIns="91425" anchor="t" anchorCtr="0">
-            <a:normAutofit lnSpcReduction="10000"/>
+            <a:normAutofit/>
           </a:bodyPr>
-          <a:p>
-            <a:pPr marL="114300" lvl="0" indent="0" algn="l" rtl="0">
+          <a:lstStyle/>
+          <a:p>
+            <a:pPr marL="457200" lvl="0" indent="-342900" algn="l" rtl="0">
               <a:spcBef>
                 <a:spcPts val="0"/>
               </a:spcBef>
@@ -15421,34 +16914,13 @@
                 <a:spcPts val="0"/>
               </a:spcAft>
               <a:buSzPts val="1800"/>
-              <a:buNone/>
+              <a:buChar char="+"/>
             </a:pPr>
             <a:r>
               <a:rPr lang="en-US" altLang="en-GB" b="1">
                 <a:sym typeface="+mn-ea"/>
               </a:rPr>
-              <a:t>&gt;&gt; docker exec -it &lt;container_id&gt; sh</a:t>
-            </a:r>
-            <a:endParaRPr lang="en-US" altLang="en-GB" b="1">
-              <a:sym typeface="+mn-ea"/>
-            </a:endParaRPr>
-          </a:p>
-          <a:p>
-            <a:pPr marL="457200" lvl="0" indent="-342900" algn="l" rtl="0">
-              <a:spcBef>
-                <a:spcPts val="0"/>
-              </a:spcBef>
-              <a:spcAft>
-                <a:spcPts val="0"/>
-              </a:spcAft>
-              <a:buSzPts val="1800"/>
-              <a:buChar char="+"/>
-            </a:pPr>
-            <a:r>
-              <a:rPr lang="en-US" altLang="en-GB" b="1">
-                <a:sym typeface="+mn-ea"/>
-              </a:rPr>
-              <a:t>open a Command Prompt to execute some command</a:t>
+              <a:t>Status = exited, mean it’s instance till exist in the cache, so we can recall it by using its ID</a:t>
             </a:r>
             <a:endParaRPr lang="en-US" b="1">
               <a:solidFill>
@@ -15474,8 +16946,8 @@
         </p:blipFill>
         <p:spPr>
           <a:xfrm>
-            <a:off x="1980565" y="2148840"/>
-            <a:ext cx="4569460" cy="2492375"/>
+            <a:off x="429260" y="890905"/>
+            <a:ext cx="8286115" cy="2677160"/>
           </a:xfrm>
           <a:prstGeom prst="rect">
             <a:avLst/>
@@ -15542,7 +17014,7 @@
             </a:pPr>
             <a:r>
               <a:rPr lang="en-US" sz="2940"/>
-              <a:t>Getting a Command Prompt in a Container</a:t>
+              <a:t>Starting stopped container</a:t>
             </a:r>
             <a:endParaRPr lang="en-US" sz="2940" b="0">
               <a:solidFill>
@@ -15552,97 +17024,9 @@
           </a:p>
         </p:txBody>
       </p:sp>
-      <p:sp>
-        <p:nvSpPr>
-          <p:cNvPr id="79" name="Google Shape;79;p15"/>
-          <p:cNvSpPr txBox="1"/>
-          <p:nvPr>
-            <p:ph type="body" idx="1"/>
-          </p:nvPr>
-        </p:nvSpPr>
-        <p:spPr>
-          <a:xfrm>
-            <a:off x="311785" y="831850"/>
-            <a:ext cx="8520430" cy="2052955"/>
-          </a:xfrm>
-          <a:prstGeom prst="rect">
-            <a:avLst/>
-          </a:prstGeom>
-        </p:spPr>
-        <p:txBody>
-          <a:bodyPr spcFirstLastPara="1" wrap="square" lIns="91425" tIns="91425" rIns="91425" bIns="91425" anchor="t" anchorCtr="0">
-            <a:normAutofit lnSpcReduction="10000"/>
-          </a:bodyPr>
-          <a:p>
-            <a:pPr marL="114300" lvl="0" indent="0" algn="l" rtl="0">
-              <a:spcBef>
-                <a:spcPts val="0"/>
-              </a:spcBef>
-              <a:spcAft>
-                <a:spcPts val="0"/>
-              </a:spcAft>
-              <a:buSzPts val="1800"/>
-              <a:buNone/>
-            </a:pPr>
-            <a:r>
-              <a:rPr lang="en-US" altLang="en-GB" b="1">
-                <a:sym typeface="+mn-ea"/>
-              </a:rPr>
-              <a:t>&gt;&gt; sh</a:t>
-            </a:r>
-            <a:endParaRPr lang="en-US" altLang="en-GB" b="1">
-              <a:sym typeface="+mn-ea"/>
-            </a:endParaRPr>
-          </a:p>
-          <a:p>
-            <a:pPr marL="457200" lvl="0" indent="-342900" algn="l" rtl="0">
-              <a:spcBef>
-                <a:spcPts val="0"/>
-              </a:spcBef>
-              <a:spcAft>
-                <a:spcPts val="0"/>
-              </a:spcAft>
-              <a:buSzPts val="1800"/>
-              <a:buChar char="+"/>
-            </a:pPr>
-            <a:r>
-              <a:rPr lang="en-US" altLang="en-GB" b="1">
-                <a:sym typeface="+mn-ea"/>
-              </a:rPr>
-              <a:t>Is a name of 	a program and it’s a program that has been executed inside of that container</a:t>
-            </a:r>
-            <a:endParaRPr lang="en-US" altLang="en-GB" b="1">
-              <a:sym typeface="+mn-ea"/>
-            </a:endParaRPr>
-          </a:p>
-          <a:p>
-            <a:pPr marL="457200" lvl="0" indent="-342900" algn="l" rtl="0">
-              <a:spcBef>
-                <a:spcPts val="0"/>
-              </a:spcBef>
-              <a:spcAft>
-                <a:spcPts val="0"/>
-              </a:spcAft>
-              <a:buSzPts val="1800"/>
-              <a:buChar char="+"/>
-            </a:pPr>
-            <a:r>
-              <a:rPr lang="en-US" altLang="en-GB" b="1">
-                <a:sym typeface="+mn-ea"/>
-              </a:rPr>
-              <a:t>Open a Command Prompt to execute some command inside a container</a:t>
-            </a:r>
-            <a:endParaRPr lang="en-US" b="1">
-              <a:solidFill>
-                <a:srgbClr val="B45F06"/>
-              </a:solidFill>
-            </a:endParaRPr>
-          </a:p>
-        </p:txBody>
-      </p:sp>
       <p:pic>
         <p:nvPicPr>
-          <p:cNvPr id="3" name="Picture 2"/>
+          <p:cNvPr id="2" name="Picture 1"/>
           <p:cNvPicPr>
             <a:picLocks noChangeAspect="1"/>
           </p:cNvPicPr>
@@ -15656,14 +17040,30 @@
         </p:blipFill>
         <p:spPr>
           <a:xfrm>
-            <a:off x="1933575" y="2790190"/>
-            <a:ext cx="5276850" cy="1971675"/>
+            <a:off x="1435735" y="831215"/>
+            <a:ext cx="6272530" cy="3705860"/>
           </a:xfrm>
           <a:prstGeom prst="rect">
             <a:avLst/>
           </a:prstGeom>
         </p:spPr>
       </p:pic>
+      <p:sp>
+        <p:nvSpPr>
+          <p:cNvPr id="3" name="Text Placeholder 2"/>
+          <p:cNvSpPr/>
+          <p:nvPr>
+            <p:ph type="body" idx="1"/>
+          </p:nvPr>
+        </p:nvSpPr>
+        <p:spPr/>
+        <p:txBody>
+          <a:bodyPr/>
+          <a:p>
+            <a:endParaRPr lang="en-US"/>
+          </a:p>
+        </p:txBody>
+      </p:sp>
     </p:spTree>
   </p:cSld>
   <p:clrMapOvr>
@@ -15724,7 +17124,7 @@
             </a:pPr>
             <a:r>
               <a:rPr lang="en-US" sz="2940"/>
-              <a:t>Starting with a Shell</a:t>
+              <a:t>Removing stopped container</a:t>
             </a:r>
             <a:endParaRPr lang="en-US" sz="2940" b="0">
               <a:solidFill>
@@ -15744,8 +17144,8 @@
         </p:nvSpPr>
         <p:spPr>
           <a:xfrm>
-            <a:off x="311785" y="831850"/>
-            <a:ext cx="8520430" cy="2052955"/>
+            <a:off x="311785" y="3975735"/>
+            <a:ext cx="8213725" cy="840105"/>
           </a:xfrm>
           <a:prstGeom prst="rect">
             <a:avLst/>
@@ -15753,7 +17153,7 @@
         </p:spPr>
         <p:txBody>
           <a:bodyPr spcFirstLastPara="1" wrap="square" lIns="91425" tIns="91425" rIns="91425" bIns="91425" anchor="t" anchorCtr="0">
-            <a:normAutofit lnSpcReduction="10000"/>
+            <a:normAutofit fontScale="90000"/>
           </a:bodyPr>
           <a:p>
             <a:pPr marL="114300" lvl="0" indent="0" algn="l" rtl="0">
@@ -15770,14 +17170,14 @@
               <a:rPr lang="en-US" altLang="en-GB" b="1">
                 <a:sym typeface="+mn-ea"/>
               </a:rPr>
-              <a:t>&gt;&gt; docker run &lt;image_name&gt; --it sh</a:t>
+              <a:t>docker system prune</a:t>
             </a:r>
             <a:endParaRPr lang="en-US" altLang="en-GB" b="1">
               <a:sym typeface="+mn-ea"/>
             </a:endParaRPr>
           </a:p>
           <a:p>
-            <a:pPr marL="457200" lvl="0" indent="-342900" algn="l" rtl="0">
+            <a:pPr marL="114300" lvl="0" indent="0" algn="l" rtl="0">
               <a:spcBef>
                 <a:spcPts val="0"/>
               </a:spcBef>
@@ -15785,13 +17185,13 @@
                 <a:spcPts val="0"/>
               </a:spcAft>
               <a:buSzPts val="1800"/>
-              <a:buChar char="+"/>
+              <a:buNone/>
             </a:pPr>
             <a:r>
               <a:rPr lang="en-US" altLang="en-GB" b="1">
                 <a:sym typeface="+mn-ea"/>
               </a:rPr>
-              <a:t>Start a new shell when run new container</a:t>
+              <a:t>=&gt; remove all stopped containers, cache and redownload images from docker hub</a:t>
             </a:r>
             <a:endParaRPr lang="en-US" b="1">
               <a:solidFill>
@@ -15803,7 +17203,7 @@
       </p:sp>
       <p:pic>
         <p:nvPicPr>
-          <p:cNvPr id="2" name="Picture 1"/>
+          <p:cNvPr id="5" name="Picture 4"/>
           <p:cNvPicPr>
             <a:picLocks noChangeAspect="1"/>
           </p:cNvPicPr>
@@ -15817,8 +17217,8 @@
         </p:blipFill>
         <p:spPr>
           <a:xfrm>
-            <a:off x="2071370" y="1809750"/>
-            <a:ext cx="5000625" cy="2543175"/>
+            <a:off x="1257935" y="812800"/>
+            <a:ext cx="6320790" cy="3105150"/>
           </a:xfrm>
           <a:prstGeom prst="rect">
             <a:avLst/>
@@ -15885,11 +17285,78 @@
             </a:pPr>
             <a:r>
               <a:rPr lang="en-US" sz="2940"/>
-              <a:t>Starting with a Shell</a:t>
+              <a:t>Retrieving log Outputs</a:t>
             </a:r>
             <a:endParaRPr lang="en-US" sz="2940" b="0">
               <a:solidFill>
                 <a:srgbClr val="3D85C6"/>
+              </a:solidFill>
+            </a:endParaRPr>
+          </a:p>
+        </p:txBody>
+      </p:sp>
+      <p:sp>
+        <p:nvSpPr>
+          <p:cNvPr id="79" name="Google Shape;79;p15"/>
+          <p:cNvSpPr txBox="1"/>
+          <p:nvPr>
+            <p:ph type="body" idx="1"/>
+          </p:nvPr>
+        </p:nvSpPr>
+        <p:spPr>
+          <a:xfrm>
+            <a:off x="311785" y="3763645"/>
+            <a:ext cx="8213725" cy="1052195"/>
+          </a:xfrm>
+          <a:prstGeom prst="rect">
+            <a:avLst/>
+          </a:prstGeom>
+        </p:spPr>
+        <p:txBody>
+          <a:bodyPr spcFirstLastPara="1" wrap="square" lIns="91425" tIns="91425" rIns="91425" bIns="91425" anchor="t" anchorCtr="0">
+            <a:normAutofit fontScale="90000"/>
+          </a:bodyPr>
+          <a:p>
+            <a:pPr marL="114300" lvl="0" indent="0" algn="l" rtl="0">
+              <a:spcBef>
+                <a:spcPts val="0"/>
+              </a:spcBef>
+              <a:spcAft>
+                <a:spcPts val="0"/>
+              </a:spcAft>
+              <a:buSzPts val="1800"/>
+              <a:buNone/>
+            </a:pPr>
+            <a:r>
+              <a:rPr lang="en-US" altLang="en-GB" b="1">
+                <a:sym typeface="+mn-ea"/>
+              </a:rPr>
+              <a:t>docker logs &lt;&lt;container_id&gt;&gt;</a:t>
+            </a:r>
+            <a:endParaRPr lang="en-US" altLang="en-GB" b="1">
+              <a:sym typeface="+mn-ea"/>
+            </a:endParaRPr>
+          </a:p>
+          <a:p>
+            <a:pPr marL="114300" lvl="0" indent="0" algn="l" rtl="0">
+              <a:spcBef>
+                <a:spcPts val="0"/>
+              </a:spcBef>
+              <a:spcAft>
+                <a:spcPts val="0"/>
+              </a:spcAft>
+              <a:buSzPts val="1800"/>
+              <a:buNone/>
+            </a:pPr>
+            <a:r>
+              <a:rPr lang="en-US" altLang="en-GB" b="1">
+                <a:sym typeface="+mn-ea"/>
+              </a:rPr>
+              <a:t>=&gt; With this command, we don’t re-run the container again. It only emitted what it works</a:t>
+            </a:r>
+            <a:endParaRPr lang="en-US" b="1">
+              <a:solidFill>
+                <a:srgbClr val="B45F06"/>
               </a:solidFill>
             </a:endParaRPr>
           </a:p>
@@ -15911,32 +17378,8 @@
         </p:blipFill>
         <p:spPr>
           <a:xfrm>
-            <a:off x="5570220" y="831215"/>
-            <a:ext cx="3373755" cy="3197860"/>
-          </a:xfrm>
-          <a:prstGeom prst="rect">
-            <a:avLst/>
-          </a:prstGeom>
-        </p:spPr>
-      </p:pic>
-      <p:pic>
-        <p:nvPicPr>
-          <p:cNvPr id="4" name="Picture 3"/>
-          <p:cNvPicPr>
-            <a:picLocks noChangeAspect="1"/>
-          </p:cNvPicPr>
-          <p:nvPr/>
-        </p:nvPicPr>
-        <p:blipFill>
-          <a:blip r:embed="rId2"/>
-          <a:stretch>
-            <a:fillRect/>
-          </a:stretch>
-        </p:blipFill>
-        <p:spPr>
-          <a:xfrm>
-            <a:off x="311785" y="1017905"/>
-            <a:ext cx="5206365" cy="2823845"/>
+            <a:off x="723900" y="907415"/>
+            <a:ext cx="7696200" cy="2390775"/>
           </a:xfrm>
           <a:prstGeom prst="rect">
             <a:avLst/>
@@ -16091,7 +17534,7 @@
   <p:cSld>
     <p:spTree>
       <p:nvGrpSpPr>
-        <p:cNvPr id="450" name="Shape 450"/>
+        <p:cNvPr id="77" name="Shape 77"/>
         <p:cNvGrpSpPr/>
         <p:nvPr/>
       </p:nvGrpSpPr>
@@ -16105,7 +17548,7 @@
       </p:grpSpPr>
       <p:sp>
         <p:nvSpPr>
-          <p:cNvPr id="451" name="Google Shape;451;p61"/>
+          <p:cNvPr id="78" name="Google Shape;78;p15"/>
           <p:cNvSpPr txBox="1"/>
           <p:nvPr>
             <p:ph type="title"/>
@@ -16113,36 +17556,1619 @@
         </p:nvSpPr>
         <p:spPr>
           <a:xfrm>
-            <a:off x="311700" y="814800"/>
-            <a:ext cx="8571300" cy="942000"/>
+            <a:off x="311700" y="123715"/>
+            <a:ext cx="8520600" cy="707400"/>
           </a:xfrm>
           <a:prstGeom prst="rect">
             <a:avLst/>
           </a:prstGeom>
         </p:spPr>
         <p:txBody>
-          <a:bodyPr spcFirstLastPara="1" wrap="square" lIns="91425" tIns="91425" rIns="91425" bIns="91425" anchor="ctr" anchorCtr="0">
+          <a:bodyPr spcFirstLastPara="1" wrap="square" lIns="91425" tIns="91425" rIns="91425" bIns="91425" anchor="t" anchorCtr="0">
             <a:normAutofit/>
           </a:bodyPr>
           <a:lstStyle/>
           <a:p>
-            <a:pPr marL="0" lvl="0" indent="0" algn="ctr" rtl="0">
-              <a:spcBef>
-                <a:spcPts val="0"/>
-              </a:spcBef>
-              <a:spcAft>
-                <a:spcPts val="0"/>
-              </a:spcAft>
+            <a:pPr marL="0" lvl="0" indent="0" algn="l" rtl="0">
+              <a:spcBef>
+                <a:spcPts val="0"/>
+              </a:spcBef>
+              <a:spcAft>
+                <a:spcPts val="0"/>
+              </a:spcAft>
+              <a:buSzPts val="990"/>
               <a:buNone/>
             </a:pPr>
             <a:r>
-              <a:rPr lang="en-GB"/>
-              <a:t>THANKS FOR LISTENING</a:t>
+              <a:rPr lang="en-US" sz="2940"/>
+              <a:t>Retrieving log Outputs</a:t>
             </a:r>
-            <a:endParaRPr lang="en-GB"/>
+            <a:endParaRPr lang="en-US" sz="2940" b="0">
+              <a:solidFill>
+                <a:srgbClr val="3D85C6"/>
+              </a:solidFill>
+            </a:endParaRPr>
           </a:p>
         </p:txBody>
       </p:sp>
+      <p:sp>
+        <p:nvSpPr>
+          <p:cNvPr id="79" name="Google Shape;79;p15"/>
+          <p:cNvSpPr txBox="1"/>
+          <p:nvPr>
+            <p:ph type="body" idx="1"/>
+          </p:nvPr>
+        </p:nvSpPr>
+        <p:spPr>
+          <a:xfrm>
+            <a:off x="311785" y="3763645"/>
+            <a:ext cx="8213725" cy="1052195"/>
+          </a:xfrm>
+          <a:prstGeom prst="rect">
+            <a:avLst/>
+          </a:prstGeom>
+        </p:spPr>
+        <p:txBody>
+          <a:bodyPr spcFirstLastPara="1" wrap="square" lIns="91425" tIns="91425" rIns="91425" bIns="91425" anchor="t" anchorCtr="0">
+            <a:normAutofit fontScale="90000"/>
+          </a:bodyPr>
+          <a:p>
+            <a:pPr marL="114300" lvl="0" indent="0" algn="l" rtl="0">
+              <a:spcBef>
+                <a:spcPts val="0"/>
+              </a:spcBef>
+              <a:spcAft>
+                <a:spcPts val="0"/>
+              </a:spcAft>
+              <a:buSzPts val="1800"/>
+              <a:buNone/>
+            </a:pPr>
+            <a:r>
+              <a:rPr lang="en-US" altLang="en-GB" b="1">
+                <a:sym typeface="+mn-ea"/>
+              </a:rPr>
+              <a:t>docker logs &lt;&lt;container_id&gt;&gt;</a:t>
+            </a:r>
+            <a:endParaRPr lang="en-US" altLang="en-GB" b="1">
+              <a:sym typeface="+mn-ea"/>
+            </a:endParaRPr>
+          </a:p>
+          <a:p>
+            <a:pPr marL="114300" lvl="0" indent="0" algn="l" rtl="0">
+              <a:spcBef>
+                <a:spcPts val="0"/>
+              </a:spcBef>
+              <a:spcAft>
+                <a:spcPts val="0"/>
+              </a:spcAft>
+              <a:buSzPts val="1800"/>
+              <a:buNone/>
+            </a:pPr>
+            <a:r>
+              <a:rPr lang="en-US" altLang="en-GB" b="1">
+                <a:sym typeface="+mn-ea"/>
+              </a:rPr>
+              <a:t>=&gt; With this command, we don’t re-run the container again. It only emitted what it works</a:t>
+            </a:r>
+            <a:endParaRPr lang="en-US" b="1">
+              <a:solidFill>
+                <a:srgbClr val="B45F06"/>
+              </a:solidFill>
+            </a:endParaRPr>
+          </a:p>
+        </p:txBody>
+      </p:sp>
+      <p:pic>
+        <p:nvPicPr>
+          <p:cNvPr id="2" name="Picture 1"/>
+          <p:cNvPicPr>
+            <a:picLocks noChangeAspect="1"/>
+          </p:cNvPicPr>
+          <p:nvPr/>
+        </p:nvPicPr>
+        <p:blipFill>
+          <a:blip r:embed="rId1"/>
+          <a:stretch>
+            <a:fillRect/>
+          </a:stretch>
+        </p:blipFill>
+        <p:spPr>
+          <a:xfrm>
+            <a:off x="723900" y="907415"/>
+            <a:ext cx="7696200" cy="2390775"/>
+          </a:xfrm>
+          <a:prstGeom prst="rect">
+            <a:avLst/>
+          </a:prstGeom>
+        </p:spPr>
+      </p:pic>
+    </p:spTree>
+  </p:cSld>
+  <p:clrMapOvr>
+    <a:masterClrMapping/>
+  </p:clrMapOvr>
+</p:sld>
+</file>
+
+<file path=ppt/slides/slide41.xml><?xml version="1.0" encoding="utf-8"?>
+<p:sld xmlns:a="http://schemas.openxmlformats.org/drawingml/2006/main" xmlns:r="http://schemas.openxmlformats.org/officeDocument/2006/relationships" xmlns:p="http://schemas.openxmlformats.org/presentationml/2006/main">
+  <p:cSld>
+    <p:spTree>
+      <p:nvGrpSpPr>
+        <p:cNvPr id="77" name="Shape 77"/>
+        <p:cNvGrpSpPr/>
+        <p:nvPr/>
+      </p:nvGrpSpPr>
+      <p:grpSpPr>
+        <a:xfrm>
+          <a:off x="0" y="0"/>
+          <a:ext cx="0" cy="0"/>
+          <a:chOff x="0" y="0"/>
+          <a:chExt cx="0" cy="0"/>
+        </a:xfrm>
+      </p:grpSpPr>
+      <p:sp>
+        <p:nvSpPr>
+          <p:cNvPr id="78" name="Google Shape;78;p15"/>
+          <p:cNvSpPr txBox="1"/>
+          <p:nvPr>
+            <p:ph type="title"/>
+          </p:nvPr>
+        </p:nvSpPr>
+        <p:spPr>
+          <a:xfrm>
+            <a:off x="311700" y="123715"/>
+            <a:ext cx="8520600" cy="707400"/>
+          </a:xfrm>
+          <a:prstGeom prst="rect">
+            <a:avLst/>
+          </a:prstGeom>
+        </p:spPr>
+        <p:txBody>
+          <a:bodyPr spcFirstLastPara="1" wrap="square" lIns="91425" tIns="91425" rIns="91425" bIns="91425" anchor="t" anchorCtr="0">
+            <a:normAutofit/>
+          </a:bodyPr>
+          <a:lstStyle/>
+          <a:p>
+            <a:pPr marL="0" lvl="0" indent="0" algn="l" rtl="0">
+              <a:spcBef>
+                <a:spcPts val="0"/>
+              </a:spcBef>
+              <a:spcAft>
+                <a:spcPts val="0"/>
+              </a:spcAft>
+              <a:buSzPts val="990"/>
+              <a:buNone/>
+            </a:pPr>
+            <a:r>
+              <a:rPr lang="en-US" sz="2940"/>
+              <a:t>Stopping container</a:t>
+            </a:r>
+            <a:endParaRPr lang="en-US" sz="2940" b="0">
+              <a:solidFill>
+                <a:srgbClr val="3D85C6"/>
+              </a:solidFill>
+            </a:endParaRPr>
+          </a:p>
+        </p:txBody>
+      </p:sp>
+      <p:sp>
+        <p:nvSpPr>
+          <p:cNvPr id="79" name="Google Shape;79;p15"/>
+          <p:cNvSpPr txBox="1"/>
+          <p:nvPr>
+            <p:ph type="body" idx="1"/>
+          </p:nvPr>
+        </p:nvSpPr>
+        <p:spPr>
+          <a:xfrm>
+            <a:off x="311785" y="831215"/>
+            <a:ext cx="8243570" cy="3984625"/>
+          </a:xfrm>
+          <a:prstGeom prst="rect">
+            <a:avLst/>
+          </a:prstGeom>
+        </p:spPr>
+        <p:txBody>
+          <a:bodyPr spcFirstLastPara="1" wrap="square" lIns="91425" tIns="91425" rIns="91425" bIns="91425" anchor="t" anchorCtr="0">
+            <a:normAutofit/>
+          </a:bodyPr>
+          <a:p>
+            <a:pPr marL="114300" lvl="0" indent="0" algn="l" rtl="0">
+              <a:spcBef>
+                <a:spcPts val="0"/>
+              </a:spcBef>
+              <a:spcAft>
+                <a:spcPts val="0"/>
+              </a:spcAft>
+              <a:buSzPts val="1800"/>
+              <a:buNone/>
+            </a:pPr>
+            <a:r>
+              <a:rPr lang="en-US" altLang="en-GB" b="1">
+                <a:sym typeface="+mn-ea"/>
+              </a:rPr>
+              <a:t>First, create, run and view log of the container </a:t>
+            </a:r>
+            <a:endParaRPr lang="en-US" b="1">
+              <a:solidFill>
+                <a:srgbClr val="B45F06"/>
+              </a:solidFill>
+            </a:endParaRPr>
+          </a:p>
+        </p:txBody>
+      </p:sp>
+      <p:pic>
+        <p:nvPicPr>
+          <p:cNvPr id="4" name="Picture 3"/>
+          <p:cNvPicPr>
+            <a:picLocks noChangeAspect="1"/>
+          </p:cNvPicPr>
+          <p:nvPr/>
+        </p:nvPicPr>
+        <p:blipFill>
+          <a:blip r:embed="rId1"/>
+          <a:stretch>
+            <a:fillRect/>
+          </a:stretch>
+        </p:blipFill>
+        <p:spPr>
+          <a:xfrm>
+            <a:off x="1485900" y="1371600"/>
+            <a:ext cx="6172835" cy="3233420"/>
+          </a:xfrm>
+          <a:prstGeom prst="rect">
+            <a:avLst/>
+          </a:prstGeom>
+        </p:spPr>
+      </p:pic>
+    </p:spTree>
+  </p:cSld>
+  <p:clrMapOvr>
+    <a:masterClrMapping/>
+  </p:clrMapOvr>
+</p:sld>
+</file>
+
+<file path=ppt/slides/slide42.xml><?xml version="1.0" encoding="utf-8"?>
+<p:sld xmlns:a="http://schemas.openxmlformats.org/drawingml/2006/main" xmlns:r="http://schemas.openxmlformats.org/officeDocument/2006/relationships" xmlns:p="http://schemas.openxmlformats.org/presentationml/2006/main">
+  <p:cSld>
+    <p:spTree>
+      <p:nvGrpSpPr>
+        <p:cNvPr id="77" name="Shape 77"/>
+        <p:cNvGrpSpPr/>
+        <p:nvPr/>
+      </p:nvGrpSpPr>
+      <p:grpSpPr>
+        <a:xfrm>
+          <a:off x="0" y="0"/>
+          <a:ext cx="0" cy="0"/>
+          <a:chOff x="0" y="0"/>
+          <a:chExt cx="0" cy="0"/>
+        </a:xfrm>
+      </p:grpSpPr>
+      <p:sp>
+        <p:nvSpPr>
+          <p:cNvPr id="78" name="Google Shape;78;p15"/>
+          <p:cNvSpPr txBox="1"/>
+          <p:nvPr>
+            <p:ph type="title"/>
+          </p:nvPr>
+        </p:nvSpPr>
+        <p:spPr>
+          <a:xfrm>
+            <a:off x="311700" y="123715"/>
+            <a:ext cx="8520600" cy="707400"/>
+          </a:xfrm>
+          <a:prstGeom prst="rect">
+            <a:avLst/>
+          </a:prstGeom>
+        </p:spPr>
+        <p:txBody>
+          <a:bodyPr spcFirstLastPara="1" wrap="square" lIns="91425" tIns="91425" rIns="91425" bIns="91425" anchor="t" anchorCtr="0">
+            <a:normAutofit/>
+          </a:bodyPr>
+          <a:lstStyle/>
+          <a:p>
+            <a:pPr marL="0" lvl="0" indent="0" algn="l" rtl="0">
+              <a:spcBef>
+                <a:spcPts val="0"/>
+              </a:spcBef>
+              <a:spcAft>
+                <a:spcPts val="0"/>
+              </a:spcAft>
+              <a:buSzPts val="990"/>
+              <a:buNone/>
+            </a:pPr>
+            <a:r>
+              <a:rPr lang="en-US" sz="2940"/>
+              <a:t>Stopping container</a:t>
+            </a:r>
+            <a:endParaRPr lang="en-US" sz="2940" b="0">
+              <a:solidFill>
+                <a:srgbClr val="3D85C6"/>
+              </a:solidFill>
+            </a:endParaRPr>
+          </a:p>
+        </p:txBody>
+      </p:sp>
+      <p:pic>
+        <p:nvPicPr>
+          <p:cNvPr id="2" name="Picture 1"/>
+          <p:cNvPicPr>
+            <a:picLocks noChangeAspect="1"/>
+          </p:cNvPicPr>
+          <p:nvPr/>
+        </p:nvPicPr>
+        <p:blipFill>
+          <a:blip r:embed="rId1"/>
+          <a:stretch>
+            <a:fillRect/>
+          </a:stretch>
+        </p:blipFill>
+        <p:spPr>
+          <a:xfrm>
+            <a:off x="2097405" y="858520"/>
+            <a:ext cx="4250690" cy="1116965"/>
+          </a:xfrm>
+          <a:prstGeom prst="rect">
+            <a:avLst/>
+          </a:prstGeom>
+        </p:spPr>
+      </p:pic>
+      <p:pic>
+        <p:nvPicPr>
+          <p:cNvPr id="4" name="Picture 3"/>
+          <p:cNvPicPr>
+            <a:picLocks noChangeAspect="1"/>
+          </p:cNvPicPr>
+          <p:nvPr/>
+        </p:nvPicPr>
+        <p:blipFill>
+          <a:blip r:embed="rId2"/>
+          <a:stretch>
+            <a:fillRect/>
+          </a:stretch>
+        </p:blipFill>
+        <p:spPr>
+          <a:xfrm>
+            <a:off x="721360" y="1877695"/>
+            <a:ext cx="7002780" cy="2905760"/>
+          </a:xfrm>
+          <a:prstGeom prst="rect">
+            <a:avLst/>
+          </a:prstGeom>
+        </p:spPr>
+      </p:pic>
+    </p:spTree>
+  </p:cSld>
+  <p:clrMapOvr>
+    <a:masterClrMapping/>
+  </p:clrMapOvr>
+</p:sld>
+</file>
+
+<file path=ppt/slides/slide43.xml><?xml version="1.0" encoding="utf-8"?>
+<p:sld xmlns:a="http://schemas.openxmlformats.org/drawingml/2006/main" xmlns:r="http://schemas.openxmlformats.org/officeDocument/2006/relationships" xmlns:p="http://schemas.openxmlformats.org/presentationml/2006/main">
+  <p:cSld>
+    <p:spTree>
+      <p:nvGrpSpPr>
+        <p:cNvPr id="77" name="Shape 77"/>
+        <p:cNvGrpSpPr/>
+        <p:nvPr/>
+      </p:nvGrpSpPr>
+      <p:grpSpPr>
+        <a:xfrm>
+          <a:off x="0" y="0"/>
+          <a:ext cx="0" cy="0"/>
+          <a:chOff x="0" y="0"/>
+          <a:chExt cx="0" cy="0"/>
+        </a:xfrm>
+      </p:grpSpPr>
+      <p:sp>
+        <p:nvSpPr>
+          <p:cNvPr id="78" name="Google Shape;78;p15"/>
+          <p:cNvSpPr txBox="1"/>
+          <p:nvPr>
+            <p:ph type="title"/>
+          </p:nvPr>
+        </p:nvSpPr>
+        <p:spPr>
+          <a:xfrm>
+            <a:off x="311700" y="123715"/>
+            <a:ext cx="8520600" cy="707400"/>
+          </a:xfrm>
+          <a:prstGeom prst="rect">
+            <a:avLst/>
+          </a:prstGeom>
+        </p:spPr>
+        <p:txBody>
+          <a:bodyPr spcFirstLastPara="1" wrap="square" lIns="91425" tIns="91425" rIns="91425" bIns="91425" anchor="t" anchorCtr="0">
+            <a:normAutofit/>
+          </a:bodyPr>
+          <a:lstStyle/>
+          <a:p>
+            <a:pPr marL="0" lvl="0" indent="0" algn="l" rtl="0">
+              <a:spcBef>
+                <a:spcPts val="0"/>
+              </a:spcBef>
+              <a:spcAft>
+                <a:spcPts val="0"/>
+              </a:spcAft>
+              <a:buSzPts val="990"/>
+              <a:buNone/>
+            </a:pPr>
+            <a:r>
+              <a:rPr lang="en-US" sz="2940"/>
+              <a:t>Stopping container</a:t>
+            </a:r>
+            <a:endParaRPr lang="en-US" sz="2940" b="0">
+              <a:solidFill>
+                <a:srgbClr val="3D85C6"/>
+              </a:solidFill>
+            </a:endParaRPr>
+          </a:p>
+        </p:txBody>
+      </p:sp>
+      <p:pic>
+        <p:nvPicPr>
+          <p:cNvPr id="2" name="Picture 1"/>
+          <p:cNvPicPr>
+            <a:picLocks noChangeAspect="1"/>
+          </p:cNvPicPr>
+          <p:nvPr/>
+        </p:nvPicPr>
+        <p:blipFill>
+          <a:blip r:embed="rId1"/>
+          <a:stretch>
+            <a:fillRect/>
+          </a:stretch>
+        </p:blipFill>
+        <p:spPr>
+          <a:xfrm>
+            <a:off x="311785" y="1607820"/>
+            <a:ext cx="8582025" cy="2362200"/>
+          </a:xfrm>
+          <a:prstGeom prst="rect">
+            <a:avLst/>
+          </a:prstGeom>
+        </p:spPr>
+      </p:pic>
+      <p:sp>
+        <p:nvSpPr>
+          <p:cNvPr id="79" name="Google Shape;79;p15"/>
+          <p:cNvSpPr txBox="1"/>
+          <p:nvPr>
+            <p:ph type="body" idx="1"/>
+          </p:nvPr>
+        </p:nvSpPr>
+        <p:spPr>
+          <a:xfrm>
+            <a:off x="311785" y="831850"/>
+            <a:ext cx="8520430" cy="3736975"/>
+          </a:xfrm>
+          <a:prstGeom prst="rect">
+            <a:avLst/>
+          </a:prstGeom>
+        </p:spPr>
+        <p:txBody>
+          <a:bodyPr spcFirstLastPara="1" wrap="square" lIns="91425" tIns="91425" rIns="91425" bIns="91425" anchor="t" anchorCtr="0">
+            <a:normAutofit lnSpcReduction="10000"/>
+          </a:bodyPr>
+          <a:p>
+            <a:pPr marL="114300" lvl="0" indent="0" algn="l" rtl="0">
+              <a:spcBef>
+                <a:spcPts val="0"/>
+              </a:spcBef>
+              <a:spcAft>
+                <a:spcPts val="0"/>
+              </a:spcAft>
+              <a:buSzPts val="1800"/>
+              <a:buNone/>
+            </a:pPr>
+            <a:r>
+              <a:rPr lang="en-US" altLang="en-GB" b="1">
+                <a:sym typeface="+mn-ea"/>
+              </a:rPr>
+              <a:t>&gt;&gt; docker stop &lt;container_id&gt;</a:t>
+            </a:r>
+            <a:endParaRPr lang="en-US" altLang="en-GB" b="1">
+              <a:sym typeface="+mn-ea"/>
+            </a:endParaRPr>
+          </a:p>
+          <a:p>
+            <a:pPr marL="457200" lvl="0" indent="-342900" algn="l" rtl="0">
+              <a:spcBef>
+                <a:spcPts val="0"/>
+              </a:spcBef>
+              <a:spcAft>
+                <a:spcPts val="0"/>
+              </a:spcAft>
+              <a:buSzPts val="1800"/>
+              <a:buChar char="+"/>
+            </a:pPr>
+            <a:r>
+              <a:rPr lang="en-US" altLang="en-GB" b="1">
+                <a:sym typeface="+mn-ea"/>
+              </a:rPr>
+              <a:t>Waiting for over 10 seconds to stop the container</a:t>
+            </a:r>
+            <a:endParaRPr lang="en-US" b="1">
+              <a:solidFill>
+                <a:srgbClr val="B45F06"/>
+              </a:solidFill>
+            </a:endParaRPr>
+          </a:p>
+        </p:txBody>
+      </p:sp>
+    </p:spTree>
+  </p:cSld>
+  <p:clrMapOvr>
+    <a:masterClrMapping/>
+  </p:clrMapOvr>
+</p:sld>
+</file>
+
+<file path=ppt/slides/slide44.xml><?xml version="1.0" encoding="utf-8"?>
+<p:sld xmlns:a="http://schemas.openxmlformats.org/drawingml/2006/main" xmlns:r="http://schemas.openxmlformats.org/officeDocument/2006/relationships" xmlns:p="http://schemas.openxmlformats.org/presentationml/2006/main">
+  <p:cSld>
+    <p:spTree>
+      <p:nvGrpSpPr>
+        <p:cNvPr id="77" name="Shape 77"/>
+        <p:cNvGrpSpPr/>
+        <p:nvPr/>
+      </p:nvGrpSpPr>
+      <p:grpSpPr>
+        <a:xfrm>
+          <a:off x="0" y="0"/>
+          <a:ext cx="0" cy="0"/>
+          <a:chOff x="0" y="0"/>
+          <a:chExt cx="0" cy="0"/>
+        </a:xfrm>
+      </p:grpSpPr>
+      <p:sp>
+        <p:nvSpPr>
+          <p:cNvPr id="78" name="Google Shape;78;p15"/>
+          <p:cNvSpPr txBox="1"/>
+          <p:nvPr>
+            <p:ph type="title"/>
+          </p:nvPr>
+        </p:nvSpPr>
+        <p:spPr>
+          <a:xfrm>
+            <a:off x="311700" y="123715"/>
+            <a:ext cx="8520600" cy="707400"/>
+          </a:xfrm>
+          <a:prstGeom prst="rect">
+            <a:avLst/>
+          </a:prstGeom>
+        </p:spPr>
+        <p:txBody>
+          <a:bodyPr spcFirstLastPara="1" wrap="square" lIns="91425" tIns="91425" rIns="91425" bIns="91425" anchor="t" anchorCtr="0">
+            <a:normAutofit/>
+          </a:bodyPr>
+          <a:lstStyle/>
+          <a:p>
+            <a:pPr marL="0" lvl="0" indent="0" algn="l" rtl="0">
+              <a:spcBef>
+                <a:spcPts val="0"/>
+              </a:spcBef>
+              <a:spcAft>
+                <a:spcPts val="0"/>
+              </a:spcAft>
+              <a:buSzPts val="990"/>
+              <a:buNone/>
+            </a:pPr>
+            <a:r>
+              <a:rPr lang="en-US" sz="2940"/>
+              <a:t>Stopping container</a:t>
+            </a:r>
+            <a:endParaRPr lang="en-US" sz="2940" b="0">
+              <a:solidFill>
+                <a:srgbClr val="3D85C6"/>
+              </a:solidFill>
+            </a:endParaRPr>
+          </a:p>
+        </p:txBody>
+      </p:sp>
+      <p:sp>
+        <p:nvSpPr>
+          <p:cNvPr id="79" name="Google Shape;79;p15"/>
+          <p:cNvSpPr txBox="1"/>
+          <p:nvPr>
+            <p:ph type="body" idx="1"/>
+          </p:nvPr>
+        </p:nvSpPr>
+        <p:spPr>
+          <a:xfrm>
+            <a:off x="311785" y="831850"/>
+            <a:ext cx="8268970" cy="3736975"/>
+          </a:xfrm>
+          <a:prstGeom prst="rect">
+            <a:avLst/>
+          </a:prstGeom>
+        </p:spPr>
+        <p:txBody>
+          <a:bodyPr spcFirstLastPara="1" wrap="square" lIns="91425" tIns="91425" rIns="91425" bIns="91425" anchor="t" anchorCtr="0">
+            <a:normAutofit lnSpcReduction="10000"/>
+          </a:bodyPr>
+          <a:p>
+            <a:pPr marL="457200" lvl="0" indent="-342900" algn="l" rtl="0">
+              <a:spcBef>
+                <a:spcPts val="0"/>
+              </a:spcBef>
+              <a:spcAft>
+                <a:spcPts val="0"/>
+              </a:spcAft>
+              <a:buSzPts val="1800"/>
+              <a:buChar char="+"/>
+            </a:pPr>
+            <a:r>
+              <a:rPr lang="en-US" altLang="en-GB" b="1">
+                <a:sym typeface="+mn-ea"/>
+              </a:rPr>
+              <a:t>Start container again and use kill command</a:t>
+            </a:r>
+            <a:endParaRPr lang="en-US" altLang="en-GB" b="1">
+              <a:sym typeface="+mn-ea"/>
+            </a:endParaRPr>
+          </a:p>
+          <a:p>
+            <a:pPr marL="114300" lvl="0" indent="0" algn="l" rtl="0">
+              <a:spcBef>
+                <a:spcPts val="0"/>
+              </a:spcBef>
+              <a:spcAft>
+                <a:spcPts val="0"/>
+              </a:spcAft>
+              <a:buSzPts val="1800"/>
+              <a:buNone/>
+            </a:pPr>
+            <a:r>
+              <a:rPr lang="en-US" altLang="en-GB" b="1">
+                <a:sym typeface="+mn-ea"/>
+              </a:rPr>
+              <a:t>&gt;&gt; docker kill &lt;container_id&gt;</a:t>
+            </a:r>
+            <a:endParaRPr lang="en-US" altLang="en-GB" b="1">
+              <a:sym typeface="+mn-ea"/>
+            </a:endParaRPr>
+          </a:p>
+          <a:p>
+            <a:pPr marL="457200" lvl="0" indent="-342900" algn="l" rtl="0">
+              <a:spcBef>
+                <a:spcPts val="0"/>
+              </a:spcBef>
+              <a:spcAft>
+                <a:spcPts val="0"/>
+              </a:spcAft>
+              <a:buSzPts val="1800"/>
+              <a:buChar char="+"/>
+            </a:pPr>
+            <a:r>
+              <a:rPr lang="en-US" altLang="en-GB" b="1">
+                <a:sym typeface="+mn-ea"/>
+              </a:rPr>
+              <a:t>Stop the container immediately</a:t>
+            </a:r>
+            <a:endParaRPr lang="en-US" b="1">
+              <a:solidFill>
+                <a:srgbClr val="B45F06"/>
+              </a:solidFill>
+            </a:endParaRPr>
+          </a:p>
+        </p:txBody>
+      </p:sp>
+      <p:pic>
+        <p:nvPicPr>
+          <p:cNvPr id="2" name="Picture 1"/>
+          <p:cNvPicPr>
+            <a:picLocks noChangeAspect="1"/>
+          </p:cNvPicPr>
+          <p:nvPr/>
+        </p:nvPicPr>
+        <p:blipFill>
+          <a:blip r:embed="rId1"/>
+          <a:stretch>
+            <a:fillRect/>
+          </a:stretch>
+        </p:blipFill>
+        <p:spPr>
+          <a:xfrm>
+            <a:off x="570230" y="1825625"/>
+            <a:ext cx="8010525" cy="2743200"/>
+          </a:xfrm>
+          <a:prstGeom prst="rect">
+            <a:avLst/>
+          </a:prstGeom>
+        </p:spPr>
+      </p:pic>
+    </p:spTree>
+  </p:cSld>
+  <p:clrMapOvr>
+    <a:masterClrMapping/>
+  </p:clrMapOvr>
+</p:sld>
+</file>
+
+<file path=ppt/slides/slide45.xml><?xml version="1.0" encoding="utf-8"?>
+<p:sld xmlns:a="http://schemas.openxmlformats.org/drawingml/2006/main" xmlns:r="http://schemas.openxmlformats.org/officeDocument/2006/relationships" xmlns:p="http://schemas.openxmlformats.org/presentationml/2006/main">
+  <p:cSld>
+    <p:spTree>
+      <p:nvGrpSpPr>
+        <p:cNvPr id="77" name="Shape 77"/>
+        <p:cNvGrpSpPr/>
+        <p:nvPr/>
+      </p:nvGrpSpPr>
+      <p:grpSpPr>
+        <a:xfrm>
+          <a:off x="0" y="0"/>
+          <a:ext cx="0" cy="0"/>
+          <a:chOff x="0" y="0"/>
+          <a:chExt cx="0" cy="0"/>
+        </a:xfrm>
+      </p:grpSpPr>
+      <p:sp>
+        <p:nvSpPr>
+          <p:cNvPr id="78" name="Google Shape;78;p15"/>
+          <p:cNvSpPr txBox="1"/>
+          <p:nvPr>
+            <p:ph type="title"/>
+          </p:nvPr>
+        </p:nvSpPr>
+        <p:spPr>
+          <a:xfrm>
+            <a:off x="311700" y="123715"/>
+            <a:ext cx="8520600" cy="707400"/>
+          </a:xfrm>
+          <a:prstGeom prst="rect">
+            <a:avLst/>
+          </a:prstGeom>
+        </p:spPr>
+        <p:txBody>
+          <a:bodyPr spcFirstLastPara="1" wrap="square" lIns="91425" tIns="91425" rIns="91425" bIns="91425" anchor="t" anchorCtr="0">
+            <a:normAutofit/>
+          </a:bodyPr>
+          <a:lstStyle/>
+          <a:p>
+            <a:pPr marL="0" lvl="0" indent="0" algn="l" rtl="0">
+              <a:spcBef>
+                <a:spcPts val="0"/>
+              </a:spcBef>
+              <a:spcAft>
+                <a:spcPts val="0"/>
+              </a:spcAft>
+              <a:buSzPts val="990"/>
+              <a:buNone/>
+            </a:pPr>
+            <a:r>
+              <a:rPr lang="en-US" sz="2940"/>
+              <a:t>Multi-Command container</a:t>
+            </a:r>
+            <a:endParaRPr lang="en-US" sz="2940" b="0">
+              <a:solidFill>
+                <a:srgbClr val="3D85C6"/>
+              </a:solidFill>
+            </a:endParaRPr>
+          </a:p>
+        </p:txBody>
+      </p:sp>
+      <p:sp>
+        <p:nvSpPr>
+          <p:cNvPr id="79" name="Google Shape;79;p15"/>
+          <p:cNvSpPr txBox="1"/>
+          <p:nvPr>
+            <p:ph type="body" idx="1"/>
+          </p:nvPr>
+        </p:nvSpPr>
+        <p:spPr>
+          <a:xfrm>
+            <a:off x="311785" y="831850"/>
+            <a:ext cx="8268970" cy="3736975"/>
+          </a:xfrm>
+          <a:prstGeom prst="rect">
+            <a:avLst/>
+          </a:prstGeom>
+        </p:spPr>
+        <p:txBody>
+          <a:bodyPr spcFirstLastPara="1" wrap="square" lIns="91425" tIns="91425" rIns="91425" bIns="91425" anchor="t" anchorCtr="0">
+            <a:normAutofit lnSpcReduction="10000"/>
+          </a:bodyPr>
+          <a:p>
+            <a:pPr marL="457200" lvl="0" indent="-342900" algn="l" rtl="0">
+              <a:spcBef>
+                <a:spcPts val="0"/>
+              </a:spcBef>
+              <a:spcAft>
+                <a:spcPts val="0"/>
+              </a:spcAft>
+              <a:buSzPts val="1800"/>
+              <a:buChar char="+"/>
+            </a:pPr>
+            <a:r>
+              <a:rPr lang="en-US" altLang="en-GB" b="1">
+                <a:sym typeface="+mn-ea"/>
+              </a:rPr>
+              <a:t>First, Settup redis on docker</a:t>
+            </a:r>
+            <a:endParaRPr lang="en-US" altLang="en-GB" b="1">
+              <a:sym typeface="+mn-ea"/>
+            </a:endParaRPr>
+          </a:p>
+          <a:p>
+            <a:pPr marL="114300" lvl="0" indent="0" algn="l" rtl="0">
+              <a:spcBef>
+                <a:spcPts val="0"/>
+              </a:spcBef>
+              <a:spcAft>
+                <a:spcPts val="0"/>
+              </a:spcAft>
+              <a:buSzPts val="1800"/>
+              <a:buNone/>
+            </a:pPr>
+            <a:r>
+              <a:rPr lang="en-US" altLang="en-GB" b="1">
+                <a:sym typeface="+mn-ea"/>
+              </a:rPr>
+              <a:t>&gt;&gt; docker run redis</a:t>
+            </a:r>
+            <a:endParaRPr lang="en-US" b="1">
+              <a:solidFill>
+                <a:srgbClr val="B45F06"/>
+              </a:solidFill>
+            </a:endParaRPr>
+          </a:p>
+        </p:txBody>
+      </p:sp>
+      <p:pic>
+        <p:nvPicPr>
+          <p:cNvPr id="2" name="Picture 1"/>
+          <p:cNvPicPr>
+            <a:picLocks noChangeAspect="1"/>
+          </p:cNvPicPr>
+          <p:nvPr/>
+        </p:nvPicPr>
+        <p:blipFill>
+          <a:blip r:embed="rId1"/>
+          <a:stretch>
+            <a:fillRect/>
+          </a:stretch>
+        </p:blipFill>
+        <p:spPr>
+          <a:xfrm>
+            <a:off x="976630" y="1978660"/>
+            <a:ext cx="6939280" cy="2514600"/>
+          </a:xfrm>
+          <a:prstGeom prst="rect">
+            <a:avLst/>
+          </a:prstGeom>
+        </p:spPr>
+      </p:pic>
+    </p:spTree>
+  </p:cSld>
+  <p:clrMapOvr>
+    <a:masterClrMapping/>
+  </p:clrMapOvr>
+</p:sld>
+</file>
+
+<file path=ppt/slides/slide46.xml><?xml version="1.0" encoding="utf-8"?>
+<p:sld xmlns:a="http://schemas.openxmlformats.org/drawingml/2006/main" xmlns:r="http://schemas.openxmlformats.org/officeDocument/2006/relationships" xmlns:p="http://schemas.openxmlformats.org/presentationml/2006/main">
+  <p:cSld>
+    <p:spTree>
+      <p:nvGrpSpPr>
+        <p:cNvPr id="77" name="Shape 77"/>
+        <p:cNvGrpSpPr/>
+        <p:nvPr/>
+      </p:nvGrpSpPr>
+      <p:grpSpPr>
+        <a:xfrm>
+          <a:off x="0" y="0"/>
+          <a:ext cx="0" cy="0"/>
+          <a:chOff x="0" y="0"/>
+          <a:chExt cx="0" cy="0"/>
+        </a:xfrm>
+      </p:grpSpPr>
+      <p:sp>
+        <p:nvSpPr>
+          <p:cNvPr id="78" name="Google Shape;78;p15"/>
+          <p:cNvSpPr txBox="1"/>
+          <p:nvPr>
+            <p:ph type="title"/>
+          </p:nvPr>
+        </p:nvSpPr>
+        <p:spPr>
+          <a:xfrm>
+            <a:off x="311700" y="123715"/>
+            <a:ext cx="8520600" cy="707400"/>
+          </a:xfrm>
+          <a:prstGeom prst="rect">
+            <a:avLst/>
+          </a:prstGeom>
+        </p:spPr>
+        <p:txBody>
+          <a:bodyPr spcFirstLastPara="1" wrap="square" lIns="91425" tIns="91425" rIns="91425" bIns="91425" anchor="t" anchorCtr="0">
+            <a:normAutofit/>
+          </a:bodyPr>
+          <a:lstStyle/>
+          <a:p>
+            <a:pPr marL="0" lvl="0" indent="0" algn="l" rtl="0">
+              <a:spcBef>
+                <a:spcPts val="0"/>
+              </a:spcBef>
+              <a:spcAft>
+                <a:spcPts val="0"/>
+              </a:spcAft>
+              <a:buSzPts val="990"/>
+              <a:buNone/>
+            </a:pPr>
+            <a:r>
+              <a:rPr lang="en-US" sz="2940"/>
+              <a:t>Multi-Command Container</a:t>
+            </a:r>
+            <a:endParaRPr lang="en-US" sz="2940" b="0">
+              <a:solidFill>
+                <a:srgbClr val="3D85C6"/>
+              </a:solidFill>
+            </a:endParaRPr>
+          </a:p>
+        </p:txBody>
+      </p:sp>
+      <p:sp>
+        <p:nvSpPr>
+          <p:cNvPr id="79" name="Google Shape;79;p15"/>
+          <p:cNvSpPr txBox="1"/>
+          <p:nvPr>
+            <p:ph type="body" idx="1"/>
+          </p:nvPr>
+        </p:nvSpPr>
+        <p:spPr>
+          <a:xfrm>
+            <a:off x="311785" y="831850"/>
+            <a:ext cx="4762500" cy="2052955"/>
+          </a:xfrm>
+          <a:prstGeom prst="rect">
+            <a:avLst/>
+          </a:prstGeom>
+        </p:spPr>
+        <p:txBody>
+          <a:bodyPr spcFirstLastPara="1" wrap="square" lIns="91425" tIns="91425" rIns="91425" bIns="91425" anchor="t" anchorCtr="0">
+            <a:normAutofit lnSpcReduction="10000"/>
+          </a:bodyPr>
+          <a:p>
+            <a:pPr marL="457200" lvl="0" indent="-342900" algn="l" rtl="0">
+              <a:spcBef>
+                <a:spcPts val="0"/>
+              </a:spcBef>
+              <a:spcAft>
+                <a:spcPts val="0"/>
+              </a:spcAft>
+              <a:buSzPts val="1800"/>
+              <a:buChar char="+"/>
+            </a:pPr>
+            <a:r>
+              <a:rPr lang="en-US" altLang="en-GB" b="1">
+                <a:sym typeface="+mn-ea"/>
+              </a:rPr>
+              <a:t>try to run redis-cli but it’s not working because the command run outside the container</a:t>
+            </a:r>
+            <a:endParaRPr lang="en-US" altLang="en-GB" b="1">
+              <a:sym typeface="+mn-ea"/>
+            </a:endParaRPr>
+          </a:p>
+          <a:p>
+            <a:pPr marL="114300" lvl="0" indent="0" algn="l" rtl="0">
+              <a:spcBef>
+                <a:spcPts val="0"/>
+              </a:spcBef>
+              <a:spcAft>
+                <a:spcPts val="0"/>
+              </a:spcAft>
+              <a:buSzPts val="1800"/>
+              <a:buNone/>
+            </a:pPr>
+            <a:endParaRPr lang="en-US" b="1">
+              <a:solidFill>
+                <a:srgbClr val="B45F06"/>
+              </a:solidFill>
+            </a:endParaRPr>
+          </a:p>
+        </p:txBody>
+      </p:sp>
+      <p:pic>
+        <p:nvPicPr>
+          <p:cNvPr id="2" name="Picture 1"/>
+          <p:cNvPicPr>
+            <a:picLocks noChangeAspect="1"/>
+          </p:cNvPicPr>
+          <p:nvPr/>
+        </p:nvPicPr>
+        <p:blipFill>
+          <a:blip r:embed="rId1"/>
+          <a:stretch>
+            <a:fillRect/>
+          </a:stretch>
+        </p:blipFill>
+        <p:spPr>
+          <a:xfrm>
+            <a:off x="375920" y="2404110"/>
+            <a:ext cx="4502150" cy="891540"/>
+          </a:xfrm>
+          <a:prstGeom prst="rect">
+            <a:avLst/>
+          </a:prstGeom>
+        </p:spPr>
+      </p:pic>
+      <p:pic>
+        <p:nvPicPr>
+          <p:cNvPr id="3" name="Picture 2"/>
+          <p:cNvPicPr>
+            <a:picLocks noChangeAspect="1"/>
+          </p:cNvPicPr>
+          <p:nvPr/>
+        </p:nvPicPr>
+        <p:blipFill>
+          <a:blip r:embed="rId2"/>
+          <a:stretch>
+            <a:fillRect/>
+          </a:stretch>
+        </p:blipFill>
+        <p:spPr>
+          <a:xfrm>
+            <a:off x="5126355" y="831215"/>
+            <a:ext cx="3705860" cy="3350260"/>
+          </a:xfrm>
+          <a:prstGeom prst="rect">
+            <a:avLst/>
+          </a:prstGeom>
+        </p:spPr>
+      </p:pic>
+    </p:spTree>
+  </p:cSld>
+  <p:clrMapOvr>
+    <a:masterClrMapping/>
+  </p:clrMapOvr>
+</p:sld>
+</file>
+
+<file path=ppt/slides/slide47.xml><?xml version="1.0" encoding="utf-8"?>
+<p:sld xmlns:a="http://schemas.openxmlformats.org/drawingml/2006/main" xmlns:r="http://schemas.openxmlformats.org/officeDocument/2006/relationships" xmlns:p="http://schemas.openxmlformats.org/presentationml/2006/main">
+  <p:cSld>
+    <p:spTree>
+      <p:nvGrpSpPr>
+        <p:cNvPr id="77" name="Shape 77"/>
+        <p:cNvGrpSpPr/>
+        <p:nvPr/>
+      </p:nvGrpSpPr>
+      <p:grpSpPr>
+        <a:xfrm>
+          <a:off x="0" y="0"/>
+          <a:ext cx="0" cy="0"/>
+          <a:chOff x="0" y="0"/>
+          <a:chExt cx="0" cy="0"/>
+        </a:xfrm>
+      </p:grpSpPr>
+      <p:sp>
+        <p:nvSpPr>
+          <p:cNvPr id="78" name="Google Shape;78;p15"/>
+          <p:cNvSpPr txBox="1"/>
+          <p:nvPr>
+            <p:ph type="title"/>
+          </p:nvPr>
+        </p:nvSpPr>
+        <p:spPr>
+          <a:xfrm>
+            <a:off x="311700" y="123715"/>
+            <a:ext cx="8520600" cy="707400"/>
+          </a:xfrm>
+          <a:prstGeom prst="rect">
+            <a:avLst/>
+          </a:prstGeom>
+        </p:spPr>
+        <p:txBody>
+          <a:bodyPr spcFirstLastPara="1" wrap="square" lIns="91425" tIns="91425" rIns="91425" bIns="91425" anchor="t" anchorCtr="0">
+            <a:normAutofit/>
+          </a:bodyPr>
+          <a:lstStyle/>
+          <a:p>
+            <a:pPr marL="0" lvl="0" indent="0" algn="l" rtl="0">
+              <a:spcBef>
+                <a:spcPts val="0"/>
+              </a:spcBef>
+              <a:spcAft>
+                <a:spcPts val="0"/>
+              </a:spcAft>
+              <a:buSzPts val="990"/>
+              <a:buNone/>
+            </a:pPr>
+            <a:r>
+              <a:rPr lang="en-US" sz="2940"/>
+              <a:t>Multi-Command Container</a:t>
+            </a:r>
+            <a:endParaRPr lang="en-US" sz="2940" b="0">
+              <a:solidFill>
+                <a:srgbClr val="3D85C6"/>
+              </a:solidFill>
+            </a:endParaRPr>
+          </a:p>
+        </p:txBody>
+      </p:sp>
+      <p:sp>
+        <p:nvSpPr>
+          <p:cNvPr id="79" name="Google Shape;79;p15"/>
+          <p:cNvSpPr txBox="1"/>
+          <p:nvPr>
+            <p:ph type="body" idx="1"/>
+          </p:nvPr>
+        </p:nvSpPr>
+        <p:spPr>
+          <a:xfrm>
+            <a:off x="311785" y="831850"/>
+            <a:ext cx="4762500" cy="2052955"/>
+          </a:xfrm>
+          <a:prstGeom prst="rect">
+            <a:avLst/>
+          </a:prstGeom>
+        </p:spPr>
+        <p:txBody>
+          <a:bodyPr spcFirstLastPara="1" wrap="square" lIns="91425" tIns="91425" rIns="91425" bIns="91425" anchor="t" anchorCtr="0">
+            <a:normAutofit lnSpcReduction="10000"/>
+          </a:bodyPr>
+          <a:p>
+            <a:pPr marL="114300" lvl="0" indent="0" algn="l" rtl="0">
+              <a:spcBef>
+                <a:spcPts val="0"/>
+              </a:spcBef>
+              <a:spcAft>
+                <a:spcPts val="0"/>
+              </a:spcAft>
+              <a:buSzPts val="1800"/>
+              <a:buNone/>
+            </a:pPr>
+            <a:endParaRPr lang="en-US" b="1">
+              <a:solidFill>
+                <a:srgbClr val="B45F06"/>
+              </a:solidFill>
+            </a:endParaRPr>
+          </a:p>
+        </p:txBody>
+      </p:sp>
+      <p:pic>
+        <p:nvPicPr>
+          <p:cNvPr id="2" name="Picture 1"/>
+          <p:cNvPicPr>
+            <a:picLocks noChangeAspect="1"/>
+          </p:cNvPicPr>
+          <p:nvPr/>
+        </p:nvPicPr>
+        <p:blipFill>
+          <a:blip r:embed="rId1"/>
+          <a:stretch>
+            <a:fillRect/>
+          </a:stretch>
+        </p:blipFill>
+        <p:spPr>
+          <a:xfrm>
+            <a:off x="5549265" y="751205"/>
+            <a:ext cx="3282950" cy="3458845"/>
+          </a:xfrm>
+          <a:prstGeom prst="rect">
+            <a:avLst/>
+          </a:prstGeom>
+        </p:spPr>
+      </p:pic>
+      <p:pic>
+        <p:nvPicPr>
+          <p:cNvPr id="4" name="Picture 3"/>
+          <p:cNvPicPr>
+            <a:picLocks noChangeAspect="1"/>
+          </p:cNvPicPr>
+          <p:nvPr/>
+        </p:nvPicPr>
+        <p:blipFill>
+          <a:blip r:embed="rId2"/>
+          <a:stretch>
+            <a:fillRect/>
+          </a:stretch>
+        </p:blipFill>
+        <p:spPr>
+          <a:xfrm>
+            <a:off x="495935" y="899795"/>
+            <a:ext cx="4972685" cy="1285875"/>
+          </a:xfrm>
+          <a:prstGeom prst="rect">
+            <a:avLst/>
+          </a:prstGeom>
+        </p:spPr>
+      </p:pic>
+      <p:pic>
+        <p:nvPicPr>
+          <p:cNvPr id="6" name="Picture 5"/>
+          <p:cNvPicPr>
+            <a:picLocks noChangeAspect="1"/>
+          </p:cNvPicPr>
+          <p:nvPr/>
+        </p:nvPicPr>
+        <p:blipFill>
+          <a:blip r:embed="rId3"/>
+          <a:stretch>
+            <a:fillRect/>
+          </a:stretch>
+        </p:blipFill>
+        <p:spPr>
+          <a:xfrm>
+            <a:off x="486410" y="2447925"/>
+            <a:ext cx="4982210" cy="1578610"/>
+          </a:xfrm>
+          <a:prstGeom prst="rect">
+            <a:avLst/>
+          </a:prstGeom>
+        </p:spPr>
+      </p:pic>
+    </p:spTree>
+  </p:cSld>
+  <p:clrMapOvr>
+    <a:masterClrMapping/>
+  </p:clrMapOvr>
+</p:sld>
+</file>
+
+<file path=ppt/slides/slide48.xml><?xml version="1.0" encoding="utf-8"?>
+<p:sld xmlns:a="http://schemas.openxmlformats.org/drawingml/2006/main" xmlns:r="http://schemas.openxmlformats.org/officeDocument/2006/relationships" xmlns:p="http://schemas.openxmlformats.org/presentationml/2006/main">
+  <p:cSld>
+    <p:spTree>
+      <p:nvGrpSpPr>
+        <p:cNvPr id="77" name="Shape 77"/>
+        <p:cNvGrpSpPr/>
+        <p:nvPr/>
+      </p:nvGrpSpPr>
+      <p:grpSpPr>
+        <a:xfrm>
+          <a:off x="0" y="0"/>
+          <a:ext cx="0" cy="0"/>
+          <a:chOff x="0" y="0"/>
+          <a:chExt cx="0" cy="0"/>
+        </a:xfrm>
+      </p:grpSpPr>
+      <p:sp>
+        <p:nvSpPr>
+          <p:cNvPr id="78" name="Google Shape;78;p15"/>
+          <p:cNvSpPr txBox="1"/>
+          <p:nvPr>
+            <p:ph type="title"/>
+          </p:nvPr>
+        </p:nvSpPr>
+        <p:spPr>
+          <a:xfrm>
+            <a:off x="311700" y="123715"/>
+            <a:ext cx="8520600" cy="707400"/>
+          </a:xfrm>
+          <a:prstGeom prst="rect">
+            <a:avLst/>
+          </a:prstGeom>
+        </p:spPr>
+        <p:txBody>
+          <a:bodyPr spcFirstLastPara="1" wrap="square" lIns="91425" tIns="91425" rIns="91425" bIns="91425" anchor="t" anchorCtr="0">
+            <a:normAutofit/>
+          </a:bodyPr>
+          <a:lstStyle/>
+          <a:p>
+            <a:pPr marL="0" lvl="0" indent="0" algn="l" rtl="0">
+              <a:spcBef>
+                <a:spcPts val="0"/>
+              </a:spcBef>
+              <a:spcAft>
+                <a:spcPts val="0"/>
+              </a:spcAft>
+              <a:buSzPts val="990"/>
+              <a:buNone/>
+            </a:pPr>
+            <a:r>
+              <a:rPr lang="en-US" sz="2940"/>
+              <a:t>The purpose of the “IT” flag</a:t>
+            </a:r>
+            <a:endParaRPr lang="en-US" sz="2940" b="0">
+              <a:solidFill>
+                <a:srgbClr val="3D85C6"/>
+              </a:solidFill>
+            </a:endParaRPr>
+          </a:p>
+        </p:txBody>
+      </p:sp>
+      <p:sp>
+        <p:nvSpPr>
+          <p:cNvPr id="79" name="Google Shape;79;p15"/>
+          <p:cNvSpPr txBox="1"/>
+          <p:nvPr>
+            <p:ph type="body" idx="1"/>
+          </p:nvPr>
+        </p:nvSpPr>
+        <p:spPr>
+          <a:xfrm>
+            <a:off x="311785" y="831850"/>
+            <a:ext cx="4762500" cy="2052955"/>
+          </a:xfrm>
+          <a:prstGeom prst="rect">
+            <a:avLst/>
+          </a:prstGeom>
+        </p:spPr>
+        <p:txBody>
+          <a:bodyPr spcFirstLastPara="1" wrap="square" lIns="91425" tIns="91425" rIns="91425" bIns="91425" anchor="t" anchorCtr="0">
+            <a:normAutofit lnSpcReduction="10000"/>
+          </a:bodyPr>
+          <a:p>
+            <a:pPr marL="457200" lvl="0" indent="-342900" algn="l" rtl="0">
+              <a:spcBef>
+                <a:spcPts val="0"/>
+              </a:spcBef>
+              <a:spcAft>
+                <a:spcPts val="0"/>
+              </a:spcAft>
+              <a:buSzPts val="1800"/>
+              <a:buChar char="+"/>
+            </a:pPr>
+            <a:r>
+              <a:rPr lang="en-US" altLang="en-GB" b="1">
+                <a:sym typeface="+mn-ea"/>
+              </a:rPr>
+              <a:t>try to run redis-cli but it’s not working because the command run outside the container</a:t>
+            </a:r>
+            <a:endParaRPr lang="en-US" altLang="en-GB" b="1">
+              <a:sym typeface="+mn-ea"/>
+            </a:endParaRPr>
+          </a:p>
+          <a:p>
+            <a:pPr marL="114300" lvl="0" indent="0" algn="l" rtl="0">
+              <a:spcBef>
+                <a:spcPts val="0"/>
+              </a:spcBef>
+              <a:spcAft>
+                <a:spcPts val="0"/>
+              </a:spcAft>
+              <a:buSzPts val="1800"/>
+              <a:buNone/>
+            </a:pPr>
+            <a:endParaRPr lang="en-US" b="1">
+              <a:solidFill>
+                <a:srgbClr val="B45F06"/>
+              </a:solidFill>
+            </a:endParaRPr>
+          </a:p>
+        </p:txBody>
+      </p:sp>
+      <p:pic>
+        <p:nvPicPr>
+          <p:cNvPr id="2" name="Picture 1"/>
+          <p:cNvPicPr>
+            <a:picLocks noChangeAspect="1"/>
+          </p:cNvPicPr>
+          <p:nvPr/>
+        </p:nvPicPr>
+        <p:blipFill>
+          <a:blip r:embed="rId1"/>
+          <a:stretch>
+            <a:fillRect/>
+          </a:stretch>
+        </p:blipFill>
+        <p:spPr>
+          <a:xfrm>
+            <a:off x="375920" y="2404110"/>
+            <a:ext cx="4502150" cy="891540"/>
+          </a:xfrm>
+          <a:prstGeom prst="rect">
+            <a:avLst/>
+          </a:prstGeom>
+        </p:spPr>
+      </p:pic>
+      <p:pic>
+        <p:nvPicPr>
+          <p:cNvPr id="3" name="Picture 2"/>
+          <p:cNvPicPr>
+            <a:picLocks noChangeAspect="1"/>
+          </p:cNvPicPr>
+          <p:nvPr/>
+        </p:nvPicPr>
+        <p:blipFill>
+          <a:blip r:embed="rId2"/>
+          <a:stretch>
+            <a:fillRect/>
+          </a:stretch>
+        </p:blipFill>
+        <p:spPr>
+          <a:xfrm>
+            <a:off x="5126355" y="831215"/>
+            <a:ext cx="3705860" cy="3350260"/>
+          </a:xfrm>
+          <a:prstGeom prst="rect">
+            <a:avLst/>
+          </a:prstGeom>
+        </p:spPr>
+      </p:pic>
+    </p:spTree>
+  </p:cSld>
+  <p:clrMapOvr>
+    <a:masterClrMapping/>
+  </p:clrMapOvr>
+</p:sld>
+</file>
+
+<file path=ppt/slides/slide49.xml><?xml version="1.0" encoding="utf-8"?>
+<p:sld xmlns:a="http://schemas.openxmlformats.org/drawingml/2006/main" xmlns:r="http://schemas.openxmlformats.org/officeDocument/2006/relationships" xmlns:p="http://schemas.openxmlformats.org/presentationml/2006/main">
+  <p:cSld>
+    <p:spTree>
+      <p:nvGrpSpPr>
+        <p:cNvPr id="77" name="Shape 77"/>
+        <p:cNvGrpSpPr/>
+        <p:nvPr/>
+      </p:nvGrpSpPr>
+      <p:grpSpPr>
+        <a:xfrm>
+          <a:off x="0" y="0"/>
+          <a:ext cx="0" cy="0"/>
+          <a:chOff x="0" y="0"/>
+          <a:chExt cx="0" cy="0"/>
+        </a:xfrm>
+      </p:grpSpPr>
+      <p:sp>
+        <p:nvSpPr>
+          <p:cNvPr id="78" name="Google Shape;78;p15"/>
+          <p:cNvSpPr txBox="1"/>
+          <p:nvPr>
+            <p:ph type="title"/>
+          </p:nvPr>
+        </p:nvSpPr>
+        <p:spPr>
+          <a:xfrm>
+            <a:off x="311700" y="123715"/>
+            <a:ext cx="8520600" cy="707400"/>
+          </a:xfrm>
+          <a:prstGeom prst="rect">
+            <a:avLst/>
+          </a:prstGeom>
+        </p:spPr>
+        <p:txBody>
+          <a:bodyPr spcFirstLastPara="1" wrap="square" lIns="91425" tIns="91425" rIns="91425" bIns="91425" anchor="t" anchorCtr="0">
+            <a:normAutofit/>
+          </a:bodyPr>
+          <a:lstStyle/>
+          <a:p>
+            <a:pPr marL="0" lvl="0" indent="0" algn="l" rtl="0">
+              <a:spcBef>
+                <a:spcPts val="0"/>
+              </a:spcBef>
+              <a:spcAft>
+                <a:spcPts val="0"/>
+              </a:spcAft>
+              <a:buSzPts val="990"/>
+              <a:buNone/>
+            </a:pPr>
+            <a:r>
+              <a:rPr lang="en-US" sz="2940"/>
+              <a:t>The purpose of the “IT” flag</a:t>
+            </a:r>
+            <a:endParaRPr lang="en-US" sz="2940" b="0">
+              <a:solidFill>
+                <a:srgbClr val="3D85C6"/>
+              </a:solidFill>
+            </a:endParaRPr>
+          </a:p>
+        </p:txBody>
+      </p:sp>
+      <p:sp>
+        <p:nvSpPr>
+          <p:cNvPr id="79" name="Google Shape;79;p15"/>
+          <p:cNvSpPr txBox="1"/>
+          <p:nvPr>
+            <p:ph type="body" idx="1"/>
+          </p:nvPr>
+        </p:nvSpPr>
+        <p:spPr>
+          <a:xfrm>
+            <a:off x="311785" y="831850"/>
+            <a:ext cx="5139055" cy="1371600"/>
+          </a:xfrm>
+          <a:prstGeom prst="rect">
+            <a:avLst/>
+          </a:prstGeom>
+        </p:spPr>
+        <p:txBody>
+          <a:bodyPr spcFirstLastPara="1" wrap="square" lIns="91425" tIns="91425" rIns="91425" bIns="91425" anchor="t" anchorCtr="0">
+            <a:normAutofit lnSpcReduction="10000"/>
+          </a:bodyPr>
+          <a:p>
+            <a:pPr marL="457200" lvl="0" indent="-342900" algn="l" rtl="0">
+              <a:spcBef>
+                <a:spcPts val="0"/>
+              </a:spcBef>
+              <a:spcAft>
+                <a:spcPts val="0"/>
+              </a:spcAft>
+              <a:buSzPts val="1800"/>
+              <a:buChar char="+"/>
+            </a:pPr>
+            <a:r>
+              <a:rPr lang="en-US" altLang="en-GB" b="1">
+                <a:sym typeface="+mn-ea"/>
+              </a:rPr>
+              <a:t>-i: make sure that any stuff that you type gets direct to STDIN</a:t>
+            </a:r>
+            <a:endParaRPr lang="en-US" altLang="en-GB" b="1">
+              <a:sym typeface="+mn-ea"/>
+            </a:endParaRPr>
+          </a:p>
+          <a:p>
+            <a:pPr marL="457200" lvl="0" indent="-342900" algn="l" rtl="0">
+              <a:spcBef>
+                <a:spcPts val="0"/>
+              </a:spcBef>
+              <a:spcAft>
+                <a:spcPts val="0"/>
+              </a:spcAft>
+              <a:buSzPts val="1800"/>
+              <a:buChar char="+"/>
+            </a:pPr>
+            <a:r>
+              <a:rPr lang="en-US" altLang="en-GB" b="1">
+                <a:sym typeface="+mn-ea"/>
+              </a:rPr>
+              <a:t>-t: help to show up the result pretty </a:t>
+            </a:r>
+            <a:endParaRPr lang="en-US" b="1">
+              <a:solidFill>
+                <a:srgbClr val="B45F06"/>
+              </a:solidFill>
+            </a:endParaRPr>
+          </a:p>
+        </p:txBody>
+      </p:sp>
+      <p:pic>
+        <p:nvPicPr>
+          <p:cNvPr id="2" name="Picture 1"/>
+          <p:cNvPicPr>
+            <a:picLocks noChangeAspect="1"/>
+          </p:cNvPicPr>
+          <p:nvPr/>
+        </p:nvPicPr>
+        <p:blipFill>
+          <a:blip r:embed="rId1"/>
+          <a:stretch>
+            <a:fillRect/>
+          </a:stretch>
+        </p:blipFill>
+        <p:spPr>
+          <a:xfrm>
+            <a:off x="5523230" y="1506855"/>
+            <a:ext cx="3381375" cy="2924175"/>
+          </a:xfrm>
+          <a:prstGeom prst="rect">
+            <a:avLst/>
+          </a:prstGeom>
+        </p:spPr>
+      </p:pic>
+      <p:pic>
+        <p:nvPicPr>
+          <p:cNvPr id="4" name="Picture 3"/>
+          <p:cNvPicPr>
+            <a:picLocks noChangeAspect="1"/>
+          </p:cNvPicPr>
+          <p:nvPr/>
+        </p:nvPicPr>
+        <p:blipFill>
+          <a:blip r:embed="rId2"/>
+          <a:stretch>
+            <a:fillRect/>
+          </a:stretch>
+        </p:blipFill>
+        <p:spPr>
+          <a:xfrm>
+            <a:off x="409575" y="2204085"/>
+            <a:ext cx="5113655" cy="2226945"/>
+          </a:xfrm>
+          <a:prstGeom prst="rect">
+            <a:avLst/>
+          </a:prstGeom>
+        </p:spPr>
+      </p:pic>
     </p:spTree>
   </p:cSld>
   <p:clrMapOvr>
@@ -16308,6 +19334,693 @@
           </a:prstGeom>
         </p:spPr>
       </p:pic>
+    </p:spTree>
+  </p:cSld>
+  <p:clrMapOvr>
+    <a:masterClrMapping/>
+  </p:clrMapOvr>
+</p:sld>
+</file>
+
+<file path=ppt/slides/slide50.xml><?xml version="1.0" encoding="utf-8"?>
+<p:sld xmlns:a="http://schemas.openxmlformats.org/drawingml/2006/main" xmlns:r="http://schemas.openxmlformats.org/officeDocument/2006/relationships" xmlns:p="http://schemas.openxmlformats.org/presentationml/2006/main">
+  <p:cSld>
+    <p:spTree>
+      <p:nvGrpSpPr>
+        <p:cNvPr id="77" name="Shape 77"/>
+        <p:cNvGrpSpPr/>
+        <p:nvPr/>
+      </p:nvGrpSpPr>
+      <p:grpSpPr>
+        <a:xfrm>
+          <a:off x="0" y="0"/>
+          <a:ext cx="0" cy="0"/>
+          <a:chOff x="0" y="0"/>
+          <a:chExt cx="0" cy="0"/>
+        </a:xfrm>
+      </p:grpSpPr>
+      <p:sp>
+        <p:nvSpPr>
+          <p:cNvPr id="78" name="Google Shape;78;p15"/>
+          <p:cNvSpPr txBox="1"/>
+          <p:nvPr>
+            <p:ph type="title"/>
+          </p:nvPr>
+        </p:nvSpPr>
+        <p:spPr>
+          <a:xfrm>
+            <a:off x="311700" y="123715"/>
+            <a:ext cx="8520600" cy="707400"/>
+          </a:xfrm>
+          <a:prstGeom prst="rect">
+            <a:avLst/>
+          </a:prstGeom>
+        </p:spPr>
+        <p:txBody>
+          <a:bodyPr spcFirstLastPara="1" wrap="square" lIns="91425" tIns="91425" rIns="91425" bIns="91425" anchor="t" anchorCtr="0">
+            <a:normAutofit/>
+          </a:bodyPr>
+          <a:lstStyle/>
+          <a:p>
+            <a:pPr marL="0" lvl="0" indent="0" algn="l" rtl="0">
+              <a:spcBef>
+                <a:spcPts val="0"/>
+              </a:spcBef>
+              <a:spcAft>
+                <a:spcPts val="0"/>
+              </a:spcAft>
+              <a:buSzPts val="990"/>
+              <a:buNone/>
+            </a:pPr>
+            <a:r>
+              <a:rPr lang="en-US" sz="2940"/>
+              <a:t>Getting a Command Prompt in a Container</a:t>
+            </a:r>
+            <a:endParaRPr lang="en-US" sz="2940" b="0">
+              <a:solidFill>
+                <a:srgbClr val="3D85C6"/>
+              </a:solidFill>
+            </a:endParaRPr>
+          </a:p>
+        </p:txBody>
+      </p:sp>
+      <p:sp>
+        <p:nvSpPr>
+          <p:cNvPr id="79" name="Google Shape;79;p15"/>
+          <p:cNvSpPr txBox="1"/>
+          <p:nvPr>
+            <p:ph type="body" idx="1"/>
+          </p:nvPr>
+        </p:nvSpPr>
+        <p:spPr>
+          <a:xfrm>
+            <a:off x="311785" y="831850"/>
+            <a:ext cx="8520430" cy="2052955"/>
+          </a:xfrm>
+          <a:prstGeom prst="rect">
+            <a:avLst/>
+          </a:prstGeom>
+        </p:spPr>
+        <p:txBody>
+          <a:bodyPr spcFirstLastPara="1" wrap="square" lIns="91425" tIns="91425" rIns="91425" bIns="91425" anchor="t" anchorCtr="0">
+            <a:normAutofit lnSpcReduction="10000"/>
+          </a:bodyPr>
+          <a:p>
+            <a:pPr marL="114300" lvl="0" indent="0" algn="l" rtl="0">
+              <a:spcBef>
+                <a:spcPts val="0"/>
+              </a:spcBef>
+              <a:spcAft>
+                <a:spcPts val="0"/>
+              </a:spcAft>
+              <a:buSzPts val="1800"/>
+              <a:buNone/>
+            </a:pPr>
+            <a:r>
+              <a:rPr lang="en-US" altLang="en-GB" b="1">
+                <a:sym typeface="+mn-ea"/>
+              </a:rPr>
+              <a:t>&gt;&gt; docker exec -it &lt;container_id&gt; sh</a:t>
+            </a:r>
+            <a:endParaRPr lang="en-US" altLang="en-GB" b="1">
+              <a:sym typeface="+mn-ea"/>
+            </a:endParaRPr>
+          </a:p>
+          <a:p>
+            <a:pPr marL="457200" lvl="0" indent="-342900" algn="l" rtl="0">
+              <a:spcBef>
+                <a:spcPts val="0"/>
+              </a:spcBef>
+              <a:spcAft>
+                <a:spcPts val="0"/>
+              </a:spcAft>
+              <a:buSzPts val="1800"/>
+              <a:buChar char="+"/>
+            </a:pPr>
+            <a:r>
+              <a:rPr lang="en-US" altLang="en-GB" b="1">
+                <a:sym typeface="+mn-ea"/>
+              </a:rPr>
+              <a:t>open a Command Prompt to execute some command</a:t>
+            </a:r>
+            <a:endParaRPr lang="en-US" b="1">
+              <a:solidFill>
+                <a:srgbClr val="B45F06"/>
+              </a:solidFill>
+            </a:endParaRPr>
+          </a:p>
+        </p:txBody>
+      </p:sp>
+      <p:pic>
+        <p:nvPicPr>
+          <p:cNvPr id="2" name="Picture 1"/>
+          <p:cNvPicPr>
+            <a:picLocks noChangeAspect="1"/>
+          </p:cNvPicPr>
+          <p:nvPr/>
+        </p:nvPicPr>
+        <p:blipFill>
+          <a:blip r:embed="rId1"/>
+          <a:stretch>
+            <a:fillRect/>
+          </a:stretch>
+        </p:blipFill>
+        <p:spPr>
+          <a:xfrm>
+            <a:off x="1980565" y="2148840"/>
+            <a:ext cx="4569460" cy="2492375"/>
+          </a:xfrm>
+          <a:prstGeom prst="rect">
+            <a:avLst/>
+          </a:prstGeom>
+        </p:spPr>
+      </p:pic>
+    </p:spTree>
+  </p:cSld>
+  <p:clrMapOvr>
+    <a:masterClrMapping/>
+  </p:clrMapOvr>
+</p:sld>
+</file>
+
+<file path=ppt/slides/slide51.xml><?xml version="1.0" encoding="utf-8"?>
+<p:sld xmlns:a="http://schemas.openxmlformats.org/drawingml/2006/main" xmlns:r="http://schemas.openxmlformats.org/officeDocument/2006/relationships" xmlns:p="http://schemas.openxmlformats.org/presentationml/2006/main">
+  <p:cSld>
+    <p:spTree>
+      <p:nvGrpSpPr>
+        <p:cNvPr id="77" name="Shape 77"/>
+        <p:cNvGrpSpPr/>
+        <p:nvPr/>
+      </p:nvGrpSpPr>
+      <p:grpSpPr>
+        <a:xfrm>
+          <a:off x="0" y="0"/>
+          <a:ext cx="0" cy="0"/>
+          <a:chOff x="0" y="0"/>
+          <a:chExt cx="0" cy="0"/>
+        </a:xfrm>
+      </p:grpSpPr>
+      <p:sp>
+        <p:nvSpPr>
+          <p:cNvPr id="78" name="Google Shape;78;p15"/>
+          <p:cNvSpPr txBox="1"/>
+          <p:nvPr>
+            <p:ph type="title"/>
+          </p:nvPr>
+        </p:nvSpPr>
+        <p:spPr>
+          <a:xfrm>
+            <a:off x="311700" y="123715"/>
+            <a:ext cx="8520600" cy="707400"/>
+          </a:xfrm>
+          <a:prstGeom prst="rect">
+            <a:avLst/>
+          </a:prstGeom>
+        </p:spPr>
+        <p:txBody>
+          <a:bodyPr spcFirstLastPara="1" wrap="square" lIns="91425" tIns="91425" rIns="91425" bIns="91425" anchor="t" anchorCtr="0">
+            <a:normAutofit/>
+          </a:bodyPr>
+          <a:lstStyle/>
+          <a:p>
+            <a:pPr marL="0" lvl="0" indent="0" algn="l" rtl="0">
+              <a:spcBef>
+                <a:spcPts val="0"/>
+              </a:spcBef>
+              <a:spcAft>
+                <a:spcPts val="0"/>
+              </a:spcAft>
+              <a:buSzPts val="990"/>
+              <a:buNone/>
+            </a:pPr>
+            <a:r>
+              <a:rPr lang="en-US" sz="2940"/>
+              <a:t>Getting a Command Prompt in a Container</a:t>
+            </a:r>
+            <a:endParaRPr lang="en-US" sz="2940" b="0">
+              <a:solidFill>
+                <a:srgbClr val="3D85C6"/>
+              </a:solidFill>
+            </a:endParaRPr>
+          </a:p>
+        </p:txBody>
+      </p:sp>
+      <p:sp>
+        <p:nvSpPr>
+          <p:cNvPr id="79" name="Google Shape;79;p15"/>
+          <p:cNvSpPr txBox="1"/>
+          <p:nvPr>
+            <p:ph type="body" idx="1"/>
+          </p:nvPr>
+        </p:nvSpPr>
+        <p:spPr>
+          <a:xfrm>
+            <a:off x="311785" y="831850"/>
+            <a:ext cx="8520430" cy="2052955"/>
+          </a:xfrm>
+          <a:prstGeom prst="rect">
+            <a:avLst/>
+          </a:prstGeom>
+        </p:spPr>
+        <p:txBody>
+          <a:bodyPr spcFirstLastPara="1" wrap="square" lIns="91425" tIns="91425" rIns="91425" bIns="91425" anchor="t" anchorCtr="0">
+            <a:normAutofit lnSpcReduction="10000"/>
+          </a:bodyPr>
+          <a:p>
+            <a:pPr marL="114300" lvl="0" indent="0" algn="l" rtl="0">
+              <a:spcBef>
+                <a:spcPts val="0"/>
+              </a:spcBef>
+              <a:spcAft>
+                <a:spcPts val="0"/>
+              </a:spcAft>
+              <a:buSzPts val="1800"/>
+              <a:buNone/>
+            </a:pPr>
+            <a:r>
+              <a:rPr lang="en-US" altLang="en-GB" b="1">
+                <a:sym typeface="+mn-ea"/>
+              </a:rPr>
+              <a:t>&gt;&gt; sh</a:t>
+            </a:r>
+            <a:endParaRPr lang="en-US" altLang="en-GB" b="1">
+              <a:sym typeface="+mn-ea"/>
+            </a:endParaRPr>
+          </a:p>
+          <a:p>
+            <a:pPr marL="457200" lvl="0" indent="-342900" algn="l" rtl="0">
+              <a:spcBef>
+                <a:spcPts val="0"/>
+              </a:spcBef>
+              <a:spcAft>
+                <a:spcPts val="0"/>
+              </a:spcAft>
+              <a:buSzPts val="1800"/>
+              <a:buChar char="+"/>
+            </a:pPr>
+            <a:r>
+              <a:rPr lang="en-US" altLang="en-GB" b="1">
+                <a:sym typeface="+mn-ea"/>
+              </a:rPr>
+              <a:t>Is a name of 	a program and it’s a program that has been executed inside of that container</a:t>
+            </a:r>
+            <a:endParaRPr lang="en-US" altLang="en-GB" b="1">
+              <a:sym typeface="+mn-ea"/>
+            </a:endParaRPr>
+          </a:p>
+          <a:p>
+            <a:pPr marL="457200" lvl="0" indent="-342900" algn="l" rtl="0">
+              <a:spcBef>
+                <a:spcPts val="0"/>
+              </a:spcBef>
+              <a:spcAft>
+                <a:spcPts val="0"/>
+              </a:spcAft>
+              <a:buSzPts val="1800"/>
+              <a:buChar char="+"/>
+            </a:pPr>
+            <a:r>
+              <a:rPr lang="en-US" altLang="en-GB" b="1">
+                <a:sym typeface="+mn-ea"/>
+              </a:rPr>
+              <a:t>Open a Command Prompt to execute some command inside a container</a:t>
+            </a:r>
+            <a:endParaRPr lang="en-US" b="1">
+              <a:solidFill>
+                <a:srgbClr val="B45F06"/>
+              </a:solidFill>
+            </a:endParaRPr>
+          </a:p>
+        </p:txBody>
+      </p:sp>
+      <p:pic>
+        <p:nvPicPr>
+          <p:cNvPr id="3" name="Picture 2"/>
+          <p:cNvPicPr>
+            <a:picLocks noChangeAspect="1"/>
+          </p:cNvPicPr>
+          <p:nvPr/>
+        </p:nvPicPr>
+        <p:blipFill>
+          <a:blip r:embed="rId1"/>
+          <a:stretch>
+            <a:fillRect/>
+          </a:stretch>
+        </p:blipFill>
+        <p:spPr>
+          <a:xfrm>
+            <a:off x="1933575" y="2790190"/>
+            <a:ext cx="5276850" cy="1971675"/>
+          </a:xfrm>
+          <a:prstGeom prst="rect">
+            <a:avLst/>
+          </a:prstGeom>
+        </p:spPr>
+      </p:pic>
+    </p:spTree>
+  </p:cSld>
+  <p:clrMapOvr>
+    <a:masterClrMapping/>
+  </p:clrMapOvr>
+</p:sld>
+</file>
+
+<file path=ppt/slides/slide52.xml><?xml version="1.0" encoding="utf-8"?>
+<p:sld xmlns:a="http://schemas.openxmlformats.org/drawingml/2006/main" xmlns:r="http://schemas.openxmlformats.org/officeDocument/2006/relationships" xmlns:p="http://schemas.openxmlformats.org/presentationml/2006/main">
+  <p:cSld>
+    <p:spTree>
+      <p:nvGrpSpPr>
+        <p:cNvPr id="77" name="Shape 77"/>
+        <p:cNvGrpSpPr/>
+        <p:nvPr/>
+      </p:nvGrpSpPr>
+      <p:grpSpPr>
+        <a:xfrm>
+          <a:off x="0" y="0"/>
+          <a:ext cx="0" cy="0"/>
+          <a:chOff x="0" y="0"/>
+          <a:chExt cx="0" cy="0"/>
+        </a:xfrm>
+      </p:grpSpPr>
+      <p:sp>
+        <p:nvSpPr>
+          <p:cNvPr id="78" name="Google Shape;78;p15"/>
+          <p:cNvSpPr txBox="1"/>
+          <p:nvPr>
+            <p:ph type="title"/>
+          </p:nvPr>
+        </p:nvSpPr>
+        <p:spPr>
+          <a:xfrm>
+            <a:off x="311700" y="123715"/>
+            <a:ext cx="8520600" cy="707400"/>
+          </a:xfrm>
+          <a:prstGeom prst="rect">
+            <a:avLst/>
+          </a:prstGeom>
+        </p:spPr>
+        <p:txBody>
+          <a:bodyPr spcFirstLastPara="1" wrap="square" lIns="91425" tIns="91425" rIns="91425" bIns="91425" anchor="t" anchorCtr="0">
+            <a:normAutofit/>
+          </a:bodyPr>
+          <a:lstStyle/>
+          <a:p>
+            <a:pPr marL="0" lvl="0" indent="0" algn="l" rtl="0">
+              <a:spcBef>
+                <a:spcPts val="0"/>
+              </a:spcBef>
+              <a:spcAft>
+                <a:spcPts val="0"/>
+              </a:spcAft>
+              <a:buSzPts val="990"/>
+              <a:buNone/>
+            </a:pPr>
+            <a:r>
+              <a:rPr lang="en-US" sz="2940"/>
+              <a:t>Starting with a Shell</a:t>
+            </a:r>
+            <a:endParaRPr lang="en-US" sz="2940" b="0">
+              <a:solidFill>
+                <a:srgbClr val="3D85C6"/>
+              </a:solidFill>
+            </a:endParaRPr>
+          </a:p>
+        </p:txBody>
+      </p:sp>
+      <p:sp>
+        <p:nvSpPr>
+          <p:cNvPr id="79" name="Google Shape;79;p15"/>
+          <p:cNvSpPr txBox="1"/>
+          <p:nvPr>
+            <p:ph type="body" idx="1"/>
+          </p:nvPr>
+        </p:nvSpPr>
+        <p:spPr>
+          <a:xfrm>
+            <a:off x="311785" y="831850"/>
+            <a:ext cx="8520430" cy="2052955"/>
+          </a:xfrm>
+          <a:prstGeom prst="rect">
+            <a:avLst/>
+          </a:prstGeom>
+        </p:spPr>
+        <p:txBody>
+          <a:bodyPr spcFirstLastPara="1" wrap="square" lIns="91425" tIns="91425" rIns="91425" bIns="91425" anchor="t" anchorCtr="0">
+            <a:normAutofit lnSpcReduction="10000"/>
+          </a:bodyPr>
+          <a:p>
+            <a:pPr marL="114300" lvl="0" indent="0" algn="l" rtl="0">
+              <a:spcBef>
+                <a:spcPts val="0"/>
+              </a:spcBef>
+              <a:spcAft>
+                <a:spcPts val="0"/>
+              </a:spcAft>
+              <a:buSzPts val="1800"/>
+              <a:buNone/>
+            </a:pPr>
+            <a:r>
+              <a:rPr lang="en-US" altLang="en-GB" b="1">
+                <a:sym typeface="+mn-ea"/>
+              </a:rPr>
+              <a:t>&gt;&gt; docker run &lt;image_name&gt; --it sh</a:t>
+            </a:r>
+            <a:endParaRPr lang="en-US" altLang="en-GB" b="1">
+              <a:sym typeface="+mn-ea"/>
+            </a:endParaRPr>
+          </a:p>
+          <a:p>
+            <a:pPr marL="457200" lvl="0" indent="-342900" algn="l" rtl="0">
+              <a:spcBef>
+                <a:spcPts val="0"/>
+              </a:spcBef>
+              <a:spcAft>
+                <a:spcPts val="0"/>
+              </a:spcAft>
+              <a:buSzPts val="1800"/>
+              <a:buChar char="+"/>
+            </a:pPr>
+            <a:r>
+              <a:rPr lang="en-US" altLang="en-GB" b="1">
+                <a:sym typeface="+mn-ea"/>
+              </a:rPr>
+              <a:t>Start a new shell when run new container</a:t>
+            </a:r>
+            <a:endParaRPr lang="en-US" b="1">
+              <a:solidFill>
+                <a:srgbClr val="B45F06"/>
+              </a:solidFill>
+            </a:endParaRPr>
+          </a:p>
+        </p:txBody>
+      </p:sp>
+      <p:pic>
+        <p:nvPicPr>
+          <p:cNvPr id="2" name="Picture 1"/>
+          <p:cNvPicPr>
+            <a:picLocks noChangeAspect="1"/>
+          </p:cNvPicPr>
+          <p:nvPr/>
+        </p:nvPicPr>
+        <p:blipFill>
+          <a:blip r:embed="rId1"/>
+          <a:stretch>
+            <a:fillRect/>
+          </a:stretch>
+        </p:blipFill>
+        <p:spPr>
+          <a:xfrm>
+            <a:off x="2071370" y="1809750"/>
+            <a:ext cx="5000625" cy="2543175"/>
+          </a:xfrm>
+          <a:prstGeom prst="rect">
+            <a:avLst/>
+          </a:prstGeom>
+        </p:spPr>
+      </p:pic>
+    </p:spTree>
+  </p:cSld>
+  <p:clrMapOvr>
+    <a:masterClrMapping/>
+  </p:clrMapOvr>
+</p:sld>
+</file>
+
+<file path=ppt/slides/slide53.xml><?xml version="1.0" encoding="utf-8"?>
+<p:sld xmlns:a="http://schemas.openxmlformats.org/drawingml/2006/main" xmlns:r="http://schemas.openxmlformats.org/officeDocument/2006/relationships" xmlns:p="http://schemas.openxmlformats.org/presentationml/2006/main">
+  <p:cSld>
+    <p:spTree>
+      <p:nvGrpSpPr>
+        <p:cNvPr id="77" name="Shape 77"/>
+        <p:cNvGrpSpPr/>
+        <p:nvPr/>
+      </p:nvGrpSpPr>
+      <p:grpSpPr>
+        <a:xfrm>
+          <a:off x="0" y="0"/>
+          <a:ext cx="0" cy="0"/>
+          <a:chOff x="0" y="0"/>
+          <a:chExt cx="0" cy="0"/>
+        </a:xfrm>
+      </p:grpSpPr>
+      <p:sp>
+        <p:nvSpPr>
+          <p:cNvPr id="78" name="Google Shape;78;p15"/>
+          <p:cNvSpPr txBox="1"/>
+          <p:nvPr>
+            <p:ph type="title"/>
+          </p:nvPr>
+        </p:nvSpPr>
+        <p:spPr>
+          <a:xfrm>
+            <a:off x="311700" y="123715"/>
+            <a:ext cx="8520600" cy="707400"/>
+          </a:xfrm>
+          <a:prstGeom prst="rect">
+            <a:avLst/>
+          </a:prstGeom>
+        </p:spPr>
+        <p:txBody>
+          <a:bodyPr spcFirstLastPara="1" wrap="square" lIns="91425" tIns="91425" rIns="91425" bIns="91425" anchor="t" anchorCtr="0">
+            <a:normAutofit/>
+          </a:bodyPr>
+          <a:lstStyle/>
+          <a:p>
+            <a:pPr marL="0" lvl="0" indent="0" algn="l" rtl="0">
+              <a:spcBef>
+                <a:spcPts val="0"/>
+              </a:spcBef>
+              <a:spcAft>
+                <a:spcPts val="0"/>
+              </a:spcAft>
+              <a:buSzPts val="990"/>
+              <a:buNone/>
+            </a:pPr>
+            <a:r>
+              <a:rPr lang="en-US" sz="2940"/>
+              <a:t>Starting with a Shell</a:t>
+            </a:r>
+            <a:endParaRPr lang="en-US" sz="2940" b="0">
+              <a:solidFill>
+                <a:srgbClr val="3D85C6"/>
+              </a:solidFill>
+            </a:endParaRPr>
+          </a:p>
+        </p:txBody>
+      </p:sp>
+      <p:pic>
+        <p:nvPicPr>
+          <p:cNvPr id="2" name="Picture 1"/>
+          <p:cNvPicPr>
+            <a:picLocks noChangeAspect="1"/>
+          </p:cNvPicPr>
+          <p:nvPr/>
+        </p:nvPicPr>
+        <p:blipFill>
+          <a:blip r:embed="rId1"/>
+          <a:stretch>
+            <a:fillRect/>
+          </a:stretch>
+        </p:blipFill>
+        <p:spPr>
+          <a:xfrm>
+            <a:off x="5570220" y="831215"/>
+            <a:ext cx="3373755" cy="3197860"/>
+          </a:xfrm>
+          <a:prstGeom prst="rect">
+            <a:avLst/>
+          </a:prstGeom>
+        </p:spPr>
+      </p:pic>
+      <p:pic>
+        <p:nvPicPr>
+          <p:cNvPr id="4" name="Picture 3"/>
+          <p:cNvPicPr>
+            <a:picLocks noChangeAspect="1"/>
+          </p:cNvPicPr>
+          <p:nvPr/>
+        </p:nvPicPr>
+        <p:blipFill>
+          <a:blip r:embed="rId2"/>
+          <a:stretch>
+            <a:fillRect/>
+          </a:stretch>
+        </p:blipFill>
+        <p:spPr>
+          <a:xfrm>
+            <a:off x="311785" y="1017905"/>
+            <a:ext cx="5206365" cy="2823845"/>
+          </a:xfrm>
+          <a:prstGeom prst="rect">
+            <a:avLst/>
+          </a:prstGeom>
+        </p:spPr>
+      </p:pic>
+    </p:spTree>
+  </p:cSld>
+  <p:clrMapOvr>
+    <a:masterClrMapping/>
+  </p:clrMapOvr>
+</p:sld>
+</file>
+
+<file path=ppt/slides/slide54.xml><?xml version="1.0" encoding="utf-8"?>
+<p:sld xmlns:a="http://schemas.openxmlformats.org/drawingml/2006/main" xmlns:r="http://schemas.openxmlformats.org/officeDocument/2006/relationships" xmlns:p="http://schemas.openxmlformats.org/presentationml/2006/main">
+  <p:cSld>
+    <p:spTree>
+      <p:nvGrpSpPr>
+        <p:cNvPr id="450" name="Shape 450"/>
+        <p:cNvGrpSpPr/>
+        <p:nvPr/>
+      </p:nvGrpSpPr>
+      <p:grpSpPr>
+        <a:xfrm>
+          <a:off x="0" y="0"/>
+          <a:ext cx="0" cy="0"/>
+          <a:chOff x="0" y="0"/>
+          <a:chExt cx="0" cy="0"/>
+        </a:xfrm>
+      </p:grpSpPr>
+      <p:sp>
+        <p:nvSpPr>
+          <p:cNvPr id="451" name="Google Shape;451;p61"/>
+          <p:cNvSpPr txBox="1"/>
+          <p:nvPr>
+            <p:ph type="title"/>
+          </p:nvPr>
+        </p:nvSpPr>
+        <p:spPr>
+          <a:xfrm>
+            <a:off x="311700" y="814800"/>
+            <a:ext cx="8571300" cy="942000"/>
+          </a:xfrm>
+          <a:prstGeom prst="rect">
+            <a:avLst/>
+          </a:prstGeom>
+        </p:spPr>
+        <p:txBody>
+          <a:bodyPr spcFirstLastPara="1" wrap="square" lIns="91425" tIns="91425" rIns="91425" bIns="91425" anchor="ctr" anchorCtr="0">
+            <a:normAutofit/>
+          </a:bodyPr>
+          <a:lstStyle/>
+          <a:p>
+            <a:pPr marL="0" lvl="0" indent="0" algn="ctr" rtl="0">
+              <a:spcBef>
+                <a:spcPts val="0"/>
+              </a:spcBef>
+              <a:spcAft>
+                <a:spcPts val="0"/>
+              </a:spcAft>
+              <a:buNone/>
+            </a:pPr>
+            <a:r>
+              <a:rPr lang="en-GB"/>
+              <a:t>THANKS FOR LISTENING</a:t>
+            </a:r>
+            <a:endParaRPr lang="en-GB"/>
+          </a:p>
+        </p:txBody>
+      </p:sp>
     </p:spTree>
   </p:cSld>
   <p:clrMapOvr>
@@ -16724,7 +20437,7 @@
       </p:sp>
       <p:pic>
         <p:nvPicPr>
-          <p:cNvPr id="1" name="Picture 0"/>
+          <p:cNvPr id="2" name="Picture 1"/>
           <p:cNvPicPr>
             <a:picLocks noChangeAspect="1"/>
           </p:cNvPicPr>

--- a/Docker - 03 - Build a Custom Images Through Docker.pptx
+++ b/Docker - 03 - Build a Custom Images Through Docker.pptx
@@ -34,45 +34,57 @@
     <p:sldId id="523" r:id="rId27"/>
     <p:sldId id="524" r:id="rId28"/>
     <p:sldId id="525" r:id="rId29"/>
-    <p:sldId id="446" r:id="rId30"/>
-    <p:sldId id="258" r:id="rId31"/>
-    <p:sldId id="349" r:id="rId32"/>
-    <p:sldId id="348" r:id="rId33"/>
-    <p:sldId id="350" r:id="rId34"/>
-    <p:sldId id="351" r:id="rId35"/>
-    <p:sldId id="352" r:id="rId36"/>
-    <p:sldId id="377" r:id="rId37"/>
-    <p:sldId id="378" r:id="rId38"/>
-    <p:sldId id="379" r:id="rId39"/>
-    <p:sldId id="380" r:id="rId40"/>
-    <p:sldId id="381" r:id="rId41"/>
-    <p:sldId id="405" r:id="rId42"/>
-    <p:sldId id="406" r:id="rId43"/>
-    <p:sldId id="407" r:id="rId44"/>
-    <p:sldId id="408" r:id="rId45"/>
-    <p:sldId id="409" r:id="rId46"/>
-    <p:sldId id="410" r:id="rId47"/>
-    <p:sldId id="434" r:id="rId48"/>
-    <p:sldId id="435" r:id="rId49"/>
-    <p:sldId id="436" r:id="rId50"/>
-    <p:sldId id="437" r:id="rId51"/>
-    <p:sldId id="440" r:id="rId52"/>
-    <p:sldId id="438" r:id="rId53"/>
-    <p:sldId id="439" r:id="rId54"/>
-    <p:sldId id="441" r:id="rId55"/>
-    <p:sldId id="442" r:id="rId56"/>
-    <p:sldId id="304" r:id="rId57"/>
+    <p:sldId id="555" r:id="rId30"/>
+    <p:sldId id="557" r:id="rId31"/>
+    <p:sldId id="556" r:id="rId32"/>
+    <p:sldId id="558" r:id="rId33"/>
+    <p:sldId id="559" r:id="rId34"/>
+    <p:sldId id="589" r:id="rId35"/>
+    <p:sldId id="590" r:id="rId36"/>
+    <p:sldId id="591" r:id="rId37"/>
+    <p:sldId id="592" r:id="rId38"/>
+    <p:sldId id="593" r:id="rId39"/>
+    <p:sldId id="594" r:id="rId40"/>
+    <p:sldId id="595" r:id="rId41"/>
+    <p:sldId id="446" r:id="rId42"/>
+    <p:sldId id="258" r:id="rId43"/>
+    <p:sldId id="349" r:id="rId44"/>
+    <p:sldId id="348" r:id="rId45"/>
+    <p:sldId id="350" r:id="rId46"/>
+    <p:sldId id="351" r:id="rId47"/>
+    <p:sldId id="352" r:id="rId48"/>
+    <p:sldId id="377" r:id="rId49"/>
+    <p:sldId id="378" r:id="rId50"/>
+    <p:sldId id="379" r:id="rId51"/>
+    <p:sldId id="380" r:id="rId52"/>
+    <p:sldId id="381" r:id="rId53"/>
+    <p:sldId id="405" r:id="rId54"/>
+    <p:sldId id="406" r:id="rId55"/>
+    <p:sldId id="407" r:id="rId56"/>
+    <p:sldId id="408" r:id="rId57"/>
+    <p:sldId id="409" r:id="rId58"/>
+    <p:sldId id="410" r:id="rId59"/>
+    <p:sldId id="434" r:id="rId60"/>
+    <p:sldId id="435" r:id="rId61"/>
+    <p:sldId id="436" r:id="rId62"/>
+    <p:sldId id="437" r:id="rId63"/>
+    <p:sldId id="440" r:id="rId64"/>
+    <p:sldId id="438" r:id="rId65"/>
+    <p:sldId id="439" r:id="rId66"/>
+    <p:sldId id="441" r:id="rId67"/>
+    <p:sldId id="442" r:id="rId68"/>
+    <p:sldId id="304" r:id="rId69"/>
   </p:sldIdLst>
   <p:sldSz cx="9144000" cy="5143500"/>
   <p:notesSz cx="6858000" cy="9144000"/>
   <p:embeddedFontLst>
     <p:embeddedFont>
       <p:font typeface="PT Sans Narrow" panose="020B0506020203020204"/>
-      <p:regular r:id="rId61"/>
+      <p:regular r:id="rId73"/>
     </p:embeddedFont>
     <p:embeddedFont>
       <p:font typeface="Open Sans" panose="020B0306030504020204"/>
-      <p:regular r:id="rId62"/>
+      <p:regular r:id="rId74"/>
     </p:embeddedFont>
   </p:embeddedFontLst>
   <p:defaultTextStyle>
@@ -2728,6 +2740,7 @@
               </a:spcAft>
               <a:buNone/>
             </a:pPr>
+            <a:endParaRPr lang="en-US"/>
           </a:p>
         </p:txBody>
       </p:sp>
@@ -2827,26 +2840,6 @@
               </a:spcAft>
               <a:buNone/>
             </a:pPr>
-            <a:r>
-              <a:rPr lang="en-US"/>
-              <a:t>we choose busybox becuase it has echo or ls command in its container.</a:t>
-            </a:r>
-            <a:endParaRPr lang="en-US"/>
-          </a:p>
-          <a:p>
-            <a:pPr marL="0" lvl="0" indent="0" algn="l" rtl="0">
-              <a:spcBef>
-                <a:spcPts val="0"/>
-              </a:spcBef>
-              <a:spcAft>
-                <a:spcPts val="0"/>
-              </a:spcAft>
-              <a:buNone/>
-            </a:pPr>
-            <a:r>
-              <a:rPr lang="en-US"/>
-              <a:t>hello-world is a single file container.</a:t>
-            </a:r>
             <a:endParaRPr lang="en-US"/>
           </a:p>
         </p:txBody>
@@ -2947,6 +2940,7 @@
               </a:spcAft>
               <a:buNone/>
             </a:pPr>
+            <a:endParaRPr lang="en-US"/>
           </a:p>
         </p:txBody>
       </p:sp>
@@ -3198,6 +3192,7 @@
               </a:spcAft>
               <a:buNone/>
             </a:pPr>
+            <a:endParaRPr lang="en-US"/>
           </a:p>
         </p:txBody>
       </p:sp>
@@ -3297,6 +3292,7 @@
               </a:spcAft>
               <a:buNone/>
             </a:pPr>
+            <a:endParaRPr lang="en-US"/>
           </a:p>
         </p:txBody>
       </p:sp>
@@ -3396,6 +3392,7 @@
               </a:spcAft>
               <a:buNone/>
             </a:pPr>
+            <a:endParaRPr lang="en-US"/>
           </a:p>
         </p:txBody>
       </p:sp>
@@ -3495,6 +3492,27 @@
               </a:spcAft>
               <a:buNone/>
             </a:pPr>
+            <a:r>
+              <a:rPr lang="en-US"/>
+              <a:t>- We move the commands into the docker-compose.yml file which will be executed by docker compose CLI.</a:t>
+            </a:r>
+            <a:endParaRPr lang="en-US"/>
+          </a:p>
+          <a:p>
+            <a:pPr marL="0" lvl="0" indent="0" algn="l" rtl="0">
+              <a:spcBef>
+                <a:spcPts val="0"/>
+              </a:spcBef>
+              <a:spcAft>
+                <a:spcPts val="0"/>
+              </a:spcAft>
+              <a:buNone/>
+            </a:pPr>
+            <a:r>
+              <a:rPr lang="en-US"/>
+              <a:t>- services: means list of docker container you want to run</a:t>
+            </a:r>
+            <a:endParaRPr lang="en-US"/>
           </a:p>
         </p:txBody>
       </p:sp>
@@ -3594,70 +3612,6 @@
               </a:spcAft>
               <a:buNone/>
             </a:pPr>
-            <a:r>
-              <a:rPr lang="en-US"/>
-              <a:t>docker start -a hello-world</a:t>
-            </a:r>
-            <a:endParaRPr lang="en-US"/>
-          </a:p>
-          <a:p>
-            <a:pPr marL="0" lvl="0" indent="0" algn="l" rtl="0">
-              <a:spcBef>
-                <a:spcPts val="0"/>
-              </a:spcBef>
-              <a:spcAft>
-                <a:spcPts val="0"/>
-              </a:spcAft>
-              <a:buNone/>
-            </a:pPr>
-            <a:r>
-              <a:rPr lang="en-US"/>
-              <a:t>-a is a option, let the docker show the output coming from it and print it out at the terminal</a:t>
-            </a:r>
-            <a:endParaRPr lang="en-US"/>
-          </a:p>
-          <a:p>
-            <a:pPr marL="0" lvl="0" indent="0" algn="l" rtl="0">
-              <a:spcBef>
-                <a:spcPts val="0"/>
-              </a:spcBef>
-              <a:spcAft>
-                <a:spcPts val="0"/>
-              </a:spcAft>
-              <a:buNone/>
-            </a:pPr>
-            <a:endParaRPr lang="en-US"/>
-          </a:p>
-          <a:p>
-            <a:pPr marL="0" lvl="0" indent="0" algn="l" rtl="0">
-              <a:spcBef>
-                <a:spcPts val="0"/>
-              </a:spcBef>
-              <a:spcAft>
-                <a:spcPts val="0"/>
-              </a:spcAft>
-              <a:buNone/>
-            </a:pPr>
-            <a:r>
-              <a:rPr lang="en-US"/>
-              <a:t>docker run</a:t>
-            </a:r>
-            <a:endParaRPr lang="en-US"/>
-          </a:p>
-          <a:p>
-            <a:pPr marL="0" lvl="0" indent="0" algn="l" rtl="0">
-              <a:spcBef>
-                <a:spcPts val="0"/>
-              </a:spcBef>
-              <a:spcAft>
-                <a:spcPts val="0"/>
-              </a:spcAft>
-              <a:buNone/>
-            </a:pPr>
-            <a:r>
-              <a:rPr lang="en-US"/>
-              <a:t>=&gt; is going to show you all the logs or all the information coming out of the container by default</a:t>
-            </a:r>
             <a:endParaRPr lang="en-US"/>
           </a:p>
         </p:txBody>
@@ -3758,178 +3712,6 @@
               </a:spcAft>
               <a:buNone/>
             </a:pPr>
-            <a:r>
-              <a:rPr lang="en-US"/>
-              <a:t>check all container are running</a:t>
-            </a:r>
-            <a:endParaRPr lang="en-US"/>
-          </a:p>
-          <a:p>
-            <a:pPr marL="0" lvl="0" indent="0" algn="l" rtl="0">
-              <a:spcBef>
-                <a:spcPts val="0"/>
-              </a:spcBef>
-              <a:spcAft>
-                <a:spcPts val="0"/>
-              </a:spcAft>
-              <a:buNone/>
-            </a:pPr>
-            <a:r>
-              <a:rPr lang="en-US"/>
-              <a:t>&gt;&gt; docker ps --all</a:t>
-            </a:r>
-            <a:endParaRPr lang="en-US"/>
-          </a:p>
-          <a:p>
-            <a:pPr marL="0" lvl="0" indent="0" algn="l" rtl="0">
-              <a:spcBef>
-                <a:spcPts val="0"/>
-              </a:spcBef>
-              <a:spcAft>
-                <a:spcPts val="0"/>
-              </a:spcAft>
-              <a:buNone/>
-            </a:pPr>
-            <a:r>
-              <a:rPr lang="en-US"/>
-              <a:t>run busybox container</a:t>
-            </a:r>
-            <a:endParaRPr lang="en-US"/>
-          </a:p>
-          <a:p>
-            <a:pPr marL="0" lvl="0" indent="0" algn="l" rtl="0">
-              <a:spcBef>
-                <a:spcPts val="0"/>
-              </a:spcBef>
-              <a:spcAft>
-                <a:spcPts val="0"/>
-              </a:spcAft>
-              <a:buNone/>
-            </a:pPr>
-            <a:r>
-              <a:rPr lang="en-US"/>
-              <a:t>&gt;&gt; docker run busybox echo hi there</a:t>
-            </a:r>
-            <a:endParaRPr lang="en-US"/>
-          </a:p>
-          <a:p>
-            <a:pPr marL="0" lvl="0" indent="0" algn="l" rtl="0">
-              <a:spcBef>
-                <a:spcPts val="0"/>
-              </a:spcBef>
-              <a:spcAft>
-                <a:spcPts val="0"/>
-              </a:spcAft>
-              <a:buNone/>
-            </a:pPr>
-            <a:r>
-              <a:rPr lang="en-US"/>
-              <a:t>check all containers are running</a:t>
-            </a:r>
-            <a:endParaRPr lang="en-US"/>
-          </a:p>
-          <a:p>
-            <a:pPr marL="0" lvl="0" indent="0" algn="l" rtl="0">
-              <a:spcBef>
-                <a:spcPts val="0"/>
-              </a:spcBef>
-              <a:spcAft>
-                <a:spcPts val="0"/>
-              </a:spcAft>
-              <a:buNone/>
-            </a:pPr>
-            <a:r>
-              <a:rPr lang="en-US"/>
-              <a:t>&gt;&gt; docker ps --all</a:t>
-            </a:r>
-            <a:endParaRPr lang="en-US"/>
-          </a:p>
-          <a:p>
-            <a:pPr marL="0" lvl="0" indent="0" algn="l" rtl="0">
-              <a:spcBef>
-                <a:spcPts val="0"/>
-              </a:spcBef>
-              <a:spcAft>
-                <a:spcPts val="0"/>
-              </a:spcAft>
-              <a:buNone/>
-            </a:pPr>
-            <a:r>
-              <a:rPr lang="en-US"/>
-              <a:t>Restart a stopped container by using its ID</a:t>
-            </a:r>
-            <a:endParaRPr lang="en-US"/>
-          </a:p>
-          <a:p>
-            <a:pPr marL="0" lvl="0" indent="0" algn="l" rtl="0">
-              <a:spcBef>
-                <a:spcPts val="0"/>
-              </a:spcBef>
-              <a:spcAft>
-                <a:spcPts val="0"/>
-              </a:spcAft>
-              <a:buNone/>
-            </a:pPr>
-            <a:r>
-              <a:rPr lang="en-US"/>
-              <a:t>&gt;&gt; docker start -a ID</a:t>
-            </a:r>
-            <a:endParaRPr lang="en-US"/>
-          </a:p>
-          <a:p>
-            <a:pPr marL="0" lvl="0" indent="0" algn="l" rtl="0">
-              <a:spcBef>
-                <a:spcPts val="0"/>
-              </a:spcBef>
-              <a:spcAft>
-                <a:spcPts val="0"/>
-              </a:spcAft>
-              <a:buNone/>
-            </a:pPr>
-            <a:r>
-              <a:rPr lang="en-US"/>
-              <a:t>If you try to change the default command, it still show error</a:t>
-            </a:r>
-            <a:endParaRPr lang="en-US"/>
-          </a:p>
-          <a:p>
-            <a:pPr marL="0" lvl="0" indent="0" algn="l" rtl="0">
-              <a:spcBef>
-                <a:spcPts val="0"/>
-              </a:spcBef>
-              <a:spcAft>
-                <a:spcPts val="0"/>
-              </a:spcAft>
-              <a:buNone/>
-            </a:pPr>
-            <a:r>
-              <a:rPr lang="en-US"/>
-              <a:t>&gt;&gt; docker start -a ID echo hello</a:t>
-            </a:r>
-            <a:endParaRPr lang="en-US"/>
-          </a:p>
-          <a:p>
-            <a:pPr marL="0" lvl="0" indent="0" algn="l" rtl="0">
-              <a:spcBef>
-                <a:spcPts val="0"/>
-              </a:spcBef>
-              <a:spcAft>
-                <a:spcPts val="0"/>
-              </a:spcAft>
-              <a:buNone/>
-            </a:pPr>
-            <a:endParaRPr lang="en-US"/>
-          </a:p>
-          <a:p>
-            <a:pPr marL="0" lvl="0" indent="0" algn="l" rtl="0">
-              <a:spcBef>
-                <a:spcPts val="0"/>
-              </a:spcBef>
-              <a:spcAft>
-                <a:spcPts val="0"/>
-              </a:spcAft>
-              <a:buNone/>
-            </a:pPr>
             <a:endParaRPr lang="en-US"/>
           </a:p>
         </p:txBody>
@@ -4030,198 +3812,6 @@
               </a:spcAft>
               <a:buNone/>
             </a:pPr>
-            <a:r>
-              <a:rPr lang="en-US"/>
-              <a:t>check all container are running</a:t>
-            </a:r>
-            <a:endParaRPr lang="en-US"/>
-          </a:p>
-          <a:p>
-            <a:pPr marL="0" lvl="0" indent="0" algn="l" rtl="0">
-              <a:spcBef>
-                <a:spcPts val="0"/>
-              </a:spcBef>
-              <a:spcAft>
-                <a:spcPts val="0"/>
-              </a:spcAft>
-              <a:buNone/>
-            </a:pPr>
-            <a:r>
-              <a:rPr lang="en-US"/>
-              <a:t>&gt;&gt; docker ps --all</a:t>
-            </a:r>
-            <a:endParaRPr lang="en-US"/>
-          </a:p>
-          <a:p>
-            <a:pPr marL="0" lvl="0" indent="0" algn="l" rtl="0">
-              <a:spcBef>
-                <a:spcPts val="0"/>
-              </a:spcBef>
-              <a:spcAft>
-                <a:spcPts val="0"/>
-              </a:spcAft>
-              <a:buNone/>
-            </a:pPr>
-            <a:r>
-              <a:rPr lang="en-US"/>
-              <a:t>run busybox container</a:t>
-            </a:r>
-            <a:endParaRPr lang="en-US"/>
-          </a:p>
-          <a:p>
-            <a:pPr marL="0" lvl="0" indent="0" algn="l" rtl="0">
-              <a:spcBef>
-                <a:spcPts val="0"/>
-              </a:spcBef>
-              <a:spcAft>
-                <a:spcPts val="0"/>
-              </a:spcAft>
-              <a:buNone/>
-            </a:pPr>
-            <a:r>
-              <a:rPr lang="en-US"/>
-              <a:t>&gt;&gt; docker run busybox echo hi there</a:t>
-            </a:r>
-            <a:endParaRPr lang="en-US"/>
-          </a:p>
-          <a:p>
-            <a:pPr marL="0" lvl="0" indent="0" algn="l" rtl="0">
-              <a:spcBef>
-                <a:spcPts val="0"/>
-              </a:spcBef>
-              <a:spcAft>
-                <a:spcPts val="0"/>
-              </a:spcAft>
-              <a:buNone/>
-            </a:pPr>
-            <a:r>
-              <a:rPr lang="en-US"/>
-              <a:t>check all containers are running</a:t>
-            </a:r>
-            <a:endParaRPr lang="en-US"/>
-          </a:p>
-          <a:p>
-            <a:pPr marL="0" lvl="0" indent="0" algn="l" rtl="0">
-              <a:spcBef>
-                <a:spcPts val="0"/>
-              </a:spcBef>
-              <a:spcAft>
-                <a:spcPts val="0"/>
-              </a:spcAft>
-              <a:buNone/>
-            </a:pPr>
-            <a:r>
-              <a:rPr lang="en-US"/>
-              <a:t>&gt;&gt; docker ps --all</a:t>
-            </a:r>
-            <a:endParaRPr lang="en-US"/>
-          </a:p>
-          <a:p>
-            <a:pPr marL="0" lvl="0" indent="0" algn="l" rtl="0">
-              <a:spcBef>
-                <a:spcPts val="0"/>
-              </a:spcBef>
-              <a:spcAft>
-                <a:spcPts val="0"/>
-              </a:spcAft>
-              <a:buNone/>
-            </a:pPr>
-            <a:r>
-              <a:rPr lang="en-US"/>
-              <a:t>Restart a stopped container by using its ID</a:t>
-            </a:r>
-            <a:endParaRPr lang="en-US"/>
-          </a:p>
-          <a:p>
-            <a:pPr marL="0" lvl="0" indent="0" algn="l" rtl="0">
-              <a:spcBef>
-                <a:spcPts val="0"/>
-              </a:spcBef>
-              <a:spcAft>
-                <a:spcPts val="0"/>
-              </a:spcAft>
-              <a:buNone/>
-            </a:pPr>
-            <a:r>
-              <a:rPr lang="en-US"/>
-              <a:t>&gt;&gt; docker start -a ID</a:t>
-            </a:r>
-            <a:endParaRPr lang="en-US"/>
-          </a:p>
-          <a:p>
-            <a:pPr marL="0" lvl="0" indent="0" algn="l" rtl="0">
-              <a:spcBef>
-                <a:spcPts val="0"/>
-              </a:spcBef>
-              <a:spcAft>
-                <a:spcPts val="0"/>
-              </a:spcAft>
-              <a:buNone/>
-            </a:pPr>
-            <a:r>
-              <a:rPr lang="en-US"/>
-              <a:t>=&gt; When run the container second time, The primary command will start automatically</a:t>
-            </a:r>
-            <a:endParaRPr lang="en-US"/>
-          </a:p>
-          <a:p>
-            <a:pPr marL="0" lvl="0" indent="0" algn="l" rtl="0">
-              <a:spcBef>
-                <a:spcPts val="0"/>
-              </a:spcBef>
-              <a:spcAft>
-                <a:spcPts val="0"/>
-              </a:spcAft>
-              <a:buNone/>
-            </a:pPr>
-            <a:r>
-              <a:rPr lang="en-US"/>
-              <a:t>If you try to change the default command, it still show error</a:t>
-            </a:r>
-            <a:endParaRPr lang="en-US"/>
-          </a:p>
-          <a:p>
-            <a:pPr marL="0" lvl="0" indent="0" algn="l" rtl="0">
-              <a:spcBef>
-                <a:spcPts val="0"/>
-              </a:spcBef>
-              <a:spcAft>
-                <a:spcPts val="0"/>
-              </a:spcAft>
-              <a:buNone/>
-            </a:pPr>
-            <a:r>
-              <a:rPr lang="en-US"/>
-              <a:t>&gt;&gt; docker start -a ID echo hello</a:t>
-            </a:r>
-            <a:endParaRPr lang="en-US"/>
-          </a:p>
-          <a:p>
-            <a:pPr marL="0" lvl="0" indent="0" algn="l" rtl="0">
-              <a:spcBef>
-                <a:spcPts val="0"/>
-              </a:spcBef>
-              <a:spcAft>
-                <a:spcPts val="0"/>
-              </a:spcAft>
-              <a:buNone/>
-            </a:pPr>
-            <a:r>
-              <a:rPr lang="en-US"/>
-              <a:t>=&gt; It will show the error because the current primary command here cannot override</a:t>
-            </a:r>
-            <a:endParaRPr lang="en-US"/>
-          </a:p>
-          <a:p>
-            <a:pPr marL="0" lvl="0" indent="0" algn="l" rtl="0">
-              <a:spcBef>
-                <a:spcPts val="0"/>
-              </a:spcBef>
-              <a:spcAft>
-                <a:spcPts val="0"/>
-              </a:spcAft>
-              <a:buNone/>
-            </a:pPr>
             <a:endParaRPr lang="en-US"/>
           </a:p>
         </p:txBody>
@@ -4522,7 +4112,6 @@
               </a:spcAft>
               <a:buNone/>
             </a:pPr>
-            <a:endParaRPr lang="en-US"/>
           </a:p>
         </p:txBody>
       </p:sp>
@@ -4722,6 +4311,26 @@
               </a:spcAft>
               <a:buNone/>
             </a:pPr>
+            <a:r>
+              <a:rPr lang="en-US"/>
+              <a:t>we choose busybox becuase it has echo or ls command in its container.</a:t>
+            </a:r>
+            <a:endParaRPr lang="en-US"/>
+          </a:p>
+          <a:p>
+            <a:pPr marL="0" lvl="0" indent="0" algn="l" rtl="0">
+              <a:spcBef>
+                <a:spcPts val="0"/>
+              </a:spcBef>
+              <a:spcAft>
+                <a:spcPts val="0"/>
+              </a:spcAft>
+              <a:buNone/>
+            </a:pPr>
+            <a:r>
+              <a:rPr lang="en-US"/>
+              <a:t>hello-world is a single file container.</a:t>
+            </a:r>
             <a:endParaRPr lang="en-US"/>
           </a:p>
         </p:txBody>
@@ -4822,71 +4431,6 @@
               </a:spcAft>
               <a:buNone/>
             </a:pPr>
-            <a:r>
-              <a:rPr lang="en-US"/>
-              <a:t>stop and kill are used to stop and kill a container. But it has a different</a:t>
-            </a:r>
-            <a:endParaRPr lang="en-US"/>
-          </a:p>
-          <a:p>
-            <a:pPr marL="0" lvl="0" indent="0" algn="l" rtl="0">
-              <a:spcBef>
-                <a:spcPts val="0"/>
-              </a:spcBef>
-              <a:spcAft>
-                <a:spcPts val="0"/>
-              </a:spcAft>
-              <a:buNone/>
-            </a:pPr>
-            <a:r>
-              <a:rPr lang="en-US"/>
-              <a:t>when use stop command, a hardware signal sent  to the primary process inside the container (SIGTERM mean terminate signal) to let the container know to shutdown now with a little bit time to clean up the conainer (save files, or emit some messages,...)</a:t>
-            </a:r>
-            <a:endParaRPr lang="en-US"/>
-          </a:p>
-          <a:p>
-            <a:pPr marL="0" lvl="0" indent="0" algn="l" rtl="0">
-              <a:spcBef>
-                <a:spcPts val="0"/>
-              </a:spcBef>
-              <a:spcAft>
-                <a:spcPts val="0"/>
-              </a:spcAft>
-              <a:buNone/>
-            </a:pPr>
-            <a:r>
-              <a:rPr lang="en-US"/>
-              <a:t>- if the container does not stop in 10 seconds, it wil call kill command.</a:t>
-            </a:r>
-            <a:endParaRPr lang="en-US"/>
-          </a:p>
-          <a:p>
-            <a:pPr marL="0" lvl="0" indent="0" algn="l" rtl="0">
-              <a:spcBef>
-                <a:spcPts val="0"/>
-              </a:spcBef>
-              <a:spcAft>
-                <a:spcPts val="0"/>
-              </a:spcAft>
-              <a:buNone/>
-            </a:pPr>
-            <a:endParaRPr lang="en-US"/>
-          </a:p>
-          <a:p>
-            <a:pPr marL="0" lvl="0" indent="0" algn="l" rtl="0">
-              <a:spcBef>
-                <a:spcPts val="0"/>
-              </a:spcBef>
-              <a:spcAft>
-                <a:spcPts val="0"/>
-              </a:spcAft>
-              <a:buNone/>
-            </a:pPr>
-            <a:r>
-              <a:rPr lang="en-US"/>
-              <a:t>kill command: to sent a signal to the primary container to kill the container immediatelly.</a:t>
-            </a:r>
-            <a:endParaRPr lang="en-US"/>
           </a:p>
         </p:txBody>
       </p:sp>
@@ -4986,7 +4530,6 @@
               </a:spcAft>
               <a:buNone/>
             </a:pPr>
-            <a:endParaRPr lang="en-US"/>
           </a:p>
         </p:txBody>
       </p:sp>
@@ -5086,7 +4629,6 @@
               </a:spcAft>
               <a:buNone/>
             </a:pPr>
-            <a:endParaRPr lang="en-US"/>
           </a:p>
         </p:txBody>
       </p:sp>
@@ -5186,7 +4728,6 @@
               </a:spcAft>
               <a:buNone/>
             </a:pPr>
-            <a:endParaRPr lang="en-US"/>
           </a:p>
         </p:txBody>
       </p:sp>
@@ -5286,7 +4827,6 @@
               </a:spcAft>
               <a:buNone/>
             </a:pPr>
-            <a:endParaRPr lang="en-US"/>
           </a:p>
         </p:txBody>
       </p:sp>
@@ -5386,6 +4926,70 @@
               </a:spcAft>
               <a:buNone/>
             </a:pPr>
+            <a:r>
+              <a:rPr lang="en-US"/>
+              <a:t>docker start -a hello-world</a:t>
+            </a:r>
+            <a:endParaRPr lang="en-US"/>
+          </a:p>
+          <a:p>
+            <a:pPr marL="0" lvl="0" indent="0" algn="l" rtl="0">
+              <a:spcBef>
+                <a:spcPts val="0"/>
+              </a:spcBef>
+              <a:spcAft>
+                <a:spcPts val="0"/>
+              </a:spcAft>
+              <a:buNone/>
+            </a:pPr>
+            <a:r>
+              <a:rPr lang="en-US"/>
+              <a:t>-a is a option, let the docker show the output coming from it and print it out at the terminal</a:t>
+            </a:r>
+            <a:endParaRPr lang="en-US"/>
+          </a:p>
+          <a:p>
+            <a:pPr marL="0" lvl="0" indent="0" algn="l" rtl="0">
+              <a:spcBef>
+                <a:spcPts val="0"/>
+              </a:spcBef>
+              <a:spcAft>
+                <a:spcPts val="0"/>
+              </a:spcAft>
+              <a:buNone/>
+            </a:pPr>
+            <a:endParaRPr lang="en-US"/>
+          </a:p>
+          <a:p>
+            <a:pPr marL="0" lvl="0" indent="0" algn="l" rtl="0">
+              <a:spcBef>
+                <a:spcPts val="0"/>
+              </a:spcBef>
+              <a:spcAft>
+                <a:spcPts val="0"/>
+              </a:spcAft>
+              <a:buNone/>
+            </a:pPr>
+            <a:r>
+              <a:rPr lang="en-US"/>
+              <a:t>docker run</a:t>
+            </a:r>
+            <a:endParaRPr lang="en-US"/>
+          </a:p>
+          <a:p>
+            <a:pPr marL="0" lvl="0" indent="0" algn="l" rtl="0">
+              <a:spcBef>
+                <a:spcPts val="0"/>
+              </a:spcBef>
+              <a:spcAft>
+                <a:spcPts val="0"/>
+              </a:spcAft>
+              <a:buNone/>
+            </a:pPr>
+            <a:r>
+              <a:rPr lang="en-US"/>
+              <a:t>=&gt; is going to show you all the logs or all the information coming out of the container by default</a:t>
+            </a:r>
             <a:endParaRPr lang="en-US"/>
           </a:p>
         </p:txBody>
@@ -5488,7 +5092,7 @@
             </a:pPr>
             <a:r>
               <a:rPr lang="en-US"/>
-              <a:t>When you run a docker in your local machine, every single container that you are running is running inside of a virtual machine running Linux</a:t>
+              <a:t>check all container are running</a:t>
             </a:r>
             <a:endParaRPr lang="en-US"/>
           </a:p>
@@ -5504,8 +5108,160 @@
             </a:pPr>
             <a:r>
               <a:rPr lang="en-US"/>
-              <a:t>So these process are really being executed inside of a Linux world, even if you are on Mac or Windows</a:t>
+              <a:t>&gt;&gt; docker ps --all</a:t>
             </a:r>
+            <a:endParaRPr lang="en-US"/>
+          </a:p>
+          <a:p>
+            <a:pPr marL="0" lvl="0" indent="0" algn="l" rtl="0">
+              <a:spcBef>
+                <a:spcPts val="0"/>
+              </a:spcBef>
+              <a:spcAft>
+                <a:spcPts val="0"/>
+              </a:spcAft>
+              <a:buNone/>
+            </a:pPr>
+            <a:r>
+              <a:rPr lang="en-US"/>
+              <a:t>run busybox container</a:t>
+            </a:r>
+            <a:endParaRPr lang="en-US"/>
+          </a:p>
+          <a:p>
+            <a:pPr marL="0" lvl="0" indent="0" algn="l" rtl="0">
+              <a:spcBef>
+                <a:spcPts val="0"/>
+              </a:spcBef>
+              <a:spcAft>
+                <a:spcPts val="0"/>
+              </a:spcAft>
+              <a:buNone/>
+            </a:pPr>
+            <a:r>
+              <a:rPr lang="en-US"/>
+              <a:t>&gt;&gt; docker run busybox echo hi there</a:t>
+            </a:r>
+            <a:endParaRPr lang="en-US"/>
+          </a:p>
+          <a:p>
+            <a:pPr marL="0" lvl="0" indent="0" algn="l" rtl="0">
+              <a:spcBef>
+                <a:spcPts val="0"/>
+              </a:spcBef>
+              <a:spcAft>
+                <a:spcPts val="0"/>
+              </a:spcAft>
+              <a:buNone/>
+            </a:pPr>
+            <a:r>
+              <a:rPr lang="en-US"/>
+              <a:t>check all containers are running</a:t>
+            </a:r>
+            <a:endParaRPr lang="en-US"/>
+          </a:p>
+          <a:p>
+            <a:pPr marL="0" lvl="0" indent="0" algn="l" rtl="0">
+              <a:spcBef>
+                <a:spcPts val="0"/>
+              </a:spcBef>
+              <a:spcAft>
+                <a:spcPts val="0"/>
+              </a:spcAft>
+              <a:buNone/>
+            </a:pPr>
+            <a:r>
+              <a:rPr lang="en-US"/>
+              <a:t>&gt;&gt; docker ps --all</a:t>
+            </a:r>
+            <a:endParaRPr lang="en-US"/>
+          </a:p>
+          <a:p>
+            <a:pPr marL="0" lvl="0" indent="0" algn="l" rtl="0">
+              <a:spcBef>
+                <a:spcPts val="0"/>
+              </a:spcBef>
+              <a:spcAft>
+                <a:spcPts val="0"/>
+              </a:spcAft>
+              <a:buNone/>
+            </a:pPr>
+            <a:r>
+              <a:rPr lang="en-US"/>
+              <a:t>Restart a stopped container by using its ID</a:t>
+            </a:r>
+            <a:endParaRPr lang="en-US"/>
+          </a:p>
+          <a:p>
+            <a:pPr marL="0" lvl="0" indent="0" algn="l" rtl="0">
+              <a:spcBef>
+                <a:spcPts val="0"/>
+              </a:spcBef>
+              <a:spcAft>
+                <a:spcPts val="0"/>
+              </a:spcAft>
+              <a:buNone/>
+            </a:pPr>
+            <a:r>
+              <a:rPr lang="en-US"/>
+              <a:t>&gt;&gt; docker start -a ID</a:t>
+            </a:r>
+            <a:endParaRPr lang="en-US"/>
+          </a:p>
+          <a:p>
+            <a:pPr marL="0" lvl="0" indent="0" algn="l" rtl="0">
+              <a:spcBef>
+                <a:spcPts val="0"/>
+              </a:spcBef>
+              <a:spcAft>
+                <a:spcPts val="0"/>
+              </a:spcAft>
+              <a:buNone/>
+            </a:pPr>
+            <a:r>
+              <a:rPr lang="en-US"/>
+              <a:t>If you try to change the default command, it still show error</a:t>
+            </a:r>
+            <a:endParaRPr lang="en-US"/>
+          </a:p>
+          <a:p>
+            <a:pPr marL="0" lvl="0" indent="0" algn="l" rtl="0">
+              <a:spcBef>
+                <a:spcPts val="0"/>
+              </a:spcBef>
+              <a:spcAft>
+                <a:spcPts val="0"/>
+              </a:spcAft>
+              <a:buNone/>
+            </a:pPr>
+            <a:r>
+              <a:rPr lang="en-US"/>
+              <a:t>&gt;&gt; docker start -a ID echo hello</a:t>
+            </a:r>
+            <a:endParaRPr lang="en-US"/>
+          </a:p>
+          <a:p>
+            <a:pPr marL="0" lvl="0" indent="0" algn="l" rtl="0">
+              <a:spcBef>
+                <a:spcPts val="0"/>
+              </a:spcBef>
+              <a:spcAft>
+                <a:spcPts val="0"/>
+              </a:spcAft>
+              <a:buNone/>
+            </a:pPr>
+            <a:endParaRPr lang="en-US"/>
+          </a:p>
+          <a:p>
+            <a:pPr marL="0" lvl="0" indent="0" algn="l" rtl="0">
+              <a:spcBef>
+                <a:spcPts val="0"/>
+              </a:spcBef>
+              <a:spcAft>
+                <a:spcPts val="0"/>
+              </a:spcAft>
+              <a:buNone/>
+            </a:pPr>
             <a:endParaRPr lang="en-US"/>
           </a:p>
         </p:txBody>
@@ -5608,8 +5364,196 @@
             </a:pPr>
             <a:r>
               <a:rPr lang="en-US"/>
-              <a:t>STDERR: communicate to other outside invironment and return the data and show on the terminal</a:t>
+              <a:t>check all container are running</a:t>
             </a:r>
+            <a:endParaRPr lang="en-US"/>
+          </a:p>
+          <a:p>
+            <a:pPr marL="0" lvl="0" indent="0" algn="l" rtl="0">
+              <a:spcBef>
+                <a:spcPts val="0"/>
+              </a:spcBef>
+              <a:spcAft>
+                <a:spcPts val="0"/>
+              </a:spcAft>
+              <a:buNone/>
+            </a:pPr>
+            <a:r>
+              <a:rPr lang="en-US"/>
+              <a:t>&gt;&gt; docker ps --all</a:t>
+            </a:r>
+            <a:endParaRPr lang="en-US"/>
+          </a:p>
+          <a:p>
+            <a:pPr marL="0" lvl="0" indent="0" algn="l" rtl="0">
+              <a:spcBef>
+                <a:spcPts val="0"/>
+              </a:spcBef>
+              <a:spcAft>
+                <a:spcPts val="0"/>
+              </a:spcAft>
+              <a:buNone/>
+            </a:pPr>
+            <a:r>
+              <a:rPr lang="en-US"/>
+              <a:t>run busybox container</a:t>
+            </a:r>
+            <a:endParaRPr lang="en-US"/>
+          </a:p>
+          <a:p>
+            <a:pPr marL="0" lvl="0" indent="0" algn="l" rtl="0">
+              <a:spcBef>
+                <a:spcPts val="0"/>
+              </a:spcBef>
+              <a:spcAft>
+                <a:spcPts val="0"/>
+              </a:spcAft>
+              <a:buNone/>
+            </a:pPr>
+            <a:r>
+              <a:rPr lang="en-US"/>
+              <a:t>&gt;&gt; docker run busybox echo hi there</a:t>
+            </a:r>
+            <a:endParaRPr lang="en-US"/>
+          </a:p>
+          <a:p>
+            <a:pPr marL="0" lvl="0" indent="0" algn="l" rtl="0">
+              <a:spcBef>
+                <a:spcPts val="0"/>
+              </a:spcBef>
+              <a:spcAft>
+                <a:spcPts val="0"/>
+              </a:spcAft>
+              <a:buNone/>
+            </a:pPr>
+            <a:r>
+              <a:rPr lang="en-US"/>
+              <a:t>check all containers are running</a:t>
+            </a:r>
+            <a:endParaRPr lang="en-US"/>
+          </a:p>
+          <a:p>
+            <a:pPr marL="0" lvl="0" indent="0" algn="l" rtl="0">
+              <a:spcBef>
+                <a:spcPts val="0"/>
+              </a:spcBef>
+              <a:spcAft>
+                <a:spcPts val="0"/>
+              </a:spcAft>
+              <a:buNone/>
+            </a:pPr>
+            <a:r>
+              <a:rPr lang="en-US"/>
+              <a:t>&gt;&gt; docker ps --all</a:t>
+            </a:r>
+            <a:endParaRPr lang="en-US"/>
+          </a:p>
+          <a:p>
+            <a:pPr marL="0" lvl="0" indent="0" algn="l" rtl="0">
+              <a:spcBef>
+                <a:spcPts val="0"/>
+              </a:spcBef>
+              <a:spcAft>
+                <a:spcPts val="0"/>
+              </a:spcAft>
+              <a:buNone/>
+            </a:pPr>
+            <a:r>
+              <a:rPr lang="en-US"/>
+              <a:t>Restart a stopped container by using its ID</a:t>
+            </a:r>
+            <a:endParaRPr lang="en-US"/>
+          </a:p>
+          <a:p>
+            <a:pPr marL="0" lvl="0" indent="0" algn="l" rtl="0">
+              <a:spcBef>
+                <a:spcPts val="0"/>
+              </a:spcBef>
+              <a:spcAft>
+                <a:spcPts val="0"/>
+              </a:spcAft>
+              <a:buNone/>
+            </a:pPr>
+            <a:r>
+              <a:rPr lang="en-US"/>
+              <a:t>&gt;&gt; docker start -a ID</a:t>
+            </a:r>
+            <a:endParaRPr lang="en-US"/>
+          </a:p>
+          <a:p>
+            <a:pPr marL="0" lvl="0" indent="0" algn="l" rtl="0">
+              <a:spcBef>
+                <a:spcPts val="0"/>
+              </a:spcBef>
+              <a:spcAft>
+                <a:spcPts val="0"/>
+              </a:spcAft>
+              <a:buNone/>
+            </a:pPr>
+            <a:r>
+              <a:rPr lang="en-US"/>
+              <a:t>=&gt; When run the container second time, The primary command will start automatically</a:t>
+            </a:r>
+            <a:endParaRPr lang="en-US"/>
+          </a:p>
+          <a:p>
+            <a:pPr marL="0" lvl="0" indent="0" algn="l" rtl="0">
+              <a:spcBef>
+                <a:spcPts val="0"/>
+              </a:spcBef>
+              <a:spcAft>
+                <a:spcPts val="0"/>
+              </a:spcAft>
+              <a:buNone/>
+            </a:pPr>
+            <a:r>
+              <a:rPr lang="en-US"/>
+              <a:t>If you try to change the default command, it still show error</a:t>
+            </a:r>
+            <a:endParaRPr lang="en-US"/>
+          </a:p>
+          <a:p>
+            <a:pPr marL="0" lvl="0" indent="0" algn="l" rtl="0">
+              <a:spcBef>
+                <a:spcPts val="0"/>
+              </a:spcBef>
+              <a:spcAft>
+                <a:spcPts val="0"/>
+              </a:spcAft>
+              <a:buNone/>
+            </a:pPr>
+            <a:r>
+              <a:rPr lang="en-US"/>
+              <a:t>&gt;&gt; docker start -a ID echo hello</a:t>
+            </a:r>
+            <a:endParaRPr lang="en-US"/>
+          </a:p>
+          <a:p>
+            <a:pPr marL="0" lvl="0" indent="0" algn="l" rtl="0">
+              <a:spcBef>
+                <a:spcPts val="0"/>
+              </a:spcBef>
+              <a:spcAft>
+                <a:spcPts val="0"/>
+              </a:spcAft>
+              <a:buNone/>
+            </a:pPr>
+            <a:r>
+              <a:rPr lang="en-US"/>
+              <a:t>=&gt; It will show the error because the current primary command here cannot override</a:t>
+            </a:r>
+            <a:endParaRPr lang="en-US"/>
+          </a:p>
+          <a:p>
+            <a:pPr marL="0" lvl="0" indent="0" algn="l" rtl="0">
+              <a:spcBef>
+                <a:spcPts val="0"/>
+              </a:spcBef>
+              <a:spcAft>
+                <a:spcPts val="0"/>
+              </a:spcAft>
+              <a:buNone/>
+            </a:pPr>
             <a:endParaRPr lang="en-US"/>
           </a:p>
         </p:txBody>
@@ -6130,10 +6074,6 @@
               </a:spcAft>
               <a:buNone/>
             </a:pPr>
-            <a:r>
-              <a:rPr lang="en-US"/>
-              <a:t>run two commands are the same to check its container are shared folder or not</a:t>
-            </a:r>
             <a:endParaRPr lang="en-US"/>
           </a:p>
         </p:txBody>
@@ -6151,7 +6091,7 @@
   <p:cSld>
     <p:spTree>
       <p:nvGrpSpPr>
-        <p:cNvPr id="447" name="Shape 447"/>
+        <p:cNvPr id="74" name="Shape 74"/>
         <p:cNvGrpSpPr/>
         <p:nvPr/>
       </p:nvGrpSpPr>
@@ -6165,7 +6105,7 @@
       </p:grpSpPr>
       <p:sp>
         <p:nvSpPr>
-          <p:cNvPr id="448" name="Google Shape;448;gcb89376c82_0_37:notes"/>
+          <p:cNvPr id="75" name="Google Shape;75;gcad7496ea3_0_0:notes"/>
           <p:cNvSpPr/>
           <p:nvPr>
             <p:ph type="sldImg" idx="2"/>
@@ -6204,7 +6144,7 @@
       </p:sp>
       <p:sp>
         <p:nvSpPr>
-          <p:cNvPr id="449" name="Google Shape;449;gcb89376c82_0_37:notes"/>
+          <p:cNvPr id="76" name="Google Shape;76;gcad7496ea3_0_0:notes"/>
           <p:cNvSpPr txBox="1"/>
           <p:nvPr>
             <p:ph type="body" idx="1"/>
@@ -6234,6 +6174,691 @@
               </a:spcAft>
               <a:buNone/>
             </a:pPr>
+            <a:r>
+              <a:rPr lang="en-US"/>
+              <a:t>stop and kill are used to stop and kill a container. But it has a different</a:t>
+            </a:r>
+            <a:endParaRPr lang="en-US"/>
+          </a:p>
+          <a:p>
+            <a:pPr marL="0" lvl="0" indent="0" algn="l" rtl="0">
+              <a:spcBef>
+                <a:spcPts val="0"/>
+              </a:spcBef>
+              <a:spcAft>
+                <a:spcPts val="0"/>
+              </a:spcAft>
+              <a:buNone/>
+            </a:pPr>
+            <a:r>
+              <a:rPr lang="en-US"/>
+              <a:t>when use stop command, a hardware signal sent  to the primary process inside the container (SIGTERM mean terminate signal) to let the container know to shutdown now with a little bit time to clean up the conainer (save files, or emit some messages,...)</a:t>
+            </a:r>
+            <a:endParaRPr lang="en-US"/>
+          </a:p>
+          <a:p>
+            <a:pPr marL="0" lvl="0" indent="0" algn="l" rtl="0">
+              <a:spcBef>
+                <a:spcPts val="0"/>
+              </a:spcBef>
+              <a:spcAft>
+                <a:spcPts val="0"/>
+              </a:spcAft>
+              <a:buNone/>
+            </a:pPr>
+            <a:r>
+              <a:rPr lang="en-US"/>
+              <a:t>- if the container does not stop in 10 seconds, it wil call kill command.</a:t>
+            </a:r>
+            <a:endParaRPr lang="en-US"/>
+          </a:p>
+          <a:p>
+            <a:pPr marL="0" lvl="0" indent="0" algn="l" rtl="0">
+              <a:spcBef>
+                <a:spcPts val="0"/>
+              </a:spcBef>
+              <a:spcAft>
+                <a:spcPts val="0"/>
+              </a:spcAft>
+              <a:buNone/>
+            </a:pPr>
+            <a:endParaRPr lang="en-US"/>
+          </a:p>
+          <a:p>
+            <a:pPr marL="0" lvl="0" indent="0" algn="l" rtl="0">
+              <a:spcBef>
+                <a:spcPts val="0"/>
+              </a:spcBef>
+              <a:spcAft>
+                <a:spcPts val="0"/>
+              </a:spcAft>
+              <a:buNone/>
+            </a:pPr>
+            <a:r>
+              <a:rPr lang="en-US"/>
+              <a:t>kill command: to sent a signal to the primary container to kill the container immediatelly.</a:t>
+            </a:r>
+            <a:endParaRPr lang="en-US"/>
+          </a:p>
+        </p:txBody>
+      </p:sp>
+    </p:spTree>
+  </p:cSld>
+  <p:clrMapOvr>
+    <a:masterClrMapping/>
+  </p:clrMapOvr>
+</p:notes>
+</file>
+
+<file path=ppt/notesSlides/notesSlide54.xml><?xml version="1.0" encoding="utf-8"?>
+<p:notes xmlns:a="http://schemas.openxmlformats.org/drawingml/2006/main" xmlns:r="http://schemas.openxmlformats.org/officeDocument/2006/relationships" xmlns:p="http://schemas.openxmlformats.org/presentationml/2006/main" showMasterPhAnim="0" showMasterSp="0">
+  <p:cSld>
+    <p:spTree>
+      <p:nvGrpSpPr>
+        <p:cNvPr id="74" name="Shape 74"/>
+        <p:cNvGrpSpPr/>
+        <p:nvPr/>
+      </p:nvGrpSpPr>
+      <p:grpSpPr>
+        <a:xfrm>
+          <a:off x="0" y="0"/>
+          <a:ext cx="0" cy="0"/>
+          <a:chOff x="0" y="0"/>
+          <a:chExt cx="0" cy="0"/>
+        </a:xfrm>
+      </p:grpSpPr>
+      <p:sp>
+        <p:nvSpPr>
+          <p:cNvPr id="75" name="Google Shape;75;gcad7496ea3_0_0:notes"/>
+          <p:cNvSpPr/>
+          <p:nvPr>
+            <p:ph type="sldImg" idx="2"/>
+          </p:nvPr>
+        </p:nvSpPr>
+        <p:spPr>
+          <a:xfrm>
+            <a:off x="381300" y="685800"/>
+            <a:ext cx="6096000" cy="3429000"/>
+          </a:xfrm>
+          <a:custGeom>
+            <a:avLst/>
+            <a:gdLst/>
+            <a:ahLst/>
+            <a:cxnLst/>
+            <a:rect l="l" t="t" r="r" b="b"/>
+            <a:pathLst>
+              <a:path w="120000" h="120000" extrusionOk="0">
+                <a:moveTo>
+                  <a:pt x="0" y="0"/>
+                </a:moveTo>
+                <a:lnTo>
+                  <a:pt x="120000" y="0"/>
+                </a:lnTo>
+                <a:lnTo>
+                  <a:pt x="120000" y="120000"/>
+                </a:lnTo>
+                <a:lnTo>
+                  <a:pt x="0" y="120000"/>
+                </a:lnTo>
+                <a:close/>
+              </a:path>
+            </a:pathLst>
+          </a:custGeom>
+        </p:spPr>
+      </p:sp>
+      <p:sp>
+        <p:nvSpPr>
+          <p:cNvPr id="76" name="Google Shape;76;gcad7496ea3_0_0:notes"/>
+          <p:cNvSpPr txBox="1"/>
+          <p:nvPr>
+            <p:ph type="body" idx="1"/>
+          </p:nvPr>
+        </p:nvSpPr>
+        <p:spPr>
+          <a:xfrm>
+            <a:off x="685800" y="4343400"/>
+            <a:ext cx="5486400" cy="4114800"/>
+          </a:xfrm>
+          <a:prstGeom prst="rect">
+            <a:avLst/>
+          </a:prstGeom>
+        </p:spPr>
+        <p:txBody>
+          <a:bodyPr spcFirstLastPara="1" wrap="square" lIns="91425" tIns="91425" rIns="91425" bIns="91425" anchor="t" anchorCtr="0">
+            <a:noAutofit/>
+          </a:bodyPr>
+          <a:lstStyle/>
+          <a:p>
+            <a:pPr marL="0" lvl="0" indent="0" algn="l" rtl="0">
+              <a:spcBef>
+                <a:spcPts val="0"/>
+              </a:spcBef>
+              <a:spcAft>
+                <a:spcPts val="0"/>
+              </a:spcAft>
+              <a:buNone/>
+            </a:pPr>
+            <a:endParaRPr lang="en-US"/>
+          </a:p>
+        </p:txBody>
+      </p:sp>
+    </p:spTree>
+  </p:cSld>
+  <p:clrMapOvr>
+    <a:masterClrMapping/>
+  </p:clrMapOvr>
+</p:notes>
+</file>
+
+<file path=ppt/notesSlides/notesSlide55.xml><?xml version="1.0" encoding="utf-8"?>
+<p:notes xmlns:a="http://schemas.openxmlformats.org/drawingml/2006/main" xmlns:r="http://schemas.openxmlformats.org/officeDocument/2006/relationships" xmlns:p="http://schemas.openxmlformats.org/presentationml/2006/main" showMasterPhAnim="0" showMasterSp="0">
+  <p:cSld>
+    <p:spTree>
+      <p:nvGrpSpPr>
+        <p:cNvPr id="74" name="Shape 74"/>
+        <p:cNvGrpSpPr/>
+        <p:nvPr/>
+      </p:nvGrpSpPr>
+      <p:grpSpPr>
+        <a:xfrm>
+          <a:off x="0" y="0"/>
+          <a:ext cx="0" cy="0"/>
+          <a:chOff x="0" y="0"/>
+          <a:chExt cx="0" cy="0"/>
+        </a:xfrm>
+      </p:grpSpPr>
+      <p:sp>
+        <p:nvSpPr>
+          <p:cNvPr id="75" name="Google Shape;75;gcad7496ea3_0_0:notes"/>
+          <p:cNvSpPr/>
+          <p:nvPr>
+            <p:ph type="sldImg" idx="2"/>
+          </p:nvPr>
+        </p:nvSpPr>
+        <p:spPr>
+          <a:xfrm>
+            <a:off x="381300" y="685800"/>
+            <a:ext cx="6096000" cy="3429000"/>
+          </a:xfrm>
+          <a:custGeom>
+            <a:avLst/>
+            <a:gdLst/>
+            <a:ahLst/>
+            <a:cxnLst/>
+            <a:rect l="l" t="t" r="r" b="b"/>
+            <a:pathLst>
+              <a:path w="120000" h="120000" extrusionOk="0">
+                <a:moveTo>
+                  <a:pt x="0" y="0"/>
+                </a:moveTo>
+                <a:lnTo>
+                  <a:pt x="120000" y="0"/>
+                </a:lnTo>
+                <a:lnTo>
+                  <a:pt x="120000" y="120000"/>
+                </a:lnTo>
+                <a:lnTo>
+                  <a:pt x="0" y="120000"/>
+                </a:lnTo>
+                <a:close/>
+              </a:path>
+            </a:pathLst>
+          </a:custGeom>
+        </p:spPr>
+      </p:sp>
+      <p:sp>
+        <p:nvSpPr>
+          <p:cNvPr id="76" name="Google Shape;76;gcad7496ea3_0_0:notes"/>
+          <p:cNvSpPr txBox="1"/>
+          <p:nvPr>
+            <p:ph type="body" idx="1"/>
+          </p:nvPr>
+        </p:nvSpPr>
+        <p:spPr>
+          <a:xfrm>
+            <a:off x="685800" y="4343400"/>
+            <a:ext cx="5486400" cy="4114800"/>
+          </a:xfrm>
+          <a:prstGeom prst="rect">
+            <a:avLst/>
+          </a:prstGeom>
+        </p:spPr>
+        <p:txBody>
+          <a:bodyPr spcFirstLastPara="1" wrap="square" lIns="91425" tIns="91425" rIns="91425" bIns="91425" anchor="t" anchorCtr="0">
+            <a:noAutofit/>
+          </a:bodyPr>
+          <a:lstStyle/>
+          <a:p>
+            <a:pPr marL="0" lvl="0" indent="0" algn="l" rtl="0">
+              <a:spcBef>
+                <a:spcPts val="0"/>
+              </a:spcBef>
+              <a:spcAft>
+                <a:spcPts val="0"/>
+              </a:spcAft>
+              <a:buNone/>
+            </a:pPr>
+            <a:endParaRPr lang="en-US"/>
+          </a:p>
+        </p:txBody>
+      </p:sp>
+    </p:spTree>
+  </p:cSld>
+  <p:clrMapOvr>
+    <a:masterClrMapping/>
+  </p:clrMapOvr>
+</p:notes>
+</file>
+
+<file path=ppt/notesSlides/notesSlide56.xml><?xml version="1.0" encoding="utf-8"?>
+<p:notes xmlns:a="http://schemas.openxmlformats.org/drawingml/2006/main" xmlns:r="http://schemas.openxmlformats.org/officeDocument/2006/relationships" xmlns:p="http://schemas.openxmlformats.org/presentationml/2006/main" showMasterPhAnim="0" showMasterSp="0">
+  <p:cSld>
+    <p:spTree>
+      <p:nvGrpSpPr>
+        <p:cNvPr id="74" name="Shape 74"/>
+        <p:cNvGrpSpPr/>
+        <p:nvPr/>
+      </p:nvGrpSpPr>
+      <p:grpSpPr>
+        <a:xfrm>
+          <a:off x="0" y="0"/>
+          <a:ext cx="0" cy="0"/>
+          <a:chOff x="0" y="0"/>
+          <a:chExt cx="0" cy="0"/>
+        </a:xfrm>
+      </p:grpSpPr>
+      <p:sp>
+        <p:nvSpPr>
+          <p:cNvPr id="75" name="Google Shape;75;gcad7496ea3_0_0:notes"/>
+          <p:cNvSpPr/>
+          <p:nvPr>
+            <p:ph type="sldImg" idx="2"/>
+          </p:nvPr>
+        </p:nvSpPr>
+        <p:spPr>
+          <a:xfrm>
+            <a:off x="381300" y="685800"/>
+            <a:ext cx="6096000" cy="3429000"/>
+          </a:xfrm>
+          <a:custGeom>
+            <a:avLst/>
+            <a:gdLst/>
+            <a:ahLst/>
+            <a:cxnLst/>
+            <a:rect l="l" t="t" r="r" b="b"/>
+            <a:pathLst>
+              <a:path w="120000" h="120000" extrusionOk="0">
+                <a:moveTo>
+                  <a:pt x="0" y="0"/>
+                </a:moveTo>
+                <a:lnTo>
+                  <a:pt x="120000" y="0"/>
+                </a:lnTo>
+                <a:lnTo>
+                  <a:pt x="120000" y="120000"/>
+                </a:lnTo>
+                <a:lnTo>
+                  <a:pt x="0" y="120000"/>
+                </a:lnTo>
+                <a:close/>
+              </a:path>
+            </a:pathLst>
+          </a:custGeom>
+        </p:spPr>
+      </p:sp>
+      <p:sp>
+        <p:nvSpPr>
+          <p:cNvPr id="76" name="Google Shape;76;gcad7496ea3_0_0:notes"/>
+          <p:cNvSpPr txBox="1"/>
+          <p:nvPr>
+            <p:ph type="body" idx="1"/>
+          </p:nvPr>
+        </p:nvSpPr>
+        <p:spPr>
+          <a:xfrm>
+            <a:off x="685800" y="4343400"/>
+            <a:ext cx="5486400" cy="4114800"/>
+          </a:xfrm>
+          <a:prstGeom prst="rect">
+            <a:avLst/>
+          </a:prstGeom>
+        </p:spPr>
+        <p:txBody>
+          <a:bodyPr spcFirstLastPara="1" wrap="square" lIns="91425" tIns="91425" rIns="91425" bIns="91425" anchor="t" anchorCtr="0">
+            <a:noAutofit/>
+          </a:bodyPr>
+          <a:lstStyle/>
+          <a:p>
+            <a:pPr marL="0" lvl="0" indent="0" algn="l" rtl="0">
+              <a:spcBef>
+                <a:spcPts val="0"/>
+              </a:spcBef>
+              <a:spcAft>
+                <a:spcPts val="0"/>
+              </a:spcAft>
+              <a:buNone/>
+            </a:pPr>
+            <a:endParaRPr lang="en-US"/>
+          </a:p>
+        </p:txBody>
+      </p:sp>
+    </p:spTree>
+  </p:cSld>
+  <p:clrMapOvr>
+    <a:masterClrMapping/>
+  </p:clrMapOvr>
+</p:notes>
+</file>
+
+<file path=ppt/notesSlides/notesSlide57.xml><?xml version="1.0" encoding="utf-8"?>
+<p:notes xmlns:a="http://schemas.openxmlformats.org/drawingml/2006/main" xmlns:r="http://schemas.openxmlformats.org/officeDocument/2006/relationships" xmlns:p="http://schemas.openxmlformats.org/presentationml/2006/main" showMasterPhAnim="0" showMasterSp="0">
+  <p:cSld>
+    <p:spTree>
+      <p:nvGrpSpPr>
+        <p:cNvPr id="74" name="Shape 74"/>
+        <p:cNvGrpSpPr/>
+        <p:nvPr/>
+      </p:nvGrpSpPr>
+      <p:grpSpPr>
+        <a:xfrm>
+          <a:off x="0" y="0"/>
+          <a:ext cx="0" cy="0"/>
+          <a:chOff x="0" y="0"/>
+          <a:chExt cx="0" cy="0"/>
+        </a:xfrm>
+      </p:grpSpPr>
+      <p:sp>
+        <p:nvSpPr>
+          <p:cNvPr id="75" name="Google Shape;75;gcad7496ea3_0_0:notes"/>
+          <p:cNvSpPr/>
+          <p:nvPr>
+            <p:ph type="sldImg" idx="2"/>
+          </p:nvPr>
+        </p:nvSpPr>
+        <p:spPr>
+          <a:xfrm>
+            <a:off x="381300" y="685800"/>
+            <a:ext cx="6096000" cy="3429000"/>
+          </a:xfrm>
+          <a:custGeom>
+            <a:avLst/>
+            <a:gdLst/>
+            <a:ahLst/>
+            <a:cxnLst/>
+            <a:rect l="l" t="t" r="r" b="b"/>
+            <a:pathLst>
+              <a:path w="120000" h="120000" extrusionOk="0">
+                <a:moveTo>
+                  <a:pt x="0" y="0"/>
+                </a:moveTo>
+                <a:lnTo>
+                  <a:pt x="120000" y="0"/>
+                </a:lnTo>
+                <a:lnTo>
+                  <a:pt x="120000" y="120000"/>
+                </a:lnTo>
+                <a:lnTo>
+                  <a:pt x="0" y="120000"/>
+                </a:lnTo>
+                <a:close/>
+              </a:path>
+            </a:pathLst>
+          </a:custGeom>
+        </p:spPr>
+      </p:sp>
+      <p:sp>
+        <p:nvSpPr>
+          <p:cNvPr id="76" name="Google Shape;76;gcad7496ea3_0_0:notes"/>
+          <p:cNvSpPr txBox="1"/>
+          <p:nvPr>
+            <p:ph type="body" idx="1"/>
+          </p:nvPr>
+        </p:nvSpPr>
+        <p:spPr>
+          <a:xfrm>
+            <a:off x="685800" y="4343400"/>
+            <a:ext cx="5486400" cy="4114800"/>
+          </a:xfrm>
+          <a:prstGeom prst="rect">
+            <a:avLst/>
+          </a:prstGeom>
+        </p:spPr>
+        <p:txBody>
+          <a:bodyPr spcFirstLastPara="1" wrap="square" lIns="91425" tIns="91425" rIns="91425" bIns="91425" anchor="t" anchorCtr="0">
+            <a:noAutofit/>
+          </a:bodyPr>
+          <a:lstStyle/>
+          <a:p>
+            <a:pPr marL="0" lvl="0" indent="0" algn="l" rtl="0">
+              <a:spcBef>
+                <a:spcPts val="0"/>
+              </a:spcBef>
+              <a:spcAft>
+                <a:spcPts val="0"/>
+              </a:spcAft>
+              <a:buNone/>
+            </a:pPr>
+            <a:endParaRPr lang="en-US"/>
+          </a:p>
+        </p:txBody>
+      </p:sp>
+    </p:spTree>
+  </p:cSld>
+  <p:clrMapOvr>
+    <a:masterClrMapping/>
+  </p:clrMapOvr>
+</p:notes>
+</file>
+
+<file path=ppt/notesSlides/notesSlide58.xml><?xml version="1.0" encoding="utf-8"?>
+<p:notes xmlns:a="http://schemas.openxmlformats.org/drawingml/2006/main" xmlns:r="http://schemas.openxmlformats.org/officeDocument/2006/relationships" xmlns:p="http://schemas.openxmlformats.org/presentationml/2006/main" showMasterPhAnim="0" showMasterSp="0">
+  <p:cSld>
+    <p:spTree>
+      <p:nvGrpSpPr>
+        <p:cNvPr id="74" name="Shape 74"/>
+        <p:cNvGrpSpPr/>
+        <p:nvPr/>
+      </p:nvGrpSpPr>
+      <p:grpSpPr>
+        <a:xfrm>
+          <a:off x="0" y="0"/>
+          <a:ext cx="0" cy="0"/>
+          <a:chOff x="0" y="0"/>
+          <a:chExt cx="0" cy="0"/>
+        </a:xfrm>
+      </p:grpSpPr>
+      <p:sp>
+        <p:nvSpPr>
+          <p:cNvPr id="75" name="Google Shape;75;gcad7496ea3_0_0:notes"/>
+          <p:cNvSpPr/>
+          <p:nvPr>
+            <p:ph type="sldImg" idx="2"/>
+          </p:nvPr>
+        </p:nvSpPr>
+        <p:spPr>
+          <a:xfrm>
+            <a:off x="381300" y="685800"/>
+            <a:ext cx="6096000" cy="3429000"/>
+          </a:xfrm>
+          <a:custGeom>
+            <a:avLst/>
+            <a:gdLst/>
+            <a:ahLst/>
+            <a:cxnLst/>
+            <a:rect l="l" t="t" r="r" b="b"/>
+            <a:pathLst>
+              <a:path w="120000" h="120000" extrusionOk="0">
+                <a:moveTo>
+                  <a:pt x="0" y="0"/>
+                </a:moveTo>
+                <a:lnTo>
+                  <a:pt x="120000" y="0"/>
+                </a:lnTo>
+                <a:lnTo>
+                  <a:pt x="120000" y="120000"/>
+                </a:lnTo>
+                <a:lnTo>
+                  <a:pt x="0" y="120000"/>
+                </a:lnTo>
+                <a:close/>
+              </a:path>
+            </a:pathLst>
+          </a:custGeom>
+        </p:spPr>
+      </p:sp>
+      <p:sp>
+        <p:nvSpPr>
+          <p:cNvPr id="76" name="Google Shape;76;gcad7496ea3_0_0:notes"/>
+          <p:cNvSpPr txBox="1"/>
+          <p:nvPr>
+            <p:ph type="body" idx="1"/>
+          </p:nvPr>
+        </p:nvSpPr>
+        <p:spPr>
+          <a:xfrm>
+            <a:off x="685800" y="4343400"/>
+            <a:ext cx="5486400" cy="4114800"/>
+          </a:xfrm>
+          <a:prstGeom prst="rect">
+            <a:avLst/>
+          </a:prstGeom>
+        </p:spPr>
+        <p:txBody>
+          <a:bodyPr spcFirstLastPara="1" wrap="square" lIns="91425" tIns="91425" rIns="91425" bIns="91425" anchor="t" anchorCtr="0">
+            <a:noAutofit/>
+          </a:bodyPr>
+          <a:lstStyle/>
+          <a:p>
+            <a:pPr marL="0" lvl="0" indent="0" algn="l" rtl="0">
+              <a:spcBef>
+                <a:spcPts val="0"/>
+              </a:spcBef>
+              <a:spcAft>
+                <a:spcPts val="0"/>
+              </a:spcAft>
+              <a:buNone/>
+            </a:pPr>
+            <a:endParaRPr lang="en-US"/>
+          </a:p>
+        </p:txBody>
+      </p:sp>
+    </p:spTree>
+  </p:cSld>
+  <p:clrMapOvr>
+    <a:masterClrMapping/>
+  </p:clrMapOvr>
+</p:notes>
+</file>
+
+<file path=ppt/notesSlides/notesSlide59.xml><?xml version="1.0" encoding="utf-8"?>
+<p:notes xmlns:a="http://schemas.openxmlformats.org/drawingml/2006/main" xmlns:r="http://schemas.openxmlformats.org/officeDocument/2006/relationships" xmlns:p="http://schemas.openxmlformats.org/presentationml/2006/main" showMasterPhAnim="0" showMasterSp="0">
+  <p:cSld>
+    <p:spTree>
+      <p:nvGrpSpPr>
+        <p:cNvPr id="74" name="Shape 74"/>
+        <p:cNvGrpSpPr/>
+        <p:nvPr/>
+      </p:nvGrpSpPr>
+      <p:grpSpPr>
+        <a:xfrm>
+          <a:off x="0" y="0"/>
+          <a:ext cx="0" cy="0"/>
+          <a:chOff x="0" y="0"/>
+          <a:chExt cx="0" cy="0"/>
+        </a:xfrm>
+      </p:grpSpPr>
+      <p:sp>
+        <p:nvSpPr>
+          <p:cNvPr id="75" name="Google Shape;75;gcad7496ea3_0_0:notes"/>
+          <p:cNvSpPr/>
+          <p:nvPr>
+            <p:ph type="sldImg" idx="2"/>
+          </p:nvPr>
+        </p:nvSpPr>
+        <p:spPr>
+          <a:xfrm>
+            <a:off x="381300" y="685800"/>
+            <a:ext cx="6096000" cy="3429000"/>
+          </a:xfrm>
+          <a:custGeom>
+            <a:avLst/>
+            <a:gdLst/>
+            <a:ahLst/>
+            <a:cxnLst/>
+            <a:rect l="l" t="t" r="r" b="b"/>
+            <a:pathLst>
+              <a:path w="120000" h="120000" extrusionOk="0">
+                <a:moveTo>
+                  <a:pt x="0" y="0"/>
+                </a:moveTo>
+                <a:lnTo>
+                  <a:pt x="120000" y="0"/>
+                </a:lnTo>
+                <a:lnTo>
+                  <a:pt x="120000" y="120000"/>
+                </a:lnTo>
+                <a:lnTo>
+                  <a:pt x="0" y="120000"/>
+                </a:lnTo>
+                <a:close/>
+              </a:path>
+            </a:pathLst>
+          </a:custGeom>
+        </p:spPr>
+      </p:sp>
+      <p:sp>
+        <p:nvSpPr>
+          <p:cNvPr id="76" name="Google Shape;76;gcad7496ea3_0_0:notes"/>
+          <p:cNvSpPr txBox="1"/>
+          <p:nvPr>
+            <p:ph type="body" idx="1"/>
+          </p:nvPr>
+        </p:nvSpPr>
+        <p:spPr>
+          <a:xfrm>
+            <a:off x="685800" y="4343400"/>
+            <a:ext cx="5486400" cy="4114800"/>
+          </a:xfrm>
+          <a:prstGeom prst="rect">
+            <a:avLst/>
+          </a:prstGeom>
+        </p:spPr>
+        <p:txBody>
+          <a:bodyPr spcFirstLastPara="1" wrap="square" lIns="91425" tIns="91425" rIns="91425" bIns="91425" anchor="t" anchorCtr="0">
+            <a:noAutofit/>
+          </a:bodyPr>
+          <a:lstStyle/>
+          <a:p>
+            <a:pPr marL="0" lvl="0" indent="0" algn="l" rtl="0">
+              <a:spcBef>
+                <a:spcPts val="0"/>
+              </a:spcBef>
+              <a:spcAft>
+                <a:spcPts val="0"/>
+              </a:spcAft>
+              <a:buNone/>
+            </a:pPr>
+            <a:r>
+              <a:rPr lang="en-US"/>
+              <a:t>When you run a docker in your local machine, every single container that you are running is running inside of a virtual machine running Linux</a:t>
+            </a:r>
+            <a:endParaRPr lang="en-US"/>
+          </a:p>
+          <a:p>
+            <a:pPr marL="0" lvl="0" indent="0" algn="l" rtl="0">
+              <a:spcBef>
+                <a:spcPts val="0"/>
+              </a:spcBef>
+              <a:spcAft>
+                <a:spcPts val="0"/>
+              </a:spcAft>
+              <a:buNone/>
+            </a:pPr>
+            <a:r>
+              <a:rPr lang="en-US"/>
+              <a:t>So these process are really being executed inside of a Linux world, even if you are on Mac or Windows</a:t>
+            </a:r>
+            <a:endParaRPr lang="en-US"/>
           </a:p>
         </p:txBody>
       </p:sp>
@@ -6334,6 +6959,613 @@
               <a:buNone/>
             </a:pPr>
             <a:endParaRPr lang="en-US"/>
+          </a:p>
+        </p:txBody>
+      </p:sp>
+    </p:spTree>
+  </p:cSld>
+  <p:clrMapOvr>
+    <a:masterClrMapping/>
+  </p:clrMapOvr>
+</p:notes>
+</file>
+
+<file path=ppt/notesSlides/notesSlide60.xml><?xml version="1.0" encoding="utf-8"?>
+<p:notes xmlns:a="http://schemas.openxmlformats.org/drawingml/2006/main" xmlns:r="http://schemas.openxmlformats.org/officeDocument/2006/relationships" xmlns:p="http://schemas.openxmlformats.org/presentationml/2006/main" showMasterPhAnim="0" showMasterSp="0">
+  <p:cSld>
+    <p:spTree>
+      <p:nvGrpSpPr>
+        <p:cNvPr id="74" name="Shape 74"/>
+        <p:cNvGrpSpPr/>
+        <p:nvPr/>
+      </p:nvGrpSpPr>
+      <p:grpSpPr>
+        <a:xfrm>
+          <a:off x="0" y="0"/>
+          <a:ext cx="0" cy="0"/>
+          <a:chOff x="0" y="0"/>
+          <a:chExt cx="0" cy="0"/>
+        </a:xfrm>
+      </p:grpSpPr>
+      <p:sp>
+        <p:nvSpPr>
+          <p:cNvPr id="75" name="Google Shape;75;gcad7496ea3_0_0:notes"/>
+          <p:cNvSpPr/>
+          <p:nvPr>
+            <p:ph type="sldImg" idx="2"/>
+          </p:nvPr>
+        </p:nvSpPr>
+        <p:spPr>
+          <a:xfrm>
+            <a:off x="381300" y="685800"/>
+            <a:ext cx="6096000" cy="3429000"/>
+          </a:xfrm>
+          <a:custGeom>
+            <a:avLst/>
+            <a:gdLst/>
+            <a:ahLst/>
+            <a:cxnLst/>
+            <a:rect l="l" t="t" r="r" b="b"/>
+            <a:pathLst>
+              <a:path w="120000" h="120000" extrusionOk="0">
+                <a:moveTo>
+                  <a:pt x="0" y="0"/>
+                </a:moveTo>
+                <a:lnTo>
+                  <a:pt x="120000" y="0"/>
+                </a:lnTo>
+                <a:lnTo>
+                  <a:pt x="120000" y="120000"/>
+                </a:lnTo>
+                <a:lnTo>
+                  <a:pt x="0" y="120000"/>
+                </a:lnTo>
+                <a:close/>
+              </a:path>
+            </a:pathLst>
+          </a:custGeom>
+        </p:spPr>
+      </p:sp>
+      <p:sp>
+        <p:nvSpPr>
+          <p:cNvPr id="76" name="Google Shape;76;gcad7496ea3_0_0:notes"/>
+          <p:cNvSpPr txBox="1"/>
+          <p:nvPr>
+            <p:ph type="body" idx="1"/>
+          </p:nvPr>
+        </p:nvSpPr>
+        <p:spPr>
+          <a:xfrm>
+            <a:off x="685800" y="4343400"/>
+            <a:ext cx="5486400" cy="4114800"/>
+          </a:xfrm>
+          <a:prstGeom prst="rect">
+            <a:avLst/>
+          </a:prstGeom>
+        </p:spPr>
+        <p:txBody>
+          <a:bodyPr spcFirstLastPara="1" wrap="square" lIns="91425" tIns="91425" rIns="91425" bIns="91425" anchor="t" anchorCtr="0">
+            <a:noAutofit/>
+          </a:bodyPr>
+          <a:lstStyle/>
+          <a:p>
+            <a:pPr marL="0" lvl="0" indent="0" algn="l" rtl="0">
+              <a:spcBef>
+                <a:spcPts val="0"/>
+              </a:spcBef>
+              <a:spcAft>
+                <a:spcPts val="0"/>
+              </a:spcAft>
+              <a:buNone/>
+            </a:pPr>
+            <a:r>
+              <a:rPr lang="en-US"/>
+              <a:t>STDERR: communicate to other outside invironment and return the data and show on the terminal</a:t>
+            </a:r>
+            <a:endParaRPr lang="en-US"/>
+          </a:p>
+        </p:txBody>
+      </p:sp>
+    </p:spTree>
+  </p:cSld>
+  <p:clrMapOvr>
+    <a:masterClrMapping/>
+  </p:clrMapOvr>
+</p:notes>
+</file>
+
+<file path=ppt/notesSlides/notesSlide61.xml><?xml version="1.0" encoding="utf-8"?>
+<p:notes xmlns:a="http://schemas.openxmlformats.org/drawingml/2006/main" xmlns:r="http://schemas.openxmlformats.org/officeDocument/2006/relationships" xmlns:p="http://schemas.openxmlformats.org/presentationml/2006/main" showMasterPhAnim="0" showMasterSp="0">
+  <p:cSld>
+    <p:spTree>
+      <p:nvGrpSpPr>
+        <p:cNvPr id="74" name="Shape 74"/>
+        <p:cNvGrpSpPr/>
+        <p:nvPr/>
+      </p:nvGrpSpPr>
+      <p:grpSpPr>
+        <a:xfrm>
+          <a:off x="0" y="0"/>
+          <a:ext cx="0" cy="0"/>
+          <a:chOff x="0" y="0"/>
+          <a:chExt cx="0" cy="0"/>
+        </a:xfrm>
+      </p:grpSpPr>
+      <p:sp>
+        <p:nvSpPr>
+          <p:cNvPr id="75" name="Google Shape;75;gcad7496ea3_0_0:notes"/>
+          <p:cNvSpPr/>
+          <p:nvPr>
+            <p:ph type="sldImg" idx="2"/>
+          </p:nvPr>
+        </p:nvSpPr>
+        <p:spPr>
+          <a:xfrm>
+            <a:off x="381300" y="685800"/>
+            <a:ext cx="6096000" cy="3429000"/>
+          </a:xfrm>
+          <a:custGeom>
+            <a:avLst/>
+            <a:gdLst/>
+            <a:ahLst/>
+            <a:cxnLst/>
+            <a:rect l="l" t="t" r="r" b="b"/>
+            <a:pathLst>
+              <a:path w="120000" h="120000" extrusionOk="0">
+                <a:moveTo>
+                  <a:pt x="0" y="0"/>
+                </a:moveTo>
+                <a:lnTo>
+                  <a:pt x="120000" y="0"/>
+                </a:lnTo>
+                <a:lnTo>
+                  <a:pt x="120000" y="120000"/>
+                </a:lnTo>
+                <a:lnTo>
+                  <a:pt x="0" y="120000"/>
+                </a:lnTo>
+                <a:close/>
+              </a:path>
+            </a:pathLst>
+          </a:custGeom>
+        </p:spPr>
+      </p:sp>
+      <p:sp>
+        <p:nvSpPr>
+          <p:cNvPr id="76" name="Google Shape;76;gcad7496ea3_0_0:notes"/>
+          <p:cNvSpPr txBox="1"/>
+          <p:nvPr>
+            <p:ph type="body" idx="1"/>
+          </p:nvPr>
+        </p:nvSpPr>
+        <p:spPr>
+          <a:xfrm>
+            <a:off x="685800" y="4343400"/>
+            <a:ext cx="5486400" cy="4114800"/>
+          </a:xfrm>
+          <a:prstGeom prst="rect">
+            <a:avLst/>
+          </a:prstGeom>
+        </p:spPr>
+        <p:txBody>
+          <a:bodyPr spcFirstLastPara="1" wrap="square" lIns="91425" tIns="91425" rIns="91425" bIns="91425" anchor="t" anchorCtr="0">
+            <a:noAutofit/>
+          </a:bodyPr>
+          <a:lstStyle/>
+          <a:p>
+            <a:pPr marL="0" lvl="0" indent="0" algn="l" rtl="0">
+              <a:spcBef>
+                <a:spcPts val="0"/>
+              </a:spcBef>
+              <a:spcAft>
+                <a:spcPts val="0"/>
+              </a:spcAft>
+              <a:buNone/>
+            </a:pPr>
+            <a:endParaRPr lang="en-US"/>
+          </a:p>
+        </p:txBody>
+      </p:sp>
+    </p:spTree>
+  </p:cSld>
+  <p:clrMapOvr>
+    <a:masterClrMapping/>
+  </p:clrMapOvr>
+</p:notes>
+</file>
+
+<file path=ppt/notesSlides/notesSlide62.xml><?xml version="1.0" encoding="utf-8"?>
+<p:notes xmlns:a="http://schemas.openxmlformats.org/drawingml/2006/main" xmlns:r="http://schemas.openxmlformats.org/officeDocument/2006/relationships" xmlns:p="http://schemas.openxmlformats.org/presentationml/2006/main" showMasterPhAnim="0" showMasterSp="0">
+  <p:cSld>
+    <p:spTree>
+      <p:nvGrpSpPr>
+        <p:cNvPr id="74" name="Shape 74"/>
+        <p:cNvGrpSpPr/>
+        <p:nvPr/>
+      </p:nvGrpSpPr>
+      <p:grpSpPr>
+        <a:xfrm>
+          <a:off x="0" y="0"/>
+          <a:ext cx="0" cy="0"/>
+          <a:chOff x="0" y="0"/>
+          <a:chExt cx="0" cy="0"/>
+        </a:xfrm>
+      </p:grpSpPr>
+      <p:sp>
+        <p:nvSpPr>
+          <p:cNvPr id="75" name="Google Shape;75;gcad7496ea3_0_0:notes"/>
+          <p:cNvSpPr/>
+          <p:nvPr>
+            <p:ph type="sldImg" idx="2"/>
+          </p:nvPr>
+        </p:nvSpPr>
+        <p:spPr>
+          <a:xfrm>
+            <a:off x="381300" y="685800"/>
+            <a:ext cx="6096000" cy="3429000"/>
+          </a:xfrm>
+          <a:custGeom>
+            <a:avLst/>
+            <a:gdLst/>
+            <a:ahLst/>
+            <a:cxnLst/>
+            <a:rect l="l" t="t" r="r" b="b"/>
+            <a:pathLst>
+              <a:path w="120000" h="120000" extrusionOk="0">
+                <a:moveTo>
+                  <a:pt x="0" y="0"/>
+                </a:moveTo>
+                <a:lnTo>
+                  <a:pt x="120000" y="0"/>
+                </a:lnTo>
+                <a:lnTo>
+                  <a:pt x="120000" y="120000"/>
+                </a:lnTo>
+                <a:lnTo>
+                  <a:pt x="0" y="120000"/>
+                </a:lnTo>
+                <a:close/>
+              </a:path>
+            </a:pathLst>
+          </a:custGeom>
+        </p:spPr>
+      </p:sp>
+      <p:sp>
+        <p:nvSpPr>
+          <p:cNvPr id="76" name="Google Shape;76;gcad7496ea3_0_0:notes"/>
+          <p:cNvSpPr txBox="1"/>
+          <p:nvPr>
+            <p:ph type="body" idx="1"/>
+          </p:nvPr>
+        </p:nvSpPr>
+        <p:spPr>
+          <a:xfrm>
+            <a:off x="685800" y="4343400"/>
+            <a:ext cx="5486400" cy="4114800"/>
+          </a:xfrm>
+          <a:prstGeom prst="rect">
+            <a:avLst/>
+          </a:prstGeom>
+        </p:spPr>
+        <p:txBody>
+          <a:bodyPr spcFirstLastPara="1" wrap="square" lIns="91425" tIns="91425" rIns="91425" bIns="91425" anchor="t" anchorCtr="0">
+            <a:noAutofit/>
+          </a:bodyPr>
+          <a:lstStyle/>
+          <a:p>
+            <a:pPr marL="0" lvl="0" indent="0" algn="l" rtl="0">
+              <a:spcBef>
+                <a:spcPts val="0"/>
+              </a:spcBef>
+              <a:spcAft>
+                <a:spcPts val="0"/>
+              </a:spcAft>
+              <a:buNone/>
+            </a:pPr>
+            <a:endParaRPr lang="en-US"/>
+          </a:p>
+        </p:txBody>
+      </p:sp>
+    </p:spTree>
+  </p:cSld>
+  <p:clrMapOvr>
+    <a:masterClrMapping/>
+  </p:clrMapOvr>
+</p:notes>
+</file>
+
+<file path=ppt/notesSlides/notesSlide63.xml><?xml version="1.0" encoding="utf-8"?>
+<p:notes xmlns:a="http://schemas.openxmlformats.org/drawingml/2006/main" xmlns:r="http://schemas.openxmlformats.org/officeDocument/2006/relationships" xmlns:p="http://schemas.openxmlformats.org/presentationml/2006/main" showMasterPhAnim="0" showMasterSp="0">
+  <p:cSld>
+    <p:spTree>
+      <p:nvGrpSpPr>
+        <p:cNvPr id="74" name="Shape 74"/>
+        <p:cNvGrpSpPr/>
+        <p:nvPr/>
+      </p:nvGrpSpPr>
+      <p:grpSpPr>
+        <a:xfrm>
+          <a:off x="0" y="0"/>
+          <a:ext cx="0" cy="0"/>
+          <a:chOff x="0" y="0"/>
+          <a:chExt cx="0" cy="0"/>
+        </a:xfrm>
+      </p:grpSpPr>
+      <p:sp>
+        <p:nvSpPr>
+          <p:cNvPr id="75" name="Google Shape;75;gcad7496ea3_0_0:notes"/>
+          <p:cNvSpPr/>
+          <p:nvPr>
+            <p:ph type="sldImg" idx="2"/>
+          </p:nvPr>
+        </p:nvSpPr>
+        <p:spPr>
+          <a:xfrm>
+            <a:off x="381300" y="685800"/>
+            <a:ext cx="6096000" cy="3429000"/>
+          </a:xfrm>
+          <a:custGeom>
+            <a:avLst/>
+            <a:gdLst/>
+            <a:ahLst/>
+            <a:cxnLst/>
+            <a:rect l="l" t="t" r="r" b="b"/>
+            <a:pathLst>
+              <a:path w="120000" h="120000" extrusionOk="0">
+                <a:moveTo>
+                  <a:pt x="0" y="0"/>
+                </a:moveTo>
+                <a:lnTo>
+                  <a:pt x="120000" y="0"/>
+                </a:lnTo>
+                <a:lnTo>
+                  <a:pt x="120000" y="120000"/>
+                </a:lnTo>
+                <a:lnTo>
+                  <a:pt x="0" y="120000"/>
+                </a:lnTo>
+                <a:close/>
+              </a:path>
+            </a:pathLst>
+          </a:custGeom>
+        </p:spPr>
+      </p:sp>
+      <p:sp>
+        <p:nvSpPr>
+          <p:cNvPr id="76" name="Google Shape;76;gcad7496ea3_0_0:notes"/>
+          <p:cNvSpPr txBox="1"/>
+          <p:nvPr>
+            <p:ph type="body" idx="1"/>
+          </p:nvPr>
+        </p:nvSpPr>
+        <p:spPr>
+          <a:xfrm>
+            <a:off x="685800" y="4343400"/>
+            <a:ext cx="5486400" cy="4114800"/>
+          </a:xfrm>
+          <a:prstGeom prst="rect">
+            <a:avLst/>
+          </a:prstGeom>
+        </p:spPr>
+        <p:txBody>
+          <a:bodyPr spcFirstLastPara="1" wrap="square" lIns="91425" tIns="91425" rIns="91425" bIns="91425" anchor="t" anchorCtr="0">
+            <a:noAutofit/>
+          </a:bodyPr>
+          <a:lstStyle/>
+          <a:p>
+            <a:pPr marL="0" lvl="0" indent="0" algn="l" rtl="0">
+              <a:spcBef>
+                <a:spcPts val="0"/>
+              </a:spcBef>
+              <a:spcAft>
+                <a:spcPts val="0"/>
+              </a:spcAft>
+              <a:buNone/>
+            </a:pPr>
+            <a:endParaRPr lang="en-US"/>
+          </a:p>
+        </p:txBody>
+      </p:sp>
+    </p:spTree>
+  </p:cSld>
+  <p:clrMapOvr>
+    <a:masterClrMapping/>
+  </p:clrMapOvr>
+</p:notes>
+</file>
+
+<file path=ppt/notesSlides/notesSlide64.xml><?xml version="1.0" encoding="utf-8"?>
+<p:notes xmlns:a="http://schemas.openxmlformats.org/drawingml/2006/main" xmlns:r="http://schemas.openxmlformats.org/officeDocument/2006/relationships" xmlns:p="http://schemas.openxmlformats.org/presentationml/2006/main" showMasterPhAnim="0" showMasterSp="0">
+  <p:cSld>
+    <p:spTree>
+      <p:nvGrpSpPr>
+        <p:cNvPr id="74" name="Shape 74"/>
+        <p:cNvGrpSpPr/>
+        <p:nvPr/>
+      </p:nvGrpSpPr>
+      <p:grpSpPr>
+        <a:xfrm>
+          <a:off x="0" y="0"/>
+          <a:ext cx="0" cy="0"/>
+          <a:chOff x="0" y="0"/>
+          <a:chExt cx="0" cy="0"/>
+        </a:xfrm>
+      </p:grpSpPr>
+      <p:sp>
+        <p:nvSpPr>
+          <p:cNvPr id="75" name="Google Shape;75;gcad7496ea3_0_0:notes"/>
+          <p:cNvSpPr/>
+          <p:nvPr>
+            <p:ph type="sldImg" idx="2"/>
+          </p:nvPr>
+        </p:nvSpPr>
+        <p:spPr>
+          <a:xfrm>
+            <a:off x="381300" y="685800"/>
+            <a:ext cx="6096000" cy="3429000"/>
+          </a:xfrm>
+          <a:custGeom>
+            <a:avLst/>
+            <a:gdLst/>
+            <a:ahLst/>
+            <a:cxnLst/>
+            <a:rect l="l" t="t" r="r" b="b"/>
+            <a:pathLst>
+              <a:path w="120000" h="120000" extrusionOk="0">
+                <a:moveTo>
+                  <a:pt x="0" y="0"/>
+                </a:moveTo>
+                <a:lnTo>
+                  <a:pt x="120000" y="0"/>
+                </a:lnTo>
+                <a:lnTo>
+                  <a:pt x="120000" y="120000"/>
+                </a:lnTo>
+                <a:lnTo>
+                  <a:pt x="0" y="120000"/>
+                </a:lnTo>
+                <a:close/>
+              </a:path>
+            </a:pathLst>
+          </a:custGeom>
+        </p:spPr>
+      </p:sp>
+      <p:sp>
+        <p:nvSpPr>
+          <p:cNvPr id="76" name="Google Shape;76;gcad7496ea3_0_0:notes"/>
+          <p:cNvSpPr txBox="1"/>
+          <p:nvPr>
+            <p:ph type="body" idx="1"/>
+          </p:nvPr>
+        </p:nvSpPr>
+        <p:spPr>
+          <a:xfrm>
+            <a:off x="685800" y="4343400"/>
+            <a:ext cx="5486400" cy="4114800"/>
+          </a:xfrm>
+          <a:prstGeom prst="rect">
+            <a:avLst/>
+          </a:prstGeom>
+        </p:spPr>
+        <p:txBody>
+          <a:bodyPr spcFirstLastPara="1" wrap="square" lIns="91425" tIns="91425" rIns="91425" bIns="91425" anchor="t" anchorCtr="0">
+            <a:noAutofit/>
+          </a:bodyPr>
+          <a:lstStyle/>
+          <a:p>
+            <a:pPr marL="0" lvl="0" indent="0" algn="l" rtl="0">
+              <a:spcBef>
+                <a:spcPts val="0"/>
+              </a:spcBef>
+              <a:spcAft>
+                <a:spcPts val="0"/>
+              </a:spcAft>
+              <a:buNone/>
+            </a:pPr>
+            <a:r>
+              <a:rPr lang="en-US"/>
+              <a:t>run two commands are the same to check its container are shared folder or not</a:t>
+            </a:r>
+            <a:endParaRPr lang="en-US"/>
+          </a:p>
+        </p:txBody>
+      </p:sp>
+    </p:spTree>
+  </p:cSld>
+  <p:clrMapOvr>
+    <a:masterClrMapping/>
+  </p:clrMapOvr>
+</p:notes>
+</file>
+
+<file path=ppt/notesSlides/notesSlide65.xml><?xml version="1.0" encoding="utf-8"?>
+<p:notes xmlns:a="http://schemas.openxmlformats.org/drawingml/2006/main" xmlns:r="http://schemas.openxmlformats.org/officeDocument/2006/relationships" xmlns:p="http://schemas.openxmlformats.org/presentationml/2006/main" showMasterPhAnim="0" showMasterSp="0">
+  <p:cSld>
+    <p:spTree>
+      <p:nvGrpSpPr>
+        <p:cNvPr id="447" name="Shape 447"/>
+        <p:cNvGrpSpPr/>
+        <p:nvPr/>
+      </p:nvGrpSpPr>
+      <p:grpSpPr>
+        <a:xfrm>
+          <a:off x="0" y="0"/>
+          <a:ext cx="0" cy="0"/>
+          <a:chOff x="0" y="0"/>
+          <a:chExt cx="0" cy="0"/>
+        </a:xfrm>
+      </p:grpSpPr>
+      <p:sp>
+        <p:nvSpPr>
+          <p:cNvPr id="448" name="Google Shape;448;gcb89376c82_0_37:notes"/>
+          <p:cNvSpPr/>
+          <p:nvPr>
+            <p:ph type="sldImg" idx="2"/>
+          </p:nvPr>
+        </p:nvSpPr>
+        <p:spPr>
+          <a:xfrm>
+            <a:off x="381300" y="685800"/>
+            <a:ext cx="6096000" cy="3429000"/>
+          </a:xfrm>
+          <a:custGeom>
+            <a:avLst/>
+            <a:gdLst/>
+            <a:ahLst/>
+            <a:cxnLst/>
+            <a:rect l="l" t="t" r="r" b="b"/>
+            <a:pathLst>
+              <a:path w="120000" h="120000" extrusionOk="0">
+                <a:moveTo>
+                  <a:pt x="0" y="0"/>
+                </a:moveTo>
+                <a:lnTo>
+                  <a:pt x="120000" y="0"/>
+                </a:lnTo>
+                <a:lnTo>
+                  <a:pt x="120000" y="120000"/>
+                </a:lnTo>
+                <a:lnTo>
+                  <a:pt x="0" y="120000"/>
+                </a:lnTo>
+                <a:close/>
+              </a:path>
+            </a:pathLst>
+          </a:custGeom>
+        </p:spPr>
+      </p:sp>
+      <p:sp>
+        <p:nvSpPr>
+          <p:cNvPr id="449" name="Google Shape;449;gcb89376c82_0_37:notes"/>
+          <p:cNvSpPr txBox="1"/>
+          <p:nvPr>
+            <p:ph type="body" idx="1"/>
+          </p:nvPr>
+        </p:nvSpPr>
+        <p:spPr>
+          <a:xfrm>
+            <a:off x="685800" y="4343400"/>
+            <a:ext cx="5486400" cy="4114800"/>
+          </a:xfrm>
+          <a:prstGeom prst="rect">
+            <a:avLst/>
+          </a:prstGeom>
+        </p:spPr>
+        <p:txBody>
+          <a:bodyPr spcFirstLastPara="1" wrap="square" lIns="91425" tIns="91425" rIns="91425" bIns="91425" anchor="t" anchorCtr="0">
+            <a:noAutofit/>
+          </a:bodyPr>
+          <a:lstStyle/>
+          <a:p>
+            <a:pPr marL="0" lvl="0" indent="0" algn="l" rtl="0">
+              <a:spcBef>
+                <a:spcPts val="0"/>
+              </a:spcBef>
+              <a:spcAft>
+                <a:spcPts val="0"/>
+              </a:spcAft>
+              <a:buNone/>
+            </a:pPr>
           </a:p>
         </p:txBody>
       </p:sp>
@@ -12933,7 +14165,7 @@
       </p:sp>
       <p:pic>
         <p:nvPicPr>
-          <p:cNvPr id="1" name="Picture 0"/>
+          <p:cNvPr id="2" name="Picture 1"/>
           <p:cNvPicPr>
             <a:picLocks noChangeAspect="1"/>
           </p:cNvPicPr>
@@ -13027,7 +14259,7 @@
       </p:sp>
       <p:pic>
         <p:nvPicPr>
-          <p:cNvPr id="1" name="Picture 0"/>
+          <p:cNvPr id="2" name="Picture 1"/>
           <p:cNvPicPr>
             <a:picLocks noChangeAspect="1"/>
           </p:cNvPicPr>
@@ -13462,7 +14694,7 @@
       </p:sp>
       <p:pic>
         <p:nvPicPr>
-          <p:cNvPr id="1" name="Picture 0"/>
+          <p:cNvPr id="2" name="Picture 1"/>
           <p:cNvPicPr>
             <a:picLocks noChangeAspect="1"/>
           </p:cNvPicPr>
@@ -13922,6 +15154,27 @@
               </a:rPr>
               <a:t>Run an example (nodejs application)</a:t>
             </a:r>
+            <a:endParaRPr lang="en-US">
+              <a:sym typeface="+mn-ea"/>
+            </a:endParaRPr>
+          </a:p>
+          <a:p>
+            <a:pPr marL="457200" lvl="0" indent="-342900" algn="l" rtl="0">
+              <a:spcBef>
+                <a:spcPts val="0"/>
+              </a:spcBef>
+              <a:spcAft>
+                <a:spcPts val="0"/>
+              </a:spcAft>
+              <a:buSzPts val="1800"/>
+              <a:buAutoNum type="arabicPeriod"/>
+            </a:pPr>
+            <a:r>
+              <a:rPr lang="en-US">
+                <a:sym typeface="+mn-ea"/>
+              </a:rPr>
+              <a:t>Build an example: a counter visit to website</a:t>
+            </a:r>
             <a:endParaRPr lang="en-GB"/>
           </a:p>
         </p:txBody>
@@ -14060,7 +15313,7 @@
       </p:sp>
       <p:pic>
         <p:nvPicPr>
-          <p:cNvPr id="1" name="Picture 0"/>
+          <p:cNvPr id="2" name="Picture 1"/>
           <p:cNvPicPr>
             <a:picLocks noChangeAspect="1"/>
           </p:cNvPicPr>
@@ -14705,7 +15958,7 @@
       </p:sp>
       <p:pic>
         <p:nvPicPr>
-          <p:cNvPr id="1" name="Picture 0"/>
+          <p:cNvPr id="2" name="Picture 1"/>
           <p:cNvPicPr>
             <a:picLocks noChangeAspect="1"/>
           </p:cNvPicPr>
@@ -15059,7 +16312,7 @@
       </p:pic>
       <p:pic>
         <p:nvPicPr>
-          <p:cNvPr id="1" name="Picture 0"/>
+          <p:cNvPr id="3" name="Picture 2"/>
           <p:cNvPicPr>
             <a:picLocks noChangeAspect="1"/>
           </p:cNvPicPr>
@@ -15259,43 +16512,134 @@
   <p:cSld>
     <p:spTree>
       <p:nvGrpSpPr>
-        <p:cNvPr id="1" name=""/>
+        <p:cNvPr id="77" name="Shape 77"/>
         <p:cNvGrpSpPr/>
         <p:nvPr/>
       </p:nvGrpSpPr>
-      <p:grpSpPr/>
-      <p:sp>
-        <p:nvSpPr>
-          <p:cNvPr id="2" name="Title 1"/>
-          <p:cNvSpPr/>
+      <p:grpSpPr>
+        <a:xfrm>
+          <a:off x="0" y="0"/>
+          <a:ext cx="0" cy="0"/>
+          <a:chOff x="0" y="0"/>
+          <a:chExt cx="0" cy="0"/>
+        </a:xfrm>
+      </p:grpSpPr>
+      <p:sp>
+        <p:nvSpPr>
+          <p:cNvPr id="78" name="Google Shape;78;p15"/>
+          <p:cNvSpPr txBox="1"/>
           <p:nvPr>
             <p:ph type="title"/>
           </p:nvPr>
         </p:nvSpPr>
-        <p:spPr/>
+        <p:spPr>
+          <a:xfrm>
+            <a:off x="311700" y="123715"/>
+            <a:ext cx="8520600" cy="707400"/>
+          </a:xfrm>
+          <a:prstGeom prst="rect">
+            <a:avLst/>
+          </a:prstGeom>
+        </p:spPr>
         <p:txBody>
-          <a:bodyPr/>
-          <a:p>
-            <a:endParaRPr lang="en-US"/>
+          <a:bodyPr spcFirstLastPara="1" wrap="square" lIns="91425" tIns="91425" rIns="91425" bIns="91425" anchor="t" anchorCtr="0">
+            <a:normAutofit/>
+          </a:bodyPr>
+          <a:lstStyle/>
+          <a:p>
+            <a:pPr marL="0" lvl="0" indent="0" algn="l" rtl="0">
+              <a:spcBef>
+                <a:spcPts val="0"/>
+              </a:spcBef>
+              <a:spcAft>
+                <a:spcPts val="0"/>
+              </a:spcAft>
+              <a:buSzPts val="990"/>
+              <a:buNone/>
+            </a:pPr>
+            <a:r>
+              <a:rPr lang="en-US" sz="2940"/>
+              <a:t>Build docker example (counter visit website)</a:t>
+            </a:r>
+            <a:endParaRPr lang="en-US" sz="2940" b="0">
+              <a:solidFill>
+                <a:srgbClr val="3D85C6"/>
+              </a:solidFill>
+            </a:endParaRPr>
           </a:p>
         </p:txBody>
       </p:sp>
       <p:sp>
         <p:nvSpPr>
-          <p:cNvPr id="3" name="Text Placeholder 2"/>
-          <p:cNvSpPr/>
+          <p:cNvPr id="79" name="Google Shape;79;p15"/>
+          <p:cNvSpPr txBox="1"/>
           <p:nvPr>
             <p:ph type="body" idx="1"/>
           </p:nvPr>
         </p:nvSpPr>
-        <p:spPr/>
+        <p:spPr>
+          <a:xfrm>
+            <a:off x="311785" y="3576955"/>
+            <a:ext cx="7706360" cy="984885"/>
+          </a:xfrm>
+          <a:prstGeom prst="rect">
+            <a:avLst/>
+          </a:prstGeom>
+        </p:spPr>
         <p:txBody>
-          <a:bodyPr/>
-          <a:p>
-            <a:endParaRPr lang="en-US"/>
+          <a:bodyPr spcFirstLastPara="1" wrap="square" lIns="91425" tIns="91425" rIns="91425" bIns="91425" anchor="t" anchorCtr="0">
+            <a:normAutofit/>
+          </a:bodyPr>
+          <a:lstStyle/>
+          <a:p>
+            <a:pPr marL="457200" lvl="0" indent="-342900" algn="l" rtl="0">
+              <a:spcBef>
+                <a:spcPts val="0"/>
+              </a:spcBef>
+              <a:spcAft>
+                <a:spcPts val="0"/>
+              </a:spcAft>
+              <a:buSzPts val="1800"/>
+              <a:buChar char="+"/>
+            </a:pPr>
+            <a:r>
+              <a:rPr lang="en-US" altLang="en-GB" b="1">
+                <a:sym typeface="+mn-ea"/>
+              </a:rPr>
+              <a:t>Build a simple website run on nodejs and connect to redis server to save how many user access to the website</a:t>
+            </a:r>
+            <a:endParaRPr lang="en-US" b="1">
+              <a:solidFill>
+                <a:srgbClr val="B45F06"/>
+              </a:solidFill>
+            </a:endParaRPr>
           </a:p>
         </p:txBody>
       </p:sp>
+      <p:pic>
+        <p:nvPicPr>
+          <p:cNvPr id="6" name="Picture 5"/>
+          <p:cNvPicPr>
+            <a:picLocks noChangeAspect="1"/>
+          </p:cNvPicPr>
+          <p:nvPr/>
+        </p:nvPicPr>
+        <p:blipFill>
+          <a:blip r:embed="rId1"/>
+          <a:stretch>
+            <a:fillRect/>
+          </a:stretch>
+        </p:blipFill>
+        <p:spPr>
+          <a:xfrm>
+            <a:off x="1409700" y="831215"/>
+            <a:ext cx="6324600" cy="1752600"/>
+          </a:xfrm>
+          <a:prstGeom prst="rect">
+            <a:avLst/>
+          </a:prstGeom>
+        </p:spPr>
+      </p:pic>
     </p:spTree>
   </p:cSld>
   <p:clrMapOvr>
@@ -15356,7 +16700,7 @@
             </a:pPr>
             <a:r>
               <a:rPr lang="en-US" sz="2940"/>
-              <a:t>Docker run in detail</a:t>
+              <a:t>Build docker example (counter visit website)</a:t>
             </a:r>
             <a:endParaRPr lang="en-US" sz="2940" b="0">
               <a:solidFill>
@@ -15376,8 +16720,8 @@
         </p:nvSpPr>
         <p:spPr>
           <a:xfrm>
-            <a:off x="311785" y="831215"/>
-            <a:ext cx="8520430" cy="3737610"/>
+            <a:off x="311785" y="4030980"/>
+            <a:ext cx="6491605" cy="530860"/>
           </a:xfrm>
           <a:prstGeom prst="rect">
             <a:avLst/>
@@ -15399,6 +16743,12 @@
               <a:buSzPts val="1800"/>
               <a:buChar char="+"/>
             </a:pPr>
+            <a:r>
+              <a:rPr lang="en-US" altLang="en-GB" b="1">
+                <a:sym typeface="+mn-ea"/>
+              </a:rPr>
+              <a:t>Create new folder and build like these</a:t>
+            </a:r>
             <a:endParaRPr lang="en-US" b="1">
               <a:solidFill>
                 <a:srgbClr val="B45F06"/>
@@ -15409,7 +16759,7 @@
       </p:sp>
       <p:pic>
         <p:nvPicPr>
-          <p:cNvPr id="2" name="Picture 1"/>
+          <p:cNvPr id="3" name="Picture 2"/>
           <p:cNvPicPr>
             <a:picLocks noChangeAspect="1"/>
           </p:cNvPicPr>
@@ -15423,8 +16773,56 @@
         </p:blipFill>
         <p:spPr>
           <a:xfrm>
-            <a:off x="861060" y="831850"/>
-            <a:ext cx="7198360" cy="3736340"/>
+            <a:off x="311785" y="830580"/>
+            <a:ext cx="3819525" cy="1446530"/>
+          </a:xfrm>
+          <a:prstGeom prst="rect">
+            <a:avLst/>
+          </a:prstGeom>
+        </p:spPr>
+      </p:pic>
+      <p:pic>
+        <p:nvPicPr>
+          <p:cNvPr id="2" name="Picture 1"/>
+          <p:cNvPicPr>
+            <a:picLocks noChangeAspect="1"/>
+          </p:cNvPicPr>
+          <p:nvPr/>
+        </p:nvPicPr>
+        <p:blipFill>
+          <a:blip r:embed="rId2"/>
+          <a:stretch>
+            <a:fillRect/>
+          </a:stretch>
+        </p:blipFill>
+        <p:spPr>
+          <a:xfrm>
+            <a:off x="4819650" y="831215"/>
+            <a:ext cx="3077845" cy="1678940"/>
+          </a:xfrm>
+          <a:prstGeom prst="rect">
+            <a:avLst/>
+          </a:prstGeom>
+        </p:spPr>
+      </p:pic>
+      <p:pic>
+        <p:nvPicPr>
+          <p:cNvPr id="5" name="Picture 4"/>
+          <p:cNvPicPr>
+            <a:picLocks noChangeAspect="1"/>
+          </p:cNvPicPr>
+          <p:nvPr/>
+        </p:nvPicPr>
+        <p:blipFill>
+          <a:blip r:embed="rId3"/>
+          <a:stretch>
+            <a:fillRect/>
+          </a:stretch>
+        </p:blipFill>
+        <p:spPr>
+          <a:xfrm>
+            <a:off x="311785" y="2358390"/>
+            <a:ext cx="2981960" cy="1591310"/>
           </a:xfrm>
           <a:prstGeom prst="rect">
             <a:avLst/>
@@ -15491,7 +16889,7 @@
             </a:pPr>
             <a:r>
               <a:rPr lang="en-US" sz="2940"/>
-              <a:t>Overriding default commands</a:t>
+              <a:t>Build docker example (counter visit website)</a:t>
             </a:r>
             <a:endParaRPr lang="en-US" sz="2940" b="0">
               <a:solidFill>
@@ -15511,8 +16909,8 @@
         </p:nvSpPr>
         <p:spPr>
           <a:xfrm>
-            <a:off x="311785" y="831215"/>
-            <a:ext cx="8520430" cy="3737610"/>
+            <a:off x="311785" y="4030980"/>
+            <a:ext cx="6491605" cy="530860"/>
           </a:xfrm>
           <a:prstGeom prst="rect">
             <a:avLst/>
@@ -15538,28 +16936,7 @@
               <a:rPr lang="en-US" altLang="en-GB" b="1">
                 <a:sym typeface="+mn-ea"/>
               </a:rPr>
-              <a:t>Run a command and show message</a:t>
-            </a:r>
-            <a:endParaRPr lang="en-US" altLang="en-GB" b="1">
-              <a:sym typeface="+mn-ea"/>
-            </a:endParaRPr>
-          </a:p>
-          <a:p>
-            <a:pPr marL="457200" lvl="0" indent="-342900" algn="l" rtl="0">
-              <a:spcBef>
-                <a:spcPts val="0"/>
-              </a:spcBef>
-              <a:spcAft>
-                <a:spcPts val="0"/>
-              </a:spcAft>
-              <a:buSzPts val="1800"/>
-              <a:buChar char="+"/>
-            </a:pPr>
-            <a:r>
-              <a:rPr lang="en-US" altLang="en-GB" b="1">
-                <a:sym typeface="+mn-ea"/>
-              </a:rPr>
-              <a:t>&gt;&gt; docker run busybox echo hi there</a:t>
+              <a:t>Build an image with the tag name is visits:lasted</a:t>
             </a:r>
             <a:endParaRPr lang="en-US" b="1">
               <a:solidFill>
@@ -15571,7 +16948,7 @@
       </p:sp>
       <p:pic>
         <p:nvPicPr>
-          <p:cNvPr id="2" name="Picture 1"/>
+          <p:cNvPr id="3" name="Picture 2"/>
           <p:cNvPicPr>
             <a:picLocks noChangeAspect="1"/>
           </p:cNvPicPr>
@@ -15585,8 +16962,8 @@
         </p:blipFill>
         <p:spPr>
           <a:xfrm>
-            <a:off x="1897380" y="1804035"/>
-            <a:ext cx="5348605" cy="2246630"/>
+            <a:off x="410210" y="831215"/>
+            <a:ext cx="7668895" cy="2798445"/>
           </a:xfrm>
           <a:prstGeom prst="rect">
             <a:avLst/>
@@ -15790,7 +17167,7 @@
             </a:pPr>
             <a:r>
               <a:rPr lang="en-US" sz="2940"/>
-              <a:t>Overriding default commands</a:t>
+              <a:t>Build docker example (counter visit website)</a:t>
             </a:r>
             <a:endParaRPr lang="en-US" sz="2940" b="0">
               <a:solidFill>
@@ -15810,8 +17187,8 @@
         </p:nvSpPr>
         <p:spPr>
           <a:xfrm>
-            <a:off x="311785" y="831215"/>
-            <a:ext cx="3696335" cy="3737610"/>
+            <a:off x="311785" y="4030980"/>
+            <a:ext cx="6491605" cy="530860"/>
           </a:xfrm>
           <a:prstGeom prst="rect">
             <a:avLst/>
@@ -15837,28 +17214,7 @@
               <a:rPr lang="en-US" altLang="en-GB" b="1">
                 <a:sym typeface="+mn-ea"/>
               </a:rPr>
-              <a:t>Show list of foder of the container </a:t>
-            </a:r>
-            <a:endParaRPr lang="en-US" altLang="en-GB" b="1">
-              <a:sym typeface="+mn-ea"/>
-            </a:endParaRPr>
-          </a:p>
-          <a:p>
-            <a:pPr marL="457200" lvl="0" indent="-342900" algn="l" rtl="0">
-              <a:spcBef>
-                <a:spcPts val="0"/>
-              </a:spcBef>
-              <a:spcAft>
-                <a:spcPts val="0"/>
-              </a:spcAft>
-              <a:buSzPts val="1800"/>
-              <a:buChar char="+"/>
-            </a:pPr>
-            <a:r>
-              <a:rPr lang="en-US" altLang="en-GB" b="1">
-                <a:sym typeface="+mn-ea"/>
-              </a:rPr>
-              <a:t>&gt;&gt; docker run busybox ls</a:t>
+              <a:t>Run redis server</a:t>
             </a:r>
             <a:endParaRPr lang="en-US" b="1">
               <a:solidFill>
@@ -15870,7 +17226,7 @@
       </p:sp>
       <p:pic>
         <p:nvPicPr>
-          <p:cNvPr id="3" name="Picture 2"/>
+          <p:cNvPr id="2" name="Picture 1"/>
           <p:cNvPicPr>
             <a:picLocks noChangeAspect="1"/>
           </p:cNvPicPr>
@@ -15884,8 +17240,8 @@
         </p:blipFill>
         <p:spPr>
           <a:xfrm>
-            <a:off x="4256405" y="990600"/>
-            <a:ext cx="4438650" cy="3419475"/>
+            <a:off x="2000250" y="881380"/>
+            <a:ext cx="5142865" cy="2457450"/>
           </a:xfrm>
           <a:prstGeom prst="rect">
             <a:avLst/>
@@ -15952,7 +17308,7 @@
             </a:pPr>
             <a:r>
               <a:rPr lang="en-US" sz="2940"/>
-              <a:t>Overriding default commands</a:t>
+              <a:t>Build docker example (counter visit website)</a:t>
             </a:r>
             <a:endParaRPr lang="en-US" sz="2940" b="0">
               <a:solidFill>
@@ -15972,8 +17328,8 @@
         </p:nvSpPr>
         <p:spPr>
           <a:xfrm>
-            <a:off x="311785" y="831215"/>
-            <a:ext cx="8037195" cy="3737610"/>
+            <a:off x="311785" y="3870325"/>
+            <a:ext cx="6491605" cy="691515"/>
           </a:xfrm>
           <a:prstGeom prst="rect">
             <a:avLst/>
@@ -15981,7 +17337,7 @@
         </p:spPr>
         <p:txBody>
           <a:bodyPr spcFirstLastPara="1" wrap="square" lIns="91425" tIns="91425" rIns="91425" bIns="91425" anchor="t" anchorCtr="0">
-            <a:normAutofit/>
+            <a:normAutofit fontScale="80000"/>
           </a:bodyPr>
           <a:lstStyle/>
           <a:p>
@@ -15999,7 +17355,7 @@
               <a:rPr lang="en-US" altLang="en-GB" b="1">
                 <a:sym typeface="+mn-ea"/>
               </a:rPr>
-              <a:t>Show list of foder of the container </a:t>
+              <a:t>Run node app </a:t>
             </a:r>
             <a:endParaRPr lang="en-US" altLang="en-GB" b="1">
               <a:sym typeface="+mn-ea"/>
@@ -16020,7 +17376,7 @@
               <a:rPr lang="en-US" altLang="en-GB" b="1">
                 <a:sym typeface="+mn-ea"/>
               </a:rPr>
-              <a:t>&gt;&gt; docker run busybox ls</a:t>
+              <a:t>Get the error: can’t connect to redis server (the redis started)</a:t>
             </a:r>
             <a:endParaRPr lang="en-US" b="1">
               <a:solidFill>
@@ -16032,7 +17388,7 @@
       </p:sp>
       <p:pic>
         <p:nvPicPr>
-          <p:cNvPr id="3" name="Picture 2"/>
+          <p:cNvPr id="2" name="Picture 1"/>
           <p:cNvPicPr>
             <a:picLocks noChangeAspect="1"/>
           </p:cNvPicPr>
@@ -16046,32 +17402,8 @@
         </p:blipFill>
         <p:spPr>
           <a:xfrm>
-            <a:off x="577215" y="2004695"/>
-            <a:ext cx="4172585" cy="2363470"/>
-          </a:xfrm>
-          <a:prstGeom prst="rect">
-            <a:avLst/>
-          </a:prstGeom>
-        </p:spPr>
-      </p:pic>
-      <p:pic>
-        <p:nvPicPr>
-          <p:cNvPr id="2" name="Picture 1"/>
-          <p:cNvPicPr>
-            <a:picLocks noChangeAspect="1"/>
-          </p:cNvPicPr>
-          <p:nvPr/>
-        </p:nvPicPr>
-        <p:blipFill>
-          <a:blip r:embed="rId2"/>
-          <a:stretch>
-            <a:fillRect/>
-          </a:stretch>
-        </p:blipFill>
-        <p:spPr>
-          <a:xfrm>
-            <a:off x="5003800" y="2132330"/>
-            <a:ext cx="3641090" cy="2108200"/>
+            <a:off x="2291080" y="779780"/>
+            <a:ext cx="5067300" cy="2855595"/>
           </a:xfrm>
           <a:prstGeom prst="rect">
             <a:avLst/>
@@ -16138,7 +17470,7 @@
             </a:pPr>
             <a:r>
               <a:rPr lang="en-US" sz="2940"/>
-              <a:t>List of running container</a:t>
+              <a:t>Build docker example (counter visit website)</a:t>
             </a:r>
             <a:endParaRPr lang="en-US" sz="2940" b="0">
               <a:solidFill>
@@ -16158,8 +17490,8 @@
         </p:nvSpPr>
         <p:spPr>
           <a:xfrm>
-            <a:off x="311785" y="831215"/>
-            <a:ext cx="8213725" cy="3737610"/>
+            <a:off x="311785" y="3358515"/>
+            <a:ext cx="7590155" cy="1203325"/>
           </a:xfrm>
           <a:prstGeom prst="rect">
             <a:avLst/>
@@ -16167,7 +17499,7 @@
         </p:spPr>
         <p:txBody>
           <a:bodyPr spcFirstLastPara="1" wrap="square" lIns="91425" tIns="91425" rIns="91425" bIns="91425" anchor="t" anchorCtr="0">
-            <a:normAutofit/>
+            <a:normAutofit fontScale="90000" lnSpcReduction="20000"/>
           </a:bodyPr>
           <a:lstStyle/>
           <a:p>
@@ -16185,7 +17517,7 @@
               <a:rPr lang="en-US" altLang="en-GB" b="1">
                 <a:sym typeface="+mn-ea"/>
               </a:rPr>
-              <a:t>Show list of running container</a:t>
+              <a:t>In the computer, two container work independently. We have two options</a:t>
             </a:r>
             <a:endParaRPr lang="en-US" altLang="en-GB" b="1">
               <a:sym typeface="+mn-ea"/>
@@ -16206,7 +17538,28 @@
               <a:rPr lang="en-US" altLang="en-GB" b="1">
                 <a:sym typeface="+mn-ea"/>
               </a:rPr>
-              <a:t>&gt;&gt; docker ps</a:t>
+              <a:t>1. Using Docker CLI network feature: It has a limit is we have to manual write a command to execute</a:t>
+            </a:r>
+            <a:endParaRPr lang="en-US" altLang="en-GB" b="1">
+              <a:sym typeface="+mn-ea"/>
+            </a:endParaRPr>
+          </a:p>
+          <a:p>
+            <a:pPr marL="457200" lvl="0" indent="-342900" algn="l" rtl="0">
+              <a:spcBef>
+                <a:spcPts val="0"/>
+              </a:spcBef>
+              <a:spcAft>
+                <a:spcPts val="0"/>
+              </a:spcAft>
+              <a:buSzPts val="1800"/>
+              <a:buChar char="+"/>
+            </a:pPr>
+            <a:r>
+              <a:rPr lang="en-US" altLang="en-GB" b="1">
+                <a:sym typeface="+mn-ea"/>
+              </a:rPr>
+              <a:t>2. Using Docker compose</a:t>
             </a:r>
             <a:endParaRPr lang="en-US" b="1">
               <a:solidFill>
@@ -16218,7 +17571,7 @@
       </p:sp>
       <p:pic>
         <p:nvPicPr>
-          <p:cNvPr id="2" name="Picture 1"/>
+          <p:cNvPr id="1" name="Picture 0"/>
           <p:cNvPicPr>
             <a:picLocks noChangeAspect="1"/>
           </p:cNvPicPr>
@@ -16232,8 +17585,8 @@
         </p:blipFill>
         <p:spPr>
           <a:xfrm>
-            <a:off x="546100" y="2914650"/>
-            <a:ext cx="6776085" cy="1609725"/>
+            <a:off x="387985" y="930910"/>
+            <a:ext cx="3925570" cy="2032635"/>
           </a:xfrm>
           <a:prstGeom prst="rect">
             <a:avLst/>
@@ -16242,7 +17595,7 @@
       </p:pic>
       <p:pic>
         <p:nvPicPr>
-          <p:cNvPr id="4" name="Picture 3"/>
+          <p:cNvPr id="3" name="Picture 2"/>
           <p:cNvPicPr>
             <a:picLocks noChangeAspect="1"/>
           </p:cNvPicPr>
@@ -16256,8 +17609,8 @@
         </p:blipFill>
         <p:spPr>
           <a:xfrm>
-            <a:off x="546100" y="1844040"/>
-            <a:ext cx="6162675" cy="723900"/>
+            <a:off x="4803140" y="930910"/>
+            <a:ext cx="2811780" cy="1973580"/>
           </a:xfrm>
           <a:prstGeom prst="rect">
             <a:avLst/>
@@ -16324,7 +17677,7 @@
             </a:pPr>
             <a:r>
               <a:rPr lang="en-US" sz="2940"/>
-              <a:t>List of running container</a:t>
+              <a:t>Build docker example (counter visit website)</a:t>
             </a:r>
             <a:endParaRPr lang="en-US" sz="2940" b="0">
               <a:solidFill>
@@ -16334,134 +17687,9 @@
           </a:p>
         </p:txBody>
       </p:sp>
-      <p:sp>
-        <p:nvSpPr>
-          <p:cNvPr id="79" name="Google Shape;79;p15"/>
-          <p:cNvSpPr txBox="1"/>
-          <p:nvPr>
-            <p:ph type="body" idx="1"/>
-          </p:nvPr>
-        </p:nvSpPr>
-        <p:spPr>
-          <a:xfrm>
-            <a:off x="311785" y="831215"/>
-            <a:ext cx="8213725" cy="3737610"/>
-          </a:xfrm>
-          <a:prstGeom prst="rect">
-            <a:avLst/>
-          </a:prstGeom>
-        </p:spPr>
-        <p:txBody>
-          <a:bodyPr spcFirstLastPara="1" wrap="square" lIns="91425" tIns="91425" rIns="91425" bIns="91425" anchor="t" anchorCtr="0">
-            <a:normAutofit/>
-          </a:bodyPr>
-          <a:lstStyle/>
-          <a:p>
-            <a:pPr marL="457200" lvl="0" indent="-342900" algn="l" rtl="0">
-              <a:spcBef>
-                <a:spcPts val="0"/>
-              </a:spcBef>
-              <a:spcAft>
-                <a:spcPts val="0"/>
-              </a:spcAft>
-              <a:buSzPts val="1800"/>
-              <a:buChar char="+"/>
-            </a:pPr>
-            <a:r>
-              <a:rPr lang="en-US" altLang="en-GB" b="1">
-                <a:sym typeface="+mn-ea"/>
-              </a:rPr>
-              <a:t>Show list of running container</a:t>
-            </a:r>
-            <a:endParaRPr lang="en-US" altLang="en-GB" b="1">
-              <a:sym typeface="+mn-ea"/>
-            </a:endParaRPr>
-          </a:p>
-          <a:p>
-            <a:pPr marL="457200" lvl="0" indent="-342900" algn="l" rtl="0">
-              <a:spcBef>
-                <a:spcPts val="0"/>
-              </a:spcBef>
-              <a:spcAft>
-                <a:spcPts val="0"/>
-              </a:spcAft>
-              <a:buSzPts val="1800"/>
-              <a:buChar char="+"/>
-            </a:pPr>
-            <a:r>
-              <a:rPr lang="en-US" altLang="en-GB" b="1">
-                <a:sym typeface="+mn-ea"/>
-              </a:rPr>
-              <a:t>&gt;&gt; docker ps </a:t>
-            </a:r>
-            <a:endParaRPr lang="en-US" altLang="en-GB" b="1">
-              <a:sym typeface="+mn-ea"/>
-            </a:endParaRPr>
-          </a:p>
-          <a:p>
-            <a:pPr marL="457200" lvl="0" indent="-342900" algn="l" rtl="0">
-              <a:spcBef>
-                <a:spcPts val="0"/>
-              </a:spcBef>
-              <a:spcAft>
-                <a:spcPts val="0"/>
-              </a:spcAft>
-              <a:buSzPts val="1800"/>
-              <a:buChar char="+"/>
-            </a:pPr>
-            <a:r>
-              <a:rPr lang="en-US" altLang="en-GB" b="1">
-                <a:sym typeface="+mn-ea"/>
-              </a:rPr>
-              <a:t>Show all containers that have ever been created on our machine</a:t>
-            </a:r>
-            <a:endParaRPr lang="en-US" altLang="en-GB" b="1">
-              <a:sym typeface="+mn-ea"/>
-            </a:endParaRPr>
-          </a:p>
-          <a:p>
-            <a:pPr marL="457200" lvl="0" indent="-342900" algn="l" rtl="0">
-              <a:spcBef>
-                <a:spcPts val="0"/>
-              </a:spcBef>
-              <a:spcAft>
-                <a:spcPts val="0"/>
-              </a:spcAft>
-              <a:buSzPts val="1800"/>
-              <a:buChar char="+"/>
-            </a:pPr>
-            <a:r>
-              <a:rPr lang="en-US" altLang="en-GB" b="1">
-                <a:sym typeface="+mn-ea"/>
-              </a:rPr>
-              <a:t>&gt;&gt; docker ps --all</a:t>
-            </a:r>
-            <a:endParaRPr lang="en-US" altLang="en-GB" b="1">
-              <a:sym typeface="+mn-ea"/>
-            </a:endParaRPr>
-          </a:p>
-          <a:p>
-            <a:pPr marL="457200" lvl="0" indent="-342900" algn="l" rtl="0">
-              <a:spcBef>
-                <a:spcPts val="0"/>
-              </a:spcBef>
-              <a:spcAft>
-                <a:spcPts val="0"/>
-              </a:spcAft>
-              <a:buSzPts val="1800"/>
-              <a:buChar char="+"/>
-            </a:pPr>
-            <a:endParaRPr lang="en-US" b="1">
-              <a:solidFill>
-                <a:srgbClr val="B45F06"/>
-              </a:solidFill>
-            </a:endParaRPr>
-          </a:p>
-        </p:txBody>
-      </p:sp>
       <p:pic>
         <p:nvPicPr>
-          <p:cNvPr id="3" name="Picture 2"/>
+          <p:cNvPr id="2" name="Picture 1"/>
           <p:cNvPicPr>
             <a:picLocks noChangeAspect="1"/>
           </p:cNvPicPr>
@@ -16475,8 +17703,56 @@
         </p:blipFill>
         <p:spPr>
           <a:xfrm>
-            <a:off x="634365" y="2456180"/>
-            <a:ext cx="7875270" cy="2037080"/>
+            <a:off x="311785" y="930910"/>
+            <a:ext cx="3674110" cy="1558925"/>
+          </a:xfrm>
+          <a:prstGeom prst="rect">
+            <a:avLst/>
+          </a:prstGeom>
+        </p:spPr>
+      </p:pic>
+      <p:pic>
+        <p:nvPicPr>
+          <p:cNvPr id="4" name="Picture 3"/>
+          <p:cNvPicPr>
+            <a:picLocks noChangeAspect="1"/>
+          </p:cNvPicPr>
+          <p:nvPr/>
+        </p:nvPicPr>
+        <p:blipFill>
+          <a:blip r:embed="rId2"/>
+          <a:stretch>
+            <a:fillRect/>
+          </a:stretch>
+        </p:blipFill>
+        <p:spPr>
+          <a:xfrm>
+            <a:off x="5510530" y="996950"/>
+            <a:ext cx="3173095" cy="3575685"/>
+          </a:xfrm>
+          <a:prstGeom prst="rect">
+            <a:avLst/>
+          </a:prstGeom>
+        </p:spPr>
+      </p:pic>
+      <p:pic>
+        <p:nvPicPr>
+          <p:cNvPr id="6" name="Picture 5"/>
+          <p:cNvPicPr>
+            <a:picLocks noChangeAspect="1"/>
+          </p:cNvPicPr>
+          <p:nvPr/>
+        </p:nvPicPr>
+        <p:blipFill>
+          <a:blip r:embed="rId3"/>
+          <a:stretch>
+            <a:fillRect/>
+          </a:stretch>
+        </p:blipFill>
+        <p:spPr>
+          <a:xfrm>
+            <a:off x="311785" y="2489835"/>
+            <a:ext cx="4476115" cy="2082165"/>
           </a:xfrm>
           <a:prstGeom prst="rect">
             <a:avLst/>
@@ -16543,7 +17819,7 @@
             </a:pPr>
             <a:r>
               <a:rPr lang="en-US" sz="2940"/>
-              <a:t>Docker lifecycle</a:t>
+              <a:t>Build docker example (counter visit website)</a:t>
             </a:r>
             <a:endParaRPr lang="en-US" sz="2940" b="0">
               <a:solidFill>
@@ -16563,8 +17839,8 @@
         </p:nvSpPr>
         <p:spPr>
           <a:xfrm>
-            <a:off x="311785" y="831215"/>
-            <a:ext cx="8520430" cy="3737610"/>
+            <a:off x="311785" y="3873500"/>
+            <a:ext cx="7590155" cy="688340"/>
           </a:xfrm>
           <a:prstGeom prst="rect">
             <a:avLst/>
@@ -16590,7 +17866,7 @@
               <a:rPr lang="en-US" altLang="en-GB" b="1">
                 <a:sym typeface="+mn-ea"/>
               </a:rPr>
-              <a:t>docker run hello-world</a:t>
+              <a:t>Networking with docker compose</a:t>
             </a:r>
             <a:endParaRPr lang="en-US" b="1">
               <a:solidFill>
@@ -16602,7 +17878,7 @@
       </p:sp>
       <p:pic>
         <p:nvPicPr>
-          <p:cNvPr id="2" name="Picture 1"/>
+          <p:cNvPr id="3" name="Picture 2"/>
           <p:cNvPicPr>
             <a:picLocks noChangeAspect="1"/>
           </p:cNvPicPr>
@@ -16616,32 +17892,8 @@
         </p:blipFill>
         <p:spPr>
           <a:xfrm>
-            <a:off x="569595" y="1735455"/>
-            <a:ext cx="3766820" cy="1986915"/>
-          </a:xfrm>
-          <a:prstGeom prst="rect">
-            <a:avLst/>
-          </a:prstGeom>
-        </p:spPr>
-      </p:pic>
-      <p:pic>
-        <p:nvPicPr>
-          <p:cNvPr id="4" name="Picture 3"/>
-          <p:cNvPicPr>
-            <a:picLocks noChangeAspect="1"/>
-          </p:cNvPicPr>
-          <p:nvPr/>
-        </p:nvPicPr>
-        <p:blipFill>
-          <a:blip r:embed="rId2"/>
-          <a:stretch>
-            <a:fillRect/>
-          </a:stretch>
-        </p:blipFill>
-        <p:spPr>
-          <a:xfrm>
-            <a:off x="4762500" y="1609725"/>
-            <a:ext cx="3735070" cy="2054225"/>
+            <a:off x="2233295" y="779780"/>
+            <a:ext cx="4677410" cy="2796540"/>
           </a:xfrm>
           <a:prstGeom prst="rect">
             <a:avLst/>
@@ -16708,7 +17960,7 @@
             </a:pPr>
             <a:r>
               <a:rPr lang="en-US" sz="2940"/>
-              <a:t>Docker lifecycle</a:t>
+              <a:t>Build docker example (counter visit website)</a:t>
             </a:r>
             <a:endParaRPr lang="en-US" sz="2940" b="0">
               <a:solidFill>
@@ -16728,8 +17980,8 @@
         </p:nvSpPr>
         <p:spPr>
           <a:xfrm>
-            <a:off x="311785" y="831215"/>
-            <a:ext cx="8520430" cy="3737610"/>
+            <a:off x="311785" y="3873500"/>
+            <a:ext cx="7590155" cy="688340"/>
           </a:xfrm>
           <a:prstGeom prst="rect">
             <a:avLst/>
@@ -16737,7 +17989,7 @@
         </p:spPr>
         <p:txBody>
           <a:bodyPr spcFirstLastPara="1" wrap="square" lIns="91425" tIns="91425" rIns="91425" bIns="91425" anchor="t" anchorCtr="0">
-            <a:normAutofit/>
+            <a:normAutofit fontScale="90000" lnSpcReduction="20000"/>
           </a:bodyPr>
           <a:lstStyle/>
           <a:p>
@@ -16755,8 +18007,44 @@
               <a:rPr lang="en-US" altLang="en-GB" b="1">
                 <a:sym typeface="+mn-ea"/>
               </a:rPr>
-              <a:t>docker run hello-world</a:t>
+              <a:t>Docker compose commands</a:t>
             </a:r>
+            <a:endParaRPr lang="en-US" altLang="en-GB" b="1">
+              <a:sym typeface="+mn-ea"/>
+            </a:endParaRPr>
+          </a:p>
+          <a:p>
+            <a:pPr marL="457200" lvl="0" indent="-342900" algn="l" rtl="0">
+              <a:spcBef>
+                <a:spcPts val="0"/>
+              </a:spcBef>
+              <a:spcAft>
+                <a:spcPts val="0"/>
+              </a:spcAft>
+              <a:buSzPts val="1800"/>
+              <a:buChar char="+"/>
+            </a:pPr>
+            <a:r>
+              <a:rPr lang="en-US" altLang="en-GB" b="1">
+                <a:sym typeface="+mn-ea"/>
+              </a:rPr>
+              <a:t>Docker compose will read docker-compose.yml file to build the process</a:t>
+            </a:r>
+            <a:endParaRPr lang="en-US" altLang="en-GB" b="1">
+              <a:sym typeface="+mn-ea"/>
+            </a:endParaRPr>
+          </a:p>
+          <a:p>
+            <a:pPr marL="114300" lvl="0" indent="0" algn="l" rtl="0">
+              <a:spcBef>
+                <a:spcPts val="0"/>
+              </a:spcBef>
+              <a:spcAft>
+                <a:spcPts val="0"/>
+              </a:spcAft>
+              <a:buSzPts val="1800"/>
+              <a:buNone/>
+            </a:pPr>
             <a:endParaRPr lang="en-US" b="1">
               <a:solidFill>
                 <a:srgbClr val="B45F06"/>
@@ -16781,32 +18069,8 @@
         </p:blipFill>
         <p:spPr>
           <a:xfrm>
-            <a:off x="542290" y="1350645"/>
-            <a:ext cx="3642995" cy="2865120"/>
-          </a:xfrm>
-          <a:prstGeom prst="rect">
-            <a:avLst/>
-          </a:prstGeom>
-        </p:spPr>
-      </p:pic>
-      <p:pic>
-        <p:nvPicPr>
-          <p:cNvPr id="5" name="Picture 4"/>
-          <p:cNvPicPr>
-            <a:picLocks noChangeAspect="1"/>
-          </p:cNvPicPr>
-          <p:nvPr/>
-        </p:nvPicPr>
-        <p:blipFill>
-          <a:blip r:embed="rId2"/>
-          <a:stretch>
-            <a:fillRect/>
-          </a:stretch>
-        </p:blipFill>
-        <p:spPr>
-          <a:xfrm>
-            <a:off x="4262120" y="1351280"/>
-            <a:ext cx="4683125" cy="2865120"/>
+            <a:off x="1152525" y="831215"/>
+            <a:ext cx="6667500" cy="2667000"/>
           </a:xfrm>
           <a:prstGeom prst="rect">
             <a:avLst/>
@@ -16873,7 +18137,7 @@
             </a:pPr>
             <a:r>
               <a:rPr lang="en-US" sz="2940"/>
-              <a:t>Starting stopped container</a:t>
+              <a:t>Build docker example (counter visit website)</a:t>
             </a:r>
             <a:endParaRPr lang="en-US" sz="2940" b="0">
               <a:solidFill>
@@ -16883,56 +18147,9 @@
           </a:p>
         </p:txBody>
       </p:sp>
-      <p:sp>
-        <p:nvSpPr>
-          <p:cNvPr id="79" name="Google Shape;79;p15"/>
-          <p:cNvSpPr txBox="1"/>
-          <p:nvPr>
-            <p:ph type="body" idx="1"/>
-          </p:nvPr>
-        </p:nvSpPr>
-        <p:spPr>
-          <a:xfrm>
-            <a:off x="311785" y="3627120"/>
-            <a:ext cx="8520430" cy="941705"/>
-          </a:xfrm>
-          <a:prstGeom prst="rect">
-            <a:avLst/>
-          </a:prstGeom>
-        </p:spPr>
-        <p:txBody>
-          <a:bodyPr spcFirstLastPara="1" wrap="square" lIns="91425" tIns="91425" rIns="91425" bIns="91425" anchor="t" anchorCtr="0">
-            <a:normAutofit/>
-          </a:bodyPr>
-          <a:lstStyle/>
-          <a:p>
-            <a:pPr marL="457200" lvl="0" indent="-342900" algn="l" rtl="0">
-              <a:spcBef>
-                <a:spcPts val="0"/>
-              </a:spcBef>
-              <a:spcAft>
-                <a:spcPts val="0"/>
-              </a:spcAft>
-              <a:buSzPts val="1800"/>
-              <a:buChar char="+"/>
-            </a:pPr>
-            <a:r>
-              <a:rPr lang="en-US" altLang="en-GB" b="1">
-                <a:sym typeface="+mn-ea"/>
-              </a:rPr>
-              <a:t>Status = exited, mean it’s instance till exist in the cache, so we can recall it by using its ID</a:t>
-            </a:r>
-            <a:endParaRPr lang="en-US" b="1">
-              <a:solidFill>
-                <a:srgbClr val="B45F06"/>
-              </a:solidFill>
-            </a:endParaRPr>
-          </a:p>
-        </p:txBody>
-      </p:sp>
       <p:pic>
         <p:nvPicPr>
-          <p:cNvPr id="2" name="Picture 1"/>
+          <p:cNvPr id="1" name="Picture 0"/>
           <p:cNvPicPr>
             <a:picLocks noChangeAspect="1"/>
           </p:cNvPicPr>
@@ -16946,8 +18163,8 @@
         </p:blipFill>
         <p:spPr>
           <a:xfrm>
-            <a:off x="429260" y="890905"/>
-            <a:ext cx="8286115" cy="2677160"/>
+            <a:off x="2386330" y="831215"/>
+            <a:ext cx="4371340" cy="3977005"/>
           </a:xfrm>
           <a:prstGeom prst="rect">
             <a:avLst/>
@@ -17014,11 +18231,58 @@
             </a:pPr>
             <a:r>
               <a:rPr lang="en-US" sz="2940"/>
-              <a:t>Starting stopped container</a:t>
+              <a:t>Build docker example (counter visit website)</a:t>
             </a:r>
             <a:endParaRPr lang="en-US" sz="2940" b="0">
               <a:solidFill>
                 <a:srgbClr val="3D85C6"/>
+              </a:solidFill>
+            </a:endParaRPr>
+          </a:p>
+        </p:txBody>
+      </p:sp>
+      <p:sp>
+        <p:nvSpPr>
+          <p:cNvPr id="79" name="Google Shape;79;p15"/>
+          <p:cNvSpPr txBox="1"/>
+          <p:nvPr>
+            <p:ph type="body" idx="1"/>
+          </p:nvPr>
+        </p:nvSpPr>
+        <p:spPr>
+          <a:xfrm>
+            <a:off x="311785" y="3873500"/>
+            <a:ext cx="7590155" cy="688340"/>
+          </a:xfrm>
+          <a:prstGeom prst="rect">
+            <a:avLst/>
+          </a:prstGeom>
+        </p:spPr>
+        <p:txBody>
+          <a:bodyPr spcFirstLastPara="1" wrap="square" lIns="91425" tIns="91425" rIns="91425" bIns="91425" anchor="t" anchorCtr="0">
+            <a:normAutofit/>
+          </a:bodyPr>
+          <a:lstStyle/>
+          <a:p>
+            <a:pPr marL="457200" lvl="0" indent="-342900" algn="l" rtl="0">
+              <a:spcBef>
+                <a:spcPts val="0"/>
+              </a:spcBef>
+              <a:spcAft>
+                <a:spcPts val="0"/>
+              </a:spcAft>
+              <a:buSzPts val="1800"/>
+              <a:buChar char="+"/>
+            </a:pPr>
+            <a:r>
+              <a:rPr lang="en-US" altLang="en-GB" b="1">
+                <a:sym typeface="+mn-ea"/>
+              </a:rPr>
+              <a:t>stop docker compose</a:t>
+            </a:r>
+            <a:endParaRPr lang="en-US" b="1">
+              <a:solidFill>
+                <a:srgbClr val="B45F06"/>
               </a:solidFill>
             </a:endParaRPr>
           </a:p>
@@ -17040,30 +18304,38 @@
         </p:blipFill>
         <p:spPr>
           <a:xfrm>
-            <a:off x="1435735" y="831215"/>
-            <a:ext cx="6272530" cy="3705860"/>
+            <a:off x="311785" y="831215"/>
+            <a:ext cx="8115935" cy="1198245"/>
           </a:xfrm>
           <a:prstGeom prst="rect">
             <a:avLst/>
           </a:prstGeom>
         </p:spPr>
       </p:pic>
-      <p:sp>
-        <p:nvSpPr>
-          <p:cNvPr id="3" name="Text Placeholder 2"/>
-          <p:cNvSpPr/>
-          <p:nvPr>
-            <p:ph type="body" idx="1"/>
-          </p:nvPr>
-        </p:nvSpPr>
-        <p:spPr/>
-        <p:txBody>
-          <a:bodyPr/>
-          <a:p>
-            <a:endParaRPr lang="en-US"/>
-          </a:p>
-        </p:txBody>
-      </p:sp>
+      <p:pic>
+        <p:nvPicPr>
+          <p:cNvPr id="3" name="Picture 2"/>
+          <p:cNvPicPr>
+            <a:picLocks noChangeAspect="1"/>
+          </p:cNvPicPr>
+          <p:nvPr/>
+        </p:nvPicPr>
+        <p:blipFill>
+          <a:blip r:embed="rId2"/>
+          <a:stretch>
+            <a:fillRect/>
+          </a:stretch>
+        </p:blipFill>
+        <p:spPr>
+          <a:xfrm>
+            <a:off x="5367655" y="2129155"/>
+            <a:ext cx="3060065" cy="2475230"/>
+          </a:xfrm>
+          <a:prstGeom prst="rect">
+            <a:avLst/>
+          </a:prstGeom>
+        </p:spPr>
+      </p:pic>
     </p:spTree>
   </p:cSld>
   <p:clrMapOvr>
@@ -17124,7 +18396,7 @@
             </a:pPr>
             <a:r>
               <a:rPr lang="en-US" sz="2940"/>
-              <a:t>Removing stopped container</a:t>
+              <a:t>Build docker example (counter visit website)</a:t>
             </a:r>
             <a:endParaRPr lang="en-US" sz="2940" b="0">
               <a:solidFill>
@@ -17144,8 +18416,8 @@
         </p:nvSpPr>
         <p:spPr>
           <a:xfrm>
-            <a:off x="311785" y="3975735"/>
-            <a:ext cx="8213725" cy="840105"/>
+            <a:off x="311785" y="3873500"/>
+            <a:ext cx="7590155" cy="688340"/>
           </a:xfrm>
           <a:prstGeom prst="rect">
             <a:avLst/>
@@ -17153,10 +18425,11 @@
         </p:spPr>
         <p:txBody>
           <a:bodyPr spcFirstLastPara="1" wrap="square" lIns="91425" tIns="91425" rIns="91425" bIns="91425" anchor="t" anchorCtr="0">
-            <a:normAutofit fontScale="90000"/>
+            <a:normAutofit/>
           </a:bodyPr>
-          <a:p>
-            <a:pPr marL="114300" lvl="0" indent="0" algn="l" rtl="0">
+          <a:lstStyle/>
+          <a:p>
+            <a:pPr marL="457200" lvl="0" indent="-342900" algn="l" rtl="0">
               <a:spcBef>
                 <a:spcPts val="0"/>
               </a:spcBef>
@@ -17164,34 +18437,13 @@
                 <a:spcPts val="0"/>
               </a:spcAft>
               <a:buSzPts val="1800"/>
-              <a:buNone/>
+              <a:buChar char="+"/>
             </a:pPr>
             <a:r>
               <a:rPr lang="en-US" altLang="en-GB" b="1">
                 <a:sym typeface="+mn-ea"/>
               </a:rPr>
-              <a:t>docker system prune</a:t>
-            </a:r>
-            <a:endParaRPr lang="en-US" altLang="en-GB" b="1">
-              <a:sym typeface="+mn-ea"/>
-            </a:endParaRPr>
-          </a:p>
-          <a:p>
-            <a:pPr marL="114300" lvl="0" indent="0" algn="l" rtl="0">
-              <a:spcBef>
-                <a:spcPts val="0"/>
-              </a:spcBef>
-              <a:spcAft>
-                <a:spcPts val="0"/>
-              </a:spcAft>
-              <a:buSzPts val="1800"/>
-              <a:buNone/>
-            </a:pPr>
-            <a:r>
-              <a:rPr lang="en-US" altLang="en-GB" b="1">
-                <a:sym typeface="+mn-ea"/>
-              </a:rPr>
-              <a:t>=&gt; remove all stopped containers, cache and redownload images from docker hub</a:t>
+              <a:t>stop docker compose</a:t>
             </a:r>
             <a:endParaRPr lang="en-US" b="1">
               <a:solidFill>
@@ -17203,7 +18455,7 @@
       </p:sp>
       <p:pic>
         <p:nvPicPr>
-          <p:cNvPr id="5" name="Picture 4"/>
+          <p:cNvPr id="1" name="Picture 0"/>
           <p:cNvPicPr>
             <a:picLocks noChangeAspect="1"/>
           </p:cNvPicPr>
@@ -17217,8 +18469,8 @@
         </p:blipFill>
         <p:spPr>
           <a:xfrm>
-            <a:off x="1257935" y="812800"/>
-            <a:ext cx="6320790" cy="3105150"/>
+            <a:off x="4051935" y="925830"/>
+            <a:ext cx="4636135" cy="4217670"/>
           </a:xfrm>
           <a:prstGeom prst="rect">
             <a:avLst/>
@@ -17238,154 +18490,43 @@
   <p:cSld>
     <p:spTree>
       <p:nvGrpSpPr>
-        <p:cNvPr id="77" name="Shape 77"/>
+        <p:cNvPr id="1" name=""/>
         <p:cNvGrpSpPr/>
         <p:nvPr/>
       </p:nvGrpSpPr>
-      <p:grpSpPr>
-        <a:xfrm>
-          <a:off x="0" y="0"/>
-          <a:ext cx="0" cy="0"/>
-          <a:chOff x="0" y="0"/>
-          <a:chExt cx="0" cy="0"/>
-        </a:xfrm>
-      </p:grpSpPr>
-      <p:sp>
-        <p:nvSpPr>
-          <p:cNvPr id="78" name="Google Shape;78;p15"/>
-          <p:cNvSpPr txBox="1"/>
+      <p:grpSpPr/>
+      <p:sp>
+        <p:nvSpPr>
+          <p:cNvPr id="2" name="Title 1"/>
+          <p:cNvSpPr/>
           <p:nvPr>
             <p:ph type="title"/>
           </p:nvPr>
         </p:nvSpPr>
-        <p:spPr>
-          <a:xfrm>
-            <a:off x="311700" y="123715"/>
-            <a:ext cx="8520600" cy="707400"/>
-          </a:xfrm>
-          <a:prstGeom prst="rect">
-            <a:avLst/>
-          </a:prstGeom>
-        </p:spPr>
+        <p:spPr/>
         <p:txBody>
-          <a:bodyPr spcFirstLastPara="1" wrap="square" lIns="91425" tIns="91425" rIns="91425" bIns="91425" anchor="t" anchorCtr="0">
-            <a:normAutofit/>
-          </a:bodyPr>
-          <a:lstStyle/>
-          <a:p>
-            <a:pPr marL="0" lvl="0" indent="0" algn="l" rtl="0">
-              <a:spcBef>
-                <a:spcPts val="0"/>
-              </a:spcBef>
-              <a:spcAft>
-                <a:spcPts val="0"/>
-              </a:spcAft>
-              <a:buSzPts val="990"/>
-              <a:buNone/>
-            </a:pPr>
-            <a:r>
-              <a:rPr lang="en-US" sz="2940"/>
-              <a:t>Retrieving log Outputs</a:t>
-            </a:r>
-            <a:endParaRPr lang="en-US" sz="2940" b="0">
-              <a:solidFill>
-                <a:srgbClr val="3D85C6"/>
-              </a:solidFill>
-            </a:endParaRPr>
+          <a:bodyPr/>
+          <a:p>
+            <a:endParaRPr lang="en-US"/>
           </a:p>
         </p:txBody>
       </p:sp>
       <p:sp>
         <p:nvSpPr>
-          <p:cNvPr id="79" name="Google Shape;79;p15"/>
-          <p:cNvSpPr txBox="1"/>
+          <p:cNvPr id="3" name="Text Placeholder 2"/>
+          <p:cNvSpPr/>
           <p:nvPr>
             <p:ph type="body" idx="1"/>
           </p:nvPr>
         </p:nvSpPr>
-        <p:spPr>
-          <a:xfrm>
-            <a:off x="311785" y="3763645"/>
-            <a:ext cx="8213725" cy="1052195"/>
-          </a:xfrm>
-          <a:prstGeom prst="rect">
-            <a:avLst/>
-          </a:prstGeom>
-        </p:spPr>
+        <p:spPr/>
         <p:txBody>
-          <a:bodyPr spcFirstLastPara="1" wrap="square" lIns="91425" tIns="91425" rIns="91425" bIns="91425" anchor="t" anchorCtr="0">
-            <a:normAutofit fontScale="90000"/>
-          </a:bodyPr>
-          <a:p>
-            <a:pPr marL="114300" lvl="0" indent="0" algn="l" rtl="0">
-              <a:spcBef>
-                <a:spcPts val="0"/>
-              </a:spcBef>
-              <a:spcAft>
-                <a:spcPts val="0"/>
-              </a:spcAft>
-              <a:buSzPts val="1800"/>
-              <a:buNone/>
-            </a:pPr>
-            <a:r>
-              <a:rPr lang="en-US" altLang="en-GB" b="1">
-                <a:sym typeface="+mn-ea"/>
-              </a:rPr>
-              <a:t>docker logs &lt;&lt;container_id&gt;&gt;</a:t>
-            </a:r>
-            <a:endParaRPr lang="en-US" altLang="en-GB" b="1">
-              <a:sym typeface="+mn-ea"/>
-            </a:endParaRPr>
-          </a:p>
-          <a:p>
-            <a:pPr marL="114300" lvl="0" indent="0" algn="l" rtl="0">
-              <a:spcBef>
-                <a:spcPts val="0"/>
-              </a:spcBef>
-              <a:spcAft>
-                <a:spcPts val="0"/>
-              </a:spcAft>
-              <a:buSzPts val="1800"/>
-              <a:buNone/>
-            </a:pPr>
-            <a:r>
-              <a:rPr lang="en-US" altLang="en-GB" b="1">
-                <a:sym typeface="+mn-ea"/>
-              </a:rPr>
-              <a:t>=&gt; With this command, we don’t re-run the container again. It only emitted what it works</a:t>
-            </a:r>
-            <a:endParaRPr lang="en-US" b="1">
-              <a:solidFill>
-                <a:srgbClr val="B45F06"/>
-              </a:solidFill>
-            </a:endParaRPr>
+          <a:bodyPr/>
+          <a:p>
+            <a:endParaRPr lang="en-US"/>
           </a:p>
         </p:txBody>
       </p:sp>
-      <p:pic>
-        <p:nvPicPr>
-          <p:cNvPr id="2" name="Picture 1"/>
-          <p:cNvPicPr>
-            <a:picLocks noChangeAspect="1"/>
-          </p:cNvPicPr>
-          <p:nvPr/>
-        </p:nvPicPr>
-        <p:blipFill>
-          <a:blip r:embed="rId1"/>
-          <a:stretch>
-            <a:fillRect/>
-          </a:stretch>
-        </p:blipFill>
-        <p:spPr>
-          <a:xfrm>
-            <a:off x="723900" y="907415"/>
-            <a:ext cx="7696200" cy="2390775"/>
-          </a:xfrm>
-          <a:prstGeom prst="rect">
-            <a:avLst/>
-          </a:prstGeom>
-        </p:spPr>
-      </p:pic>
     </p:spTree>
   </p:cSld>
   <p:clrMapOvr>
@@ -17581,7 +18722,7 @@
             </a:pPr>
             <a:r>
               <a:rPr lang="en-US" sz="2940"/>
-              <a:t>Retrieving log Outputs</a:t>
+              <a:t>Docker run in detail</a:t>
             </a:r>
             <a:endParaRPr lang="en-US" sz="2940" b="0">
               <a:solidFill>
@@ -17601,8 +18742,8 @@
         </p:nvSpPr>
         <p:spPr>
           <a:xfrm>
-            <a:off x="311785" y="3763645"/>
-            <a:ext cx="8213725" cy="1052195"/>
+            <a:off x="311785" y="831215"/>
+            <a:ext cx="8520430" cy="3737610"/>
           </a:xfrm>
           <a:prstGeom prst="rect">
             <a:avLst/>
@@ -17610,10 +18751,11 @@
         </p:spPr>
         <p:txBody>
           <a:bodyPr spcFirstLastPara="1" wrap="square" lIns="91425" tIns="91425" rIns="91425" bIns="91425" anchor="t" anchorCtr="0">
-            <a:normAutofit fontScale="90000"/>
+            <a:normAutofit/>
           </a:bodyPr>
-          <a:p>
-            <a:pPr marL="114300" lvl="0" indent="0" algn="l" rtl="0">
+          <a:lstStyle/>
+          <a:p>
+            <a:pPr marL="457200" lvl="0" indent="-342900" algn="l" rtl="0">
               <a:spcBef>
                 <a:spcPts val="0"/>
               </a:spcBef>
@@ -17621,35 +18763,8 @@
                 <a:spcPts val="0"/>
               </a:spcAft>
               <a:buSzPts val="1800"/>
-              <a:buNone/>
-            </a:pPr>
-            <a:r>
-              <a:rPr lang="en-US" altLang="en-GB" b="1">
-                <a:sym typeface="+mn-ea"/>
-              </a:rPr>
-              <a:t>docker logs &lt;&lt;container_id&gt;&gt;</a:t>
-            </a:r>
-            <a:endParaRPr lang="en-US" altLang="en-GB" b="1">
-              <a:sym typeface="+mn-ea"/>
-            </a:endParaRPr>
-          </a:p>
-          <a:p>
-            <a:pPr marL="114300" lvl="0" indent="0" algn="l" rtl="0">
-              <a:spcBef>
-                <a:spcPts val="0"/>
-              </a:spcBef>
-              <a:spcAft>
-                <a:spcPts val="0"/>
-              </a:spcAft>
-              <a:buSzPts val="1800"/>
-              <a:buNone/>
-            </a:pPr>
-            <a:r>
-              <a:rPr lang="en-US" altLang="en-GB" b="1">
-                <a:sym typeface="+mn-ea"/>
-              </a:rPr>
-              <a:t>=&gt; With this command, we don’t re-run the container again. It only emitted what it works</a:t>
-            </a:r>
+              <a:buChar char="+"/>
+            </a:pPr>
             <a:endParaRPr lang="en-US" b="1">
               <a:solidFill>
                 <a:srgbClr val="B45F06"/>
@@ -17674,8 +18789,8 @@
         </p:blipFill>
         <p:spPr>
           <a:xfrm>
-            <a:off x="723900" y="907415"/>
-            <a:ext cx="7696200" cy="2390775"/>
+            <a:off x="861060" y="831850"/>
+            <a:ext cx="7198360" cy="3736340"/>
           </a:xfrm>
           <a:prstGeom prst="rect">
             <a:avLst/>
@@ -17742,7 +18857,7 @@
             </a:pPr>
             <a:r>
               <a:rPr lang="en-US" sz="2940"/>
-              <a:t>Stopping container</a:t>
+              <a:t>Overriding default commands</a:t>
             </a:r>
             <a:endParaRPr lang="en-US" sz="2940" b="0">
               <a:solidFill>
@@ -17763,7 +18878,7 @@
         <p:spPr>
           <a:xfrm>
             <a:off x="311785" y="831215"/>
-            <a:ext cx="8243570" cy="3984625"/>
+            <a:ext cx="8520430" cy="3737610"/>
           </a:xfrm>
           <a:prstGeom prst="rect">
             <a:avLst/>
@@ -17773,8 +18888,9 @@
           <a:bodyPr spcFirstLastPara="1" wrap="square" lIns="91425" tIns="91425" rIns="91425" bIns="91425" anchor="t" anchorCtr="0">
             <a:normAutofit/>
           </a:bodyPr>
-          <a:p>
-            <a:pPr marL="114300" lvl="0" indent="0" algn="l" rtl="0">
+          <a:lstStyle/>
+          <a:p>
+            <a:pPr marL="457200" lvl="0" indent="-342900" algn="l" rtl="0">
               <a:spcBef>
                 <a:spcPts val="0"/>
               </a:spcBef>
@@ -17782,13 +18898,34 @@
                 <a:spcPts val="0"/>
               </a:spcAft>
               <a:buSzPts val="1800"/>
-              <a:buNone/>
+              <a:buChar char="+"/>
             </a:pPr>
             <a:r>
               <a:rPr lang="en-US" altLang="en-GB" b="1">
                 <a:sym typeface="+mn-ea"/>
               </a:rPr>
-              <a:t>First, create, run and view log of the container </a:t>
+              <a:t>Run a command and show message</a:t>
+            </a:r>
+            <a:endParaRPr lang="en-US" altLang="en-GB" b="1">
+              <a:sym typeface="+mn-ea"/>
+            </a:endParaRPr>
+          </a:p>
+          <a:p>
+            <a:pPr marL="457200" lvl="0" indent="-342900" algn="l" rtl="0">
+              <a:spcBef>
+                <a:spcPts val="0"/>
+              </a:spcBef>
+              <a:spcAft>
+                <a:spcPts val="0"/>
+              </a:spcAft>
+              <a:buSzPts val="1800"/>
+              <a:buChar char="+"/>
+            </a:pPr>
+            <a:r>
+              <a:rPr lang="en-US" altLang="en-GB" b="1">
+                <a:sym typeface="+mn-ea"/>
+              </a:rPr>
+              <a:t>&gt;&gt; docker run busybox echo hi there</a:t>
             </a:r>
             <a:endParaRPr lang="en-US" b="1">
               <a:solidFill>
@@ -17800,7 +18937,7 @@
       </p:sp>
       <p:pic>
         <p:nvPicPr>
-          <p:cNvPr id="4" name="Picture 3"/>
+          <p:cNvPr id="2" name="Picture 1"/>
           <p:cNvPicPr>
             <a:picLocks noChangeAspect="1"/>
           </p:cNvPicPr>
@@ -17814,8 +18951,8 @@
         </p:blipFill>
         <p:spPr>
           <a:xfrm>
-            <a:off x="1485900" y="1371600"/>
-            <a:ext cx="6172835" cy="3233420"/>
+            <a:off x="1897380" y="1804035"/>
+            <a:ext cx="5348605" cy="2246630"/>
           </a:xfrm>
           <a:prstGeom prst="rect">
             <a:avLst/>
@@ -17882,7 +19019,7 @@
             </a:pPr>
             <a:r>
               <a:rPr lang="en-US" sz="2940"/>
-              <a:t>Stopping container</a:t>
+              <a:t>Overriding default commands</a:t>
             </a:r>
             <a:endParaRPr lang="en-US" sz="2940" b="0">
               <a:solidFill>
@@ -17892,9 +19029,77 @@
           </a:p>
         </p:txBody>
       </p:sp>
+      <p:sp>
+        <p:nvSpPr>
+          <p:cNvPr id="79" name="Google Shape;79;p15"/>
+          <p:cNvSpPr txBox="1"/>
+          <p:nvPr>
+            <p:ph type="body" idx="1"/>
+          </p:nvPr>
+        </p:nvSpPr>
+        <p:spPr>
+          <a:xfrm>
+            <a:off x="311785" y="831215"/>
+            <a:ext cx="3696335" cy="3737610"/>
+          </a:xfrm>
+          <a:prstGeom prst="rect">
+            <a:avLst/>
+          </a:prstGeom>
+        </p:spPr>
+        <p:txBody>
+          <a:bodyPr spcFirstLastPara="1" wrap="square" lIns="91425" tIns="91425" rIns="91425" bIns="91425" anchor="t" anchorCtr="0">
+            <a:normAutofit/>
+          </a:bodyPr>
+          <a:lstStyle/>
+          <a:p>
+            <a:pPr marL="457200" lvl="0" indent="-342900" algn="l" rtl="0">
+              <a:spcBef>
+                <a:spcPts val="0"/>
+              </a:spcBef>
+              <a:spcAft>
+                <a:spcPts val="0"/>
+              </a:spcAft>
+              <a:buSzPts val="1800"/>
+              <a:buChar char="+"/>
+            </a:pPr>
+            <a:r>
+              <a:rPr lang="en-US" altLang="en-GB" b="1">
+                <a:sym typeface="+mn-ea"/>
+              </a:rPr>
+              <a:t>Show list of foder of the container </a:t>
+            </a:r>
+            <a:endParaRPr lang="en-US" altLang="en-GB" b="1">
+              <a:sym typeface="+mn-ea"/>
+            </a:endParaRPr>
+          </a:p>
+          <a:p>
+            <a:pPr marL="457200" lvl="0" indent="-342900" algn="l" rtl="0">
+              <a:spcBef>
+                <a:spcPts val="0"/>
+              </a:spcBef>
+              <a:spcAft>
+                <a:spcPts val="0"/>
+              </a:spcAft>
+              <a:buSzPts val="1800"/>
+              <a:buChar char="+"/>
+            </a:pPr>
+            <a:r>
+              <a:rPr lang="en-US" altLang="en-GB" b="1">
+                <a:sym typeface="+mn-ea"/>
+              </a:rPr>
+              <a:t>&gt;&gt; docker run busybox ls</a:t>
+            </a:r>
+            <a:endParaRPr lang="en-US" b="1">
+              <a:solidFill>
+                <a:srgbClr val="B45F06"/>
+              </a:solidFill>
+            </a:endParaRPr>
+          </a:p>
+        </p:txBody>
+      </p:sp>
       <p:pic>
         <p:nvPicPr>
-          <p:cNvPr id="2" name="Picture 1"/>
+          <p:cNvPr id="3" name="Picture 2"/>
           <p:cNvPicPr>
             <a:picLocks noChangeAspect="1"/>
           </p:cNvPicPr>
@@ -17908,32 +19113,8 @@
         </p:blipFill>
         <p:spPr>
           <a:xfrm>
-            <a:off x="2097405" y="858520"/>
-            <a:ext cx="4250690" cy="1116965"/>
-          </a:xfrm>
-          <a:prstGeom prst="rect">
-            <a:avLst/>
-          </a:prstGeom>
-        </p:spPr>
-      </p:pic>
-      <p:pic>
-        <p:nvPicPr>
-          <p:cNvPr id="4" name="Picture 3"/>
-          <p:cNvPicPr>
-            <a:picLocks noChangeAspect="1"/>
-          </p:cNvPicPr>
-          <p:nvPr/>
-        </p:nvPicPr>
-        <p:blipFill>
-          <a:blip r:embed="rId2"/>
-          <a:stretch>
-            <a:fillRect/>
-          </a:stretch>
-        </p:blipFill>
-        <p:spPr>
-          <a:xfrm>
-            <a:off x="721360" y="1877695"/>
-            <a:ext cx="7002780" cy="2905760"/>
+            <a:off x="4256405" y="990600"/>
+            <a:ext cx="4438650" cy="3419475"/>
           </a:xfrm>
           <a:prstGeom prst="rect">
             <a:avLst/>
@@ -18000,7 +19181,7 @@
             </a:pPr>
             <a:r>
               <a:rPr lang="en-US" sz="2940"/>
-              <a:t>Stopping container</a:t>
+              <a:t>Overriding default commands</a:t>
             </a:r>
             <a:endParaRPr lang="en-US" sz="2940" b="0">
               <a:solidFill>
@@ -18010,9 +19191,77 @@
           </a:p>
         </p:txBody>
       </p:sp>
+      <p:sp>
+        <p:nvSpPr>
+          <p:cNvPr id="79" name="Google Shape;79;p15"/>
+          <p:cNvSpPr txBox="1"/>
+          <p:nvPr>
+            <p:ph type="body" idx="1"/>
+          </p:nvPr>
+        </p:nvSpPr>
+        <p:spPr>
+          <a:xfrm>
+            <a:off x="311785" y="831215"/>
+            <a:ext cx="8037195" cy="3737610"/>
+          </a:xfrm>
+          <a:prstGeom prst="rect">
+            <a:avLst/>
+          </a:prstGeom>
+        </p:spPr>
+        <p:txBody>
+          <a:bodyPr spcFirstLastPara="1" wrap="square" lIns="91425" tIns="91425" rIns="91425" bIns="91425" anchor="t" anchorCtr="0">
+            <a:normAutofit/>
+          </a:bodyPr>
+          <a:lstStyle/>
+          <a:p>
+            <a:pPr marL="457200" lvl="0" indent="-342900" algn="l" rtl="0">
+              <a:spcBef>
+                <a:spcPts val="0"/>
+              </a:spcBef>
+              <a:spcAft>
+                <a:spcPts val="0"/>
+              </a:spcAft>
+              <a:buSzPts val="1800"/>
+              <a:buChar char="+"/>
+            </a:pPr>
+            <a:r>
+              <a:rPr lang="en-US" altLang="en-GB" b="1">
+                <a:sym typeface="+mn-ea"/>
+              </a:rPr>
+              <a:t>Show list of foder of the container </a:t>
+            </a:r>
+            <a:endParaRPr lang="en-US" altLang="en-GB" b="1">
+              <a:sym typeface="+mn-ea"/>
+            </a:endParaRPr>
+          </a:p>
+          <a:p>
+            <a:pPr marL="457200" lvl="0" indent="-342900" algn="l" rtl="0">
+              <a:spcBef>
+                <a:spcPts val="0"/>
+              </a:spcBef>
+              <a:spcAft>
+                <a:spcPts val="0"/>
+              </a:spcAft>
+              <a:buSzPts val="1800"/>
+              <a:buChar char="+"/>
+            </a:pPr>
+            <a:r>
+              <a:rPr lang="en-US" altLang="en-GB" b="1">
+                <a:sym typeface="+mn-ea"/>
+              </a:rPr>
+              <a:t>&gt;&gt; docker run busybox ls</a:t>
+            </a:r>
+            <a:endParaRPr lang="en-US" b="1">
+              <a:solidFill>
+                <a:srgbClr val="B45F06"/>
+              </a:solidFill>
+            </a:endParaRPr>
+          </a:p>
+        </p:txBody>
+      </p:sp>
       <p:pic>
         <p:nvPicPr>
-          <p:cNvPr id="2" name="Picture 1"/>
+          <p:cNvPr id="3" name="Picture 2"/>
           <p:cNvPicPr>
             <a:picLocks noChangeAspect="1"/>
           </p:cNvPicPr>
@@ -18026,81 +19275,38 @@
         </p:blipFill>
         <p:spPr>
           <a:xfrm>
-            <a:off x="311785" y="1607820"/>
-            <a:ext cx="8582025" cy="2362200"/>
+            <a:off x="577215" y="2004695"/>
+            <a:ext cx="4172585" cy="2363470"/>
           </a:xfrm>
           <a:prstGeom prst="rect">
             <a:avLst/>
           </a:prstGeom>
         </p:spPr>
       </p:pic>
-      <p:sp>
-        <p:nvSpPr>
-          <p:cNvPr id="79" name="Google Shape;79;p15"/>
-          <p:cNvSpPr txBox="1"/>
-          <p:nvPr>
-            <p:ph type="body" idx="1"/>
-          </p:nvPr>
-        </p:nvSpPr>
-        <p:spPr>
-          <a:xfrm>
-            <a:off x="311785" y="831850"/>
-            <a:ext cx="8520430" cy="3736975"/>
-          </a:xfrm>
-          <a:prstGeom prst="rect">
-            <a:avLst/>
-          </a:prstGeom>
-        </p:spPr>
-        <p:txBody>
-          <a:bodyPr spcFirstLastPara="1" wrap="square" lIns="91425" tIns="91425" rIns="91425" bIns="91425" anchor="t" anchorCtr="0">
-            <a:normAutofit lnSpcReduction="10000"/>
-          </a:bodyPr>
-          <a:p>
-            <a:pPr marL="114300" lvl="0" indent="0" algn="l" rtl="0">
-              <a:spcBef>
-                <a:spcPts val="0"/>
-              </a:spcBef>
-              <a:spcAft>
-                <a:spcPts val="0"/>
-              </a:spcAft>
-              <a:buSzPts val="1800"/>
-              <a:buNone/>
-            </a:pPr>
-            <a:r>
-              <a:rPr lang="en-US" altLang="en-GB" b="1">
-                <a:sym typeface="+mn-ea"/>
-              </a:rPr>
-              <a:t>&gt;&gt; docker stop &lt;container_id&gt;</a:t>
-            </a:r>
-            <a:endParaRPr lang="en-US" altLang="en-GB" b="1">
-              <a:sym typeface="+mn-ea"/>
-            </a:endParaRPr>
-          </a:p>
-          <a:p>
-            <a:pPr marL="457200" lvl="0" indent="-342900" algn="l" rtl="0">
-              <a:spcBef>
-                <a:spcPts val="0"/>
-              </a:spcBef>
-              <a:spcAft>
-                <a:spcPts val="0"/>
-              </a:spcAft>
-              <a:buSzPts val="1800"/>
-              <a:buChar char="+"/>
-            </a:pPr>
-            <a:r>
-              <a:rPr lang="en-US" altLang="en-GB" b="1">
-                <a:sym typeface="+mn-ea"/>
-              </a:rPr>
-              <a:t>Waiting for over 10 seconds to stop the container</a:t>
-            </a:r>
-            <a:endParaRPr lang="en-US" b="1">
-              <a:solidFill>
-                <a:srgbClr val="B45F06"/>
-              </a:solidFill>
-            </a:endParaRPr>
-          </a:p>
-        </p:txBody>
-      </p:sp>
+      <p:pic>
+        <p:nvPicPr>
+          <p:cNvPr id="2" name="Picture 1"/>
+          <p:cNvPicPr>
+            <a:picLocks noChangeAspect="1"/>
+          </p:cNvPicPr>
+          <p:nvPr/>
+        </p:nvPicPr>
+        <p:blipFill>
+          <a:blip r:embed="rId2"/>
+          <a:stretch>
+            <a:fillRect/>
+          </a:stretch>
+        </p:blipFill>
+        <p:spPr>
+          <a:xfrm>
+            <a:off x="5003800" y="2132330"/>
+            <a:ext cx="3641090" cy="2108200"/>
+          </a:xfrm>
+          <a:prstGeom prst="rect">
+            <a:avLst/>
+          </a:prstGeom>
+        </p:spPr>
+      </p:pic>
     </p:spTree>
   </p:cSld>
   <p:clrMapOvr>
@@ -18161,7 +19367,7 @@
             </a:pPr>
             <a:r>
               <a:rPr lang="en-US" sz="2940"/>
-              <a:t>Stopping container</a:t>
+              <a:t>List of running container</a:t>
             </a:r>
             <a:endParaRPr lang="en-US" sz="2940" b="0">
               <a:solidFill>
@@ -18181,8 +19387,8 @@
         </p:nvSpPr>
         <p:spPr>
           <a:xfrm>
-            <a:off x="311785" y="831850"/>
-            <a:ext cx="8268970" cy="3736975"/>
+            <a:off x="311785" y="831215"/>
+            <a:ext cx="8213725" cy="3737610"/>
           </a:xfrm>
           <a:prstGeom prst="rect">
             <a:avLst/>
@@ -18190,8 +19396,9 @@
         </p:spPr>
         <p:txBody>
           <a:bodyPr spcFirstLastPara="1" wrap="square" lIns="91425" tIns="91425" rIns="91425" bIns="91425" anchor="t" anchorCtr="0">
-            <a:normAutofit lnSpcReduction="10000"/>
+            <a:normAutofit/>
           </a:bodyPr>
+          <a:lstStyle/>
           <a:p>
             <a:pPr marL="457200" lvl="0" indent="-342900" algn="l" rtl="0">
               <a:spcBef>
@@ -18207,14 +19414,14 @@
               <a:rPr lang="en-US" altLang="en-GB" b="1">
                 <a:sym typeface="+mn-ea"/>
               </a:rPr>
-              <a:t>Start container again and use kill command</a:t>
+              <a:t>Show list of running container</a:t>
             </a:r>
             <a:endParaRPr lang="en-US" altLang="en-GB" b="1">
               <a:sym typeface="+mn-ea"/>
             </a:endParaRPr>
           </a:p>
           <a:p>
-            <a:pPr marL="114300" lvl="0" indent="0" algn="l" rtl="0">
+            <a:pPr marL="457200" lvl="0" indent="-342900" algn="l" rtl="0">
               <a:spcBef>
                 <a:spcPts val="0"/>
               </a:spcBef>
@@ -18222,34 +19429,13 @@
                 <a:spcPts val="0"/>
               </a:spcAft>
               <a:buSzPts val="1800"/>
-              <a:buNone/>
+              <a:buChar char="+"/>
             </a:pPr>
             <a:r>
               <a:rPr lang="en-US" altLang="en-GB" b="1">
                 <a:sym typeface="+mn-ea"/>
               </a:rPr>
-              <a:t>&gt;&gt; docker kill &lt;container_id&gt;</a:t>
-            </a:r>
-            <a:endParaRPr lang="en-US" altLang="en-GB" b="1">
-              <a:sym typeface="+mn-ea"/>
-            </a:endParaRPr>
-          </a:p>
-          <a:p>
-            <a:pPr marL="457200" lvl="0" indent="-342900" algn="l" rtl="0">
-              <a:spcBef>
-                <a:spcPts val="0"/>
-              </a:spcBef>
-              <a:spcAft>
-                <a:spcPts val="0"/>
-              </a:spcAft>
-              <a:buSzPts val="1800"/>
-              <a:buChar char="+"/>
-            </a:pPr>
-            <a:r>
-              <a:rPr lang="en-US" altLang="en-GB" b="1">
-                <a:sym typeface="+mn-ea"/>
-              </a:rPr>
-              <a:t>Stop the container immediately</a:t>
+              <a:t>&gt;&gt; docker ps</a:t>
             </a:r>
             <a:endParaRPr lang="en-US" b="1">
               <a:solidFill>
@@ -18275,8 +19461,32 @@
         </p:blipFill>
         <p:spPr>
           <a:xfrm>
-            <a:off x="570230" y="1825625"/>
-            <a:ext cx="8010525" cy="2743200"/>
+            <a:off x="546100" y="2914650"/>
+            <a:ext cx="6776085" cy="1609725"/>
+          </a:xfrm>
+          <a:prstGeom prst="rect">
+            <a:avLst/>
+          </a:prstGeom>
+        </p:spPr>
+      </p:pic>
+      <p:pic>
+        <p:nvPicPr>
+          <p:cNvPr id="4" name="Picture 3"/>
+          <p:cNvPicPr>
+            <a:picLocks noChangeAspect="1"/>
+          </p:cNvPicPr>
+          <p:nvPr/>
+        </p:nvPicPr>
+        <p:blipFill>
+          <a:blip r:embed="rId2"/>
+          <a:stretch>
+            <a:fillRect/>
+          </a:stretch>
+        </p:blipFill>
+        <p:spPr>
+          <a:xfrm>
+            <a:off x="546100" y="1844040"/>
+            <a:ext cx="6162675" cy="723900"/>
           </a:xfrm>
           <a:prstGeom prst="rect">
             <a:avLst/>
@@ -18343,7 +19553,7 @@
             </a:pPr>
             <a:r>
               <a:rPr lang="en-US" sz="2940"/>
-              <a:t>Multi-Command container</a:t>
+              <a:t>List of running container</a:t>
             </a:r>
             <a:endParaRPr lang="en-US" sz="2940" b="0">
               <a:solidFill>
@@ -18363,8 +19573,8 @@
         </p:nvSpPr>
         <p:spPr>
           <a:xfrm>
-            <a:off x="311785" y="831850"/>
-            <a:ext cx="8268970" cy="3736975"/>
+            <a:off x="311785" y="831215"/>
+            <a:ext cx="8213725" cy="3737610"/>
           </a:xfrm>
           <a:prstGeom prst="rect">
             <a:avLst/>
@@ -18372,8 +19582,9 @@
         </p:spPr>
         <p:txBody>
           <a:bodyPr spcFirstLastPara="1" wrap="square" lIns="91425" tIns="91425" rIns="91425" bIns="91425" anchor="t" anchorCtr="0">
-            <a:normAutofit lnSpcReduction="10000"/>
+            <a:normAutofit/>
           </a:bodyPr>
+          <a:lstStyle/>
           <a:p>
             <a:pPr marL="457200" lvl="0" indent="-342900" algn="l" rtl="0">
               <a:spcBef>
@@ -18389,14 +19600,14 @@
               <a:rPr lang="en-US" altLang="en-GB" b="1">
                 <a:sym typeface="+mn-ea"/>
               </a:rPr>
-              <a:t>First, Settup redis on docker</a:t>
+              <a:t>Show list of running container</a:t>
             </a:r>
             <a:endParaRPr lang="en-US" altLang="en-GB" b="1">
               <a:sym typeface="+mn-ea"/>
             </a:endParaRPr>
           </a:p>
           <a:p>
-            <a:pPr marL="114300" lvl="0" indent="0" algn="l" rtl="0">
+            <a:pPr marL="457200" lvl="0" indent="-342900" algn="l" rtl="0">
               <a:spcBef>
                 <a:spcPts val="0"/>
               </a:spcBef>
@@ -18404,14 +19615,71 @@
                 <a:spcPts val="0"/>
               </a:spcAft>
               <a:buSzPts val="1800"/>
-              <a:buNone/>
+              <a:buChar char="+"/>
             </a:pPr>
             <a:r>
               <a:rPr lang="en-US" altLang="en-GB" b="1">
                 <a:sym typeface="+mn-ea"/>
               </a:rPr>
-              <a:t>&gt;&gt; docker run redis</a:t>
+              <a:t>&gt;&gt; docker ps </a:t>
             </a:r>
+            <a:endParaRPr lang="en-US" altLang="en-GB" b="1">
+              <a:sym typeface="+mn-ea"/>
+            </a:endParaRPr>
+          </a:p>
+          <a:p>
+            <a:pPr marL="457200" lvl="0" indent="-342900" algn="l" rtl="0">
+              <a:spcBef>
+                <a:spcPts val="0"/>
+              </a:spcBef>
+              <a:spcAft>
+                <a:spcPts val="0"/>
+              </a:spcAft>
+              <a:buSzPts val="1800"/>
+              <a:buChar char="+"/>
+            </a:pPr>
+            <a:r>
+              <a:rPr lang="en-US" altLang="en-GB" b="1">
+                <a:sym typeface="+mn-ea"/>
+              </a:rPr>
+              <a:t>Show all containers that have ever been created on our machine</a:t>
+            </a:r>
+            <a:endParaRPr lang="en-US" altLang="en-GB" b="1">
+              <a:sym typeface="+mn-ea"/>
+            </a:endParaRPr>
+          </a:p>
+          <a:p>
+            <a:pPr marL="457200" lvl="0" indent="-342900" algn="l" rtl="0">
+              <a:spcBef>
+                <a:spcPts val="0"/>
+              </a:spcBef>
+              <a:spcAft>
+                <a:spcPts val="0"/>
+              </a:spcAft>
+              <a:buSzPts val="1800"/>
+              <a:buChar char="+"/>
+            </a:pPr>
+            <a:r>
+              <a:rPr lang="en-US" altLang="en-GB" b="1">
+                <a:sym typeface="+mn-ea"/>
+              </a:rPr>
+              <a:t>&gt;&gt; docker ps --all</a:t>
+            </a:r>
+            <a:endParaRPr lang="en-US" altLang="en-GB" b="1">
+              <a:sym typeface="+mn-ea"/>
+            </a:endParaRPr>
+          </a:p>
+          <a:p>
+            <a:pPr marL="457200" lvl="0" indent="-342900" algn="l" rtl="0">
+              <a:spcBef>
+                <a:spcPts val="0"/>
+              </a:spcBef>
+              <a:spcAft>
+                <a:spcPts val="0"/>
+              </a:spcAft>
+              <a:buSzPts val="1800"/>
+              <a:buChar char="+"/>
+            </a:pPr>
             <a:endParaRPr lang="en-US" b="1">
               <a:solidFill>
                 <a:srgbClr val="B45F06"/>
@@ -18422,7 +19690,7 @@
       </p:sp>
       <p:pic>
         <p:nvPicPr>
-          <p:cNvPr id="2" name="Picture 1"/>
+          <p:cNvPr id="3" name="Picture 2"/>
           <p:cNvPicPr>
             <a:picLocks noChangeAspect="1"/>
           </p:cNvPicPr>
@@ -18436,8 +19704,8 @@
         </p:blipFill>
         <p:spPr>
           <a:xfrm>
-            <a:off x="976630" y="1978660"/>
-            <a:ext cx="6939280" cy="2514600"/>
+            <a:off x="634365" y="2456180"/>
+            <a:ext cx="7875270" cy="2037080"/>
           </a:xfrm>
           <a:prstGeom prst="rect">
             <a:avLst/>
@@ -18504,7 +19772,7 @@
             </a:pPr>
             <a:r>
               <a:rPr lang="en-US" sz="2940"/>
-              <a:t>Multi-Command Container</a:t>
+              <a:t>Docker lifecycle</a:t>
             </a:r>
             <a:endParaRPr lang="en-US" sz="2940" b="0">
               <a:solidFill>
@@ -18524,8 +19792,8 @@
         </p:nvSpPr>
         <p:spPr>
           <a:xfrm>
-            <a:off x="311785" y="831850"/>
-            <a:ext cx="4762500" cy="2052955"/>
+            <a:off x="311785" y="831215"/>
+            <a:ext cx="8520430" cy="3737610"/>
           </a:xfrm>
           <a:prstGeom prst="rect">
             <a:avLst/>
@@ -18533,8 +19801,9 @@
         </p:spPr>
         <p:txBody>
           <a:bodyPr spcFirstLastPara="1" wrap="square" lIns="91425" tIns="91425" rIns="91425" bIns="91425" anchor="t" anchorCtr="0">
-            <a:normAutofit lnSpcReduction="10000"/>
+            <a:normAutofit/>
           </a:bodyPr>
+          <a:lstStyle/>
           <a:p>
             <a:pPr marL="457200" lvl="0" indent="-342900" algn="l" rtl="0">
               <a:spcBef>
@@ -18550,23 +19819,8 @@
               <a:rPr lang="en-US" altLang="en-GB" b="1">
                 <a:sym typeface="+mn-ea"/>
               </a:rPr>
-              <a:t>try to run redis-cli but it’s not working because the command run outside the container</a:t>
+              <a:t>docker run hello-world</a:t>
             </a:r>
-            <a:endParaRPr lang="en-US" altLang="en-GB" b="1">
-              <a:sym typeface="+mn-ea"/>
-            </a:endParaRPr>
-          </a:p>
-          <a:p>
-            <a:pPr marL="114300" lvl="0" indent="0" algn="l" rtl="0">
-              <a:spcBef>
-                <a:spcPts val="0"/>
-              </a:spcBef>
-              <a:spcAft>
-                <a:spcPts val="0"/>
-              </a:spcAft>
-              <a:buSzPts val="1800"/>
-              <a:buNone/>
-            </a:pPr>
             <a:endParaRPr lang="en-US" b="1">
               <a:solidFill>
                 <a:srgbClr val="B45F06"/>
@@ -18591,8 +19845,8 @@
         </p:blipFill>
         <p:spPr>
           <a:xfrm>
-            <a:off x="375920" y="2404110"/>
-            <a:ext cx="4502150" cy="891540"/>
+            <a:off x="569595" y="1735455"/>
+            <a:ext cx="3766820" cy="1986915"/>
           </a:xfrm>
           <a:prstGeom prst="rect">
             <a:avLst/>
@@ -18601,7 +19855,7 @@
       </p:pic>
       <p:pic>
         <p:nvPicPr>
-          <p:cNvPr id="3" name="Picture 2"/>
+          <p:cNvPr id="4" name="Picture 3"/>
           <p:cNvPicPr>
             <a:picLocks noChangeAspect="1"/>
           </p:cNvPicPr>
@@ -18615,8 +19869,8 @@
         </p:blipFill>
         <p:spPr>
           <a:xfrm>
-            <a:off x="5126355" y="831215"/>
-            <a:ext cx="3705860" cy="3350260"/>
+            <a:off x="4762500" y="1609725"/>
+            <a:ext cx="3735070" cy="2054225"/>
           </a:xfrm>
           <a:prstGeom prst="rect">
             <a:avLst/>
@@ -18683,7 +19937,7 @@
             </a:pPr>
             <a:r>
               <a:rPr lang="en-US" sz="2940"/>
-              <a:t>Multi-Command Container</a:t>
+              <a:t>Docker lifecycle</a:t>
             </a:r>
             <a:endParaRPr lang="en-US" sz="2940" b="0">
               <a:solidFill>
@@ -18703,8 +19957,8 @@
         </p:nvSpPr>
         <p:spPr>
           <a:xfrm>
-            <a:off x="311785" y="831850"/>
-            <a:ext cx="4762500" cy="2052955"/>
+            <a:off x="311785" y="831215"/>
+            <a:ext cx="8520430" cy="3737610"/>
           </a:xfrm>
           <a:prstGeom prst="rect">
             <a:avLst/>
@@ -18712,10 +19966,11 @@
         </p:spPr>
         <p:txBody>
           <a:bodyPr spcFirstLastPara="1" wrap="square" lIns="91425" tIns="91425" rIns="91425" bIns="91425" anchor="t" anchorCtr="0">
-            <a:normAutofit lnSpcReduction="10000"/>
+            <a:normAutofit/>
           </a:bodyPr>
-          <a:p>
-            <a:pPr marL="114300" lvl="0" indent="0" algn="l" rtl="0">
+          <a:lstStyle/>
+          <a:p>
+            <a:pPr marL="457200" lvl="0" indent="-342900" algn="l" rtl="0">
               <a:spcBef>
                 <a:spcPts val="0"/>
               </a:spcBef>
@@ -18723,8 +19978,14 @@
                 <a:spcPts val="0"/>
               </a:spcAft>
               <a:buSzPts val="1800"/>
-              <a:buNone/>
-            </a:pPr>
+              <a:buChar char="+"/>
+            </a:pPr>
+            <a:r>
+              <a:rPr lang="en-US" altLang="en-GB" b="1">
+                <a:sym typeface="+mn-ea"/>
+              </a:rPr>
+              <a:t>docker run hello-world</a:t>
+            </a:r>
             <a:endParaRPr lang="en-US" b="1">
               <a:solidFill>
                 <a:srgbClr val="B45F06"/>
@@ -18749,8 +20010,8 @@
         </p:blipFill>
         <p:spPr>
           <a:xfrm>
-            <a:off x="5549265" y="751205"/>
-            <a:ext cx="3282950" cy="3458845"/>
+            <a:off x="542290" y="1350645"/>
+            <a:ext cx="3642995" cy="2865120"/>
           </a:xfrm>
           <a:prstGeom prst="rect">
             <a:avLst/>
@@ -18759,7 +20020,7 @@
       </p:pic>
       <p:pic>
         <p:nvPicPr>
-          <p:cNvPr id="4" name="Picture 3"/>
+          <p:cNvPr id="5" name="Picture 4"/>
           <p:cNvPicPr>
             <a:picLocks noChangeAspect="1"/>
           </p:cNvPicPr>
@@ -18773,32 +20034,8 @@
         </p:blipFill>
         <p:spPr>
           <a:xfrm>
-            <a:off x="495935" y="899795"/>
-            <a:ext cx="4972685" cy="1285875"/>
-          </a:xfrm>
-          <a:prstGeom prst="rect">
-            <a:avLst/>
-          </a:prstGeom>
-        </p:spPr>
-      </p:pic>
-      <p:pic>
-        <p:nvPicPr>
-          <p:cNvPr id="6" name="Picture 5"/>
-          <p:cNvPicPr>
-            <a:picLocks noChangeAspect="1"/>
-          </p:cNvPicPr>
-          <p:nvPr/>
-        </p:nvPicPr>
-        <p:blipFill>
-          <a:blip r:embed="rId3"/>
-          <a:stretch>
-            <a:fillRect/>
-          </a:stretch>
-        </p:blipFill>
-        <p:spPr>
-          <a:xfrm>
-            <a:off x="486410" y="2447925"/>
-            <a:ext cx="4982210" cy="1578610"/>
+            <a:off x="4262120" y="1351280"/>
+            <a:ext cx="4683125" cy="2865120"/>
           </a:xfrm>
           <a:prstGeom prst="rect">
             <a:avLst/>
@@ -18865,7 +20102,7 @@
             </a:pPr>
             <a:r>
               <a:rPr lang="en-US" sz="2940"/>
-              <a:t>The purpose of the “IT” flag</a:t>
+              <a:t>Starting stopped container</a:t>
             </a:r>
             <a:endParaRPr lang="en-US" sz="2940" b="0">
               <a:solidFill>
@@ -18885,8 +20122,8 @@
         </p:nvSpPr>
         <p:spPr>
           <a:xfrm>
-            <a:off x="311785" y="831850"/>
-            <a:ext cx="4762500" cy="2052955"/>
+            <a:off x="311785" y="3627120"/>
+            <a:ext cx="8520430" cy="941705"/>
           </a:xfrm>
           <a:prstGeom prst="rect">
             <a:avLst/>
@@ -18894,8 +20131,9 @@
         </p:spPr>
         <p:txBody>
           <a:bodyPr spcFirstLastPara="1" wrap="square" lIns="91425" tIns="91425" rIns="91425" bIns="91425" anchor="t" anchorCtr="0">
-            <a:normAutofit lnSpcReduction="10000"/>
+            <a:normAutofit/>
           </a:bodyPr>
+          <a:lstStyle/>
           <a:p>
             <a:pPr marL="457200" lvl="0" indent="-342900" algn="l" rtl="0">
               <a:spcBef>
@@ -18911,23 +20149,8 @@
               <a:rPr lang="en-US" altLang="en-GB" b="1">
                 <a:sym typeface="+mn-ea"/>
               </a:rPr>
-              <a:t>try to run redis-cli but it’s not working because the command run outside the container</a:t>
+              <a:t>Status = exited, mean it’s instance till exist in the cache, so we can recall it by using its ID</a:t>
             </a:r>
-            <a:endParaRPr lang="en-US" altLang="en-GB" b="1">
-              <a:sym typeface="+mn-ea"/>
-            </a:endParaRPr>
-          </a:p>
-          <a:p>
-            <a:pPr marL="114300" lvl="0" indent="0" algn="l" rtl="0">
-              <a:spcBef>
-                <a:spcPts val="0"/>
-              </a:spcBef>
-              <a:spcAft>
-                <a:spcPts val="0"/>
-              </a:spcAft>
-              <a:buSzPts val="1800"/>
-              <a:buNone/>
-            </a:pPr>
             <a:endParaRPr lang="en-US" b="1">
               <a:solidFill>
                 <a:srgbClr val="B45F06"/>
@@ -18952,32 +20175,8 @@
         </p:blipFill>
         <p:spPr>
           <a:xfrm>
-            <a:off x="375920" y="2404110"/>
-            <a:ext cx="4502150" cy="891540"/>
-          </a:xfrm>
-          <a:prstGeom prst="rect">
-            <a:avLst/>
-          </a:prstGeom>
-        </p:spPr>
-      </p:pic>
-      <p:pic>
-        <p:nvPicPr>
-          <p:cNvPr id="3" name="Picture 2"/>
-          <p:cNvPicPr>
-            <a:picLocks noChangeAspect="1"/>
-          </p:cNvPicPr>
-          <p:nvPr/>
-        </p:nvPicPr>
-        <p:blipFill>
-          <a:blip r:embed="rId2"/>
-          <a:stretch>
-            <a:fillRect/>
-          </a:stretch>
-        </p:blipFill>
-        <p:spPr>
-          <a:xfrm>
-            <a:off x="5126355" y="831215"/>
-            <a:ext cx="3705860" cy="3350260"/>
+            <a:off x="429260" y="890905"/>
+            <a:ext cx="8286115" cy="2677160"/>
           </a:xfrm>
           <a:prstGeom prst="rect">
             <a:avLst/>
@@ -19044,78 +20243,11 @@
             </a:pPr>
             <a:r>
               <a:rPr lang="en-US" sz="2940"/>
-              <a:t>The purpose of the “IT” flag</a:t>
+              <a:t>Starting stopped container</a:t>
             </a:r>
             <a:endParaRPr lang="en-US" sz="2940" b="0">
               <a:solidFill>
                 <a:srgbClr val="3D85C6"/>
-              </a:solidFill>
-            </a:endParaRPr>
-          </a:p>
-        </p:txBody>
-      </p:sp>
-      <p:sp>
-        <p:nvSpPr>
-          <p:cNvPr id="79" name="Google Shape;79;p15"/>
-          <p:cNvSpPr txBox="1"/>
-          <p:nvPr>
-            <p:ph type="body" idx="1"/>
-          </p:nvPr>
-        </p:nvSpPr>
-        <p:spPr>
-          <a:xfrm>
-            <a:off x="311785" y="831850"/>
-            <a:ext cx="5139055" cy="1371600"/>
-          </a:xfrm>
-          <a:prstGeom prst="rect">
-            <a:avLst/>
-          </a:prstGeom>
-        </p:spPr>
-        <p:txBody>
-          <a:bodyPr spcFirstLastPara="1" wrap="square" lIns="91425" tIns="91425" rIns="91425" bIns="91425" anchor="t" anchorCtr="0">
-            <a:normAutofit lnSpcReduction="10000"/>
-          </a:bodyPr>
-          <a:p>
-            <a:pPr marL="457200" lvl="0" indent="-342900" algn="l" rtl="0">
-              <a:spcBef>
-                <a:spcPts val="0"/>
-              </a:spcBef>
-              <a:spcAft>
-                <a:spcPts val="0"/>
-              </a:spcAft>
-              <a:buSzPts val="1800"/>
-              <a:buChar char="+"/>
-            </a:pPr>
-            <a:r>
-              <a:rPr lang="en-US" altLang="en-GB" b="1">
-                <a:sym typeface="+mn-ea"/>
-              </a:rPr>
-              <a:t>-i: make sure that any stuff that you type gets direct to STDIN</a:t>
-            </a:r>
-            <a:endParaRPr lang="en-US" altLang="en-GB" b="1">
-              <a:sym typeface="+mn-ea"/>
-            </a:endParaRPr>
-          </a:p>
-          <a:p>
-            <a:pPr marL="457200" lvl="0" indent="-342900" algn="l" rtl="0">
-              <a:spcBef>
-                <a:spcPts val="0"/>
-              </a:spcBef>
-              <a:spcAft>
-                <a:spcPts val="0"/>
-              </a:spcAft>
-              <a:buSzPts val="1800"/>
-              <a:buChar char="+"/>
-            </a:pPr>
-            <a:r>
-              <a:rPr lang="en-US" altLang="en-GB" b="1">
-                <a:sym typeface="+mn-ea"/>
-              </a:rPr>
-              <a:t>-t: help to show up the result pretty </a:t>
-            </a:r>
-            <a:endParaRPr lang="en-US" b="1">
-              <a:solidFill>
-                <a:srgbClr val="B45F06"/>
               </a:solidFill>
             </a:endParaRPr>
           </a:p>
@@ -19137,38 +20269,30 @@
         </p:blipFill>
         <p:spPr>
           <a:xfrm>
-            <a:off x="5523230" y="1506855"/>
-            <a:ext cx="3381375" cy="2924175"/>
+            <a:off x="1435735" y="831215"/>
+            <a:ext cx="6272530" cy="3705860"/>
           </a:xfrm>
           <a:prstGeom prst="rect">
             <a:avLst/>
           </a:prstGeom>
         </p:spPr>
       </p:pic>
-      <p:pic>
-        <p:nvPicPr>
-          <p:cNvPr id="4" name="Picture 3"/>
-          <p:cNvPicPr>
-            <a:picLocks noChangeAspect="1"/>
-          </p:cNvPicPr>
-          <p:nvPr/>
-        </p:nvPicPr>
-        <p:blipFill>
-          <a:blip r:embed="rId2"/>
-          <a:stretch>
-            <a:fillRect/>
-          </a:stretch>
-        </p:blipFill>
-        <p:spPr>
-          <a:xfrm>
-            <a:off x="409575" y="2204085"/>
-            <a:ext cx="5113655" cy="2226945"/>
-          </a:xfrm>
-          <a:prstGeom prst="rect">
-            <a:avLst/>
-          </a:prstGeom>
-        </p:spPr>
-      </p:pic>
+      <p:sp>
+        <p:nvSpPr>
+          <p:cNvPr id="3" name="Text Placeholder 2"/>
+          <p:cNvSpPr/>
+          <p:nvPr>
+            <p:ph type="body" idx="1"/>
+          </p:nvPr>
+        </p:nvSpPr>
+        <p:spPr/>
+        <p:txBody>
+          <a:bodyPr/>
+          <a:p>
+            <a:endParaRPr lang="en-US"/>
+          </a:p>
+        </p:txBody>
+      </p:sp>
     </p:spTree>
   </p:cSld>
   <p:clrMapOvr>
@@ -19394,7 +20518,7 @@
             </a:pPr>
             <a:r>
               <a:rPr lang="en-US" sz="2940"/>
-              <a:t>Getting a Command Prompt in a Container</a:t>
+              <a:t>Removing stopped container</a:t>
             </a:r>
             <a:endParaRPr lang="en-US" sz="2940" b="0">
               <a:solidFill>
@@ -19414,8 +20538,8 @@
         </p:nvSpPr>
         <p:spPr>
           <a:xfrm>
-            <a:off x="311785" y="831850"/>
-            <a:ext cx="8520430" cy="2052955"/>
+            <a:off x="311785" y="3975735"/>
+            <a:ext cx="8213725" cy="840105"/>
           </a:xfrm>
           <a:prstGeom prst="rect">
             <a:avLst/>
@@ -19423,7 +20547,7 @@
         </p:spPr>
         <p:txBody>
           <a:bodyPr spcFirstLastPara="1" wrap="square" lIns="91425" tIns="91425" rIns="91425" bIns="91425" anchor="t" anchorCtr="0">
-            <a:normAutofit lnSpcReduction="10000"/>
+            <a:normAutofit fontScale="90000"/>
           </a:bodyPr>
           <a:p>
             <a:pPr marL="114300" lvl="0" indent="0" algn="l" rtl="0">
@@ -19440,14 +20564,14 @@
               <a:rPr lang="en-US" altLang="en-GB" b="1">
                 <a:sym typeface="+mn-ea"/>
               </a:rPr>
-              <a:t>&gt;&gt; docker exec -it &lt;container_id&gt; sh</a:t>
+              <a:t>docker system prune</a:t>
             </a:r>
             <a:endParaRPr lang="en-US" altLang="en-GB" b="1">
               <a:sym typeface="+mn-ea"/>
             </a:endParaRPr>
           </a:p>
           <a:p>
-            <a:pPr marL="457200" lvl="0" indent="-342900" algn="l" rtl="0">
+            <a:pPr marL="114300" lvl="0" indent="0" algn="l" rtl="0">
               <a:spcBef>
                 <a:spcPts val="0"/>
               </a:spcBef>
@@ -19455,13 +20579,13 @@
                 <a:spcPts val="0"/>
               </a:spcAft>
               <a:buSzPts val="1800"/>
-              <a:buChar char="+"/>
+              <a:buNone/>
             </a:pPr>
             <a:r>
               <a:rPr lang="en-US" altLang="en-GB" b="1">
                 <a:sym typeface="+mn-ea"/>
               </a:rPr>
-              <a:t>open a Command Prompt to execute some command</a:t>
+              <a:t>=&gt; remove all stopped containers, cache and redownload images from docker hub</a:t>
             </a:r>
             <a:endParaRPr lang="en-US" b="1">
               <a:solidFill>
@@ -19473,7 +20597,7 @@
       </p:sp>
       <p:pic>
         <p:nvPicPr>
-          <p:cNvPr id="2" name="Picture 1"/>
+          <p:cNvPr id="5" name="Picture 4"/>
           <p:cNvPicPr>
             <a:picLocks noChangeAspect="1"/>
           </p:cNvPicPr>
@@ -19487,8 +20611,8 @@
         </p:blipFill>
         <p:spPr>
           <a:xfrm>
-            <a:off x="1980565" y="2148840"/>
-            <a:ext cx="4569460" cy="2492375"/>
+            <a:off x="1257935" y="812800"/>
+            <a:ext cx="6320790" cy="3105150"/>
           </a:xfrm>
           <a:prstGeom prst="rect">
             <a:avLst/>
@@ -19555,7 +20679,7 @@
             </a:pPr>
             <a:r>
               <a:rPr lang="en-US" sz="2940"/>
-              <a:t>Getting a Command Prompt in a Container</a:t>
+              <a:t>Retrieving log Outputs</a:t>
             </a:r>
             <a:endParaRPr lang="en-US" sz="2940" b="0">
               <a:solidFill>
@@ -19575,8 +20699,8 @@
         </p:nvSpPr>
         <p:spPr>
           <a:xfrm>
-            <a:off x="311785" y="831850"/>
-            <a:ext cx="8520430" cy="2052955"/>
+            <a:off x="311785" y="3763645"/>
+            <a:ext cx="8213725" cy="1052195"/>
           </a:xfrm>
           <a:prstGeom prst="rect">
             <a:avLst/>
@@ -19584,7 +20708,7 @@
         </p:spPr>
         <p:txBody>
           <a:bodyPr spcFirstLastPara="1" wrap="square" lIns="91425" tIns="91425" rIns="91425" bIns="91425" anchor="t" anchorCtr="0">
-            <a:normAutofit lnSpcReduction="10000"/>
+            <a:normAutofit fontScale="90000"/>
           </a:bodyPr>
           <a:p>
             <a:pPr marL="114300" lvl="0" indent="0" algn="l" rtl="0">
@@ -19601,14 +20725,14 @@
               <a:rPr lang="en-US" altLang="en-GB" b="1">
                 <a:sym typeface="+mn-ea"/>
               </a:rPr>
-              <a:t>&gt;&gt; sh</a:t>
+              <a:t>docker logs &lt;&lt;container_id&gt;&gt;</a:t>
             </a:r>
             <a:endParaRPr lang="en-US" altLang="en-GB" b="1">
               <a:sym typeface="+mn-ea"/>
             </a:endParaRPr>
           </a:p>
           <a:p>
-            <a:pPr marL="457200" lvl="0" indent="-342900" algn="l" rtl="0">
+            <a:pPr marL="114300" lvl="0" indent="0" algn="l" rtl="0">
               <a:spcBef>
                 <a:spcPts val="0"/>
               </a:spcBef>
@@ -19616,34 +20740,13 @@
                 <a:spcPts val="0"/>
               </a:spcAft>
               <a:buSzPts val="1800"/>
-              <a:buChar char="+"/>
+              <a:buNone/>
             </a:pPr>
             <a:r>
               <a:rPr lang="en-US" altLang="en-GB" b="1">
                 <a:sym typeface="+mn-ea"/>
               </a:rPr>
-              <a:t>Is a name of 	a program and it’s a program that has been executed inside of that container</a:t>
-            </a:r>
-            <a:endParaRPr lang="en-US" altLang="en-GB" b="1">
-              <a:sym typeface="+mn-ea"/>
-            </a:endParaRPr>
-          </a:p>
-          <a:p>
-            <a:pPr marL="457200" lvl="0" indent="-342900" algn="l" rtl="0">
-              <a:spcBef>
-                <a:spcPts val="0"/>
-              </a:spcBef>
-              <a:spcAft>
-                <a:spcPts val="0"/>
-              </a:spcAft>
-              <a:buSzPts val="1800"/>
-              <a:buChar char="+"/>
-            </a:pPr>
-            <a:r>
-              <a:rPr lang="en-US" altLang="en-GB" b="1">
-                <a:sym typeface="+mn-ea"/>
-              </a:rPr>
-              <a:t>Open a Command Prompt to execute some command inside a container</a:t>
+              <a:t>=&gt; With this command, we don’t re-run the container again. It only emitted what it works</a:t>
             </a:r>
             <a:endParaRPr lang="en-US" b="1">
               <a:solidFill>
@@ -19655,7 +20758,7 @@
       </p:sp>
       <p:pic>
         <p:nvPicPr>
-          <p:cNvPr id="3" name="Picture 2"/>
+          <p:cNvPr id="2" name="Picture 1"/>
           <p:cNvPicPr>
             <a:picLocks noChangeAspect="1"/>
           </p:cNvPicPr>
@@ -19669,8 +20772,8 @@
         </p:blipFill>
         <p:spPr>
           <a:xfrm>
-            <a:off x="1933575" y="2790190"/>
-            <a:ext cx="5276850" cy="1971675"/>
+            <a:off x="723900" y="907415"/>
+            <a:ext cx="7696200" cy="2390775"/>
           </a:xfrm>
           <a:prstGeom prst="rect">
             <a:avLst/>
@@ -19737,7 +20840,7 @@
             </a:pPr>
             <a:r>
               <a:rPr lang="en-US" sz="2940"/>
-              <a:t>Starting with a Shell</a:t>
+              <a:t>Retrieving log Outputs</a:t>
             </a:r>
             <a:endParaRPr lang="en-US" sz="2940" b="0">
               <a:solidFill>
@@ -19757,8 +20860,8 @@
         </p:nvSpPr>
         <p:spPr>
           <a:xfrm>
-            <a:off x="311785" y="831850"/>
-            <a:ext cx="8520430" cy="2052955"/>
+            <a:off x="311785" y="3763645"/>
+            <a:ext cx="8213725" cy="1052195"/>
           </a:xfrm>
           <a:prstGeom prst="rect">
             <a:avLst/>
@@ -19766,7 +20869,7 @@
         </p:spPr>
         <p:txBody>
           <a:bodyPr spcFirstLastPara="1" wrap="square" lIns="91425" tIns="91425" rIns="91425" bIns="91425" anchor="t" anchorCtr="0">
-            <a:normAutofit lnSpcReduction="10000"/>
+            <a:normAutofit fontScale="90000"/>
           </a:bodyPr>
           <a:p>
             <a:pPr marL="114300" lvl="0" indent="0" algn="l" rtl="0">
@@ -19783,14 +20886,14 @@
               <a:rPr lang="en-US" altLang="en-GB" b="1">
                 <a:sym typeface="+mn-ea"/>
               </a:rPr>
-              <a:t>&gt;&gt; docker run &lt;image_name&gt; --it sh</a:t>
+              <a:t>docker logs &lt;&lt;container_id&gt;&gt;</a:t>
             </a:r>
             <a:endParaRPr lang="en-US" altLang="en-GB" b="1">
               <a:sym typeface="+mn-ea"/>
             </a:endParaRPr>
           </a:p>
           <a:p>
-            <a:pPr marL="457200" lvl="0" indent="-342900" algn="l" rtl="0">
+            <a:pPr marL="114300" lvl="0" indent="0" algn="l" rtl="0">
               <a:spcBef>
                 <a:spcPts val="0"/>
               </a:spcBef>
@@ -19798,13 +20901,13 @@
                 <a:spcPts val="0"/>
               </a:spcAft>
               <a:buSzPts val="1800"/>
-              <a:buChar char="+"/>
+              <a:buNone/>
             </a:pPr>
             <a:r>
               <a:rPr lang="en-US" altLang="en-GB" b="1">
                 <a:sym typeface="+mn-ea"/>
               </a:rPr>
-              <a:t>Start a new shell when run new container</a:t>
+              <a:t>=&gt; With this command, we don’t re-run the container again. It only emitted what it works</a:t>
             </a:r>
             <a:endParaRPr lang="en-US" b="1">
               <a:solidFill>
@@ -19830,8 +20933,8 @@
         </p:blipFill>
         <p:spPr>
           <a:xfrm>
-            <a:off x="2071370" y="1809750"/>
-            <a:ext cx="5000625" cy="2543175"/>
+            <a:off x="723900" y="907415"/>
+            <a:ext cx="7696200" cy="2390775"/>
           </a:xfrm>
           <a:prstGeom prst="rect">
             <a:avLst/>
@@ -19898,7 +21001,147 @@
             </a:pPr>
             <a:r>
               <a:rPr lang="en-US" sz="2940"/>
-              <a:t>Starting with a Shell</a:t>
+              <a:t>Stopping container</a:t>
+            </a:r>
+            <a:endParaRPr lang="en-US" sz="2940" b="0">
+              <a:solidFill>
+                <a:srgbClr val="3D85C6"/>
+              </a:solidFill>
+            </a:endParaRPr>
+          </a:p>
+        </p:txBody>
+      </p:sp>
+      <p:sp>
+        <p:nvSpPr>
+          <p:cNvPr id="79" name="Google Shape;79;p15"/>
+          <p:cNvSpPr txBox="1"/>
+          <p:nvPr>
+            <p:ph type="body" idx="1"/>
+          </p:nvPr>
+        </p:nvSpPr>
+        <p:spPr>
+          <a:xfrm>
+            <a:off x="311785" y="831215"/>
+            <a:ext cx="8243570" cy="3984625"/>
+          </a:xfrm>
+          <a:prstGeom prst="rect">
+            <a:avLst/>
+          </a:prstGeom>
+        </p:spPr>
+        <p:txBody>
+          <a:bodyPr spcFirstLastPara="1" wrap="square" lIns="91425" tIns="91425" rIns="91425" bIns="91425" anchor="t" anchorCtr="0">
+            <a:normAutofit/>
+          </a:bodyPr>
+          <a:p>
+            <a:pPr marL="114300" lvl="0" indent="0" algn="l" rtl="0">
+              <a:spcBef>
+                <a:spcPts val="0"/>
+              </a:spcBef>
+              <a:spcAft>
+                <a:spcPts val="0"/>
+              </a:spcAft>
+              <a:buSzPts val="1800"/>
+              <a:buNone/>
+            </a:pPr>
+            <a:r>
+              <a:rPr lang="en-US" altLang="en-GB" b="1">
+                <a:sym typeface="+mn-ea"/>
+              </a:rPr>
+              <a:t>First, create, run and view log of the container </a:t>
+            </a:r>
+            <a:endParaRPr lang="en-US" b="1">
+              <a:solidFill>
+                <a:srgbClr val="B45F06"/>
+              </a:solidFill>
+            </a:endParaRPr>
+          </a:p>
+        </p:txBody>
+      </p:sp>
+      <p:pic>
+        <p:nvPicPr>
+          <p:cNvPr id="4" name="Picture 3"/>
+          <p:cNvPicPr>
+            <a:picLocks noChangeAspect="1"/>
+          </p:cNvPicPr>
+          <p:nvPr/>
+        </p:nvPicPr>
+        <p:blipFill>
+          <a:blip r:embed="rId1"/>
+          <a:stretch>
+            <a:fillRect/>
+          </a:stretch>
+        </p:blipFill>
+        <p:spPr>
+          <a:xfrm>
+            <a:off x="1485900" y="1371600"/>
+            <a:ext cx="6172835" cy="3233420"/>
+          </a:xfrm>
+          <a:prstGeom prst="rect">
+            <a:avLst/>
+          </a:prstGeom>
+        </p:spPr>
+      </p:pic>
+    </p:spTree>
+  </p:cSld>
+  <p:clrMapOvr>
+    <a:masterClrMapping/>
+  </p:clrMapOvr>
+</p:sld>
+</file>
+
+<file path=ppt/slides/slide54.xml><?xml version="1.0" encoding="utf-8"?>
+<p:sld xmlns:a="http://schemas.openxmlformats.org/drawingml/2006/main" xmlns:r="http://schemas.openxmlformats.org/officeDocument/2006/relationships" xmlns:p="http://schemas.openxmlformats.org/presentationml/2006/main">
+  <p:cSld>
+    <p:spTree>
+      <p:nvGrpSpPr>
+        <p:cNvPr id="77" name="Shape 77"/>
+        <p:cNvGrpSpPr/>
+        <p:nvPr/>
+      </p:nvGrpSpPr>
+      <p:grpSpPr>
+        <a:xfrm>
+          <a:off x="0" y="0"/>
+          <a:ext cx="0" cy="0"/>
+          <a:chOff x="0" y="0"/>
+          <a:chExt cx="0" cy="0"/>
+        </a:xfrm>
+      </p:grpSpPr>
+      <p:sp>
+        <p:nvSpPr>
+          <p:cNvPr id="78" name="Google Shape;78;p15"/>
+          <p:cNvSpPr txBox="1"/>
+          <p:nvPr>
+            <p:ph type="title"/>
+          </p:nvPr>
+        </p:nvSpPr>
+        <p:spPr>
+          <a:xfrm>
+            <a:off x="311700" y="123715"/>
+            <a:ext cx="8520600" cy="707400"/>
+          </a:xfrm>
+          <a:prstGeom prst="rect">
+            <a:avLst/>
+          </a:prstGeom>
+        </p:spPr>
+        <p:txBody>
+          <a:bodyPr spcFirstLastPara="1" wrap="square" lIns="91425" tIns="91425" rIns="91425" bIns="91425" anchor="t" anchorCtr="0">
+            <a:normAutofit/>
+          </a:bodyPr>
+          <a:lstStyle/>
+          <a:p>
+            <a:pPr marL="0" lvl="0" indent="0" algn="l" rtl="0">
+              <a:spcBef>
+                <a:spcPts val="0"/>
+              </a:spcBef>
+              <a:spcAft>
+                <a:spcPts val="0"/>
+              </a:spcAft>
+              <a:buSzPts val="990"/>
+              <a:buNone/>
+            </a:pPr>
+            <a:r>
+              <a:rPr lang="en-US" sz="2940"/>
+              <a:t>Stopping container</a:t>
             </a:r>
             <a:endParaRPr lang="en-US" sz="2940" b="0">
               <a:solidFill>
@@ -19924,8 +21167,8 @@
         </p:blipFill>
         <p:spPr>
           <a:xfrm>
-            <a:off x="5570220" y="831215"/>
-            <a:ext cx="3373755" cy="3197860"/>
+            <a:off x="2097405" y="858520"/>
+            <a:ext cx="4250690" cy="1116965"/>
           </a:xfrm>
           <a:prstGeom prst="rect">
             <a:avLst/>
@@ -19948,8 +21191,8 @@
         </p:blipFill>
         <p:spPr>
           <a:xfrm>
-            <a:off x="311785" y="1017905"/>
-            <a:ext cx="5206365" cy="2823845"/>
+            <a:off x="721360" y="1877695"/>
+            <a:ext cx="7002780" cy="2905760"/>
           </a:xfrm>
           <a:prstGeom prst="rect">
             <a:avLst/>
@@ -19964,12 +21207,12 @@
 </p:sld>
 </file>
 
-<file path=ppt/slides/slide54.xml><?xml version="1.0" encoding="utf-8"?>
+<file path=ppt/slides/slide55.xml><?xml version="1.0" encoding="utf-8"?>
 <p:sld xmlns:a="http://schemas.openxmlformats.org/drawingml/2006/main" xmlns:r="http://schemas.openxmlformats.org/officeDocument/2006/relationships" xmlns:p="http://schemas.openxmlformats.org/presentationml/2006/main">
   <p:cSld>
     <p:spTree>
       <p:nvGrpSpPr>
-        <p:cNvPr id="450" name="Shape 450"/>
+        <p:cNvPr id="77" name="Shape 77"/>
         <p:cNvGrpSpPr/>
         <p:nvPr/>
       </p:nvGrpSpPr>
@@ -19983,7 +21226,7 @@
       </p:grpSpPr>
       <p:sp>
         <p:nvSpPr>
-          <p:cNvPr id="451" name="Google Shape;451;p61"/>
+          <p:cNvPr id="78" name="Google Shape;78;p15"/>
           <p:cNvSpPr txBox="1"/>
           <p:nvPr>
             <p:ph type="title"/>
@@ -19991,36 +21234,836 @@
         </p:nvSpPr>
         <p:spPr>
           <a:xfrm>
-            <a:off x="311700" y="814800"/>
-            <a:ext cx="8571300" cy="942000"/>
+            <a:off x="311700" y="123715"/>
+            <a:ext cx="8520600" cy="707400"/>
           </a:xfrm>
           <a:prstGeom prst="rect">
             <a:avLst/>
           </a:prstGeom>
         </p:spPr>
         <p:txBody>
-          <a:bodyPr spcFirstLastPara="1" wrap="square" lIns="91425" tIns="91425" rIns="91425" bIns="91425" anchor="ctr" anchorCtr="0">
+          <a:bodyPr spcFirstLastPara="1" wrap="square" lIns="91425" tIns="91425" rIns="91425" bIns="91425" anchor="t" anchorCtr="0">
             <a:normAutofit/>
           </a:bodyPr>
           <a:lstStyle/>
           <a:p>
-            <a:pPr marL="0" lvl="0" indent="0" algn="ctr" rtl="0">
-              <a:spcBef>
-                <a:spcPts val="0"/>
-              </a:spcBef>
-              <a:spcAft>
-                <a:spcPts val="0"/>
-              </a:spcAft>
+            <a:pPr marL="0" lvl="0" indent="0" algn="l" rtl="0">
+              <a:spcBef>
+                <a:spcPts val="0"/>
+              </a:spcBef>
+              <a:spcAft>
+                <a:spcPts val="0"/>
+              </a:spcAft>
+              <a:buSzPts val="990"/>
               <a:buNone/>
             </a:pPr>
             <a:r>
-              <a:rPr lang="en-GB"/>
-              <a:t>THANKS FOR LISTENING</a:t>
+              <a:rPr lang="en-US" sz="2940"/>
+              <a:t>Stopping container</a:t>
             </a:r>
-            <a:endParaRPr lang="en-GB"/>
+            <a:endParaRPr lang="en-US" sz="2940" b="0">
+              <a:solidFill>
+                <a:srgbClr val="3D85C6"/>
+              </a:solidFill>
+            </a:endParaRPr>
           </a:p>
         </p:txBody>
       </p:sp>
+      <p:pic>
+        <p:nvPicPr>
+          <p:cNvPr id="2" name="Picture 1"/>
+          <p:cNvPicPr>
+            <a:picLocks noChangeAspect="1"/>
+          </p:cNvPicPr>
+          <p:nvPr/>
+        </p:nvPicPr>
+        <p:blipFill>
+          <a:blip r:embed="rId1"/>
+          <a:stretch>
+            <a:fillRect/>
+          </a:stretch>
+        </p:blipFill>
+        <p:spPr>
+          <a:xfrm>
+            <a:off x="311785" y="1607820"/>
+            <a:ext cx="8582025" cy="2362200"/>
+          </a:xfrm>
+          <a:prstGeom prst="rect">
+            <a:avLst/>
+          </a:prstGeom>
+        </p:spPr>
+      </p:pic>
+      <p:sp>
+        <p:nvSpPr>
+          <p:cNvPr id="79" name="Google Shape;79;p15"/>
+          <p:cNvSpPr txBox="1"/>
+          <p:nvPr>
+            <p:ph type="body" idx="1"/>
+          </p:nvPr>
+        </p:nvSpPr>
+        <p:spPr>
+          <a:xfrm>
+            <a:off x="311785" y="831850"/>
+            <a:ext cx="8520430" cy="3736975"/>
+          </a:xfrm>
+          <a:prstGeom prst="rect">
+            <a:avLst/>
+          </a:prstGeom>
+        </p:spPr>
+        <p:txBody>
+          <a:bodyPr spcFirstLastPara="1" wrap="square" lIns="91425" tIns="91425" rIns="91425" bIns="91425" anchor="t" anchorCtr="0">
+            <a:normAutofit lnSpcReduction="10000"/>
+          </a:bodyPr>
+          <a:p>
+            <a:pPr marL="114300" lvl="0" indent="0" algn="l" rtl="0">
+              <a:spcBef>
+                <a:spcPts val="0"/>
+              </a:spcBef>
+              <a:spcAft>
+                <a:spcPts val="0"/>
+              </a:spcAft>
+              <a:buSzPts val="1800"/>
+              <a:buNone/>
+            </a:pPr>
+            <a:r>
+              <a:rPr lang="en-US" altLang="en-GB" b="1">
+                <a:sym typeface="+mn-ea"/>
+              </a:rPr>
+              <a:t>&gt;&gt; docker stop &lt;container_id&gt;</a:t>
+            </a:r>
+            <a:endParaRPr lang="en-US" altLang="en-GB" b="1">
+              <a:sym typeface="+mn-ea"/>
+            </a:endParaRPr>
+          </a:p>
+          <a:p>
+            <a:pPr marL="457200" lvl="0" indent="-342900" algn="l" rtl="0">
+              <a:spcBef>
+                <a:spcPts val="0"/>
+              </a:spcBef>
+              <a:spcAft>
+                <a:spcPts val="0"/>
+              </a:spcAft>
+              <a:buSzPts val="1800"/>
+              <a:buChar char="+"/>
+            </a:pPr>
+            <a:r>
+              <a:rPr lang="en-US" altLang="en-GB" b="1">
+                <a:sym typeface="+mn-ea"/>
+              </a:rPr>
+              <a:t>Waiting for over 10 seconds to stop the container</a:t>
+            </a:r>
+            <a:endParaRPr lang="en-US" b="1">
+              <a:solidFill>
+                <a:srgbClr val="B45F06"/>
+              </a:solidFill>
+            </a:endParaRPr>
+          </a:p>
+        </p:txBody>
+      </p:sp>
+    </p:spTree>
+  </p:cSld>
+  <p:clrMapOvr>
+    <a:masterClrMapping/>
+  </p:clrMapOvr>
+</p:sld>
+</file>
+
+<file path=ppt/slides/slide56.xml><?xml version="1.0" encoding="utf-8"?>
+<p:sld xmlns:a="http://schemas.openxmlformats.org/drawingml/2006/main" xmlns:r="http://schemas.openxmlformats.org/officeDocument/2006/relationships" xmlns:p="http://schemas.openxmlformats.org/presentationml/2006/main">
+  <p:cSld>
+    <p:spTree>
+      <p:nvGrpSpPr>
+        <p:cNvPr id="77" name="Shape 77"/>
+        <p:cNvGrpSpPr/>
+        <p:nvPr/>
+      </p:nvGrpSpPr>
+      <p:grpSpPr>
+        <a:xfrm>
+          <a:off x="0" y="0"/>
+          <a:ext cx="0" cy="0"/>
+          <a:chOff x="0" y="0"/>
+          <a:chExt cx="0" cy="0"/>
+        </a:xfrm>
+      </p:grpSpPr>
+      <p:sp>
+        <p:nvSpPr>
+          <p:cNvPr id="78" name="Google Shape;78;p15"/>
+          <p:cNvSpPr txBox="1"/>
+          <p:nvPr>
+            <p:ph type="title"/>
+          </p:nvPr>
+        </p:nvSpPr>
+        <p:spPr>
+          <a:xfrm>
+            <a:off x="311700" y="123715"/>
+            <a:ext cx="8520600" cy="707400"/>
+          </a:xfrm>
+          <a:prstGeom prst="rect">
+            <a:avLst/>
+          </a:prstGeom>
+        </p:spPr>
+        <p:txBody>
+          <a:bodyPr spcFirstLastPara="1" wrap="square" lIns="91425" tIns="91425" rIns="91425" bIns="91425" anchor="t" anchorCtr="0">
+            <a:normAutofit/>
+          </a:bodyPr>
+          <a:lstStyle/>
+          <a:p>
+            <a:pPr marL="0" lvl="0" indent="0" algn="l" rtl="0">
+              <a:spcBef>
+                <a:spcPts val="0"/>
+              </a:spcBef>
+              <a:spcAft>
+                <a:spcPts val="0"/>
+              </a:spcAft>
+              <a:buSzPts val="990"/>
+              <a:buNone/>
+            </a:pPr>
+            <a:r>
+              <a:rPr lang="en-US" sz="2940"/>
+              <a:t>Stopping container</a:t>
+            </a:r>
+            <a:endParaRPr lang="en-US" sz="2940" b="0">
+              <a:solidFill>
+                <a:srgbClr val="3D85C6"/>
+              </a:solidFill>
+            </a:endParaRPr>
+          </a:p>
+        </p:txBody>
+      </p:sp>
+      <p:sp>
+        <p:nvSpPr>
+          <p:cNvPr id="79" name="Google Shape;79;p15"/>
+          <p:cNvSpPr txBox="1"/>
+          <p:nvPr>
+            <p:ph type="body" idx="1"/>
+          </p:nvPr>
+        </p:nvSpPr>
+        <p:spPr>
+          <a:xfrm>
+            <a:off x="311785" y="831850"/>
+            <a:ext cx="8268970" cy="3736975"/>
+          </a:xfrm>
+          <a:prstGeom prst="rect">
+            <a:avLst/>
+          </a:prstGeom>
+        </p:spPr>
+        <p:txBody>
+          <a:bodyPr spcFirstLastPara="1" wrap="square" lIns="91425" tIns="91425" rIns="91425" bIns="91425" anchor="t" anchorCtr="0">
+            <a:normAutofit lnSpcReduction="10000"/>
+          </a:bodyPr>
+          <a:p>
+            <a:pPr marL="457200" lvl="0" indent="-342900" algn="l" rtl="0">
+              <a:spcBef>
+                <a:spcPts val="0"/>
+              </a:spcBef>
+              <a:spcAft>
+                <a:spcPts val="0"/>
+              </a:spcAft>
+              <a:buSzPts val="1800"/>
+              <a:buChar char="+"/>
+            </a:pPr>
+            <a:r>
+              <a:rPr lang="en-US" altLang="en-GB" b="1">
+                <a:sym typeface="+mn-ea"/>
+              </a:rPr>
+              <a:t>Start container again and use kill command</a:t>
+            </a:r>
+            <a:endParaRPr lang="en-US" altLang="en-GB" b="1">
+              <a:sym typeface="+mn-ea"/>
+            </a:endParaRPr>
+          </a:p>
+          <a:p>
+            <a:pPr marL="114300" lvl="0" indent="0" algn="l" rtl="0">
+              <a:spcBef>
+                <a:spcPts val="0"/>
+              </a:spcBef>
+              <a:spcAft>
+                <a:spcPts val="0"/>
+              </a:spcAft>
+              <a:buSzPts val="1800"/>
+              <a:buNone/>
+            </a:pPr>
+            <a:r>
+              <a:rPr lang="en-US" altLang="en-GB" b="1">
+                <a:sym typeface="+mn-ea"/>
+              </a:rPr>
+              <a:t>&gt;&gt; docker kill &lt;container_id&gt;</a:t>
+            </a:r>
+            <a:endParaRPr lang="en-US" altLang="en-GB" b="1">
+              <a:sym typeface="+mn-ea"/>
+            </a:endParaRPr>
+          </a:p>
+          <a:p>
+            <a:pPr marL="457200" lvl="0" indent="-342900" algn="l" rtl="0">
+              <a:spcBef>
+                <a:spcPts val="0"/>
+              </a:spcBef>
+              <a:spcAft>
+                <a:spcPts val="0"/>
+              </a:spcAft>
+              <a:buSzPts val="1800"/>
+              <a:buChar char="+"/>
+            </a:pPr>
+            <a:r>
+              <a:rPr lang="en-US" altLang="en-GB" b="1">
+                <a:sym typeface="+mn-ea"/>
+              </a:rPr>
+              <a:t>Stop the container immediately</a:t>
+            </a:r>
+            <a:endParaRPr lang="en-US" b="1">
+              <a:solidFill>
+                <a:srgbClr val="B45F06"/>
+              </a:solidFill>
+            </a:endParaRPr>
+          </a:p>
+        </p:txBody>
+      </p:sp>
+      <p:pic>
+        <p:nvPicPr>
+          <p:cNvPr id="2" name="Picture 1"/>
+          <p:cNvPicPr>
+            <a:picLocks noChangeAspect="1"/>
+          </p:cNvPicPr>
+          <p:nvPr/>
+        </p:nvPicPr>
+        <p:blipFill>
+          <a:blip r:embed="rId1"/>
+          <a:stretch>
+            <a:fillRect/>
+          </a:stretch>
+        </p:blipFill>
+        <p:spPr>
+          <a:xfrm>
+            <a:off x="570230" y="1825625"/>
+            <a:ext cx="8010525" cy="2743200"/>
+          </a:xfrm>
+          <a:prstGeom prst="rect">
+            <a:avLst/>
+          </a:prstGeom>
+        </p:spPr>
+      </p:pic>
+    </p:spTree>
+  </p:cSld>
+  <p:clrMapOvr>
+    <a:masterClrMapping/>
+  </p:clrMapOvr>
+</p:sld>
+</file>
+
+<file path=ppt/slides/slide57.xml><?xml version="1.0" encoding="utf-8"?>
+<p:sld xmlns:a="http://schemas.openxmlformats.org/drawingml/2006/main" xmlns:r="http://schemas.openxmlformats.org/officeDocument/2006/relationships" xmlns:p="http://schemas.openxmlformats.org/presentationml/2006/main">
+  <p:cSld>
+    <p:spTree>
+      <p:nvGrpSpPr>
+        <p:cNvPr id="77" name="Shape 77"/>
+        <p:cNvGrpSpPr/>
+        <p:nvPr/>
+      </p:nvGrpSpPr>
+      <p:grpSpPr>
+        <a:xfrm>
+          <a:off x="0" y="0"/>
+          <a:ext cx="0" cy="0"/>
+          <a:chOff x="0" y="0"/>
+          <a:chExt cx="0" cy="0"/>
+        </a:xfrm>
+      </p:grpSpPr>
+      <p:sp>
+        <p:nvSpPr>
+          <p:cNvPr id="78" name="Google Shape;78;p15"/>
+          <p:cNvSpPr txBox="1"/>
+          <p:nvPr>
+            <p:ph type="title"/>
+          </p:nvPr>
+        </p:nvSpPr>
+        <p:spPr>
+          <a:xfrm>
+            <a:off x="311700" y="123715"/>
+            <a:ext cx="8520600" cy="707400"/>
+          </a:xfrm>
+          <a:prstGeom prst="rect">
+            <a:avLst/>
+          </a:prstGeom>
+        </p:spPr>
+        <p:txBody>
+          <a:bodyPr spcFirstLastPara="1" wrap="square" lIns="91425" tIns="91425" rIns="91425" bIns="91425" anchor="t" anchorCtr="0">
+            <a:normAutofit/>
+          </a:bodyPr>
+          <a:lstStyle/>
+          <a:p>
+            <a:pPr marL="0" lvl="0" indent="0" algn="l" rtl="0">
+              <a:spcBef>
+                <a:spcPts val="0"/>
+              </a:spcBef>
+              <a:spcAft>
+                <a:spcPts val="0"/>
+              </a:spcAft>
+              <a:buSzPts val="990"/>
+              <a:buNone/>
+            </a:pPr>
+            <a:r>
+              <a:rPr lang="en-US" sz="2940"/>
+              <a:t>Multi-Command container</a:t>
+            </a:r>
+            <a:endParaRPr lang="en-US" sz="2940" b="0">
+              <a:solidFill>
+                <a:srgbClr val="3D85C6"/>
+              </a:solidFill>
+            </a:endParaRPr>
+          </a:p>
+        </p:txBody>
+      </p:sp>
+      <p:sp>
+        <p:nvSpPr>
+          <p:cNvPr id="79" name="Google Shape;79;p15"/>
+          <p:cNvSpPr txBox="1"/>
+          <p:nvPr>
+            <p:ph type="body" idx="1"/>
+          </p:nvPr>
+        </p:nvSpPr>
+        <p:spPr>
+          <a:xfrm>
+            <a:off x="311785" y="831850"/>
+            <a:ext cx="8268970" cy="3736975"/>
+          </a:xfrm>
+          <a:prstGeom prst="rect">
+            <a:avLst/>
+          </a:prstGeom>
+        </p:spPr>
+        <p:txBody>
+          <a:bodyPr spcFirstLastPara="1" wrap="square" lIns="91425" tIns="91425" rIns="91425" bIns="91425" anchor="t" anchorCtr="0">
+            <a:normAutofit lnSpcReduction="10000"/>
+          </a:bodyPr>
+          <a:p>
+            <a:pPr marL="457200" lvl="0" indent="-342900" algn="l" rtl="0">
+              <a:spcBef>
+                <a:spcPts val="0"/>
+              </a:spcBef>
+              <a:spcAft>
+                <a:spcPts val="0"/>
+              </a:spcAft>
+              <a:buSzPts val="1800"/>
+              <a:buChar char="+"/>
+            </a:pPr>
+            <a:r>
+              <a:rPr lang="en-US" altLang="en-GB" b="1">
+                <a:sym typeface="+mn-ea"/>
+              </a:rPr>
+              <a:t>First, Settup redis on docker</a:t>
+            </a:r>
+            <a:endParaRPr lang="en-US" altLang="en-GB" b="1">
+              <a:sym typeface="+mn-ea"/>
+            </a:endParaRPr>
+          </a:p>
+          <a:p>
+            <a:pPr marL="114300" lvl="0" indent="0" algn="l" rtl="0">
+              <a:spcBef>
+                <a:spcPts val="0"/>
+              </a:spcBef>
+              <a:spcAft>
+                <a:spcPts val="0"/>
+              </a:spcAft>
+              <a:buSzPts val="1800"/>
+              <a:buNone/>
+            </a:pPr>
+            <a:r>
+              <a:rPr lang="en-US" altLang="en-GB" b="1">
+                <a:sym typeface="+mn-ea"/>
+              </a:rPr>
+              <a:t>&gt;&gt; docker run redis</a:t>
+            </a:r>
+            <a:endParaRPr lang="en-US" b="1">
+              <a:solidFill>
+                <a:srgbClr val="B45F06"/>
+              </a:solidFill>
+            </a:endParaRPr>
+          </a:p>
+        </p:txBody>
+      </p:sp>
+      <p:pic>
+        <p:nvPicPr>
+          <p:cNvPr id="2" name="Picture 1"/>
+          <p:cNvPicPr>
+            <a:picLocks noChangeAspect="1"/>
+          </p:cNvPicPr>
+          <p:nvPr/>
+        </p:nvPicPr>
+        <p:blipFill>
+          <a:blip r:embed="rId1"/>
+          <a:stretch>
+            <a:fillRect/>
+          </a:stretch>
+        </p:blipFill>
+        <p:spPr>
+          <a:xfrm>
+            <a:off x="976630" y="1978660"/>
+            <a:ext cx="6939280" cy="2514600"/>
+          </a:xfrm>
+          <a:prstGeom prst="rect">
+            <a:avLst/>
+          </a:prstGeom>
+        </p:spPr>
+      </p:pic>
+    </p:spTree>
+  </p:cSld>
+  <p:clrMapOvr>
+    <a:masterClrMapping/>
+  </p:clrMapOvr>
+</p:sld>
+</file>
+
+<file path=ppt/slides/slide58.xml><?xml version="1.0" encoding="utf-8"?>
+<p:sld xmlns:a="http://schemas.openxmlformats.org/drawingml/2006/main" xmlns:r="http://schemas.openxmlformats.org/officeDocument/2006/relationships" xmlns:p="http://schemas.openxmlformats.org/presentationml/2006/main">
+  <p:cSld>
+    <p:spTree>
+      <p:nvGrpSpPr>
+        <p:cNvPr id="77" name="Shape 77"/>
+        <p:cNvGrpSpPr/>
+        <p:nvPr/>
+      </p:nvGrpSpPr>
+      <p:grpSpPr>
+        <a:xfrm>
+          <a:off x="0" y="0"/>
+          <a:ext cx="0" cy="0"/>
+          <a:chOff x="0" y="0"/>
+          <a:chExt cx="0" cy="0"/>
+        </a:xfrm>
+      </p:grpSpPr>
+      <p:sp>
+        <p:nvSpPr>
+          <p:cNvPr id="78" name="Google Shape;78;p15"/>
+          <p:cNvSpPr txBox="1"/>
+          <p:nvPr>
+            <p:ph type="title"/>
+          </p:nvPr>
+        </p:nvSpPr>
+        <p:spPr>
+          <a:xfrm>
+            <a:off x="311700" y="123715"/>
+            <a:ext cx="8520600" cy="707400"/>
+          </a:xfrm>
+          <a:prstGeom prst="rect">
+            <a:avLst/>
+          </a:prstGeom>
+        </p:spPr>
+        <p:txBody>
+          <a:bodyPr spcFirstLastPara="1" wrap="square" lIns="91425" tIns="91425" rIns="91425" bIns="91425" anchor="t" anchorCtr="0">
+            <a:normAutofit/>
+          </a:bodyPr>
+          <a:lstStyle/>
+          <a:p>
+            <a:pPr marL="0" lvl="0" indent="0" algn="l" rtl="0">
+              <a:spcBef>
+                <a:spcPts val="0"/>
+              </a:spcBef>
+              <a:spcAft>
+                <a:spcPts val="0"/>
+              </a:spcAft>
+              <a:buSzPts val="990"/>
+              <a:buNone/>
+            </a:pPr>
+            <a:r>
+              <a:rPr lang="en-US" sz="2940"/>
+              <a:t>Multi-Command Container</a:t>
+            </a:r>
+            <a:endParaRPr lang="en-US" sz="2940" b="0">
+              <a:solidFill>
+                <a:srgbClr val="3D85C6"/>
+              </a:solidFill>
+            </a:endParaRPr>
+          </a:p>
+        </p:txBody>
+      </p:sp>
+      <p:sp>
+        <p:nvSpPr>
+          <p:cNvPr id="79" name="Google Shape;79;p15"/>
+          <p:cNvSpPr txBox="1"/>
+          <p:nvPr>
+            <p:ph type="body" idx="1"/>
+          </p:nvPr>
+        </p:nvSpPr>
+        <p:spPr>
+          <a:xfrm>
+            <a:off x="311785" y="831850"/>
+            <a:ext cx="4762500" cy="2052955"/>
+          </a:xfrm>
+          <a:prstGeom prst="rect">
+            <a:avLst/>
+          </a:prstGeom>
+        </p:spPr>
+        <p:txBody>
+          <a:bodyPr spcFirstLastPara="1" wrap="square" lIns="91425" tIns="91425" rIns="91425" bIns="91425" anchor="t" anchorCtr="0">
+            <a:normAutofit lnSpcReduction="10000"/>
+          </a:bodyPr>
+          <a:p>
+            <a:pPr marL="457200" lvl="0" indent="-342900" algn="l" rtl="0">
+              <a:spcBef>
+                <a:spcPts val="0"/>
+              </a:spcBef>
+              <a:spcAft>
+                <a:spcPts val="0"/>
+              </a:spcAft>
+              <a:buSzPts val="1800"/>
+              <a:buChar char="+"/>
+            </a:pPr>
+            <a:r>
+              <a:rPr lang="en-US" altLang="en-GB" b="1">
+                <a:sym typeface="+mn-ea"/>
+              </a:rPr>
+              <a:t>try to run redis-cli but it’s not working because the command run outside the container</a:t>
+            </a:r>
+            <a:endParaRPr lang="en-US" altLang="en-GB" b="1">
+              <a:sym typeface="+mn-ea"/>
+            </a:endParaRPr>
+          </a:p>
+          <a:p>
+            <a:pPr marL="114300" lvl="0" indent="0" algn="l" rtl="0">
+              <a:spcBef>
+                <a:spcPts val="0"/>
+              </a:spcBef>
+              <a:spcAft>
+                <a:spcPts val="0"/>
+              </a:spcAft>
+              <a:buSzPts val="1800"/>
+              <a:buNone/>
+            </a:pPr>
+            <a:endParaRPr lang="en-US" b="1">
+              <a:solidFill>
+                <a:srgbClr val="B45F06"/>
+              </a:solidFill>
+            </a:endParaRPr>
+          </a:p>
+        </p:txBody>
+      </p:sp>
+      <p:pic>
+        <p:nvPicPr>
+          <p:cNvPr id="2" name="Picture 1"/>
+          <p:cNvPicPr>
+            <a:picLocks noChangeAspect="1"/>
+          </p:cNvPicPr>
+          <p:nvPr/>
+        </p:nvPicPr>
+        <p:blipFill>
+          <a:blip r:embed="rId1"/>
+          <a:stretch>
+            <a:fillRect/>
+          </a:stretch>
+        </p:blipFill>
+        <p:spPr>
+          <a:xfrm>
+            <a:off x="375920" y="2404110"/>
+            <a:ext cx="4502150" cy="891540"/>
+          </a:xfrm>
+          <a:prstGeom prst="rect">
+            <a:avLst/>
+          </a:prstGeom>
+        </p:spPr>
+      </p:pic>
+      <p:pic>
+        <p:nvPicPr>
+          <p:cNvPr id="3" name="Picture 2"/>
+          <p:cNvPicPr>
+            <a:picLocks noChangeAspect="1"/>
+          </p:cNvPicPr>
+          <p:nvPr/>
+        </p:nvPicPr>
+        <p:blipFill>
+          <a:blip r:embed="rId2"/>
+          <a:stretch>
+            <a:fillRect/>
+          </a:stretch>
+        </p:blipFill>
+        <p:spPr>
+          <a:xfrm>
+            <a:off x="5126355" y="831215"/>
+            <a:ext cx="3705860" cy="3350260"/>
+          </a:xfrm>
+          <a:prstGeom prst="rect">
+            <a:avLst/>
+          </a:prstGeom>
+        </p:spPr>
+      </p:pic>
+    </p:spTree>
+  </p:cSld>
+  <p:clrMapOvr>
+    <a:masterClrMapping/>
+  </p:clrMapOvr>
+</p:sld>
+</file>
+
+<file path=ppt/slides/slide59.xml><?xml version="1.0" encoding="utf-8"?>
+<p:sld xmlns:a="http://schemas.openxmlformats.org/drawingml/2006/main" xmlns:r="http://schemas.openxmlformats.org/officeDocument/2006/relationships" xmlns:p="http://schemas.openxmlformats.org/presentationml/2006/main">
+  <p:cSld>
+    <p:spTree>
+      <p:nvGrpSpPr>
+        <p:cNvPr id="77" name="Shape 77"/>
+        <p:cNvGrpSpPr/>
+        <p:nvPr/>
+      </p:nvGrpSpPr>
+      <p:grpSpPr>
+        <a:xfrm>
+          <a:off x="0" y="0"/>
+          <a:ext cx="0" cy="0"/>
+          <a:chOff x="0" y="0"/>
+          <a:chExt cx="0" cy="0"/>
+        </a:xfrm>
+      </p:grpSpPr>
+      <p:sp>
+        <p:nvSpPr>
+          <p:cNvPr id="78" name="Google Shape;78;p15"/>
+          <p:cNvSpPr txBox="1"/>
+          <p:nvPr>
+            <p:ph type="title"/>
+          </p:nvPr>
+        </p:nvSpPr>
+        <p:spPr>
+          <a:xfrm>
+            <a:off x="311700" y="123715"/>
+            <a:ext cx="8520600" cy="707400"/>
+          </a:xfrm>
+          <a:prstGeom prst="rect">
+            <a:avLst/>
+          </a:prstGeom>
+        </p:spPr>
+        <p:txBody>
+          <a:bodyPr spcFirstLastPara="1" wrap="square" lIns="91425" tIns="91425" rIns="91425" bIns="91425" anchor="t" anchorCtr="0">
+            <a:normAutofit/>
+          </a:bodyPr>
+          <a:lstStyle/>
+          <a:p>
+            <a:pPr marL="0" lvl="0" indent="0" algn="l" rtl="0">
+              <a:spcBef>
+                <a:spcPts val="0"/>
+              </a:spcBef>
+              <a:spcAft>
+                <a:spcPts val="0"/>
+              </a:spcAft>
+              <a:buSzPts val="990"/>
+              <a:buNone/>
+            </a:pPr>
+            <a:r>
+              <a:rPr lang="en-US" sz="2940"/>
+              <a:t>Multi-Command Container</a:t>
+            </a:r>
+            <a:endParaRPr lang="en-US" sz="2940" b="0">
+              <a:solidFill>
+                <a:srgbClr val="3D85C6"/>
+              </a:solidFill>
+            </a:endParaRPr>
+          </a:p>
+        </p:txBody>
+      </p:sp>
+      <p:sp>
+        <p:nvSpPr>
+          <p:cNvPr id="79" name="Google Shape;79;p15"/>
+          <p:cNvSpPr txBox="1"/>
+          <p:nvPr>
+            <p:ph type="body" idx="1"/>
+          </p:nvPr>
+        </p:nvSpPr>
+        <p:spPr>
+          <a:xfrm>
+            <a:off x="311785" y="831850"/>
+            <a:ext cx="4762500" cy="2052955"/>
+          </a:xfrm>
+          <a:prstGeom prst="rect">
+            <a:avLst/>
+          </a:prstGeom>
+        </p:spPr>
+        <p:txBody>
+          <a:bodyPr spcFirstLastPara="1" wrap="square" lIns="91425" tIns="91425" rIns="91425" bIns="91425" anchor="t" anchorCtr="0">
+            <a:normAutofit lnSpcReduction="10000"/>
+          </a:bodyPr>
+          <a:p>
+            <a:pPr marL="114300" lvl="0" indent="0" algn="l" rtl="0">
+              <a:spcBef>
+                <a:spcPts val="0"/>
+              </a:spcBef>
+              <a:spcAft>
+                <a:spcPts val="0"/>
+              </a:spcAft>
+              <a:buSzPts val="1800"/>
+              <a:buNone/>
+            </a:pPr>
+            <a:endParaRPr lang="en-US" b="1">
+              <a:solidFill>
+                <a:srgbClr val="B45F06"/>
+              </a:solidFill>
+            </a:endParaRPr>
+          </a:p>
+        </p:txBody>
+      </p:sp>
+      <p:pic>
+        <p:nvPicPr>
+          <p:cNvPr id="2" name="Picture 1"/>
+          <p:cNvPicPr>
+            <a:picLocks noChangeAspect="1"/>
+          </p:cNvPicPr>
+          <p:nvPr/>
+        </p:nvPicPr>
+        <p:blipFill>
+          <a:blip r:embed="rId1"/>
+          <a:stretch>
+            <a:fillRect/>
+          </a:stretch>
+        </p:blipFill>
+        <p:spPr>
+          <a:xfrm>
+            <a:off x="5549265" y="751205"/>
+            <a:ext cx="3282950" cy="3458845"/>
+          </a:xfrm>
+          <a:prstGeom prst="rect">
+            <a:avLst/>
+          </a:prstGeom>
+        </p:spPr>
+      </p:pic>
+      <p:pic>
+        <p:nvPicPr>
+          <p:cNvPr id="4" name="Picture 3"/>
+          <p:cNvPicPr>
+            <a:picLocks noChangeAspect="1"/>
+          </p:cNvPicPr>
+          <p:nvPr/>
+        </p:nvPicPr>
+        <p:blipFill>
+          <a:blip r:embed="rId2"/>
+          <a:stretch>
+            <a:fillRect/>
+          </a:stretch>
+        </p:blipFill>
+        <p:spPr>
+          <a:xfrm>
+            <a:off x="495935" y="899795"/>
+            <a:ext cx="4972685" cy="1285875"/>
+          </a:xfrm>
+          <a:prstGeom prst="rect">
+            <a:avLst/>
+          </a:prstGeom>
+        </p:spPr>
+      </p:pic>
+      <p:pic>
+        <p:nvPicPr>
+          <p:cNvPr id="6" name="Picture 5"/>
+          <p:cNvPicPr>
+            <a:picLocks noChangeAspect="1"/>
+          </p:cNvPicPr>
+          <p:nvPr/>
+        </p:nvPicPr>
+        <p:blipFill>
+          <a:blip r:embed="rId3"/>
+          <a:stretch>
+            <a:fillRect/>
+          </a:stretch>
+        </p:blipFill>
+        <p:spPr>
+          <a:xfrm>
+            <a:off x="486410" y="2447925"/>
+            <a:ext cx="4982210" cy="1578610"/>
+          </a:xfrm>
+          <a:prstGeom prst="rect">
+            <a:avLst/>
+          </a:prstGeom>
+        </p:spPr>
+      </p:pic>
     </p:spTree>
   </p:cSld>
   <p:clrMapOvr>
@@ -20162,6 +22205,1057 @@
           </a:prstGeom>
         </p:spPr>
       </p:pic>
+    </p:spTree>
+  </p:cSld>
+  <p:clrMapOvr>
+    <a:masterClrMapping/>
+  </p:clrMapOvr>
+</p:sld>
+</file>
+
+<file path=ppt/slides/slide60.xml><?xml version="1.0" encoding="utf-8"?>
+<p:sld xmlns:a="http://schemas.openxmlformats.org/drawingml/2006/main" xmlns:r="http://schemas.openxmlformats.org/officeDocument/2006/relationships" xmlns:p="http://schemas.openxmlformats.org/presentationml/2006/main">
+  <p:cSld>
+    <p:spTree>
+      <p:nvGrpSpPr>
+        <p:cNvPr id="77" name="Shape 77"/>
+        <p:cNvGrpSpPr/>
+        <p:nvPr/>
+      </p:nvGrpSpPr>
+      <p:grpSpPr>
+        <a:xfrm>
+          <a:off x="0" y="0"/>
+          <a:ext cx="0" cy="0"/>
+          <a:chOff x="0" y="0"/>
+          <a:chExt cx="0" cy="0"/>
+        </a:xfrm>
+      </p:grpSpPr>
+      <p:sp>
+        <p:nvSpPr>
+          <p:cNvPr id="78" name="Google Shape;78;p15"/>
+          <p:cNvSpPr txBox="1"/>
+          <p:nvPr>
+            <p:ph type="title"/>
+          </p:nvPr>
+        </p:nvSpPr>
+        <p:spPr>
+          <a:xfrm>
+            <a:off x="311700" y="123715"/>
+            <a:ext cx="8520600" cy="707400"/>
+          </a:xfrm>
+          <a:prstGeom prst="rect">
+            <a:avLst/>
+          </a:prstGeom>
+        </p:spPr>
+        <p:txBody>
+          <a:bodyPr spcFirstLastPara="1" wrap="square" lIns="91425" tIns="91425" rIns="91425" bIns="91425" anchor="t" anchorCtr="0">
+            <a:normAutofit/>
+          </a:bodyPr>
+          <a:lstStyle/>
+          <a:p>
+            <a:pPr marL="0" lvl="0" indent="0" algn="l" rtl="0">
+              <a:spcBef>
+                <a:spcPts val="0"/>
+              </a:spcBef>
+              <a:spcAft>
+                <a:spcPts val="0"/>
+              </a:spcAft>
+              <a:buSzPts val="990"/>
+              <a:buNone/>
+            </a:pPr>
+            <a:r>
+              <a:rPr lang="en-US" sz="2940"/>
+              <a:t>The purpose of the “IT” flag</a:t>
+            </a:r>
+            <a:endParaRPr lang="en-US" sz="2940" b="0">
+              <a:solidFill>
+                <a:srgbClr val="3D85C6"/>
+              </a:solidFill>
+            </a:endParaRPr>
+          </a:p>
+        </p:txBody>
+      </p:sp>
+      <p:sp>
+        <p:nvSpPr>
+          <p:cNvPr id="79" name="Google Shape;79;p15"/>
+          <p:cNvSpPr txBox="1"/>
+          <p:nvPr>
+            <p:ph type="body" idx="1"/>
+          </p:nvPr>
+        </p:nvSpPr>
+        <p:spPr>
+          <a:xfrm>
+            <a:off x="311785" y="831850"/>
+            <a:ext cx="4762500" cy="2052955"/>
+          </a:xfrm>
+          <a:prstGeom prst="rect">
+            <a:avLst/>
+          </a:prstGeom>
+        </p:spPr>
+        <p:txBody>
+          <a:bodyPr spcFirstLastPara="1" wrap="square" lIns="91425" tIns="91425" rIns="91425" bIns="91425" anchor="t" anchorCtr="0">
+            <a:normAutofit lnSpcReduction="10000"/>
+          </a:bodyPr>
+          <a:p>
+            <a:pPr marL="457200" lvl="0" indent="-342900" algn="l" rtl="0">
+              <a:spcBef>
+                <a:spcPts val="0"/>
+              </a:spcBef>
+              <a:spcAft>
+                <a:spcPts val="0"/>
+              </a:spcAft>
+              <a:buSzPts val="1800"/>
+              <a:buChar char="+"/>
+            </a:pPr>
+            <a:r>
+              <a:rPr lang="en-US" altLang="en-GB" b="1">
+                <a:sym typeface="+mn-ea"/>
+              </a:rPr>
+              <a:t>try to run redis-cli but it’s not working because the command run outside the container</a:t>
+            </a:r>
+            <a:endParaRPr lang="en-US" altLang="en-GB" b="1">
+              <a:sym typeface="+mn-ea"/>
+            </a:endParaRPr>
+          </a:p>
+          <a:p>
+            <a:pPr marL="114300" lvl="0" indent="0" algn="l" rtl="0">
+              <a:spcBef>
+                <a:spcPts val="0"/>
+              </a:spcBef>
+              <a:spcAft>
+                <a:spcPts val="0"/>
+              </a:spcAft>
+              <a:buSzPts val="1800"/>
+              <a:buNone/>
+            </a:pPr>
+            <a:endParaRPr lang="en-US" b="1">
+              <a:solidFill>
+                <a:srgbClr val="B45F06"/>
+              </a:solidFill>
+            </a:endParaRPr>
+          </a:p>
+        </p:txBody>
+      </p:sp>
+      <p:pic>
+        <p:nvPicPr>
+          <p:cNvPr id="2" name="Picture 1"/>
+          <p:cNvPicPr>
+            <a:picLocks noChangeAspect="1"/>
+          </p:cNvPicPr>
+          <p:nvPr/>
+        </p:nvPicPr>
+        <p:blipFill>
+          <a:blip r:embed="rId1"/>
+          <a:stretch>
+            <a:fillRect/>
+          </a:stretch>
+        </p:blipFill>
+        <p:spPr>
+          <a:xfrm>
+            <a:off x="375920" y="2404110"/>
+            <a:ext cx="4502150" cy="891540"/>
+          </a:xfrm>
+          <a:prstGeom prst="rect">
+            <a:avLst/>
+          </a:prstGeom>
+        </p:spPr>
+      </p:pic>
+      <p:pic>
+        <p:nvPicPr>
+          <p:cNvPr id="3" name="Picture 2"/>
+          <p:cNvPicPr>
+            <a:picLocks noChangeAspect="1"/>
+          </p:cNvPicPr>
+          <p:nvPr/>
+        </p:nvPicPr>
+        <p:blipFill>
+          <a:blip r:embed="rId2"/>
+          <a:stretch>
+            <a:fillRect/>
+          </a:stretch>
+        </p:blipFill>
+        <p:spPr>
+          <a:xfrm>
+            <a:off x="5126355" y="831215"/>
+            <a:ext cx="3705860" cy="3350260"/>
+          </a:xfrm>
+          <a:prstGeom prst="rect">
+            <a:avLst/>
+          </a:prstGeom>
+        </p:spPr>
+      </p:pic>
+    </p:spTree>
+  </p:cSld>
+  <p:clrMapOvr>
+    <a:masterClrMapping/>
+  </p:clrMapOvr>
+</p:sld>
+</file>
+
+<file path=ppt/slides/slide61.xml><?xml version="1.0" encoding="utf-8"?>
+<p:sld xmlns:a="http://schemas.openxmlformats.org/drawingml/2006/main" xmlns:r="http://schemas.openxmlformats.org/officeDocument/2006/relationships" xmlns:p="http://schemas.openxmlformats.org/presentationml/2006/main">
+  <p:cSld>
+    <p:spTree>
+      <p:nvGrpSpPr>
+        <p:cNvPr id="77" name="Shape 77"/>
+        <p:cNvGrpSpPr/>
+        <p:nvPr/>
+      </p:nvGrpSpPr>
+      <p:grpSpPr>
+        <a:xfrm>
+          <a:off x="0" y="0"/>
+          <a:ext cx="0" cy="0"/>
+          <a:chOff x="0" y="0"/>
+          <a:chExt cx="0" cy="0"/>
+        </a:xfrm>
+      </p:grpSpPr>
+      <p:sp>
+        <p:nvSpPr>
+          <p:cNvPr id="78" name="Google Shape;78;p15"/>
+          <p:cNvSpPr txBox="1"/>
+          <p:nvPr>
+            <p:ph type="title"/>
+          </p:nvPr>
+        </p:nvSpPr>
+        <p:spPr>
+          <a:xfrm>
+            <a:off x="311700" y="123715"/>
+            <a:ext cx="8520600" cy="707400"/>
+          </a:xfrm>
+          <a:prstGeom prst="rect">
+            <a:avLst/>
+          </a:prstGeom>
+        </p:spPr>
+        <p:txBody>
+          <a:bodyPr spcFirstLastPara="1" wrap="square" lIns="91425" tIns="91425" rIns="91425" bIns="91425" anchor="t" anchorCtr="0">
+            <a:normAutofit/>
+          </a:bodyPr>
+          <a:lstStyle/>
+          <a:p>
+            <a:pPr marL="0" lvl="0" indent="0" algn="l" rtl="0">
+              <a:spcBef>
+                <a:spcPts val="0"/>
+              </a:spcBef>
+              <a:spcAft>
+                <a:spcPts val="0"/>
+              </a:spcAft>
+              <a:buSzPts val="990"/>
+              <a:buNone/>
+            </a:pPr>
+            <a:r>
+              <a:rPr lang="en-US" sz="2940"/>
+              <a:t>The purpose of the “IT” flag</a:t>
+            </a:r>
+            <a:endParaRPr lang="en-US" sz="2940" b="0">
+              <a:solidFill>
+                <a:srgbClr val="3D85C6"/>
+              </a:solidFill>
+            </a:endParaRPr>
+          </a:p>
+        </p:txBody>
+      </p:sp>
+      <p:sp>
+        <p:nvSpPr>
+          <p:cNvPr id="79" name="Google Shape;79;p15"/>
+          <p:cNvSpPr txBox="1"/>
+          <p:nvPr>
+            <p:ph type="body" idx="1"/>
+          </p:nvPr>
+        </p:nvSpPr>
+        <p:spPr>
+          <a:xfrm>
+            <a:off x="311785" y="831850"/>
+            <a:ext cx="5139055" cy="1371600"/>
+          </a:xfrm>
+          <a:prstGeom prst="rect">
+            <a:avLst/>
+          </a:prstGeom>
+        </p:spPr>
+        <p:txBody>
+          <a:bodyPr spcFirstLastPara="1" wrap="square" lIns="91425" tIns="91425" rIns="91425" bIns="91425" anchor="t" anchorCtr="0">
+            <a:normAutofit lnSpcReduction="10000"/>
+          </a:bodyPr>
+          <a:p>
+            <a:pPr marL="457200" lvl="0" indent="-342900" algn="l" rtl="0">
+              <a:spcBef>
+                <a:spcPts val="0"/>
+              </a:spcBef>
+              <a:spcAft>
+                <a:spcPts val="0"/>
+              </a:spcAft>
+              <a:buSzPts val="1800"/>
+              <a:buChar char="+"/>
+            </a:pPr>
+            <a:r>
+              <a:rPr lang="en-US" altLang="en-GB" b="1">
+                <a:sym typeface="+mn-ea"/>
+              </a:rPr>
+              <a:t>-i: make sure that any stuff that you type gets direct to STDIN</a:t>
+            </a:r>
+            <a:endParaRPr lang="en-US" altLang="en-GB" b="1">
+              <a:sym typeface="+mn-ea"/>
+            </a:endParaRPr>
+          </a:p>
+          <a:p>
+            <a:pPr marL="457200" lvl="0" indent="-342900" algn="l" rtl="0">
+              <a:spcBef>
+                <a:spcPts val="0"/>
+              </a:spcBef>
+              <a:spcAft>
+                <a:spcPts val="0"/>
+              </a:spcAft>
+              <a:buSzPts val="1800"/>
+              <a:buChar char="+"/>
+            </a:pPr>
+            <a:r>
+              <a:rPr lang="en-US" altLang="en-GB" b="1">
+                <a:sym typeface="+mn-ea"/>
+              </a:rPr>
+              <a:t>-t: help to show up the result pretty </a:t>
+            </a:r>
+            <a:endParaRPr lang="en-US" b="1">
+              <a:solidFill>
+                <a:srgbClr val="B45F06"/>
+              </a:solidFill>
+            </a:endParaRPr>
+          </a:p>
+        </p:txBody>
+      </p:sp>
+      <p:pic>
+        <p:nvPicPr>
+          <p:cNvPr id="2" name="Picture 1"/>
+          <p:cNvPicPr>
+            <a:picLocks noChangeAspect="1"/>
+          </p:cNvPicPr>
+          <p:nvPr/>
+        </p:nvPicPr>
+        <p:blipFill>
+          <a:blip r:embed="rId1"/>
+          <a:stretch>
+            <a:fillRect/>
+          </a:stretch>
+        </p:blipFill>
+        <p:spPr>
+          <a:xfrm>
+            <a:off x="5523230" y="1506855"/>
+            <a:ext cx="3381375" cy="2924175"/>
+          </a:xfrm>
+          <a:prstGeom prst="rect">
+            <a:avLst/>
+          </a:prstGeom>
+        </p:spPr>
+      </p:pic>
+      <p:pic>
+        <p:nvPicPr>
+          <p:cNvPr id="4" name="Picture 3"/>
+          <p:cNvPicPr>
+            <a:picLocks noChangeAspect="1"/>
+          </p:cNvPicPr>
+          <p:nvPr/>
+        </p:nvPicPr>
+        <p:blipFill>
+          <a:blip r:embed="rId2"/>
+          <a:stretch>
+            <a:fillRect/>
+          </a:stretch>
+        </p:blipFill>
+        <p:spPr>
+          <a:xfrm>
+            <a:off x="409575" y="2204085"/>
+            <a:ext cx="5113655" cy="2226945"/>
+          </a:xfrm>
+          <a:prstGeom prst="rect">
+            <a:avLst/>
+          </a:prstGeom>
+        </p:spPr>
+      </p:pic>
+    </p:spTree>
+  </p:cSld>
+  <p:clrMapOvr>
+    <a:masterClrMapping/>
+  </p:clrMapOvr>
+</p:sld>
+</file>
+
+<file path=ppt/slides/slide62.xml><?xml version="1.0" encoding="utf-8"?>
+<p:sld xmlns:a="http://schemas.openxmlformats.org/drawingml/2006/main" xmlns:r="http://schemas.openxmlformats.org/officeDocument/2006/relationships" xmlns:p="http://schemas.openxmlformats.org/presentationml/2006/main">
+  <p:cSld>
+    <p:spTree>
+      <p:nvGrpSpPr>
+        <p:cNvPr id="77" name="Shape 77"/>
+        <p:cNvGrpSpPr/>
+        <p:nvPr/>
+      </p:nvGrpSpPr>
+      <p:grpSpPr>
+        <a:xfrm>
+          <a:off x="0" y="0"/>
+          <a:ext cx="0" cy="0"/>
+          <a:chOff x="0" y="0"/>
+          <a:chExt cx="0" cy="0"/>
+        </a:xfrm>
+      </p:grpSpPr>
+      <p:sp>
+        <p:nvSpPr>
+          <p:cNvPr id="78" name="Google Shape;78;p15"/>
+          <p:cNvSpPr txBox="1"/>
+          <p:nvPr>
+            <p:ph type="title"/>
+          </p:nvPr>
+        </p:nvSpPr>
+        <p:spPr>
+          <a:xfrm>
+            <a:off x="311700" y="123715"/>
+            <a:ext cx="8520600" cy="707400"/>
+          </a:xfrm>
+          <a:prstGeom prst="rect">
+            <a:avLst/>
+          </a:prstGeom>
+        </p:spPr>
+        <p:txBody>
+          <a:bodyPr spcFirstLastPara="1" wrap="square" lIns="91425" tIns="91425" rIns="91425" bIns="91425" anchor="t" anchorCtr="0">
+            <a:normAutofit/>
+          </a:bodyPr>
+          <a:lstStyle/>
+          <a:p>
+            <a:pPr marL="0" lvl="0" indent="0" algn="l" rtl="0">
+              <a:spcBef>
+                <a:spcPts val="0"/>
+              </a:spcBef>
+              <a:spcAft>
+                <a:spcPts val="0"/>
+              </a:spcAft>
+              <a:buSzPts val="990"/>
+              <a:buNone/>
+            </a:pPr>
+            <a:r>
+              <a:rPr lang="en-US" sz="2940"/>
+              <a:t>Getting a Command Prompt in a Container</a:t>
+            </a:r>
+            <a:endParaRPr lang="en-US" sz="2940" b="0">
+              <a:solidFill>
+                <a:srgbClr val="3D85C6"/>
+              </a:solidFill>
+            </a:endParaRPr>
+          </a:p>
+        </p:txBody>
+      </p:sp>
+      <p:sp>
+        <p:nvSpPr>
+          <p:cNvPr id="79" name="Google Shape;79;p15"/>
+          <p:cNvSpPr txBox="1"/>
+          <p:nvPr>
+            <p:ph type="body" idx="1"/>
+          </p:nvPr>
+        </p:nvSpPr>
+        <p:spPr>
+          <a:xfrm>
+            <a:off x="311785" y="831850"/>
+            <a:ext cx="8520430" cy="2052955"/>
+          </a:xfrm>
+          <a:prstGeom prst="rect">
+            <a:avLst/>
+          </a:prstGeom>
+        </p:spPr>
+        <p:txBody>
+          <a:bodyPr spcFirstLastPara="1" wrap="square" lIns="91425" tIns="91425" rIns="91425" bIns="91425" anchor="t" anchorCtr="0">
+            <a:normAutofit lnSpcReduction="10000"/>
+          </a:bodyPr>
+          <a:p>
+            <a:pPr marL="114300" lvl="0" indent="0" algn="l" rtl="0">
+              <a:spcBef>
+                <a:spcPts val="0"/>
+              </a:spcBef>
+              <a:spcAft>
+                <a:spcPts val="0"/>
+              </a:spcAft>
+              <a:buSzPts val="1800"/>
+              <a:buNone/>
+            </a:pPr>
+            <a:r>
+              <a:rPr lang="en-US" altLang="en-GB" b="1">
+                <a:sym typeface="+mn-ea"/>
+              </a:rPr>
+              <a:t>&gt;&gt; docker exec -it &lt;container_id&gt; sh</a:t>
+            </a:r>
+            <a:endParaRPr lang="en-US" altLang="en-GB" b="1">
+              <a:sym typeface="+mn-ea"/>
+            </a:endParaRPr>
+          </a:p>
+          <a:p>
+            <a:pPr marL="457200" lvl="0" indent="-342900" algn="l" rtl="0">
+              <a:spcBef>
+                <a:spcPts val="0"/>
+              </a:spcBef>
+              <a:spcAft>
+                <a:spcPts val="0"/>
+              </a:spcAft>
+              <a:buSzPts val="1800"/>
+              <a:buChar char="+"/>
+            </a:pPr>
+            <a:r>
+              <a:rPr lang="en-US" altLang="en-GB" b="1">
+                <a:sym typeface="+mn-ea"/>
+              </a:rPr>
+              <a:t>open a Command Prompt to execute some command</a:t>
+            </a:r>
+            <a:endParaRPr lang="en-US" b="1">
+              <a:solidFill>
+                <a:srgbClr val="B45F06"/>
+              </a:solidFill>
+            </a:endParaRPr>
+          </a:p>
+        </p:txBody>
+      </p:sp>
+      <p:pic>
+        <p:nvPicPr>
+          <p:cNvPr id="2" name="Picture 1"/>
+          <p:cNvPicPr>
+            <a:picLocks noChangeAspect="1"/>
+          </p:cNvPicPr>
+          <p:nvPr/>
+        </p:nvPicPr>
+        <p:blipFill>
+          <a:blip r:embed="rId1"/>
+          <a:stretch>
+            <a:fillRect/>
+          </a:stretch>
+        </p:blipFill>
+        <p:spPr>
+          <a:xfrm>
+            <a:off x="1980565" y="2148840"/>
+            <a:ext cx="4569460" cy="2492375"/>
+          </a:xfrm>
+          <a:prstGeom prst="rect">
+            <a:avLst/>
+          </a:prstGeom>
+        </p:spPr>
+      </p:pic>
+    </p:spTree>
+  </p:cSld>
+  <p:clrMapOvr>
+    <a:masterClrMapping/>
+  </p:clrMapOvr>
+</p:sld>
+</file>
+
+<file path=ppt/slides/slide63.xml><?xml version="1.0" encoding="utf-8"?>
+<p:sld xmlns:a="http://schemas.openxmlformats.org/drawingml/2006/main" xmlns:r="http://schemas.openxmlformats.org/officeDocument/2006/relationships" xmlns:p="http://schemas.openxmlformats.org/presentationml/2006/main">
+  <p:cSld>
+    <p:spTree>
+      <p:nvGrpSpPr>
+        <p:cNvPr id="77" name="Shape 77"/>
+        <p:cNvGrpSpPr/>
+        <p:nvPr/>
+      </p:nvGrpSpPr>
+      <p:grpSpPr>
+        <a:xfrm>
+          <a:off x="0" y="0"/>
+          <a:ext cx="0" cy="0"/>
+          <a:chOff x="0" y="0"/>
+          <a:chExt cx="0" cy="0"/>
+        </a:xfrm>
+      </p:grpSpPr>
+      <p:sp>
+        <p:nvSpPr>
+          <p:cNvPr id="78" name="Google Shape;78;p15"/>
+          <p:cNvSpPr txBox="1"/>
+          <p:nvPr>
+            <p:ph type="title"/>
+          </p:nvPr>
+        </p:nvSpPr>
+        <p:spPr>
+          <a:xfrm>
+            <a:off x="311700" y="123715"/>
+            <a:ext cx="8520600" cy="707400"/>
+          </a:xfrm>
+          <a:prstGeom prst="rect">
+            <a:avLst/>
+          </a:prstGeom>
+        </p:spPr>
+        <p:txBody>
+          <a:bodyPr spcFirstLastPara="1" wrap="square" lIns="91425" tIns="91425" rIns="91425" bIns="91425" anchor="t" anchorCtr="0">
+            <a:normAutofit/>
+          </a:bodyPr>
+          <a:lstStyle/>
+          <a:p>
+            <a:pPr marL="0" lvl="0" indent="0" algn="l" rtl="0">
+              <a:spcBef>
+                <a:spcPts val="0"/>
+              </a:spcBef>
+              <a:spcAft>
+                <a:spcPts val="0"/>
+              </a:spcAft>
+              <a:buSzPts val="990"/>
+              <a:buNone/>
+            </a:pPr>
+            <a:r>
+              <a:rPr lang="en-US" sz="2940"/>
+              <a:t>Getting a Command Prompt in a Container</a:t>
+            </a:r>
+            <a:endParaRPr lang="en-US" sz="2940" b="0">
+              <a:solidFill>
+                <a:srgbClr val="3D85C6"/>
+              </a:solidFill>
+            </a:endParaRPr>
+          </a:p>
+        </p:txBody>
+      </p:sp>
+      <p:sp>
+        <p:nvSpPr>
+          <p:cNvPr id="79" name="Google Shape;79;p15"/>
+          <p:cNvSpPr txBox="1"/>
+          <p:nvPr>
+            <p:ph type="body" idx="1"/>
+          </p:nvPr>
+        </p:nvSpPr>
+        <p:spPr>
+          <a:xfrm>
+            <a:off x="311785" y="831850"/>
+            <a:ext cx="8520430" cy="2052955"/>
+          </a:xfrm>
+          <a:prstGeom prst="rect">
+            <a:avLst/>
+          </a:prstGeom>
+        </p:spPr>
+        <p:txBody>
+          <a:bodyPr spcFirstLastPara="1" wrap="square" lIns="91425" tIns="91425" rIns="91425" bIns="91425" anchor="t" anchorCtr="0">
+            <a:normAutofit lnSpcReduction="10000"/>
+          </a:bodyPr>
+          <a:p>
+            <a:pPr marL="114300" lvl="0" indent="0" algn="l" rtl="0">
+              <a:spcBef>
+                <a:spcPts val="0"/>
+              </a:spcBef>
+              <a:spcAft>
+                <a:spcPts val="0"/>
+              </a:spcAft>
+              <a:buSzPts val="1800"/>
+              <a:buNone/>
+            </a:pPr>
+            <a:r>
+              <a:rPr lang="en-US" altLang="en-GB" b="1">
+                <a:sym typeface="+mn-ea"/>
+              </a:rPr>
+              <a:t>&gt;&gt; sh</a:t>
+            </a:r>
+            <a:endParaRPr lang="en-US" altLang="en-GB" b="1">
+              <a:sym typeface="+mn-ea"/>
+            </a:endParaRPr>
+          </a:p>
+          <a:p>
+            <a:pPr marL="457200" lvl="0" indent="-342900" algn="l" rtl="0">
+              <a:spcBef>
+                <a:spcPts val="0"/>
+              </a:spcBef>
+              <a:spcAft>
+                <a:spcPts val="0"/>
+              </a:spcAft>
+              <a:buSzPts val="1800"/>
+              <a:buChar char="+"/>
+            </a:pPr>
+            <a:r>
+              <a:rPr lang="en-US" altLang="en-GB" b="1">
+                <a:sym typeface="+mn-ea"/>
+              </a:rPr>
+              <a:t>Is a name of 	a program and it’s a program that has been executed inside of that container</a:t>
+            </a:r>
+            <a:endParaRPr lang="en-US" altLang="en-GB" b="1">
+              <a:sym typeface="+mn-ea"/>
+            </a:endParaRPr>
+          </a:p>
+          <a:p>
+            <a:pPr marL="457200" lvl="0" indent="-342900" algn="l" rtl="0">
+              <a:spcBef>
+                <a:spcPts val="0"/>
+              </a:spcBef>
+              <a:spcAft>
+                <a:spcPts val="0"/>
+              </a:spcAft>
+              <a:buSzPts val="1800"/>
+              <a:buChar char="+"/>
+            </a:pPr>
+            <a:r>
+              <a:rPr lang="en-US" altLang="en-GB" b="1">
+                <a:sym typeface="+mn-ea"/>
+              </a:rPr>
+              <a:t>Open a Command Prompt to execute some command inside a container</a:t>
+            </a:r>
+            <a:endParaRPr lang="en-US" b="1">
+              <a:solidFill>
+                <a:srgbClr val="B45F06"/>
+              </a:solidFill>
+            </a:endParaRPr>
+          </a:p>
+        </p:txBody>
+      </p:sp>
+      <p:pic>
+        <p:nvPicPr>
+          <p:cNvPr id="3" name="Picture 2"/>
+          <p:cNvPicPr>
+            <a:picLocks noChangeAspect="1"/>
+          </p:cNvPicPr>
+          <p:nvPr/>
+        </p:nvPicPr>
+        <p:blipFill>
+          <a:blip r:embed="rId1"/>
+          <a:stretch>
+            <a:fillRect/>
+          </a:stretch>
+        </p:blipFill>
+        <p:spPr>
+          <a:xfrm>
+            <a:off x="1933575" y="2790190"/>
+            <a:ext cx="5276850" cy="1971675"/>
+          </a:xfrm>
+          <a:prstGeom prst="rect">
+            <a:avLst/>
+          </a:prstGeom>
+        </p:spPr>
+      </p:pic>
+    </p:spTree>
+  </p:cSld>
+  <p:clrMapOvr>
+    <a:masterClrMapping/>
+  </p:clrMapOvr>
+</p:sld>
+</file>
+
+<file path=ppt/slides/slide64.xml><?xml version="1.0" encoding="utf-8"?>
+<p:sld xmlns:a="http://schemas.openxmlformats.org/drawingml/2006/main" xmlns:r="http://schemas.openxmlformats.org/officeDocument/2006/relationships" xmlns:p="http://schemas.openxmlformats.org/presentationml/2006/main">
+  <p:cSld>
+    <p:spTree>
+      <p:nvGrpSpPr>
+        <p:cNvPr id="77" name="Shape 77"/>
+        <p:cNvGrpSpPr/>
+        <p:nvPr/>
+      </p:nvGrpSpPr>
+      <p:grpSpPr>
+        <a:xfrm>
+          <a:off x="0" y="0"/>
+          <a:ext cx="0" cy="0"/>
+          <a:chOff x="0" y="0"/>
+          <a:chExt cx="0" cy="0"/>
+        </a:xfrm>
+      </p:grpSpPr>
+      <p:sp>
+        <p:nvSpPr>
+          <p:cNvPr id="78" name="Google Shape;78;p15"/>
+          <p:cNvSpPr txBox="1"/>
+          <p:nvPr>
+            <p:ph type="title"/>
+          </p:nvPr>
+        </p:nvSpPr>
+        <p:spPr>
+          <a:xfrm>
+            <a:off x="311700" y="123715"/>
+            <a:ext cx="8520600" cy="707400"/>
+          </a:xfrm>
+          <a:prstGeom prst="rect">
+            <a:avLst/>
+          </a:prstGeom>
+        </p:spPr>
+        <p:txBody>
+          <a:bodyPr spcFirstLastPara="1" wrap="square" lIns="91425" tIns="91425" rIns="91425" bIns="91425" anchor="t" anchorCtr="0">
+            <a:normAutofit/>
+          </a:bodyPr>
+          <a:lstStyle/>
+          <a:p>
+            <a:pPr marL="0" lvl="0" indent="0" algn="l" rtl="0">
+              <a:spcBef>
+                <a:spcPts val="0"/>
+              </a:spcBef>
+              <a:spcAft>
+                <a:spcPts val="0"/>
+              </a:spcAft>
+              <a:buSzPts val="990"/>
+              <a:buNone/>
+            </a:pPr>
+            <a:r>
+              <a:rPr lang="en-US" sz="2940"/>
+              <a:t>Starting with a Shell</a:t>
+            </a:r>
+            <a:endParaRPr lang="en-US" sz="2940" b="0">
+              <a:solidFill>
+                <a:srgbClr val="3D85C6"/>
+              </a:solidFill>
+            </a:endParaRPr>
+          </a:p>
+        </p:txBody>
+      </p:sp>
+      <p:sp>
+        <p:nvSpPr>
+          <p:cNvPr id="79" name="Google Shape;79;p15"/>
+          <p:cNvSpPr txBox="1"/>
+          <p:nvPr>
+            <p:ph type="body" idx="1"/>
+          </p:nvPr>
+        </p:nvSpPr>
+        <p:spPr>
+          <a:xfrm>
+            <a:off x="311785" y="831850"/>
+            <a:ext cx="8520430" cy="2052955"/>
+          </a:xfrm>
+          <a:prstGeom prst="rect">
+            <a:avLst/>
+          </a:prstGeom>
+        </p:spPr>
+        <p:txBody>
+          <a:bodyPr spcFirstLastPara="1" wrap="square" lIns="91425" tIns="91425" rIns="91425" bIns="91425" anchor="t" anchorCtr="0">
+            <a:normAutofit lnSpcReduction="10000"/>
+          </a:bodyPr>
+          <a:p>
+            <a:pPr marL="114300" lvl="0" indent="0" algn="l" rtl="0">
+              <a:spcBef>
+                <a:spcPts val="0"/>
+              </a:spcBef>
+              <a:spcAft>
+                <a:spcPts val="0"/>
+              </a:spcAft>
+              <a:buSzPts val="1800"/>
+              <a:buNone/>
+            </a:pPr>
+            <a:r>
+              <a:rPr lang="en-US" altLang="en-GB" b="1">
+                <a:sym typeface="+mn-ea"/>
+              </a:rPr>
+              <a:t>&gt;&gt; docker run &lt;image_name&gt; --it sh</a:t>
+            </a:r>
+            <a:endParaRPr lang="en-US" altLang="en-GB" b="1">
+              <a:sym typeface="+mn-ea"/>
+            </a:endParaRPr>
+          </a:p>
+          <a:p>
+            <a:pPr marL="457200" lvl="0" indent="-342900" algn="l" rtl="0">
+              <a:spcBef>
+                <a:spcPts val="0"/>
+              </a:spcBef>
+              <a:spcAft>
+                <a:spcPts val="0"/>
+              </a:spcAft>
+              <a:buSzPts val="1800"/>
+              <a:buChar char="+"/>
+            </a:pPr>
+            <a:r>
+              <a:rPr lang="en-US" altLang="en-GB" b="1">
+                <a:sym typeface="+mn-ea"/>
+              </a:rPr>
+              <a:t>Start a new shell when run new container</a:t>
+            </a:r>
+            <a:endParaRPr lang="en-US" b="1">
+              <a:solidFill>
+                <a:srgbClr val="B45F06"/>
+              </a:solidFill>
+            </a:endParaRPr>
+          </a:p>
+        </p:txBody>
+      </p:sp>
+      <p:pic>
+        <p:nvPicPr>
+          <p:cNvPr id="2" name="Picture 1"/>
+          <p:cNvPicPr>
+            <a:picLocks noChangeAspect="1"/>
+          </p:cNvPicPr>
+          <p:nvPr/>
+        </p:nvPicPr>
+        <p:blipFill>
+          <a:blip r:embed="rId1"/>
+          <a:stretch>
+            <a:fillRect/>
+          </a:stretch>
+        </p:blipFill>
+        <p:spPr>
+          <a:xfrm>
+            <a:off x="2071370" y="1809750"/>
+            <a:ext cx="5000625" cy="2543175"/>
+          </a:xfrm>
+          <a:prstGeom prst="rect">
+            <a:avLst/>
+          </a:prstGeom>
+        </p:spPr>
+      </p:pic>
+    </p:spTree>
+  </p:cSld>
+  <p:clrMapOvr>
+    <a:masterClrMapping/>
+  </p:clrMapOvr>
+</p:sld>
+</file>
+
+<file path=ppt/slides/slide65.xml><?xml version="1.0" encoding="utf-8"?>
+<p:sld xmlns:a="http://schemas.openxmlformats.org/drawingml/2006/main" xmlns:r="http://schemas.openxmlformats.org/officeDocument/2006/relationships" xmlns:p="http://schemas.openxmlformats.org/presentationml/2006/main">
+  <p:cSld>
+    <p:spTree>
+      <p:nvGrpSpPr>
+        <p:cNvPr id="77" name="Shape 77"/>
+        <p:cNvGrpSpPr/>
+        <p:nvPr/>
+      </p:nvGrpSpPr>
+      <p:grpSpPr>
+        <a:xfrm>
+          <a:off x="0" y="0"/>
+          <a:ext cx="0" cy="0"/>
+          <a:chOff x="0" y="0"/>
+          <a:chExt cx="0" cy="0"/>
+        </a:xfrm>
+      </p:grpSpPr>
+      <p:sp>
+        <p:nvSpPr>
+          <p:cNvPr id="78" name="Google Shape;78;p15"/>
+          <p:cNvSpPr txBox="1"/>
+          <p:nvPr>
+            <p:ph type="title"/>
+          </p:nvPr>
+        </p:nvSpPr>
+        <p:spPr>
+          <a:xfrm>
+            <a:off x="311700" y="123715"/>
+            <a:ext cx="8520600" cy="707400"/>
+          </a:xfrm>
+          <a:prstGeom prst="rect">
+            <a:avLst/>
+          </a:prstGeom>
+        </p:spPr>
+        <p:txBody>
+          <a:bodyPr spcFirstLastPara="1" wrap="square" lIns="91425" tIns="91425" rIns="91425" bIns="91425" anchor="t" anchorCtr="0">
+            <a:normAutofit/>
+          </a:bodyPr>
+          <a:lstStyle/>
+          <a:p>
+            <a:pPr marL="0" lvl="0" indent="0" algn="l" rtl="0">
+              <a:spcBef>
+                <a:spcPts val="0"/>
+              </a:spcBef>
+              <a:spcAft>
+                <a:spcPts val="0"/>
+              </a:spcAft>
+              <a:buSzPts val="990"/>
+              <a:buNone/>
+            </a:pPr>
+            <a:r>
+              <a:rPr lang="en-US" sz="2940"/>
+              <a:t>Starting with a Shell</a:t>
+            </a:r>
+            <a:endParaRPr lang="en-US" sz="2940" b="0">
+              <a:solidFill>
+                <a:srgbClr val="3D85C6"/>
+              </a:solidFill>
+            </a:endParaRPr>
+          </a:p>
+        </p:txBody>
+      </p:sp>
+      <p:pic>
+        <p:nvPicPr>
+          <p:cNvPr id="2" name="Picture 1"/>
+          <p:cNvPicPr>
+            <a:picLocks noChangeAspect="1"/>
+          </p:cNvPicPr>
+          <p:nvPr/>
+        </p:nvPicPr>
+        <p:blipFill>
+          <a:blip r:embed="rId1"/>
+          <a:stretch>
+            <a:fillRect/>
+          </a:stretch>
+        </p:blipFill>
+        <p:spPr>
+          <a:xfrm>
+            <a:off x="5570220" y="831215"/>
+            <a:ext cx="3373755" cy="3197860"/>
+          </a:xfrm>
+          <a:prstGeom prst="rect">
+            <a:avLst/>
+          </a:prstGeom>
+        </p:spPr>
+      </p:pic>
+      <p:pic>
+        <p:nvPicPr>
+          <p:cNvPr id="4" name="Picture 3"/>
+          <p:cNvPicPr>
+            <a:picLocks noChangeAspect="1"/>
+          </p:cNvPicPr>
+          <p:nvPr/>
+        </p:nvPicPr>
+        <p:blipFill>
+          <a:blip r:embed="rId2"/>
+          <a:stretch>
+            <a:fillRect/>
+          </a:stretch>
+        </p:blipFill>
+        <p:spPr>
+          <a:xfrm>
+            <a:off x="311785" y="1017905"/>
+            <a:ext cx="5206365" cy="2823845"/>
+          </a:xfrm>
+          <a:prstGeom prst="rect">
+            <a:avLst/>
+          </a:prstGeom>
+        </p:spPr>
+      </p:pic>
+    </p:spTree>
+  </p:cSld>
+  <p:clrMapOvr>
+    <a:masterClrMapping/>
+  </p:clrMapOvr>
+</p:sld>
+</file>
+
+<file path=ppt/slides/slide66.xml><?xml version="1.0" encoding="utf-8"?>
+<p:sld xmlns:a="http://schemas.openxmlformats.org/drawingml/2006/main" xmlns:r="http://schemas.openxmlformats.org/officeDocument/2006/relationships" xmlns:p="http://schemas.openxmlformats.org/presentationml/2006/main">
+  <p:cSld>
+    <p:spTree>
+      <p:nvGrpSpPr>
+        <p:cNvPr id="450" name="Shape 450"/>
+        <p:cNvGrpSpPr/>
+        <p:nvPr/>
+      </p:nvGrpSpPr>
+      <p:grpSpPr>
+        <a:xfrm>
+          <a:off x="0" y="0"/>
+          <a:ext cx="0" cy="0"/>
+          <a:chOff x="0" y="0"/>
+          <a:chExt cx="0" cy="0"/>
+        </a:xfrm>
+      </p:grpSpPr>
+      <p:sp>
+        <p:nvSpPr>
+          <p:cNvPr id="451" name="Google Shape;451;p61"/>
+          <p:cNvSpPr txBox="1"/>
+          <p:nvPr>
+            <p:ph type="title"/>
+          </p:nvPr>
+        </p:nvSpPr>
+        <p:spPr>
+          <a:xfrm>
+            <a:off x="311700" y="814800"/>
+            <a:ext cx="8571300" cy="942000"/>
+          </a:xfrm>
+          <a:prstGeom prst="rect">
+            <a:avLst/>
+          </a:prstGeom>
+        </p:spPr>
+        <p:txBody>
+          <a:bodyPr spcFirstLastPara="1" wrap="square" lIns="91425" tIns="91425" rIns="91425" bIns="91425" anchor="ctr" anchorCtr="0">
+            <a:normAutofit/>
+          </a:bodyPr>
+          <a:lstStyle/>
+          <a:p>
+            <a:pPr marL="0" lvl="0" indent="0" algn="ctr" rtl="0">
+              <a:spcBef>
+                <a:spcPts val="0"/>
+              </a:spcBef>
+              <a:spcAft>
+                <a:spcPts val="0"/>
+              </a:spcAft>
+              <a:buNone/>
+            </a:pPr>
+            <a:r>
+              <a:rPr lang="en-GB"/>
+              <a:t>THANKS FOR LISTENING</a:t>
+            </a:r>
+            <a:endParaRPr lang="en-GB"/>
+          </a:p>
+        </p:txBody>
+      </p:sp>
     </p:spTree>
   </p:cSld>
   <p:clrMapOvr>

--- a/Docker - 03 - Build a Custom Images Through Docker.pptx
+++ b/Docker - 03 - Build a Custom Images Through Docker.pptx
@@ -17571,7 +17571,7 @@
       </p:sp>
       <p:pic>
         <p:nvPicPr>
-          <p:cNvPr id="1" name="Picture 0"/>
+          <p:cNvPr id="2" name="Picture 1"/>
           <p:cNvPicPr>
             <a:picLocks noChangeAspect="1"/>
           </p:cNvPicPr>
@@ -18149,7 +18149,7 @@
       </p:sp>
       <p:pic>
         <p:nvPicPr>
-          <p:cNvPr id="1" name="Picture 0"/>
+          <p:cNvPr id="2" name="Picture 1"/>
           <p:cNvPicPr>
             <a:picLocks noChangeAspect="1"/>
           </p:cNvPicPr>
@@ -18443,7 +18443,7 @@
               <a:rPr lang="en-US" altLang="en-GB" b="1">
                 <a:sym typeface="+mn-ea"/>
               </a:rPr>
-              <a:t>stop docker compose</a:t>
+              <a:t>Maintaince the container in cases crash or error</a:t>
             </a:r>
             <a:endParaRPr lang="en-US" b="1">
               <a:solidFill>
@@ -18453,30 +18453,6 @@
           </a:p>
         </p:txBody>
       </p:sp>
-      <p:pic>
-        <p:nvPicPr>
-          <p:cNvPr id="1" name="Picture 0"/>
-          <p:cNvPicPr>
-            <a:picLocks noChangeAspect="1"/>
-          </p:cNvPicPr>
-          <p:nvPr/>
-        </p:nvPicPr>
-        <p:blipFill>
-          <a:blip r:embed="rId1"/>
-          <a:stretch>
-            <a:fillRect/>
-          </a:stretch>
-        </p:blipFill>
-        <p:spPr>
-          <a:xfrm>
-            <a:off x="4051935" y="925830"/>
-            <a:ext cx="4636135" cy="4217670"/>
-          </a:xfrm>
-          <a:prstGeom prst="rect">
-            <a:avLst/>
-          </a:prstGeom>
-        </p:spPr>
-      </p:pic>
     </p:spTree>
   </p:cSld>
   <p:clrMapOvr>

--- a/Docker - 03 - Build a Custom Images Through Docker.pptx
+++ b/Docker - 03 - Build a Custom Images Through Docker.pptx
@@ -45,46 +45,22 @@
     <p:sldId id="592" r:id="rId38"/>
     <p:sldId id="593" r:id="rId39"/>
     <p:sldId id="594" r:id="rId40"/>
-    <p:sldId id="595" r:id="rId41"/>
-    <p:sldId id="446" r:id="rId42"/>
-    <p:sldId id="258" r:id="rId43"/>
-    <p:sldId id="349" r:id="rId44"/>
-    <p:sldId id="348" r:id="rId45"/>
-    <p:sldId id="350" r:id="rId46"/>
-    <p:sldId id="351" r:id="rId47"/>
-    <p:sldId id="352" r:id="rId48"/>
-    <p:sldId id="377" r:id="rId49"/>
-    <p:sldId id="378" r:id="rId50"/>
-    <p:sldId id="379" r:id="rId51"/>
-    <p:sldId id="380" r:id="rId52"/>
-    <p:sldId id="381" r:id="rId53"/>
-    <p:sldId id="405" r:id="rId54"/>
-    <p:sldId id="406" r:id="rId55"/>
-    <p:sldId id="407" r:id="rId56"/>
-    <p:sldId id="408" r:id="rId57"/>
-    <p:sldId id="409" r:id="rId58"/>
-    <p:sldId id="410" r:id="rId59"/>
-    <p:sldId id="434" r:id="rId60"/>
-    <p:sldId id="435" r:id="rId61"/>
-    <p:sldId id="436" r:id="rId62"/>
-    <p:sldId id="437" r:id="rId63"/>
-    <p:sldId id="440" r:id="rId64"/>
-    <p:sldId id="438" r:id="rId65"/>
-    <p:sldId id="439" r:id="rId66"/>
-    <p:sldId id="441" r:id="rId67"/>
-    <p:sldId id="442" r:id="rId68"/>
-    <p:sldId id="304" r:id="rId69"/>
+    <p:sldId id="624" r:id="rId41"/>
+    <p:sldId id="595" r:id="rId42"/>
+    <p:sldId id="628" r:id="rId43"/>
+    <p:sldId id="446" r:id="rId44"/>
+    <p:sldId id="304" r:id="rId45"/>
   </p:sldIdLst>
   <p:sldSz cx="9144000" cy="5143500"/>
   <p:notesSz cx="6858000" cy="9144000"/>
   <p:embeddedFontLst>
     <p:embeddedFont>
       <p:font typeface="PT Sans Narrow" panose="020B0506020203020204"/>
-      <p:regular r:id="rId73"/>
+      <p:regular r:id="rId49"/>
     </p:embeddedFont>
     <p:embeddedFont>
       <p:font typeface="Open Sans" panose="020B0306030504020204"/>
-      <p:regular r:id="rId74"/>
+      <p:regular r:id="rId50"/>
     </p:embeddedFont>
   </p:embeddedFontLst>
   <p:defaultTextStyle>
@@ -4112,6 +4088,11 @@
               </a:spcAft>
               <a:buNone/>
             </a:pPr>
+            <a:r>
+              <a:rPr lang="en-US"/>
+              <a:t>For some cases we must the docker always start like iis server so we need to set restart status is always</a:t>
+            </a:r>
+            <a:endParaRPr lang="en-US"/>
           </a:p>
         </p:txBody>
       </p:sp>
@@ -4311,26 +4292,6 @@
               </a:spcAft>
               <a:buNone/>
             </a:pPr>
-            <a:r>
-              <a:rPr lang="en-US"/>
-              <a:t>we choose busybox becuase it has echo or ls command in its container.</a:t>
-            </a:r>
-            <a:endParaRPr lang="en-US"/>
-          </a:p>
-          <a:p>
-            <a:pPr marL="0" lvl="0" indent="0" algn="l" rtl="0">
-              <a:spcBef>
-                <a:spcPts val="0"/>
-              </a:spcBef>
-              <a:spcAft>
-                <a:spcPts val="0"/>
-              </a:spcAft>
-              <a:buNone/>
-            </a:pPr>
-            <a:r>
-              <a:rPr lang="en-US"/>
-              <a:t>hello-world is a single file container.</a:t>
-            </a:r>
             <a:endParaRPr lang="en-US"/>
           </a:p>
         </p:txBody>
@@ -4348,7 +4309,7 @@
   <p:cSld>
     <p:spTree>
       <p:nvGrpSpPr>
-        <p:cNvPr id="74" name="Shape 74"/>
+        <p:cNvPr id="447" name="Shape 447"/>
         <p:cNvGrpSpPr/>
         <p:nvPr/>
       </p:nvGrpSpPr>
@@ -4362,7 +4323,7 @@
       </p:grpSpPr>
       <p:sp>
         <p:nvSpPr>
-          <p:cNvPr id="75" name="Google Shape;75;gcad7496ea3_0_0:notes"/>
+          <p:cNvPr id="448" name="Google Shape;448;gcb89376c82_0_37:notes"/>
           <p:cNvSpPr/>
           <p:nvPr>
             <p:ph type="sldImg" idx="2"/>
@@ -4401,7 +4362,7 @@
       </p:sp>
       <p:sp>
         <p:nvSpPr>
-          <p:cNvPr id="76" name="Google Shape;76;gcad7496ea3_0_0:notes"/>
+          <p:cNvPr id="449" name="Google Shape;449;gcb89376c82_0_37:notes"/>
           <p:cNvSpPr txBox="1"/>
           <p:nvPr>
             <p:ph type="body" idx="1"/>
@@ -4431,1230 +4392,6 @@
               </a:spcAft>
               <a:buNone/>
             </a:pPr>
-          </a:p>
-        </p:txBody>
-      </p:sp>
-    </p:spTree>
-  </p:cSld>
-  <p:clrMapOvr>
-    <a:masterClrMapping/>
-  </p:clrMapOvr>
-</p:notes>
-</file>
-
-<file path=ppt/notesSlides/notesSlide42.xml><?xml version="1.0" encoding="utf-8"?>
-<p:notes xmlns:a="http://schemas.openxmlformats.org/drawingml/2006/main" xmlns:r="http://schemas.openxmlformats.org/officeDocument/2006/relationships" xmlns:p="http://schemas.openxmlformats.org/presentationml/2006/main" showMasterPhAnim="0" showMasterSp="0">
-  <p:cSld>
-    <p:spTree>
-      <p:nvGrpSpPr>
-        <p:cNvPr id="74" name="Shape 74"/>
-        <p:cNvGrpSpPr/>
-        <p:nvPr/>
-      </p:nvGrpSpPr>
-      <p:grpSpPr>
-        <a:xfrm>
-          <a:off x="0" y="0"/>
-          <a:ext cx="0" cy="0"/>
-          <a:chOff x="0" y="0"/>
-          <a:chExt cx="0" cy="0"/>
-        </a:xfrm>
-      </p:grpSpPr>
-      <p:sp>
-        <p:nvSpPr>
-          <p:cNvPr id="75" name="Google Shape;75;gcad7496ea3_0_0:notes"/>
-          <p:cNvSpPr/>
-          <p:nvPr>
-            <p:ph type="sldImg" idx="2"/>
-          </p:nvPr>
-        </p:nvSpPr>
-        <p:spPr>
-          <a:xfrm>
-            <a:off x="381300" y="685800"/>
-            <a:ext cx="6096000" cy="3429000"/>
-          </a:xfrm>
-          <a:custGeom>
-            <a:avLst/>
-            <a:gdLst/>
-            <a:ahLst/>
-            <a:cxnLst/>
-            <a:rect l="l" t="t" r="r" b="b"/>
-            <a:pathLst>
-              <a:path w="120000" h="120000" extrusionOk="0">
-                <a:moveTo>
-                  <a:pt x="0" y="0"/>
-                </a:moveTo>
-                <a:lnTo>
-                  <a:pt x="120000" y="0"/>
-                </a:lnTo>
-                <a:lnTo>
-                  <a:pt x="120000" y="120000"/>
-                </a:lnTo>
-                <a:lnTo>
-                  <a:pt x="0" y="120000"/>
-                </a:lnTo>
-                <a:close/>
-              </a:path>
-            </a:pathLst>
-          </a:custGeom>
-        </p:spPr>
-      </p:sp>
-      <p:sp>
-        <p:nvSpPr>
-          <p:cNvPr id="76" name="Google Shape;76;gcad7496ea3_0_0:notes"/>
-          <p:cNvSpPr txBox="1"/>
-          <p:nvPr>
-            <p:ph type="body" idx="1"/>
-          </p:nvPr>
-        </p:nvSpPr>
-        <p:spPr>
-          <a:xfrm>
-            <a:off x="685800" y="4343400"/>
-            <a:ext cx="5486400" cy="4114800"/>
-          </a:xfrm>
-          <a:prstGeom prst="rect">
-            <a:avLst/>
-          </a:prstGeom>
-        </p:spPr>
-        <p:txBody>
-          <a:bodyPr spcFirstLastPara="1" wrap="square" lIns="91425" tIns="91425" rIns="91425" bIns="91425" anchor="t" anchorCtr="0">
-            <a:noAutofit/>
-          </a:bodyPr>
-          <a:lstStyle/>
-          <a:p>
-            <a:pPr marL="0" lvl="0" indent="0" algn="l" rtl="0">
-              <a:spcBef>
-                <a:spcPts val="0"/>
-              </a:spcBef>
-              <a:spcAft>
-                <a:spcPts val="0"/>
-              </a:spcAft>
-              <a:buNone/>
-            </a:pPr>
-          </a:p>
-        </p:txBody>
-      </p:sp>
-    </p:spTree>
-  </p:cSld>
-  <p:clrMapOvr>
-    <a:masterClrMapping/>
-  </p:clrMapOvr>
-</p:notes>
-</file>
-
-<file path=ppt/notesSlides/notesSlide43.xml><?xml version="1.0" encoding="utf-8"?>
-<p:notes xmlns:a="http://schemas.openxmlformats.org/drawingml/2006/main" xmlns:r="http://schemas.openxmlformats.org/officeDocument/2006/relationships" xmlns:p="http://schemas.openxmlformats.org/presentationml/2006/main" showMasterPhAnim="0" showMasterSp="0">
-  <p:cSld>
-    <p:spTree>
-      <p:nvGrpSpPr>
-        <p:cNvPr id="74" name="Shape 74"/>
-        <p:cNvGrpSpPr/>
-        <p:nvPr/>
-      </p:nvGrpSpPr>
-      <p:grpSpPr>
-        <a:xfrm>
-          <a:off x="0" y="0"/>
-          <a:ext cx="0" cy="0"/>
-          <a:chOff x="0" y="0"/>
-          <a:chExt cx="0" cy="0"/>
-        </a:xfrm>
-      </p:grpSpPr>
-      <p:sp>
-        <p:nvSpPr>
-          <p:cNvPr id="75" name="Google Shape;75;gcad7496ea3_0_0:notes"/>
-          <p:cNvSpPr/>
-          <p:nvPr>
-            <p:ph type="sldImg" idx="2"/>
-          </p:nvPr>
-        </p:nvSpPr>
-        <p:spPr>
-          <a:xfrm>
-            <a:off x="381300" y="685800"/>
-            <a:ext cx="6096000" cy="3429000"/>
-          </a:xfrm>
-          <a:custGeom>
-            <a:avLst/>
-            <a:gdLst/>
-            <a:ahLst/>
-            <a:cxnLst/>
-            <a:rect l="l" t="t" r="r" b="b"/>
-            <a:pathLst>
-              <a:path w="120000" h="120000" extrusionOk="0">
-                <a:moveTo>
-                  <a:pt x="0" y="0"/>
-                </a:moveTo>
-                <a:lnTo>
-                  <a:pt x="120000" y="0"/>
-                </a:lnTo>
-                <a:lnTo>
-                  <a:pt x="120000" y="120000"/>
-                </a:lnTo>
-                <a:lnTo>
-                  <a:pt x="0" y="120000"/>
-                </a:lnTo>
-                <a:close/>
-              </a:path>
-            </a:pathLst>
-          </a:custGeom>
-        </p:spPr>
-      </p:sp>
-      <p:sp>
-        <p:nvSpPr>
-          <p:cNvPr id="76" name="Google Shape;76;gcad7496ea3_0_0:notes"/>
-          <p:cNvSpPr txBox="1"/>
-          <p:nvPr>
-            <p:ph type="body" idx="1"/>
-          </p:nvPr>
-        </p:nvSpPr>
-        <p:spPr>
-          <a:xfrm>
-            <a:off x="685800" y="4343400"/>
-            <a:ext cx="5486400" cy="4114800"/>
-          </a:xfrm>
-          <a:prstGeom prst="rect">
-            <a:avLst/>
-          </a:prstGeom>
-        </p:spPr>
-        <p:txBody>
-          <a:bodyPr spcFirstLastPara="1" wrap="square" lIns="91425" tIns="91425" rIns="91425" bIns="91425" anchor="t" anchorCtr="0">
-            <a:noAutofit/>
-          </a:bodyPr>
-          <a:lstStyle/>
-          <a:p>
-            <a:pPr marL="0" lvl="0" indent="0" algn="l" rtl="0">
-              <a:spcBef>
-                <a:spcPts val="0"/>
-              </a:spcBef>
-              <a:spcAft>
-                <a:spcPts val="0"/>
-              </a:spcAft>
-              <a:buNone/>
-            </a:pPr>
-          </a:p>
-        </p:txBody>
-      </p:sp>
-    </p:spTree>
-  </p:cSld>
-  <p:clrMapOvr>
-    <a:masterClrMapping/>
-  </p:clrMapOvr>
-</p:notes>
-</file>
-
-<file path=ppt/notesSlides/notesSlide44.xml><?xml version="1.0" encoding="utf-8"?>
-<p:notes xmlns:a="http://schemas.openxmlformats.org/drawingml/2006/main" xmlns:r="http://schemas.openxmlformats.org/officeDocument/2006/relationships" xmlns:p="http://schemas.openxmlformats.org/presentationml/2006/main" showMasterPhAnim="0" showMasterSp="0">
-  <p:cSld>
-    <p:spTree>
-      <p:nvGrpSpPr>
-        <p:cNvPr id="74" name="Shape 74"/>
-        <p:cNvGrpSpPr/>
-        <p:nvPr/>
-      </p:nvGrpSpPr>
-      <p:grpSpPr>
-        <a:xfrm>
-          <a:off x="0" y="0"/>
-          <a:ext cx="0" cy="0"/>
-          <a:chOff x="0" y="0"/>
-          <a:chExt cx="0" cy="0"/>
-        </a:xfrm>
-      </p:grpSpPr>
-      <p:sp>
-        <p:nvSpPr>
-          <p:cNvPr id="75" name="Google Shape;75;gcad7496ea3_0_0:notes"/>
-          <p:cNvSpPr/>
-          <p:nvPr>
-            <p:ph type="sldImg" idx="2"/>
-          </p:nvPr>
-        </p:nvSpPr>
-        <p:spPr>
-          <a:xfrm>
-            <a:off x="381300" y="685800"/>
-            <a:ext cx="6096000" cy="3429000"/>
-          </a:xfrm>
-          <a:custGeom>
-            <a:avLst/>
-            <a:gdLst/>
-            <a:ahLst/>
-            <a:cxnLst/>
-            <a:rect l="l" t="t" r="r" b="b"/>
-            <a:pathLst>
-              <a:path w="120000" h="120000" extrusionOk="0">
-                <a:moveTo>
-                  <a:pt x="0" y="0"/>
-                </a:moveTo>
-                <a:lnTo>
-                  <a:pt x="120000" y="0"/>
-                </a:lnTo>
-                <a:lnTo>
-                  <a:pt x="120000" y="120000"/>
-                </a:lnTo>
-                <a:lnTo>
-                  <a:pt x="0" y="120000"/>
-                </a:lnTo>
-                <a:close/>
-              </a:path>
-            </a:pathLst>
-          </a:custGeom>
-        </p:spPr>
-      </p:sp>
-      <p:sp>
-        <p:nvSpPr>
-          <p:cNvPr id="76" name="Google Shape;76;gcad7496ea3_0_0:notes"/>
-          <p:cNvSpPr txBox="1"/>
-          <p:nvPr>
-            <p:ph type="body" idx="1"/>
-          </p:nvPr>
-        </p:nvSpPr>
-        <p:spPr>
-          <a:xfrm>
-            <a:off x="685800" y="4343400"/>
-            <a:ext cx="5486400" cy="4114800"/>
-          </a:xfrm>
-          <a:prstGeom prst="rect">
-            <a:avLst/>
-          </a:prstGeom>
-        </p:spPr>
-        <p:txBody>
-          <a:bodyPr spcFirstLastPara="1" wrap="square" lIns="91425" tIns="91425" rIns="91425" bIns="91425" anchor="t" anchorCtr="0">
-            <a:noAutofit/>
-          </a:bodyPr>
-          <a:lstStyle/>
-          <a:p>
-            <a:pPr marL="0" lvl="0" indent="0" algn="l" rtl="0">
-              <a:spcBef>
-                <a:spcPts val="0"/>
-              </a:spcBef>
-              <a:spcAft>
-                <a:spcPts val="0"/>
-              </a:spcAft>
-              <a:buNone/>
-            </a:pPr>
-          </a:p>
-        </p:txBody>
-      </p:sp>
-    </p:spTree>
-  </p:cSld>
-  <p:clrMapOvr>
-    <a:masterClrMapping/>
-  </p:clrMapOvr>
-</p:notes>
-</file>
-
-<file path=ppt/notesSlides/notesSlide45.xml><?xml version="1.0" encoding="utf-8"?>
-<p:notes xmlns:a="http://schemas.openxmlformats.org/drawingml/2006/main" xmlns:r="http://schemas.openxmlformats.org/officeDocument/2006/relationships" xmlns:p="http://schemas.openxmlformats.org/presentationml/2006/main" showMasterPhAnim="0" showMasterSp="0">
-  <p:cSld>
-    <p:spTree>
-      <p:nvGrpSpPr>
-        <p:cNvPr id="74" name="Shape 74"/>
-        <p:cNvGrpSpPr/>
-        <p:nvPr/>
-      </p:nvGrpSpPr>
-      <p:grpSpPr>
-        <a:xfrm>
-          <a:off x="0" y="0"/>
-          <a:ext cx="0" cy="0"/>
-          <a:chOff x="0" y="0"/>
-          <a:chExt cx="0" cy="0"/>
-        </a:xfrm>
-      </p:grpSpPr>
-      <p:sp>
-        <p:nvSpPr>
-          <p:cNvPr id="75" name="Google Shape;75;gcad7496ea3_0_0:notes"/>
-          <p:cNvSpPr/>
-          <p:nvPr>
-            <p:ph type="sldImg" idx="2"/>
-          </p:nvPr>
-        </p:nvSpPr>
-        <p:spPr>
-          <a:xfrm>
-            <a:off x="381300" y="685800"/>
-            <a:ext cx="6096000" cy="3429000"/>
-          </a:xfrm>
-          <a:custGeom>
-            <a:avLst/>
-            <a:gdLst/>
-            <a:ahLst/>
-            <a:cxnLst/>
-            <a:rect l="l" t="t" r="r" b="b"/>
-            <a:pathLst>
-              <a:path w="120000" h="120000" extrusionOk="0">
-                <a:moveTo>
-                  <a:pt x="0" y="0"/>
-                </a:moveTo>
-                <a:lnTo>
-                  <a:pt x="120000" y="0"/>
-                </a:lnTo>
-                <a:lnTo>
-                  <a:pt x="120000" y="120000"/>
-                </a:lnTo>
-                <a:lnTo>
-                  <a:pt x="0" y="120000"/>
-                </a:lnTo>
-                <a:close/>
-              </a:path>
-            </a:pathLst>
-          </a:custGeom>
-        </p:spPr>
-      </p:sp>
-      <p:sp>
-        <p:nvSpPr>
-          <p:cNvPr id="76" name="Google Shape;76;gcad7496ea3_0_0:notes"/>
-          <p:cNvSpPr txBox="1"/>
-          <p:nvPr>
-            <p:ph type="body" idx="1"/>
-          </p:nvPr>
-        </p:nvSpPr>
-        <p:spPr>
-          <a:xfrm>
-            <a:off x="685800" y="4343400"/>
-            <a:ext cx="5486400" cy="4114800"/>
-          </a:xfrm>
-          <a:prstGeom prst="rect">
-            <a:avLst/>
-          </a:prstGeom>
-        </p:spPr>
-        <p:txBody>
-          <a:bodyPr spcFirstLastPara="1" wrap="square" lIns="91425" tIns="91425" rIns="91425" bIns="91425" anchor="t" anchorCtr="0">
-            <a:noAutofit/>
-          </a:bodyPr>
-          <a:lstStyle/>
-          <a:p>
-            <a:pPr marL="0" lvl="0" indent="0" algn="l" rtl="0">
-              <a:spcBef>
-                <a:spcPts val="0"/>
-              </a:spcBef>
-              <a:spcAft>
-                <a:spcPts val="0"/>
-              </a:spcAft>
-              <a:buNone/>
-            </a:pPr>
-          </a:p>
-        </p:txBody>
-      </p:sp>
-    </p:spTree>
-  </p:cSld>
-  <p:clrMapOvr>
-    <a:masterClrMapping/>
-  </p:clrMapOvr>
-</p:notes>
-</file>
-
-<file path=ppt/notesSlides/notesSlide46.xml><?xml version="1.0" encoding="utf-8"?>
-<p:notes xmlns:a="http://schemas.openxmlformats.org/drawingml/2006/main" xmlns:r="http://schemas.openxmlformats.org/officeDocument/2006/relationships" xmlns:p="http://schemas.openxmlformats.org/presentationml/2006/main" showMasterPhAnim="0" showMasterSp="0">
-  <p:cSld>
-    <p:spTree>
-      <p:nvGrpSpPr>
-        <p:cNvPr id="74" name="Shape 74"/>
-        <p:cNvGrpSpPr/>
-        <p:nvPr/>
-      </p:nvGrpSpPr>
-      <p:grpSpPr>
-        <a:xfrm>
-          <a:off x="0" y="0"/>
-          <a:ext cx="0" cy="0"/>
-          <a:chOff x="0" y="0"/>
-          <a:chExt cx="0" cy="0"/>
-        </a:xfrm>
-      </p:grpSpPr>
-      <p:sp>
-        <p:nvSpPr>
-          <p:cNvPr id="75" name="Google Shape;75;gcad7496ea3_0_0:notes"/>
-          <p:cNvSpPr/>
-          <p:nvPr>
-            <p:ph type="sldImg" idx="2"/>
-          </p:nvPr>
-        </p:nvSpPr>
-        <p:spPr>
-          <a:xfrm>
-            <a:off x="381300" y="685800"/>
-            <a:ext cx="6096000" cy="3429000"/>
-          </a:xfrm>
-          <a:custGeom>
-            <a:avLst/>
-            <a:gdLst/>
-            <a:ahLst/>
-            <a:cxnLst/>
-            <a:rect l="l" t="t" r="r" b="b"/>
-            <a:pathLst>
-              <a:path w="120000" h="120000" extrusionOk="0">
-                <a:moveTo>
-                  <a:pt x="0" y="0"/>
-                </a:moveTo>
-                <a:lnTo>
-                  <a:pt x="120000" y="0"/>
-                </a:lnTo>
-                <a:lnTo>
-                  <a:pt x="120000" y="120000"/>
-                </a:lnTo>
-                <a:lnTo>
-                  <a:pt x="0" y="120000"/>
-                </a:lnTo>
-                <a:close/>
-              </a:path>
-            </a:pathLst>
-          </a:custGeom>
-        </p:spPr>
-      </p:sp>
-      <p:sp>
-        <p:nvSpPr>
-          <p:cNvPr id="76" name="Google Shape;76;gcad7496ea3_0_0:notes"/>
-          <p:cNvSpPr txBox="1"/>
-          <p:nvPr>
-            <p:ph type="body" idx="1"/>
-          </p:nvPr>
-        </p:nvSpPr>
-        <p:spPr>
-          <a:xfrm>
-            <a:off x="685800" y="4343400"/>
-            <a:ext cx="5486400" cy="4114800"/>
-          </a:xfrm>
-          <a:prstGeom prst="rect">
-            <a:avLst/>
-          </a:prstGeom>
-        </p:spPr>
-        <p:txBody>
-          <a:bodyPr spcFirstLastPara="1" wrap="square" lIns="91425" tIns="91425" rIns="91425" bIns="91425" anchor="t" anchorCtr="0">
-            <a:noAutofit/>
-          </a:bodyPr>
-          <a:lstStyle/>
-          <a:p>
-            <a:pPr marL="0" lvl="0" indent="0" algn="l" rtl="0">
-              <a:spcBef>
-                <a:spcPts val="0"/>
-              </a:spcBef>
-              <a:spcAft>
-                <a:spcPts val="0"/>
-              </a:spcAft>
-              <a:buNone/>
-            </a:pPr>
-            <a:r>
-              <a:rPr lang="en-US"/>
-              <a:t>docker start -a hello-world</a:t>
-            </a:r>
-            <a:endParaRPr lang="en-US"/>
-          </a:p>
-          <a:p>
-            <a:pPr marL="0" lvl="0" indent="0" algn="l" rtl="0">
-              <a:spcBef>
-                <a:spcPts val="0"/>
-              </a:spcBef>
-              <a:spcAft>
-                <a:spcPts val="0"/>
-              </a:spcAft>
-              <a:buNone/>
-            </a:pPr>
-            <a:r>
-              <a:rPr lang="en-US"/>
-              <a:t>-a is a option, let the docker show the output coming from it and print it out at the terminal</a:t>
-            </a:r>
-            <a:endParaRPr lang="en-US"/>
-          </a:p>
-          <a:p>
-            <a:pPr marL="0" lvl="0" indent="0" algn="l" rtl="0">
-              <a:spcBef>
-                <a:spcPts val="0"/>
-              </a:spcBef>
-              <a:spcAft>
-                <a:spcPts val="0"/>
-              </a:spcAft>
-              <a:buNone/>
-            </a:pPr>
-            <a:endParaRPr lang="en-US"/>
-          </a:p>
-          <a:p>
-            <a:pPr marL="0" lvl="0" indent="0" algn="l" rtl="0">
-              <a:spcBef>
-                <a:spcPts val="0"/>
-              </a:spcBef>
-              <a:spcAft>
-                <a:spcPts val="0"/>
-              </a:spcAft>
-              <a:buNone/>
-            </a:pPr>
-            <a:r>
-              <a:rPr lang="en-US"/>
-              <a:t>docker run</a:t>
-            </a:r>
-            <a:endParaRPr lang="en-US"/>
-          </a:p>
-          <a:p>
-            <a:pPr marL="0" lvl="0" indent="0" algn="l" rtl="0">
-              <a:spcBef>
-                <a:spcPts val="0"/>
-              </a:spcBef>
-              <a:spcAft>
-                <a:spcPts val="0"/>
-              </a:spcAft>
-              <a:buNone/>
-            </a:pPr>
-            <a:r>
-              <a:rPr lang="en-US"/>
-              <a:t>=&gt; is going to show you all the logs or all the information coming out of the container by default</a:t>
-            </a:r>
-            <a:endParaRPr lang="en-US"/>
-          </a:p>
-        </p:txBody>
-      </p:sp>
-    </p:spTree>
-  </p:cSld>
-  <p:clrMapOvr>
-    <a:masterClrMapping/>
-  </p:clrMapOvr>
-</p:notes>
-</file>
-
-<file path=ppt/notesSlides/notesSlide47.xml><?xml version="1.0" encoding="utf-8"?>
-<p:notes xmlns:a="http://schemas.openxmlformats.org/drawingml/2006/main" xmlns:r="http://schemas.openxmlformats.org/officeDocument/2006/relationships" xmlns:p="http://schemas.openxmlformats.org/presentationml/2006/main" showMasterPhAnim="0" showMasterSp="0">
-  <p:cSld>
-    <p:spTree>
-      <p:nvGrpSpPr>
-        <p:cNvPr id="74" name="Shape 74"/>
-        <p:cNvGrpSpPr/>
-        <p:nvPr/>
-      </p:nvGrpSpPr>
-      <p:grpSpPr>
-        <a:xfrm>
-          <a:off x="0" y="0"/>
-          <a:ext cx="0" cy="0"/>
-          <a:chOff x="0" y="0"/>
-          <a:chExt cx="0" cy="0"/>
-        </a:xfrm>
-      </p:grpSpPr>
-      <p:sp>
-        <p:nvSpPr>
-          <p:cNvPr id="75" name="Google Shape;75;gcad7496ea3_0_0:notes"/>
-          <p:cNvSpPr/>
-          <p:nvPr>
-            <p:ph type="sldImg" idx="2"/>
-          </p:nvPr>
-        </p:nvSpPr>
-        <p:spPr>
-          <a:xfrm>
-            <a:off x="381300" y="685800"/>
-            <a:ext cx="6096000" cy="3429000"/>
-          </a:xfrm>
-          <a:custGeom>
-            <a:avLst/>
-            <a:gdLst/>
-            <a:ahLst/>
-            <a:cxnLst/>
-            <a:rect l="l" t="t" r="r" b="b"/>
-            <a:pathLst>
-              <a:path w="120000" h="120000" extrusionOk="0">
-                <a:moveTo>
-                  <a:pt x="0" y="0"/>
-                </a:moveTo>
-                <a:lnTo>
-                  <a:pt x="120000" y="0"/>
-                </a:lnTo>
-                <a:lnTo>
-                  <a:pt x="120000" y="120000"/>
-                </a:lnTo>
-                <a:lnTo>
-                  <a:pt x="0" y="120000"/>
-                </a:lnTo>
-                <a:close/>
-              </a:path>
-            </a:pathLst>
-          </a:custGeom>
-        </p:spPr>
-      </p:sp>
-      <p:sp>
-        <p:nvSpPr>
-          <p:cNvPr id="76" name="Google Shape;76;gcad7496ea3_0_0:notes"/>
-          <p:cNvSpPr txBox="1"/>
-          <p:nvPr>
-            <p:ph type="body" idx="1"/>
-          </p:nvPr>
-        </p:nvSpPr>
-        <p:spPr>
-          <a:xfrm>
-            <a:off x="685800" y="4343400"/>
-            <a:ext cx="5486400" cy="4114800"/>
-          </a:xfrm>
-          <a:prstGeom prst="rect">
-            <a:avLst/>
-          </a:prstGeom>
-        </p:spPr>
-        <p:txBody>
-          <a:bodyPr spcFirstLastPara="1" wrap="square" lIns="91425" tIns="91425" rIns="91425" bIns="91425" anchor="t" anchorCtr="0">
-            <a:noAutofit/>
-          </a:bodyPr>
-          <a:lstStyle/>
-          <a:p>
-            <a:pPr marL="0" lvl="0" indent="0" algn="l" rtl="0">
-              <a:spcBef>
-                <a:spcPts val="0"/>
-              </a:spcBef>
-              <a:spcAft>
-                <a:spcPts val="0"/>
-              </a:spcAft>
-              <a:buNone/>
-            </a:pPr>
-            <a:r>
-              <a:rPr lang="en-US"/>
-              <a:t>check all container are running</a:t>
-            </a:r>
-            <a:endParaRPr lang="en-US"/>
-          </a:p>
-          <a:p>
-            <a:pPr marL="0" lvl="0" indent="0" algn="l" rtl="0">
-              <a:spcBef>
-                <a:spcPts val="0"/>
-              </a:spcBef>
-              <a:spcAft>
-                <a:spcPts val="0"/>
-              </a:spcAft>
-              <a:buNone/>
-            </a:pPr>
-            <a:r>
-              <a:rPr lang="en-US"/>
-              <a:t>&gt;&gt; docker ps --all</a:t>
-            </a:r>
-            <a:endParaRPr lang="en-US"/>
-          </a:p>
-          <a:p>
-            <a:pPr marL="0" lvl="0" indent="0" algn="l" rtl="0">
-              <a:spcBef>
-                <a:spcPts val="0"/>
-              </a:spcBef>
-              <a:spcAft>
-                <a:spcPts val="0"/>
-              </a:spcAft>
-              <a:buNone/>
-            </a:pPr>
-            <a:r>
-              <a:rPr lang="en-US"/>
-              <a:t>run busybox container</a:t>
-            </a:r>
-            <a:endParaRPr lang="en-US"/>
-          </a:p>
-          <a:p>
-            <a:pPr marL="0" lvl="0" indent="0" algn="l" rtl="0">
-              <a:spcBef>
-                <a:spcPts val="0"/>
-              </a:spcBef>
-              <a:spcAft>
-                <a:spcPts val="0"/>
-              </a:spcAft>
-              <a:buNone/>
-            </a:pPr>
-            <a:r>
-              <a:rPr lang="en-US"/>
-              <a:t>&gt;&gt; docker run busybox echo hi there</a:t>
-            </a:r>
-            <a:endParaRPr lang="en-US"/>
-          </a:p>
-          <a:p>
-            <a:pPr marL="0" lvl="0" indent="0" algn="l" rtl="0">
-              <a:spcBef>
-                <a:spcPts val="0"/>
-              </a:spcBef>
-              <a:spcAft>
-                <a:spcPts val="0"/>
-              </a:spcAft>
-              <a:buNone/>
-            </a:pPr>
-            <a:r>
-              <a:rPr lang="en-US"/>
-              <a:t>check all containers are running</a:t>
-            </a:r>
-            <a:endParaRPr lang="en-US"/>
-          </a:p>
-          <a:p>
-            <a:pPr marL="0" lvl="0" indent="0" algn="l" rtl="0">
-              <a:spcBef>
-                <a:spcPts val="0"/>
-              </a:spcBef>
-              <a:spcAft>
-                <a:spcPts val="0"/>
-              </a:spcAft>
-              <a:buNone/>
-            </a:pPr>
-            <a:r>
-              <a:rPr lang="en-US"/>
-              <a:t>&gt;&gt; docker ps --all</a:t>
-            </a:r>
-            <a:endParaRPr lang="en-US"/>
-          </a:p>
-          <a:p>
-            <a:pPr marL="0" lvl="0" indent="0" algn="l" rtl="0">
-              <a:spcBef>
-                <a:spcPts val="0"/>
-              </a:spcBef>
-              <a:spcAft>
-                <a:spcPts val="0"/>
-              </a:spcAft>
-              <a:buNone/>
-            </a:pPr>
-            <a:r>
-              <a:rPr lang="en-US"/>
-              <a:t>Restart a stopped container by using its ID</a:t>
-            </a:r>
-            <a:endParaRPr lang="en-US"/>
-          </a:p>
-          <a:p>
-            <a:pPr marL="0" lvl="0" indent="0" algn="l" rtl="0">
-              <a:spcBef>
-                <a:spcPts val="0"/>
-              </a:spcBef>
-              <a:spcAft>
-                <a:spcPts val="0"/>
-              </a:spcAft>
-              <a:buNone/>
-            </a:pPr>
-            <a:r>
-              <a:rPr lang="en-US"/>
-              <a:t>&gt;&gt; docker start -a ID</a:t>
-            </a:r>
-            <a:endParaRPr lang="en-US"/>
-          </a:p>
-          <a:p>
-            <a:pPr marL="0" lvl="0" indent="0" algn="l" rtl="0">
-              <a:spcBef>
-                <a:spcPts val="0"/>
-              </a:spcBef>
-              <a:spcAft>
-                <a:spcPts val="0"/>
-              </a:spcAft>
-              <a:buNone/>
-            </a:pPr>
-            <a:r>
-              <a:rPr lang="en-US"/>
-              <a:t>If you try to change the default command, it still show error</a:t>
-            </a:r>
-            <a:endParaRPr lang="en-US"/>
-          </a:p>
-          <a:p>
-            <a:pPr marL="0" lvl="0" indent="0" algn="l" rtl="0">
-              <a:spcBef>
-                <a:spcPts val="0"/>
-              </a:spcBef>
-              <a:spcAft>
-                <a:spcPts val="0"/>
-              </a:spcAft>
-              <a:buNone/>
-            </a:pPr>
-            <a:r>
-              <a:rPr lang="en-US"/>
-              <a:t>&gt;&gt; docker start -a ID echo hello</a:t>
-            </a:r>
-            <a:endParaRPr lang="en-US"/>
-          </a:p>
-          <a:p>
-            <a:pPr marL="0" lvl="0" indent="0" algn="l" rtl="0">
-              <a:spcBef>
-                <a:spcPts val="0"/>
-              </a:spcBef>
-              <a:spcAft>
-                <a:spcPts val="0"/>
-              </a:spcAft>
-              <a:buNone/>
-            </a:pPr>
-            <a:endParaRPr lang="en-US"/>
-          </a:p>
-          <a:p>
-            <a:pPr marL="0" lvl="0" indent="0" algn="l" rtl="0">
-              <a:spcBef>
-                <a:spcPts val="0"/>
-              </a:spcBef>
-              <a:spcAft>
-                <a:spcPts val="0"/>
-              </a:spcAft>
-              <a:buNone/>
-            </a:pPr>
-            <a:endParaRPr lang="en-US"/>
-          </a:p>
-        </p:txBody>
-      </p:sp>
-    </p:spTree>
-  </p:cSld>
-  <p:clrMapOvr>
-    <a:masterClrMapping/>
-  </p:clrMapOvr>
-</p:notes>
-</file>
-
-<file path=ppt/notesSlides/notesSlide48.xml><?xml version="1.0" encoding="utf-8"?>
-<p:notes xmlns:a="http://schemas.openxmlformats.org/drawingml/2006/main" xmlns:r="http://schemas.openxmlformats.org/officeDocument/2006/relationships" xmlns:p="http://schemas.openxmlformats.org/presentationml/2006/main" showMasterPhAnim="0" showMasterSp="0">
-  <p:cSld>
-    <p:spTree>
-      <p:nvGrpSpPr>
-        <p:cNvPr id="74" name="Shape 74"/>
-        <p:cNvGrpSpPr/>
-        <p:nvPr/>
-      </p:nvGrpSpPr>
-      <p:grpSpPr>
-        <a:xfrm>
-          <a:off x="0" y="0"/>
-          <a:ext cx="0" cy="0"/>
-          <a:chOff x="0" y="0"/>
-          <a:chExt cx="0" cy="0"/>
-        </a:xfrm>
-      </p:grpSpPr>
-      <p:sp>
-        <p:nvSpPr>
-          <p:cNvPr id="75" name="Google Shape;75;gcad7496ea3_0_0:notes"/>
-          <p:cNvSpPr/>
-          <p:nvPr>
-            <p:ph type="sldImg" idx="2"/>
-          </p:nvPr>
-        </p:nvSpPr>
-        <p:spPr>
-          <a:xfrm>
-            <a:off x="381300" y="685800"/>
-            <a:ext cx="6096000" cy="3429000"/>
-          </a:xfrm>
-          <a:custGeom>
-            <a:avLst/>
-            <a:gdLst/>
-            <a:ahLst/>
-            <a:cxnLst/>
-            <a:rect l="l" t="t" r="r" b="b"/>
-            <a:pathLst>
-              <a:path w="120000" h="120000" extrusionOk="0">
-                <a:moveTo>
-                  <a:pt x="0" y="0"/>
-                </a:moveTo>
-                <a:lnTo>
-                  <a:pt x="120000" y="0"/>
-                </a:lnTo>
-                <a:lnTo>
-                  <a:pt x="120000" y="120000"/>
-                </a:lnTo>
-                <a:lnTo>
-                  <a:pt x="0" y="120000"/>
-                </a:lnTo>
-                <a:close/>
-              </a:path>
-            </a:pathLst>
-          </a:custGeom>
-        </p:spPr>
-      </p:sp>
-      <p:sp>
-        <p:nvSpPr>
-          <p:cNvPr id="76" name="Google Shape;76;gcad7496ea3_0_0:notes"/>
-          <p:cNvSpPr txBox="1"/>
-          <p:nvPr>
-            <p:ph type="body" idx="1"/>
-          </p:nvPr>
-        </p:nvSpPr>
-        <p:spPr>
-          <a:xfrm>
-            <a:off x="685800" y="4343400"/>
-            <a:ext cx="5486400" cy="4114800"/>
-          </a:xfrm>
-          <a:prstGeom prst="rect">
-            <a:avLst/>
-          </a:prstGeom>
-        </p:spPr>
-        <p:txBody>
-          <a:bodyPr spcFirstLastPara="1" wrap="square" lIns="91425" tIns="91425" rIns="91425" bIns="91425" anchor="t" anchorCtr="0">
-            <a:noAutofit/>
-          </a:bodyPr>
-          <a:lstStyle/>
-          <a:p>
-            <a:pPr marL="0" lvl="0" indent="0" algn="l" rtl="0">
-              <a:spcBef>
-                <a:spcPts val="0"/>
-              </a:spcBef>
-              <a:spcAft>
-                <a:spcPts val="0"/>
-              </a:spcAft>
-              <a:buNone/>
-            </a:pPr>
-            <a:r>
-              <a:rPr lang="en-US"/>
-              <a:t>check all container are running</a:t>
-            </a:r>
-            <a:endParaRPr lang="en-US"/>
-          </a:p>
-          <a:p>
-            <a:pPr marL="0" lvl="0" indent="0" algn="l" rtl="0">
-              <a:spcBef>
-                <a:spcPts val="0"/>
-              </a:spcBef>
-              <a:spcAft>
-                <a:spcPts val="0"/>
-              </a:spcAft>
-              <a:buNone/>
-            </a:pPr>
-            <a:r>
-              <a:rPr lang="en-US"/>
-              <a:t>&gt;&gt; docker ps --all</a:t>
-            </a:r>
-            <a:endParaRPr lang="en-US"/>
-          </a:p>
-          <a:p>
-            <a:pPr marL="0" lvl="0" indent="0" algn="l" rtl="0">
-              <a:spcBef>
-                <a:spcPts val="0"/>
-              </a:spcBef>
-              <a:spcAft>
-                <a:spcPts val="0"/>
-              </a:spcAft>
-              <a:buNone/>
-            </a:pPr>
-            <a:r>
-              <a:rPr lang="en-US"/>
-              <a:t>run busybox container</a:t>
-            </a:r>
-            <a:endParaRPr lang="en-US"/>
-          </a:p>
-          <a:p>
-            <a:pPr marL="0" lvl="0" indent="0" algn="l" rtl="0">
-              <a:spcBef>
-                <a:spcPts val="0"/>
-              </a:spcBef>
-              <a:spcAft>
-                <a:spcPts val="0"/>
-              </a:spcAft>
-              <a:buNone/>
-            </a:pPr>
-            <a:r>
-              <a:rPr lang="en-US"/>
-              <a:t>&gt;&gt; docker run busybox echo hi there</a:t>
-            </a:r>
-            <a:endParaRPr lang="en-US"/>
-          </a:p>
-          <a:p>
-            <a:pPr marL="0" lvl="0" indent="0" algn="l" rtl="0">
-              <a:spcBef>
-                <a:spcPts val="0"/>
-              </a:spcBef>
-              <a:spcAft>
-                <a:spcPts val="0"/>
-              </a:spcAft>
-              <a:buNone/>
-            </a:pPr>
-            <a:r>
-              <a:rPr lang="en-US"/>
-              <a:t>check all containers are running</a:t>
-            </a:r>
-            <a:endParaRPr lang="en-US"/>
-          </a:p>
-          <a:p>
-            <a:pPr marL="0" lvl="0" indent="0" algn="l" rtl="0">
-              <a:spcBef>
-                <a:spcPts val="0"/>
-              </a:spcBef>
-              <a:spcAft>
-                <a:spcPts val="0"/>
-              </a:spcAft>
-              <a:buNone/>
-            </a:pPr>
-            <a:r>
-              <a:rPr lang="en-US"/>
-              <a:t>&gt;&gt; docker ps --all</a:t>
-            </a:r>
-            <a:endParaRPr lang="en-US"/>
-          </a:p>
-          <a:p>
-            <a:pPr marL="0" lvl="0" indent="0" algn="l" rtl="0">
-              <a:spcBef>
-                <a:spcPts val="0"/>
-              </a:spcBef>
-              <a:spcAft>
-                <a:spcPts val="0"/>
-              </a:spcAft>
-              <a:buNone/>
-            </a:pPr>
-            <a:r>
-              <a:rPr lang="en-US"/>
-              <a:t>Restart a stopped container by using its ID</a:t>
-            </a:r>
-            <a:endParaRPr lang="en-US"/>
-          </a:p>
-          <a:p>
-            <a:pPr marL="0" lvl="0" indent="0" algn="l" rtl="0">
-              <a:spcBef>
-                <a:spcPts val="0"/>
-              </a:spcBef>
-              <a:spcAft>
-                <a:spcPts val="0"/>
-              </a:spcAft>
-              <a:buNone/>
-            </a:pPr>
-            <a:r>
-              <a:rPr lang="en-US"/>
-              <a:t>&gt;&gt; docker start -a ID</a:t>
-            </a:r>
-            <a:endParaRPr lang="en-US"/>
-          </a:p>
-          <a:p>
-            <a:pPr marL="0" lvl="0" indent="0" algn="l" rtl="0">
-              <a:spcBef>
-                <a:spcPts val="0"/>
-              </a:spcBef>
-              <a:spcAft>
-                <a:spcPts val="0"/>
-              </a:spcAft>
-              <a:buNone/>
-            </a:pPr>
-            <a:r>
-              <a:rPr lang="en-US"/>
-              <a:t>=&gt; When run the container second time, The primary command will start automatically</a:t>
-            </a:r>
-            <a:endParaRPr lang="en-US"/>
-          </a:p>
-          <a:p>
-            <a:pPr marL="0" lvl="0" indent="0" algn="l" rtl="0">
-              <a:spcBef>
-                <a:spcPts val="0"/>
-              </a:spcBef>
-              <a:spcAft>
-                <a:spcPts val="0"/>
-              </a:spcAft>
-              <a:buNone/>
-            </a:pPr>
-            <a:r>
-              <a:rPr lang="en-US"/>
-              <a:t>If you try to change the default command, it still show error</a:t>
-            </a:r>
-            <a:endParaRPr lang="en-US"/>
-          </a:p>
-          <a:p>
-            <a:pPr marL="0" lvl="0" indent="0" algn="l" rtl="0">
-              <a:spcBef>
-                <a:spcPts val="0"/>
-              </a:spcBef>
-              <a:spcAft>
-                <a:spcPts val="0"/>
-              </a:spcAft>
-              <a:buNone/>
-            </a:pPr>
-            <a:r>
-              <a:rPr lang="en-US"/>
-              <a:t>&gt;&gt; docker start -a ID echo hello</a:t>
-            </a:r>
-            <a:endParaRPr lang="en-US"/>
-          </a:p>
-          <a:p>
-            <a:pPr marL="0" lvl="0" indent="0" algn="l" rtl="0">
-              <a:spcBef>
-                <a:spcPts val="0"/>
-              </a:spcBef>
-              <a:spcAft>
-                <a:spcPts val="0"/>
-              </a:spcAft>
-              <a:buNone/>
-            </a:pPr>
-            <a:r>
-              <a:rPr lang="en-US"/>
-              <a:t>=&gt; It will show the error because the current primary command here cannot override</a:t>
-            </a:r>
-            <a:endParaRPr lang="en-US"/>
-          </a:p>
-          <a:p>
-            <a:pPr marL="0" lvl="0" indent="0" algn="l" rtl="0">
-              <a:spcBef>
-                <a:spcPts val="0"/>
-              </a:spcBef>
-              <a:spcAft>
-                <a:spcPts val="0"/>
-              </a:spcAft>
-              <a:buNone/>
-            </a:pPr>
-            <a:endParaRPr lang="en-US"/>
-          </a:p>
-        </p:txBody>
-      </p:sp>
-    </p:spTree>
-  </p:cSld>
-  <p:clrMapOvr>
-    <a:masterClrMapping/>
-  </p:clrMapOvr>
-</p:notes>
-</file>
-
-<file path=ppt/notesSlides/notesSlide49.xml><?xml version="1.0" encoding="utf-8"?>
-<p:notes xmlns:a="http://schemas.openxmlformats.org/drawingml/2006/main" xmlns:r="http://schemas.openxmlformats.org/officeDocument/2006/relationships" xmlns:p="http://schemas.openxmlformats.org/presentationml/2006/main" showMasterPhAnim="0" showMasterSp="0">
-  <p:cSld>
-    <p:spTree>
-      <p:nvGrpSpPr>
-        <p:cNvPr id="74" name="Shape 74"/>
-        <p:cNvGrpSpPr/>
-        <p:nvPr/>
-      </p:nvGrpSpPr>
-      <p:grpSpPr>
-        <a:xfrm>
-          <a:off x="0" y="0"/>
-          <a:ext cx="0" cy="0"/>
-          <a:chOff x="0" y="0"/>
-          <a:chExt cx="0" cy="0"/>
-        </a:xfrm>
-      </p:grpSpPr>
-      <p:sp>
-        <p:nvSpPr>
-          <p:cNvPr id="75" name="Google Shape;75;gcad7496ea3_0_0:notes"/>
-          <p:cNvSpPr/>
-          <p:nvPr>
-            <p:ph type="sldImg" idx="2"/>
-          </p:nvPr>
-        </p:nvSpPr>
-        <p:spPr>
-          <a:xfrm>
-            <a:off x="381300" y="685800"/>
-            <a:ext cx="6096000" cy="3429000"/>
-          </a:xfrm>
-          <a:custGeom>
-            <a:avLst/>
-            <a:gdLst/>
-            <a:ahLst/>
-            <a:cxnLst/>
-            <a:rect l="l" t="t" r="r" b="b"/>
-            <a:pathLst>
-              <a:path w="120000" h="120000" extrusionOk="0">
-                <a:moveTo>
-                  <a:pt x="0" y="0"/>
-                </a:moveTo>
-                <a:lnTo>
-                  <a:pt x="120000" y="0"/>
-                </a:lnTo>
-                <a:lnTo>
-                  <a:pt x="120000" y="120000"/>
-                </a:lnTo>
-                <a:lnTo>
-                  <a:pt x="0" y="120000"/>
-                </a:lnTo>
-                <a:close/>
-              </a:path>
-            </a:pathLst>
-          </a:custGeom>
-        </p:spPr>
-      </p:sp>
-      <p:sp>
-        <p:nvSpPr>
-          <p:cNvPr id="76" name="Google Shape;76;gcad7496ea3_0_0:notes"/>
-          <p:cNvSpPr txBox="1"/>
-          <p:nvPr>
-            <p:ph type="body" idx="1"/>
-          </p:nvPr>
-        </p:nvSpPr>
-        <p:spPr>
-          <a:xfrm>
-            <a:off x="685800" y="4343400"/>
-            <a:ext cx="5486400" cy="4114800"/>
-          </a:xfrm>
-          <a:prstGeom prst="rect">
-            <a:avLst/>
-          </a:prstGeom>
-        </p:spPr>
-        <p:txBody>
-          <a:bodyPr spcFirstLastPara="1" wrap="square" lIns="91425" tIns="91425" rIns="91425" bIns="91425" anchor="t" anchorCtr="0">
-            <a:noAutofit/>
-          </a:bodyPr>
-          <a:lstStyle/>
-          <a:p>
-            <a:pPr marL="0" lvl="0" indent="0" algn="l" rtl="0">
-              <a:spcBef>
-                <a:spcPts val="0"/>
-              </a:spcBef>
-              <a:spcAft>
-                <a:spcPts val="0"/>
-              </a:spcAft>
-              <a:buNone/>
-            </a:pPr>
-            <a:endParaRPr lang="en-US"/>
           </a:p>
         </p:txBody>
       </p:sp>
@@ -5786,7 +4523,7 @@
 </p:notes>
 </file>
 
-<file path=ppt/notesSlides/notesSlide50.xml><?xml version="1.0" encoding="utf-8"?>
+<file path=ppt/notesSlides/notesSlide6.xml><?xml version="1.0" encoding="utf-8"?>
 <p:notes xmlns:a="http://schemas.openxmlformats.org/drawingml/2006/main" xmlns:r="http://schemas.openxmlformats.org/officeDocument/2006/relationships" xmlns:p="http://schemas.openxmlformats.org/presentationml/2006/main" showMasterPhAnim="0" showMasterSp="0">
   <p:cSld>
     <p:spTree>
@@ -5875,1697 +4612,6 @@
               <a:buNone/>
             </a:pPr>
             <a:endParaRPr lang="en-US"/>
-          </a:p>
-        </p:txBody>
-      </p:sp>
-    </p:spTree>
-  </p:cSld>
-  <p:clrMapOvr>
-    <a:masterClrMapping/>
-  </p:clrMapOvr>
-</p:notes>
-</file>
-
-<file path=ppt/notesSlides/notesSlide51.xml><?xml version="1.0" encoding="utf-8"?>
-<p:notes xmlns:a="http://schemas.openxmlformats.org/drawingml/2006/main" xmlns:r="http://schemas.openxmlformats.org/officeDocument/2006/relationships" xmlns:p="http://schemas.openxmlformats.org/presentationml/2006/main" showMasterPhAnim="0" showMasterSp="0">
-  <p:cSld>
-    <p:spTree>
-      <p:nvGrpSpPr>
-        <p:cNvPr id="74" name="Shape 74"/>
-        <p:cNvGrpSpPr/>
-        <p:nvPr/>
-      </p:nvGrpSpPr>
-      <p:grpSpPr>
-        <a:xfrm>
-          <a:off x="0" y="0"/>
-          <a:ext cx="0" cy="0"/>
-          <a:chOff x="0" y="0"/>
-          <a:chExt cx="0" cy="0"/>
-        </a:xfrm>
-      </p:grpSpPr>
-      <p:sp>
-        <p:nvSpPr>
-          <p:cNvPr id="75" name="Google Shape;75;gcad7496ea3_0_0:notes"/>
-          <p:cNvSpPr/>
-          <p:nvPr>
-            <p:ph type="sldImg" idx="2"/>
-          </p:nvPr>
-        </p:nvSpPr>
-        <p:spPr>
-          <a:xfrm>
-            <a:off x="381300" y="685800"/>
-            <a:ext cx="6096000" cy="3429000"/>
-          </a:xfrm>
-          <a:custGeom>
-            <a:avLst/>
-            <a:gdLst/>
-            <a:ahLst/>
-            <a:cxnLst/>
-            <a:rect l="l" t="t" r="r" b="b"/>
-            <a:pathLst>
-              <a:path w="120000" h="120000" extrusionOk="0">
-                <a:moveTo>
-                  <a:pt x="0" y="0"/>
-                </a:moveTo>
-                <a:lnTo>
-                  <a:pt x="120000" y="0"/>
-                </a:lnTo>
-                <a:lnTo>
-                  <a:pt x="120000" y="120000"/>
-                </a:lnTo>
-                <a:lnTo>
-                  <a:pt x="0" y="120000"/>
-                </a:lnTo>
-                <a:close/>
-              </a:path>
-            </a:pathLst>
-          </a:custGeom>
-        </p:spPr>
-      </p:sp>
-      <p:sp>
-        <p:nvSpPr>
-          <p:cNvPr id="76" name="Google Shape;76;gcad7496ea3_0_0:notes"/>
-          <p:cNvSpPr txBox="1"/>
-          <p:nvPr>
-            <p:ph type="body" idx="1"/>
-          </p:nvPr>
-        </p:nvSpPr>
-        <p:spPr>
-          <a:xfrm>
-            <a:off x="685800" y="4343400"/>
-            <a:ext cx="5486400" cy="4114800"/>
-          </a:xfrm>
-          <a:prstGeom prst="rect">
-            <a:avLst/>
-          </a:prstGeom>
-        </p:spPr>
-        <p:txBody>
-          <a:bodyPr spcFirstLastPara="1" wrap="square" lIns="91425" tIns="91425" rIns="91425" bIns="91425" anchor="t" anchorCtr="0">
-            <a:noAutofit/>
-          </a:bodyPr>
-          <a:lstStyle/>
-          <a:p>
-            <a:pPr marL="0" lvl="0" indent="0" algn="l" rtl="0">
-              <a:spcBef>
-                <a:spcPts val="0"/>
-              </a:spcBef>
-              <a:spcAft>
-                <a:spcPts val="0"/>
-              </a:spcAft>
-              <a:buNone/>
-            </a:pPr>
-            <a:endParaRPr lang="en-US"/>
-          </a:p>
-        </p:txBody>
-      </p:sp>
-    </p:spTree>
-  </p:cSld>
-  <p:clrMapOvr>
-    <a:masterClrMapping/>
-  </p:clrMapOvr>
-</p:notes>
-</file>
-
-<file path=ppt/notesSlides/notesSlide52.xml><?xml version="1.0" encoding="utf-8"?>
-<p:notes xmlns:a="http://schemas.openxmlformats.org/drawingml/2006/main" xmlns:r="http://schemas.openxmlformats.org/officeDocument/2006/relationships" xmlns:p="http://schemas.openxmlformats.org/presentationml/2006/main" showMasterPhAnim="0" showMasterSp="0">
-  <p:cSld>
-    <p:spTree>
-      <p:nvGrpSpPr>
-        <p:cNvPr id="74" name="Shape 74"/>
-        <p:cNvGrpSpPr/>
-        <p:nvPr/>
-      </p:nvGrpSpPr>
-      <p:grpSpPr>
-        <a:xfrm>
-          <a:off x="0" y="0"/>
-          <a:ext cx="0" cy="0"/>
-          <a:chOff x="0" y="0"/>
-          <a:chExt cx="0" cy="0"/>
-        </a:xfrm>
-      </p:grpSpPr>
-      <p:sp>
-        <p:nvSpPr>
-          <p:cNvPr id="75" name="Google Shape;75;gcad7496ea3_0_0:notes"/>
-          <p:cNvSpPr/>
-          <p:nvPr>
-            <p:ph type="sldImg" idx="2"/>
-          </p:nvPr>
-        </p:nvSpPr>
-        <p:spPr>
-          <a:xfrm>
-            <a:off x="381300" y="685800"/>
-            <a:ext cx="6096000" cy="3429000"/>
-          </a:xfrm>
-          <a:custGeom>
-            <a:avLst/>
-            <a:gdLst/>
-            <a:ahLst/>
-            <a:cxnLst/>
-            <a:rect l="l" t="t" r="r" b="b"/>
-            <a:pathLst>
-              <a:path w="120000" h="120000" extrusionOk="0">
-                <a:moveTo>
-                  <a:pt x="0" y="0"/>
-                </a:moveTo>
-                <a:lnTo>
-                  <a:pt x="120000" y="0"/>
-                </a:lnTo>
-                <a:lnTo>
-                  <a:pt x="120000" y="120000"/>
-                </a:lnTo>
-                <a:lnTo>
-                  <a:pt x="0" y="120000"/>
-                </a:lnTo>
-                <a:close/>
-              </a:path>
-            </a:pathLst>
-          </a:custGeom>
-        </p:spPr>
-      </p:sp>
-      <p:sp>
-        <p:nvSpPr>
-          <p:cNvPr id="76" name="Google Shape;76;gcad7496ea3_0_0:notes"/>
-          <p:cNvSpPr txBox="1"/>
-          <p:nvPr>
-            <p:ph type="body" idx="1"/>
-          </p:nvPr>
-        </p:nvSpPr>
-        <p:spPr>
-          <a:xfrm>
-            <a:off x="685800" y="4343400"/>
-            <a:ext cx="5486400" cy="4114800"/>
-          </a:xfrm>
-          <a:prstGeom prst="rect">
-            <a:avLst/>
-          </a:prstGeom>
-        </p:spPr>
-        <p:txBody>
-          <a:bodyPr spcFirstLastPara="1" wrap="square" lIns="91425" tIns="91425" rIns="91425" bIns="91425" anchor="t" anchorCtr="0">
-            <a:noAutofit/>
-          </a:bodyPr>
-          <a:lstStyle/>
-          <a:p>
-            <a:pPr marL="0" lvl="0" indent="0" algn="l" rtl="0">
-              <a:spcBef>
-                <a:spcPts val="0"/>
-              </a:spcBef>
-              <a:spcAft>
-                <a:spcPts val="0"/>
-              </a:spcAft>
-              <a:buNone/>
-            </a:pPr>
-            <a:endParaRPr lang="en-US"/>
-          </a:p>
-        </p:txBody>
-      </p:sp>
-    </p:spTree>
-  </p:cSld>
-  <p:clrMapOvr>
-    <a:masterClrMapping/>
-  </p:clrMapOvr>
-</p:notes>
-</file>
-
-<file path=ppt/notesSlides/notesSlide53.xml><?xml version="1.0" encoding="utf-8"?>
-<p:notes xmlns:a="http://schemas.openxmlformats.org/drawingml/2006/main" xmlns:r="http://schemas.openxmlformats.org/officeDocument/2006/relationships" xmlns:p="http://schemas.openxmlformats.org/presentationml/2006/main" showMasterPhAnim="0" showMasterSp="0">
-  <p:cSld>
-    <p:spTree>
-      <p:nvGrpSpPr>
-        <p:cNvPr id="74" name="Shape 74"/>
-        <p:cNvGrpSpPr/>
-        <p:nvPr/>
-      </p:nvGrpSpPr>
-      <p:grpSpPr>
-        <a:xfrm>
-          <a:off x="0" y="0"/>
-          <a:ext cx="0" cy="0"/>
-          <a:chOff x="0" y="0"/>
-          <a:chExt cx="0" cy="0"/>
-        </a:xfrm>
-      </p:grpSpPr>
-      <p:sp>
-        <p:nvSpPr>
-          <p:cNvPr id="75" name="Google Shape;75;gcad7496ea3_0_0:notes"/>
-          <p:cNvSpPr/>
-          <p:nvPr>
-            <p:ph type="sldImg" idx="2"/>
-          </p:nvPr>
-        </p:nvSpPr>
-        <p:spPr>
-          <a:xfrm>
-            <a:off x="381300" y="685800"/>
-            <a:ext cx="6096000" cy="3429000"/>
-          </a:xfrm>
-          <a:custGeom>
-            <a:avLst/>
-            <a:gdLst/>
-            <a:ahLst/>
-            <a:cxnLst/>
-            <a:rect l="l" t="t" r="r" b="b"/>
-            <a:pathLst>
-              <a:path w="120000" h="120000" extrusionOk="0">
-                <a:moveTo>
-                  <a:pt x="0" y="0"/>
-                </a:moveTo>
-                <a:lnTo>
-                  <a:pt x="120000" y="0"/>
-                </a:lnTo>
-                <a:lnTo>
-                  <a:pt x="120000" y="120000"/>
-                </a:lnTo>
-                <a:lnTo>
-                  <a:pt x="0" y="120000"/>
-                </a:lnTo>
-                <a:close/>
-              </a:path>
-            </a:pathLst>
-          </a:custGeom>
-        </p:spPr>
-      </p:sp>
-      <p:sp>
-        <p:nvSpPr>
-          <p:cNvPr id="76" name="Google Shape;76;gcad7496ea3_0_0:notes"/>
-          <p:cNvSpPr txBox="1"/>
-          <p:nvPr>
-            <p:ph type="body" idx="1"/>
-          </p:nvPr>
-        </p:nvSpPr>
-        <p:spPr>
-          <a:xfrm>
-            <a:off x="685800" y="4343400"/>
-            <a:ext cx="5486400" cy="4114800"/>
-          </a:xfrm>
-          <a:prstGeom prst="rect">
-            <a:avLst/>
-          </a:prstGeom>
-        </p:spPr>
-        <p:txBody>
-          <a:bodyPr spcFirstLastPara="1" wrap="square" lIns="91425" tIns="91425" rIns="91425" bIns="91425" anchor="t" anchorCtr="0">
-            <a:noAutofit/>
-          </a:bodyPr>
-          <a:lstStyle/>
-          <a:p>
-            <a:pPr marL="0" lvl="0" indent="0" algn="l" rtl="0">
-              <a:spcBef>
-                <a:spcPts val="0"/>
-              </a:spcBef>
-              <a:spcAft>
-                <a:spcPts val="0"/>
-              </a:spcAft>
-              <a:buNone/>
-            </a:pPr>
-            <a:r>
-              <a:rPr lang="en-US"/>
-              <a:t>stop and kill are used to stop and kill a container. But it has a different</a:t>
-            </a:r>
-            <a:endParaRPr lang="en-US"/>
-          </a:p>
-          <a:p>
-            <a:pPr marL="0" lvl="0" indent="0" algn="l" rtl="0">
-              <a:spcBef>
-                <a:spcPts val="0"/>
-              </a:spcBef>
-              <a:spcAft>
-                <a:spcPts val="0"/>
-              </a:spcAft>
-              <a:buNone/>
-            </a:pPr>
-            <a:r>
-              <a:rPr lang="en-US"/>
-              <a:t>when use stop command, a hardware signal sent  to the primary process inside the container (SIGTERM mean terminate signal) to let the container know to shutdown now with a little bit time to clean up the conainer (save files, or emit some messages,...)</a:t>
-            </a:r>
-            <a:endParaRPr lang="en-US"/>
-          </a:p>
-          <a:p>
-            <a:pPr marL="0" lvl="0" indent="0" algn="l" rtl="0">
-              <a:spcBef>
-                <a:spcPts val="0"/>
-              </a:spcBef>
-              <a:spcAft>
-                <a:spcPts val="0"/>
-              </a:spcAft>
-              <a:buNone/>
-            </a:pPr>
-            <a:r>
-              <a:rPr lang="en-US"/>
-              <a:t>- if the container does not stop in 10 seconds, it wil call kill command.</a:t>
-            </a:r>
-            <a:endParaRPr lang="en-US"/>
-          </a:p>
-          <a:p>
-            <a:pPr marL="0" lvl="0" indent="0" algn="l" rtl="0">
-              <a:spcBef>
-                <a:spcPts val="0"/>
-              </a:spcBef>
-              <a:spcAft>
-                <a:spcPts val="0"/>
-              </a:spcAft>
-              <a:buNone/>
-            </a:pPr>
-            <a:endParaRPr lang="en-US"/>
-          </a:p>
-          <a:p>
-            <a:pPr marL="0" lvl="0" indent="0" algn="l" rtl="0">
-              <a:spcBef>
-                <a:spcPts val="0"/>
-              </a:spcBef>
-              <a:spcAft>
-                <a:spcPts val="0"/>
-              </a:spcAft>
-              <a:buNone/>
-            </a:pPr>
-            <a:r>
-              <a:rPr lang="en-US"/>
-              <a:t>kill command: to sent a signal to the primary container to kill the container immediatelly.</a:t>
-            </a:r>
-            <a:endParaRPr lang="en-US"/>
-          </a:p>
-        </p:txBody>
-      </p:sp>
-    </p:spTree>
-  </p:cSld>
-  <p:clrMapOvr>
-    <a:masterClrMapping/>
-  </p:clrMapOvr>
-</p:notes>
-</file>
-
-<file path=ppt/notesSlides/notesSlide54.xml><?xml version="1.0" encoding="utf-8"?>
-<p:notes xmlns:a="http://schemas.openxmlformats.org/drawingml/2006/main" xmlns:r="http://schemas.openxmlformats.org/officeDocument/2006/relationships" xmlns:p="http://schemas.openxmlformats.org/presentationml/2006/main" showMasterPhAnim="0" showMasterSp="0">
-  <p:cSld>
-    <p:spTree>
-      <p:nvGrpSpPr>
-        <p:cNvPr id="74" name="Shape 74"/>
-        <p:cNvGrpSpPr/>
-        <p:nvPr/>
-      </p:nvGrpSpPr>
-      <p:grpSpPr>
-        <a:xfrm>
-          <a:off x="0" y="0"/>
-          <a:ext cx="0" cy="0"/>
-          <a:chOff x="0" y="0"/>
-          <a:chExt cx="0" cy="0"/>
-        </a:xfrm>
-      </p:grpSpPr>
-      <p:sp>
-        <p:nvSpPr>
-          <p:cNvPr id="75" name="Google Shape;75;gcad7496ea3_0_0:notes"/>
-          <p:cNvSpPr/>
-          <p:nvPr>
-            <p:ph type="sldImg" idx="2"/>
-          </p:nvPr>
-        </p:nvSpPr>
-        <p:spPr>
-          <a:xfrm>
-            <a:off x="381300" y="685800"/>
-            <a:ext cx="6096000" cy="3429000"/>
-          </a:xfrm>
-          <a:custGeom>
-            <a:avLst/>
-            <a:gdLst/>
-            <a:ahLst/>
-            <a:cxnLst/>
-            <a:rect l="l" t="t" r="r" b="b"/>
-            <a:pathLst>
-              <a:path w="120000" h="120000" extrusionOk="0">
-                <a:moveTo>
-                  <a:pt x="0" y="0"/>
-                </a:moveTo>
-                <a:lnTo>
-                  <a:pt x="120000" y="0"/>
-                </a:lnTo>
-                <a:lnTo>
-                  <a:pt x="120000" y="120000"/>
-                </a:lnTo>
-                <a:lnTo>
-                  <a:pt x="0" y="120000"/>
-                </a:lnTo>
-                <a:close/>
-              </a:path>
-            </a:pathLst>
-          </a:custGeom>
-        </p:spPr>
-      </p:sp>
-      <p:sp>
-        <p:nvSpPr>
-          <p:cNvPr id="76" name="Google Shape;76;gcad7496ea3_0_0:notes"/>
-          <p:cNvSpPr txBox="1"/>
-          <p:nvPr>
-            <p:ph type="body" idx="1"/>
-          </p:nvPr>
-        </p:nvSpPr>
-        <p:spPr>
-          <a:xfrm>
-            <a:off x="685800" y="4343400"/>
-            <a:ext cx="5486400" cy="4114800"/>
-          </a:xfrm>
-          <a:prstGeom prst="rect">
-            <a:avLst/>
-          </a:prstGeom>
-        </p:spPr>
-        <p:txBody>
-          <a:bodyPr spcFirstLastPara="1" wrap="square" lIns="91425" tIns="91425" rIns="91425" bIns="91425" anchor="t" anchorCtr="0">
-            <a:noAutofit/>
-          </a:bodyPr>
-          <a:lstStyle/>
-          <a:p>
-            <a:pPr marL="0" lvl="0" indent="0" algn="l" rtl="0">
-              <a:spcBef>
-                <a:spcPts val="0"/>
-              </a:spcBef>
-              <a:spcAft>
-                <a:spcPts val="0"/>
-              </a:spcAft>
-              <a:buNone/>
-            </a:pPr>
-            <a:endParaRPr lang="en-US"/>
-          </a:p>
-        </p:txBody>
-      </p:sp>
-    </p:spTree>
-  </p:cSld>
-  <p:clrMapOvr>
-    <a:masterClrMapping/>
-  </p:clrMapOvr>
-</p:notes>
-</file>
-
-<file path=ppt/notesSlides/notesSlide55.xml><?xml version="1.0" encoding="utf-8"?>
-<p:notes xmlns:a="http://schemas.openxmlformats.org/drawingml/2006/main" xmlns:r="http://schemas.openxmlformats.org/officeDocument/2006/relationships" xmlns:p="http://schemas.openxmlformats.org/presentationml/2006/main" showMasterPhAnim="0" showMasterSp="0">
-  <p:cSld>
-    <p:spTree>
-      <p:nvGrpSpPr>
-        <p:cNvPr id="74" name="Shape 74"/>
-        <p:cNvGrpSpPr/>
-        <p:nvPr/>
-      </p:nvGrpSpPr>
-      <p:grpSpPr>
-        <a:xfrm>
-          <a:off x="0" y="0"/>
-          <a:ext cx="0" cy="0"/>
-          <a:chOff x="0" y="0"/>
-          <a:chExt cx="0" cy="0"/>
-        </a:xfrm>
-      </p:grpSpPr>
-      <p:sp>
-        <p:nvSpPr>
-          <p:cNvPr id="75" name="Google Shape;75;gcad7496ea3_0_0:notes"/>
-          <p:cNvSpPr/>
-          <p:nvPr>
-            <p:ph type="sldImg" idx="2"/>
-          </p:nvPr>
-        </p:nvSpPr>
-        <p:spPr>
-          <a:xfrm>
-            <a:off x="381300" y="685800"/>
-            <a:ext cx="6096000" cy="3429000"/>
-          </a:xfrm>
-          <a:custGeom>
-            <a:avLst/>
-            <a:gdLst/>
-            <a:ahLst/>
-            <a:cxnLst/>
-            <a:rect l="l" t="t" r="r" b="b"/>
-            <a:pathLst>
-              <a:path w="120000" h="120000" extrusionOk="0">
-                <a:moveTo>
-                  <a:pt x="0" y="0"/>
-                </a:moveTo>
-                <a:lnTo>
-                  <a:pt x="120000" y="0"/>
-                </a:lnTo>
-                <a:lnTo>
-                  <a:pt x="120000" y="120000"/>
-                </a:lnTo>
-                <a:lnTo>
-                  <a:pt x="0" y="120000"/>
-                </a:lnTo>
-                <a:close/>
-              </a:path>
-            </a:pathLst>
-          </a:custGeom>
-        </p:spPr>
-      </p:sp>
-      <p:sp>
-        <p:nvSpPr>
-          <p:cNvPr id="76" name="Google Shape;76;gcad7496ea3_0_0:notes"/>
-          <p:cNvSpPr txBox="1"/>
-          <p:nvPr>
-            <p:ph type="body" idx="1"/>
-          </p:nvPr>
-        </p:nvSpPr>
-        <p:spPr>
-          <a:xfrm>
-            <a:off x="685800" y="4343400"/>
-            <a:ext cx="5486400" cy="4114800"/>
-          </a:xfrm>
-          <a:prstGeom prst="rect">
-            <a:avLst/>
-          </a:prstGeom>
-        </p:spPr>
-        <p:txBody>
-          <a:bodyPr spcFirstLastPara="1" wrap="square" lIns="91425" tIns="91425" rIns="91425" bIns="91425" anchor="t" anchorCtr="0">
-            <a:noAutofit/>
-          </a:bodyPr>
-          <a:lstStyle/>
-          <a:p>
-            <a:pPr marL="0" lvl="0" indent="0" algn="l" rtl="0">
-              <a:spcBef>
-                <a:spcPts val="0"/>
-              </a:spcBef>
-              <a:spcAft>
-                <a:spcPts val="0"/>
-              </a:spcAft>
-              <a:buNone/>
-            </a:pPr>
-            <a:endParaRPr lang="en-US"/>
-          </a:p>
-        </p:txBody>
-      </p:sp>
-    </p:spTree>
-  </p:cSld>
-  <p:clrMapOvr>
-    <a:masterClrMapping/>
-  </p:clrMapOvr>
-</p:notes>
-</file>
-
-<file path=ppt/notesSlides/notesSlide56.xml><?xml version="1.0" encoding="utf-8"?>
-<p:notes xmlns:a="http://schemas.openxmlformats.org/drawingml/2006/main" xmlns:r="http://schemas.openxmlformats.org/officeDocument/2006/relationships" xmlns:p="http://schemas.openxmlformats.org/presentationml/2006/main" showMasterPhAnim="0" showMasterSp="0">
-  <p:cSld>
-    <p:spTree>
-      <p:nvGrpSpPr>
-        <p:cNvPr id="74" name="Shape 74"/>
-        <p:cNvGrpSpPr/>
-        <p:nvPr/>
-      </p:nvGrpSpPr>
-      <p:grpSpPr>
-        <a:xfrm>
-          <a:off x="0" y="0"/>
-          <a:ext cx="0" cy="0"/>
-          <a:chOff x="0" y="0"/>
-          <a:chExt cx="0" cy="0"/>
-        </a:xfrm>
-      </p:grpSpPr>
-      <p:sp>
-        <p:nvSpPr>
-          <p:cNvPr id="75" name="Google Shape;75;gcad7496ea3_0_0:notes"/>
-          <p:cNvSpPr/>
-          <p:nvPr>
-            <p:ph type="sldImg" idx="2"/>
-          </p:nvPr>
-        </p:nvSpPr>
-        <p:spPr>
-          <a:xfrm>
-            <a:off x="381300" y="685800"/>
-            <a:ext cx="6096000" cy="3429000"/>
-          </a:xfrm>
-          <a:custGeom>
-            <a:avLst/>
-            <a:gdLst/>
-            <a:ahLst/>
-            <a:cxnLst/>
-            <a:rect l="l" t="t" r="r" b="b"/>
-            <a:pathLst>
-              <a:path w="120000" h="120000" extrusionOk="0">
-                <a:moveTo>
-                  <a:pt x="0" y="0"/>
-                </a:moveTo>
-                <a:lnTo>
-                  <a:pt x="120000" y="0"/>
-                </a:lnTo>
-                <a:lnTo>
-                  <a:pt x="120000" y="120000"/>
-                </a:lnTo>
-                <a:lnTo>
-                  <a:pt x="0" y="120000"/>
-                </a:lnTo>
-                <a:close/>
-              </a:path>
-            </a:pathLst>
-          </a:custGeom>
-        </p:spPr>
-      </p:sp>
-      <p:sp>
-        <p:nvSpPr>
-          <p:cNvPr id="76" name="Google Shape;76;gcad7496ea3_0_0:notes"/>
-          <p:cNvSpPr txBox="1"/>
-          <p:nvPr>
-            <p:ph type="body" idx="1"/>
-          </p:nvPr>
-        </p:nvSpPr>
-        <p:spPr>
-          <a:xfrm>
-            <a:off x="685800" y="4343400"/>
-            <a:ext cx="5486400" cy="4114800"/>
-          </a:xfrm>
-          <a:prstGeom prst="rect">
-            <a:avLst/>
-          </a:prstGeom>
-        </p:spPr>
-        <p:txBody>
-          <a:bodyPr spcFirstLastPara="1" wrap="square" lIns="91425" tIns="91425" rIns="91425" bIns="91425" anchor="t" anchorCtr="0">
-            <a:noAutofit/>
-          </a:bodyPr>
-          <a:lstStyle/>
-          <a:p>
-            <a:pPr marL="0" lvl="0" indent="0" algn="l" rtl="0">
-              <a:spcBef>
-                <a:spcPts val="0"/>
-              </a:spcBef>
-              <a:spcAft>
-                <a:spcPts val="0"/>
-              </a:spcAft>
-              <a:buNone/>
-            </a:pPr>
-            <a:endParaRPr lang="en-US"/>
-          </a:p>
-        </p:txBody>
-      </p:sp>
-    </p:spTree>
-  </p:cSld>
-  <p:clrMapOvr>
-    <a:masterClrMapping/>
-  </p:clrMapOvr>
-</p:notes>
-</file>
-
-<file path=ppt/notesSlides/notesSlide57.xml><?xml version="1.0" encoding="utf-8"?>
-<p:notes xmlns:a="http://schemas.openxmlformats.org/drawingml/2006/main" xmlns:r="http://schemas.openxmlformats.org/officeDocument/2006/relationships" xmlns:p="http://schemas.openxmlformats.org/presentationml/2006/main" showMasterPhAnim="0" showMasterSp="0">
-  <p:cSld>
-    <p:spTree>
-      <p:nvGrpSpPr>
-        <p:cNvPr id="74" name="Shape 74"/>
-        <p:cNvGrpSpPr/>
-        <p:nvPr/>
-      </p:nvGrpSpPr>
-      <p:grpSpPr>
-        <a:xfrm>
-          <a:off x="0" y="0"/>
-          <a:ext cx="0" cy="0"/>
-          <a:chOff x="0" y="0"/>
-          <a:chExt cx="0" cy="0"/>
-        </a:xfrm>
-      </p:grpSpPr>
-      <p:sp>
-        <p:nvSpPr>
-          <p:cNvPr id="75" name="Google Shape;75;gcad7496ea3_0_0:notes"/>
-          <p:cNvSpPr/>
-          <p:nvPr>
-            <p:ph type="sldImg" idx="2"/>
-          </p:nvPr>
-        </p:nvSpPr>
-        <p:spPr>
-          <a:xfrm>
-            <a:off x="381300" y="685800"/>
-            <a:ext cx="6096000" cy="3429000"/>
-          </a:xfrm>
-          <a:custGeom>
-            <a:avLst/>
-            <a:gdLst/>
-            <a:ahLst/>
-            <a:cxnLst/>
-            <a:rect l="l" t="t" r="r" b="b"/>
-            <a:pathLst>
-              <a:path w="120000" h="120000" extrusionOk="0">
-                <a:moveTo>
-                  <a:pt x="0" y="0"/>
-                </a:moveTo>
-                <a:lnTo>
-                  <a:pt x="120000" y="0"/>
-                </a:lnTo>
-                <a:lnTo>
-                  <a:pt x="120000" y="120000"/>
-                </a:lnTo>
-                <a:lnTo>
-                  <a:pt x="0" y="120000"/>
-                </a:lnTo>
-                <a:close/>
-              </a:path>
-            </a:pathLst>
-          </a:custGeom>
-        </p:spPr>
-      </p:sp>
-      <p:sp>
-        <p:nvSpPr>
-          <p:cNvPr id="76" name="Google Shape;76;gcad7496ea3_0_0:notes"/>
-          <p:cNvSpPr txBox="1"/>
-          <p:nvPr>
-            <p:ph type="body" idx="1"/>
-          </p:nvPr>
-        </p:nvSpPr>
-        <p:spPr>
-          <a:xfrm>
-            <a:off x="685800" y="4343400"/>
-            <a:ext cx="5486400" cy="4114800"/>
-          </a:xfrm>
-          <a:prstGeom prst="rect">
-            <a:avLst/>
-          </a:prstGeom>
-        </p:spPr>
-        <p:txBody>
-          <a:bodyPr spcFirstLastPara="1" wrap="square" lIns="91425" tIns="91425" rIns="91425" bIns="91425" anchor="t" anchorCtr="0">
-            <a:noAutofit/>
-          </a:bodyPr>
-          <a:lstStyle/>
-          <a:p>
-            <a:pPr marL="0" lvl="0" indent="0" algn="l" rtl="0">
-              <a:spcBef>
-                <a:spcPts val="0"/>
-              </a:spcBef>
-              <a:spcAft>
-                <a:spcPts val="0"/>
-              </a:spcAft>
-              <a:buNone/>
-            </a:pPr>
-            <a:endParaRPr lang="en-US"/>
-          </a:p>
-        </p:txBody>
-      </p:sp>
-    </p:spTree>
-  </p:cSld>
-  <p:clrMapOvr>
-    <a:masterClrMapping/>
-  </p:clrMapOvr>
-</p:notes>
-</file>
-
-<file path=ppt/notesSlides/notesSlide58.xml><?xml version="1.0" encoding="utf-8"?>
-<p:notes xmlns:a="http://schemas.openxmlformats.org/drawingml/2006/main" xmlns:r="http://schemas.openxmlformats.org/officeDocument/2006/relationships" xmlns:p="http://schemas.openxmlformats.org/presentationml/2006/main" showMasterPhAnim="0" showMasterSp="0">
-  <p:cSld>
-    <p:spTree>
-      <p:nvGrpSpPr>
-        <p:cNvPr id="74" name="Shape 74"/>
-        <p:cNvGrpSpPr/>
-        <p:nvPr/>
-      </p:nvGrpSpPr>
-      <p:grpSpPr>
-        <a:xfrm>
-          <a:off x="0" y="0"/>
-          <a:ext cx="0" cy="0"/>
-          <a:chOff x="0" y="0"/>
-          <a:chExt cx="0" cy="0"/>
-        </a:xfrm>
-      </p:grpSpPr>
-      <p:sp>
-        <p:nvSpPr>
-          <p:cNvPr id="75" name="Google Shape;75;gcad7496ea3_0_0:notes"/>
-          <p:cNvSpPr/>
-          <p:nvPr>
-            <p:ph type="sldImg" idx="2"/>
-          </p:nvPr>
-        </p:nvSpPr>
-        <p:spPr>
-          <a:xfrm>
-            <a:off x="381300" y="685800"/>
-            <a:ext cx="6096000" cy="3429000"/>
-          </a:xfrm>
-          <a:custGeom>
-            <a:avLst/>
-            <a:gdLst/>
-            <a:ahLst/>
-            <a:cxnLst/>
-            <a:rect l="l" t="t" r="r" b="b"/>
-            <a:pathLst>
-              <a:path w="120000" h="120000" extrusionOk="0">
-                <a:moveTo>
-                  <a:pt x="0" y="0"/>
-                </a:moveTo>
-                <a:lnTo>
-                  <a:pt x="120000" y="0"/>
-                </a:lnTo>
-                <a:lnTo>
-                  <a:pt x="120000" y="120000"/>
-                </a:lnTo>
-                <a:lnTo>
-                  <a:pt x="0" y="120000"/>
-                </a:lnTo>
-                <a:close/>
-              </a:path>
-            </a:pathLst>
-          </a:custGeom>
-        </p:spPr>
-      </p:sp>
-      <p:sp>
-        <p:nvSpPr>
-          <p:cNvPr id="76" name="Google Shape;76;gcad7496ea3_0_0:notes"/>
-          <p:cNvSpPr txBox="1"/>
-          <p:nvPr>
-            <p:ph type="body" idx="1"/>
-          </p:nvPr>
-        </p:nvSpPr>
-        <p:spPr>
-          <a:xfrm>
-            <a:off x="685800" y="4343400"/>
-            <a:ext cx="5486400" cy="4114800"/>
-          </a:xfrm>
-          <a:prstGeom prst="rect">
-            <a:avLst/>
-          </a:prstGeom>
-        </p:spPr>
-        <p:txBody>
-          <a:bodyPr spcFirstLastPara="1" wrap="square" lIns="91425" tIns="91425" rIns="91425" bIns="91425" anchor="t" anchorCtr="0">
-            <a:noAutofit/>
-          </a:bodyPr>
-          <a:lstStyle/>
-          <a:p>
-            <a:pPr marL="0" lvl="0" indent="0" algn="l" rtl="0">
-              <a:spcBef>
-                <a:spcPts val="0"/>
-              </a:spcBef>
-              <a:spcAft>
-                <a:spcPts val="0"/>
-              </a:spcAft>
-              <a:buNone/>
-            </a:pPr>
-            <a:endParaRPr lang="en-US"/>
-          </a:p>
-        </p:txBody>
-      </p:sp>
-    </p:spTree>
-  </p:cSld>
-  <p:clrMapOvr>
-    <a:masterClrMapping/>
-  </p:clrMapOvr>
-</p:notes>
-</file>
-
-<file path=ppt/notesSlides/notesSlide59.xml><?xml version="1.0" encoding="utf-8"?>
-<p:notes xmlns:a="http://schemas.openxmlformats.org/drawingml/2006/main" xmlns:r="http://schemas.openxmlformats.org/officeDocument/2006/relationships" xmlns:p="http://schemas.openxmlformats.org/presentationml/2006/main" showMasterPhAnim="0" showMasterSp="0">
-  <p:cSld>
-    <p:spTree>
-      <p:nvGrpSpPr>
-        <p:cNvPr id="74" name="Shape 74"/>
-        <p:cNvGrpSpPr/>
-        <p:nvPr/>
-      </p:nvGrpSpPr>
-      <p:grpSpPr>
-        <a:xfrm>
-          <a:off x="0" y="0"/>
-          <a:ext cx="0" cy="0"/>
-          <a:chOff x="0" y="0"/>
-          <a:chExt cx="0" cy="0"/>
-        </a:xfrm>
-      </p:grpSpPr>
-      <p:sp>
-        <p:nvSpPr>
-          <p:cNvPr id="75" name="Google Shape;75;gcad7496ea3_0_0:notes"/>
-          <p:cNvSpPr/>
-          <p:nvPr>
-            <p:ph type="sldImg" idx="2"/>
-          </p:nvPr>
-        </p:nvSpPr>
-        <p:spPr>
-          <a:xfrm>
-            <a:off x="381300" y="685800"/>
-            <a:ext cx="6096000" cy="3429000"/>
-          </a:xfrm>
-          <a:custGeom>
-            <a:avLst/>
-            <a:gdLst/>
-            <a:ahLst/>
-            <a:cxnLst/>
-            <a:rect l="l" t="t" r="r" b="b"/>
-            <a:pathLst>
-              <a:path w="120000" h="120000" extrusionOk="0">
-                <a:moveTo>
-                  <a:pt x="0" y="0"/>
-                </a:moveTo>
-                <a:lnTo>
-                  <a:pt x="120000" y="0"/>
-                </a:lnTo>
-                <a:lnTo>
-                  <a:pt x="120000" y="120000"/>
-                </a:lnTo>
-                <a:lnTo>
-                  <a:pt x="0" y="120000"/>
-                </a:lnTo>
-                <a:close/>
-              </a:path>
-            </a:pathLst>
-          </a:custGeom>
-        </p:spPr>
-      </p:sp>
-      <p:sp>
-        <p:nvSpPr>
-          <p:cNvPr id="76" name="Google Shape;76;gcad7496ea3_0_0:notes"/>
-          <p:cNvSpPr txBox="1"/>
-          <p:nvPr>
-            <p:ph type="body" idx="1"/>
-          </p:nvPr>
-        </p:nvSpPr>
-        <p:spPr>
-          <a:xfrm>
-            <a:off x="685800" y="4343400"/>
-            <a:ext cx="5486400" cy="4114800"/>
-          </a:xfrm>
-          <a:prstGeom prst="rect">
-            <a:avLst/>
-          </a:prstGeom>
-        </p:spPr>
-        <p:txBody>
-          <a:bodyPr spcFirstLastPara="1" wrap="square" lIns="91425" tIns="91425" rIns="91425" bIns="91425" anchor="t" anchorCtr="0">
-            <a:noAutofit/>
-          </a:bodyPr>
-          <a:lstStyle/>
-          <a:p>
-            <a:pPr marL="0" lvl="0" indent="0" algn="l" rtl="0">
-              <a:spcBef>
-                <a:spcPts val="0"/>
-              </a:spcBef>
-              <a:spcAft>
-                <a:spcPts val="0"/>
-              </a:spcAft>
-              <a:buNone/>
-            </a:pPr>
-            <a:r>
-              <a:rPr lang="en-US"/>
-              <a:t>When you run a docker in your local machine, every single container that you are running is running inside of a virtual machine running Linux</a:t>
-            </a:r>
-            <a:endParaRPr lang="en-US"/>
-          </a:p>
-          <a:p>
-            <a:pPr marL="0" lvl="0" indent="0" algn="l" rtl="0">
-              <a:spcBef>
-                <a:spcPts val="0"/>
-              </a:spcBef>
-              <a:spcAft>
-                <a:spcPts val="0"/>
-              </a:spcAft>
-              <a:buNone/>
-            </a:pPr>
-            <a:r>
-              <a:rPr lang="en-US"/>
-              <a:t>So these process are really being executed inside of a Linux world, even if you are on Mac or Windows</a:t>
-            </a:r>
-            <a:endParaRPr lang="en-US"/>
-          </a:p>
-        </p:txBody>
-      </p:sp>
-    </p:spTree>
-  </p:cSld>
-  <p:clrMapOvr>
-    <a:masterClrMapping/>
-  </p:clrMapOvr>
-</p:notes>
-</file>
-
-<file path=ppt/notesSlides/notesSlide6.xml><?xml version="1.0" encoding="utf-8"?>
-<p:notes xmlns:a="http://schemas.openxmlformats.org/drawingml/2006/main" xmlns:r="http://schemas.openxmlformats.org/officeDocument/2006/relationships" xmlns:p="http://schemas.openxmlformats.org/presentationml/2006/main" showMasterPhAnim="0" showMasterSp="0">
-  <p:cSld>
-    <p:spTree>
-      <p:nvGrpSpPr>
-        <p:cNvPr id="74" name="Shape 74"/>
-        <p:cNvGrpSpPr/>
-        <p:nvPr/>
-      </p:nvGrpSpPr>
-      <p:grpSpPr>
-        <a:xfrm>
-          <a:off x="0" y="0"/>
-          <a:ext cx="0" cy="0"/>
-          <a:chOff x="0" y="0"/>
-          <a:chExt cx="0" cy="0"/>
-        </a:xfrm>
-      </p:grpSpPr>
-      <p:sp>
-        <p:nvSpPr>
-          <p:cNvPr id="75" name="Google Shape;75;gcad7496ea3_0_0:notes"/>
-          <p:cNvSpPr/>
-          <p:nvPr>
-            <p:ph type="sldImg" idx="2"/>
-          </p:nvPr>
-        </p:nvSpPr>
-        <p:spPr>
-          <a:xfrm>
-            <a:off x="381300" y="685800"/>
-            <a:ext cx="6096000" cy="3429000"/>
-          </a:xfrm>
-          <a:custGeom>
-            <a:avLst/>
-            <a:gdLst/>
-            <a:ahLst/>
-            <a:cxnLst/>
-            <a:rect l="l" t="t" r="r" b="b"/>
-            <a:pathLst>
-              <a:path w="120000" h="120000" extrusionOk="0">
-                <a:moveTo>
-                  <a:pt x="0" y="0"/>
-                </a:moveTo>
-                <a:lnTo>
-                  <a:pt x="120000" y="0"/>
-                </a:lnTo>
-                <a:lnTo>
-                  <a:pt x="120000" y="120000"/>
-                </a:lnTo>
-                <a:lnTo>
-                  <a:pt x="0" y="120000"/>
-                </a:lnTo>
-                <a:close/>
-              </a:path>
-            </a:pathLst>
-          </a:custGeom>
-        </p:spPr>
-      </p:sp>
-      <p:sp>
-        <p:nvSpPr>
-          <p:cNvPr id="76" name="Google Shape;76;gcad7496ea3_0_0:notes"/>
-          <p:cNvSpPr txBox="1"/>
-          <p:nvPr>
-            <p:ph type="body" idx="1"/>
-          </p:nvPr>
-        </p:nvSpPr>
-        <p:spPr>
-          <a:xfrm>
-            <a:off x="685800" y="4343400"/>
-            <a:ext cx="5486400" cy="4114800"/>
-          </a:xfrm>
-          <a:prstGeom prst="rect">
-            <a:avLst/>
-          </a:prstGeom>
-        </p:spPr>
-        <p:txBody>
-          <a:bodyPr spcFirstLastPara="1" wrap="square" lIns="91425" tIns="91425" rIns="91425" bIns="91425" anchor="t" anchorCtr="0">
-            <a:noAutofit/>
-          </a:bodyPr>
-          <a:lstStyle/>
-          <a:p>
-            <a:pPr marL="0" lvl="0" indent="0" algn="l" rtl="0">
-              <a:spcBef>
-                <a:spcPts val="0"/>
-              </a:spcBef>
-              <a:spcAft>
-                <a:spcPts val="0"/>
-              </a:spcAft>
-              <a:buNone/>
-            </a:pPr>
-            <a:endParaRPr lang="en-US"/>
-          </a:p>
-        </p:txBody>
-      </p:sp>
-    </p:spTree>
-  </p:cSld>
-  <p:clrMapOvr>
-    <a:masterClrMapping/>
-  </p:clrMapOvr>
-</p:notes>
-</file>
-
-<file path=ppt/notesSlides/notesSlide60.xml><?xml version="1.0" encoding="utf-8"?>
-<p:notes xmlns:a="http://schemas.openxmlformats.org/drawingml/2006/main" xmlns:r="http://schemas.openxmlformats.org/officeDocument/2006/relationships" xmlns:p="http://schemas.openxmlformats.org/presentationml/2006/main" showMasterPhAnim="0" showMasterSp="0">
-  <p:cSld>
-    <p:spTree>
-      <p:nvGrpSpPr>
-        <p:cNvPr id="74" name="Shape 74"/>
-        <p:cNvGrpSpPr/>
-        <p:nvPr/>
-      </p:nvGrpSpPr>
-      <p:grpSpPr>
-        <a:xfrm>
-          <a:off x="0" y="0"/>
-          <a:ext cx="0" cy="0"/>
-          <a:chOff x="0" y="0"/>
-          <a:chExt cx="0" cy="0"/>
-        </a:xfrm>
-      </p:grpSpPr>
-      <p:sp>
-        <p:nvSpPr>
-          <p:cNvPr id="75" name="Google Shape;75;gcad7496ea3_0_0:notes"/>
-          <p:cNvSpPr/>
-          <p:nvPr>
-            <p:ph type="sldImg" idx="2"/>
-          </p:nvPr>
-        </p:nvSpPr>
-        <p:spPr>
-          <a:xfrm>
-            <a:off x="381300" y="685800"/>
-            <a:ext cx="6096000" cy="3429000"/>
-          </a:xfrm>
-          <a:custGeom>
-            <a:avLst/>
-            <a:gdLst/>
-            <a:ahLst/>
-            <a:cxnLst/>
-            <a:rect l="l" t="t" r="r" b="b"/>
-            <a:pathLst>
-              <a:path w="120000" h="120000" extrusionOk="0">
-                <a:moveTo>
-                  <a:pt x="0" y="0"/>
-                </a:moveTo>
-                <a:lnTo>
-                  <a:pt x="120000" y="0"/>
-                </a:lnTo>
-                <a:lnTo>
-                  <a:pt x="120000" y="120000"/>
-                </a:lnTo>
-                <a:lnTo>
-                  <a:pt x="0" y="120000"/>
-                </a:lnTo>
-                <a:close/>
-              </a:path>
-            </a:pathLst>
-          </a:custGeom>
-        </p:spPr>
-      </p:sp>
-      <p:sp>
-        <p:nvSpPr>
-          <p:cNvPr id="76" name="Google Shape;76;gcad7496ea3_0_0:notes"/>
-          <p:cNvSpPr txBox="1"/>
-          <p:nvPr>
-            <p:ph type="body" idx="1"/>
-          </p:nvPr>
-        </p:nvSpPr>
-        <p:spPr>
-          <a:xfrm>
-            <a:off x="685800" y="4343400"/>
-            <a:ext cx="5486400" cy="4114800"/>
-          </a:xfrm>
-          <a:prstGeom prst="rect">
-            <a:avLst/>
-          </a:prstGeom>
-        </p:spPr>
-        <p:txBody>
-          <a:bodyPr spcFirstLastPara="1" wrap="square" lIns="91425" tIns="91425" rIns="91425" bIns="91425" anchor="t" anchorCtr="0">
-            <a:noAutofit/>
-          </a:bodyPr>
-          <a:lstStyle/>
-          <a:p>
-            <a:pPr marL="0" lvl="0" indent="0" algn="l" rtl="0">
-              <a:spcBef>
-                <a:spcPts val="0"/>
-              </a:spcBef>
-              <a:spcAft>
-                <a:spcPts val="0"/>
-              </a:spcAft>
-              <a:buNone/>
-            </a:pPr>
-            <a:r>
-              <a:rPr lang="en-US"/>
-              <a:t>STDERR: communicate to other outside invironment and return the data and show on the terminal</a:t>
-            </a:r>
-            <a:endParaRPr lang="en-US"/>
-          </a:p>
-        </p:txBody>
-      </p:sp>
-    </p:spTree>
-  </p:cSld>
-  <p:clrMapOvr>
-    <a:masterClrMapping/>
-  </p:clrMapOvr>
-</p:notes>
-</file>
-
-<file path=ppt/notesSlides/notesSlide61.xml><?xml version="1.0" encoding="utf-8"?>
-<p:notes xmlns:a="http://schemas.openxmlformats.org/drawingml/2006/main" xmlns:r="http://schemas.openxmlformats.org/officeDocument/2006/relationships" xmlns:p="http://schemas.openxmlformats.org/presentationml/2006/main" showMasterPhAnim="0" showMasterSp="0">
-  <p:cSld>
-    <p:spTree>
-      <p:nvGrpSpPr>
-        <p:cNvPr id="74" name="Shape 74"/>
-        <p:cNvGrpSpPr/>
-        <p:nvPr/>
-      </p:nvGrpSpPr>
-      <p:grpSpPr>
-        <a:xfrm>
-          <a:off x="0" y="0"/>
-          <a:ext cx="0" cy="0"/>
-          <a:chOff x="0" y="0"/>
-          <a:chExt cx="0" cy="0"/>
-        </a:xfrm>
-      </p:grpSpPr>
-      <p:sp>
-        <p:nvSpPr>
-          <p:cNvPr id="75" name="Google Shape;75;gcad7496ea3_0_0:notes"/>
-          <p:cNvSpPr/>
-          <p:nvPr>
-            <p:ph type="sldImg" idx="2"/>
-          </p:nvPr>
-        </p:nvSpPr>
-        <p:spPr>
-          <a:xfrm>
-            <a:off x="381300" y="685800"/>
-            <a:ext cx="6096000" cy="3429000"/>
-          </a:xfrm>
-          <a:custGeom>
-            <a:avLst/>
-            <a:gdLst/>
-            <a:ahLst/>
-            <a:cxnLst/>
-            <a:rect l="l" t="t" r="r" b="b"/>
-            <a:pathLst>
-              <a:path w="120000" h="120000" extrusionOk="0">
-                <a:moveTo>
-                  <a:pt x="0" y="0"/>
-                </a:moveTo>
-                <a:lnTo>
-                  <a:pt x="120000" y="0"/>
-                </a:lnTo>
-                <a:lnTo>
-                  <a:pt x="120000" y="120000"/>
-                </a:lnTo>
-                <a:lnTo>
-                  <a:pt x="0" y="120000"/>
-                </a:lnTo>
-                <a:close/>
-              </a:path>
-            </a:pathLst>
-          </a:custGeom>
-        </p:spPr>
-      </p:sp>
-      <p:sp>
-        <p:nvSpPr>
-          <p:cNvPr id="76" name="Google Shape;76;gcad7496ea3_0_0:notes"/>
-          <p:cNvSpPr txBox="1"/>
-          <p:nvPr>
-            <p:ph type="body" idx="1"/>
-          </p:nvPr>
-        </p:nvSpPr>
-        <p:spPr>
-          <a:xfrm>
-            <a:off x="685800" y="4343400"/>
-            <a:ext cx="5486400" cy="4114800"/>
-          </a:xfrm>
-          <a:prstGeom prst="rect">
-            <a:avLst/>
-          </a:prstGeom>
-        </p:spPr>
-        <p:txBody>
-          <a:bodyPr spcFirstLastPara="1" wrap="square" lIns="91425" tIns="91425" rIns="91425" bIns="91425" anchor="t" anchorCtr="0">
-            <a:noAutofit/>
-          </a:bodyPr>
-          <a:lstStyle/>
-          <a:p>
-            <a:pPr marL="0" lvl="0" indent="0" algn="l" rtl="0">
-              <a:spcBef>
-                <a:spcPts val="0"/>
-              </a:spcBef>
-              <a:spcAft>
-                <a:spcPts val="0"/>
-              </a:spcAft>
-              <a:buNone/>
-            </a:pPr>
-            <a:endParaRPr lang="en-US"/>
-          </a:p>
-        </p:txBody>
-      </p:sp>
-    </p:spTree>
-  </p:cSld>
-  <p:clrMapOvr>
-    <a:masterClrMapping/>
-  </p:clrMapOvr>
-</p:notes>
-</file>
-
-<file path=ppt/notesSlides/notesSlide62.xml><?xml version="1.0" encoding="utf-8"?>
-<p:notes xmlns:a="http://schemas.openxmlformats.org/drawingml/2006/main" xmlns:r="http://schemas.openxmlformats.org/officeDocument/2006/relationships" xmlns:p="http://schemas.openxmlformats.org/presentationml/2006/main" showMasterPhAnim="0" showMasterSp="0">
-  <p:cSld>
-    <p:spTree>
-      <p:nvGrpSpPr>
-        <p:cNvPr id="74" name="Shape 74"/>
-        <p:cNvGrpSpPr/>
-        <p:nvPr/>
-      </p:nvGrpSpPr>
-      <p:grpSpPr>
-        <a:xfrm>
-          <a:off x="0" y="0"/>
-          <a:ext cx="0" cy="0"/>
-          <a:chOff x="0" y="0"/>
-          <a:chExt cx="0" cy="0"/>
-        </a:xfrm>
-      </p:grpSpPr>
-      <p:sp>
-        <p:nvSpPr>
-          <p:cNvPr id="75" name="Google Shape;75;gcad7496ea3_0_0:notes"/>
-          <p:cNvSpPr/>
-          <p:nvPr>
-            <p:ph type="sldImg" idx="2"/>
-          </p:nvPr>
-        </p:nvSpPr>
-        <p:spPr>
-          <a:xfrm>
-            <a:off x="381300" y="685800"/>
-            <a:ext cx="6096000" cy="3429000"/>
-          </a:xfrm>
-          <a:custGeom>
-            <a:avLst/>
-            <a:gdLst/>
-            <a:ahLst/>
-            <a:cxnLst/>
-            <a:rect l="l" t="t" r="r" b="b"/>
-            <a:pathLst>
-              <a:path w="120000" h="120000" extrusionOk="0">
-                <a:moveTo>
-                  <a:pt x="0" y="0"/>
-                </a:moveTo>
-                <a:lnTo>
-                  <a:pt x="120000" y="0"/>
-                </a:lnTo>
-                <a:lnTo>
-                  <a:pt x="120000" y="120000"/>
-                </a:lnTo>
-                <a:lnTo>
-                  <a:pt x="0" y="120000"/>
-                </a:lnTo>
-                <a:close/>
-              </a:path>
-            </a:pathLst>
-          </a:custGeom>
-        </p:spPr>
-      </p:sp>
-      <p:sp>
-        <p:nvSpPr>
-          <p:cNvPr id="76" name="Google Shape;76;gcad7496ea3_0_0:notes"/>
-          <p:cNvSpPr txBox="1"/>
-          <p:nvPr>
-            <p:ph type="body" idx="1"/>
-          </p:nvPr>
-        </p:nvSpPr>
-        <p:spPr>
-          <a:xfrm>
-            <a:off x="685800" y="4343400"/>
-            <a:ext cx="5486400" cy="4114800"/>
-          </a:xfrm>
-          <a:prstGeom prst="rect">
-            <a:avLst/>
-          </a:prstGeom>
-        </p:spPr>
-        <p:txBody>
-          <a:bodyPr spcFirstLastPara="1" wrap="square" lIns="91425" tIns="91425" rIns="91425" bIns="91425" anchor="t" anchorCtr="0">
-            <a:noAutofit/>
-          </a:bodyPr>
-          <a:lstStyle/>
-          <a:p>
-            <a:pPr marL="0" lvl="0" indent="0" algn="l" rtl="0">
-              <a:spcBef>
-                <a:spcPts val="0"/>
-              </a:spcBef>
-              <a:spcAft>
-                <a:spcPts val="0"/>
-              </a:spcAft>
-              <a:buNone/>
-            </a:pPr>
-            <a:endParaRPr lang="en-US"/>
-          </a:p>
-        </p:txBody>
-      </p:sp>
-    </p:spTree>
-  </p:cSld>
-  <p:clrMapOvr>
-    <a:masterClrMapping/>
-  </p:clrMapOvr>
-</p:notes>
-</file>
-
-<file path=ppt/notesSlides/notesSlide63.xml><?xml version="1.0" encoding="utf-8"?>
-<p:notes xmlns:a="http://schemas.openxmlformats.org/drawingml/2006/main" xmlns:r="http://schemas.openxmlformats.org/officeDocument/2006/relationships" xmlns:p="http://schemas.openxmlformats.org/presentationml/2006/main" showMasterPhAnim="0" showMasterSp="0">
-  <p:cSld>
-    <p:spTree>
-      <p:nvGrpSpPr>
-        <p:cNvPr id="74" name="Shape 74"/>
-        <p:cNvGrpSpPr/>
-        <p:nvPr/>
-      </p:nvGrpSpPr>
-      <p:grpSpPr>
-        <a:xfrm>
-          <a:off x="0" y="0"/>
-          <a:ext cx="0" cy="0"/>
-          <a:chOff x="0" y="0"/>
-          <a:chExt cx="0" cy="0"/>
-        </a:xfrm>
-      </p:grpSpPr>
-      <p:sp>
-        <p:nvSpPr>
-          <p:cNvPr id="75" name="Google Shape;75;gcad7496ea3_0_0:notes"/>
-          <p:cNvSpPr/>
-          <p:nvPr>
-            <p:ph type="sldImg" idx="2"/>
-          </p:nvPr>
-        </p:nvSpPr>
-        <p:spPr>
-          <a:xfrm>
-            <a:off x="381300" y="685800"/>
-            <a:ext cx="6096000" cy="3429000"/>
-          </a:xfrm>
-          <a:custGeom>
-            <a:avLst/>
-            <a:gdLst/>
-            <a:ahLst/>
-            <a:cxnLst/>
-            <a:rect l="l" t="t" r="r" b="b"/>
-            <a:pathLst>
-              <a:path w="120000" h="120000" extrusionOk="0">
-                <a:moveTo>
-                  <a:pt x="0" y="0"/>
-                </a:moveTo>
-                <a:lnTo>
-                  <a:pt x="120000" y="0"/>
-                </a:lnTo>
-                <a:lnTo>
-                  <a:pt x="120000" y="120000"/>
-                </a:lnTo>
-                <a:lnTo>
-                  <a:pt x="0" y="120000"/>
-                </a:lnTo>
-                <a:close/>
-              </a:path>
-            </a:pathLst>
-          </a:custGeom>
-        </p:spPr>
-      </p:sp>
-      <p:sp>
-        <p:nvSpPr>
-          <p:cNvPr id="76" name="Google Shape;76;gcad7496ea3_0_0:notes"/>
-          <p:cNvSpPr txBox="1"/>
-          <p:nvPr>
-            <p:ph type="body" idx="1"/>
-          </p:nvPr>
-        </p:nvSpPr>
-        <p:spPr>
-          <a:xfrm>
-            <a:off x="685800" y="4343400"/>
-            <a:ext cx="5486400" cy="4114800"/>
-          </a:xfrm>
-          <a:prstGeom prst="rect">
-            <a:avLst/>
-          </a:prstGeom>
-        </p:spPr>
-        <p:txBody>
-          <a:bodyPr spcFirstLastPara="1" wrap="square" lIns="91425" tIns="91425" rIns="91425" bIns="91425" anchor="t" anchorCtr="0">
-            <a:noAutofit/>
-          </a:bodyPr>
-          <a:lstStyle/>
-          <a:p>
-            <a:pPr marL="0" lvl="0" indent="0" algn="l" rtl="0">
-              <a:spcBef>
-                <a:spcPts val="0"/>
-              </a:spcBef>
-              <a:spcAft>
-                <a:spcPts val="0"/>
-              </a:spcAft>
-              <a:buNone/>
-            </a:pPr>
-            <a:endParaRPr lang="en-US"/>
-          </a:p>
-        </p:txBody>
-      </p:sp>
-    </p:spTree>
-  </p:cSld>
-  <p:clrMapOvr>
-    <a:masterClrMapping/>
-  </p:clrMapOvr>
-</p:notes>
-</file>
-
-<file path=ppt/notesSlides/notesSlide64.xml><?xml version="1.0" encoding="utf-8"?>
-<p:notes xmlns:a="http://schemas.openxmlformats.org/drawingml/2006/main" xmlns:r="http://schemas.openxmlformats.org/officeDocument/2006/relationships" xmlns:p="http://schemas.openxmlformats.org/presentationml/2006/main" showMasterPhAnim="0" showMasterSp="0">
-  <p:cSld>
-    <p:spTree>
-      <p:nvGrpSpPr>
-        <p:cNvPr id="74" name="Shape 74"/>
-        <p:cNvGrpSpPr/>
-        <p:nvPr/>
-      </p:nvGrpSpPr>
-      <p:grpSpPr>
-        <a:xfrm>
-          <a:off x="0" y="0"/>
-          <a:ext cx="0" cy="0"/>
-          <a:chOff x="0" y="0"/>
-          <a:chExt cx="0" cy="0"/>
-        </a:xfrm>
-      </p:grpSpPr>
-      <p:sp>
-        <p:nvSpPr>
-          <p:cNvPr id="75" name="Google Shape;75;gcad7496ea3_0_0:notes"/>
-          <p:cNvSpPr/>
-          <p:nvPr>
-            <p:ph type="sldImg" idx="2"/>
-          </p:nvPr>
-        </p:nvSpPr>
-        <p:spPr>
-          <a:xfrm>
-            <a:off x="381300" y="685800"/>
-            <a:ext cx="6096000" cy="3429000"/>
-          </a:xfrm>
-          <a:custGeom>
-            <a:avLst/>
-            <a:gdLst/>
-            <a:ahLst/>
-            <a:cxnLst/>
-            <a:rect l="l" t="t" r="r" b="b"/>
-            <a:pathLst>
-              <a:path w="120000" h="120000" extrusionOk="0">
-                <a:moveTo>
-                  <a:pt x="0" y="0"/>
-                </a:moveTo>
-                <a:lnTo>
-                  <a:pt x="120000" y="0"/>
-                </a:lnTo>
-                <a:lnTo>
-                  <a:pt x="120000" y="120000"/>
-                </a:lnTo>
-                <a:lnTo>
-                  <a:pt x="0" y="120000"/>
-                </a:lnTo>
-                <a:close/>
-              </a:path>
-            </a:pathLst>
-          </a:custGeom>
-        </p:spPr>
-      </p:sp>
-      <p:sp>
-        <p:nvSpPr>
-          <p:cNvPr id="76" name="Google Shape;76;gcad7496ea3_0_0:notes"/>
-          <p:cNvSpPr txBox="1"/>
-          <p:nvPr>
-            <p:ph type="body" idx="1"/>
-          </p:nvPr>
-        </p:nvSpPr>
-        <p:spPr>
-          <a:xfrm>
-            <a:off x="685800" y="4343400"/>
-            <a:ext cx="5486400" cy="4114800"/>
-          </a:xfrm>
-          <a:prstGeom prst="rect">
-            <a:avLst/>
-          </a:prstGeom>
-        </p:spPr>
-        <p:txBody>
-          <a:bodyPr spcFirstLastPara="1" wrap="square" lIns="91425" tIns="91425" rIns="91425" bIns="91425" anchor="t" anchorCtr="0">
-            <a:noAutofit/>
-          </a:bodyPr>
-          <a:lstStyle/>
-          <a:p>
-            <a:pPr marL="0" lvl="0" indent="0" algn="l" rtl="0">
-              <a:spcBef>
-                <a:spcPts val="0"/>
-              </a:spcBef>
-              <a:spcAft>
-                <a:spcPts val="0"/>
-              </a:spcAft>
-              <a:buNone/>
-            </a:pPr>
-            <a:r>
-              <a:rPr lang="en-US"/>
-              <a:t>run two commands are the same to check its container are shared folder or not</a:t>
-            </a:r>
-            <a:endParaRPr lang="en-US"/>
-          </a:p>
-        </p:txBody>
-      </p:sp>
-    </p:spTree>
-  </p:cSld>
-  <p:clrMapOvr>
-    <a:masterClrMapping/>
-  </p:clrMapOvr>
-</p:notes>
-</file>
-
-<file path=ppt/notesSlides/notesSlide65.xml><?xml version="1.0" encoding="utf-8"?>
-<p:notes xmlns:a="http://schemas.openxmlformats.org/drawingml/2006/main" xmlns:r="http://schemas.openxmlformats.org/officeDocument/2006/relationships" xmlns:p="http://schemas.openxmlformats.org/presentationml/2006/main" showMasterPhAnim="0" showMasterSp="0">
-  <p:cSld>
-    <p:spTree>
-      <p:nvGrpSpPr>
-        <p:cNvPr id="447" name="Shape 447"/>
-        <p:cNvGrpSpPr/>
-        <p:nvPr/>
-      </p:nvGrpSpPr>
-      <p:grpSpPr>
-        <a:xfrm>
-          <a:off x="0" y="0"/>
-          <a:ext cx="0" cy="0"/>
-          <a:chOff x="0" y="0"/>
-          <a:chExt cx="0" cy="0"/>
-        </a:xfrm>
-      </p:grpSpPr>
-      <p:sp>
-        <p:nvSpPr>
-          <p:cNvPr id="448" name="Google Shape;448;gcb89376c82_0_37:notes"/>
-          <p:cNvSpPr/>
-          <p:nvPr>
-            <p:ph type="sldImg" idx="2"/>
-          </p:nvPr>
-        </p:nvSpPr>
-        <p:spPr>
-          <a:xfrm>
-            <a:off x="381300" y="685800"/>
-            <a:ext cx="6096000" cy="3429000"/>
-          </a:xfrm>
-          <a:custGeom>
-            <a:avLst/>
-            <a:gdLst/>
-            <a:ahLst/>
-            <a:cxnLst/>
-            <a:rect l="l" t="t" r="r" b="b"/>
-            <a:pathLst>
-              <a:path w="120000" h="120000" extrusionOk="0">
-                <a:moveTo>
-                  <a:pt x="0" y="0"/>
-                </a:moveTo>
-                <a:lnTo>
-                  <a:pt x="120000" y="0"/>
-                </a:lnTo>
-                <a:lnTo>
-                  <a:pt x="120000" y="120000"/>
-                </a:lnTo>
-                <a:lnTo>
-                  <a:pt x="0" y="120000"/>
-                </a:lnTo>
-                <a:close/>
-              </a:path>
-            </a:pathLst>
-          </a:custGeom>
-        </p:spPr>
-      </p:sp>
-      <p:sp>
-        <p:nvSpPr>
-          <p:cNvPr id="449" name="Google Shape;449;gcb89376c82_0_37:notes"/>
-          <p:cNvSpPr txBox="1"/>
-          <p:nvPr>
-            <p:ph type="body" idx="1"/>
-          </p:nvPr>
-        </p:nvSpPr>
-        <p:spPr>
-          <a:xfrm>
-            <a:off x="685800" y="4343400"/>
-            <a:ext cx="5486400" cy="4114800"/>
-          </a:xfrm>
-          <a:prstGeom prst="rect">
-            <a:avLst/>
-          </a:prstGeom>
-        </p:spPr>
-        <p:txBody>
-          <a:bodyPr spcFirstLastPara="1" wrap="square" lIns="91425" tIns="91425" rIns="91425" bIns="91425" anchor="t" anchorCtr="0">
-            <a:noAutofit/>
-          </a:bodyPr>
-          <a:lstStyle/>
-          <a:p>
-            <a:pPr marL="0" lvl="0" indent="0" algn="l" rtl="0">
-              <a:spcBef>
-                <a:spcPts val="0"/>
-              </a:spcBef>
-              <a:spcAft>
-                <a:spcPts val="0"/>
-              </a:spcAft>
-              <a:buNone/>
-            </a:pPr>
           </a:p>
         </p:txBody>
       </p:sp>
@@ -15152,6 +12198,69 @@
               <a:rPr lang="en-US">
                 <a:sym typeface="+mn-ea"/>
               </a:rPr>
+              <a:t>Docker compose</a:t>
+            </a:r>
+            <a:endParaRPr lang="en-US">
+              <a:sym typeface="+mn-ea"/>
+            </a:endParaRPr>
+          </a:p>
+          <a:p>
+            <a:pPr marL="457200" lvl="0" indent="-342900" algn="l" rtl="0">
+              <a:spcBef>
+                <a:spcPts val="0"/>
+              </a:spcBef>
+              <a:spcAft>
+                <a:spcPts val="0"/>
+              </a:spcAft>
+              <a:buSzPts val="1800"/>
+              <a:buAutoNum type="arabicPeriod"/>
+            </a:pPr>
+            <a:r>
+              <a:rPr lang="en-US">
+                <a:sym typeface="+mn-ea"/>
+              </a:rPr>
+              <a:t>Rebuild docker compose</a:t>
+            </a:r>
+            <a:endParaRPr lang="en-US">
+              <a:sym typeface="+mn-ea"/>
+            </a:endParaRPr>
+          </a:p>
+          <a:p>
+            <a:pPr marL="457200" lvl="0" indent="-342900" algn="l" rtl="0">
+              <a:spcBef>
+                <a:spcPts val="0"/>
+              </a:spcBef>
+              <a:spcAft>
+                <a:spcPts val="0"/>
+              </a:spcAft>
+              <a:buSzPts val="1800"/>
+              <a:buAutoNum type="arabicPeriod"/>
+            </a:pPr>
+            <a:r>
+              <a:rPr lang="en-US">
+                <a:sym typeface="+mn-ea"/>
+              </a:rPr>
+              <a:t>Restart policies</a:t>
+            </a:r>
+            <a:endParaRPr lang="en-US">
+              <a:sym typeface="+mn-ea"/>
+            </a:endParaRPr>
+          </a:p>
+          <a:p>
+            <a:pPr marL="457200" lvl="0" indent="-342900" algn="l" rtl="0">
+              <a:spcBef>
+                <a:spcPts val="0"/>
+              </a:spcBef>
+              <a:spcAft>
+                <a:spcPts val="0"/>
+              </a:spcAft>
+              <a:buSzPts val="1800"/>
+              <a:buAutoNum type="arabicPeriod"/>
+            </a:pPr>
+            <a:r>
+              <a:rPr lang="en-US">
+                <a:sym typeface="+mn-ea"/>
+              </a:rPr>
               <a:t>Run an example (nodejs application)</a:t>
             </a:r>
             <a:endParaRPr lang="en-US">
@@ -18443,7 +15552,7 @@
               <a:rPr lang="en-US" altLang="en-GB" b="1">
                 <a:sym typeface="+mn-ea"/>
               </a:rPr>
-              <a:t>Maintaince the container in cases crash or error</a:t>
+              <a:t>rebuild the docker compose</a:t>
             </a:r>
             <a:endParaRPr lang="en-US" b="1">
               <a:solidFill>
@@ -18453,6 +15562,30 @@
           </a:p>
         </p:txBody>
       </p:sp>
+      <p:pic>
+        <p:nvPicPr>
+          <p:cNvPr id="2" name="Picture 1"/>
+          <p:cNvPicPr>
+            <a:picLocks noChangeAspect="1"/>
+          </p:cNvPicPr>
+          <p:nvPr/>
+        </p:nvPicPr>
+        <p:blipFill>
+          <a:blip r:embed="rId1"/>
+          <a:stretch>
+            <a:fillRect/>
+          </a:stretch>
+        </p:blipFill>
+        <p:spPr>
+          <a:xfrm>
+            <a:off x="2442845" y="1033780"/>
+            <a:ext cx="4257675" cy="1666875"/>
+          </a:xfrm>
+          <a:prstGeom prst="rect">
+            <a:avLst/>
+          </a:prstGeom>
+        </p:spPr>
+      </p:pic>
     </p:spTree>
   </p:cSld>
   <p:clrMapOvr>
@@ -18466,43 +15599,179 @@
   <p:cSld>
     <p:spTree>
       <p:nvGrpSpPr>
-        <p:cNvPr id="1" name=""/>
+        <p:cNvPr id="77" name="Shape 77"/>
         <p:cNvGrpSpPr/>
         <p:nvPr/>
       </p:nvGrpSpPr>
-      <p:grpSpPr/>
-      <p:sp>
-        <p:nvSpPr>
-          <p:cNvPr id="2" name="Title 1"/>
-          <p:cNvSpPr/>
+      <p:grpSpPr>
+        <a:xfrm>
+          <a:off x="0" y="0"/>
+          <a:ext cx="0" cy="0"/>
+          <a:chOff x="0" y="0"/>
+          <a:chExt cx="0" cy="0"/>
+        </a:xfrm>
+      </p:grpSpPr>
+      <p:sp>
+        <p:nvSpPr>
+          <p:cNvPr id="78" name="Google Shape;78;p15"/>
+          <p:cNvSpPr txBox="1"/>
           <p:nvPr>
             <p:ph type="title"/>
           </p:nvPr>
         </p:nvSpPr>
-        <p:spPr/>
+        <p:spPr>
+          <a:xfrm>
+            <a:off x="311700" y="123715"/>
+            <a:ext cx="8520600" cy="707400"/>
+          </a:xfrm>
+          <a:prstGeom prst="rect">
+            <a:avLst/>
+          </a:prstGeom>
+        </p:spPr>
         <p:txBody>
-          <a:bodyPr/>
+          <a:bodyPr spcFirstLastPara="1" wrap="square" lIns="91425" tIns="91425" rIns="91425" bIns="91425" anchor="t" anchorCtr="0">
+            <a:normAutofit/>
+          </a:bodyPr>
+          <a:lstStyle/>
           <a:p>
-            <a:endParaRPr lang="en-US"/>
+            <a:pPr marL="0" lvl="0" indent="0" algn="l" rtl="0">
+              <a:spcBef>
+                <a:spcPts val="0"/>
+              </a:spcBef>
+              <a:spcAft>
+                <a:spcPts val="0"/>
+              </a:spcAft>
+              <a:buSzPts val="990"/>
+              <a:buNone/>
+            </a:pPr>
+            <a:r>
+              <a:rPr lang="en-US" sz="2940"/>
+              <a:t>Build docker example (counter visit website)</a:t>
+            </a:r>
+            <a:endParaRPr lang="en-US" sz="2940" b="0">
+              <a:solidFill>
+                <a:srgbClr val="3D85C6"/>
+              </a:solidFill>
+            </a:endParaRPr>
           </a:p>
         </p:txBody>
       </p:sp>
       <p:sp>
         <p:nvSpPr>
-          <p:cNvPr id="3" name="Text Placeholder 2"/>
-          <p:cNvSpPr/>
+          <p:cNvPr id="79" name="Google Shape;79;p15"/>
+          <p:cNvSpPr txBox="1"/>
           <p:nvPr>
             <p:ph type="body" idx="1"/>
           </p:nvPr>
         </p:nvSpPr>
-        <p:spPr/>
+        <p:spPr>
+          <a:xfrm>
+            <a:off x="311785" y="3486150"/>
+            <a:ext cx="7590155" cy="1075690"/>
+          </a:xfrm>
+          <a:prstGeom prst="rect">
+            <a:avLst/>
+          </a:prstGeom>
+        </p:spPr>
         <p:txBody>
-          <a:bodyPr/>
+          <a:bodyPr spcFirstLastPara="1" wrap="square" lIns="91425" tIns="91425" rIns="91425" bIns="91425" anchor="t" anchorCtr="0">
+            <a:normAutofit fontScale="90000"/>
+          </a:bodyPr>
+          <a:lstStyle/>
           <a:p>
-            <a:endParaRPr lang="en-US"/>
+            <a:pPr marL="457200" lvl="0" indent="-342900" algn="l" rtl="0">
+              <a:spcBef>
+                <a:spcPts val="0"/>
+              </a:spcBef>
+              <a:spcAft>
+                <a:spcPts val="0"/>
+              </a:spcAft>
+              <a:buSzPts val="1800"/>
+              <a:buChar char="+"/>
+            </a:pPr>
+            <a:r>
+              <a:rPr lang="en-US" altLang="en-GB" b="1">
+                <a:sym typeface="+mn-ea"/>
+              </a:rPr>
+              <a:t>Maintaince the container in cases crash or error</a:t>
+            </a:r>
+            <a:endParaRPr lang="en-US" altLang="en-GB" b="1">
+              <a:sym typeface="+mn-ea"/>
+            </a:endParaRPr>
+          </a:p>
+          <a:p>
+            <a:pPr marL="457200" lvl="0" indent="-342900" algn="l" rtl="0">
+              <a:spcBef>
+                <a:spcPts val="0"/>
+              </a:spcBef>
+              <a:spcAft>
+                <a:spcPts val="0"/>
+              </a:spcAft>
+              <a:buSzPts val="1800"/>
+              <a:buChar char="+"/>
+            </a:pPr>
+            <a:r>
+              <a:rPr lang="en-US" altLang="en-GB" b="1">
+                <a:sym typeface="+mn-ea"/>
+              </a:rPr>
+              <a:t>Note: “no” is special case we must use with single qoute (‘) because if we don’t use it, docker yaml read as false.</a:t>
+            </a:r>
+            <a:endParaRPr lang="en-US" b="1">
+              <a:solidFill>
+                <a:srgbClr val="B45F06"/>
+              </a:solidFill>
+            </a:endParaRPr>
           </a:p>
         </p:txBody>
       </p:sp>
+      <p:pic>
+        <p:nvPicPr>
+          <p:cNvPr id="2" name="Picture 1"/>
+          <p:cNvPicPr>
+            <a:picLocks noChangeAspect="1"/>
+          </p:cNvPicPr>
+          <p:nvPr/>
+        </p:nvPicPr>
+        <p:blipFill>
+          <a:blip r:embed="rId1"/>
+          <a:stretch>
+            <a:fillRect/>
+          </a:stretch>
+        </p:blipFill>
+        <p:spPr>
+          <a:xfrm>
+            <a:off x="5195570" y="831215"/>
+            <a:ext cx="3636645" cy="1989455"/>
+          </a:xfrm>
+          <a:prstGeom prst="rect">
+            <a:avLst/>
+          </a:prstGeom>
+        </p:spPr>
+      </p:pic>
+      <p:pic>
+        <p:nvPicPr>
+          <p:cNvPr id="3" name="Picture 2"/>
+          <p:cNvPicPr>
+            <a:picLocks noChangeAspect="1"/>
+          </p:cNvPicPr>
+          <p:nvPr/>
+        </p:nvPicPr>
+        <p:blipFill>
+          <a:blip r:embed="rId2"/>
+          <a:stretch>
+            <a:fillRect/>
+          </a:stretch>
+        </p:blipFill>
+        <p:spPr>
+          <a:xfrm>
+            <a:off x="311785" y="831215"/>
+            <a:ext cx="4669790" cy="1941830"/>
+          </a:xfrm>
+          <a:prstGeom prst="rect">
+            <a:avLst/>
+          </a:prstGeom>
+        </p:spPr>
+      </p:pic>
     </p:spTree>
   </p:cSld>
   <p:clrMapOvr>
@@ -18698,7 +15967,7 @@
             </a:pPr>
             <a:r>
               <a:rPr lang="en-US" sz="2940"/>
-              <a:t>Docker run in detail</a:t>
+              <a:t>Build docker example (counter visit website)</a:t>
             </a:r>
             <a:endParaRPr lang="en-US" sz="2940" b="0">
               <a:solidFill>
@@ -18718,8 +15987,8 @@
         </p:nvSpPr>
         <p:spPr>
           <a:xfrm>
-            <a:off x="311785" y="831215"/>
-            <a:ext cx="8520430" cy="3737610"/>
+            <a:off x="311785" y="3519170"/>
+            <a:ext cx="7590155" cy="1042670"/>
           </a:xfrm>
           <a:prstGeom prst="rect">
             <a:avLst/>
@@ -18727,7 +15996,7 @@
         </p:spPr>
         <p:txBody>
           <a:bodyPr spcFirstLastPara="1" wrap="square" lIns="91425" tIns="91425" rIns="91425" bIns="91425" anchor="t" anchorCtr="0">
-            <a:normAutofit/>
+            <a:normAutofit fontScale="90000"/>
           </a:bodyPr>
           <a:lstStyle/>
           <a:p>
@@ -18741,6 +16010,54 @@
               <a:buSzPts val="1800"/>
               <a:buChar char="+"/>
             </a:pPr>
+            <a:r>
+              <a:rPr lang="en-US" altLang="en-GB" b="1">
+                <a:sym typeface="+mn-ea"/>
+              </a:rPr>
+              <a:t>docker-compose ps</a:t>
+            </a:r>
+            <a:endParaRPr lang="en-US" altLang="en-GB" b="1">
+              <a:sym typeface="+mn-ea"/>
+            </a:endParaRPr>
+          </a:p>
+          <a:p>
+            <a:pPr marL="457200" lvl="0" indent="-342900" algn="l" rtl="0">
+              <a:spcBef>
+                <a:spcPts val="0"/>
+              </a:spcBef>
+              <a:spcAft>
+                <a:spcPts val="0"/>
+              </a:spcAft>
+              <a:buSzPts val="1800"/>
+              <a:buChar char="+"/>
+            </a:pPr>
+            <a:r>
+              <a:rPr lang="en-US" altLang="en-GB" b="1">
+                <a:sym typeface="+mn-ea"/>
+              </a:rPr>
+              <a:t>Run in specific docker folder</a:t>
+            </a:r>
+            <a:endParaRPr lang="en-US" altLang="en-GB" b="1">
+              <a:sym typeface="+mn-ea"/>
+            </a:endParaRPr>
+          </a:p>
+          <a:p>
+            <a:pPr marL="457200" lvl="0" indent="-342900" algn="l" rtl="0">
+              <a:spcBef>
+                <a:spcPts val="0"/>
+              </a:spcBef>
+              <a:spcAft>
+                <a:spcPts val="0"/>
+              </a:spcAft>
+              <a:buSzPts val="1800"/>
+              <a:buChar char="+"/>
+            </a:pPr>
+            <a:r>
+              <a:rPr lang="en-US" altLang="en-GB" b="1">
+                <a:sym typeface="+mn-ea"/>
+              </a:rPr>
+              <a:t>If you run out of docker files folder, It throw an error message</a:t>
+            </a:r>
             <a:endParaRPr lang="en-US" b="1">
               <a:solidFill>
                 <a:srgbClr val="B45F06"/>
@@ -18751,7 +16068,7 @@
       </p:sp>
       <p:pic>
         <p:nvPicPr>
-          <p:cNvPr id="2" name="Picture 1"/>
+          <p:cNvPr id="1" name="Picture 0"/>
           <p:cNvPicPr>
             <a:picLocks noChangeAspect="1"/>
           </p:cNvPicPr>
@@ -18765,8 +16082,8 @@
         </p:blipFill>
         <p:spPr>
           <a:xfrm>
-            <a:off x="861060" y="831850"/>
-            <a:ext cx="7198360" cy="3736340"/>
+            <a:off x="1722120" y="831215"/>
+            <a:ext cx="5699125" cy="2402840"/>
           </a:xfrm>
           <a:prstGeom prst="rect">
             <a:avLst/>
@@ -18786,155 +16103,43 @@
   <p:cSld>
     <p:spTree>
       <p:nvGrpSpPr>
-        <p:cNvPr id="77" name="Shape 77"/>
+        <p:cNvPr id="1" name=""/>
         <p:cNvGrpSpPr/>
         <p:nvPr/>
       </p:nvGrpSpPr>
-      <p:grpSpPr>
-        <a:xfrm>
-          <a:off x="0" y="0"/>
-          <a:ext cx="0" cy="0"/>
-          <a:chOff x="0" y="0"/>
-          <a:chExt cx="0" cy="0"/>
-        </a:xfrm>
-      </p:grpSpPr>
-      <p:sp>
-        <p:nvSpPr>
-          <p:cNvPr id="78" name="Google Shape;78;p15"/>
-          <p:cNvSpPr txBox="1"/>
+      <p:grpSpPr/>
+      <p:sp>
+        <p:nvSpPr>
+          <p:cNvPr id="2" name="Title 1"/>
+          <p:cNvSpPr/>
           <p:nvPr>
             <p:ph type="title"/>
           </p:nvPr>
         </p:nvSpPr>
-        <p:spPr>
-          <a:xfrm>
-            <a:off x="311700" y="123715"/>
-            <a:ext cx="8520600" cy="707400"/>
-          </a:xfrm>
-          <a:prstGeom prst="rect">
-            <a:avLst/>
-          </a:prstGeom>
-        </p:spPr>
+        <p:spPr/>
         <p:txBody>
-          <a:bodyPr spcFirstLastPara="1" wrap="square" lIns="91425" tIns="91425" rIns="91425" bIns="91425" anchor="t" anchorCtr="0">
-            <a:normAutofit/>
-          </a:bodyPr>
-          <a:lstStyle/>
+          <a:bodyPr/>
           <a:p>
-            <a:pPr marL="0" lvl="0" indent="0" algn="l" rtl="0">
-              <a:spcBef>
-                <a:spcPts val="0"/>
-              </a:spcBef>
-              <a:spcAft>
-                <a:spcPts val="0"/>
-              </a:spcAft>
-              <a:buSzPts val="990"/>
-              <a:buNone/>
-            </a:pPr>
-            <a:r>
-              <a:rPr lang="en-US" sz="2940"/>
-              <a:t>Overriding default commands</a:t>
-            </a:r>
-            <a:endParaRPr lang="en-US" sz="2940" b="0">
-              <a:solidFill>
-                <a:srgbClr val="3D85C6"/>
-              </a:solidFill>
-            </a:endParaRPr>
+            <a:endParaRPr lang="en-US"/>
           </a:p>
         </p:txBody>
       </p:sp>
       <p:sp>
         <p:nvSpPr>
-          <p:cNvPr id="79" name="Google Shape;79;p15"/>
-          <p:cNvSpPr txBox="1"/>
+          <p:cNvPr id="3" name="Text Placeholder 2"/>
+          <p:cNvSpPr/>
           <p:nvPr>
             <p:ph type="body" idx="1"/>
           </p:nvPr>
         </p:nvSpPr>
-        <p:spPr>
-          <a:xfrm>
-            <a:off x="311785" y="831215"/>
-            <a:ext cx="8520430" cy="3737610"/>
-          </a:xfrm>
-          <a:prstGeom prst="rect">
-            <a:avLst/>
-          </a:prstGeom>
-        </p:spPr>
+        <p:spPr/>
         <p:txBody>
-          <a:bodyPr spcFirstLastPara="1" wrap="square" lIns="91425" tIns="91425" rIns="91425" bIns="91425" anchor="t" anchorCtr="0">
-            <a:normAutofit/>
-          </a:bodyPr>
-          <a:lstStyle/>
+          <a:bodyPr/>
           <a:p>
-            <a:pPr marL="457200" lvl="0" indent="-342900" algn="l" rtl="0">
-              <a:spcBef>
-                <a:spcPts val="0"/>
-              </a:spcBef>
-              <a:spcAft>
-                <a:spcPts val="0"/>
-              </a:spcAft>
-              <a:buSzPts val="1800"/>
-              <a:buChar char="+"/>
-            </a:pPr>
-            <a:r>
-              <a:rPr lang="en-US" altLang="en-GB" b="1">
-                <a:sym typeface="+mn-ea"/>
-              </a:rPr>
-              <a:t>Run a command and show message</a:t>
-            </a:r>
-            <a:endParaRPr lang="en-US" altLang="en-GB" b="1">
-              <a:sym typeface="+mn-ea"/>
-            </a:endParaRPr>
-          </a:p>
-          <a:p>
-            <a:pPr marL="457200" lvl="0" indent="-342900" algn="l" rtl="0">
-              <a:spcBef>
-                <a:spcPts val="0"/>
-              </a:spcBef>
-              <a:spcAft>
-                <a:spcPts val="0"/>
-              </a:spcAft>
-              <a:buSzPts val="1800"/>
-              <a:buChar char="+"/>
-            </a:pPr>
-            <a:r>
-              <a:rPr lang="en-US" altLang="en-GB" b="1">
-                <a:sym typeface="+mn-ea"/>
-              </a:rPr>
-              <a:t>&gt;&gt; docker run busybox echo hi there</a:t>
-            </a:r>
-            <a:endParaRPr lang="en-US" b="1">
-              <a:solidFill>
-                <a:srgbClr val="B45F06"/>
-              </a:solidFill>
-            </a:endParaRPr>
+            <a:endParaRPr lang="en-US"/>
           </a:p>
         </p:txBody>
       </p:sp>
-      <p:pic>
-        <p:nvPicPr>
-          <p:cNvPr id="2" name="Picture 1"/>
-          <p:cNvPicPr>
-            <a:picLocks noChangeAspect="1"/>
-          </p:cNvPicPr>
-          <p:nvPr/>
-        </p:nvPicPr>
-        <p:blipFill>
-          <a:blip r:embed="rId1"/>
-          <a:stretch>
-            <a:fillRect/>
-          </a:stretch>
-        </p:blipFill>
-        <p:spPr>
-          <a:xfrm>
-            <a:off x="1897380" y="1804035"/>
-            <a:ext cx="5348605" cy="2246630"/>
-          </a:xfrm>
-          <a:prstGeom prst="rect">
-            <a:avLst/>
-          </a:prstGeom>
-        </p:spPr>
-      </p:pic>
     </p:spTree>
   </p:cSld>
   <p:clrMapOvr>
@@ -18948,7 +16153,7 @@
   <p:cSld>
     <p:spTree>
       <p:nvGrpSpPr>
-        <p:cNvPr id="77" name="Shape 77"/>
+        <p:cNvPr id="450" name="Shape 450"/>
         <p:cNvGrpSpPr/>
         <p:nvPr/>
       </p:nvGrpSpPr>
@@ -18962,7 +16167,7 @@
       </p:grpSpPr>
       <p:sp>
         <p:nvSpPr>
-          <p:cNvPr id="78" name="Google Shape;78;p15"/>
+          <p:cNvPr id="451" name="Google Shape;451;p61"/>
           <p:cNvSpPr txBox="1"/>
           <p:nvPr>
             <p:ph type="title"/>
@@ -18970,1302 +16175,33 @@
         </p:nvSpPr>
         <p:spPr>
           <a:xfrm>
-            <a:off x="311700" y="123715"/>
-            <a:ext cx="8520600" cy="707400"/>
+            <a:off x="311700" y="814800"/>
+            <a:ext cx="8571300" cy="942000"/>
           </a:xfrm>
           <a:prstGeom prst="rect">
             <a:avLst/>
           </a:prstGeom>
         </p:spPr>
         <p:txBody>
-          <a:bodyPr spcFirstLastPara="1" wrap="square" lIns="91425" tIns="91425" rIns="91425" bIns="91425" anchor="t" anchorCtr="0">
+          <a:bodyPr spcFirstLastPara="1" wrap="square" lIns="91425" tIns="91425" rIns="91425" bIns="91425" anchor="ctr" anchorCtr="0">
             <a:normAutofit/>
           </a:bodyPr>
           <a:lstStyle/>
           <a:p>
-            <a:pPr marL="0" lvl="0" indent="0" algn="l" rtl="0">
-              <a:spcBef>
-                <a:spcPts val="0"/>
-              </a:spcBef>
-              <a:spcAft>
-                <a:spcPts val="0"/>
-              </a:spcAft>
-              <a:buSzPts val="990"/>
+            <a:pPr marL="0" lvl="0" indent="0" algn="ctr" rtl="0">
+              <a:spcBef>
+                <a:spcPts val="0"/>
+              </a:spcBef>
+              <a:spcAft>
+                <a:spcPts val="0"/>
+              </a:spcAft>
               <a:buNone/>
             </a:pPr>
             <a:r>
-              <a:rPr lang="en-US" sz="2940"/>
-              <a:t>Overriding default commands</a:t>
+              <a:rPr lang="en-GB"/>
+              <a:t>THANKS FOR LISTENING</a:t>
             </a:r>
-            <a:endParaRPr lang="en-US" sz="2940" b="0">
-              <a:solidFill>
-                <a:srgbClr val="3D85C6"/>
-              </a:solidFill>
-            </a:endParaRPr>
-          </a:p>
-        </p:txBody>
-      </p:sp>
-      <p:sp>
-        <p:nvSpPr>
-          <p:cNvPr id="79" name="Google Shape;79;p15"/>
-          <p:cNvSpPr txBox="1"/>
-          <p:nvPr>
-            <p:ph type="body" idx="1"/>
-          </p:nvPr>
-        </p:nvSpPr>
-        <p:spPr>
-          <a:xfrm>
-            <a:off x="311785" y="831215"/>
-            <a:ext cx="3696335" cy="3737610"/>
-          </a:xfrm>
-          <a:prstGeom prst="rect">
-            <a:avLst/>
-          </a:prstGeom>
-        </p:spPr>
-        <p:txBody>
-          <a:bodyPr spcFirstLastPara="1" wrap="square" lIns="91425" tIns="91425" rIns="91425" bIns="91425" anchor="t" anchorCtr="0">
-            <a:normAutofit/>
-          </a:bodyPr>
-          <a:lstStyle/>
-          <a:p>
-            <a:pPr marL="457200" lvl="0" indent="-342900" algn="l" rtl="0">
-              <a:spcBef>
-                <a:spcPts val="0"/>
-              </a:spcBef>
-              <a:spcAft>
-                <a:spcPts val="0"/>
-              </a:spcAft>
-              <a:buSzPts val="1800"/>
-              <a:buChar char="+"/>
-            </a:pPr>
-            <a:r>
-              <a:rPr lang="en-US" altLang="en-GB" b="1">
-                <a:sym typeface="+mn-ea"/>
-              </a:rPr>
-              <a:t>Show list of foder of the container </a:t>
-            </a:r>
-            <a:endParaRPr lang="en-US" altLang="en-GB" b="1">
-              <a:sym typeface="+mn-ea"/>
-            </a:endParaRPr>
-          </a:p>
-          <a:p>
-            <a:pPr marL="457200" lvl="0" indent="-342900" algn="l" rtl="0">
-              <a:spcBef>
-                <a:spcPts val="0"/>
-              </a:spcBef>
-              <a:spcAft>
-                <a:spcPts val="0"/>
-              </a:spcAft>
-              <a:buSzPts val="1800"/>
-              <a:buChar char="+"/>
-            </a:pPr>
-            <a:r>
-              <a:rPr lang="en-US" altLang="en-GB" b="1">
-                <a:sym typeface="+mn-ea"/>
-              </a:rPr>
-              <a:t>&gt;&gt; docker run busybox ls</a:t>
-            </a:r>
-            <a:endParaRPr lang="en-US" b="1">
-              <a:solidFill>
-                <a:srgbClr val="B45F06"/>
-              </a:solidFill>
-            </a:endParaRPr>
-          </a:p>
-        </p:txBody>
-      </p:sp>
-      <p:pic>
-        <p:nvPicPr>
-          <p:cNvPr id="3" name="Picture 2"/>
-          <p:cNvPicPr>
-            <a:picLocks noChangeAspect="1"/>
-          </p:cNvPicPr>
-          <p:nvPr/>
-        </p:nvPicPr>
-        <p:blipFill>
-          <a:blip r:embed="rId1"/>
-          <a:stretch>
-            <a:fillRect/>
-          </a:stretch>
-        </p:blipFill>
-        <p:spPr>
-          <a:xfrm>
-            <a:off x="4256405" y="990600"/>
-            <a:ext cx="4438650" cy="3419475"/>
-          </a:xfrm>
-          <a:prstGeom prst="rect">
-            <a:avLst/>
-          </a:prstGeom>
-        </p:spPr>
-      </p:pic>
-    </p:spTree>
-  </p:cSld>
-  <p:clrMapOvr>
-    <a:masterClrMapping/>
-  </p:clrMapOvr>
-</p:sld>
-</file>
-
-<file path=ppt/slides/slide43.xml><?xml version="1.0" encoding="utf-8"?>
-<p:sld xmlns:a="http://schemas.openxmlformats.org/drawingml/2006/main" xmlns:r="http://schemas.openxmlformats.org/officeDocument/2006/relationships" xmlns:p="http://schemas.openxmlformats.org/presentationml/2006/main">
-  <p:cSld>
-    <p:spTree>
-      <p:nvGrpSpPr>
-        <p:cNvPr id="77" name="Shape 77"/>
-        <p:cNvGrpSpPr/>
-        <p:nvPr/>
-      </p:nvGrpSpPr>
-      <p:grpSpPr>
-        <a:xfrm>
-          <a:off x="0" y="0"/>
-          <a:ext cx="0" cy="0"/>
-          <a:chOff x="0" y="0"/>
-          <a:chExt cx="0" cy="0"/>
-        </a:xfrm>
-      </p:grpSpPr>
-      <p:sp>
-        <p:nvSpPr>
-          <p:cNvPr id="78" name="Google Shape;78;p15"/>
-          <p:cNvSpPr txBox="1"/>
-          <p:nvPr>
-            <p:ph type="title"/>
-          </p:nvPr>
-        </p:nvSpPr>
-        <p:spPr>
-          <a:xfrm>
-            <a:off x="311700" y="123715"/>
-            <a:ext cx="8520600" cy="707400"/>
-          </a:xfrm>
-          <a:prstGeom prst="rect">
-            <a:avLst/>
-          </a:prstGeom>
-        </p:spPr>
-        <p:txBody>
-          <a:bodyPr spcFirstLastPara="1" wrap="square" lIns="91425" tIns="91425" rIns="91425" bIns="91425" anchor="t" anchorCtr="0">
-            <a:normAutofit/>
-          </a:bodyPr>
-          <a:lstStyle/>
-          <a:p>
-            <a:pPr marL="0" lvl="0" indent="0" algn="l" rtl="0">
-              <a:spcBef>
-                <a:spcPts val="0"/>
-              </a:spcBef>
-              <a:spcAft>
-                <a:spcPts val="0"/>
-              </a:spcAft>
-              <a:buSzPts val="990"/>
-              <a:buNone/>
-            </a:pPr>
-            <a:r>
-              <a:rPr lang="en-US" sz="2940"/>
-              <a:t>Overriding default commands</a:t>
-            </a:r>
-            <a:endParaRPr lang="en-US" sz="2940" b="0">
-              <a:solidFill>
-                <a:srgbClr val="3D85C6"/>
-              </a:solidFill>
-            </a:endParaRPr>
-          </a:p>
-        </p:txBody>
-      </p:sp>
-      <p:sp>
-        <p:nvSpPr>
-          <p:cNvPr id="79" name="Google Shape;79;p15"/>
-          <p:cNvSpPr txBox="1"/>
-          <p:nvPr>
-            <p:ph type="body" idx="1"/>
-          </p:nvPr>
-        </p:nvSpPr>
-        <p:spPr>
-          <a:xfrm>
-            <a:off x="311785" y="831215"/>
-            <a:ext cx="8037195" cy="3737610"/>
-          </a:xfrm>
-          <a:prstGeom prst="rect">
-            <a:avLst/>
-          </a:prstGeom>
-        </p:spPr>
-        <p:txBody>
-          <a:bodyPr spcFirstLastPara="1" wrap="square" lIns="91425" tIns="91425" rIns="91425" bIns="91425" anchor="t" anchorCtr="0">
-            <a:normAutofit/>
-          </a:bodyPr>
-          <a:lstStyle/>
-          <a:p>
-            <a:pPr marL="457200" lvl="0" indent="-342900" algn="l" rtl="0">
-              <a:spcBef>
-                <a:spcPts val="0"/>
-              </a:spcBef>
-              <a:spcAft>
-                <a:spcPts val="0"/>
-              </a:spcAft>
-              <a:buSzPts val="1800"/>
-              <a:buChar char="+"/>
-            </a:pPr>
-            <a:r>
-              <a:rPr lang="en-US" altLang="en-GB" b="1">
-                <a:sym typeface="+mn-ea"/>
-              </a:rPr>
-              <a:t>Show list of foder of the container </a:t>
-            </a:r>
-            <a:endParaRPr lang="en-US" altLang="en-GB" b="1">
-              <a:sym typeface="+mn-ea"/>
-            </a:endParaRPr>
-          </a:p>
-          <a:p>
-            <a:pPr marL="457200" lvl="0" indent="-342900" algn="l" rtl="0">
-              <a:spcBef>
-                <a:spcPts val="0"/>
-              </a:spcBef>
-              <a:spcAft>
-                <a:spcPts val="0"/>
-              </a:spcAft>
-              <a:buSzPts val="1800"/>
-              <a:buChar char="+"/>
-            </a:pPr>
-            <a:r>
-              <a:rPr lang="en-US" altLang="en-GB" b="1">
-                <a:sym typeface="+mn-ea"/>
-              </a:rPr>
-              <a:t>&gt;&gt; docker run busybox ls</a:t>
-            </a:r>
-            <a:endParaRPr lang="en-US" b="1">
-              <a:solidFill>
-                <a:srgbClr val="B45F06"/>
-              </a:solidFill>
-            </a:endParaRPr>
-          </a:p>
-        </p:txBody>
-      </p:sp>
-      <p:pic>
-        <p:nvPicPr>
-          <p:cNvPr id="3" name="Picture 2"/>
-          <p:cNvPicPr>
-            <a:picLocks noChangeAspect="1"/>
-          </p:cNvPicPr>
-          <p:nvPr/>
-        </p:nvPicPr>
-        <p:blipFill>
-          <a:blip r:embed="rId1"/>
-          <a:stretch>
-            <a:fillRect/>
-          </a:stretch>
-        </p:blipFill>
-        <p:spPr>
-          <a:xfrm>
-            <a:off x="577215" y="2004695"/>
-            <a:ext cx="4172585" cy="2363470"/>
-          </a:xfrm>
-          <a:prstGeom prst="rect">
-            <a:avLst/>
-          </a:prstGeom>
-        </p:spPr>
-      </p:pic>
-      <p:pic>
-        <p:nvPicPr>
-          <p:cNvPr id="2" name="Picture 1"/>
-          <p:cNvPicPr>
-            <a:picLocks noChangeAspect="1"/>
-          </p:cNvPicPr>
-          <p:nvPr/>
-        </p:nvPicPr>
-        <p:blipFill>
-          <a:blip r:embed="rId2"/>
-          <a:stretch>
-            <a:fillRect/>
-          </a:stretch>
-        </p:blipFill>
-        <p:spPr>
-          <a:xfrm>
-            <a:off x="5003800" y="2132330"/>
-            <a:ext cx="3641090" cy="2108200"/>
-          </a:xfrm>
-          <a:prstGeom prst="rect">
-            <a:avLst/>
-          </a:prstGeom>
-        </p:spPr>
-      </p:pic>
-    </p:spTree>
-  </p:cSld>
-  <p:clrMapOvr>
-    <a:masterClrMapping/>
-  </p:clrMapOvr>
-</p:sld>
-</file>
-
-<file path=ppt/slides/slide44.xml><?xml version="1.0" encoding="utf-8"?>
-<p:sld xmlns:a="http://schemas.openxmlformats.org/drawingml/2006/main" xmlns:r="http://schemas.openxmlformats.org/officeDocument/2006/relationships" xmlns:p="http://schemas.openxmlformats.org/presentationml/2006/main">
-  <p:cSld>
-    <p:spTree>
-      <p:nvGrpSpPr>
-        <p:cNvPr id="77" name="Shape 77"/>
-        <p:cNvGrpSpPr/>
-        <p:nvPr/>
-      </p:nvGrpSpPr>
-      <p:grpSpPr>
-        <a:xfrm>
-          <a:off x="0" y="0"/>
-          <a:ext cx="0" cy="0"/>
-          <a:chOff x="0" y="0"/>
-          <a:chExt cx="0" cy="0"/>
-        </a:xfrm>
-      </p:grpSpPr>
-      <p:sp>
-        <p:nvSpPr>
-          <p:cNvPr id="78" name="Google Shape;78;p15"/>
-          <p:cNvSpPr txBox="1"/>
-          <p:nvPr>
-            <p:ph type="title"/>
-          </p:nvPr>
-        </p:nvSpPr>
-        <p:spPr>
-          <a:xfrm>
-            <a:off x="311700" y="123715"/>
-            <a:ext cx="8520600" cy="707400"/>
-          </a:xfrm>
-          <a:prstGeom prst="rect">
-            <a:avLst/>
-          </a:prstGeom>
-        </p:spPr>
-        <p:txBody>
-          <a:bodyPr spcFirstLastPara="1" wrap="square" lIns="91425" tIns="91425" rIns="91425" bIns="91425" anchor="t" anchorCtr="0">
-            <a:normAutofit/>
-          </a:bodyPr>
-          <a:lstStyle/>
-          <a:p>
-            <a:pPr marL="0" lvl="0" indent="0" algn="l" rtl="0">
-              <a:spcBef>
-                <a:spcPts val="0"/>
-              </a:spcBef>
-              <a:spcAft>
-                <a:spcPts val="0"/>
-              </a:spcAft>
-              <a:buSzPts val="990"/>
-              <a:buNone/>
-            </a:pPr>
-            <a:r>
-              <a:rPr lang="en-US" sz="2940"/>
-              <a:t>List of running container</a:t>
-            </a:r>
-            <a:endParaRPr lang="en-US" sz="2940" b="0">
-              <a:solidFill>
-                <a:srgbClr val="3D85C6"/>
-              </a:solidFill>
-            </a:endParaRPr>
-          </a:p>
-        </p:txBody>
-      </p:sp>
-      <p:sp>
-        <p:nvSpPr>
-          <p:cNvPr id="79" name="Google Shape;79;p15"/>
-          <p:cNvSpPr txBox="1"/>
-          <p:nvPr>
-            <p:ph type="body" idx="1"/>
-          </p:nvPr>
-        </p:nvSpPr>
-        <p:spPr>
-          <a:xfrm>
-            <a:off x="311785" y="831215"/>
-            <a:ext cx="8213725" cy="3737610"/>
-          </a:xfrm>
-          <a:prstGeom prst="rect">
-            <a:avLst/>
-          </a:prstGeom>
-        </p:spPr>
-        <p:txBody>
-          <a:bodyPr spcFirstLastPara="1" wrap="square" lIns="91425" tIns="91425" rIns="91425" bIns="91425" anchor="t" anchorCtr="0">
-            <a:normAutofit/>
-          </a:bodyPr>
-          <a:lstStyle/>
-          <a:p>
-            <a:pPr marL="457200" lvl="0" indent="-342900" algn="l" rtl="0">
-              <a:spcBef>
-                <a:spcPts val="0"/>
-              </a:spcBef>
-              <a:spcAft>
-                <a:spcPts val="0"/>
-              </a:spcAft>
-              <a:buSzPts val="1800"/>
-              <a:buChar char="+"/>
-            </a:pPr>
-            <a:r>
-              <a:rPr lang="en-US" altLang="en-GB" b="1">
-                <a:sym typeface="+mn-ea"/>
-              </a:rPr>
-              <a:t>Show list of running container</a:t>
-            </a:r>
-            <a:endParaRPr lang="en-US" altLang="en-GB" b="1">
-              <a:sym typeface="+mn-ea"/>
-            </a:endParaRPr>
-          </a:p>
-          <a:p>
-            <a:pPr marL="457200" lvl="0" indent="-342900" algn="l" rtl="0">
-              <a:spcBef>
-                <a:spcPts val="0"/>
-              </a:spcBef>
-              <a:spcAft>
-                <a:spcPts val="0"/>
-              </a:spcAft>
-              <a:buSzPts val="1800"/>
-              <a:buChar char="+"/>
-            </a:pPr>
-            <a:r>
-              <a:rPr lang="en-US" altLang="en-GB" b="1">
-                <a:sym typeface="+mn-ea"/>
-              </a:rPr>
-              <a:t>&gt;&gt; docker ps</a:t>
-            </a:r>
-            <a:endParaRPr lang="en-US" b="1">
-              <a:solidFill>
-                <a:srgbClr val="B45F06"/>
-              </a:solidFill>
-            </a:endParaRPr>
-          </a:p>
-        </p:txBody>
-      </p:sp>
-      <p:pic>
-        <p:nvPicPr>
-          <p:cNvPr id="2" name="Picture 1"/>
-          <p:cNvPicPr>
-            <a:picLocks noChangeAspect="1"/>
-          </p:cNvPicPr>
-          <p:nvPr/>
-        </p:nvPicPr>
-        <p:blipFill>
-          <a:blip r:embed="rId1"/>
-          <a:stretch>
-            <a:fillRect/>
-          </a:stretch>
-        </p:blipFill>
-        <p:spPr>
-          <a:xfrm>
-            <a:off x="546100" y="2914650"/>
-            <a:ext cx="6776085" cy="1609725"/>
-          </a:xfrm>
-          <a:prstGeom prst="rect">
-            <a:avLst/>
-          </a:prstGeom>
-        </p:spPr>
-      </p:pic>
-      <p:pic>
-        <p:nvPicPr>
-          <p:cNvPr id="4" name="Picture 3"/>
-          <p:cNvPicPr>
-            <a:picLocks noChangeAspect="1"/>
-          </p:cNvPicPr>
-          <p:nvPr/>
-        </p:nvPicPr>
-        <p:blipFill>
-          <a:blip r:embed="rId2"/>
-          <a:stretch>
-            <a:fillRect/>
-          </a:stretch>
-        </p:blipFill>
-        <p:spPr>
-          <a:xfrm>
-            <a:off x="546100" y="1844040"/>
-            <a:ext cx="6162675" cy="723900"/>
-          </a:xfrm>
-          <a:prstGeom prst="rect">
-            <a:avLst/>
-          </a:prstGeom>
-        </p:spPr>
-      </p:pic>
-    </p:spTree>
-  </p:cSld>
-  <p:clrMapOvr>
-    <a:masterClrMapping/>
-  </p:clrMapOvr>
-</p:sld>
-</file>
-
-<file path=ppt/slides/slide45.xml><?xml version="1.0" encoding="utf-8"?>
-<p:sld xmlns:a="http://schemas.openxmlformats.org/drawingml/2006/main" xmlns:r="http://schemas.openxmlformats.org/officeDocument/2006/relationships" xmlns:p="http://schemas.openxmlformats.org/presentationml/2006/main">
-  <p:cSld>
-    <p:spTree>
-      <p:nvGrpSpPr>
-        <p:cNvPr id="77" name="Shape 77"/>
-        <p:cNvGrpSpPr/>
-        <p:nvPr/>
-      </p:nvGrpSpPr>
-      <p:grpSpPr>
-        <a:xfrm>
-          <a:off x="0" y="0"/>
-          <a:ext cx="0" cy="0"/>
-          <a:chOff x="0" y="0"/>
-          <a:chExt cx="0" cy="0"/>
-        </a:xfrm>
-      </p:grpSpPr>
-      <p:sp>
-        <p:nvSpPr>
-          <p:cNvPr id="78" name="Google Shape;78;p15"/>
-          <p:cNvSpPr txBox="1"/>
-          <p:nvPr>
-            <p:ph type="title"/>
-          </p:nvPr>
-        </p:nvSpPr>
-        <p:spPr>
-          <a:xfrm>
-            <a:off x="311700" y="123715"/>
-            <a:ext cx="8520600" cy="707400"/>
-          </a:xfrm>
-          <a:prstGeom prst="rect">
-            <a:avLst/>
-          </a:prstGeom>
-        </p:spPr>
-        <p:txBody>
-          <a:bodyPr spcFirstLastPara="1" wrap="square" lIns="91425" tIns="91425" rIns="91425" bIns="91425" anchor="t" anchorCtr="0">
-            <a:normAutofit/>
-          </a:bodyPr>
-          <a:lstStyle/>
-          <a:p>
-            <a:pPr marL="0" lvl="0" indent="0" algn="l" rtl="0">
-              <a:spcBef>
-                <a:spcPts val="0"/>
-              </a:spcBef>
-              <a:spcAft>
-                <a:spcPts val="0"/>
-              </a:spcAft>
-              <a:buSzPts val="990"/>
-              <a:buNone/>
-            </a:pPr>
-            <a:r>
-              <a:rPr lang="en-US" sz="2940"/>
-              <a:t>List of running container</a:t>
-            </a:r>
-            <a:endParaRPr lang="en-US" sz="2940" b="0">
-              <a:solidFill>
-                <a:srgbClr val="3D85C6"/>
-              </a:solidFill>
-            </a:endParaRPr>
-          </a:p>
-        </p:txBody>
-      </p:sp>
-      <p:sp>
-        <p:nvSpPr>
-          <p:cNvPr id="79" name="Google Shape;79;p15"/>
-          <p:cNvSpPr txBox="1"/>
-          <p:nvPr>
-            <p:ph type="body" idx="1"/>
-          </p:nvPr>
-        </p:nvSpPr>
-        <p:spPr>
-          <a:xfrm>
-            <a:off x="311785" y="831215"/>
-            <a:ext cx="8213725" cy="3737610"/>
-          </a:xfrm>
-          <a:prstGeom prst="rect">
-            <a:avLst/>
-          </a:prstGeom>
-        </p:spPr>
-        <p:txBody>
-          <a:bodyPr spcFirstLastPara="1" wrap="square" lIns="91425" tIns="91425" rIns="91425" bIns="91425" anchor="t" anchorCtr="0">
-            <a:normAutofit/>
-          </a:bodyPr>
-          <a:lstStyle/>
-          <a:p>
-            <a:pPr marL="457200" lvl="0" indent="-342900" algn="l" rtl="0">
-              <a:spcBef>
-                <a:spcPts val="0"/>
-              </a:spcBef>
-              <a:spcAft>
-                <a:spcPts val="0"/>
-              </a:spcAft>
-              <a:buSzPts val="1800"/>
-              <a:buChar char="+"/>
-            </a:pPr>
-            <a:r>
-              <a:rPr lang="en-US" altLang="en-GB" b="1">
-                <a:sym typeface="+mn-ea"/>
-              </a:rPr>
-              <a:t>Show list of running container</a:t>
-            </a:r>
-            <a:endParaRPr lang="en-US" altLang="en-GB" b="1">
-              <a:sym typeface="+mn-ea"/>
-            </a:endParaRPr>
-          </a:p>
-          <a:p>
-            <a:pPr marL="457200" lvl="0" indent="-342900" algn="l" rtl="0">
-              <a:spcBef>
-                <a:spcPts val="0"/>
-              </a:spcBef>
-              <a:spcAft>
-                <a:spcPts val="0"/>
-              </a:spcAft>
-              <a:buSzPts val="1800"/>
-              <a:buChar char="+"/>
-            </a:pPr>
-            <a:r>
-              <a:rPr lang="en-US" altLang="en-GB" b="1">
-                <a:sym typeface="+mn-ea"/>
-              </a:rPr>
-              <a:t>&gt;&gt; docker ps </a:t>
-            </a:r>
-            <a:endParaRPr lang="en-US" altLang="en-GB" b="1">
-              <a:sym typeface="+mn-ea"/>
-            </a:endParaRPr>
-          </a:p>
-          <a:p>
-            <a:pPr marL="457200" lvl="0" indent="-342900" algn="l" rtl="0">
-              <a:spcBef>
-                <a:spcPts val="0"/>
-              </a:spcBef>
-              <a:spcAft>
-                <a:spcPts val="0"/>
-              </a:spcAft>
-              <a:buSzPts val="1800"/>
-              <a:buChar char="+"/>
-            </a:pPr>
-            <a:r>
-              <a:rPr lang="en-US" altLang="en-GB" b="1">
-                <a:sym typeface="+mn-ea"/>
-              </a:rPr>
-              <a:t>Show all containers that have ever been created on our machine</a:t>
-            </a:r>
-            <a:endParaRPr lang="en-US" altLang="en-GB" b="1">
-              <a:sym typeface="+mn-ea"/>
-            </a:endParaRPr>
-          </a:p>
-          <a:p>
-            <a:pPr marL="457200" lvl="0" indent="-342900" algn="l" rtl="0">
-              <a:spcBef>
-                <a:spcPts val="0"/>
-              </a:spcBef>
-              <a:spcAft>
-                <a:spcPts val="0"/>
-              </a:spcAft>
-              <a:buSzPts val="1800"/>
-              <a:buChar char="+"/>
-            </a:pPr>
-            <a:r>
-              <a:rPr lang="en-US" altLang="en-GB" b="1">
-                <a:sym typeface="+mn-ea"/>
-              </a:rPr>
-              <a:t>&gt;&gt; docker ps --all</a:t>
-            </a:r>
-            <a:endParaRPr lang="en-US" altLang="en-GB" b="1">
-              <a:sym typeface="+mn-ea"/>
-            </a:endParaRPr>
-          </a:p>
-          <a:p>
-            <a:pPr marL="457200" lvl="0" indent="-342900" algn="l" rtl="0">
-              <a:spcBef>
-                <a:spcPts val="0"/>
-              </a:spcBef>
-              <a:spcAft>
-                <a:spcPts val="0"/>
-              </a:spcAft>
-              <a:buSzPts val="1800"/>
-              <a:buChar char="+"/>
-            </a:pPr>
-            <a:endParaRPr lang="en-US" b="1">
-              <a:solidFill>
-                <a:srgbClr val="B45F06"/>
-              </a:solidFill>
-            </a:endParaRPr>
-          </a:p>
-        </p:txBody>
-      </p:sp>
-      <p:pic>
-        <p:nvPicPr>
-          <p:cNvPr id="3" name="Picture 2"/>
-          <p:cNvPicPr>
-            <a:picLocks noChangeAspect="1"/>
-          </p:cNvPicPr>
-          <p:nvPr/>
-        </p:nvPicPr>
-        <p:blipFill>
-          <a:blip r:embed="rId1"/>
-          <a:stretch>
-            <a:fillRect/>
-          </a:stretch>
-        </p:blipFill>
-        <p:spPr>
-          <a:xfrm>
-            <a:off x="634365" y="2456180"/>
-            <a:ext cx="7875270" cy="2037080"/>
-          </a:xfrm>
-          <a:prstGeom prst="rect">
-            <a:avLst/>
-          </a:prstGeom>
-        </p:spPr>
-      </p:pic>
-    </p:spTree>
-  </p:cSld>
-  <p:clrMapOvr>
-    <a:masterClrMapping/>
-  </p:clrMapOvr>
-</p:sld>
-</file>
-
-<file path=ppt/slides/slide46.xml><?xml version="1.0" encoding="utf-8"?>
-<p:sld xmlns:a="http://schemas.openxmlformats.org/drawingml/2006/main" xmlns:r="http://schemas.openxmlformats.org/officeDocument/2006/relationships" xmlns:p="http://schemas.openxmlformats.org/presentationml/2006/main">
-  <p:cSld>
-    <p:spTree>
-      <p:nvGrpSpPr>
-        <p:cNvPr id="77" name="Shape 77"/>
-        <p:cNvGrpSpPr/>
-        <p:nvPr/>
-      </p:nvGrpSpPr>
-      <p:grpSpPr>
-        <a:xfrm>
-          <a:off x="0" y="0"/>
-          <a:ext cx="0" cy="0"/>
-          <a:chOff x="0" y="0"/>
-          <a:chExt cx="0" cy="0"/>
-        </a:xfrm>
-      </p:grpSpPr>
-      <p:sp>
-        <p:nvSpPr>
-          <p:cNvPr id="78" name="Google Shape;78;p15"/>
-          <p:cNvSpPr txBox="1"/>
-          <p:nvPr>
-            <p:ph type="title"/>
-          </p:nvPr>
-        </p:nvSpPr>
-        <p:spPr>
-          <a:xfrm>
-            <a:off x="311700" y="123715"/>
-            <a:ext cx="8520600" cy="707400"/>
-          </a:xfrm>
-          <a:prstGeom prst="rect">
-            <a:avLst/>
-          </a:prstGeom>
-        </p:spPr>
-        <p:txBody>
-          <a:bodyPr spcFirstLastPara="1" wrap="square" lIns="91425" tIns="91425" rIns="91425" bIns="91425" anchor="t" anchorCtr="0">
-            <a:normAutofit/>
-          </a:bodyPr>
-          <a:lstStyle/>
-          <a:p>
-            <a:pPr marL="0" lvl="0" indent="0" algn="l" rtl="0">
-              <a:spcBef>
-                <a:spcPts val="0"/>
-              </a:spcBef>
-              <a:spcAft>
-                <a:spcPts val="0"/>
-              </a:spcAft>
-              <a:buSzPts val="990"/>
-              <a:buNone/>
-            </a:pPr>
-            <a:r>
-              <a:rPr lang="en-US" sz="2940"/>
-              <a:t>Docker lifecycle</a:t>
-            </a:r>
-            <a:endParaRPr lang="en-US" sz="2940" b="0">
-              <a:solidFill>
-                <a:srgbClr val="3D85C6"/>
-              </a:solidFill>
-            </a:endParaRPr>
-          </a:p>
-        </p:txBody>
-      </p:sp>
-      <p:sp>
-        <p:nvSpPr>
-          <p:cNvPr id="79" name="Google Shape;79;p15"/>
-          <p:cNvSpPr txBox="1"/>
-          <p:nvPr>
-            <p:ph type="body" idx="1"/>
-          </p:nvPr>
-        </p:nvSpPr>
-        <p:spPr>
-          <a:xfrm>
-            <a:off x="311785" y="831215"/>
-            <a:ext cx="8520430" cy="3737610"/>
-          </a:xfrm>
-          <a:prstGeom prst="rect">
-            <a:avLst/>
-          </a:prstGeom>
-        </p:spPr>
-        <p:txBody>
-          <a:bodyPr spcFirstLastPara="1" wrap="square" lIns="91425" tIns="91425" rIns="91425" bIns="91425" anchor="t" anchorCtr="0">
-            <a:normAutofit/>
-          </a:bodyPr>
-          <a:lstStyle/>
-          <a:p>
-            <a:pPr marL="457200" lvl="0" indent="-342900" algn="l" rtl="0">
-              <a:spcBef>
-                <a:spcPts val="0"/>
-              </a:spcBef>
-              <a:spcAft>
-                <a:spcPts val="0"/>
-              </a:spcAft>
-              <a:buSzPts val="1800"/>
-              <a:buChar char="+"/>
-            </a:pPr>
-            <a:r>
-              <a:rPr lang="en-US" altLang="en-GB" b="1">
-                <a:sym typeface="+mn-ea"/>
-              </a:rPr>
-              <a:t>docker run hello-world</a:t>
-            </a:r>
-            <a:endParaRPr lang="en-US" b="1">
-              <a:solidFill>
-                <a:srgbClr val="B45F06"/>
-              </a:solidFill>
-            </a:endParaRPr>
-          </a:p>
-        </p:txBody>
-      </p:sp>
-      <p:pic>
-        <p:nvPicPr>
-          <p:cNvPr id="2" name="Picture 1"/>
-          <p:cNvPicPr>
-            <a:picLocks noChangeAspect="1"/>
-          </p:cNvPicPr>
-          <p:nvPr/>
-        </p:nvPicPr>
-        <p:blipFill>
-          <a:blip r:embed="rId1"/>
-          <a:stretch>
-            <a:fillRect/>
-          </a:stretch>
-        </p:blipFill>
-        <p:spPr>
-          <a:xfrm>
-            <a:off x="569595" y="1735455"/>
-            <a:ext cx="3766820" cy="1986915"/>
-          </a:xfrm>
-          <a:prstGeom prst="rect">
-            <a:avLst/>
-          </a:prstGeom>
-        </p:spPr>
-      </p:pic>
-      <p:pic>
-        <p:nvPicPr>
-          <p:cNvPr id="4" name="Picture 3"/>
-          <p:cNvPicPr>
-            <a:picLocks noChangeAspect="1"/>
-          </p:cNvPicPr>
-          <p:nvPr/>
-        </p:nvPicPr>
-        <p:blipFill>
-          <a:blip r:embed="rId2"/>
-          <a:stretch>
-            <a:fillRect/>
-          </a:stretch>
-        </p:blipFill>
-        <p:spPr>
-          <a:xfrm>
-            <a:off x="4762500" y="1609725"/>
-            <a:ext cx="3735070" cy="2054225"/>
-          </a:xfrm>
-          <a:prstGeom prst="rect">
-            <a:avLst/>
-          </a:prstGeom>
-        </p:spPr>
-      </p:pic>
-    </p:spTree>
-  </p:cSld>
-  <p:clrMapOvr>
-    <a:masterClrMapping/>
-  </p:clrMapOvr>
-</p:sld>
-</file>
-
-<file path=ppt/slides/slide47.xml><?xml version="1.0" encoding="utf-8"?>
-<p:sld xmlns:a="http://schemas.openxmlformats.org/drawingml/2006/main" xmlns:r="http://schemas.openxmlformats.org/officeDocument/2006/relationships" xmlns:p="http://schemas.openxmlformats.org/presentationml/2006/main">
-  <p:cSld>
-    <p:spTree>
-      <p:nvGrpSpPr>
-        <p:cNvPr id="77" name="Shape 77"/>
-        <p:cNvGrpSpPr/>
-        <p:nvPr/>
-      </p:nvGrpSpPr>
-      <p:grpSpPr>
-        <a:xfrm>
-          <a:off x="0" y="0"/>
-          <a:ext cx="0" cy="0"/>
-          <a:chOff x="0" y="0"/>
-          <a:chExt cx="0" cy="0"/>
-        </a:xfrm>
-      </p:grpSpPr>
-      <p:sp>
-        <p:nvSpPr>
-          <p:cNvPr id="78" name="Google Shape;78;p15"/>
-          <p:cNvSpPr txBox="1"/>
-          <p:nvPr>
-            <p:ph type="title"/>
-          </p:nvPr>
-        </p:nvSpPr>
-        <p:spPr>
-          <a:xfrm>
-            <a:off x="311700" y="123715"/>
-            <a:ext cx="8520600" cy="707400"/>
-          </a:xfrm>
-          <a:prstGeom prst="rect">
-            <a:avLst/>
-          </a:prstGeom>
-        </p:spPr>
-        <p:txBody>
-          <a:bodyPr spcFirstLastPara="1" wrap="square" lIns="91425" tIns="91425" rIns="91425" bIns="91425" anchor="t" anchorCtr="0">
-            <a:normAutofit/>
-          </a:bodyPr>
-          <a:lstStyle/>
-          <a:p>
-            <a:pPr marL="0" lvl="0" indent="0" algn="l" rtl="0">
-              <a:spcBef>
-                <a:spcPts val="0"/>
-              </a:spcBef>
-              <a:spcAft>
-                <a:spcPts val="0"/>
-              </a:spcAft>
-              <a:buSzPts val="990"/>
-              <a:buNone/>
-            </a:pPr>
-            <a:r>
-              <a:rPr lang="en-US" sz="2940"/>
-              <a:t>Docker lifecycle</a:t>
-            </a:r>
-            <a:endParaRPr lang="en-US" sz="2940" b="0">
-              <a:solidFill>
-                <a:srgbClr val="3D85C6"/>
-              </a:solidFill>
-            </a:endParaRPr>
-          </a:p>
-        </p:txBody>
-      </p:sp>
-      <p:sp>
-        <p:nvSpPr>
-          <p:cNvPr id="79" name="Google Shape;79;p15"/>
-          <p:cNvSpPr txBox="1"/>
-          <p:nvPr>
-            <p:ph type="body" idx="1"/>
-          </p:nvPr>
-        </p:nvSpPr>
-        <p:spPr>
-          <a:xfrm>
-            <a:off x="311785" y="831215"/>
-            <a:ext cx="8520430" cy="3737610"/>
-          </a:xfrm>
-          <a:prstGeom prst="rect">
-            <a:avLst/>
-          </a:prstGeom>
-        </p:spPr>
-        <p:txBody>
-          <a:bodyPr spcFirstLastPara="1" wrap="square" lIns="91425" tIns="91425" rIns="91425" bIns="91425" anchor="t" anchorCtr="0">
-            <a:normAutofit/>
-          </a:bodyPr>
-          <a:lstStyle/>
-          <a:p>
-            <a:pPr marL="457200" lvl="0" indent="-342900" algn="l" rtl="0">
-              <a:spcBef>
-                <a:spcPts val="0"/>
-              </a:spcBef>
-              <a:spcAft>
-                <a:spcPts val="0"/>
-              </a:spcAft>
-              <a:buSzPts val="1800"/>
-              <a:buChar char="+"/>
-            </a:pPr>
-            <a:r>
-              <a:rPr lang="en-US" altLang="en-GB" b="1">
-                <a:sym typeface="+mn-ea"/>
-              </a:rPr>
-              <a:t>docker run hello-world</a:t>
-            </a:r>
-            <a:endParaRPr lang="en-US" b="1">
-              <a:solidFill>
-                <a:srgbClr val="B45F06"/>
-              </a:solidFill>
-            </a:endParaRPr>
-          </a:p>
-        </p:txBody>
-      </p:sp>
-      <p:pic>
-        <p:nvPicPr>
-          <p:cNvPr id="2" name="Picture 1"/>
-          <p:cNvPicPr>
-            <a:picLocks noChangeAspect="1"/>
-          </p:cNvPicPr>
-          <p:nvPr/>
-        </p:nvPicPr>
-        <p:blipFill>
-          <a:blip r:embed="rId1"/>
-          <a:stretch>
-            <a:fillRect/>
-          </a:stretch>
-        </p:blipFill>
-        <p:spPr>
-          <a:xfrm>
-            <a:off x="542290" y="1350645"/>
-            <a:ext cx="3642995" cy="2865120"/>
-          </a:xfrm>
-          <a:prstGeom prst="rect">
-            <a:avLst/>
-          </a:prstGeom>
-        </p:spPr>
-      </p:pic>
-      <p:pic>
-        <p:nvPicPr>
-          <p:cNvPr id="5" name="Picture 4"/>
-          <p:cNvPicPr>
-            <a:picLocks noChangeAspect="1"/>
-          </p:cNvPicPr>
-          <p:nvPr/>
-        </p:nvPicPr>
-        <p:blipFill>
-          <a:blip r:embed="rId2"/>
-          <a:stretch>
-            <a:fillRect/>
-          </a:stretch>
-        </p:blipFill>
-        <p:spPr>
-          <a:xfrm>
-            <a:off x="4262120" y="1351280"/>
-            <a:ext cx="4683125" cy="2865120"/>
-          </a:xfrm>
-          <a:prstGeom prst="rect">
-            <a:avLst/>
-          </a:prstGeom>
-        </p:spPr>
-      </p:pic>
-    </p:spTree>
-  </p:cSld>
-  <p:clrMapOvr>
-    <a:masterClrMapping/>
-  </p:clrMapOvr>
-</p:sld>
-</file>
-
-<file path=ppt/slides/slide48.xml><?xml version="1.0" encoding="utf-8"?>
-<p:sld xmlns:a="http://schemas.openxmlformats.org/drawingml/2006/main" xmlns:r="http://schemas.openxmlformats.org/officeDocument/2006/relationships" xmlns:p="http://schemas.openxmlformats.org/presentationml/2006/main">
-  <p:cSld>
-    <p:spTree>
-      <p:nvGrpSpPr>
-        <p:cNvPr id="77" name="Shape 77"/>
-        <p:cNvGrpSpPr/>
-        <p:nvPr/>
-      </p:nvGrpSpPr>
-      <p:grpSpPr>
-        <a:xfrm>
-          <a:off x="0" y="0"/>
-          <a:ext cx="0" cy="0"/>
-          <a:chOff x="0" y="0"/>
-          <a:chExt cx="0" cy="0"/>
-        </a:xfrm>
-      </p:grpSpPr>
-      <p:sp>
-        <p:nvSpPr>
-          <p:cNvPr id="78" name="Google Shape;78;p15"/>
-          <p:cNvSpPr txBox="1"/>
-          <p:nvPr>
-            <p:ph type="title"/>
-          </p:nvPr>
-        </p:nvSpPr>
-        <p:spPr>
-          <a:xfrm>
-            <a:off x="311700" y="123715"/>
-            <a:ext cx="8520600" cy="707400"/>
-          </a:xfrm>
-          <a:prstGeom prst="rect">
-            <a:avLst/>
-          </a:prstGeom>
-        </p:spPr>
-        <p:txBody>
-          <a:bodyPr spcFirstLastPara="1" wrap="square" lIns="91425" tIns="91425" rIns="91425" bIns="91425" anchor="t" anchorCtr="0">
-            <a:normAutofit/>
-          </a:bodyPr>
-          <a:lstStyle/>
-          <a:p>
-            <a:pPr marL="0" lvl="0" indent="0" algn="l" rtl="0">
-              <a:spcBef>
-                <a:spcPts val="0"/>
-              </a:spcBef>
-              <a:spcAft>
-                <a:spcPts val="0"/>
-              </a:spcAft>
-              <a:buSzPts val="990"/>
-              <a:buNone/>
-            </a:pPr>
-            <a:r>
-              <a:rPr lang="en-US" sz="2940"/>
-              <a:t>Starting stopped container</a:t>
-            </a:r>
-            <a:endParaRPr lang="en-US" sz="2940" b="0">
-              <a:solidFill>
-                <a:srgbClr val="3D85C6"/>
-              </a:solidFill>
-            </a:endParaRPr>
-          </a:p>
-        </p:txBody>
-      </p:sp>
-      <p:sp>
-        <p:nvSpPr>
-          <p:cNvPr id="79" name="Google Shape;79;p15"/>
-          <p:cNvSpPr txBox="1"/>
-          <p:nvPr>
-            <p:ph type="body" idx="1"/>
-          </p:nvPr>
-        </p:nvSpPr>
-        <p:spPr>
-          <a:xfrm>
-            <a:off x="311785" y="3627120"/>
-            <a:ext cx="8520430" cy="941705"/>
-          </a:xfrm>
-          <a:prstGeom prst="rect">
-            <a:avLst/>
-          </a:prstGeom>
-        </p:spPr>
-        <p:txBody>
-          <a:bodyPr spcFirstLastPara="1" wrap="square" lIns="91425" tIns="91425" rIns="91425" bIns="91425" anchor="t" anchorCtr="0">
-            <a:normAutofit/>
-          </a:bodyPr>
-          <a:lstStyle/>
-          <a:p>
-            <a:pPr marL="457200" lvl="0" indent="-342900" algn="l" rtl="0">
-              <a:spcBef>
-                <a:spcPts val="0"/>
-              </a:spcBef>
-              <a:spcAft>
-                <a:spcPts val="0"/>
-              </a:spcAft>
-              <a:buSzPts val="1800"/>
-              <a:buChar char="+"/>
-            </a:pPr>
-            <a:r>
-              <a:rPr lang="en-US" altLang="en-GB" b="1">
-                <a:sym typeface="+mn-ea"/>
-              </a:rPr>
-              <a:t>Status = exited, mean it’s instance till exist in the cache, so we can recall it by using its ID</a:t>
-            </a:r>
-            <a:endParaRPr lang="en-US" b="1">
-              <a:solidFill>
-                <a:srgbClr val="B45F06"/>
-              </a:solidFill>
-            </a:endParaRPr>
-          </a:p>
-        </p:txBody>
-      </p:sp>
-      <p:pic>
-        <p:nvPicPr>
-          <p:cNvPr id="2" name="Picture 1"/>
-          <p:cNvPicPr>
-            <a:picLocks noChangeAspect="1"/>
-          </p:cNvPicPr>
-          <p:nvPr/>
-        </p:nvPicPr>
-        <p:blipFill>
-          <a:blip r:embed="rId1"/>
-          <a:stretch>
-            <a:fillRect/>
-          </a:stretch>
-        </p:blipFill>
-        <p:spPr>
-          <a:xfrm>
-            <a:off x="429260" y="890905"/>
-            <a:ext cx="8286115" cy="2677160"/>
-          </a:xfrm>
-          <a:prstGeom prst="rect">
-            <a:avLst/>
-          </a:prstGeom>
-        </p:spPr>
-      </p:pic>
-    </p:spTree>
-  </p:cSld>
-  <p:clrMapOvr>
-    <a:masterClrMapping/>
-  </p:clrMapOvr>
-</p:sld>
-</file>
-
-<file path=ppt/slides/slide49.xml><?xml version="1.0" encoding="utf-8"?>
-<p:sld xmlns:a="http://schemas.openxmlformats.org/drawingml/2006/main" xmlns:r="http://schemas.openxmlformats.org/officeDocument/2006/relationships" xmlns:p="http://schemas.openxmlformats.org/presentationml/2006/main">
-  <p:cSld>
-    <p:spTree>
-      <p:nvGrpSpPr>
-        <p:cNvPr id="77" name="Shape 77"/>
-        <p:cNvGrpSpPr/>
-        <p:nvPr/>
-      </p:nvGrpSpPr>
-      <p:grpSpPr>
-        <a:xfrm>
-          <a:off x="0" y="0"/>
-          <a:ext cx="0" cy="0"/>
-          <a:chOff x="0" y="0"/>
-          <a:chExt cx="0" cy="0"/>
-        </a:xfrm>
-      </p:grpSpPr>
-      <p:sp>
-        <p:nvSpPr>
-          <p:cNvPr id="78" name="Google Shape;78;p15"/>
-          <p:cNvSpPr txBox="1"/>
-          <p:nvPr>
-            <p:ph type="title"/>
-          </p:nvPr>
-        </p:nvSpPr>
-        <p:spPr>
-          <a:xfrm>
-            <a:off x="311700" y="123715"/>
-            <a:ext cx="8520600" cy="707400"/>
-          </a:xfrm>
-          <a:prstGeom prst="rect">
-            <a:avLst/>
-          </a:prstGeom>
-        </p:spPr>
-        <p:txBody>
-          <a:bodyPr spcFirstLastPara="1" wrap="square" lIns="91425" tIns="91425" rIns="91425" bIns="91425" anchor="t" anchorCtr="0">
-            <a:normAutofit/>
-          </a:bodyPr>
-          <a:lstStyle/>
-          <a:p>
-            <a:pPr marL="0" lvl="0" indent="0" algn="l" rtl="0">
-              <a:spcBef>
-                <a:spcPts val="0"/>
-              </a:spcBef>
-              <a:spcAft>
-                <a:spcPts val="0"/>
-              </a:spcAft>
-              <a:buSzPts val="990"/>
-              <a:buNone/>
-            </a:pPr>
-            <a:r>
-              <a:rPr lang="en-US" sz="2940"/>
-              <a:t>Starting stopped container</a:t>
-            </a:r>
-            <a:endParaRPr lang="en-US" sz="2940" b="0">
-              <a:solidFill>
-                <a:srgbClr val="3D85C6"/>
-              </a:solidFill>
-            </a:endParaRPr>
-          </a:p>
-        </p:txBody>
-      </p:sp>
-      <p:pic>
-        <p:nvPicPr>
-          <p:cNvPr id="2" name="Picture 1"/>
-          <p:cNvPicPr>
-            <a:picLocks noChangeAspect="1"/>
-          </p:cNvPicPr>
-          <p:nvPr/>
-        </p:nvPicPr>
-        <p:blipFill>
-          <a:blip r:embed="rId1"/>
-          <a:stretch>
-            <a:fillRect/>
-          </a:stretch>
-        </p:blipFill>
-        <p:spPr>
-          <a:xfrm>
-            <a:off x="1435735" y="831215"/>
-            <a:ext cx="6272530" cy="3705860"/>
-          </a:xfrm>
-          <a:prstGeom prst="rect">
-            <a:avLst/>
-          </a:prstGeom>
-        </p:spPr>
-      </p:pic>
-      <p:sp>
-        <p:nvSpPr>
-          <p:cNvPr id="3" name="Text Placeholder 2"/>
-          <p:cNvSpPr/>
-          <p:nvPr>
-            <p:ph type="body" idx="1"/>
-          </p:nvPr>
-        </p:nvSpPr>
-        <p:spPr/>
-        <p:txBody>
-          <a:bodyPr/>
-          <a:p>
-            <a:endParaRPr lang="en-US"/>
+            <a:endParaRPr lang="en-GB"/>
           </a:p>
         </p:txBody>
       </p:sp>
@@ -20428,1612 +16364,6 @@
           <a:xfrm>
             <a:off x="480060" y="2588895"/>
             <a:ext cx="6401435" cy="1979930"/>
-          </a:xfrm>
-          <a:prstGeom prst="rect">
-            <a:avLst/>
-          </a:prstGeom>
-        </p:spPr>
-      </p:pic>
-    </p:spTree>
-  </p:cSld>
-  <p:clrMapOvr>
-    <a:masterClrMapping/>
-  </p:clrMapOvr>
-</p:sld>
-</file>
-
-<file path=ppt/slides/slide50.xml><?xml version="1.0" encoding="utf-8"?>
-<p:sld xmlns:a="http://schemas.openxmlformats.org/drawingml/2006/main" xmlns:r="http://schemas.openxmlformats.org/officeDocument/2006/relationships" xmlns:p="http://schemas.openxmlformats.org/presentationml/2006/main">
-  <p:cSld>
-    <p:spTree>
-      <p:nvGrpSpPr>
-        <p:cNvPr id="77" name="Shape 77"/>
-        <p:cNvGrpSpPr/>
-        <p:nvPr/>
-      </p:nvGrpSpPr>
-      <p:grpSpPr>
-        <a:xfrm>
-          <a:off x="0" y="0"/>
-          <a:ext cx="0" cy="0"/>
-          <a:chOff x="0" y="0"/>
-          <a:chExt cx="0" cy="0"/>
-        </a:xfrm>
-      </p:grpSpPr>
-      <p:sp>
-        <p:nvSpPr>
-          <p:cNvPr id="78" name="Google Shape;78;p15"/>
-          <p:cNvSpPr txBox="1"/>
-          <p:nvPr>
-            <p:ph type="title"/>
-          </p:nvPr>
-        </p:nvSpPr>
-        <p:spPr>
-          <a:xfrm>
-            <a:off x="311700" y="123715"/>
-            <a:ext cx="8520600" cy="707400"/>
-          </a:xfrm>
-          <a:prstGeom prst="rect">
-            <a:avLst/>
-          </a:prstGeom>
-        </p:spPr>
-        <p:txBody>
-          <a:bodyPr spcFirstLastPara="1" wrap="square" lIns="91425" tIns="91425" rIns="91425" bIns="91425" anchor="t" anchorCtr="0">
-            <a:normAutofit/>
-          </a:bodyPr>
-          <a:lstStyle/>
-          <a:p>
-            <a:pPr marL="0" lvl="0" indent="0" algn="l" rtl="0">
-              <a:spcBef>
-                <a:spcPts val="0"/>
-              </a:spcBef>
-              <a:spcAft>
-                <a:spcPts val="0"/>
-              </a:spcAft>
-              <a:buSzPts val="990"/>
-              <a:buNone/>
-            </a:pPr>
-            <a:r>
-              <a:rPr lang="en-US" sz="2940"/>
-              <a:t>Removing stopped container</a:t>
-            </a:r>
-            <a:endParaRPr lang="en-US" sz="2940" b="0">
-              <a:solidFill>
-                <a:srgbClr val="3D85C6"/>
-              </a:solidFill>
-            </a:endParaRPr>
-          </a:p>
-        </p:txBody>
-      </p:sp>
-      <p:sp>
-        <p:nvSpPr>
-          <p:cNvPr id="79" name="Google Shape;79;p15"/>
-          <p:cNvSpPr txBox="1"/>
-          <p:nvPr>
-            <p:ph type="body" idx="1"/>
-          </p:nvPr>
-        </p:nvSpPr>
-        <p:spPr>
-          <a:xfrm>
-            <a:off x="311785" y="3975735"/>
-            <a:ext cx="8213725" cy="840105"/>
-          </a:xfrm>
-          <a:prstGeom prst="rect">
-            <a:avLst/>
-          </a:prstGeom>
-        </p:spPr>
-        <p:txBody>
-          <a:bodyPr spcFirstLastPara="1" wrap="square" lIns="91425" tIns="91425" rIns="91425" bIns="91425" anchor="t" anchorCtr="0">
-            <a:normAutofit fontScale="90000"/>
-          </a:bodyPr>
-          <a:p>
-            <a:pPr marL="114300" lvl="0" indent="0" algn="l" rtl="0">
-              <a:spcBef>
-                <a:spcPts val="0"/>
-              </a:spcBef>
-              <a:spcAft>
-                <a:spcPts val="0"/>
-              </a:spcAft>
-              <a:buSzPts val="1800"/>
-              <a:buNone/>
-            </a:pPr>
-            <a:r>
-              <a:rPr lang="en-US" altLang="en-GB" b="1">
-                <a:sym typeface="+mn-ea"/>
-              </a:rPr>
-              <a:t>docker system prune</a:t>
-            </a:r>
-            <a:endParaRPr lang="en-US" altLang="en-GB" b="1">
-              <a:sym typeface="+mn-ea"/>
-            </a:endParaRPr>
-          </a:p>
-          <a:p>
-            <a:pPr marL="114300" lvl="0" indent="0" algn="l" rtl="0">
-              <a:spcBef>
-                <a:spcPts val="0"/>
-              </a:spcBef>
-              <a:spcAft>
-                <a:spcPts val="0"/>
-              </a:spcAft>
-              <a:buSzPts val="1800"/>
-              <a:buNone/>
-            </a:pPr>
-            <a:r>
-              <a:rPr lang="en-US" altLang="en-GB" b="1">
-                <a:sym typeface="+mn-ea"/>
-              </a:rPr>
-              <a:t>=&gt; remove all stopped containers, cache and redownload images from docker hub</a:t>
-            </a:r>
-            <a:endParaRPr lang="en-US" b="1">
-              <a:solidFill>
-                <a:srgbClr val="B45F06"/>
-              </a:solidFill>
-            </a:endParaRPr>
-          </a:p>
-        </p:txBody>
-      </p:sp>
-      <p:pic>
-        <p:nvPicPr>
-          <p:cNvPr id="5" name="Picture 4"/>
-          <p:cNvPicPr>
-            <a:picLocks noChangeAspect="1"/>
-          </p:cNvPicPr>
-          <p:nvPr/>
-        </p:nvPicPr>
-        <p:blipFill>
-          <a:blip r:embed="rId1"/>
-          <a:stretch>
-            <a:fillRect/>
-          </a:stretch>
-        </p:blipFill>
-        <p:spPr>
-          <a:xfrm>
-            <a:off x="1257935" y="812800"/>
-            <a:ext cx="6320790" cy="3105150"/>
-          </a:xfrm>
-          <a:prstGeom prst="rect">
-            <a:avLst/>
-          </a:prstGeom>
-        </p:spPr>
-      </p:pic>
-    </p:spTree>
-  </p:cSld>
-  <p:clrMapOvr>
-    <a:masterClrMapping/>
-  </p:clrMapOvr>
-</p:sld>
-</file>
-
-<file path=ppt/slides/slide51.xml><?xml version="1.0" encoding="utf-8"?>
-<p:sld xmlns:a="http://schemas.openxmlformats.org/drawingml/2006/main" xmlns:r="http://schemas.openxmlformats.org/officeDocument/2006/relationships" xmlns:p="http://schemas.openxmlformats.org/presentationml/2006/main">
-  <p:cSld>
-    <p:spTree>
-      <p:nvGrpSpPr>
-        <p:cNvPr id="77" name="Shape 77"/>
-        <p:cNvGrpSpPr/>
-        <p:nvPr/>
-      </p:nvGrpSpPr>
-      <p:grpSpPr>
-        <a:xfrm>
-          <a:off x="0" y="0"/>
-          <a:ext cx="0" cy="0"/>
-          <a:chOff x="0" y="0"/>
-          <a:chExt cx="0" cy="0"/>
-        </a:xfrm>
-      </p:grpSpPr>
-      <p:sp>
-        <p:nvSpPr>
-          <p:cNvPr id="78" name="Google Shape;78;p15"/>
-          <p:cNvSpPr txBox="1"/>
-          <p:nvPr>
-            <p:ph type="title"/>
-          </p:nvPr>
-        </p:nvSpPr>
-        <p:spPr>
-          <a:xfrm>
-            <a:off x="311700" y="123715"/>
-            <a:ext cx="8520600" cy="707400"/>
-          </a:xfrm>
-          <a:prstGeom prst="rect">
-            <a:avLst/>
-          </a:prstGeom>
-        </p:spPr>
-        <p:txBody>
-          <a:bodyPr spcFirstLastPara="1" wrap="square" lIns="91425" tIns="91425" rIns="91425" bIns="91425" anchor="t" anchorCtr="0">
-            <a:normAutofit/>
-          </a:bodyPr>
-          <a:lstStyle/>
-          <a:p>
-            <a:pPr marL="0" lvl="0" indent="0" algn="l" rtl="0">
-              <a:spcBef>
-                <a:spcPts val="0"/>
-              </a:spcBef>
-              <a:spcAft>
-                <a:spcPts val="0"/>
-              </a:spcAft>
-              <a:buSzPts val="990"/>
-              <a:buNone/>
-            </a:pPr>
-            <a:r>
-              <a:rPr lang="en-US" sz="2940"/>
-              <a:t>Retrieving log Outputs</a:t>
-            </a:r>
-            <a:endParaRPr lang="en-US" sz="2940" b="0">
-              <a:solidFill>
-                <a:srgbClr val="3D85C6"/>
-              </a:solidFill>
-            </a:endParaRPr>
-          </a:p>
-        </p:txBody>
-      </p:sp>
-      <p:sp>
-        <p:nvSpPr>
-          <p:cNvPr id="79" name="Google Shape;79;p15"/>
-          <p:cNvSpPr txBox="1"/>
-          <p:nvPr>
-            <p:ph type="body" idx="1"/>
-          </p:nvPr>
-        </p:nvSpPr>
-        <p:spPr>
-          <a:xfrm>
-            <a:off x="311785" y="3763645"/>
-            <a:ext cx="8213725" cy="1052195"/>
-          </a:xfrm>
-          <a:prstGeom prst="rect">
-            <a:avLst/>
-          </a:prstGeom>
-        </p:spPr>
-        <p:txBody>
-          <a:bodyPr spcFirstLastPara="1" wrap="square" lIns="91425" tIns="91425" rIns="91425" bIns="91425" anchor="t" anchorCtr="0">
-            <a:normAutofit fontScale="90000"/>
-          </a:bodyPr>
-          <a:p>
-            <a:pPr marL="114300" lvl="0" indent="0" algn="l" rtl="0">
-              <a:spcBef>
-                <a:spcPts val="0"/>
-              </a:spcBef>
-              <a:spcAft>
-                <a:spcPts val="0"/>
-              </a:spcAft>
-              <a:buSzPts val="1800"/>
-              <a:buNone/>
-            </a:pPr>
-            <a:r>
-              <a:rPr lang="en-US" altLang="en-GB" b="1">
-                <a:sym typeface="+mn-ea"/>
-              </a:rPr>
-              <a:t>docker logs &lt;&lt;container_id&gt;&gt;</a:t>
-            </a:r>
-            <a:endParaRPr lang="en-US" altLang="en-GB" b="1">
-              <a:sym typeface="+mn-ea"/>
-            </a:endParaRPr>
-          </a:p>
-          <a:p>
-            <a:pPr marL="114300" lvl="0" indent="0" algn="l" rtl="0">
-              <a:spcBef>
-                <a:spcPts val="0"/>
-              </a:spcBef>
-              <a:spcAft>
-                <a:spcPts val="0"/>
-              </a:spcAft>
-              <a:buSzPts val="1800"/>
-              <a:buNone/>
-            </a:pPr>
-            <a:r>
-              <a:rPr lang="en-US" altLang="en-GB" b="1">
-                <a:sym typeface="+mn-ea"/>
-              </a:rPr>
-              <a:t>=&gt; With this command, we don’t re-run the container again. It only emitted what it works</a:t>
-            </a:r>
-            <a:endParaRPr lang="en-US" b="1">
-              <a:solidFill>
-                <a:srgbClr val="B45F06"/>
-              </a:solidFill>
-            </a:endParaRPr>
-          </a:p>
-        </p:txBody>
-      </p:sp>
-      <p:pic>
-        <p:nvPicPr>
-          <p:cNvPr id="2" name="Picture 1"/>
-          <p:cNvPicPr>
-            <a:picLocks noChangeAspect="1"/>
-          </p:cNvPicPr>
-          <p:nvPr/>
-        </p:nvPicPr>
-        <p:blipFill>
-          <a:blip r:embed="rId1"/>
-          <a:stretch>
-            <a:fillRect/>
-          </a:stretch>
-        </p:blipFill>
-        <p:spPr>
-          <a:xfrm>
-            <a:off x="723900" y="907415"/>
-            <a:ext cx="7696200" cy="2390775"/>
-          </a:xfrm>
-          <a:prstGeom prst="rect">
-            <a:avLst/>
-          </a:prstGeom>
-        </p:spPr>
-      </p:pic>
-    </p:spTree>
-  </p:cSld>
-  <p:clrMapOvr>
-    <a:masterClrMapping/>
-  </p:clrMapOvr>
-</p:sld>
-</file>
-
-<file path=ppt/slides/slide52.xml><?xml version="1.0" encoding="utf-8"?>
-<p:sld xmlns:a="http://schemas.openxmlformats.org/drawingml/2006/main" xmlns:r="http://schemas.openxmlformats.org/officeDocument/2006/relationships" xmlns:p="http://schemas.openxmlformats.org/presentationml/2006/main">
-  <p:cSld>
-    <p:spTree>
-      <p:nvGrpSpPr>
-        <p:cNvPr id="77" name="Shape 77"/>
-        <p:cNvGrpSpPr/>
-        <p:nvPr/>
-      </p:nvGrpSpPr>
-      <p:grpSpPr>
-        <a:xfrm>
-          <a:off x="0" y="0"/>
-          <a:ext cx="0" cy="0"/>
-          <a:chOff x="0" y="0"/>
-          <a:chExt cx="0" cy="0"/>
-        </a:xfrm>
-      </p:grpSpPr>
-      <p:sp>
-        <p:nvSpPr>
-          <p:cNvPr id="78" name="Google Shape;78;p15"/>
-          <p:cNvSpPr txBox="1"/>
-          <p:nvPr>
-            <p:ph type="title"/>
-          </p:nvPr>
-        </p:nvSpPr>
-        <p:spPr>
-          <a:xfrm>
-            <a:off x="311700" y="123715"/>
-            <a:ext cx="8520600" cy="707400"/>
-          </a:xfrm>
-          <a:prstGeom prst="rect">
-            <a:avLst/>
-          </a:prstGeom>
-        </p:spPr>
-        <p:txBody>
-          <a:bodyPr spcFirstLastPara="1" wrap="square" lIns="91425" tIns="91425" rIns="91425" bIns="91425" anchor="t" anchorCtr="0">
-            <a:normAutofit/>
-          </a:bodyPr>
-          <a:lstStyle/>
-          <a:p>
-            <a:pPr marL="0" lvl="0" indent="0" algn="l" rtl="0">
-              <a:spcBef>
-                <a:spcPts val="0"/>
-              </a:spcBef>
-              <a:spcAft>
-                <a:spcPts val="0"/>
-              </a:spcAft>
-              <a:buSzPts val="990"/>
-              <a:buNone/>
-            </a:pPr>
-            <a:r>
-              <a:rPr lang="en-US" sz="2940"/>
-              <a:t>Retrieving log Outputs</a:t>
-            </a:r>
-            <a:endParaRPr lang="en-US" sz="2940" b="0">
-              <a:solidFill>
-                <a:srgbClr val="3D85C6"/>
-              </a:solidFill>
-            </a:endParaRPr>
-          </a:p>
-        </p:txBody>
-      </p:sp>
-      <p:sp>
-        <p:nvSpPr>
-          <p:cNvPr id="79" name="Google Shape;79;p15"/>
-          <p:cNvSpPr txBox="1"/>
-          <p:nvPr>
-            <p:ph type="body" idx="1"/>
-          </p:nvPr>
-        </p:nvSpPr>
-        <p:spPr>
-          <a:xfrm>
-            <a:off x="311785" y="3763645"/>
-            <a:ext cx="8213725" cy="1052195"/>
-          </a:xfrm>
-          <a:prstGeom prst="rect">
-            <a:avLst/>
-          </a:prstGeom>
-        </p:spPr>
-        <p:txBody>
-          <a:bodyPr spcFirstLastPara="1" wrap="square" lIns="91425" tIns="91425" rIns="91425" bIns="91425" anchor="t" anchorCtr="0">
-            <a:normAutofit fontScale="90000"/>
-          </a:bodyPr>
-          <a:p>
-            <a:pPr marL="114300" lvl="0" indent="0" algn="l" rtl="0">
-              <a:spcBef>
-                <a:spcPts val="0"/>
-              </a:spcBef>
-              <a:spcAft>
-                <a:spcPts val="0"/>
-              </a:spcAft>
-              <a:buSzPts val="1800"/>
-              <a:buNone/>
-            </a:pPr>
-            <a:r>
-              <a:rPr lang="en-US" altLang="en-GB" b="1">
-                <a:sym typeface="+mn-ea"/>
-              </a:rPr>
-              <a:t>docker logs &lt;&lt;container_id&gt;&gt;</a:t>
-            </a:r>
-            <a:endParaRPr lang="en-US" altLang="en-GB" b="1">
-              <a:sym typeface="+mn-ea"/>
-            </a:endParaRPr>
-          </a:p>
-          <a:p>
-            <a:pPr marL="114300" lvl="0" indent="0" algn="l" rtl="0">
-              <a:spcBef>
-                <a:spcPts val="0"/>
-              </a:spcBef>
-              <a:spcAft>
-                <a:spcPts val="0"/>
-              </a:spcAft>
-              <a:buSzPts val="1800"/>
-              <a:buNone/>
-            </a:pPr>
-            <a:r>
-              <a:rPr lang="en-US" altLang="en-GB" b="1">
-                <a:sym typeface="+mn-ea"/>
-              </a:rPr>
-              <a:t>=&gt; With this command, we don’t re-run the container again. It only emitted what it works</a:t>
-            </a:r>
-            <a:endParaRPr lang="en-US" b="1">
-              <a:solidFill>
-                <a:srgbClr val="B45F06"/>
-              </a:solidFill>
-            </a:endParaRPr>
-          </a:p>
-        </p:txBody>
-      </p:sp>
-      <p:pic>
-        <p:nvPicPr>
-          <p:cNvPr id="2" name="Picture 1"/>
-          <p:cNvPicPr>
-            <a:picLocks noChangeAspect="1"/>
-          </p:cNvPicPr>
-          <p:nvPr/>
-        </p:nvPicPr>
-        <p:blipFill>
-          <a:blip r:embed="rId1"/>
-          <a:stretch>
-            <a:fillRect/>
-          </a:stretch>
-        </p:blipFill>
-        <p:spPr>
-          <a:xfrm>
-            <a:off x="723900" y="907415"/>
-            <a:ext cx="7696200" cy="2390775"/>
-          </a:xfrm>
-          <a:prstGeom prst="rect">
-            <a:avLst/>
-          </a:prstGeom>
-        </p:spPr>
-      </p:pic>
-    </p:spTree>
-  </p:cSld>
-  <p:clrMapOvr>
-    <a:masterClrMapping/>
-  </p:clrMapOvr>
-</p:sld>
-</file>
-
-<file path=ppt/slides/slide53.xml><?xml version="1.0" encoding="utf-8"?>
-<p:sld xmlns:a="http://schemas.openxmlformats.org/drawingml/2006/main" xmlns:r="http://schemas.openxmlformats.org/officeDocument/2006/relationships" xmlns:p="http://schemas.openxmlformats.org/presentationml/2006/main">
-  <p:cSld>
-    <p:spTree>
-      <p:nvGrpSpPr>
-        <p:cNvPr id="77" name="Shape 77"/>
-        <p:cNvGrpSpPr/>
-        <p:nvPr/>
-      </p:nvGrpSpPr>
-      <p:grpSpPr>
-        <a:xfrm>
-          <a:off x="0" y="0"/>
-          <a:ext cx="0" cy="0"/>
-          <a:chOff x="0" y="0"/>
-          <a:chExt cx="0" cy="0"/>
-        </a:xfrm>
-      </p:grpSpPr>
-      <p:sp>
-        <p:nvSpPr>
-          <p:cNvPr id="78" name="Google Shape;78;p15"/>
-          <p:cNvSpPr txBox="1"/>
-          <p:nvPr>
-            <p:ph type="title"/>
-          </p:nvPr>
-        </p:nvSpPr>
-        <p:spPr>
-          <a:xfrm>
-            <a:off x="311700" y="123715"/>
-            <a:ext cx="8520600" cy="707400"/>
-          </a:xfrm>
-          <a:prstGeom prst="rect">
-            <a:avLst/>
-          </a:prstGeom>
-        </p:spPr>
-        <p:txBody>
-          <a:bodyPr spcFirstLastPara="1" wrap="square" lIns="91425" tIns="91425" rIns="91425" bIns="91425" anchor="t" anchorCtr="0">
-            <a:normAutofit/>
-          </a:bodyPr>
-          <a:lstStyle/>
-          <a:p>
-            <a:pPr marL="0" lvl="0" indent="0" algn="l" rtl="0">
-              <a:spcBef>
-                <a:spcPts val="0"/>
-              </a:spcBef>
-              <a:spcAft>
-                <a:spcPts val="0"/>
-              </a:spcAft>
-              <a:buSzPts val="990"/>
-              <a:buNone/>
-            </a:pPr>
-            <a:r>
-              <a:rPr lang="en-US" sz="2940"/>
-              <a:t>Stopping container</a:t>
-            </a:r>
-            <a:endParaRPr lang="en-US" sz="2940" b="0">
-              <a:solidFill>
-                <a:srgbClr val="3D85C6"/>
-              </a:solidFill>
-            </a:endParaRPr>
-          </a:p>
-        </p:txBody>
-      </p:sp>
-      <p:sp>
-        <p:nvSpPr>
-          <p:cNvPr id="79" name="Google Shape;79;p15"/>
-          <p:cNvSpPr txBox="1"/>
-          <p:nvPr>
-            <p:ph type="body" idx="1"/>
-          </p:nvPr>
-        </p:nvSpPr>
-        <p:spPr>
-          <a:xfrm>
-            <a:off x="311785" y="831215"/>
-            <a:ext cx="8243570" cy="3984625"/>
-          </a:xfrm>
-          <a:prstGeom prst="rect">
-            <a:avLst/>
-          </a:prstGeom>
-        </p:spPr>
-        <p:txBody>
-          <a:bodyPr spcFirstLastPara="1" wrap="square" lIns="91425" tIns="91425" rIns="91425" bIns="91425" anchor="t" anchorCtr="0">
-            <a:normAutofit/>
-          </a:bodyPr>
-          <a:p>
-            <a:pPr marL="114300" lvl="0" indent="0" algn="l" rtl="0">
-              <a:spcBef>
-                <a:spcPts val="0"/>
-              </a:spcBef>
-              <a:spcAft>
-                <a:spcPts val="0"/>
-              </a:spcAft>
-              <a:buSzPts val="1800"/>
-              <a:buNone/>
-            </a:pPr>
-            <a:r>
-              <a:rPr lang="en-US" altLang="en-GB" b="1">
-                <a:sym typeface="+mn-ea"/>
-              </a:rPr>
-              <a:t>First, create, run and view log of the container </a:t>
-            </a:r>
-            <a:endParaRPr lang="en-US" b="1">
-              <a:solidFill>
-                <a:srgbClr val="B45F06"/>
-              </a:solidFill>
-            </a:endParaRPr>
-          </a:p>
-        </p:txBody>
-      </p:sp>
-      <p:pic>
-        <p:nvPicPr>
-          <p:cNvPr id="4" name="Picture 3"/>
-          <p:cNvPicPr>
-            <a:picLocks noChangeAspect="1"/>
-          </p:cNvPicPr>
-          <p:nvPr/>
-        </p:nvPicPr>
-        <p:blipFill>
-          <a:blip r:embed="rId1"/>
-          <a:stretch>
-            <a:fillRect/>
-          </a:stretch>
-        </p:blipFill>
-        <p:spPr>
-          <a:xfrm>
-            <a:off x="1485900" y="1371600"/>
-            <a:ext cx="6172835" cy="3233420"/>
-          </a:xfrm>
-          <a:prstGeom prst="rect">
-            <a:avLst/>
-          </a:prstGeom>
-        </p:spPr>
-      </p:pic>
-    </p:spTree>
-  </p:cSld>
-  <p:clrMapOvr>
-    <a:masterClrMapping/>
-  </p:clrMapOvr>
-</p:sld>
-</file>
-
-<file path=ppt/slides/slide54.xml><?xml version="1.0" encoding="utf-8"?>
-<p:sld xmlns:a="http://schemas.openxmlformats.org/drawingml/2006/main" xmlns:r="http://schemas.openxmlformats.org/officeDocument/2006/relationships" xmlns:p="http://schemas.openxmlformats.org/presentationml/2006/main">
-  <p:cSld>
-    <p:spTree>
-      <p:nvGrpSpPr>
-        <p:cNvPr id="77" name="Shape 77"/>
-        <p:cNvGrpSpPr/>
-        <p:nvPr/>
-      </p:nvGrpSpPr>
-      <p:grpSpPr>
-        <a:xfrm>
-          <a:off x="0" y="0"/>
-          <a:ext cx="0" cy="0"/>
-          <a:chOff x="0" y="0"/>
-          <a:chExt cx="0" cy="0"/>
-        </a:xfrm>
-      </p:grpSpPr>
-      <p:sp>
-        <p:nvSpPr>
-          <p:cNvPr id="78" name="Google Shape;78;p15"/>
-          <p:cNvSpPr txBox="1"/>
-          <p:nvPr>
-            <p:ph type="title"/>
-          </p:nvPr>
-        </p:nvSpPr>
-        <p:spPr>
-          <a:xfrm>
-            <a:off x="311700" y="123715"/>
-            <a:ext cx="8520600" cy="707400"/>
-          </a:xfrm>
-          <a:prstGeom prst="rect">
-            <a:avLst/>
-          </a:prstGeom>
-        </p:spPr>
-        <p:txBody>
-          <a:bodyPr spcFirstLastPara="1" wrap="square" lIns="91425" tIns="91425" rIns="91425" bIns="91425" anchor="t" anchorCtr="0">
-            <a:normAutofit/>
-          </a:bodyPr>
-          <a:lstStyle/>
-          <a:p>
-            <a:pPr marL="0" lvl="0" indent="0" algn="l" rtl="0">
-              <a:spcBef>
-                <a:spcPts val="0"/>
-              </a:spcBef>
-              <a:spcAft>
-                <a:spcPts val="0"/>
-              </a:spcAft>
-              <a:buSzPts val="990"/>
-              <a:buNone/>
-            </a:pPr>
-            <a:r>
-              <a:rPr lang="en-US" sz="2940"/>
-              <a:t>Stopping container</a:t>
-            </a:r>
-            <a:endParaRPr lang="en-US" sz="2940" b="0">
-              <a:solidFill>
-                <a:srgbClr val="3D85C6"/>
-              </a:solidFill>
-            </a:endParaRPr>
-          </a:p>
-        </p:txBody>
-      </p:sp>
-      <p:pic>
-        <p:nvPicPr>
-          <p:cNvPr id="2" name="Picture 1"/>
-          <p:cNvPicPr>
-            <a:picLocks noChangeAspect="1"/>
-          </p:cNvPicPr>
-          <p:nvPr/>
-        </p:nvPicPr>
-        <p:blipFill>
-          <a:blip r:embed="rId1"/>
-          <a:stretch>
-            <a:fillRect/>
-          </a:stretch>
-        </p:blipFill>
-        <p:spPr>
-          <a:xfrm>
-            <a:off x="2097405" y="858520"/>
-            <a:ext cx="4250690" cy="1116965"/>
-          </a:xfrm>
-          <a:prstGeom prst="rect">
-            <a:avLst/>
-          </a:prstGeom>
-        </p:spPr>
-      </p:pic>
-      <p:pic>
-        <p:nvPicPr>
-          <p:cNvPr id="4" name="Picture 3"/>
-          <p:cNvPicPr>
-            <a:picLocks noChangeAspect="1"/>
-          </p:cNvPicPr>
-          <p:nvPr/>
-        </p:nvPicPr>
-        <p:blipFill>
-          <a:blip r:embed="rId2"/>
-          <a:stretch>
-            <a:fillRect/>
-          </a:stretch>
-        </p:blipFill>
-        <p:spPr>
-          <a:xfrm>
-            <a:off x="721360" y="1877695"/>
-            <a:ext cx="7002780" cy="2905760"/>
-          </a:xfrm>
-          <a:prstGeom prst="rect">
-            <a:avLst/>
-          </a:prstGeom>
-        </p:spPr>
-      </p:pic>
-    </p:spTree>
-  </p:cSld>
-  <p:clrMapOvr>
-    <a:masterClrMapping/>
-  </p:clrMapOvr>
-</p:sld>
-</file>
-
-<file path=ppt/slides/slide55.xml><?xml version="1.0" encoding="utf-8"?>
-<p:sld xmlns:a="http://schemas.openxmlformats.org/drawingml/2006/main" xmlns:r="http://schemas.openxmlformats.org/officeDocument/2006/relationships" xmlns:p="http://schemas.openxmlformats.org/presentationml/2006/main">
-  <p:cSld>
-    <p:spTree>
-      <p:nvGrpSpPr>
-        <p:cNvPr id="77" name="Shape 77"/>
-        <p:cNvGrpSpPr/>
-        <p:nvPr/>
-      </p:nvGrpSpPr>
-      <p:grpSpPr>
-        <a:xfrm>
-          <a:off x="0" y="0"/>
-          <a:ext cx="0" cy="0"/>
-          <a:chOff x="0" y="0"/>
-          <a:chExt cx="0" cy="0"/>
-        </a:xfrm>
-      </p:grpSpPr>
-      <p:sp>
-        <p:nvSpPr>
-          <p:cNvPr id="78" name="Google Shape;78;p15"/>
-          <p:cNvSpPr txBox="1"/>
-          <p:nvPr>
-            <p:ph type="title"/>
-          </p:nvPr>
-        </p:nvSpPr>
-        <p:spPr>
-          <a:xfrm>
-            <a:off x="311700" y="123715"/>
-            <a:ext cx="8520600" cy="707400"/>
-          </a:xfrm>
-          <a:prstGeom prst="rect">
-            <a:avLst/>
-          </a:prstGeom>
-        </p:spPr>
-        <p:txBody>
-          <a:bodyPr spcFirstLastPara="1" wrap="square" lIns="91425" tIns="91425" rIns="91425" bIns="91425" anchor="t" anchorCtr="0">
-            <a:normAutofit/>
-          </a:bodyPr>
-          <a:lstStyle/>
-          <a:p>
-            <a:pPr marL="0" lvl="0" indent="0" algn="l" rtl="0">
-              <a:spcBef>
-                <a:spcPts val="0"/>
-              </a:spcBef>
-              <a:spcAft>
-                <a:spcPts val="0"/>
-              </a:spcAft>
-              <a:buSzPts val="990"/>
-              <a:buNone/>
-            </a:pPr>
-            <a:r>
-              <a:rPr lang="en-US" sz="2940"/>
-              <a:t>Stopping container</a:t>
-            </a:r>
-            <a:endParaRPr lang="en-US" sz="2940" b="0">
-              <a:solidFill>
-                <a:srgbClr val="3D85C6"/>
-              </a:solidFill>
-            </a:endParaRPr>
-          </a:p>
-        </p:txBody>
-      </p:sp>
-      <p:pic>
-        <p:nvPicPr>
-          <p:cNvPr id="2" name="Picture 1"/>
-          <p:cNvPicPr>
-            <a:picLocks noChangeAspect="1"/>
-          </p:cNvPicPr>
-          <p:nvPr/>
-        </p:nvPicPr>
-        <p:blipFill>
-          <a:blip r:embed="rId1"/>
-          <a:stretch>
-            <a:fillRect/>
-          </a:stretch>
-        </p:blipFill>
-        <p:spPr>
-          <a:xfrm>
-            <a:off x="311785" y="1607820"/>
-            <a:ext cx="8582025" cy="2362200"/>
-          </a:xfrm>
-          <a:prstGeom prst="rect">
-            <a:avLst/>
-          </a:prstGeom>
-        </p:spPr>
-      </p:pic>
-      <p:sp>
-        <p:nvSpPr>
-          <p:cNvPr id="79" name="Google Shape;79;p15"/>
-          <p:cNvSpPr txBox="1"/>
-          <p:nvPr>
-            <p:ph type="body" idx="1"/>
-          </p:nvPr>
-        </p:nvSpPr>
-        <p:spPr>
-          <a:xfrm>
-            <a:off x="311785" y="831850"/>
-            <a:ext cx="8520430" cy="3736975"/>
-          </a:xfrm>
-          <a:prstGeom prst="rect">
-            <a:avLst/>
-          </a:prstGeom>
-        </p:spPr>
-        <p:txBody>
-          <a:bodyPr spcFirstLastPara="1" wrap="square" lIns="91425" tIns="91425" rIns="91425" bIns="91425" anchor="t" anchorCtr="0">
-            <a:normAutofit lnSpcReduction="10000"/>
-          </a:bodyPr>
-          <a:p>
-            <a:pPr marL="114300" lvl="0" indent="0" algn="l" rtl="0">
-              <a:spcBef>
-                <a:spcPts val="0"/>
-              </a:spcBef>
-              <a:spcAft>
-                <a:spcPts val="0"/>
-              </a:spcAft>
-              <a:buSzPts val="1800"/>
-              <a:buNone/>
-            </a:pPr>
-            <a:r>
-              <a:rPr lang="en-US" altLang="en-GB" b="1">
-                <a:sym typeface="+mn-ea"/>
-              </a:rPr>
-              <a:t>&gt;&gt; docker stop &lt;container_id&gt;</a:t>
-            </a:r>
-            <a:endParaRPr lang="en-US" altLang="en-GB" b="1">
-              <a:sym typeface="+mn-ea"/>
-            </a:endParaRPr>
-          </a:p>
-          <a:p>
-            <a:pPr marL="457200" lvl="0" indent="-342900" algn="l" rtl="0">
-              <a:spcBef>
-                <a:spcPts val="0"/>
-              </a:spcBef>
-              <a:spcAft>
-                <a:spcPts val="0"/>
-              </a:spcAft>
-              <a:buSzPts val="1800"/>
-              <a:buChar char="+"/>
-            </a:pPr>
-            <a:r>
-              <a:rPr lang="en-US" altLang="en-GB" b="1">
-                <a:sym typeface="+mn-ea"/>
-              </a:rPr>
-              <a:t>Waiting for over 10 seconds to stop the container</a:t>
-            </a:r>
-            <a:endParaRPr lang="en-US" b="1">
-              <a:solidFill>
-                <a:srgbClr val="B45F06"/>
-              </a:solidFill>
-            </a:endParaRPr>
-          </a:p>
-        </p:txBody>
-      </p:sp>
-    </p:spTree>
-  </p:cSld>
-  <p:clrMapOvr>
-    <a:masterClrMapping/>
-  </p:clrMapOvr>
-</p:sld>
-</file>
-
-<file path=ppt/slides/slide56.xml><?xml version="1.0" encoding="utf-8"?>
-<p:sld xmlns:a="http://schemas.openxmlformats.org/drawingml/2006/main" xmlns:r="http://schemas.openxmlformats.org/officeDocument/2006/relationships" xmlns:p="http://schemas.openxmlformats.org/presentationml/2006/main">
-  <p:cSld>
-    <p:spTree>
-      <p:nvGrpSpPr>
-        <p:cNvPr id="77" name="Shape 77"/>
-        <p:cNvGrpSpPr/>
-        <p:nvPr/>
-      </p:nvGrpSpPr>
-      <p:grpSpPr>
-        <a:xfrm>
-          <a:off x="0" y="0"/>
-          <a:ext cx="0" cy="0"/>
-          <a:chOff x="0" y="0"/>
-          <a:chExt cx="0" cy="0"/>
-        </a:xfrm>
-      </p:grpSpPr>
-      <p:sp>
-        <p:nvSpPr>
-          <p:cNvPr id="78" name="Google Shape;78;p15"/>
-          <p:cNvSpPr txBox="1"/>
-          <p:nvPr>
-            <p:ph type="title"/>
-          </p:nvPr>
-        </p:nvSpPr>
-        <p:spPr>
-          <a:xfrm>
-            <a:off x="311700" y="123715"/>
-            <a:ext cx="8520600" cy="707400"/>
-          </a:xfrm>
-          <a:prstGeom prst="rect">
-            <a:avLst/>
-          </a:prstGeom>
-        </p:spPr>
-        <p:txBody>
-          <a:bodyPr spcFirstLastPara="1" wrap="square" lIns="91425" tIns="91425" rIns="91425" bIns="91425" anchor="t" anchorCtr="0">
-            <a:normAutofit/>
-          </a:bodyPr>
-          <a:lstStyle/>
-          <a:p>
-            <a:pPr marL="0" lvl="0" indent="0" algn="l" rtl="0">
-              <a:spcBef>
-                <a:spcPts val="0"/>
-              </a:spcBef>
-              <a:spcAft>
-                <a:spcPts val="0"/>
-              </a:spcAft>
-              <a:buSzPts val="990"/>
-              <a:buNone/>
-            </a:pPr>
-            <a:r>
-              <a:rPr lang="en-US" sz="2940"/>
-              <a:t>Stopping container</a:t>
-            </a:r>
-            <a:endParaRPr lang="en-US" sz="2940" b="0">
-              <a:solidFill>
-                <a:srgbClr val="3D85C6"/>
-              </a:solidFill>
-            </a:endParaRPr>
-          </a:p>
-        </p:txBody>
-      </p:sp>
-      <p:sp>
-        <p:nvSpPr>
-          <p:cNvPr id="79" name="Google Shape;79;p15"/>
-          <p:cNvSpPr txBox="1"/>
-          <p:nvPr>
-            <p:ph type="body" idx="1"/>
-          </p:nvPr>
-        </p:nvSpPr>
-        <p:spPr>
-          <a:xfrm>
-            <a:off x="311785" y="831850"/>
-            <a:ext cx="8268970" cy="3736975"/>
-          </a:xfrm>
-          <a:prstGeom prst="rect">
-            <a:avLst/>
-          </a:prstGeom>
-        </p:spPr>
-        <p:txBody>
-          <a:bodyPr spcFirstLastPara="1" wrap="square" lIns="91425" tIns="91425" rIns="91425" bIns="91425" anchor="t" anchorCtr="0">
-            <a:normAutofit lnSpcReduction="10000"/>
-          </a:bodyPr>
-          <a:p>
-            <a:pPr marL="457200" lvl="0" indent="-342900" algn="l" rtl="0">
-              <a:spcBef>
-                <a:spcPts val="0"/>
-              </a:spcBef>
-              <a:spcAft>
-                <a:spcPts val="0"/>
-              </a:spcAft>
-              <a:buSzPts val="1800"/>
-              <a:buChar char="+"/>
-            </a:pPr>
-            <a:r>
-              <a:rPr lang="en-US" altLang="en-GB" b="1">
-                <a:sym typeface="+mn-ea"/>
-              </a:rPr>
-              <a:t>Start container again and use kill command</a:t>
-            </a:r>
-            <a:endParaRPr lang="en-US" altLang="en-GB" b="1">
-              <a:sym typeface="+mn-ea"/>
-            </a:endParaRPr>
-          </a:p>
-          <a:p>
-            <a:pPr marL="114300" lvl="0" indent="0" algn="l" rtl="0">
-              <a:spcBef>
-                <a:spcPts val="0"/>
-              </a:spcBef>
-              <a:spcAft>
-                <a:spcPts val="0"/>
-              </a:spcAft>
-              <a:buSzPts val="1800"/>
-              <a:buNone/>
-            </a:pPr>
-            <a:r>
-              <a:rPr lang="en-US" altLang="en-GB" b="1">
-                <a:sym typeface="+mn-ea"/>
-              </a:rPr>
-              <a:t>&gt;&gt; docker kill &lt;container_id&gt;</a:t>
-            </a:r>
-            <a:endParaRPr lang="en-US" altLang="en-GB" b="1">
-              <a:sym typeface="+mn-ea"/>
-            </a:endParaRPr>
-          </a:p>
-          <a:p>
-            <a:pPr marL="457200" lvl="0" indent="-342900" algn="l" rtl="0">
-              <a:spcBef>
-                <a:spcPts val="0"/>
-              </a:spcBef>
-              <a:spcAft>
-                <a:spcPts val="0"/>
-              </a:spcAft>
-              <a:buSzPts val="1800"/>
-              <a:buChar char="+"/>
-            </a:pPr>
-            <a:r>
-              <a:rPr lang="en-US" altLang="en-GB" b="1">
-                <a:sym typeface="+mn-ea"/>
-              </a:rPr>
-              <a:t>Stop the container immediately</a:t>
-            </a:r>
-            <a:endParaRPr lang="en-US" b="1">
-              <a:solidFill>
-                <a:srgbClr val="B45F06"/>
-              </a:solidFill>
-            </a:endParaRPr>
-          </a:p>
-        </p:txBody>
-      </p:sp>
-      <p:pic>
-        <p:nvPicPr>
-          <p:cNvPr id="2" name="Picture 1"/>
-          <p:cNvPicPr>
-            <a:picLocks noChangeAspect="1"/>
-          </p:cNvPicPr>
-          <p:nvPr/>
-        </p:nvPicPr>
-        <p:blipFill>
-          <a:blip r:embed="rId1"/>
-          <a:stretch>
-            <a:fillRect/>
-          </a:stretch>
-        </p:blipFill>
-        <p:spPr>
-          <a:xfrm>
-            <a:off x="570230" y="1825625"/>
-            <a:ext cx="8010525" cy="2743200"/>
-          </a:xfrm>
-          <a:prstGeom prst="rect">
-            <a:avLst/>
-          </a:prstGeom>
-        </p:spPr>
-      </p:pic>
-    </p:spTree>
-  </p:cSld>
-  <p:clrMapOvr>
-    <a:masterClrMapping/>
-  </p:clrMapOvr>
-</p:sld>
-</file>
-
-<file path=ppt/slides/slide57.xml><?xml version="1.0" encoding="utf-8"?>
-<p:sld xmlns:a="http://schemas.openxmlformats.org/drawingml/2006/main" xmlns:r="http://schemas.openxmlformats.org/officeDocument/2006/relationships" xmlns:p="http://schemas.openxmlformats.org/presentationml/2006/main">
-  <p:cSld>
-    <p:spTree>
-      <p:nvGrpSpPr>
-        <p:cNvPr id="77" name="Shape 77"/>
-        <p:cNvGrpSpPr/>
-        <p:nvPr/>
-      </p:nvGrpSpPr>
-      <p:grpSpPr>
-        <a:xfrm>
-          <a:off x="0" y="0"/>
-          <a:ext cx="0" cy="0"/>
-          <a:chOff x="0" y="0"/>
-          <a:chExt cx="0" cy="0"/>
-        </a:xfrm>
-      </p:grpSpPr>
-      <p:sp>
-        <p:nvSpPr>
-          <p:cNvPr id="78" name="Google Shape;78;p15"/>
-          <p:cNvSpPr txBox="1"/>
-          <p:nvPr>
-            <p:ph type="title"/>
-          </p:nvPr>
-        </p:nvSpPr>
-        <p:spPr>
-          <a:xfrm>
-            <a:off x="311700" y="123715"/>
-            <a:ext cx="8520600" cy="707400"/>
-          </a:xfrm>
-          <a:prstGeom prst="rect">
-            <a:avLst/>
-          </a:prstGeom>
-        </p:spPr>
-        <p:txBody>
-          <a:bodyPr spcFirstLastPara="1" wrap="square" lIns="91425" tIns="91425" rIns="91425" bIns="91425" anchor="t" anchorCtr="0">
-            <a:normAutofit/>
-          </a:bodyPr>
-          <a:lstStyle/>
-          <a:p>
-            <a:pPr marL="0" lvl="0" indent="0" algn="l" rtl="0">
-              <a:spcBef>
-                <a:spcPts val="0"/>
-              </a:spcBef>
-              <a:spcAft>
-                <a:spcPts val="0"/>
-              </a:spcAft>
-              <a:buSzPts val="990"/>
-              <a:buNone/>
-            </a:pPr>
-            <a:r>
-              <a:rPr lang="en-US" sz="2940"/>
-              <a:t>Multi-Command container</a:t>
-            </a:r>
-            <a:endParaRPr lang="en-US" sz="2940" b="0">
-              <a:solidFill>
-                <a:srgbClr val="3D85C6"/>
-              </a:solidFill>
-            </a:endParaRPr>
-          </a:p>
-        </p:txBody>
-      </p:sp>
-      <p:sp>
-        <p:nvSpPr>
-          <p:cNvPr id="79" name="Google Shape;79;p15"/>
-          <p:cNvSpPr txBox="1"/>
-          <p:nvPr>
-            <p:ph type="body" idx="1"/>
-          </p:nvPr>
-        </p:nvSpPr>
-        <p:spPr>
-          <a:xfrm>
-            <a:off x="311785" y="831850"/>
-            <a:ext cx="8268970" cy="3736975"/>
-          </a:xfrm>
-          <a:prstGeom prst="rect">
-            <a:avLst/>
-          </a:prstGeom>
-        </p:spPr>
-        <p:txBody>
-          <a:bodyPr spcFirstLastPara="1" wrap="square" lIns="91425" tIns="91425" rIns="91425" bIns="91425" anchor="t" anchorCtr="0">
-            <a:normAutofit lnSpcReduction="10000"/>
-          </a:bodyPr>
-          <a:p>
-            <a:pPr marL="457200" lvl="0" indent="-342900" algn="l" rtl="0">
-              <a:spcBef>
-                <a:spcPts val="0"/>
-              </a:spcBef>
-              <a:spcAft>
-                <a:spcPts val="0"/>
-              </a:spcAft>
-              <a:buSzPts val="1800"/>
-              <a:buChar char="+"/>
-            </a:pPr>
-            <a:r>
-              <a:rPr lang="en-US" altLang="en-GB" b="1">
-                <a:sym typeface="+mn-ea"/>
-              </a:rPr>
-              <a:t>First, Settup redis on docker</a:t>
-            </a:r>
-            <a:endParaRPr lang="en-US" altLang="en-GB" b="1">
-              <a:sym typeface="+mn-ea"/>
-            </a:endParaRPr>
-          </a:p>
-          <a:p>
-            <a:pPr marL="114300" lvl="0" indent="0" algn="l" rtl="0">
-              <a:spcBef>
-                <a:spcPts val="0"/>
-              </a:spcBef>
-              <a:spcAft>
-                <a:spcPts val="0"/>
-              </a:spcAft>
-              <a:buSzPts val="1800"/>
-              <a:buNone/>
-            </a:pPr>
-            <a:r>
-              <a:rPr lang="en-US" altLang="en-GB" b="1">
-                <a:sym typeface="+mn-ea"/>
-              </a:rPr>
-              <a:t>&gt;&gt; docker run redis</a:t>
-            </a:r>
-            <a:endParaRPr lang="en-US" b="1">
-              <a:solidFill>
-                <a:srgbClr val="B45F06"/>
-              </a:solidFill>
-            </a:endParaRPr>
-          </a:p>
-        </p:txBody>
-      </p:sp>
-      <p:pic>
-        <p:nvPicPr>
-          <p:cNvPr id="2" name="Picture 1"/>
-          <p:cNvPicPr>
-            <a:picLocks noChangeAspect="1"/>
-          </p:cNvPicPr>
-          <p:nvPr/>
-        </p:nvPicPr>
-        <p:blipFill>
-          <a:blip r:embed="rId1"/>
-          <a:stretch>
-            <a:fillRect/>
-          </a:stretch>
-        </p:blipFill>
-        <p:spPr>
-          <a:xfrm>
-            <a:off x="976630" y="1978660"/>
-            <a:ext cx="6939280" cy="2514600"/>
-          </a:xfrm>
-          <a:prstGeom prst="rect">
-            <a:avLst/>
-          </a:prstGeom>
-        </p:spPr>
-      </p:pic>
-    </p:spTree>
-  </p:cSld>
-  <p:clrMapOvr>
-    <a:masterClrMapping/>
-  </p:clrMapOvr>
-</p:sld>
-</file>
-
-<file path=ppt/slides/slide58.xml><?xml version="1.0" encoding="utf-8"?>
-<p:sld xmlns:a="http://schemas.openxmlformats.org/drawingml/2006/main" xmlns:r="http://schemas.openxmlformats.org/officeDocument/2006/relationships" xmlns:p="http://schemas.openxmlformats.org/presentationml/2006/main">
-  <p:cSld>
-    <p:spTree>
-      <p:nvGrpSpPr>
-        <p:cNvPr id="77" name="Shape 77"/>
-        <p:cNvGrpSpPr/>
-        <p:nvPr/>
-      </p:nvGrpSpPr>
-      <p:grpSpPr>
-        <a:xfrm>
-          <a:off x="0" y="0"/>
-          <a:ext cx="0" cy="0"/>
-          <a:chOff x="0" y="0"/>
-          <a:chExt cx="0" cy="0"/>
-        </a:xfrm>
-      </p:grpSpPr>
-      <p:sp>
-        <p:nvSpPr>
-          <p:cNvPr id="78" name="Google Shape;78;p15"/>
-          <p:cNvSpPr txBox="1"/>
-          <p:nvPr>
-            <p:ph type="title"/>
-          </p:nvPr>
-        </p:nvSpPr>
-        <p:spPr>
-          <a:xfrm>
-            <a:off x="311700" y="123715"/>
-            <a:ext cx="8520600" cy="707400"/>
-          </a:xfrm>
-          <a:prstGeom prst="rect">
-            <a:avLst/>
-          </a:prstGeom>
-        </p:spPr>
-        <p:txBody>
-          <a:bodyPr spcFirstLastPara="1" wrap="square" lIns="91425" tIns="91425" rIns="91425" bIns="91425" anchor="t" anchorCtr="0">
-            <a:normAutofit/>
-          </a:bodyPr>
-          <a:lstStyle/>
-          <a:p>
-            <a:pPr marL="0" lvl="0" indent="0" algn="l" rtl="0">
-              <a:spcBef>
-                <a:spcPts val="0"/>
-              </a:spcBef>
-              <a:spcAft>
-                <a:spcPts val="0"/>
-              </a:spcAft>
-              <a:buSzPts val="990"/>
-              <a:buNone/>
-            </a:pPr>
-            <a:r>
-              <a:rPr lang="en-US" sz="2940"/>
-              <a:t>Multi-Command Container</a:t>
-            </a:r>
-            <a:endParaRPr lang="en-US" sz="2940" b="0">
-              <a:solidFill>
-                <a:srgbClr val="3D85C6"/>
-              </a:solidFill>
-            </a:endParaRPr>
-          </a:p>
-        </p:txBody>
-      </p:sp>
-      <p:sp>
-        <p:nvSpPr>
-          <p:cNvPr id="79" name="Google Shape;79;p15"/>
-          <p:cNvSpPr txBox="1"/>
-          <p:nvPr>
-            <p:ph type="body" idx="1"/>
-          </p:nvPr>
-        </p:nvSpPr>
-        <p:spPr>
-          <a:xfrm>
-            <a:off x="311785" y="831850"/>
-            <a:ext cx="4762500" cy="2052955"/>
-          </a:xfrm>
-          <a:prstGeom prst="rect">
-            <a:avLst/>
-          </a:prstGeom>
-        </p:spPr>
-        <p:txBody>
-          <a:bodyPr spcFirstLastPara="1" wrap="square" lIns="91425" tIns="91425" rIns="91425" bIns="91425" anchor="t" anchorCtr="0">
-            <a:normAutofit lnSpcReduction="10000"/>
-          </a:bodyPr>
-          <a:p>
-            <a:pPr marL="457200" lvl="0" indent="-342900" algn="l" rtl="0">
-              <a:spcBef>
-                <a:spcPts val="0"/>
-              </a:spcBef>
-              <a:spcAft>
-                <a:spcPts val="0"/>
-              </a:spcAft>
-              <a:buSzPts val="1800"/>
-              <a:buChar char="+"/>
-            </a:pPr>
-            <a:r>
-              <a:rPr lang="en-US" altLang="en-GB" b="1">
-                <a:sym typeface="+mn-ea"/>
-              </a:rPr>
-              <a:t>try to run redis-cli but it’s not working because the command run outside the container</a:t>
-            </a:r>
-            <a:endParaRPr lang="en-US" altLang="en-GB" b="1">
-              <a:sym typeface="+mn-ea"/>
-            </a:endParaRPr>
-          </a:p>
-          <a:p>
-            <a:pPr marL="114300" lvl="0" indent="0" algn="l" rtl="0">
-              <a:spcBef>
-                <a:spcPts val="0"/>
-              </a:spcBef>
-              <a:spcAft>
-                <a:spcPts val="0"/>
-              </a:spcAft>
-              <a:buSzPts val="1800"/>
-              <a:buNone/>
-            </a:pPr>
-            <a:endParaRPr lang="en-US" b="1">
-              <a:solidFill>
-                <a:srgbClr val="B45F06"/>
-              </a:solidFill>
-            </a:endParaRPr>
-          </a:p>
-        </p:txBody>
-      </p:sp>
-      <p:pic>
-        <p:nvPicPr>
-          <p:cNvPr id="2" name="Picture 1"/>
-          <p:cNvPicPr>
-            <a:picLocks noChangeAspect="1"/>
-          </p:cNvPicPr>
-          <p:nvPr/>
-        </p:nvPicPr>
-        <p:blipFill>
-          <a:blip r:embed="rId1"/>
-          <a:stretch>
-            <a:fillRect/>
-          </a:stretch>
-        </p:blipFill>
-        <p:spPr>
-          <a:xfrm>
-            <a:off x="375920" y="2404110"/>
-            <a:ext cx="4502150" cy="891540"/>
-          </a:xfrm>
-          <a:prstGeom prst="rect">
-            <a:avLst/>
-          </a:prstGeom>
-        </p:spPr>
-      </p:pic>
-      <p:pic>
-        <p:nvPicPr>
-          <p:cNvPr id="3" name="Picture 2"/>
-          <p:cNvPicPr>
-            <a:picLocks noChangeAspect="1"/>
-          </p:cNvPicPr>
-          <p:nvPr/>
-        </p:nvPicPr>
-        <p:blipFill>
-          <a:blip r:embed="rId2"/>
-          <a:stretch>
-            <a:fillRect/>
-          </a:stretch>
-        </p:blipFill>
-        <p:spPr>
-          <a:xfrm>
-            <a:off x="5126355" y="831215"/>
-            <a:ext cx="3705860" cy="3350260"/>
-          </a:xfrm>
-          <a:prstGeom prst="rect">
-            <a:avLst/>
-          </a:prstGeom>
-        </p:spPr>
-      </p:pic>
-    </p:spTree>
-  </p:cSld>
-  <p:clrMapOvr>
-    <a:masterClrMapping/>
-  </p:clrMapOvr>
-</p:sld>
-</file>
-
-<file path=ppt/slides/slide59.xml><?xml version="1.0" encoding="utf-8"?>
-<p:sld xmlns:a="http://schemas.openxmlformats.org/drawingml/2006/main" xmlns:r="http://schemas.openxmlformats.org/officeDocument/2006/relationships" xmlns:p="http://schemas.openxmlformats.org/presentationml/2006/main">
-  <p:cSld>
-    <p:spTree>
-      <p:nvGrpSpPr>
-        <p:cNvPr id="77" name="Shape 77"/>
-        <p:cNvGrpSpPr/>
-        <p:nvPr/>
-      </p:nvGrpSpPr>
-      <p:grpSpPr>
-        <a:xfrm>
-          <a:off x="0" y="0"/>
-          <a:ext cx="0" cy="0"/>
-          <a:chOff x="0" y="0"/>
-          <a:chExt cx="0" cy="0"/>
-        </a:xfrm>
-      </p:grpSpPr>
-      <p:sp>
-        <p:nvSpPr>
-          <p:cNvPr id="78" name="Google Shape;78;p15"/>
-          <p:cNvSpPr txBox="1"/>
-          <p:nvPr>
-            <p:ph type="title"/>
-          </p:nvPr>
-        </p:nvSpPr>
-        <p:spPr>
-          <a:xfrm>
-            <a:off x="311700" y="123715"/>
-            <a:ext cx="8520600" cy="707400"/>
-          </a:xfrm>
-          <a:prstGeom prst="rect">
-            <a:avLst/>
-          </a:prstGeom>
-        </p:spPr>
-        <p:txBody>
-          <a:bodyPr spcFirstLastPara="1" wrap="square" lIns="91425" tIns="91425" rIns="91425" bIns="91425" anchor="t" anchorCtr="0">
-            <a:normAutofit/>
-          </a:bodyPr>
-          <a:lstStyle/>
-          <a:p>
-            <a:pPr marL="0" lvl="0" indent="0" algn="l" rtl="0">
-              <a:spcBef>
-                <a:spcPts val="0"/>
-              </a:spcBef>
-              <a:spcAft>
-                <a:spcPts val="0"/>
-              </a:spcAft>
-              <a:buSzPts val="990"/>
-              <a:buNone/>
-            </a:pPr>
-            <a:r>
-              <a:rPr lang="en-US" sz="2940"/>
-              <a:t>Multi-Command Container</a:t>
-            </a:r>
-            <a:endParaRPr lang="en-US" sz="2940" b="0">
-              <a:solidFill>
-                <a:srgbClr val="3D85C6"/>
-              </a:solidFill>
-            </a:endParaRPr>
-          </a:p>
-        </p:txBody>
-      </p:sp>
-      <p:sp>
-        <p:nvSpPr>
-          <p:cNvPr id="79" name="Google Shape;79;p15"/>
-          <p:cNvSpPr txBox="1"/>
-          <p:nvPr>
-            <p:ph type="body" idx="1"/>
-          </p:nvPr>
-        </p:nvSpPr>
-        <p:spPr>
-          <a:xfrm>
-            <a:off x="311785" y="831850"/>
-            <a:ext cx="4762500" cy="2052955"/>
-          </a:xfrm>
-          <a:prstGeom prst="rect">
-            <a:avLst/>
-          </a:prstGeom>
-        </p:spPr>
-        <p:txBody>
-          <a:bodyPr spcFirstLastPara="1" wrap="square" lIns="91425" tIns="91425" rIns="91425" bIns="91425" anchor="t" anchorCtr="0">
-            <a:normAutofit lnSpcReduction="10000"/>
-          </a:bodyPr>
-          <a:p>
-            <a:pPr marL="114300" lvl="0" indent="0" algn="l" rtl="0">
-              <a:spcBef>
-                <a:spcPts val="0"/>
-              </a:spcBef>
-              <a:spcAft>
-                <a:spcPts val="0"/>
-              </a:spcAft>
-              <a:buSzPts val="1800"/>
-              <a:buNone/>
-            </a:pPr>
-            <a:endParaRPr lang="en-US" b="1">
-              <a:solidFill>
-                <a:srgbClr val="B45F06"/>
-              </a:solidFill>
-            </a:endParaRPr>
-          </a:p>
-        </p:txBody>
-      </p:sp>
-      <p:pic>
-        <p:nvPicPr>
-          <p:cNvPr id="2" name="Picture 1"/>
-          <p:cNvPicPr>
-            <a:picLocks noChangeAspect="1"/>
-          </p:cNvPicPr>
-          <p:nvPr/>
-        </p:nvPicPr>
-        <p:blipFill>
-          <a:blip r:embed="rId1"/>
-          <a:stretch>
-            <a:fillRect/>
-          </a:stretch>
-        </p:blipFill>
-        <p:spPr>
-          <a:xfrm>
-            <a:off x="5549265" y="751205"/>
-            <a:ext cx="3282950" cy="3458845"/>
-          </a:xfrm>
-          <a:prstGeom prst="rect">
-            <a:avLst/>
-          </a:prstGeom>
-        </p:spPr>
-      </p:pic>
-      <p:pic>
-        <p:nvPicPr>
-          <p:cNvPr id="4" name="Picture 3"/>
-          <p:cNvPicPr>
-            <a:picLocks noChangeAspect="1"/>
-          </p:cNvPicPr>
-          <p:nvPr/>
-        </p:nvPicPr>
-        <p:blipFill>
-          <a:blip r:embed="rId2"/>
-          <a:stretch>
-            <a:fillRect/>
-          </a:stretch>
-        </p:blipFill>
-        <p:spPr>
-          <a:xfrm>
-            <a:off x="495935" y="899795"/>
-            <a:ext cx="4972685" cy="1285875"/>
-          </a:xfrm>
-          <a:prstGeom prst="rect">
-            <a:avLst/>
-          </a:prstGeom>
-        </p:spPr>
-      </p:pic>
-      <p:pic>
-        <p:nvPicPr>
-          <p:cNvPr id="6" name="Picture 5"/>
-          <p:cNvPicPr>
-            <a:picLocks noChangeAspect="1"/>
-          </p:cNvPicPr>
-          <p:nvPr/>
-        </p:nvPicPr>
-        <p:blipFill>
-          <a:blip r:embed="rId3"/>
-          <a:stretch>
-            <a:fillRect/>
-          </a:stretch>
-        </p:blipFill>
-        <p:spPr>
-          <a:xfrm>
-            <a:off x="486410" y="2447925"/>
-            <a:ext cx="4982210" cy="1578610"/>
           </a:xfrm>
           <a:prstGeom prst="rect">
             <a:avLst/>
@@ -22181,1057 +16511,6 @@
           </a:prstGeom>
         </p:spPr>
       </p:pic>
-    </p:spTree>
-  </p:cSld>
-  <p:clrMapOvr>
-    <a:masterClrMapping/>
-  </p:clrMapOvr>
-</p:sld>
-</file>
-
-<file path=ppt/slides/slide60.xml><?xml version="1.0" encoding="utf-8"?>
-<p:sld xmlns:a="http://schemas.openxmlformats.org/drawingml/2006/main" xmlns:r="http://schemas.openxmlformats.org/officeDocument/2006/relationships" xmlns:p="http://schemas.openxmlformats.org/presentationml/2006/main">
-  <p:cSld>
-    <p:spTree>
-      <p:nvGrpSpPr>
-        <p:cNvPr id="77" name="Shape 77"/>
-        <p:cNvGrpSpPr/>
-        <p:nvPr/>
-      </p:nvGrpSpPr>
-      <p:grpSpPr>
-        <a:xfrm>
-          <a:off x="0" y="0"/>
-          <a:ext cx="0" cy="0"/>
-          <a:chOff x="0" y="0"/>
-          <a:chExt cx="0" cy="0"/>
-        </a:xfrm>
-      </p:grpSpPr>
-      <p:sp>
-        <p:nvSpPr>
-          <p:cNvPr id="78" name="Google Shape;78;p15"/>
-          <p:cNvSpPr txBox="1"/>
-          <p:nvPr>
-            <p:ph type="title"/>
-          </p:nvPr>
-        </p:nvSpPr>
-        <p:spPr>
-          <a:xfrm>
-            <a:off x="311700" y="123715"/>
-            <a:ext cx="8520600" cy="707400"/>
-          </a:xfrm>
-          <a:prstGeom prst="rect">
-            <a:avLst/>
-          </a:prstGeom>
-        </p:spPr>
-        <p:txBody>
-          <a:bodyPr spcFirstLastPara="1" wrap="square" lIns="91425" tIns="91425" rIns="91425" bIns="91425" anchor="t" anchorCtr="0">
-            <a:normAutofit/>
-          </a:bodyPr>
-          <a:lstStyle/>
-          <a:p>
-            <a:pPr marL="0" lvl="0" indent="0" algn="l" rtl="0">
-              <a:spcBef>
-                <a:spcPts val="0"/>
-              </a:spcBef>
-              <a:spcAft>
-                <a:spcPts val="0"/>
-              </a:spcAft>
-              <a:buSzPts val="990"/>
-              <a:buNone/>
-            </a:pPr>
-            <a:r>
-              <a:rPr lang="en-US" sz="2940"/>
-              <a:t>The purpose of the “IT” flag</a:t>
-            </a:r>
-            <a:endParaRPr lang="en-US" sz="2940" b="0">
-              <a:solidFill>
-                <a:srgbClr val="3D85C6"/>
-              </a:solidFill>
-            </a:endParaRPr>
-          </a:p>
-        </p:txBody>
-      </p:sp>
-      <p:sp>
-        <p:nvSpPr>
-          <p:cNvPr id="79" name="Google Shape;79;p15"/>
-          <p:cNvSpPr txBox="1"/>
-          <p:nvPr>
-            <p:ph type="body" idx="1"/>
-          </p:nvPr>
-        </p:nvSpPr>
-        <p:spPr>
-          <a:xfrm>
-            <a:off x="311785" y="831850"/>
-            <a:ext cx="4762500" cy="2052955"/>
-          </a:xfrm>
-          <a:prstGeom prst="rect">
-            <a:avLst/>
-          </a:prstGeom>
-        </p:spPr>
-        <p:txBody>
-          <a:bodyPr spcFirstLastPara="1" wrap="square" lIns="91425" tIns="91425" rIns="91425" bIns="91425" anchor="t" anchorCtr="0">
-            <a:normAutofit lnSpcReduction="10000"/>
-          </a:bodyPr>
-          <a:p>
-            <a:pPr marL="457200" lvl="0" indent="-342900" algn="l" rtl="0">
-              <a:spcBef>
-                <a:spcPts val="0"/>
-              </a:spcBef>
-              <a:spcAft>
-                <a:spcPts val="0"/>
-              </a:spcAft>
-              <a:buSzPts val="1800"/>
-              <a:buChar char="+"/>
-            </a:pPr>
-            <a:r>
-              <a:rPr lang="en-US" altLang="en-GB" b="1">
-                <a:sym typeface="+mn-ea"/>
-              </a:rPr>
-              <a:t>try to run redis-cli but it’s not working because the command run outside the container</a:t>
-            </a:r>
-            <a:endParaRPr lang="en-US" altLang="en-GB" b="1">
-              <a:sym typeface="+mn-ea"/>
-            </a:endParaRPr>
-          </a:p>
-          <a:p>
-            <a:pPr marL="114300" lvl="0" indent="0" algn="l" rtl="0">
-              <a:spcBef>
-                <a:spcPts val="0"/>
-              </a:spcBef>
-              <a:spcAft>
-                <a:spcPts val="0"/>
-              </a:spcAft>
-              <a:buSzPts val="1800"/>
-              <a:buNone/>
-            </a:pPr>
-            <a:endParaRPr lang="en-US" b="1">
-              <a:solidFill>
-                <a:srgbClr val="B45F06"/>
-              </a:solidFill>
-            </a:endParaRPr>
-          </a:p>
-        </p:txBody>
-      </p:sp>
-      <p:pic>
-        <p:nvPicPr>
-          <p:cNvPr id="2" name="Picture 1"/>
-          <p:cNvPicPr>
-            <a:picLocks noChangeAspect="1"/>
-          </p:cNvPicPr>
-          <p:nvPr/>
-        </p:nvPicPr>
-        <p:blipFill>
-          <a:blip r:embed="rId1"/>
-          <a:stretch>
-            <a:fillRect/>
-          </a:stretch>
-        </p:blipFill>
-        <p:spPr>
-          <a:xfrm>
-            <a:off x="375920" y="2404110"/>
-            <a:ext cx="4502150" cy="891540"/>
-          </a:xfrm>
-          <a:prstGeom prst="rect">
-            <a:avLst/>
-          </a:prstGeom>
-        </p:spPr>
-      </p:pic>
-      <p:pic>
-        <p:nvPicPr>
-          <p:cNvPr id="3" name="Picture 2"/>
-          <p:cNvPicPr>
-            <a:picLocks noChangeAspect="1"/>
-          </p:cNvPicPr>
-          <p:nvPr/>
-        </p:nvPicPr>
-        <p:blipFill>
-          <a:blip r:embed="rId2"/>
-          <a:stretch>
-            <a:fillRect/>
-          </a:stretch>
-        </p:blipFill>
-        <p:spPr>
-          <a:xfrm>
-            <a:off x="5126355" y="831215"/>
-            <a:ext cx="3705860" cy="3350260"/>
-          </a:xfrm>
-          <a:prstGeom prst="rect">
-            <a:avLst/>
-          </a:prstGeom>
-        </p:spPr>
-      </p:pic>
-    </p:spTree>
-  </p:cSld>
-  <p:clrMapOvr>
-    <a:masterClrMapping/>
-  </p:clrMapOvr>
-</p:sld>
-</file>
-
-<file path=ppt/slides/slide61.xml><?xml version="1.0" encoding="utf-8"?>
-<p:sld xmlns:a="http://schemas.openxmlformats.org/drawingml/2006/main" xmlns:r="http://schemas.openxmlformats.org/officeDocument/2006/relationships" xmlns:p="http://schemas.openxmlformats.org/presentationml/2006/main">
-  <p:cSld>
-    <p:spTree>
-      <p:nvGrpSpPr>
-        <p:cNvPr id="77" name="Shape 77"/>
-        <p:cNvGrpSpPr/>
-        <p:nvPr/>
-      </p:nvGrpSpPr>
-      <p:grpSpPr>
-        <a:xfrm>
-          <a:off x="0" y="0"/>
-          <a:ext cx="0" cy="0"/>
-          <a:chOff x="0" y="0"/>
-          <a:chExt cx="0" cy="0"/>
-        </a:xfrm>
-      </p:grpSpPr>
-      <p:sp>
-        <p:nvSpPr>
-          <p:cNvPr id="78" name="Google Shape;78;p15"/>
-          <p:cNvSpPr txBox="1"/>
-          <p:nvPr>
-            <p:ph type="title"/>
-          </p:nvPr>
-        </p:nvSpPr>
-        <p:spPr>
-          <a:xfrm>
-            <a:off x="311700" y="123715"/>
-            <a:ext cx="8520600" cy="707400"/>
-          </a:xfrm>
-          <a:prstGeom prst="rect">
-            <a:avLst/>
-          </a:prstGeom>
-        </p:spPr>
-        <p:txBody>
-          <a:bodyPr spcFirstLastPara="1" wrap="square" lIns="91425" tIns="91425" rIns="91425" bIns="91425" anchor="t" anchorCtr="0">
-            <a:normAutofit/>
-          </a:bodyPr>
-          <a:lstStyle/>
-          <a:p>
-            <a:pPr marL="0" lvl="0" indent="0" algn="l" rtl="0">
-              <a:spcBef>
-                <a:spcPts val="0"/>
-              </a:spcBef>
-              <a:spcAft>
-                <a:spcPts val="0"/>
-              </a:spcAft>
-              <a:buSzPts val="990"/>
-              <a:buNone/>
-            </a:pPr>
-            <a:r>
-              <a:rPr lang="en-US" sz="2940"/>
-              <a:t>The purpose of the “IT” flag</a:t>
-            </a:r>
-            <a:endParaRPr lang="en-US" sz="2940" b="0">
-              <a:solidFill>
-                <a:srgbClr val="3D85C6"/>
-              </a:solidFill>
-            </a:endParaRPr>
-          </a:p>
-        </p:txBody>
-      </p:sp>
-      <p:sp>
-        <p:nvSpPr>
-          <p:cNvPr id="79" name="Google Shape;79;p15"/>
-          <p:cNvSpPr txBox="1"/>
-          <p:nvPr>
-            <p:ph type="body" idx="1"/>
-          </p:nvPr>
-        </p:nvSpPr>
-        <p:spPr>
-          <a:xfrm>
-            <a:off x="311785" y="831850"/>
-            <a:ext cx="5139055" cy="1371600"/>
-          </a:xfrm>
-          <a:prstGeom prst="rect">
-            <a:avLst/>
-          </a:prstGeom>
-        </p:spPr>
-        <p:txBody>
-          <a:bodyPr spcFirstLastPara="1" wrap="square" lIns="91425" tIns="91425" rIns="91425" bIns="91425" anchor="t" anchorCtr="0">
-            <a:normAutofit lnSpcReduction="10000"/>
-          </a:bodyPr>
-          <a:p>
-            <a:pPr marL="457200" lvl="0" indent="-342900" algn="l" rtl="0">
-              <a:spcBef>
-                <a:spcPts val="0"/>
-              </a:spcBef>
-              <a:spcAft>
-                <a:spcPts val="0"/>
-              </a:spcAft>
-              <a:buSzPts val="1800"/>
-              <a:buChar char="+"/>
-            </a:pPr>
-            <a:r>
-              <a:rPr lang="en-US" altLang="en-GB" b="1">
-                <a:sym typeface="+mn-ea"/>
-              </a:rPr>
-              <a:t>-i: make sure that any stuff that you type gets direct to STDIN</a:t>
-            </a:r>
-            <a:endParaRPr lang="en-US" altLang="en-GB" b="1">
-              <a:sym typeface="+mn-ea"/>
-            </a:endParaRPr>
-          </a:p>
-          <a:p>
-            <a:pPr marL="457200" lvl="0" indent="-342900" algn="l" rtl="0">
-              <a:spcBef>
-                <a:spcPts val="0"/>
-              </a:spcBef>
-              <a:spcAft>
-                <a:spcPts val="0"/>
-              </a:spcAft>
-              <a:buSzPts val="1800"/>
-              <a:buChar char="+"/>
-            </a:pPr>
-            <a:r>
-              <a:rPr lang="en-US" altLang="en-GB" b="1">
-                <a:sym typeface="+mn-ea"/>
-              </a:rPr>
-              <a:t>-t: help to show up the result pretty </a:t>
-            </a:r>
-            <a:endParaRPr lang="en-US" b="1">
-              <a:solidFill>
-                <a:srgbClr val="B45F06"/>
-              </a:solidFill>
-            </a:endParaRPr>
-          </a:p>
-        </p:txBody>
-      </p:sp>
-      <p:pic>
-        <p:nvPicPr>
-          <p:cNvPr id="2" name="Picture 1"/>
-          <p:cNvPicPr>
-            <a:picLocks noChangeAspect="1"/>
-          </p:cNvPicPr>
-          <p:nvPr/>
-        </p:nvPicPr>
-        <p:blipFill>
-          <a:blip r:embed="rId1"/>
-          <a:stretch>
-            <a:fillRect/>
-          </a:stretch>
-        </p:blipFill>
-        <p:spPr>
-          <a:xfrm>
-            <a:off x="5523230" y="1506855"/>
-            <a:ext cx="3381375" cy="2924175"/>
-          </a:xfrm>
-          <a:prstGeom prst="rect">
-            <a:avLst/>
-          </a:prstGeom>
-        </p:spPr>
-      </p:pic>
-      <p:pic>
-        <p:nvPicPr>
-          <p:cNvPr id="4" name="Picture 3"/>
-          <p:cNvPicPr>
-            <a:picLocks noChangeAspect="1"/>
-          </p:cNvPicPr>
-          <p:nvPr/>
-        </p:nvPicPr>
-        <p:blipFill>
-          <a:blip r:embed="rId2"/>
-          <a:stretch>
-            <a:fillRect/>
-          </a:stretch>
-        </p:blipFill>
-        <p:spPr>
-          <a:xfrm>
-            <a:off x="409575" y="2204085"/>
-            <a:ext cx="5113655" cy="2226945"/>
-          </a:xfrm>
-          <a:prstGeom prst="rect">
-            <a:avLst/>
-          </a:prstGeom>
-        </p:spPr>
-      </p:pic>
-    </p:spTree>
-  </p:cSld>
-  <p:clrMapOvr>
-    <a:masterClrMapping/>
-  </p:clrMapOvr>
-</p:sld>
-</file>
-
-<file path=ppt/slides/slide62.xml><?xml version="1.0" encoding="utf-8"?>
-<p:sld xmlns:a="http://schemas.openxmlformats.org/drawingml/2006/main" xmlns:r="http://schemas.openxmlformats.org/officeDocument/2006/relationships" xmlns:p="http://schemas.openxmlformats.org/presentationml/2006/main">
-  <p:cSld>
-    <p:spTree>
-      <p:nvGrpSpPr>
-        <p:cNvPr id="77" name="Shape 77"/>
-        <p:cNvGrpSpPr/>
-        <p:nvPr/>
-      </p:nvGrpSpPr>
-      <p:grpSpPr>
-        <a:xfrm>
-          <a:off x="0" y="0"/>
-          <a:ext cx="0" cy="0"/>
-          <a:chOff x="0" y="0"/>
-          <a:chExt cx="0" cy="0"/>
-        </a:xfrm>
-      </p:grpSpPr>
-      <p:sp>
-        <p:nvSpPr>
-          <p:cNvPr id="78" name="Google Shape;78;p15"/>
-          <p:cNvSpPr txBox="1"/>
-          <p:nvPr>
-            <p:ph type="title"/>
-          </p:nvPr>
-        </p:nvSpPr>
-        <p:spPr>
-          <a:xfrm>
-            <a:off x="311700" y="123715"/>
-            <a:ext cx="8520600" cy="707400"/>
-          </a:xfrm>
-          <a:prstGeom prst="rect">
-            <a:avLst/>
-          </a:prstGeom>
-        </p:spPr>
-        <p:txBody>
-          <a:bodyPr spcFirstLastPara="1" wrap="square" lIns="91425" tIns="91425" rIns="91425" bIns="91425" anchor="t" anchorCtr="0">
-            <a:normAutofit/>
-          </a:bodyPr>
-          <a:lstStyle/>
-          <a:p>
-            <a:pPr marL="0" lvl="0" indent="0" algn="l" rtl="0">
-              <a:spcBef>
-                <a:spcPts val="0"/>
-              </a:spcBef>
-              <a:spcAft>
-                <a:spcPts val="0"/>
-              </a:spcAft>
-              <a:buSzPts val="990"/>
-              <a:buNone/>
-            </a:pPr>
-            <a:r>
-              <a:rPr lang="en-US" sz="2940"/>
-              <a:t>Getting a Command Prompt in a Container</a:t>
-            </a:r>
-            <a:endParaRPr lang="en-US" sz="2940" b="0">
-              <a:solidFill>
-                <a:srgbClr val="3D85C6"/>
-              </a:solidFill>
-            </a:endParaRPr>
-          </a:p>
-        </p:txBody>
-      </p:sp>
-      <p:sp>
-        <p:nvSpPr>
-          <p:cNvPr id="79" name="Google Shape;79;p15"/>
-          <p:cNvSpPr txBox="1"/>
-          <p:nvPr>
-            <p:ph type="body" idx="1"/>
-          </p:nvPr>
-        </p:nvSpPr>
-        <p:spPr>
-          <a:xfrm>
-            <a:off x="311785" y="831850"/>
-            <a:ext cx="8520430" cy="2052955"/>
-          </a:xfrm>
-          <a:prstGeom prst="rect">
-            <a:avLst/>
-          </a:prstGeom>
-        </p:spPr>
-        <p:txBody>
-          <a:bodyPr spcFirstLastPara="1" wrap="square" lIns="91425" tIns="91425" rIns="91425" bIns="91425" anchor="t" anchorCtr="0">
-            <a:normAutofit lnSpcReduction="10000"/>
-          </a:bodyPr>
-          <a:p>
-            <a:pPr marL="114300" lvl="0" indent="0" algn="l" rtl="0">
-              <a:spcBef>
-                <a:spcPts val="0"/>
-              </a:spcBef>
-              <a:spcAft>
-                <a:spcPts val="0"/>
-              </a:spcAft>
-              <a:buSzPts val="1800"/>
-              <a:buNone/>
-            </a:pPr>
-            <a:r>
-              <a:rPr lang="en-US" altLang="en-GB" b="1">
-                <a:sym typeface="+mn-ea"/>
-              </a:rPr>
-              <a:t>&gt;&gt; docker exec -it &lt;container_id&gt; sh</a:t>
-            </a:r>
-            <a:endParaRPr lang="en-US" altLang="en-GB" b="1">
-              <a:sym typeface="+mn-ea"/>
-            </a:endParaRPr>
-          </a:p>
-          <a:p>
-            <a:pPr marL="457200" lvl="0" indent="-342900" algn="l" rtl="0">
-              <a:spcBef>
-                <a:spcPts val="0"/>
-              </a:spcBef>
-              <a:spcAft>
-                <a:spcPts val="0"/>
-              </a:spcAft>
-              <a:buSzPts val="1800"/>
-              <a:buChar char="+"/>
-            </a:pPr>
-            <a:r>
-              <a:rPr lang="en-US" altLang="en-GB" b="1">
-                <a:sym typeface="+mn-ea"/>
-              </a:rPr>
-              <a:t>open a Command Prompt to execute some command</a:t>
-            </a:r>
-            <a:endParaRPr lang="en-US" b="1">
-              <a:solidFill>
-                <a:srgbClr val="B45F06"/>
-              </a:solidFill>
-            </a:endParaRPr>
-          </a:p>
-        </p:txBody>
-      </p:sp>
-      <p:pic>
-        <p:nvPicPr>
-          <p:cNvPr id="2" name="Picture 1"/>
-          <p:cNvPicPr>
-            <a:picLocks noChangeAspect="1"/>
-          </p:cNvPicPr>
-          <p:nvPr/>
-        </p:nvPicPr>
-        <p:blipFill>
-          <a:blip r:embed="rId1"/>
-          <a:stretch>
-            <a:fillRect/>
-          </a:stretch>
-        </p:blipFill>
-        <p:spPr>
-          <a:xfrm>
-            <a:off x="1980565" y="2148840"/>
-            <a:ext cx="4569460" cy="2492375"/>
-          </a:xfrm>
-          <a:prstGeom prst="rect">
-            <a:avLst/>
-          </a:prstGeom>
-        </p:spPr>
-      </p:pic>
-    </p:spTree>
-  </p:cSld>
-  <p:clrMapOvr>
-    <a:masterClrMapping/>
-  </p:clrMapOvr>
-</p:sld>
-</file>
-
-<file path=ppt/slides/slide63.xml><?xml version="1.0" encoding="utf-8"?>
-<p:sld xmlns:a="http://schemas.openxmlformats.org/drawingml/2006/main" xmlns:r="http://schemas.openxmlformats.org/officeDocument/2006/relationships" xmlns:p="http://schemas.openxmlformats.org/presentationml/2006/main">
-  <p:cSld>
-    <p:spTree>
-      <p:nvGrpSpPr>
-        <p:cNvPr id="77" name="Shape 77"/>
-        <p:cNvGrpSpPr/>
-        <p:nvPr/>
-      </p:nvGrpSpPr>
-      <p:grpSpPr>
-        <a:xfrm>
-          <a:off x="0" y="0"/>
-          <a:ext cx="0" cy="0"/>
-          <a:chOff x="0" y="0"/>
-          <a:chExt cx="0" cy="0"/>
-        </a:xfrm>
-      </p:grpSpPr>
-      <p:sp>
-        <p:nvSpPr>
-          <p:cNvPr id="78" name="Google Shape;78;p15"/>
-          <p:cNvSpPr txBox="1"/>
-          <p:nvPr>
-            <p:ph type="title"/>
-          </p:nvPr>
-        </p:nvSpPr>
-        <p:spPr>
-          <a:xfrm>
-            <a:off x="311700" y="123715"/>
-            <a:ext cx="8520600" cy="707400"/>
-          </a:xfrm>
-          <a:prstGeom prst="rect">
-            <a:avLst/>
-          </a:prstGeom>
-        </p:spPr>
-        <p:txBody>
-          <a:bodyPr spcFirstLastPara="1" wrap="square" lIns="91425" tIns="91425" rIns="91425" bIns="91425" anchor="t" anchorCtr="0">
-            <a:normAutofit/>
-          </a:bodyPr>
-          <a:lstStyle/>
-          <a:p>
-            <a:pPr marL="0" lvl="0" indent="0" algn="l" rtl="0">
-              <a:spcBef>
-                <a:spcPts val="0"/>
-              </a:spcBef>
-              <a:spcAft>
-                <a:spcPts val="0"/>
-              </a:spcAft>
-              <a:buSzPts val="990"/>
-              <a:buNone/>
-            </a:pPr>
-            <a:r>
-              <a:rPr lang="en-US" sz="2940"/>
-              <a:t>Getting a Command Prompt in a Container</a:t>
-            </a:r>
-            <a:endParaRPr lang="en-US" sz="2940" b="0">
-              <a:solidFill>
-                <a:srgbClr val="3D85C6"/>
-              </a:solidFill>
-            </a:endParaRPr>
-          </a:p>
-        </p:txBody>
-      </p:sp>
-      <p:sp>
-        <p:nvSpPr>
-          <p:cNvPr id="79" name="Google Shape;79;p15"/>
-          <p:cNvSpPr txBox="1"/>
-          <p:nvPr>
-            <p:ph type="body" idx="1"/>
-          </p:nvPr>
-        </p:nvSpPr>
-        <p:spPr>
-          <a:xfrm>
-            <a:off x="311785" y="831850"/>
-            <a:ext cx="8520430" cy="2052955"/>
-          </a:xfrm>
-          <a:prstGeom prst="rect">
-            <a:avLst/>
-          </a:prstGeom>
-        </p:spPr>
-        <p:txBody>
-          <a:bodyPr spcFirstLastPara="1" wrap="square" lIns="91425" tIns="91425" rIns="91425" bIns="91425" anchor="t" anchorCtr="0">
-            <a:normAutofit lnSpcReduction="10000"/>
-          </a:bodyPr>
-          <a:p>
-            <a:pPr marL="114300" lvl="0" indent="0" algn="l" rtl="0">
-              <a:spcBef>
-                <a:spcPts val="0"/>
-              </a:spcBef>
-              <a:spcAft>
-                <a:spcPts val="0"/>
-              </a:spcAft>
-              <a:buSzPts val="1800"/>
-              <a:buNone/>
-            </a:pPr>
-            <a:r>
-              <a:rPr lang="en-US" altLang="en-GB" b="1">
-                <a:sym typeface="+mn-ea"/>
-              </a:rPr>
-              <a:t>&gt;&gt; sh</a:t>
-            </a:r>
-            <a:endParaRPr lang="en-US" altLang="en-GB" b="1">
-              <a:sym typeface="+mn-ea"/>
-            </a:endParaRPr>
-          </a:p>
-          <a:p>
-            <a:pPr marL="457200" lvl="0" indent="-342900" algn="l" rtl="0">
-              <a:spcBef>
-                <a:spcPts val="0"/>
-              </a:spcBef>
-              <a:spcAft>
-                <a:spcPts val="0"/>
-              </a:spcAft>
-              <a:buSzPts val="1800"/>
-              <a:buChar char="+"/>
-            </a:pPr>
-            <a:r>
-              <a:rPr lang="en-US" altLang="en-GB" b="1">
-                <a:sym typeface="+mn-ea"/>
-              </a:rPr>
-              <a:t>Is a name of 	a program and it’s a program that has been executed inside of that container</a:t>
-            </a:r>
-            <a:endParaRPr lang="en-US" altLang="en-GB" b="1">
-              <a:sym typeface="+mn-ea"/>
-            </a:endParaRPr>
-          </a:p>
-          <a:p>
-            <a:pPr marL="457200" lvl="0" indent="-342900" algn="l" rtl="0">
-              <a:spcBef>
-                <a:spcPts val="0"/>
-              </a:spcBef>
-              <a:spcAft>
-                <a:spcPts val="0"/>
-              </a:spcAft>
-              <a:buSzPts val="1800"/>
-              <a:buChar char="+"/>
-            </a:pPr>
-            <a:r>
-              <a:rPr lang="en-US" altLang="en-GB" b="1">
-                <a:sym typeface="+mn-ea"/>
-              </a:rPr>
-              <a:t>Open a Command Prompt to execute some command inside a container</a:t>
-            </a:r>
-            <a:endParaRPr lang="en-US" b="1">
-              <a:solidFill>
-                <a:srgbClr val="B45F06"/>
-              </a:solidFill>
-            </a:endParaRPr>
-          </a:p>
-        </p:txBody>
-      </p:sp>
-      <p:pic>
-        <p:nvPicPr>
-          <p:cNvPr id="3" name="Picture 2"/>
-          <p:cNvPicPr>
-            <a:picLocks noChangeAspect="1"/>
-          </p:cNvPicPr>
-          <p:nvPr/>
-        </p:nvPicPr>
-        <p:blipFill>
-          <a:blip r:embed="rId1"/>
-          <a:stretch>
-            <a:fillRect/>
-          </a:stretch>
-        </p:blipFill>
-        <p:spPr>
-          <a:xfrm>
-            <a:off x="1933575" y="2790190"/>
-            <a:ext cx="5276850" cy="1971675"/>
-          </a:xfrm>
-          <a:prstGeom prst="rect">
-            <a:avLst/>
-          </a:prstGeom>
-        </p:spPr>
-      </p:pic>
-    </p:spTree>
-  </p:cSld>
-  <p:clrMapOvr>
-    <a:masterClrMapping/>
-  </p:clrMapOvr>
-</p:sld>
-</file>
-
-<file path=ppt/slides/slide64.xml><?xml version="1.0" encoding="utf-8"?>
-<p:sld xmlns:a="http://schemas.openxmlformats.org/drawingml/2006/main" xmlns:r="http://schemas.openxmlformats.org/officeDocument/2006/relationships" xmlns:p="http://schemas.openxmlformats.org/presentationml/2006/main">
-  <p:cSld>
-    <p:spTree>
-      <p:nvGrpSpPr>
-        <p:cNvPr id="77" name="Shape 77"/>
-        <p:cNvGrpSpPr/>
-        <p:nvPr/>
-      </p:nvGrpSpPr>
-      <p:grpSpPr>
-        <a:xfrm>
-          <a:off x="0" y="0"/>
-          <a:ext cx="0" cy="0"/>
-          <a:chOff x="0" y="0"/>
-          <a:chExt cx="0" cy="0"/>
-        </a:xfrm>
-      </p:grpSpPr>
-      <p:sp>
-        <p:nvSpPr>
-          <p:cNvPr id="78" name="Google Shape;78;p15"/>
-          <p:cNvSpPr txBox="1"/>
-          <p:nvPr>
-            <p:ph type="title"/>
-          </p:nvPr>
-        </p:nvSpPr>
-        <p:spPr>
-          <a:xfrm>
-            <a:off x="311700" y="123715"/>
-            <a:ext cx="8520600" cy="707400"/>
-          </a:xfrm>
-          <a:prstGeom prst="rect">
-            <a:avLst/>
-          </a:prstGeom>
-        </p:spPr>
-        <p:txBody>
-          <a:bodyPr spcFirstLastPara="1" wrap="square" lIns="91425" tIns="91425" rIns="91425" bIns="91425" anchor="t" anchorCtr="0">
-            <a:normAutofit/>
-          </a:bodyPr>
-          <a:lstStyle/>
-          <a:p>
-            <a:pPr marL="0" lvl="0" indent="0" algn="l" rtl="0">
-              <a:spcBef>
-                <a:spcPts val="0"/>
-              </a:spcBef>
-              <a:spcAft>
-                <a:spcPts val="0"/>
-              </a:spcAft>
-              <a:buSzPts val="990"/>
-              <a:buNone/>
-            </a:pPr>
-            <a:r>
-              <a:rPr lang="en-US" sz="2940"/>
-              <a:t>Starting with a Shell</a:t>
-            </a:r>
-            <a:endParaRPr lang="en-US" sz="2940" b="0">
-              <a:solidFill>
-                <a:srgbClr val="3D85C6"/>
-              </a:solidFill>
-            </a:endParaRPr>
-          </a:p>
-        </p:txBody>
-      </p:sp>
-      <p:sp>
-        <p:nvSpPr>
-          <p:cNvPr id="79" name="Google Shape;79;p15"/>
-          <p:cNvSpPr txBox="1"/>
-          <p:nvPr>
-            <p:ph type="body" idx="1"/>
-          </p:nvPr>
-        </p:nvSpPr>
-        <p:spPr>
-          <a:xfrm>
-            <a:off x="311785" y="831850"/>
-            <a:ext cx="8520430" cy="2052955"/>
-          </a:xfrm>
-          <a:prstGeom prst="rect">
-            <a:avLst/>
-          </a:prstGeom>
-        </p:spPr>
-        <p:txBody>
-          <a:bodyPr spcFirstLastPara="1" wrap="square" lIns="91425" tIns="91425" rIns="91425" bIns="91425" anchor="t" anchorCtr="0">
-            <a:normAutofit lnSpcReduction="10000"/>
-          </a:bodyPr>
-          <a:p>
-            <a:pPr marL="114300" lvl="0" indent="0" algn="l" rtl="0">
-              <a:spcBef>
-                <a:spcPts val="0"/>
-              </a:spcBef>
-              <a:spcAft>
-                <a:spcPts val="0"/>
-              </a:spcAft>
-              <a:buSzPts val="1800"/>
-              <a:buNone/>
-            </a:pPr>
-            <a:r>
-              <a:rPr lang="en-US" altLang="en-GB" b="1">
-                <a:sym typeface="+mn-ea"/>
-              </a:rPr>
-              <a:t>&gt;&gt; docker run &lt;image_name&gt; --it sh</a:t>
-            </a:r>
-            <a:endParaRPr lang="en-US" altLang="en-GB" b="1">
-              <a:sym typeface="+mn-ea"/>
-            </a:endParaRPr>
-          </a:p>
-          <a:p>
-            <a:pPr marL="457200" lvl="0" indent="-342900" algn="l" rtl="0">
-              <a:spcBef>
-                <a:spcPts val="0"/>
-              </a:spcBef>
-              <a:spcAft>
-                <a:spcPts val="0"/>
-              </a:spcAft>
-              <a:buSzPts val="1800"/>
-              <a:buChar char="+"/>
-            </a:pPr>
-            <a:r>
-              <a:rPr lang="en-US" altLang="en-GB" b="1">
-                <a:sym typeface="+mn-ea"/>
-              </a:rPr>
-              <a:t>Start a new shell when run new container</a:t>
-            </a:r>
-            <a:endParaRPr lang="en-US" b="1">
-              <a:solidFill>
-                <a:srgbClr val="B45F06"/>
-              </a:solidFill>
-            </a:endParaRPr>
-          </a:p>
-        </p:txBody>
-      </p:sp>
-      <p:pic>
-        <p:nvPicPr>
-          <p:cNvPr id="2" name="Picture 1"/>
-          <p:cNvPicPr>
-            <a:picLocks noChangeAspect="1"/>
-          </p:cNvPicPr>
-          <p:nvPr/>
-        </p:nvPicPr>
-        <p:blipFill>
-          <a:blip r:embed="rId1"/>
-          <a:stretch>
-            <a:fillRect/>
-          </a:stretch>
-        </p:blipFill>
-        <p:spPr>
-          <a:xfrm>
-            <a:off x="2071370" y="1809750"/>
-            <a:ext cx="5000625" cy="2543175"/>
-          </a:xfrm>
-          <a:prstGeom prst="rect">
-            <a:avLst/>
-          </a:prstGeom>
-        </p:spPr>
-      </p:pic>
-    </p:spTree>
-  </p:cSld>
-  <p:clrMapOvr>
-    <a:masterClrMapping/>
-  </p:clrMapOvr>
-</p:sld>
-</file>
-
-<file path=ppt/slides/slide65.xml><?xml version="1.0" encoding="utf-8"?>
-<p:sld xmlns:a="http://schemas.openxmlformats.org/drawingml/2006/main" xmlns:r="http://schemas.openxmlformats.org/officeDocument/2006/relationships" xmlns:p="http://schemas.openxmlformats.org/presentationml/2006/main">
-  <p:cSld>
-    <p:spTree>
-      <p:nvGrpSpPr>
-        <p:cNvPr id="77" name="Shape 77"/>
-        <p:cNvGrpSpPr/>
-        <p:nvPr/>
-      </p:nvGrpSpPr>
-      <p:grpSpPr>
-        <a:xfrm>
-          <a:off x="0" y="0"/>
-          <a:ext cx="0" cy="0"/>
-          <a:chOff x="0" y="0"/>
-          <a:chExt cx="0" cy="0"/>
-        </a:xfrm>
-      </p:grpSpPr>
-      <p:sp>
-        <p:nvSpPr>
-          <p:cNvPr id="78" name="Google Shape;78;p15"/>
-          <p:cNvSpPr txBox="1"/>
-          <p:nvPr>
-            <p:ph type="title"/>
-          </p:nvPr>
-        </p:nvSpPr>
-        <p:spPr>
-          <a:xfrm>
-            <a:off x="311700" y="123715"/>
-            <a:ext cx="8520600" cy="707400"/>
-          </a:xfrm>
-          <a:prstGeom prst="rect">
-            <a:avLst/>
-          </a:prstGeom>
-        </p:spPr>
-        <p:txBody>
-          <a:bodyPr spcFirstLastPara="1" wrap="square" lIns="91425" tIns="91425" rIns="91425" bIns="91425" anchor="t" anchorCtr="0">
-            <a:normAutofit/>
-          </a:bodyPr>
-          <a:lstStyle/>
-          <a:p>
-            <a:pPr marL="0" lvl="0" indent="0" algn="l" rtl="0">
-              <a:spcBef>
-                <a:spcPts val="0"/>
-              </a:spcBef>
-              <a:spcAft>
-                <a:spcPts val="0"/>
-              </a:spcAft>
-              <a:buSzPts val="990"/>
-              <a:buNone/>
-            </a:pPr>
-            <a:r>
-              <a:rPr lang="en-US" sz="2940"/>
-              <a:t>Starting with a Shell</a:t>
-            </a:r>
-            <a:endParaRPr lang="en-US" sz="2940" b="0">
-              <a:solidFill>
-                <a:srgbClr val="3D85C6"/>
-              </a:solidFill>
-            </a:endParaRPr>
-          </a:p>
-        </p:txBody>
-      </p:sp>
-      <p:pic>
-        <p:nvPicPr>
-          <p:cNvPr id="2" name="Picture 1"/>
-          <p:cNvPicPr>
-            <a:picLocks noChangeAspect="1"/>
-          </p:cNvPicPr>
-          <p:nvPr/>
-        </p:nvPicPr>
-        <p:blipFill>
-          <a:blip r:embed="rId1"/>
-          <a:stretch>
-            <a:fillRect/>
-          </a:stretch>
-        </p:blipFill>
-        <p:spPr>
-          <a:xfrm>
-            <a:off x="5570220" y="831215"/>
-            <a:ext cx="3373755" cy="3197860"/>
-          </a:xfrm>
-          <a:prstGeom prst="rect">
-            <a:avLst/>
-          </a:prstGeom>
-        </p:spPr>
-      </p:pic>
-      <p:pic>
-        <p:nvPicPr>
-          <p:cNvPr id="4" name="Picture 3"/>
-          <p:cNvPicPr>
-            <a:picLocks noChangeAspect="1"/>
-          </p:cNvPicPr>
-          <p:nvPr/>
-        </p:nvPicPr>
-        <p:blipFill>
-          <a:blip r:embed="rId2"/>
-          <a:stretch>
-            <a:fillRect/>
-          </a:stretch>
-        </p:blipFill>
-        <p:spPr>
-          <a:xfrm>
-            <a:off x="311785" y="1017905"/>
-            <a:ext cx="5206365" cy="2823845"/>
-          </a:xfrm>
-          <a:prstGeom prst="rect">
-            <a:avLst/>
-          </a:prstGeom>
-        </p:spPr>
-      </p:pic>
-    </p:spTree>
-  </p:cSld>
-  <p:clrMapOvr>
-    <a:masterClrMapping/>
-  </p:clrMapOvr>
-</p:sld>
-</file>
-
-<file path=ppt/slides/slide66.xml><?xml version="1.0" encoding="utf-8"?>
-<p:sld xmlns:a="http://schemas.openxmlformats.org/drawingml/2006/main" xmlns:r="http://schemas.openxmlformats.org/officeDocument/2006/relationships" xmlns:p="http://schemas.openxmlformats.org/presentationml/2006/main">
-  <p:cSld>
-    <p:spTree>
-      <p:nvGrpSpPr>
-        <p:cNvPr id="450" name="Shape 450"/>
-        <p:cNvGrpSpPr/>
-        <p:nvPr/>
-      </p:nvGrpSpPr>
-      <p:grpSpPr>
-        <a:xfrm>
-          <a:off x="0" y="0"/>
-          <a:ext cx="0" cy="0"/>
-          <a:chOff x="0" y="0"/>
-          <a:chExt cx="0" cy="0"/>
-        </a:xfrm>
-      </p:grpSpPr>
-      <p:sp>
-        <p:nvSpPr>
-          <p:cNvPr id="451" name="Google Shape;451;p61"/>
-          <p:cNvSpPr txBox="1"/>
-          <p:nvPr>
-            <p:ph type="title"/>
-          </p:nvPr>
-        </p:nvSpPr>
-        <p:spPr>
-          <a:xfrm>
-            <a:off x="311700" y="814800"/>
-            <a:ext cx="8571300" cy="942000"/>
-          </a:xfrm>
-          <a:prstGeom prst="rect">
-            <a:avLst/>
-          </a:prstGeom>
-        </p:spPr>
-        <p:txBody>
-          <a:bodyPr spcFirstLastPara="1" wrap="square" lIns="91425" tIns="91425" rIns="91425" bIns="91425" anchor="ctr" anchorCtr="0">
-            <a:normAutofit/>
-          </a:bodyPr>
-          <a:lstStyle/>
-          <a:p>
-            <a:pPr marL="0" lvl="0" indent="0" algn="ctr" rtl="0">
-              <a:spcBef>
-                <a:spcPts val="0"/>
-              </a:spcBef>
-              <a:spcAft>
-                <a:spcPts val="0"/>
-              </a:spcAft>
-              <a:buNone/>
-            </a:pPr>
-            <a:r>
-              <a:rPr lang="en-GB"/>
-              <a:t>THANKS FOR LISTENING</a:t>
-            </a:r>
-            <a:endParaRPr lang="en-GB"/>
-          </a:p>
-        </p:txBody>
-      </p:sp>
     </p:spTree>
   </p:cSld>
   <p:clrMapOvr>
